--- a/softskills/willpower/willpower.pptx
+++ b/softskills/willpower/willpower.pptx
@@ -6,70 +6,78 @@
   </p:sldMasterIdLst>
   <p:sldIdLst>
     <p:sldId id="256" r:id="rId2"/>
-    <p:sldId id="286" r:id="rId3"/>
-    <p:sldId id="257" r:id="rId4"/>
-    <p:sldId id="309" r:id="rId5"/>
-    <p:sldId id="310" r:id="rId6"/>
-    <p:sldId id="302" r:id="rId7"/>
-    <p:sldId id="311" r:id="rId8"/>
-    <p:sldId id="258" r:id="rId9"/>
-    <p:sldId id="303" r:id="rId10"/>
-    <p:sldId id="307" r:id="rId11"/>
-    <p:sldId id="308" r:id="rId12"/>
-    <p:sldId id="312" r:id="rId13"/>
-    <p:sldId id="259" r:id="rId14"/>
-    <p:sldId id="269" r:id="rId15"/>
-    <p:sldId id="260" r:id="rId16"/>
-    <p:sldId id="261" r:id="rId17"/>
-    <p:sldId id="262" r:id="rId18"/>
-    <p:sldId id="263" r:id="rId19"/>
-    <p:sldId id="264" r:id="rId20"/>
-    <p:sldId id="270" r:id="rId21"/>
-    <p:sldId id="317" r:id="rId22"/>
-    <p:sldId id="265" r:id="rId23"/>
-    <p:sldId id="321" r:id="rId24"/>
-    <p:sldId id="266" r:id="rId25"/>
-    <p:sldId id="267" r:id="rId26"/>
-    <p:sldId id="313" r:id="rId27"/>
-    <p:sldId id="314" r:id="rId28"/>
-    <p:sldId id="315" r:id="rId29"/>
-    <p:sldId id="316" r:id="rId30"/>
-    <p:sldId id="318" r:id="rId31"/>
-    <p:sldId id="287" r:id="rId32"/>
-    <p:sldId id="288" r:id="rId33"/>
-    <p:sldId id="289" r:id="rId34"/>
-    <p:sldId id="268" r:id="rId35"/>
-    <p:sldId id="298" r:id="rId36"/>
-    <p:sldId id="299" r:id="rId37"/>
-    <p:sldId id="301" r:id="rId38"/>
-    <p:sldId id="319" r:id="rId39"/>
-    <p:sldId id="290" r:id="rId40"/>
-    <p:sldId id="320" r:id="rId41"/>
-    <p:sldId id="294" r:id="rId42"/>
-    <p:sldId id="291" r:id="rId43"/>
-    <p:sldId id="292" r:id="rId44"/>
-    <p:sldId id="293" r:id="rId45"/>
-    <p:sldId id="271" r:id="rId46"/>
-    <p:sldId id="272" r:id="rId47"/>
-    <p:sldId id="297" r:id="rId48"/>
-    <p:sldId id="274" r:id="rId49"/>
-    <p:sldId id="275" r:id="rId50"/>
-    <p:sldId id="300" r:id="rId51"/>
-    <p:sldId id="304" r:id="rId52"/>
-    <p:sldId id="276" r:id="rId53"/>
-    <p:sldId id="277" r:id="rId54"/>
-    <p:sldId id="306" r:id="rId55"/>
-    <p:sldId id="305" r:id="rId56"/>
-    <p:sldId id="284" r:id="rId57"/>
-    <p:sldId id="278" r:id="rId58"/>
-    <p:sldId id="279" r:id="rId59"/>
-    <p:sldId id="280" r:id="rId60"/>
-    <p:sldId id="281" r:id="rId61"/>
-    <p:sldId id="282" r:id="rId62"/>
-    <p:sldId id="283" r:id="rId63"/>
-    <p:sldId id="295" r:id="rId64"/>
-    <p:sldId id="296" r:id="rId65"/>
-    <p:sldId id="285" r:id="rId66"/>
+    <p:sldId id="322" r:id="rId3"/>
+    <p:sldId id="329" r:id="rId4"/>
+    <p:sldId id="323" r:id="rId5"/>
+    <p:sldId id="324" r:id="rId6"/>
+    <p:sldId id="325" r:id="rId7"/>
+    <p:sldId id="326" r:id="rId8"/>
+    <p:sldId id="327" r:id="rId9"/>
+    <p:sldId id="328" r:id="rId10"/>
+    <p:sldId id="308" r:id="rId11"/>
+    <p:sldId id="331" r:id="rId12"/>
+    <p:sldId id="286" r:id="rId13"/>
+    <p:sldId id="330" r:id="rId14"/>
+    <p:sldId id="257" r:id="rId15"/>
+    <p:sldId id="309" r:id="rId16"/>
+    <p:sldId id="310" r:id="rId17"/>
+    <p:sldId id="302" r:id="rId18"/>
+    <p:sldId id="311" r:id="rId19"/>
+    <p:sldId id="258" r:id="rId20"/>
+    <p:sldId id="303" r:id="rId21"/>
+    <p:sldId id="307" r:id="rId22"/>
+    <p:sldId id="259" r:id="rId23"/>
+    <p:sldId id="269" r:id="rId24"/>
+    <p:sldId id="260" r:id="rId25"/>
+    <p:sldId id="261" r:id="rId26"/>
+    <p:sldId id="262" r:id="rId27"/>
+    <p:sldId id="263" r:id="rId28"/>
+    <p:sldId id="264" r:id="rId29"/>
+    <p:sldId id="270" r:id="rId30"/>
+    <p:sldId id="317" r:id="rId31"/>
+    <p:sldId id="265" r:id="rId32"/>
+    <p:sldId id="321" r:id="rId33"/>
+    <p:sldId id="266" r:id="rId34"/>
+    <p:sldId id="267" r:id="rId35"/>
+    <p:sldId id="313" r:id="rId36"/>
+    <p:sldId id="314" r:id="rId37"/>
+    <p:sldId id="315" r:id="rId38"/>
+    <p:sldId id="316" r:id="rId39"/>
+    <p:sldId id="318" r:id="rId40"/>
+    <p:sldId id="287" r:id="rId41"/>
+    <p:sldId id="288" r:id="rId42"/>
+    <p:sldId id="289" r:id="rId43"/>
+    <p:sldId id="268" r:id="rId44"/>
+    <p:sldId id="298" r:id="rId45"/>
+    <p:sldId id="299" r:id="rId46"/>
+    <p:sldId id="301" r:id="rId47"/>
+    <p:sldId id="319" r:id="rId48"/>
+    <p:sldId id="290" r:id="rId49"/>
+    <p:sldId id="320" r:id="rId50"/>
+    <p:sldId id="294" r:id="rId51"/>
+    <p:sldId id="291" r:id="rId52"/>
+    <p:sldId id="292" r:id="rId53"/>
+    <p:sldId id="293" r:id="rId54"/>
+    <p:sldId id="271" r:id="rId55"/>
+    <p:sldId id="272" r:id="rId56"/>
+    <p:sldId id="297" r:id="rId57"/>
+    <p:sldId id="274" r:id="rId58"/>
+    <p:sldId id="275" r:id="rId59"/>
+    <p:sldId id="300" r:id="rId60"/>
+    <p:sldId id="304" r:id="rId61"/>
+    <p:sldId id="276" r:id="rId62"/>
+    <p:sldId id="277" r:id="rId63"/>
+    <p:sldId id="306" r:id="rId64"/>
+    <p:sldId id="305" r:id="rId65"/>
+    <p:sldId id="284" r:id="rId66"/>
+    <p:sldId id="278" r:id="rId67"/>
+    <p:sldId id="279" r:id="rId68"/>
+    <p:sldId id="280" r:id="rId69"/>
+    <p:sldId id="281" r:id="rId70"/>
+    <p:sldId id="282" r:id="rId71"/>
+    <p:sldId id="283" r:id="rId72"/>
+    <p:sldId id="296" r:id="rId73"/>
+    <p:sldId id="285" r:id="rId74"/>
   </p:sldIdLst>
   <p:sldSz cx="12192000" cy="6858000"/>
   <p:notesSz cx="6858000" cy="9144000"/>
@@ -168,6 +176,11 @@
       </a:defRPr>
     </a:lvl9pPr>
   </p:defaultTextStyle>
+  <p:extLst>
+    <p:ext uri="{EFAFB233-063F-42B5-8137-9DF3F51BA10A}">
+      <p15:sldGuideLst xmlns:p15="http://schemas.microsoft.com/office/powerpoint/2012/main"/>
+    </p:ext>
+  </p:extLst>
 </p:presentation>
 </file>
 
@@ -818,7 +831,7 @@
             <a:fld id="{1E700B27-DE4C-4B9E-BB11-B9027034A00F}" type="datetimeFigureOut">
               <a:rPr lang="en-US" dirty="0"/>
               <a:pPr/>
-              <a:t>1/11/2021</a:t>
+              <a:t>1/28/2021</a:t>
             </a:fld>
             <a:endParaRPr lang="en-US" dirty="0"/>
           </a:p>
@@ -1934,7 +1947,7 @@
           <a:p>
             <a:fld id="{C40F4739-9812-4A9F-890D-2AD6BA5F6EE8}" type="datetimeFigureOut">
               <a:rPr lang="en-US" dirty="0"/>
-              <a:t>1/11/2021</a:t>
+              <a:t>1/28/2021</a:t>
             </a:fld>
             <a:endParaRPr lang="en-US" dirty="0"/>
           </a:p>
@@ -2941,7 +2954,7 @@
           <a:p>
             <a:fld id="{18845AC5-A3F8-44AA-BA8F-596CDCC976D3}" type="datetimeFigureOut">
               <a:rPr lang="en-US" dirty="0"/>
-              <a:t>1/11/2021</a:t>
+              <a:t>1/28/2021</a:t>
             </a:fld>
             <a:endParaRPr lang="en-US" dirty="0"/>
           </a:p>
@@ -4107,7 +4120,7 @@
           <a:p>
             <a:fld id="{C873B183-A821-4095-A363-9EC968635539}" type="datetimeFigureOut">
               <a:rPr lang="en-US" dirty="0"/>
-              <a:t>1/11/2021</a:t>
+              <a:t>1/28/2021</a:t>
             </a:fld>
             <a:endParaRPr lang="en-US" dirty="0"/>
           </a:p>
@@ -5164,7 +5177,7 @@
           <a:p>
             <a:fld id="{174D01B4-0AA5-45E6-B2E6-5FA4078AEBCF}" type="datetimeFigureOut">
               <a:rPr lang="en-US" dirty="0"/>
-              <a:t>1/11/2021</a:t>
+              <a:t>1/28/2021</a:t>
             </a:fld>
             <a:endParaRPr lang="en-US" dirty="0"/>
           </a:p>
@@ -5806,7 +5819,7 @@
           <a:p>
             <a:fld id="{4147335C-0450-40D7-8612-B3203BED4F28}" type="datetimeFigureOut">
               <a:rPr lang="en-US" dirty="0"/>
-              <a:t>1/11/2021</a:t>
+              <a:t>1/28/2021</a:t>
             </a:fld>
             <a:endParaRPr lang="en-US" dirty="0"/>
           </a:p>
@@ -6649,7 +6662,7 @@
           <a:p>
             <a:fld id="{D246A105-2A1C-4284-B4EA-07CF89B1A393}" type="datetimeFigureOut">
               <a:rPr lang="en-US" dirty="0"/>
-              <a:t>1/11/2021</a:t>
+              <a:t>1/28/2021</a:t>
             </a:fld>
             <a:endParaRPr lang="en-US" dirty="0"/>
           </a:p>
@@ -6820,7 +6833,7 @@
           <a:p>
             <a:fld id="{80DBE609-F3F2-45E6-BD6A-E03A8C86C1AE}" type="datetimeFigureOut">
               <a:rPr lang="en-US" dirty="0"/>
-              <a:t>1/11/2021</a:t>
+              <a:t>1/28/2021</a:t>
             </a:fld>
             <a:endParaRPr lang="en-US" dirty="0"/>
           </a:p>
@@ -7814,7 +7827,7 @@
           <a:p>
             <a:fld id="{7A24AD68-089C-4467-A8F3-EA2BBCA6B44E}" type="datetimeFigureOut">
               <a:rPr lang="en-US" dirty="0"/>
-              <a:t>1/11/2021</a:t>
+              <a:t>1/28/2021</a:t>
             </a:fld>
             <a:endParaRPr lang="en-US" dirty="0"/>
           </a:p>
@@ -8016,7 +8029,7 @@
           <a:p>
             <a:fld id="{75C51FCE-E4BB-4680-8E50-3C0E348D2609}" type="datetimeFigureOut">
               <a:rPr lang="en-US" dirty="0"/>
-              <a:t>1/11/2021</a:t>
+              <a:t>1/28/2021</a:t>
             </a:fld>
             <a:endParaRPr lang="en-US" dirty="0"/>
           </a:p>
@@ -9074,7 +9087,7 @@
           <a:p>
             <a:fld id="{8AAA073D-A903-47F8-8D16-77642FB0DF1F}" type="datetimeFigureOut">
               <a:rPr lang="en-US" dirty="0"/>
-              <a:t>1/11/2021</a:t>
+              <a:t>1/28/2021</a:t>
             </a:fld>
             <a:endParaRPr lang="en-US" dirty="0"/>
           </a:p>
@@ -9342,7 +9355,7 @@
           <a:p>
             <a:fld id="{AB91FA40-626B-4CA1-85D0-7A9016E395BA}" type="datetimeFigureOut">
               <a:rPr lang="en-US" dirty="0"/>
-              <a:t>1/11/2021</a:t>
+              <a:t>1/28/2021</a:t>
             </a:fld>
             <a:endParaRPr lang="en-US" dirty="0"/>
           </a:p>
@@ -9720,7 +9733,7 @@
           <a:p>
             <a:fld id="{C3F425EA-B9DC-48A7-991E-9A82573B1B21}" type="datetimeFigureOut">
               <a:rPr lang="en-US" dirty="0"/>
-              <a:t>1/11/2021</a:t>
+              <a:t>1/28/2021</a:t>
             </a:fld>
             <a:endParaRPr lang="en-US" dirty="0"/>
           </a:p>
@@ -9834,7 +9847,7 @@
           <a:p>
             <a:fld id="{66CB97F8-6CEB-469B-AFCC-889F2A2B1D5A}" type="datetimeFigureOut">
               <a:rPr lang="en-US" dirty="0"/>
-              <a:t>1/11/2021</a:t>
+              <a:t>1/28/2021</a:t>
             </a:fld>
             <a:endParaRPr lang="en-US" dirty="0"/>
           </a:p>
@@ -9925,7 +9938,7 @@
           <a:p>
             <a:fld id="{8FA9179F-009E-4FA5-B091-7EBB82A185BD}" type="datetimeFigureOut">
               <a:rPr lang="en-US" dirty="0"/>
-              <a:t>1/11/2021</a:t>
+              <a:t>1/28/2021</a:t>
             </a:fld>
             <a:endParaRPr lang="en-US" dirty="0"/>
           </a:p>
@@ -11030,7 +11043,7 @@
           <a:p>
             <a:fld id="{8E665CEB-0076-4E37-B880-BCEA9784DE0A}" type="datetimeFigureOut">
               <a:rPr lang="en-US" dirty="0"/>
-              <a:t>1/11/2021</a:t>
+              <a:t>1/28/2021</a:t>
             </a:fld>
             <a:endParaRPr lang="en-US" dirty="0"/>
           </a:p>
@@ -12159,7 +12172,7 @@
           <a:p>
             <a:fld id="{A6149E5E-3896-4118-99A7-7B85668F1C5E}" type="datetimeFigureOut">
               <a:rPr lang="en-US" dirty="0"/>
-              <a:t>1/11/2021</a:t>
+              <a:t>1/28/2021</a:t>
             </a:fld>
             <a:endParaRPr lang="en-US" dirty="0"/>
           </a:p>
@@ -13183,7 +13196,7 @@
           <a:p>
             <a:fld id="{7E0D914D-B099-4142-A885-11F276715148}" type="datetimeFigureOut">
               <a:rPr lang="en-US" dirty="0"/>
-              <a:t>1/11/2021</a:t>
+              <a:t>1/28/2021</a:t>
             </a:fld>
             <a:endParaRPr lang="en-US" dirty="0"/>
           </a:p>
@@ -13848,7 +13861,7 @@
           <a:p>
             <a:r>
               <a:rPr lang="ru-RU" dirty="0"/>
-              <a:t>Мозг. Новый и старый.</a:t>
+              <a:t>Тормоз</a:t>
             </a:r>
             <a:endParaRPr lang="en-US" dirty="0"/>
           </a:p>
@@ -13875,14 +13888,17 @@
           <a:bodyPr/>
           <a:lstStyle/>
           <a:p>
-            <a:endParaRPr lang="en-US" dirty="0"/>
+            <a:r>
+              <a:rPr lang="ru-RU" dirty="0"/>
+              <a:t>Умение тормозить важнейший навык у человека.</a:t>
+            </a:r>
           </a:p>
         </p:txBody>
       </p:sp>
     </p:spTree>
     <p:extLst>
       <p:ext uri="{BB962C8B-B14F-4D97-AF65-F5344CB8AC3E}">
-        <p14:creationId xmlns:p14="http://schemas.microsoft.com/office/powerpoint/2010/main" val="1545225013"/>
+        <p14:creationId xmlns:p14="http://schemas.microsoft.com/office/powerpoint/2010/main" val="1006844023"/>
       </p:ext>
     </p:extLst>
   </p:cSld>
@@ -13961,7 +13977,13 @@
           <a:p>
             <a:r>
               <a:rPr lang="ru-RU" dirty="0"/>
-              <a:t>Умение тормозить очень важно в жизни человека.</a:t>
+              <a:t>Умение тормозить важнейший навык у человека.</a:t>
+            </a:r>
+          </a:p>
+          <a:p>
+            <a:r>
+              <a:rPr lang="ru-RU" dirty="0"/>
+              <a:t>Умение противостоять своим влечениям и импульсам.</a:t>
             </a:r>
           </a:p>
         </p:txBody>
@@ -13969,7 +13991,7 @@
     </p:spTree>
     <p:extLst>
       <p:ext uri="{BB962C8B-B14F-4D97-AF65-F5344CB8AC3E}">
-        <p14:creationId xmlns:p14="http://schemas.microsoft.com/office/powerpoint/2010/main" val="1006844023"/>
+        <p14:creationId xmlns:p14="http://schemas.microsoft.com/office/powerpoint/2010/main" val="860212547"/>
       </p:ext>
     </p:extLst>
   </p:cSld>
@@ -14001,7 +14023,7 @@
           <p:cNvPr id="2" name="Title 1">
             <a:extLst>
               <a:ext uri="{FF2B5EF4-FFF2-40B4-BE49-F238E27FC236}">
-                <a16:creationId xmlns:a16="http://schemas.microsoft.com/office/drawing/2014/main" id="{A2EDEEEE-C304-43A3-878E-B96C543F0E03}"/>
+                <a16:creationId xmlns:a16="http://schemas.microsoft.com/office/drawing/2014/main" id="{20DF650D-2B7A-4077-BF8F-A2814C4EE1B7}"/>
               </a:ext>
             </a:extLst>
           </p:cNvPr>
@@ -14019,7 +14041,7 @@
           <a:p>
             <a:r>
               <a:rPr lang="ru-RU" dirty="0"/>
-              <a:t>Тормоз</a:t>
+              <a:t>Где находится наш тормоз?</a:t>
             </a:r>
             <a:endParaRPr lang="en-US" dirty="0"/>
           </a:p>
@@ -14030,7 +14052,7 @@
           <p:cNvPr id="3" name="Content Placeholder 2">
             <a:extLst>
               <a:ext uri="{FF2B5EF4-FFF2-40B4-BE49-F238E27FC236}">
-                <a16:creationId xmlns:a16="http://schemas.microsoft.com/office/drawing/2014/main" id="{7C9BA842-1486-423C-8A3F-68772024B330}"/>
+                <a16:creationId xmlns:a16="http://schemas.microsoft.com/office/drawing/2014/main" id="{83C5BB53-5B80-469F-8473-A2499551DF76}"/>
               </a:ext>
             </a:extLst>
           </p:cNvPr>
@@ -14046,16 +14068,6 @@
           <a:bodyPr/>
           <a:lstStyle/>
           <a:p>
-            <a:r>
-              <a:rPr lang="ru-RU" dirty="0"/>
-              <a:t>Умение тормозить очень важно в жизни человека.</a:t>
-            </a:r>
-          </a:p>
-          <a:p>
-            <a:r>
-              <a:rPr lang="ru-RU" dirty="0"/>
-              <a:t>Умение противостоять своим влечениям. </a:t>
-            </a:r>
             <a:endParaRPr lang="en-US" dirty="0"/>
           </a:p>
         </p:txBody>
@@ -14063,7 +14075,7 @@
     </p:spTree>
     <p:extLst>
       <p:ext uri="{BB962C8B-B14F-4D97-AF65-F5344CB8AC3E}">
-        <p14:creationId xmlns:p14="http://schemas.microsoft.com/office/powerpoint/2010/main" val="811010701"/>
+        <p14:creationId xmlns:p14="http://schemas.microsoft.com/office/powerpoint/2010/main" val="584322234"/>
       </p:ext>
     </p:extLst>
   </p:cSld>
@@ -14074,6 +14086,922 @@
 </file>
 
 <file path=ppt/slides/slide13.xml><?xml version="1.0" encoding="utf-8"?>
+<p:sld xmlns:a="http://schemas.openxmlformats.org/drawingml/2006/main" xmlns:r="http://schemas.openxmlformats.org/officeDocument/2006/relationships" xmlns:p="http://schemas.openxmlformats.org/presentationml/2006/main">
+  <p:cSld>
+    <p:spTree>
+      <p:nvGrpSpPr>
+        <p:cNvPr id="1" name=""/>
+        <p:cNvGrpSpPr/>
+        <p:nvPr/>
+      </p:nvGrpSpPr>
+      <p:grpSpPr>
+        <a:xfrm>
+          <a:off x="0" y="0"/>
+          <a:ext cx="0" cy="0"/>
+          <a:chOff x="0" y="0"/>
+          <a:chExt cx="0" cy="0"/>
+        </a:xfrm>
+      </p:grpSpPr>
+      <p:sp>
+        <p:nvSpPr>
+          <p:cNvPr id="2" name="Title 1">
+            <a:extLst>
+              <a:ext uri="{FF2B5EF4-FFF2-40B4-BE49-F238E27FC236}">
+                <a16:creationId xmlns:a16="http://schemas.microsoft.com/office/drawing/2014/main" id="{20DF650D-2B7A-4077-BF8F-A2814C4EE1B7}"/>
+              </a:ext>
+            </a:extLst>
+          </p:cNvPr>
+          <p:cNvSpPr>
+            <a:spLocks noGrp="1"/>
+          </p:cNvSpPr>
+          <p:nvPr>
+            <p:ph type="title"/>
+          </p:nvPr>
+        </p:nvSpPr>
+        <p:spPr/>
+        <p:txBody>
+          <a:bodyPr/>
+          <a:lstStyle/>
+          <a:p>
+            <a:r>
+              <a:rPr lang="ru-RU" dirty="0"/>
+              <a:t>Финеас Гейдж</a:t>
+            </a:r>
+            <a:endParaRPr lang="en-US" dirty="0"/>
+          </a:p>
+        </p:txBody>
+      </p:sp>
+      <p:sp>
+        <p:nvSpPr>
+          <p:cNvPr id="3" name="Content Placeholder 2">
+            <a:extLst>
+              <a:ext uri="{FF2B5EF4-FFF2-40B4-BE49-F238E27FC236}">
+                <a16:creationId xmlns:a16="http://schemas.microsoft.com/office/drawing/2014/main" id="{83C5BB53-5B80-469F-8473-A2499551DF76}"/>
+              </a:ext>
+            </a:extLst>
+          </p:cNvPr>
+          <p:cNvSpPr>
+            <a:spLocks noGrp="1"/>
+          </p:cNvSpPr>
+          <p:nvPr>
+            <p:ph idx="1"/>
+          </p:nvPr>
+        </p:nvSpPr>
+        <p:spPr/>
+        <p:txBody>
+          <a:bodyPr/>
+          <a:lstStyle/>
+          <a:p>
+            <a:endParaRPr lang="en-US" dirty="0"/>
+          </a:p>
+        </p:txBody>
+      </p:sp>
+    </p:spTree>
+    <p:extLst>
+      <p:ext uri="{BB962C8B-B14F-4D97-AF65-F5344CB8AC3E}">
+        <p14:creationId xmlns:p14="http://schemas.microsoft.com/office/powerpoint/2010/main" val="1286999957"/>
+      </p:ext>
+    </p:extLst>
+  </p:cSld>
+  <p:clrMapOvr>
+    <a:masterClrMapping/>
+  </p:clrMapOvr>
+</p:sld>
+</file>
+
+<file path=ppt/slides/slide14.xml><?xml version="1.0" encoding="utf-8"?>
+<p:sld xmlns:a="http://schemas.openxmlformats.org/drawingml/2006/main" xmlns:r="http://schemas.openxmlformats.org/officeDocument/2006/relationships" xmlns:p="http://schemas.openxmlformats.org/presentationml/2006/main">
+  <p:cSld>
+    <p:spTree>
+      <p:nvGrpSpPr>
+        <p:cNvPr id="1" name=""/>
+        <p:cNvGrpSpPr/>
+        <p:nvPr/>
+      </p:nvGrpSpPr>
+      <p:grpSpPr>
+        <a:xfrm>
+          <a:off x="0" y="0"/>
+          <a:ext cx="0" cy="0"/>
+          <a:chOff x="0" y="0"/>
+          <a:chExt cx="0" cy="0"/>
+        </a:xfrm>
+      </p:grpSpPr>
+      <p:sp>
+        <p:nvSpPr>
+          <p:cNvPr id="2" name="Title 1">
+            <a:extLst>
+              <a:ext uri="{FF2B5EF4-FFF2-40B4-BE49-F238E27FC236}">
+                <a16:creationId xmlns:a16="http://schemas.microsoft.com/office/drawing/2014/main" id="{20DF650D-2B7A-4077-BF8F-A2814C4EE1B7}"/>
+              </a:ext>
+            </a:extLst>
+          </p:cNvPr>
+          <p:cNvSpPr>
+            <a:spLocks noGrp="1"/>
+          </p:cNvSpPr>
+          <p:nvPr>
+            <p:ph type="title"/>
+          </p:nvPr>
+        </p:nvSpPr>
+        <p:spPr/>
+        <p:txBody>
+          <a:bodyPr/>
+          <a:lstStyle/>
+          <a:p>
+            <a:r>
+              <a:rPr lang="ru-RU" dirty="0"/>
+              <a:t>Финеас Гейдж</a:t>
+            </a:r>
+            <a:endParaRPr lang="en-US" dirty="0"/>
+          </a:p>
+        </p:txBody>
+      </p:sp>
+      <p:sp>
+        <p:nvSpPr>
+          <p:cNvPr id="3" name="Content Placeholder 2">
+            <a:extLst>
+              <a:ext uri="{FF2B5EF4-FFF2-40B4-BE49-F238E27FC236}">
+                <a16:creationId xmlns:a16="http://schemas.microsoft.com/office/drawing/2014/main" id="{83C5BB53-5B80-469F-8473-A2499551DF76}"/>
+              </a:ext>
+            </a:extLst>
+          </p:cNvPr>
+          <p:cNvSpPr>
+            <a:spLocks noGrp="1"/>
+          </p:cNvSpPr>
+          <p:nvPr>
+            <p:ph idx="1"/>
+          </p:nvPr>
+        </p:nvSpPr>
+        <p:spPr/>
+        <p:txBody>
+          <a:bodyPr/>
+          <a:lstStyle/>
+          <a:p>
+            <a:r>
+              <a:rPr lang="ru-RU" dirty="0"/>
+              <a:t>13 сентября 1848 года.</a:t>
+            </a:r>
+            <a:endParaRPr lang="en-US" dirty="0"/>
+          </a:p>
+        </p:txBody>
+      </p:sp>
+    </p:spTree>
+    <p:extLst>
+      <p:ext uri="{BB962C8B-B14F-4D97-AF65-F5344CB8AC3E}">
+        <p14:creationId xmlns:p14="http://schemas.microsoft.com/office/powerpoint/2010/main" val="2593535607"/>
+      </p:ext>
+    </p:extLst>
+  </p:cSld>
+  <p:clrMapOvr>
+    <a:masterClrMapping/>
+  </p:clrMapOvr>
+</p:sld>
+</file>
+
+<file path=ppt/slides/slide15.xml><?xml version="1.0" encoding="utf-8"?>
+<p:sld xmlns:a="http://schemas.openxmlformats.org/drawingml/2006/main" xmlns:r="http://schemas.openxmlformats.org/officeDocument/2006/relationships" xmlns:p="http://schemas.openxmlformats.org/presentationml/2006/main">
+  <p:cSld>
+    <p:spTree>
+      <p:nvGrpSpPr>
+        <p:cNvPr id="1" name=""/>
+        <p:cNvGrpSpPr/>
+        <p:nvPr/>
+      </p:nvGrpSpPr>
+      <p:grpSpPr>
+        <a:xfrm>
+          <a:off x="0" y="0"/>
+          <a:ext cx="0" cy="0"/>
+          <a:chOff x="0" y="0"/>
+          <a:chExt cx="0" cy="0"/>
+        </a:xfrm>
+      </p:grpSpPr>
+      <p:sp>
+        <p:nvSpPr>
+          <p:cNvPr id="2" name="Title 1">
+            <a:extLst>
+              <a:ext uri="{FF2B5EF4-FFF2-40B4-BE49-F238E27FC236}">
+                <a16:creationId xmlns:a16="http://schemas.microsoft.com/office/drawing/2014/main" id="{20DF650D-2B7A-4077-BF8F-A2814C4EE1B7}"/>
+              </a:ext>
+            </a:extLst>
+          </p:cNvPr>
+          <p:cNvSpPr>
+            <a:spLocks noGrp="1"/>
+          </p:cNvSpPr>
+          <p:nvPr>
+            <p:ph type="title"/>
+          </p:nvPr>
+        </p:nvSpPr>
+        <p:spPr/>
+        <p:txBody>
+          <a:bodyPr/>
+          <a:lstStyle/>
+          <a:p>
+            <a:r>
+              <a:rPr lang="ru-RU" dirty="0"/>
+              <a:t>Финеас Гейдж</a:t>
+            </a:r>
+            <a:endParaRPr lang="en-US" dirty="0"/>
+          </a:p>
+        </p:txBody>
+      </p:sp>
+      <p:sp>
+        <p:nvSpPr>
+          <p:cNvPr id="3" name="Content Placeholder 2">
+            <a:extLst>
+              <a:ext uri="{FF2B5EF4-FFF2-40B4-BE49-F238E27FC236}">
+                <a16:creationId xmlns:a16="http://schemas.microsoft.com/office/drawing/2014/main" id="{83C5BB53-5B80-469F-8473-A2499551DF76}"/>
+              </a:ext>
+            </a:extLst>
+          </p:cNvPr>
+          <p:cNvSpPr>
+            <a:spLocks noGrp="1"/>
+          </p:cNvSpPr>
+          <p:nvPr>
+            <p:ph idx="1"/>
+          </p:nvPr>
+        </p:nvSpPr>
+        <p:spPr/>
+        <p:txBody>
+          <a:bodyPr/>
+          <a:lstStyle/>
+          <a:p>
+            <a:r>
+              <a:rPr lang="ru-RU" dirty="0"/>
+              <a:t>13 сентября 1848 года.</a:t>
+            </a:r>
+          </a:p>
+          <a:p>
+            <a:endParaRPr lang="ru-RU" dirty="0"/>
+          </a:p>
+        </p:txBody>
+      </p:sp>
+    </p:spTree>
+    <p:extLst>
+      <p:ext uri="{BB962C8B-B14F-4D97-AF65-F5344CB8AC3E}">
+        <p14:creationId xmlns:p14="http://schemas.microsoft.com/office/powerpoint/2010/main" val="1880369652"/>
+      </p:ext>
+    </p:extLst>
+  </p:cSld>
+  <p:clrMapOvr>
+    <a:masterClrMapping/>
+  </p:clrMapOvr>
+</p:sld>
+</file>
+
+<file path=ppt/slides/slide16.xml><?xml version="1.0" encoding="utf-8"?>
+<p:sld xmlns:a="http://schemas.openxmlformats.org/drawingml/2006/main" xmlns:r="http://schemas.openxmlformats.org/officeDocument/2006/relationships" xmlns:p="http://schemas.openxmlformats.org/presentationml/2006/main">
+  <p:cSld>
+    <p:spTree>
+      <p:nvGrpSpPr>
+        <p:cNvPr id="1" name=""/>
+        <p:cNvGrpSpPr/>
+        <p:nvPr/>
+      </p:nvGrpSpPr>
+      <p:grpSpPr>
+        <a:xfrm>
+          <a:off x="0" y="0"/>
+          <a:ext cx="0" cy="0"/>
+          <a:chOff x="0" y="0"/>
+          <a:chExt cx="0" cy="0"/>
+        </a:xfrm>
+      </p:grpSpPr>
+      <p:sp>
+        <p:nvSpPr>
+          <p:cNvPr id="2" name="Title 1">
+            <a:extLst>
+              <a:ext uri="{FF2B5EF4-FFF2-40B4-BE49-F238E27FC236}">
+                <a16:creationId xmlns:a16="http://schemas.microsoft.com/office/drawing/2014/main" id="{20DF650D-2B7A-4077-BF8F-A2814C4EE1B7}"/>
+              </a:ext>
+            </a:extLst>
+          </p:cNvPr>
+          <p:cNvSpPr>
+            <a:spLocks noGrp="1"/>
+          </p:cNvSpPr>
+          <p:nvPr>
+            <p:ph type="title"/>
+          </p:nvPr>
+        </p:nvSpPr>
+        <p:spPr/>
+        <p:txBody>
+          <a:bodyPr/>
+          <a:lstStyle/>
+          <a:p>
+            <a:r>
+              <a:rPr lang="ru-RU" dirty="0"/>
+              <a:t>Финеас Гейдж</a:t>
+            </a:r>
+            <a:endParaRPr lang="en-US" dirty="0"/>
+          </a:p>
+        </p:txBody>
+      </p:sp>
+      <p:sp>
+        <p:nvSpPr>
+          <p:cNvPr id="3" name="Content Placeholder 2">
+            <a:extLst>
+              <a:ext uri="{FF2B5EF4-FFF2-40B4-BE49-F238E27FC236}">
+                <a16:creationId xmlns:a16="http://schemas.microsoft.com/office/drawing/2014/main" id="{83C5BB53-5B80-469F-8473-A2499551DF76}"/>
+              </a:ext>
+            </a:extLst>
+          </p:cNvPr>
+          <p:cNvSpPr>
+            <a:spLocks noGrp="1"/>
+          </p:cNvSpPr>
+          <p:nvPr>
+            <p:ph idx="1"/>
+          </p:nvPr>
+        </p:nvSpPr>
+        <p:spPr/>
+        <p:txBody>
+          <a:bodyPr/>
+          <a:lstStyle/>
+          <a:p>
+            <a:r>
+              <a:rPr lang="ru-RU" dirty="0"/>
+              <a:t>13 сентября 1848 года.</a:t>
+            </a:r>
+          </a:p>
+          <a:p>
+            <a:r>
+              <a:rPr lang="ru-RU" dirty="0"/>
+              <a:t>Было</a:t>
+            </a:r>
+          </a:p>
+          <a:p>
+            <a:r>
+              <a:rPr lang="ru-RU" dirty="0"/>
+              <a:t>Стало</a:t>
+            </a:r>
+            <a:endParaRPr lang="en-US" dirty="0"/>
+          </a:p>
+        </p:txBody>
+      </p:sp>
+    </p:spTree>
+    <p:extLst>
+      <p:ext uri="{BB962C8B-B14F-4D97-AF65-F5344CB8AC3E}">
+        <p14:creationId xmlns:p14="http://schemas.microsoft.com/office/powerpoint/2010/main" val="3745460767"/>
+      </p:ext>
+    </p:extLst>
+  </p:cSld>
+  <p:clrMapOvr>
+    <a:masterClrMapping/>
+  </p:clrMapOvr>
+</p:sld>
+</file>
+
+<file path=ppt/slides/slide17.xml><?xml version="1.0" encoding="utf-8"?>
+<p:sld xmlns:a="http://schemas.openxmlformats.org/drawingml/2006/main" xmlns:r="http://schemas.openxmlformats.org/officeDocument/2006/relationships" xmlns:p="http://schemas.openxmlformats.org/presentationml/2006/main">
+  <p:cSld>
+    <p:spTree>
+      <p:nvGrpSpPr>
+        <p:cNvPr id="1" name=""/>
+        <p:cNvGrpSpPr/>
+        <p:nvPr/>
+      </p:nvGrpSpPr>
+      <p:grpSpPr>
+        <a:xfrm>
+          <a:off x="0" y="0"/>
+          <a:ext cx="0" cy="0"/>
+          <a:chOff x="0" y="0"/>
+          <a:chExt cx="0" cy="0"/>
+        </a:xfrm>
+      </p:grpSpPr>
+      <p:sp>
+        <p:nvSpPr>
+          <p:cNvPr id="2" name="Title 1">
+            <a:extLst>
+              <a:ext uri="{FF2B5EF4-FFF2-40B4-BE49-F238E27FC236}">
+                <a16:creationId xmlns:a16="http://schemas.microsoft.com/office/drawing/2014/main" id="{A2EDEEEE-C304-43A3-878E-B96C543F0E03}"/>
+              </a:ext>
+            </a:extLst>
+          </p:cNvPr>
+          <p:cNvSpPr>
+            <a:spLocks noGrp="1"/>
+          </p:cNvSpPr>
+          <p:nvPr>
+            <p:ph type="title"/>
+          </p:nvPr>
+        </p:nvSpPr>
+        <p:spPr/>
+        <p:txBody>
+          <a:bodyPr/>
+          <a:lstStyle/>
+          <a:p>
+            <a:r>
+              <a:rPr lang="ru-RU" dirty="0"/>
+              <a:t>Мозг. Старый и Новый.</a:t>
+            </a:r>
+            <a:endParaRPr lang="en-US" dirty="0"/>
+          </a:p>
+        </p:txBody>
+      </p:sp>
+      <p:sp>
+        <p:nvSpPr>
+          <p:cNvPr id="3" name="Content Placeholder 2">
+            <a:extLst>
+              <a:ext uri="{FF2B5EF4-FFF2-40B4-BE49-F238E27FC236}">
+                <a16:creationId xmlns:a16="http://schemas.microsoft.com/office/drawing/2014/main" id="{7C9BA842-1486-423C-8A3F-68772024B330}"/>
+              </a:ext>
+            </a:extLst>
+          </p:cNvPr>
+          <p:cNvSpPr>
+            <a:spLocks noGrp="1"/>
+          </p:cNvSpPr>
+          <p:nvPr>
+            <p:ph idx="1"/>
+          </p:nvPr>
+        </p:nvSpPr>
+        <p:spPr/>
+        <p:txBody>
+          <a:bodyPr/>
+          <a:lstStyle/>
+          <a:p>
+            <a:endParaRPr lang="en-US" dirty="0"/>
+          </a:p>
+        </p:txBody>
+      </p:sp>
+    </p:spTree>
+    <p:extLst>
+      <p:ext uri="{BB962C8B-B14F-4D97-AF65-F5344CB8AC3E}">
+        <p14:creationId xmlns:p14="http://schemas.microsoft.com/office/powerpoint/2010/main" val="2556049057"/>
+      </p:ext>
+    </p:extLst>
+  </p:cSld>
+  <p:clrMapOvr>
+    <a:masterClrMapping/>
+  </p:clrMapOvr>
+</p:sld>
+</file>
+
+<file path=ppt/slides/slide18.xml><?xml version="1.0" encoding="utf-8"?>
+<p:sld xmlns:a="http://schemas.openxmlformats.org/drawingml/2006/main" xmlns:r="http://schemas.openxmlformats.org/officeDocument/2006/relationships" xmlns:p="http://schemas.openxmlformats.org/presentationml/2006/main">
+  <p:cSld>
+    <p:spTree>
+      <p:nvGrpSpPr>
+        <p:cNvPr id="1" name=""/>
+        <p:cNvGrpSpPr/>
+        <p:nvPr/>
+      </p:nvGrpSpPr>
+      <p:grpSpPr>
+        <a:xfrm>
+          <a:off x="0" y="0"/>
+          <a:ext cx="0" cy="0"/>
+          <a:chOff x="0" y="0"/>
+          <a:chExt cx="0" cy="0"/>
+        </a:xfrm>
+      </p:grpSpPr>
+      <p:sp>
+        <p:nvSpPr>
+          <p:cNvPr id="2" name="Title 1">
+            <a:extLst>
+              <a:ext uri="{FF2B5EF4-FFF2-40B4-BE49-F238E27FC236}">
+                <a16:creationId xmlns:a16="http://schemas.microsoft.com/office/drawing/2014/main" id="{A2EDEEEE-C304-43A3-878E-B96C543F0E03}"/>
+              </a:ext>
+            </a:extLst>
+          </p:cNvPr>
+          <p:cNvSpPr>
+            <a:spLocks noGrp="1"/>
+          </p:cNvSpPr>
+          <p:nvPr>
+            <p:ph type="title"/>
+          </p:nvPr>
+        </p:nvSpPr>
+        <p:spPr/>
+        <p:txBody>
+          <a:bodyPr/>
+          <a:lstStyle/>
+          <a:p>
+            <a:r>
+              <a:rPr lang="ru-RU" dirty="0"/>
+              <a:t>Мозг. Старый и Новый.</a:t>
+            </a:r>
+            <a:endParaRPr lang="en-US" dirty="0"/>
+          </a:p>
+        </p:txBody>
+      </p:sp>
+      <p:sp>
+        <p:nvSpPr>
+          <p:cNvPr id="3" name="Content Placeholder 2">
+            <a:extLst>
+              <a:ext uri="{FF2B5EF4-FFF2-40B4-BE49-F238E27FC236}">
+                <a16:creationId xmlns:a16="http://schemas.microsoft.com/office/drawing/2014/main" id="{7C9BA842-1486-423C-8A3F-68772024B330}"/>
+              </a:ext>
+            </a:extLst>
+          </p:cNvPr>
+          <p:cNvSpPr>
+            <a:spLocks noGrp="1"/>
+          </p:cNvSpPr>
+          <p:nvPr>
+            <p:ph idx="1"/>
+          </p:nvPr>
+        </p:nvSpPr>
+        <p:spPr/>
+        <p:txBody>
+          <a:bodyPr/>
+          <a:lstStyle/>
+          <a:p>
+            <a:r>
+              <a:rPr lang="ru-RU" dirty="0"/>
+              <a:t>Стволовые структуры (ретикулярная формация).</a:t>
+            </a:r>
+            <a:endParaRPr lang="en-US" dirty="0"/>
+          </a:p>
+        </p:txBody>
+      </p:sp>
+    </p:spTree>
+    <p:extLst>
+      <p:ext uri="{BB962C8B-B14F-4D97-AF65-F5344CB8AC3E}">
+        <p14:creationId xmlns:p14="http://schemas.microsoft.com/office/powerpoint/2010/main" val="2859519097"/>
+      </p:ext>
+    </p:extLst>
+  </p:cSld>
+  <p:clrMapOvr>
+    <a:masterClrMapping/>
+  </p:clrMapOvr>
+</p:sld>
+</file>
+
+<file path=ppt/slides/slide19.xml><?xml version="1.0" encoding="utf-8"?>
+<p:sld xmlns:a="http://schemas.openxmlformats.org/drawingml/2006/main" xmlns:r="http://schemas.openxmlformats.org/officeDocument/2006/relationships" xmlns:p="http://schemas.openxmlformats.org/presentationml/2006/main">
+  <p:cSld>
+    <p:spTree>
+      <p:nvGrpSpPr>
+        <p:cNvPr id="1" name=""/>
+        <p:cNvGrpSpPr/>
+        <p:nvPr/>
+      </p:nvGrpSpPr>
+      <p:grpSpPr>
+        <a:xfrm>
+          <a:off x="0" y="0"/>
+          <a:ext cx="0" cy="0"/>
+          <a:chOff x="0" y="0"/>
+          <a:chExt cx="0" cy="0"/>
+        </a:xfrm>
+      </p:grpSpPr>
+      <p:sp>
+        <p:nvSpPr>
+          <p:cNvPr id="2" name="Title 1">
+            <a:extLst>
+              <a:ext uri="{FF2B5EF4-FFF2-40B4-BE49-F238E27FC236}">
+                <a16:creationId xmlns:a16="http://schemas.microsoft.com/office/drawing/2014/main" id="{A2EDEEEE-C304-43A3-878E-B96C543F0E03}"/>
+              </a:ext>
+            </a:extLst>
+          </p:cNvPr>
+          <p:cNvSpPr>
+            <a:spLocks noGrp="1"/>
+          </p:cNvSpPr>
+          <p:nvPr>
+            <p:ph type="title"/>
+          </p:nvPr>
+        </p:nvSpPr>
+        <p:spPr/>
+        <p:txBody>
+          <a:bodyPr/>
+          <a:lstStyle/>
+          <a:p>
+            <a:r>
+              <a:rPr lang="ru-RU" dirty="0"/>
+              <a:t>Мозг. Старый и Новый.</a:t>
+            </a:r>
+            <a:endParaRPr lang="en-US" dirty="0"/>
+          </a:p>
+        </p:txBody>
+      </p:sp>
+      <p:sp>
+        <p:nvSpPr>
+          <p:cNvPr id="3" name="Content Placeholder 2">
+            <a:extLst>
+              <a:ext uri="{FF2B5EF4-FFF2-40B4-BE49-F238E27FC236}">
+                <a16:creationId xmlns:a16="http://schemas.microsoft.com/office/drawing/2014/main" id="{7C9BA842-1486-423C-8A3F-68772024B330}"/>
+              </a:ext>
+            </a:extLst>
+          </p:cNvPr>
+          <p:cNvSpPr>
+            <a:spLocks noGrp="1"/>
+          </p:cNvSpPr>
+          <p:nvPr>
+            <p:ph idx="1"/>
+          </p:nvPr>
+        </p:nvSpPr>
+        <p:spPr/>
+        <p:txBody>
+          <a:bodyPr/>
+          <a:lstStyle/>
+          <a:p>
+            <a:r>
+              <a:rPr lang="ru-RU" dirty="0"/>
+              <a:t>Стволовые структуры (ретикулярная формация).</a:t>
+            </a:r>
+            <a:endParaRPr lang="en-US" dirty="0"/>
+          </a:p>
+          <a:p>
+            <a:r>
+              <a:rPr lang="ru-RU" dirty="0"/>
+              <a:t>Лимбическая система. Подкорковые структуры (определяет направленость психической энергии)</a:t>
+            </a:r>
+            <a:r>
+              <a:rPr lang="en-US" dirty="0"/>
+              <a:t>.</a:t>
+            </a:r>
+          </a:p>
+        </p:txBody>
+      </p:sp>
+    </p:spTree>
+    <p:extLst>
+      <p:ext uri="{BB962C8B-B14F-4D97-AF65-F5344CB8AC3E}">
+        <p14:creationId xmlns:p14="http://schemas.microsoft.com/office/powerpoint/2010/main" val="780471120"/>
+      </p:ext>
+    </p:extLst>
+  </p:cSld>
+  <p:clrMapOvr>
+    <a:masterClrMapping/>
+  </p:clrMapOvr>
+</p:sld>
+</file>
+
+<file path=ppt/slides/slide2.xml><?xml version="1.0" encoding="utf-8"?>
+<p:sld xmlns:a="http://schemas.openxmlformats.org/drawingml/2006/main" xmlns:r="http://schemas.openxmlformats.org/officeDocument/2006/relationships" xmlns:p="http://schemas.openxmlformats.org/presentationml/2006/main">
+  <p:cSld>
+    <p:spTree>
+      <p:nvGrpSpPr>
+        <p:cNvPr id="1" name=""/>
+        <p:cNvGrpSpPr/>
+        <p:nvPr/>
+      </p:nvGrpSpPr>
+      <p:grpSpPr>
+        <a:xfrm>
+          <a:off x="0" y="0"/>
+          <a:ext cx="0" cy="0"/>
+          <a:chOff x="0" y="0"/>
+          <a:chExt cx="0" cy="0"/>
+        </a:xfrm>
+      </p:grpSpPr>
+      <p:sp>
+        <p:nvSpPr>
+          <p:cNvPr id="2" name="Title 1">
+            <a:extLst>
+              <a:ext uri="{FF2B5EF4-FFF2-40B4-BE49-F238E27FC236}">
+                <a16:creationId xmlns:a16="http://schemas.microsoft.com/office/drawing/2014/main" id="{F034D1A9-39F1-4C2B-B280-A0229EDBBA1D}"/>
+              </a:ext>
+            </a:extLst>
+          </p:cNvPr>
+          <p:cNvSpPr>
+            <a:spLocks noGrp="1"/>
+          </p:cNvSpPr>
+          <p:nvPr>
+            <p:ph type="title"/>
+          </p:nvPr>
+        </p:nvSpPr>
+        <p:spPr/>
+        <p:txBody>
+          <a:bodyPr/>
+          <a:lstStyle/>
+          <a:p>
+            <a:r>
+              <a:rPr lang="ru-RU" dirty="0"/>
+              <a:t>Что такое Сила Воли?</a:t>
+            </a:r>
+            <a:endParaRPr lang="en-US" dirty="0"/>
+          </a:p>
+        </p:txBody>
+      </p:sp>
+      <p:sp>
+        <p:nvSpPr>
+          <p:cNvPr id="3" name="Content Placeholder 2">
+            <a:extLst>
+              <a:ext uri="{FF2B5EF4-FFF2-40B4-BE49-F238E27FC236}">
+                <a16:creationId xmlns:a16="http://schemas.microsoft.com/office/drawing/2014/main" id="{02CC965B-C8A8-4ED3-B854-FC6458FCD272}"/>
+              </a:ext>
+            </a:extLst>
+          </p:cNvPr>
+          <p:cNvSpPr>
+            <a:spLocks noGrp="1"/>
+          </p:cNvSpPr>
+          <p:nvPr>
+            <p:ph idx="1"/>
+          </p:nvPr>
+        </p:nvSpPr>
+        <p:spPr/>
+        <p:txBody>
+          <a:bodyPr>
+            <a:normAutofit/>
+          </a:bodyPr>
+          <a:lstStyle/>
+          <a:p>
+            <a:endParaRPr lang="ru-RU" sz="1800" dirty="0">
+              <a:effectLst/>
+              <a:latin typeface="Century Gothic (Body)"/>
+            </a:endParaRPr>
+          </a:p>
+        </p:txBody>
+      </p:sp>
+    </p:spTree>
+    <p:extLst>
+      <p:ext uri="{BB962C8B-B14F-4D97-AF65-F5344CB8AC3E}">
+        <p14:creationId xmlns:p14="http://schemas.microsoft.com/office/powerpoint/2010/main" val="1449384885"/>
+      </p:ext>
+    </p:extLst>
+  </p:cSld>
+  <p:clrMapOvr>
+    <a:masterClrMapping/>
+  </p:clrMapOvr>
+</p:sld>
+</file>
+
+<file path=ppt/slides/slide20.xml><?xml version="1.0" encoding="utf-8"?>
+<p:sld xmlns:a="http://schemas.openxmlformats.org/drawingml/2006/main" xmlns:r="http://schemas.openxmlformats.org/officeDocument/2006/relationships" xmlns:p="http://schemas.openxmlformats.org/presentationml/2006/main">
+  <p:cSld>
+    <p:spTree>
+      <p:nvGrpSpPr>
+        <p:cNvPr id="1" name=""/>
+        <p:cNvGrpSpPr/>
+        <p:nvPr/>
+      </p:nvGrpSpPr>
+      <p:grpSpPr>
+        <a:xfrm>
+          <a:off x="0" y="0"/>
+          <a:ext cx="0" cy="0"/>
+          <a:chOff x="0" y="0"/>
+          <a:chExt cx="0" cy="0"/>
+        </a:xfrm>
+      </p:grpSpPr>
+      <p:sp>
+        <p:nvSpPr>
+          <p:cNvPr id="2" name="Title 1">
+            <a:extLst>
+              <a:ext uri="{FF2B5EF4-FFF2-40B4-BE49-F238E27FC236}">
+                <a16:creationId xmlns:a16="http://schemas.microsoft.com/office/drawing/2014/main" id="{A2EDEEEE-C304-43A3-878E-B96C543F0E03}"/>
+              </a:ext>
+            </a:extLst>
+          </p:cNvPr>
+          <p:cNvSpPr>
+            <a:spLocks noGrp="1"/>
+          </p:cNvSpPr>
+          <p:nvPr>
+            <p:ph type="title"/>
+          </p:nvPr>
+        </p:nvSpPr>
+        <p:spPr/>
+        <p:txBody>
+          <a:bodyPr/>
+          <a:lstStyle/>
+          <a:p>
+            <a:r>
+              <a:rPr lang="ru-RU" dirty="0"/>
+              <a:t>Мозг. Старый и Новый.</a:t>
+            </a:r>
+            <a:endParaRPr lang="en-US" dirty="0"/>
+          </a:p>
+        </p:txBody>
+      </p:sp>
+      <p:sp>
+        <p:nvSpPr>
+          <p:cNvPr id="3" name="Content Placeholder 2">
+            <a:extLst>
+              <a:ext uri="{FF2B5EF4-FFF2-40B4-BE49-F238E27FC236}">
+                <a16:creationId xmlns:a16="http://schemas.microsoft.com/office/drawing/2014/main" id="{7C9BA842-1486-423C-8A3F-68772024B330}"/>
+              </a:ext>
+            </a:extLst>
+          </p:cNvPr>
+          <p:cNvSpPr>
+            <a:spLocks noGrp="1"/>
+          </p:cNvSpPr>
+          <p:nvPr>
+            <p:ph idx="1"/>
+          </p:nvPr>
+        </p:nvSpPr>
+        <p:spPr/>
+        <p:txBody>
+          <a:bodyPr/>
+          <a:lstStyle/>
+          <a:p>
+            <a:r>
+              <a:rPr lang="ru-RU" dirty="0"/>
+              <a:t>Стволовые структуры (ретикулярная формация)</a:t>
+            </a:r>
+            <a:r>
+              <a:rPr lang="en-US" dirty="0"/>
+              <a:t>.</a:t>
+            </a:r>
+          </a:p>
+          <a:p>
+            <a:r>
+              <a:rPr lang="ru-RU" dirty="0"/>
+              <a:t>Лимбическая система. Подкорковые структуры (определяет направленость психической энергии)</a:t>
+            </a:r>
+            <a:r>
+              <a:rPr lang="en-US" dirty="0"/>
+              <a:t>.</a:t>
+            </a:r>
+          </a:p>
+          <a:p>
+            <a:r>
+              <a:rPr lang="ru-RU" dirty="0"/>
+              <a:t>Корковые структуры (информация которую мы скопили)</a:t>
+            </a:r>
+            <a:r>
+              <a:rPr lang="en-US" dirty="0"/>
+              <a:t>.</a:t>
+            </a:r>
+          </a:p>
+        </p:txBody>
+      </p:sp>
+    </p:spTree>
+    <p:extLst>
+      <p:ext uri="{BB962C8B-B14F-4D97-AF65-F5344CB8AC3E}">
+        <p14:creationId xmlns:p14="http://schemas.microsoft.com/office/powerpoint/2010/main" val="4240167483"/>
+      </p:ext>
+    </p:extLst>
+  </p:cSld>
+  <p:clrMapOvr>
+    <a:masterClrMapping/>
+  </p:clrMapOvr>
+</p:sld>
+</file>
+
+<file path=ppt/slides/slide21.xml><?xml version="1.0" encoding="utf-8"?>
+<p:sld xmlns:a="http://schemas.openxmlformats.org/drawingml/2006/main" xmlns:r="http://schemas.openxmlformats.org/officeDocument/2006/relationships" xmlns:p="http://schemas.openxmlformats.org/presentationml/2006/main">
+  <p:cSld>
+    <p:spTree>
+      <p:nvGrpSpPr>
+        <p:cNvPr id="1" name=""/>
+        <p:cNvGrpSpPr/>
+        <p:nvPr/>
+      </p:nvGrpSpPr>
+      <p:grpSpPr>
+        <a:xfrm>
+          <a:off x="0" y="0"/>
+          <a:ext cx="0" cy="0"/>
+          <a:chOff x="0" y="0"/>
+          <a:chExt cx="0" cy="0"/>
+        </a:xfrm>
+      </p:grpSpPr>
+      <p:sp>
+        <p:nvSpPr>
+          <p:cNvPr id="2" name="Title 1">
+            <a:extLst>
+              <a:ext uri="{FF2B5EF4-FFF2-40B4-BE49-F238E27FC236}">
+                <a16:creationId xmlns:a16="http://schemas.microsoft.com/office/drawing/2014/main" id="{A2EDEEEE-C304-43A3-878E-B96C543F0E03}"/>
+              </a:ext>
+            </a:extLst>
+          </p:cNvPr>
+          <p:cNvSpPr>
+            <a:spLocks noGrp="1"/>
+          </p:cNvSpPr>
+          <p:nvPr>
+            <p:ph type="title"/>
+          </p:nvPr>
+        </p:nvSpPr>
+        <p:spPr/>
+        <p:txBody>
+          <a:bodyPr/>
+          <a:lstStyle/>
+          <a:p>
+            <a:r>
+              <a:rPr lang="ru-RU" dirty="0"/>
+              <a:t>Мозг. Старый и Новый.</a:t>
+            </a:r>
+            <a:endParaRPr lang="en-US" dirty="0"/>
+          </a:p>
+        </p:txBody>
+      </p:sp>
+      <p:sp>
+        <p:nvSpPr>
+          <p:cNvPr id="3" name="Content Placeholder 2">
+            <a:extLst>
+              <a:ext uri="{FF2B5EF4-FFF2-40B4-BE49-F238E27FC236}">
+                <a16:creationId xmlns:a16="http://schemas.microsoft.com/office/drawing/2014/main" id="{7C9BA842-1486-423C-8A3F-68772024B330}"/>
+              </a:ext>
+            </a:extLst>
+          </p:cNvPr>
+          <p:cNvSpPr>
+            <a:spLocks noGrp="1"/>
+          </p:cNvSpPr>
+          <p:nvPr>
+            <p:ph idx="1"/>
+          </p:nvPr>
+        </p:nvSpPr>
+        <p:spPr/>
+        <p:txBody>
+          <a:bodyPr/>
+          <a:lstStyle/>
+          <a:p>
+            <a:endParaRPr lang="en-US" dirty="0"/>
+          </a:p>
+        </p:txBody>
+      </p:sp>
+    </p:spTree>
+    <p:extLst>
+      <p:ext uri="{BB962C8B-B14F-4D97-AF65-F5344CB8AC3E}">
+        <p14:creationId xmlns:p14="http://schemas.microsoft.com/office/powerpoint/2010/main" val="1545225013"/>
+      </p:ext>
+    </p:extLst>
+  </p:cSld>
+  <p:clrMapOvr>
+    <a:masterClrMapping/>
+  </p:clrMapOvr>
+</p:sld>
+</file>
+
+<file path=ppt/slides/slide22.xml><?xml version="1.0" encoding="utf-8"?>
 <p:sld xmlns:a="http://schemas.openxmlformats.org/drawingml/2006/main" xmlns:r="http://schemas.openxmlformats.org/officeDocument/2006/relationships" xmlns:p="http://schemas.openxmlformats.org/presentationml/2006/main">
   <p:cSld>
     <p:spTree>
@@ -14399,1038 +15327,6 @@
 </p:sld>
 </file>
 
-<file path=ppt/slides/slide14.xml><?xml version="1.0" encoding="utf-8"?>
-<p:sld xmlns:a="http://schemas.openxmlformats.org/drawingml/2006/main" xmlns:r="http://schemas.openxmlformats.org/officeDocument/2006/relationships" xmlns:p="http://schemas.openxmlformats.org/presentationml/2006/main">
-  <p:cSld>
-    <p:spTree>
-      <p:nvGrpSpPr>
-        <p:cNvPr id="1" name=""/>
-        <p:cNvGrpSpPr/>
-        <p:nvPr/>
-      </p:nvGrpSpPr>
-      <p:grpSpPr>
-        <a:xfrm>
-          <a:off x="0" y="0"/>
-          <a:ext cx="0" cy="0"/>
-          <a:chOff x="0" y="0"/>
-          <a:chExt cx="0" cy="0"/>
-        </a:xfrm>
-      </p:grpSpPr>
-      <p:sp>
-        <p:nvSpPr>
-          <p:cNvPr id="2" name="Title 1">
-            <a:extLst>
-              <a:ext uri="{FF2B5EF4-FFF2-40B4-BE49-F238E27FC236}">
-                <a16:creationId xmlns:a16="http://schemas.microsoft.com/office/drawing/2014/main" id="{8502BE21-50A6-4F8E-83CA-2BE2172D726F}"/>
-              </a:ext>
-            </a:extLst>
-          </p:cNvPr>
-          <p:cNvSpPr>
-            <a:spLocks noGrp="1"/>
-          </p:cNvSpPr>
-          <p:nvPr>
-            <p:ph type="title"/>
-          </p:nvPr>
-        </p:nvSpPr>
-        <p:spPr/>
-        <p:txBody>
-          <a:bodyPr/>
-          <a:lstStyle/>
-          <a:p>
-            <a:r>
-              <a:rPr lang="ru-RU" dirty="0"/>
-              <a:t>Келли Макгонигал</a:t>
-            </a:r>
-            <a:endParaRPr lang="en-US" dirty="0"/>
-          </a:p>
-        </p:txBody>
-      </p:sp>
-      <p:sp>
-        <p:nvSpPr>
-          <p:cNvPr id="3" name="Content Placeholder 2">
-            <a:extLst>
-              <a:ext uri="{FF2B5EF4-FFF2-40B4-BE49-F238E27FC236}">
-                <a16:creationId xmlns:a16="http://schemas.microsoft.com/office/drawing/2014/main" id="{F7D9122A-547D-4498-81E3-940AF608A4E2}"/>
-              </a:ext>
-            </a:extLst>
-          </p:cNvPr>
-          <p:cNvSpPr>
-            <a:spLocks noGrp="1"/>
-          </p:cNvSpPr>
-          <p:nvPr>
-            <p:ph idx="1"/>
-          </p:nvPr>
-        </p:nvSpPr>
-        <p:spPr/>
-        <p:txBody>
-          <a:bodyPr/>
-          <a:lstStyle/>
-          <a:p>
-            <a:r>
-              <a:rPr lang="ru-RU" dirty="0"/>
-              <a:t>Сила воли это мышца.</a:t>
-            </a:r>
-            <a:endParaRPr lang="en-US" dirty="0"/>
-          </a:p>
-        </p:txBody>
-      </p:sp>
-    </p:spTree>
-    <p:extLst>
-      <p:ext uri="{BB962C8B-B14F-4D97-AF65-F5344CB8AC3E}">
-        <p14:creationId xmlns:p14="http://schemas.microsoft.com/office/powerpoint/2010/main" val="2946238925"/>
-      </p:ext>
-    </p:extLst>
-  </p:cSld>
-  <p:clrMapOvr>
-    <a:masterClrMapping/>
-  </p:clrMapOvr>
-</p:sld>
-</file>
-
-<file path=ppt/slides/slide15.xml><?xml version="1.0" encoding="utf-8"?>
-<p:sld xmlns:a="http://schemas.openxmlformats.org/drawingml/2006/main" xmlns:r="http://schemas.openxmlformats.org/officeDocument/2006/relationships" xmlns:p="http://schemas.openxmlformats.org/presentationml/2006/main">
-  <p:cSld>
-    <p:spTree>
-      <p:nvGrpSpPr>
-        <p:cNvPr id="1" name=""/>
-        <p:cNvGrpSpPr/>
-        <p:nvPr/>
-      </p:nvGrpSpPr>
-      <p:grpSpPr>
-        <a:xfrm>
-          <a:off x="0" y="0"/>
-          <a:ext cx="0" cy="0"/>
-          <a:chOff x="0" y="0"/>
-          <a:chExt cx="0" cy="0"/>
-        </a:xfrm>
-      </p:grpSpPr>
-      <p:sp>
-        <p:nvSpPr>
-          <p:cNvPr id="2" name="Title 1">
-            <a:extLst>
-              <a:ext uri="{FF2B5EF4-FFF2-40B4-BE49-F238E27FC236}">
-                <a16:creationId xmlns:a16="http://schemas.microsoft.com/office/drawing/2014/main" id="{8502BE21-50A6-4F8E-83CA-2BE2172D726F}"/>
-              </a:ext>
-            </a:extLst>
-          </p:cNvPr>
-          <p:cNvSpPr>
-            <a:spLocks noGrp="1"/>
-          </p:cNvSpPr>
-          <p:nvPr>
-            <p:ph type="title"/>
-          </p:nvPr>
-        </p:nvSpPr>
-        <p:spPr/>
-        <p:txBody>
-          <a:bodyPr/>
-          <a:lstStyle/>
-          <a:p>
-            <a:r>
-              <a:rPr lang="ru-RU" dirty="0"/>
-              <a:t>Келли Макгонигал</a:t>
-            </a:r>
-            <a:endParaRPr lang="en-US" dirty="0"/>
-          </a:p>
-        </p:txBody>
-      </p:sp>
-      <p:sp>
-        <p:nvSpPr>
-          <p:cNvPr id="3" name="Content Placeholder 2">
-            <a:extLst>
-              <a:ext uri="{FF2B5EF4-FFF2-40B4-BE49-F238E27FC236}">
-                <a16:creationId xmlns:a16="http://schemas.microsoft.com/office/drawing/2014/main" id="{F7D9122A-547D-4498-81E3-940AF608A4E2}"/>
-              </a:ext>
-            </a:extLst>
-          </p:cNvPr>
-          <p:cNvSpPr>
-            <a:spLocks noGrp="1"/>
-          </p:cNvSpPr>
-          <p:nvPr>
-            <p:ph idx="1"/>
-          </p:nvPr>
-        </p:nvSpPr>
-        <p:spPr/>
-        <p:txBody>
-          <a:bodyPr/>
-          <a:lstStyle/>
-          <a:p>
-            <a:r>
-              <a:rPr lang="ru-RU" dirty="0"/>
-              <a:t>Сила воли это мышца.</a:t>
-            </a:r>
-          </a:p>
-          <a:p>
-            <a:r>
-              <a:rPr lang="ru-RU" dirty="0"/>
-              <a:t>Восполняйте резерв силы воли.</a:t>
-            </a:r>
-          </a:p>
-          <a:p>
-            <a:endParaRPr lang="en-US" dirty="0"/>
-          </a:p>
-        </p:txBody>
-      </p:sp>
-    </p:spTree>
-    <p:extLst>
-      <p:ext uri="{BB962C8B-B14F-4D97-AF65-F5344CB8AC3E}">
-        <p14:creationId xmlns:p14="http://schemas.microsoft.com/office/powerpoint/2010/main" val="4063695799"/>
-      </p:ext>
-    </p:extLst>
-  </p:cSld>
-  <p:clrMapOvr>
-    <a:masterClrMapping/>
-  </p:clrMapOvr>
-</p:sld>
-</file>
-
-<file path=ppt/slides/slide16.xml><?xml version="1.0" encoding="utf-8"?>
-<p:sld xmlns:a="http://schemas.openxmlformats.org/drawingml/2006/main" xmlns:r="http://schemas.openxmlformats.org/officeDocument/2006/relationships" xmlns:p="http://schemas.openxmlformats.org/presentationml/2006/main">
-  <p:cSld>
-    <p:spTree>
-      <p:nvGrpSpPr>
-        <p:cNvPr id="1" name=""/>
-        <p:cNvGrpSpPr/>
-        <p:nvPr/>
-      </p:nvGrpSpPr>
-      <p:grpSpPr>
-        <a:xfrm>
-          <a:off x="0" y="0"/>
-          <a:ext cx="0" cy="0"/>
-          <a:chOff x="0" y="0"/>
-          <a:chExt cx="0" cy="0"/>
-        </a:xfrm>
-      </p:grpSpPr>
-      <p:sp>
-        <p:nvSpPr>
-          <p:cNvPr id="2" name="Title 1">
-            <a:extLst>
-              <a:ext uri="{FF2B5EF4-FFF2-40B4-BE49-F238E27FC236}">
-                <a16:creationId xmlns:a16="http://schemas.microsoft.com/office/drawing/2014/main" id="{8502BE21-50A6-4F8E-83CA-2BE2172D726F}"/>
-              </a:ext>
-            </a:extLst>
-          </p:cNvPr>
-          <p:cNvSpPr>
-            <a:spLocks noGrp="1"/>
-          </p:cNvSpPr>
-          <p:nvPr>
-            <p:ph type="title"/>
-          </p:nvPr>
-        </p:nvSpPr>
-        <p:spPr/>
-        <p:txBody>
-          <a:bodyPr/>
-          <a:lstStyle/>
-          <a:p>
-            <a:r>
-              <a:rPr lang="ru-RU" dirty="0"/>
-              <a:t>Келли Макгонигал</a:t>
-            </a:r>
-            <a:endParaRPr lang="en-US" dirty="0"/>
-          </a:p>
-        </p:txBody>
-      </p:sp>
-      <p:sp>
-        <p:nvSpPr>
-          <p:cNvPr id="3" name="Content Placeholder 2">
-            <a:extLst>
-              <a:ext uri="{FF2B5EF4-FFF2-40B4-BE49-F238E27FC236}">
-                <a16:creationId xmlns:a16="http://schemas.microsoft.com/office/drawing/2014/main" id="{F7D9122A-547D-4498-81E3-940AF608A4E2}"/>
-              </a:ext>
-            </a:extLst>
-          </p:cNvPr>
-          <p:cNvSpPr>
-            <a:spLocks noGrp="1"/>
-          </p:cNvSpPr>
-          <p:nvPr>
-            <p:ph idx="1"/>
-          </p:nvPr>
-        </p:nvSpPr>
-        <p:spPr/>
-        <p:txBody>
-          <a:bodyPr/>
-          <a:lstStyle/>
-          <a:p>
-            <a:r>
-              <a:rPr lang="ru-RU" dirty="0"/>
-              <a:t>Сила воли это мышца.</a:t>
-            </a:r>
-          </a:p>
-          <a:p>
-            <a:r>
-              <a:rPr lang="ru-RU" dirty="0"/>
-              <a:t>Восполняйте резерв силы воли.</a:t>
-            </a:r>
-          </a:p>
-          <a:p>
-            <a:r>
-              <a:rPr lang="ru-RU" dirty="0"/>
-              <a:t>Не поддавайтесь самообману.</a:t>
-            </a:r>
-          </a:p>
-          <a:p>
-            <a:endParaRPr lang="en-US" dirty="0"/>
-          </a:p>
-        </p:txBody>
-      </p:sp>
-    </p:spTree>
-    <p:extLst>
-      <p:ext uri="{BB962C8B-B14F-4D97-AF65-F5344CB8AC3E}">
-        <p14:creationId xmlns:p14="http://schemas.microsoft.com/office/powerpoint/2010/main" val="1342237737"/>
-      </p:ext>
-    </p:extLst>
-  </p:cSld>
-  <p:clrMapOvr>
-    <a:masterClrMapping/>
-  </p:clrMapOvr>
-</p:sld>
-</file>
-
-<file path=ppt/slides/slide17.xml><?xml version="1.0" encoding="utf-8"?>
-<p:sld xmlns:a="http://schemas.openxmlformats.org/drawingml/2006/main" xmlns:r="http://schemas.openxmlformats.org/officeDocument/2006/relationships" xmlns:p="http://schemas.openxmlformats.org/presentationml/2006/main">
-  <p:cSld>
-    <p:spTree>
-      <p:nvGrpSpPr>
-        <p:cNvPr id="1" name=""/>
-        <p:cNvGrpSpPr/>
-        <p:nvPr/>
-      </p:nvGrpSpPr>
-      <p:grpSpPr>
-        <a:xfrm>
-          <a:off x="0" y="0"/>
-          <a:ext cx="0" cy="0"/>
-          <a:chOff x="0" y="0"/>
-          <a:chExt cx="0" cy="0"/>
-        </a:xfrm>
-      </p:grpSpPr>
-      <p:sp>
-        <p:nvSpPr>
-          <p:cNvPr id="2" name="Title 1">
-            <a:extLst>
-              <a:ext uri="{FF2B5EF4-FFF2-40B4-BE49-F238E27FC236}">
-                <a16:creationId xmlns:a16="http://schemas.microsoft.com/office/drawing/2014/main" id="{8502BE21-50A6-4F8E-83CA-2BE2172D726F}"/>
-              </a:ext>
-            </a:extLst>
-          </p:cNvPr>
-          <p:cNvSpPr>
-            <a:spLocks noGrp="1"/>
-          </p:cNvSpPr>
-          <p:nvPr>
-            <p:ph type="title"/>
-          </p:nvPr>
-        </p:nvSpPr>
-        <p:spPr/>
-        <p:txBody>
-          <a:bodyPr/>
-          <a:lstStyle/>
-          <a:p>
-            <a:r>
-              <a:rPr lang="ru-RU" dirty="0"/>
-              <a:t>Келли Макгонигал</a:t>
-            </a:r>
-            <a:endParaRPr lang="en-US" dirty="0"/>
-          </a:p>
-        </p:txBody>
-      </p:sp>
-      <p:sp>
-        <p:nvSpPr>
-          <p:cNvPr id="3" name="Content Placeholder 2">
-            <a:extLst>
-              <a:ext uri="{FF2B5EF4-FFF2-40B4-BE49-F238E27FC236}">
-                <a16:creationId xmlns:a16="http://schemas.microsoft.com/office/drawing/2014/main" id="{F7D9122A-547D-4498-81E3-940AF608A4E2}"/>
-              </a:ext>
-            </a:extLst>
-          </p:cNvPr>
-          <p:cNvSpPr>
-            <a:spLocks noGrp="1"/>
-          </p:cNvSpPr>
-          <p:nvPr>
-            <p:ph idx="1"/>
-          </p:nvPr>
-        </p:nvSpPr>
-        <p:spPr/>
-        <p:txBody>
-          <a:bodyPr/>
-          <a:lstStyle/>
-          <a:p>
-            <a:r>
-              <a:rPr lang="ru-RU" dirty="0"/>
-              <a:t>Сила воли это мышца.</a:t>
-            </a:r>
-          </a:p>
-          <a:p>
-            <a:r>
-              <a:rPr lang="ru-RU" dirty="0"/>
-              <a:t>Восполняйте резерв силы воли.</a:t>
-            </a:r>
-          </a:p>
-          <a:p>
-            <a:r>
-              <a:rPr lang="ru-RU" dirty="0"/>
-              <a:t>Не поддавайтесь самообману.</a:t>
-            </a:r>
-          </a:p>
-          <a:p>
-            <a:r>
-              <a:rPr lang="ru-RU" dirty="0"/>
-              <a:t>Система подкрепления.</a:t>
-            </a:r>
-          </a:p>
-          <a:p>
-            <a:endParaRPr lang="ru-RU" dirty="0"/>
-          </a:p>
-          <a:p>
-            <a:endParaRPr lang="en-US" dirty="0"/>
-          </a:p>
-        </p:txBody>
-      </p:sp>
-    </p:spTree>
-    <p:extLst>
-      <p:ext uri="{BB962C8B-B14F-4D97-AF65-F5344CB8AC3E}">
-        <p14:creationId xmlns:p14="http://schemas.microsoft.com/office/powerpoint/2010/main" val="1298854589"/>
-      </p:ext>
-    </p:extLst>
-  </p:cSld>
-  <p:clrMapOvr>
-    <a:masterClrMapping/>
-  </p:clrMapOvr>
-</p:sld>
-</file>
-
-<file path=ppt/slides/slide18.xml><?xml version="1.0" encoding="utf-8"?>
-<p:sld xmlns:a="http://schemas.openxmlformats.org/drawingml/2006/main" xmlns:r="http://schemas.openxmlformats.org/officeDocument/2006/relationships" xmlns:p="http://schemas.openxmlformats.org/presentationml/2006/main">
-  <p:cSld>
-    <p:spTree>
-      <p:nvGrpSpPr>
-        <p:cNvPr id="1" name=""/>
-        <p:cNvGrpSpPr/>
-        <p:nvPr/>
-      </p:nvGrpSpPr>
-      <p:grpSpPr>
-        <a:xfrm>
-          <a:off x="0" y="0"/>
-          <a:ext cx="0" cy="0"/>
-          <a:chOff x="0" y="0"/>
-          <a:chExt cx="0" cy="0"/>
-        </a:xfrm>
-      </p:grpSpPr>
-      <p:sp>
-        <p:nvSpPr>
-          <p:cNvPr id="2" name="Title 1">
-            <a:extLst>
-              <a:ext uri="{FF2B5EF4-FFF2-40B4-BE49-F238E27FC236}">
-                <a16:creationId xmlns:a16="http://schemas.microsoft.com/office/drawing/2014/main" id="{8502BE21-50A6-4F8E-83CA-2BE2172D726F}"/>
-              </a:ext>
-            </a:extLst>
-          </p:cNvPr>
-          <p:cNvSpPr>
-            <a:spLocks noGrp="1"/>
-          </p:cNvSpPr>
-          <p:nvPr>
-            <p:ph type="title"/>
-          </p:nvPr>
-        </p:nvSpPr>
-        <p:spPr/>
-        <p:txBody>
-          <a:bodyPr/>
-          <a:lstStyle/>
-          <a:p>
-            <a:r>
-              <a:rPr lang="ru-RU" dirty="0"/>
-              <a:t>Келли Макгонигал</a:t>
-            </a:r>
-            <a:endParaRPr lang="en-US" dirty="0"/>
-          </a:p>
-        </p:txBody>
-      </p:sp>
-      <p:sp>
-        <p:nvSpPr>
-          <p:cNvPr id="3" name="Content Placeholder 2">
-            <a:extLst>
-              <a:ext uri="{FF2B5EF4-FFF2-40B4-BE49-F238E27FC236}">
-                <a16:creationId xmlns:a16="http://schemas.microsoft.com/office/drawing/2014/main" id="{F7D9122A-547D-4498-81E3-940AF608A4E2}"/>
-              </a:ext>
-            </a:extLst>
-          </p:cNvPr>
-          <p:cNvSpPr>
-            <a:spLocks noGrp="1"/>
-          </p:cNvSpPr>
-          <p:nvPr>
-            <p:ph idx="1"/>
-          </p:nvPr>
-        </p:nvSpPr>
-        <p:spPr/>
-        <p:txBody>
-          <a:bodyPr/>
-          <a:lstStyle/>
-          <a:p>
-            <a:r>
-              <a:rPr lang="ru-RU" dirty="0"/>
-              <a:t>Сила воли это мышца.</a:t>
-            </a:r>
-          </a:p>
-          <a:p>
-            <a:r>
-              <a:rPr lang="ru-RU" dirty="0"/>
-              <a:t>Восполняйте резерв силы воли.</a:t>
-            </a:r>
-          </a:p>
-          <a:p>
-            <a:r>
-              <a:rPr lang="ru-RU" dirty="0"/>
-              <a:t>Не поддавайтесь самообману.</a:t>
-            </a:r>
-          </a:p>
-          <a:p>
-            <a:r>
-              <a:rPr lang="ru-RU" dirty="0"/>
-              <a:t>Система подкрепления.</a:t>
-            </a:r>
-          </a:p>
-          <a:p>
-            <a:r>
-              <a:rPr lang="ru-RU" dirty="0"/>
-              <a:t>Важно иметь действительно работающие стратегии снятия стресса.</a:t>
-            </a:r>
-          </a:p>
-          <a:p>
-            <a:endParaRPr lang="ru-RU" dirty="0"/>
-          </a:p>
-          <a:p>
-            <a:endParaRPr lang="ru-RU" dirty="0"/>
-          </a:p>
-          <a:p>
-            <a:endParaRPr lang="en-US" dirty="0"/>
-          </a:p>
-        </p:txBody>
-      </p:sp>
-    </p:spTree>
-    <p:extLst>
-      <p:ext uri="{BB962C8B-B14F-4D97-AF65-F5344CB8AC3E}">
-        <p14:creationId xmlns:p14="http://schemas.microsoft.com/office/powerpoint/2010/main" val="1974048535"/>
-      </p:ext>
-    </p:extLst>
-  </p:cSld>
-  <p:clrMapOvr>
-    <a:masterClrMapping/>
-  </p:clrMapOvr>
-</p:sld>
-</file>
-
-<file path=ppt/slides/slide19.xml><?xml version="1.0" encoding="utf-8"?>
-<p:sld xmlns:a="http://schemas.openxmlformats.org/drawingml/2006/main" xmlns:r="http://schemas.openxmlformats.org/officeDocument/2006/relationships" xmlns:p="http://schemas.openxmlformats.org/presentationml/2006/main">
-  <p:cSld>
-    <p:spTree>
-      <p:nvGrpSpPr>
-        <p:cNvPr id="1" name=""/>
-        <p:cNvGrpSpPr/>
-        <p:nvPr/>
-      </p:nvGrpSpPr>
-      <p:grpSpPr>
-        <a:xfrm>
-          <a:off x="0" y="0"/>
-          <a:ext cx="0" cy="0"/>
-          <a:chOff x="0" y="0"/>
-          <a:chExt cx="0" cy="0"/>
-        </a:xfrm>
-      </p:grpSpPr>
-      <p:sp>
-        <p:nvSpPr>
-          <p:cNvPr id="2" name="Title 1">
-            <a:extLst>
-              <a:ext uri="{FF2B5EF4-FFF2-40B4-BE49-F238E27FC236}">
-                <a16:creationId xmlns:a16="http://schemas.microsoft.com/office/drawing/2014/main" id="{8502BE21-50A6-4F8E-83CA-2BE2172D726F}"/>
-              </a:ext>
-            </a:extLst>
-          </p:cNvPr>
-          <p:cNvSpPr>
-            <a:spLocks noGrp="1"/>
-          </p:cNvSpPr>
-          <p:nvPr>
-            <p:ph type="title"/>
-          </p:nvPr>
-        </p:nvSpPr>
-        <p:spPr/>
-        <p:txBody>
-          <a:bodyPr/>
-          <a:lstStyle/>
-          <a:p>
-            <a:r>
-              <a:rPr lang="ru-RU" dirty="0"/>
-              <a:t>Келли Макгонигал</a:t>
-            </a:r>
-            <a:endParaRPr lang="en-US" dirty="0"/>
-          </a:p>
-        </p:txBody>
-      </p:sp>
-      <p:sp>
-        <p:nvSpPr>
-          <p:cNvPr id="3" name="Content Placeholder 2">
-            <a:extLst>
-              <a:ext uri="{FF2B5EF4-FFF2-40B4-BE49-F238E27FC236}">
-                <a16:creationId xmlns:a16="http://schemas.microsoft.com/office/drawing/2014/main" id="{F7D9122A-547D-4498-81E3-940AF608A4E2}"/>
-              </a:ext>
-            </a:extLst>
-          </p:cNvPr>
-          <p:cNvSpPr>
-            <a:spLocks noGrp="1"/>
-          </p:cNvSpPr>
-          <p:nvPr>
-            <p:ph idx="1"/>
-          </p:nvPr>
-        </p:nvSpPr>
-        <p:spPr/>
-        <p:txBody>
-          <a:bodyPr/>
-          <a:lstStyle/>
-          <a:p>
-            <a:r>
-              <a:rPr lang="ru-RU" dirty="0"/>
-              <a:t>Сила воли это мышца.</a:t>
-            </a:r>
-          </a:p>
-          <a:p>
-            <a:r>
-              <a:rPr lang="ru-RU" dirty="0"/>
-              <a:t>Восполняйте резерв силы воли.</a:t>
-            </a:r>
-          </a:p>
-          <a:p>
-            <a:r>
-              <a:rPr lang="ru-RU" dirty="0"/>
-              <a:t>Не поддавайтесь самообману.</a:t>
-            </a:r>
-          </a:p>
-          <a:p>
-            <a:r>
-              <a:rPr lang="ru-RU" dirty="0"/>
-              <a:t>Система подкрепления.</a:t>
-            </a:r>
-          </a:p>
-          <a:p>
-            <a:r>
-              <a:rPr lang="ru-RU" dirty="0"/>
-              <a:t>Важно иметь действительно работающие стратегии снятия стресса.</a:t>
-            </a:r>
-          </a:p>
-          <a:p>
-            <a:r>
-              <a:rPr lang="ru-RU" dirty="0"/>
-              <a:t>Не подавляйте нежелательные мысли.</a:t>
-            </a:r>
-          </a:p>
-          <a:p>
-            <a:endParaRPr lang="en-US" dirty="0"/>
-          </a:p>
-        </p:txBody>
-      </p:sp>
-    </p:spTree>
-    <p:extLst>
-      <p:ext uri="{BB962C8B-B14F-4D97-AF65-F5344CB8AC3E}">
-        <p14:creationId xmlns:p14="http://schemas.microsoft.com/office/powerpoint/2010/main" val="1241391858"/>
-      </p:ext>
-    </p:extLst>
-  </p:cSld>
-  <p:clrMapOvr>
-    <a:masterClrMapping/>
-  </p:clrMapOvr>
-</p:sld>
-</file>
-
-<file path=ppt/slides/slide2.xml><?xml version="1.0" encoding="utf-8"?>
-<p:sld xmlns:a="http://schemas.openxmlformats.org/drawingml/2006/main" xmlns:r="http://schemas.openxmlformats.org/officeDocument/2006/relationships" xmlns:p="http://schemas.openxmlformats.org/presentationml/2006/main">
-  <p:cSld>
-    <p:spTree>
-      <p:nvGrpSpPr>
-        <p:cNvPr id="1" name=""/>
-        <p:cNvGrpSpPr/>
-        <p:nvPr/>
-      </p:nvGrpSpPr>
-      <p:grpSpPr>
-        <a:xfrm>
-          <a:off x="0" y="0"/>
-          <a:ext cx="0" cy="0"/>
-          <a:chOff x="0" y="0"/>
-          <a:chExt cx="0" cy="0"/>
-        </a:xfrm>
-      </p:grpSpPr>
-      <p:sp>
-        <p:nvSpPr>
-          <p:cNvPr id="2" name="Title 1">
-            <a:extLst>
-              <a:ext uri="{FF2B5EF4-FFF2-40B4-BE49-F238E27FC236}">
-                <a16:creationId xmlns:a16="http://schemas.microsoft.com/office/drawing/2014/main" id="{20DF650D-2B7A-4077-BF8F-A2814C4EE1B7}"/>
-              </a:ext>
-            </a:extLst>
-          </p:cNvPr>
-          <p:cNvSpPr>
-            <a:spLocks noGrp="1"/>
-          </p:cNvSpPr>
-          <p:nvPr>
-            <p:ph type="title"/>
-          </p:nvPr>
-        </p:nvSpPr>
-        <p:spPr/>
-        <p:txBody>
-          <a:bodyPr/>
-          <a:lstStyle/>
-          <a:p>
-            <a:r>
-              <a:rPr lang="ru-RU" dirty="0"/>
-              <a:t>Финеас Гейдж</a:t>
-            </a:r>
-            <a:endParaRPr lang="en-US" dirty="0"/>
-          </a:p>
-        </p:txBody>
-      </p:sp>
-      <p:sp>
-        <p:nvSpPr>
-          <p:cNvPr id="3" name="Content Placeholder 2">
-            <a:extLst>
-              <a:ext uri="{FF2B5EF4-FFF2-40B4-BE49-F238E27FC236}">
-                <a16:creationId xmlns:a16="http://schemas.microsoft.com/office/drawing/2014/main" id="{83C5BB53-5B80-469F-8473-A2499551DF76}"/>
-              </a:ext>
-            </a:extLst>
-          </p:cNvPr>
-          <p:cNvSpPr>
-            <a:spLocks noGrp="1"/>
-          </p:cNvSpPr>
-          <p:nvPr>
-            <p:ph idx="1"/>
-          </p:nvPr>
-        </p:nvSpPr>
-        <p:spPr/>
-        <p:txBody>
-          <a:bodyPr/>
-          <a:lstStyle/>
-          <a:p>
-            <a:endParaRPr lang="en-US" dirty="0"/>
-          </a:p>
-        </p:txBody>
-      </p:sp>
-    </p:spTree>
-    <p:extLst>
-      <p:ext uri="{BB962C8B-B14F-4D97-AF65-F5344CB8AC3E}">
-        <p14:creationId xmlns:p14="http://schemas.microsoft.com/office/powerpoint/2010/main" val="584322234"/>
-      </p:ext>
-    </p:extLst>
-  </p:cSld>
-  <p:clrMapOvr>
-    <a:masterClrMapping/>
-  </p:clrMapOvr>
-</p:sld>
-</file>
-
-<file path=ppt/slides/slide20.xml><?xml version="1.0" encoding="utf-8"?>
-<p:sld xmlns:a="http://schemas.openxmlformats.org/drawingml/2006/main" xmlns:r="http://schemas.openxmlformats.org/officeDocument/2006/relationships" xmlns:p="http://schemas.openxmlformats.org/presentationml/2006/main">
-  <p:cSld>
-    <p:spTree>
-      <p:nvGrpSpPr>
-        <p:cNvPr id="1" name=""/>
-        <p:cNvGrpSpPr/>
-        <p:nvPr/>
-      </p:nvGrpSpPr>
-      <p:grpSpPr>
-        <a:xfrm>
-          <a:off x="0" y="0"/>
-          <a:ext cx="0" cy="0"/>
-          <a:chOff x="0" y="0"/>
-          <a:chExt cx="0" cy="0"/>
-        </a:xfrm>
-      </p:grpSpPr>
-      <p:sp>
-        <p:nvSpPr>
-          <p:cNvPr id="2" name="Title 1">
-            <a:extLst>
-              <a:ext uri="{FF2B5EF4-FFF2-40B4-BE49-F238E27FC236}">
-                <a16:creationId xmlns:a16="http://schemas.microsoft.com/office/drawing/2014/main" id="{8502BE21-50A6-4F8E-83CA-2BE2172D726F}"/>
-              </a:ext>
-            </a:extLst>
-          </p:cNvPr>
-          <p:cNvSpPr>
-            <a:spLocks noGrp="1"/>
-          </p:cNvSpPr>
-          <p:nvPr>
-            <p:ph type="title"/>
-          </p:nvPr>
-        </p:nvSpPr>
-        <p:spPr/>
-        <p:txBody>
-          <a:bodyPr/>
-          <a:lstStyle/>
-          <a:p>
-            <a:r>
-              <a:rPr lang="ru-RU" dirty="0"/>
-              <a:t>Келли Макгонигал</a:t>
-            </a:r>
-            <a:endParaRPr lang="en-US" dirty="0"/>
-          </a:p>
-        </p:txBody>
-      </p:sp>
-      <p:sp>
-        <p:nvSpPr>
-          <p:cNvPr id="3" name="Content Placeholder 2">
-            <a:extLst>
-              <a:ext uri="{FF2B5EF4-FFF2-40B4-BE49-F238E27FC236}">
-                <a16:creationId xmlns:a16="http://schemas.microsoft.com/office/drawing/2014/main" id="{F7D9122A-547D-4498-81E3-940AF608A4E2}"/>
-              </a:ext>
-            </a:extLst>
-          </p:cNvPr>
-          <p:cNvSpPr>
-            <a:spLocks noGrp="1"/>
-          </p:cNvSpPr>
-          <p:nvPr>
-            <p:ph idx="1"/>
-          </p:nvPr>
-        </p:nvSpPr>
-        <p:spPr/>
-        <p:txBody>
-          <a:bodyPr/>
-          <a:lstStyle/>
-          <a:p>
-            <a:r>
-              <a:rPr lang="ru-RU" dirty="0"/>
-              <a:t>Сила воли это мышца.</a:t>
-            </a:r>
-          </a:p>
-          <a:p>
-            <a:r>
-              <a:rPr lang="ru-RU" dirty="0"/>
-              <a:t>Восполняйте резерв силы воли.</a:t>
-            </a:r>
-          </a:p>
-          <a:p>
-            <a:r>
-              <a:rPr lang="ru-RU" dirty="0"/>
-              <a:t>Не поддавайтесь самообману.</a:t>
-            </a:r>
-          </a:p>
-          <a:p>
-            <a:r>
-              <a:rPr lang="ru-RU" dirty="0"/>
-              <a:t>Система подкрепления.</a:t>
-            </a:r>
-          </a:p>
-          <a:p>
-            <a:r>
-              <a:rPr lang="ru-RU" dirty="0"/>
-              <a:t>Важно иметь действительно работающие стратегии снятия стресса.</a:t>
-            </a:r>
-          </a:p>
-          <a:p>
-            <a:r>
-              <a:rPr lang="ru-RU" dirty="0"/>
-              <a:t>Не подавляйте нежелательные мысли.</a:t>
-            </a:r>
-          </a:p>
-          <a:p>
-            <a:r>
-              <a:rPr lang="ru-RU" dirty="0"/>
-              <a:t>Сжигайте мосты. </a:t>
-            </a:r>
-          </a:p>
-          <a:p>
-            <a:endParaRPr lang="ru-RU" dirty="0"/>
-          </a:p>
-          <a:p>
-            <a:endParaRPr lang="en-US" dirty="0"/>
-          </a:p>
-        </p:txBody>
-      </p:sp>
-    </p:spTree>
-    <p:extLst>
-      <p:ext uri="{BB962C8B-B14F-4D97-AF65-F5344CB8AC3E}">
-        <p14:creationId xmlns:p14="http://schemas.microsoft.com/office/powerpoint/2010/main" val="3525656501"/>
-      </p:ext>
-    </p:extLst>
-  </p:cSld>
-  <p:clrMapOvr>
-    <a:masterClrMapping/>
-  </p:clrMapOvr>
-</p:sld>
-</file>
-
-<file path=ppt/slides/slide21.xml><?xml version="1.0" encoding="utf-8"?>
-<p:sld xmlns:a="http://schemas.openxmlformats.org/drawingml/2006/main" xmlns:r="http://schemas.openxmlformats.org/officeDocument/2006/relationships" xmlns:p="http://schemas.openxmlformats.org/presentationml/2006/main">
-  <p:cSld>
-    <p:spTree>
-      <p:nvGrpSpPr>
-        <p:cNvPr id="1" name=""/>
-        <p:cNvGrpSpPr/>
-        <p:nvPr/>
-      </p:nvGrpSpPr>
-      <p:grpSpPr>
-        <a:xfrm>
-          <a:off x="0" y="0"/>
-          <a:ext cx="0" cy="0"/>
-          <a:chOff x="0" y="0"/>
-          <a:chExt cx="0" cy="0"/>
-        </a:xfrm>
-      </p:grpSpPr>
-      <p:sp>
-        <p:nvSpPr>
-          <p:cNvPr id="2" name="Title 1">
-            <a:extLst>
-              <a:ext uri="{FF2B5EF4-FFF2-40B4-BE49-F238E27FC236}">
-                <a16:creationId xmlns:a16="http://schemas.microsoft.com/office/drawing/2014/main" id="{8502BE21-50A6-4F8E-83CA-2BE2172D726F}"/>
-              </a:ext>
-            </a:extLst>
-          </p:cNvPr>
-          <p:cNvSpPr>
-            <a:spLocks noGrp="1"/>
-          </p:cNvSpPr>
-          <p:nvPr>
-            <p:ph type="title"/>
-          </p:nvPr>
-        </p:nvSpPr>
-        <p:spPr/>
-        <p:txBody>
-          <a:bodyPr/>
-          <a:lstStyle/>
-          <a:p>
-            <a:r>
-              <a:rPr lang="ru-RU" dirty="0"/>
-              <a:t>Резюме книги Келли Макгонигал</a:t>
-            </a:r>
-            <a:endParaRPr lang="en-US" dirty="0"/>
-          </a:p>
-        </p:txBody>
-      </p:sp>
-      <p:sp>
-        <p:nvSpPr>
-          <p:cNvPr id="3" name="Content Placeholder 2">
-            <a:extLst>
-              <a:ext uri="{FF2B5EF4-FFF2-40B4-BE49-F238E27FC236}">
-                <a16:creationId xmlns:a16="http://schemas.microsoft.com/office/drawing/2014/main" id="{F7D9122A-547D-4498-81E3-940AF608A4E2}"/>
-              </a:ext>
-            </a:extLst>
-          </p:cNvPr>
-          <p:cNvSpPr>
-            <a:spLocks noGrp="1"/>
-          </p:cNvSpPr>
-          <p:nvPr>
-            <p:ph idx="1"/>
-          </p:nvPr>
-        </p:nvSpPr>
-        <p:spPr/>
-        <p:txBody>
-          <a:bodyPr/>
-          <a:lstStyle/>
-          <a:p>
-            <a:endParaRPr lang="ru-RU" dirty="0"/>
-          </a:p>
-        </p:txBody>
-      </p:sp>
-    </p:spTree>
-    <p:extLst>
-      <p:ext uri="{BB962C8B-B14F-4D97-AF65-F5344CB8AC3E}">
-        <p14:creationId xmlns:p14="http://schemas.microsoft.com/office/powerpoint/2010/main" val="1639902987"/>
-      </p:ext>
-    </p:extLst>
-  </p:cSld>
-  <p:clrMapOvr>
-    <a:masterClrMapping/>
-  </p:clrMapOvr>
-</p:sld>
-</file>
-
-<file path=ppt/slides/slide22.xml><?xml version="1.0" encoding="utf-8"?>
-<p:sld xmlns:a="http://schemas.openxmlformats.org/drawingml/2006/main" xmlns:r="http://schemas.openxmlformats.org/officeDocument/2006/relationships" xmlns:p="http://schemas.openxmlformats.org/presentationml/2006/main">
-  <p:cSld>
-    <p:spTree>
-      <p:nvGrpSpPr>
-        <p:cNvPr id="1" name=""/>
-        <p:cNvGrpSpPr/>
-        <p:nvPr/>
-      </p:nvGrpSpPr>
-      <p:grpSpPr>
-        <a:xfrm>
-          <a:off x="0" y="0"/>
-          <a:ext cx="0" cy="0"/>
-          <a:chOff x="0" y="0"/>
-          <a:chExt cx="0" cy="0"/>
-        </a:xfrm>
-      </p:grpSpPr>
-      <p:sp>
-        <p:nvSpPr>
-          <p:cNvPr id="2" name="Title 1">
-            <a:extLst>
-              <a:ext uri="{FF2B5EF4-FFF2-40B4-BE49-F238E27FC236}">
-                <a16:creationId xmlns:a16="http://schemas.microsoft.com/office/drawing/2014/main" id="{8502BE21-50A6-4F8E-83CA-2BE2172D726F}"/>
-              </a:ext>
-            </a:extLst>
-          </p:cNvPr>
-          <p:cNvSpPr>
-            <a:spLocks noGrp="1"/>
-          </p:cNvSpPr>
-          <p:nvPr>
-            <p:ph type="title"/>
-          </p:nvPr>
-        </p:nvSpPr>
-        <p:spPr/>
-        <p:txBody>
-          <a:bodyPr/>
-          <a:lstStyle/>
-          <a:p>
-            <a:r>
-              <a:rPr lang="ru-RU" dirty="0"/>
-              <a:t>Бенжамин Харди</a:t>
-            </a:r>
-            <a:endParaRPr lang="en-US" dirty="0"/>
-          </a:p>
-        </p:txBody>
-      </p:sp>
-      <p:sp>
-        <p:nvSpPr>
-          <p:cNvPr id="3" name="Content Placeholder 2">
-            <a:extLst>
-              <a:ext uri="{FF2B5EF4-FFF2-40B4-BE49-F238E27FC236}">
-                <a16:creationId xmlns:a16="http://schemas.microsoft.com/office/drawing/2014/main" id="{F7D9122A-547D-4498-81E3-940AF608A4E2}"/>
-              </a:ext>
-            </a:extLst>
-          </p:cNvPr>
-          <p:cNvSpPr>
-            <a:spLocks noGrp="1"/>
-          </p:cNvSpPr>
-          <p:nvPr>
-            <p:ph idx="1"/>
-          </p:nvPr>
-        </p:nvSpPr>
-        <p:spPr>
-          <a:xfrm>
-            <a:off x="1154954" y="3816990"/>
-            <a:ext cx="9549397" cy="2202809"/>
-          </a:xfrm>
-        </p:spPr>
-        <p:txBody>
-          <a:bodyPr>
-            <a:normAutofit/>
-          </a:bodyPr>
-          <a:lstStyle/>
-          <a:p>
-            <a:pPr marL="0" indent="0" algn="ctr">
-              <a:buNone/>
-            </a:pPr>
-            <a:r>
-              <a:rPr lang="ru-RU" sz="2000" b="1" dirty="0"/>
-              <a:t>Конец первой части.</a:t>
-            </a:r>
-            <a:endParaRPr lang="en-US" sz="2000" b="1" dirty="0"/>
-          </a:p>
-        </p:txBody>
-      </p:sp>
-    </p:spTree>
-    <p:extLst>
-      <p:ext uri="{BB962C8B-B14F-4D97-AF65-F5344CB8AC3E}">
-        <p14:creationId xmlns:p14="http://schemas.microsoft.com/office/powerpoint/2010/main" val="3904235922"/>
-      </p:ext>
-    </p:extLst>
-  </p:cSld>
-  <p:clrMapOvr>
-    <a:masterClrMapping/>
-  </p:clrMapOvr>
-</p:sld>
-</file>
-
 <file path=ppt/slides/slide23.xml><?xml version="1.0" encoding="utf-8"?>
 <p:sld xmlns:a="http://schemas.openxmlformats.org/drawingml/2006/main" xmlns:r="http://schemas.openxmlformats.org/officeDocument/2006/relationships" xmlns:p="http://schemas.openxmlformats.org/presentationml/2006/main">
   <p:cSld>
@@ -15471,7 +15367,7 @@
           <a:p>
             <a:r>
               <a:rPr lang="ru-RU" dirty="0"/>
-              <a:t>Бенжамин Харди</a:t>
+              <a:t>Келли Макгонигал</a:t>
             </a:r>
             <a:endParaRPr lang="en-US" dirty="0"/>
           </a:p>
@@ -15493,33 +15389,23 @@
             <p:ph idx="1"/>
           </p:nvPr>
         </p:nvSpPr>
-        <p:spPr>
-          <a:xfrm>
-            <a:off x="1154954" y="3816990"/>
-            <a:ext cx="9549397" cy="2202809"/>
-          </a:xfrm>
-        </p:spPr>
-        <p:txBody>
-          <a:bodyPr>
-            <a:normAutofit/>
-          </a:bodyPr>
+        <p:spPr/>
+        <p:txBody>
+          <a:bodyPr/>
           <a:lstStyle/>
           <a:p>
-            <a:pPr marL="0" indent="0" algn="ctr">
-              <a:buNone/>
-            </a:pPr>
-            <a:r>
-              <a:rPr lang="ru-RU" sz="2000" b="1" dirty="0"/>
-              <a:t>Сила воли не работает. Пусть твое окружение работает вместо нее.</a:t>
-            </a:r>
-            <a:endParaRPr lang="en-US" sz="2000" b="1" dirty="0"/>
+            <a:r>
+              <a:rPr lang="ru-RU" dirty="0"/>
+              <a:t>Сила воли это мышца.</a:t>
+            </a:r>
+            <a:endParaRPr lang="en-US" dirty="0"/>
           </a:p>
         </p:txBody>
       </p:sp>
     </p:spTree>
     <p:extLst>
       <p:ext uri="{BB962C8B-B14F-4D97-AF65-F5344CB8AC3E}">
-        <p14:creationId xmlns:p14="http://schemas.microsoft.com/office/powerpoint/2010/main" val="3215833638"/>
+        <p14:creationId xmlns:p14="http://schemas.microsoft.com/office/powerpoint/2010/main" val="2946238925"/>
       </p:ext>
     </p:extLst>
   </p:cSld>
@@ -15569,7 +15455,7 @@
           <a:p>
             <a:r>
               <a:rPr lang="ru-RU" dirty="0"/>
-              <a:t>Бенжамин Харди</a:t>
+              <a:t>Келли Макгонигал</a:t>
             </a:r>
             <a:endParaRPr lang="en-US" dirty="0"/>
           </a:p>
@@ -15598,18 +15484,24 @@
           <a:p>
             <a:r>
               <a:rPr lang="ru-RU" dirty="0"/>
-              <a:t>Человек – порождение ситуации.</a:t>
-            </a:r>
-          </a:p>
-          <a:p>
-            <a:endParaRPr lang="ru-RU" dirty="0"/>
+              <a:t>Сила воли это мышца.</a:t>
+            </a:r>
+          </a:p>
+          <a:p>
+            <a:r>
+              <a:rPr lang="ru-RU" dirty="0"/>
+              <a:t>Восполняйте резерв силы воли.</a:t>
+            </a:r>
+          </a:p>
+          <a:p>
+            <a:endParaRPr lang="en-US" dirty="0"/>
           </a:p>
         </p:txBody>
       </p:sp>
     </p:spTree>
     <p:extLst>
       <p:ext uri="{BB962C8B-B14F-4D97-AF65-F5344CB8AC3E}">
-        <p14:creationId xmlns:p14="http://schemas.microsoft.com/office/powerpoint/2010/main" val="1059165568"/>
+        <p14:creationId xmlns:p14="http://schemas.microsoft.com/office/powerpoint/2010/main" val="4063695799"/>
       </p:ext>
     </p:extLst>
   </p:cSld>
@@ -15659,7 +15551,7 @@
           <a:p>
             <a:r>
               <a:rPr lang="ru-RU" dirty="0"/>
-              <a:t>Бенжамин Харди</a:t>
+              <a:t>Келли Макгонигал</a:t>
             </a:r>
             <a:endParaRPr lang="en-US" dirty="0"/>
           </a:p>
@@ -15688,27 +15580,30 @@
           <a:p>
             <a:r>
               <a:rPr lang="ru-RU" dirty="0"/>
-              <a:t>Человек – порождение ситуации.</a:t>
-            </a:r>
-          </a:p>
-          <a:p>
-            <a:endParaRPr lang="ru-RU" dirty="0"/>
+              <a:t>Сила воли это мышца.</a:t>
+            </a:r>
           </a:p>
           <a:p>
             <a:r>
               <a:rPr lang="ru-RU" dirty="0"/>
-              <a:t>Ваша среда формирует вас.</a:t>
-            </a:r>
-          </a:p>
-          <a:p>
-            <a:endParaRPr lang="ru-RU" dirty="0"/>
+              <a:t>Восполняйте резерв силы воли.</a:t>
+            </a:r>
+          </a:p>
+          <a:p>
+            <a:r>
+              <a:rPr lang="ru-RU" dirty="0"/>
+              <a:t>Не поддавайтесь самообману.</a:t>
+            </a:r>
+          </a:p>
+          <a:p>
+            <a:endParaRPr lang="en-US" dirty="0"/>
           </a:p>
         </p:txBody>
       </p:sp>
     </p:spTree>
     <p:extLst>
       <p:ext uri="{BB962C8B-B14F-4D97-AF65-F5344CB8AC3E}">
-        <p14:creationId xmlns:p14="http://schemas.microsoft.com/office/powerpoint/2010/main" val="2398533860"/>
+        <p14:creationId xmlns:p14="http://schemas.microsoft.com/office/powerpoint/2010/main" val="1342237737"/>
       </p:ext>
     </p:extLst>
   </p:cSld>
@@ -15758,7 +15653,7 @@
           <a:p>
             <a:r>
               <a:rPr lang="ru-RU" dirty="0"/>
-              <a:t>Бенжамин Харди</a:t>
+              <a:t>Келли Макгонигал</a:t>
             </a:r>
             <a:endParaRPr lang="en-US" dirty="0"/>
           </a:p>
@@ -15787,38 +15682,39 @@
           <a:p>
             <a:r>
               <a:rPr lang="ru-RU" dirty="0"/>
-              <a:t>Человек – порождение ситуации.</a:t>
+              <a:t>Сила воли это мышца.</a:t>
+            </a:r>
+          </a:p>
+          <a:p>
+            <a:r>
+              <a:rPr lang="ru-RU" dirty="0"/>
+              <a:t>Восполняйте резерв силы воли.</a:t>
+            </a:r>
+          </a:p>
+          <a:p>
+            <a:r>
+              <a:rPr lang="ru-RU" dirty="0"/>
+              <a:t>Не поддавайтесь самообману.</a:t>
+            </a:r>
+          </a:p>
+          <a:p>
+            <a:r>
+              <a:rPr lang="ru-RU" dirty="0"/>
+              <a:t>Система подкрепления.</a:t>
             </a:r>
           </a:p>
           <a:p>
             <a:endParaRPr lang="ru-RU" dirty="0"/>
           </a:p>
           <a:p>
-            <a:r>
-              <a:rPr lang="ru-RU" dirty="0"/>
-              <a:t>Ваша среда формирует вас.</a:t>
-            </a:r>
             <a:endParaRPr lang="en-US" dirty="0"/>
-          </a:p>
-          <a:p>
-            <a:endParaRPr lang="en-US" dirty="0"/>
-          </a:p>
-          <a:p>
-            <a:r>
-              <a:rPr lang="en-US" dirty="0"/>
-              <a:t>1</a:t>
-            </a:r>
-            <a:endParaRPr lang="ru-RU" dirty="0"/>
-          </a:p>
-          <a:p>
-            <a:endParaRPr lang="ru-RU" dirty="0"/>
           </a:p>
         </p:txBody>
       </p:sp>
     </p:spTree>
     <p:extLst>
       <p:ext uri="{BB962C8B-B14F-4D97-AF65-F5344CB8AC3E}">
-        <p14:creationId xmlns:p14="http://schemas.microsoft.com/office/powerpoint/2010/main" val="3866533489"/>
+        <p14:creationId xmlns:p14="http://schemas.microsoft.com/office/powerpoint/2010/main" val="1298854589"/>
       </p:ext>
     </p:extLst>
   </p:cSld>
@@ -15868,7 +15764,7 @@
           <a:p>
             <a:r>
               <a:rPr lang="ru-RU" dirty="0"/>
-              <a:t>Бенжамин Харди</a:t>
+              <a:t>Келли Макгонигал</a:t>
             </a:r>
             <a:endParaRPr lang="en-US" dirty="0"/>
           </a:p>
@@ -15897,47 +15793,48 @@
           <a:p>
             <a:r>
               <a:rPr lang="ru-RU" dirty="0"/>
-              <a:t>Человек – порождение ситуации.</a:t>
+              <a:t>Сила воли это мышца.</a:t>
+            </a:r>
+          </a:p>
+          <a:p>
+            <a:r>
+              <a:rPr lang="ru-RU" dirty="0"/>
+              <a:t>Восполняйте резерв силы воли.</a:t>
+            </a:r>
+          </a:p>
+          <a:p>
+            <a:r>
+              <a:rPr lang="ru-RU" dirty="0"/>
+              <a:t>Не поддавайтесь самообману.</a:t>
+            </a:r>
+          </a:p>
+          <a:p>
+            <a:r>
+              <a:rPr lang="ru-RU" dirty="0"/>
+              <a:t>Система подкрепления.</a:t>
+            </a:r>
+          </a:p>
+          <a:p>
+            <a:r>
+              <a:rPr lang="ru-RU" dirty="0"/>
+              <a:t>Важно иметь действительно работающие стратегии снятия стресса.</a:t>
             </a:r>
           </a:p>
           <a:p>
             <a:endParaRPr lang="ru-RU" dirty="0"/>
           </a:p>
           <a:p>
-            <a:r>
-              <a:rPr lang="ru-RU" dirty="0"/>
-              <a:t>Ваша среда формирует вас.</a:t>
-            </a:r>
+            <a:endParaRPr lang="ru-RU" dirty="0"/>
+          </a:p>
+          <a:p>
             <a:endParaRPr lang="en-US" dirty="0"/>
-          </a:p>
-          <a:p>
-            <a:endParaRPr lang="en-US" dirty="0"/>
-          </a:p>
-          <a:p>
-            <a:r>
-              <a:rPr lang="en-US" dirty="0"/>
-              <a:t>1</a:t>
-            </a:r>
-          </a:p>
-          <a:p>
-            <a:endParaRPr lang="en-US" dirty="0"/>
-          </a:p>
-          <a:p>
-            <a:r>
-              <a:rPr lang="en-US" dirty="0"/>
-              <a:t>2</a:t>
-            </a:r>
-            <a:endParaRPr lang="ru-RU" dirty="0"/>
-          </a:p>
-          <a:p>
-            <a:endParaRPr lang="ru-RU" dirty="0"/>
           </a:p>
         </p:txBody>
       </p:sp>
     </p:spTree>
     <p:extLst>
       <p:ext uri="{BB962C8B-B14F-4D97-AF65-F5344CB8AC3E}">
-        <p14:creationId xmlns:p14="http://schemas.microsoft.com/office/powerpoint/2010/main" val="3817586098"/>
+        <p14:creationId xmlns:p14="http://schemas.microsoft.com/office/powerpoint/2010/main" val="1974048535"/>
       </p:ext>
     </p:extLst>
   </p:cSld>
@@ -15987,7 +15884,7 @@
           <a:p>
             <a:r>
               <a:rPr lang="ru-RU" dirty="0"/>
-              <a:t>Бенжамин Харди</a:t>
+              <a:t>Келли Макгонигал</a:t>
             </a:r>
             <a:endParaRPr lang="en-US" dirty="0"/>
           </a:p>
@@ -16009,68 +15906,55 @@
             <p:ph idx="1"/>
           </p:nvPr>
         </p:nvSpPr>
-        <p:spPr>
-          <a:xfrm>
-            <a:off x="1154955" y="2603499"/>
-            <a:ext cx="8761412" cy="3705021"/>
-          </a:xfrm>
-        </p:spPr>
-        <p:txBody>
-          <a:bodyPr>
-            <a:normAutofit/>
-          </a:bodyPr>
+        <p:spPr/>
+        <p:txBody>
+          <a:bodyPr/>
           <a:lstStyle/>
           <a:p>
             <a:r>
               <a:rPr lang="ru-RU" dirty="0"/>
-              <a:t>Человек – порождение ситуации.</a:t>
-            </a:r>
-          </a:p>
-          <a:p>
-            <a:endParaRPr lang="ru-RU" dirty="0"/>
+              <a:t>Сила воли это мышца.</a:t>
+            </a:r>
           </a:p>
           <a:p>
             <a:r>
               <a:rPr lang="ru-RU" dirty="0"/>
-              <a:t>Ваша среда формирует вас.</a:t>
-            </a:r>
+              <a:t>Восполняйте резерв силы воли.</a:t>
+            </a:r>
+          </a:p>
+          <a:p>
+            <a:r>
+              <a:rPr lang="ru-RU" dirty="0"/>
+              <a:t>Не поддавайтесь самообману.</a:t>
+            </a:r>
+          </a:p>
+          <a:p>
+            <a:r>
+              <a:rPr lang="ru-RU" dirty="0"/>
+              <a:t>Система подкрепления.</a:t>
+            </a:r>
+          </a:p>
+          <a:p>
+            <a:r>
+              <a:rPr lang="ru-RU" dirty="0"/>
+              <a:t>Важно иметь действительно работающие стратегии снятия стресса.</a:t>
+            </a:r>
+          </a:p>
+          <a:p>
+            <a:r>
+              <a:rPr lang="ru-RU" dirty="0"/>
+              <a:t>Не подавляйте нежелательные мысли.</a:t>
+            </a:r>
+          </a:p>
+          <a:p>
             <a:endParaRPr lang="en-US" dirty="0"/>
-          </a:p>
-          <a:p>
-            <a:endParaRPr lang="en-US" dirty="0"/>
-          </a:p>
-          <a:p>
-            <a:r>
-              <a:rPr lang="en-US" dirty="0"/>
-              <a:t>1</a:t>
-            </a:r>
-          </a:p>
-          <a:p>
-            <a:endParaRPr lang="en-US" dirty="0"/>
-          </a:p>
-          <a:p>
-            <a:r>
-              <a:rPr lang="en-US" dirty="0"/>
-              <a:t>2</a:t>
-            </a:r>
-            <a:endParaRPr lang="ru-RU" dirty="0"/>
-          </a:p>
-          <a:p>
-            <a:endParaRPr lang="en-US" dirty="0"/>
-          </a:p>
-          <a:p>
-            <a:r>
-              <a:rPr lang="en-US" dirty="0"/>
-              <a:t>3</a:t>
-            </a:r>
-            <a:endParaRPr lang="ru-RU" dirty="0"/>
           </a:p>
         </p:txBody>
       </p:sp>
     </p:spTree>
     <p:extLst>
       <p:ext uri="{BB962C8B-B14F-4D97-AF65-F5344CB8AC3E}">
-        <p14:creationId xmlns:p14="http://schemas.microsoft.com/office/powerpoint/2010/main" val="2546514026"/>
+        <p14:creationId xmlns:p14="http://schemas.microsoft.com/office/powerpoint/2010/main" val="1241391858"/>
       </p:ext>
     </p:extLst>
   </p:cSld>
@@ -16120,7 +16004,7 @@
           <a:p>
             <a:r>
               <a:rPr lang="ru-RU" dirty="0"/>
-              <a:t>Бенжамин Харди</a:t>
+              <a:t>Келли Макгонигал</a:t>
             </a:r>
             <a:endParaRPr lang="en-US" dirty="0"/>
           </a:p>
@@ -16142,74 +16026,64 @@
             <p:ph idx="1"/>
           </p:nvPr>
         </p:nvSpPr>
-        <p:spPr>
-          <a:xfrm>
-            <a:off x="1154955" y="2603499"/>
-            <a:ext cx="8761412" cy="4560699"/>
-          </a:xfrm>
-        </p:spPr>
-        <p:txBody>
-          <a:bodyPr>
-            <a:normAutofit/>
-          </a:bodyPr>
+        <p:spPr/>
+        <p:txBody>
+          <a:bodyPr/>
           <a:lstStyle/>
           <a:p>
             <a:r>
               <a:rPr lang="ru-RU" dirty="0"/>
-              <a:t>Человек – порождение ситуации.</a:t>
+              <a:t>Сила воли это мышца.</a:t>
+            </a:r>
+          </a:p>
+          <a:p>
+            <a:r>
+              <a:rPr lang="ru-RU" dirty="0"/>
+              <a:t>Восполняйте резерв силы воли.</a:t>
+            </a:r>
+          </a:p>
+          <a:p>
+            <a:r>
+              <a:rPr lang="ru-RU" dirty="0"/>
+              <a:t>Не поддавайтесь самообману.</a:t>
+            </a:r>
+          </a:p>
+          <a:p>
+            <a:r>
+              <a:rPr lang="ru-RU" dirty="0"/>
+              <a:t>Система подкрепления.</a:t>
+            </a:r>
+          </a:p>
+          <a:p>
+            <a:r>
+              <a:rPr lang="ru-RU" dirty="0"/>
+              <a:t>Важно иметь действительно работающие стратегии снятия стресса.</a:t>
+            </a:r>
+          </a:p>
+          <a:p>
+            <a:r>
+              <a:rPr lang="ru-RU" dirty="0"/>
+              <a:t>Не подавляйте нежелательные мысли.</a:t>
+            </a:r>
+          </a:p>
+          <a:p>
+            <a:r>
+              <a:rPr lang="ru-RU" dirty="0"/>
+              <a:t>Сжигайте мосты. </a:t>
             </a:r>
           </a:p>
           <a:p>
             <a:endParaRPr lang="ru-RU" dirty="0"/>
           </a:p>
           <a:p>
-            <a:r>
-              <a:rPr lang="ru-RU" dirty="0"/>
-              <a:t>Ваша среда формирует вас.</a:t>
-            </a:r>
             <a:endParaRPr lang="en-US" dirty="0"/>
-          </a:p>
-          <a:p>
-            <a:endParaRPr lang="en-US" dirty="0"/>
-          </a:p>
-          <a:p>
-            <a:r>
-              <a:rPr lang="en-US" dirty="0"/>
-              <a:t>1</a:t>
-            </a:r>
-          </a:p>
-          <a:p>
-            <a:endParaRPr lang="en-US" dirty="0"/>
-          </a:p>
-          <a:p>
-            <a:r>
-              <a:rPr lang="en-US" dirty="0"/>
-              <a:t>2</a:t>
-            </a:r>
-            <a:endParaRPr lang="ru-RU" dirty="0"/>
-          </a:p>
-          <a:p>
-            <a:endParaRPr lang="en-US" dirty="0"/>
-          </a:p>
-          <a:p>
-            <a:r>
-              <a:rPr lang="en-US" dirty="0"/>
-              <a:t>3</a:t>
-            </a:r>
-          </a:p>
-          <a:p>
-            <a:r>
-              <a:rPr lang="en-US" dirty="0"/>
-              <a:t>4</a:t>
-            </a:r>
-            <a:endParaRPr lang="ru-RU" dirty="0"/>
           </a:p>
         </p:txBody>
       </p:sp>
     </p:spTree>
     <p:extLst>
       <p:ext uri="{BB962C8B-B14F-4D97-AF65-F5344CB8AC3E}">
-        <p14:creationId xmlns:p14="http://schemas.microsoft.com/office/powerpoint/2010/main" val="4252354751"/>
+        <p14:creationId xmlns:p14="http://schemas.microsoft.com/office/powerpoint/2010/main" val="3525656501"/>
       </p:ext>
     </p:extLst>
   </p:cSld>
@@ -16241,7 +16115,7 @@
           <p:cNvPr id="2" name="Title 1">
             <a:extLst>
               <a:ext uri="{FF2B5EF4-FFF2-40B4-BE49-F238E27FC236}">
-                <a16:creationId xmlns:a16="http://schemas.microsoft.com/office/drawing/2014/main" id="{20DF650D-2B7A-4077-BF8F-A2814C4EE1B7}"/>
+                <a16:creationId xmlns:a16="http://schemas.microsoft.com/office/drawing/2014/main" id="{F034D1A9-39F1-4C2B-B280-A0229EDBBA1D}"/>
               </a:ext>
             </a:extLst>
           </p:cNvPr>
@@ -16259,7 +16133,7 @@
           <a:p>
             <a:r>
               <a:rPr lang="ru-RU" dirty="0"/>
-              <a:t>Финеас Гейдж</a:t>
+              <a:t>Что такое Сила Воли?</a:t>
             </a:r>
             <a:endParaRPr lang="en-US" dirty="0"/>
           </a:p>
@@ -16270,7 +16144,7 @@
           <p:cNvPr id="3" name="Content Placeholder 2">
             <a:extLst>
               <a:ext uri="{FF2B5EF4-FFF2-40B4-BE49-F238E27FC236}">
-                <a16:creationId xmlns:a16="http://schemas.microsoft.com/office/drawing/2014/main" id="{83C5BB53-5B80-469F-8473-A2499551DF76}"/>
+                <a16:creationId xmlns:a16="http://schemas.microsoft.com/office/drawing/2014/main" id="{02CC965B-C8A8-4ED3-B854-FC6458FCD272}"/>
               </a:ext>
             </a:extLst>
           </p:cNvPr>
@@ -16283,21 +16157,45 @@
         </p:nvSpPr>
         <p:spPr/>
         <p:txBody>
-          <a:bodyPr/>
+          <a:bodyPr>
+            <a:normAutofit/>
+          </a:bodyPr>
           <a:lstStyle/>
           <a:p>
-            <a:r>
-              <a:rPr lang="ru-RU" dirty="0"/>
-              <a:t>13 сентября 1848 года.</a:t>
-            </a:r>
-            <a:endParaRPr lang="en-US" dirty="0"/>
+            <a:pPr marL="0" marR="0">
+              <a:spcBef>
+                <a:spcPts val="0"/>
+              </a:spcBef>
+              <a:spcAft>
+                <a:spcPts val="0"/>
+              </a:spcAft>
+            </a:pPr>
+            <a:r>
+              <a:rPr lang="ru-RU" sz="1800" dirty="0">
+                <a:effectLst/>
+                <a:latin typeface="Century Gothic (Body)"/>
+              </a:rPr>
+              <a:t>Иррациональное и Рациональное</a:t>
+            </a:r>
+          </a:p>
+          <a:p>
+            <a:endParaRPr lang="ru-RU" sz="1800" dirty="0">
+              <a:effectLst/>
+              <a:latin typeface="Century Gothic (Body)"/>
+            </a:endParaRPr>
+          </a:p>
+          <a:p>
+            <a:endParaRPr lang="ru-RU" sz="1800" dirty="0">
+              <a:effectLst/>
+              <a:latin typeface="Century Gothic (Body)"/>
+            </a:endParaRPr>
           </a:p>
         </p:txBody>
       </p:sp>
     </p:spTree>
     <p:extLst>
       <p:ext uri="{BB962C8B-B14F-4D97-AF65-F5344CB8AC3E}">
-        <p14:creationId xmlns:p14="http://schemas.microsoft.com/office/powerpoint/2010/main" val="2593535607"/>
+        <p14:creationId xmlns:p14="http://schemas.microsoft.com/office/powerpoint/2010/main" val="935286628"/>
       </p:ext>
     </p:extLst>
   </p:cSld>
@@ -16347,7 +16245,7 @@
           <a:p>
             <a:r>
               <a:rPr lang="ru-RU" dirty="0"/>
-              <a:t>Резюме по книге Бенжамин Харди</a:t>
+              <a:t>Резюме книги Келли Макгонигал</a:t>
             </a:r>
             <a:endParaRPr lang="en-US" dirty="0"/>
           </a:p>
@@ -16381,7 +16279,7 @@
     </p:spTree>
     <p:extLst>
       <p:ext uri="{BB962C8B-B14F-4D97-AF65-F5344CB8AC3E}">
-        <p14:creationId xmlns:p14="http://schemas.microsoft.com/office/powerpoint/2010/main" val="1409395795"/>
+        <p14:creationId xmlns:p14="http://schemas.microsoft.com/office/powerpoint/2010/main" val="1639902987"/>
       </p:ext>
     </p:extLst>
   </p:cSld>
@@ -16431,7 +16329,7 @@
           <a:p>
             <a:r>
               <a:rPr lang="ru-RU" dirty="0"/>
-              <a:t>Так есть ли Сила Воли?</a:t>
+              <a:t>Бенжамин Харди</a:t>
             </a:r>
             <a:endParaRPr lang="en-US" dirty="0"/>
           </a:p>
@@ -16453,19 +16351,33 @@
             <p:ph idx="1"/>
           </p:nvPr>
         </p:nvSpPr>
-        <p:spPr/>
-        <p:txBody>
-          <a:bodyPr/>
+        <p:spPr>
+          <a:xfrm>
+            <a:off x="1154954" y="3816990"/>
+            <a:ext cx="9549397" cy="2202809"/>
+          </a:xfrm>
+        </p:spPr>
+        <p:txBody>
+          <a:bodyPr>
+            <a:normAutofit/>
+          </a:bodyPr>
           <a:lstStyle/>
           <a:p>
-            <a:endParaRPr lang="ru-RU" dirty="0"/>
+            <a:pPr marL="0" indent="0" algn="ctr">
+              <a:buNone/>
+            </a:pPr>
+            <a:r>
+              <a:rPr lang="ru-RU" sz="2000" b="1" dirty="0"/>
+              <a:t>Конец первой части.</a:t>
+            </a:r>
+            <a:endParaRPr lang="en-US" sz="2000" b="1" dirty="0"/>
           </a:p>
         </p:txBody>
       </p:sp>
     </p:spTree>
     <p:extLst>
       <p:ext uri="{BB962C8B-B14F-4D97-AF65-F5344CB8AC3E}">
-        <p14:creationId xmlns:p14="http://schemas.microsoft.com/office/powerpoint/2010/main" val="2164139279"/>
+        <p14:creationId xmlns:p14="http://schemas.microsoft.com/office/powerpoint/2010/main" val="3904235922"/>
       </p:ext>
     </p:extLst>
   </p:cSld>
@@ -16515,7 +16427,7 @@
           <a:p>
             <a:r>
               <a:rPr lang="ru-RU" dirty="0"/>
-              <a:t>Так есть ли Сила Воли?</a:t>
+              <a:t>Бенжамин Харди</a:t>
             </a:r>
             <a:endParaRPr lang="en-US" dirty="0"/>
           </a:p>
@@ -16537,30 +16449,33 @@
             <p:ph idx="1"/>
           </p:nvPr>
         </p:nvSpPr>
-        <p:spPr/>
-        <p:txBody>
-          <a:bodyPr/>
+        <p:spPr>
+          <a:xfrm>
+            <a:off x="1154954" y="3816990"/>
+            <a:ext cx="9549397" cy="2202809"/>
+          </a:xfrm>
+        </p:spPr>
+        <p:txBody>
+          <a:bodyPr>
+            <a:normAutofit/>
+          </a:bodyPr>
           <a:lstStyle/>
           <a:p>
-            <a:r>
-              <a:rPr lang="ru-RU" dirty="0"/>
-              <a:t>Если мы под силой воли подразумеваем способность управлять самим собой (самоконтроль/дисциплина) и ходом своей жизни таким образом, что бы добиваться всех намеченных целей и реализовывать практически любые свои желания. – Ответ: </a:t>
-            </a:r>
+            <a:pPr marL="0" indent="0" algn="ctr">
+              <a:buNone/>
+            </a:pPr>
             <a:r>
               <a:rPr lang="ru-RU" sz="2000" b="1" dirty="0"/>
-              <a:t>Да</a:t>
-            </a:r>
-            <a:r>
-              <a:rPr lang="ru-RU" dirty="0"/>
-              <a:t>. </a:t>
-            </a:r>
+              <a:t>Сила воли не работает. Пусть твое окружение работает вместо нее.</a:t>
+            </a:r>
+            <a:endParaRPr lang="en-US" sz="2000" b="1" dirty="0"/>
           </a:p>
         </p:txBody>
       </p:sp>
     </p:spTree>
     <p:extLst>
       <p:ext uri="{BB962C8B-B14F-4D97-AF65-F5344CB8AC3E}">
-        <p14:creationId xmlns:p14="http://schemas.microsoft.com/office/powerpoint/2010/main" val="1046140786"/>
+        <p14:creationId xmlns:p14="http://schemas.microsoft.com/office/powerpoint/2010/main" val="3215833638"/>
       </p:ext>
     </p:extLst>
   </p:cSld>
@@ -16610,7 +16525,7 @@
           <a:p>
             <a:r>
               <a:rPr lang="ru-RU" dirty="0"/>
-              <a:t>Так есть ли Сила Воли?</a:t>
+              <a:t>Бенжамин Харди</a:t>
             </a:r>
             <a:endParaRPr lang="en-US" dirty="0"/>
           </a:p>
@@ -16639,40 +16554,18 @@
           <a:p>
             <a:r>
               <a:rPr lang="ru-RU" dirty="0"/>
-              <a:t>Если мы под силой воли подразумеваем способность управлять самим собой (самоконтроль/дисциплина) и ходом своей жизни таким образом, что бы добиваться всех намеченных целей и реализовывать практически любые свои желания. – Ответ: </a:t>
-            </a:r>
-            <a:r>
-              <a:rPr lang="ru-RU" sz="2000" b="1" dirty="0"/>
-              <a:t>Да</a:t>
-            </a:r>
-            <a:r>
-              <a:rPr lang="ru-RU" dirty="0"/>
-              <a:t>. </a:t>
+              <a:t>Человек – порождение ситуации.</a:t>
             </a:r>
           </a:p>
           <a:p>
             <a:endParaRPr lang="ru-RU" dirty="0"/>
-          </a:p>
-          <a:p>
-            <a:r>
-              <a:rPr lang="ru-RU" dirty="0"/>
-              <a:t>Среда и контекст нашей жизни – это просто неотъемлимая часть работы над собой. Поэтому книга </a:t>
-            </a:r>
-            <a:r>
-              <a:rPr lang="ru-RU" b="1" dirty="0"/>
-              <a:t>Бенжамина Харди </a:t>
-            </a:r>
-            <a:r>
-              <a:rPr lang="ru-RU" dirty="0"/>
-              <a:t>делает лишь акцент на важности окружающей нас среды, но не опровергает отсутствия Силы Воли.</a:t>
-            </a:r>
           </a:p>
         </p:txBody>
       </p:sp>
     </p:spTree>
     <p:extLst>
       <p:ext uri="{BB962C8B-B14F-4D97-AF65-F5344CB8AC3E}">
-        <p14:creationId xmlns:p14="http://schemas.microsoft.com/office/powerpoint/2010/main" val="3424737229"/>
+        <p14:creationId xmlns:p14="http://schemas.microsoft.com/office/powerpoint/2010/main" val="1059165568"/>
       </p:ext>
     </p:extLst>
   </p:cSld>
@@ -16722,7 +16615,7 @@
           <a:p>
             <a:r>
               <a:rPr lang="ru-RU" dirty="0"/>
-              <a:t>Стресс</a:t>
+              <a:t>Бенжамин Харди</a:t>
             </a:r>
             <a:endParaRPr lang="en-US" dirty="0"/>
           </a:p>
@@ -16749,7 +16642,19 @@
           <a:bodyPr/>
           <a:lstStyle/>
           <a:p>
+            <a:r>
+              <a:rPr lang="ru-RU" dirty="0"/>
+              <a:t>Человек – порождение ситуации.</a:t>
+            </a:r>
+          </a:p>
+          <a:p>
             <a:endParaRPr lang="ru-RU" dirty="0"/>
+          </a:p>
+          <a:p>
+            <a:r>
+              <a:rPr lang="ru-RU" dirty="0"/>
+              <a:t>Ваша среда формирует вас.</a:t>
+            </a:r>
           </a:p>
           <a:p>
             <a:endParaRPr lang="ru-RU" dirty="0"/>
@@ -16759,7 +16664,7 @@
     </p:spTree>
     <p:extLst>
       <p:ext uri="{BB962C8B-B14F-4D97-AF65-F5344CB8AC3E}">
-        <p14:creationId xmlns:p14="http://schemas.microsoft.com/office/powerpoint/2010/main" val="4115831342"/>
+        <p14:creationId xmlns:p14="http://schemas.microsoft.com/office/powerpoint/2010/main" val="2398533860"/>
       </p:ext>
     </p:extLst>
   </p:cSld>
@@ -16809,7 +16714,7 @@
           <a:p>
             <a:r>
               <a:rPr lang="ru-RU" dirty="0"/>
-              <a:t>Стресс. Вреден ли Стресс?</a:t>
+              <a:t>Бенжамин Харди</a:t>
             </a:r>
             <a:endParaRPr lang="en-US" dirty="0"/>
           </a:p>
@@ -16836,6 +16741,29 @@
           <a:bodyPr/>
           <a:lstStyle/>
           <a:p>
+            <a:r>
+              <a:rPr lang="ru-RU" dirty="0"/>
+              <a:t>Человек – порождение ситуации.</a:t>
+            </a:r>
+          </a:p>
+          <a:p>
+            <a:endParaRPr lang="ru-RU" dirty="0"/>
+          </a:p>
+          <a:p>
+            <a:r>
+              <a:rPr lang="ru-RU" dirty="0"/>
+              <a:t>Ваша среда формирует вас.</a:t>
+            </a:r>
+            <a:endParaRPr lang="en-US" dirty="0"/>
+          </a:p>
+          <a:p>
+            <a:endParaRPr lang="en-US" dirty="0"/>
+          </a:p>
+          <a:p>
+            <a:r>
+              <a:rPr lang="en-US" dirty="0"/>
+              <a:t>1</a:t>
+            </a:r>
             <a:endParaRPr lang="ru-RU" dirty="0"/>
           </a:p>
           <a:p>
@@ -16846,7 +16774,7 @@
     </p:spTree>
     <p:extLst>
       <p:ext uri="{BB962C8B-B14F-4D97-AF65-F5344CB8AC3E}">
-        <p14:creationId xmlns:p14="http://schemas.microsoft.com/office/powerpoint/2010/main" val="2680776898"/>
+        <p14:creationId xmlns:p14="http://schemas.microsoft.com/office/powerpoint/2010/main" val="3866533489"/>
       </p:ext>
     </p:extLst>
   </p:cSld>
@@ -16896,7 +16824,7 @@
           <a:p>
             <a:r>
               <a:rPr lang="ru-RU" dirty="0"/>
-              <a:t>Стресс. Полезен ли Стресс?</a:t>
+              <a:t>Бенжамин Харди</a:t>
             </a:r>
             <a:endParaRPr lang="en-US" dirty="0"/>
           </a:p>
@@ -16923,6 +16851,38 @@
           <a:bodyPr/>
           <a:lstStyle/>
           <a:p>
+            <a:r>
+              <a:rPr lang="ru-RU" dirty="0"/>
+              <a:t>Человек – порождение ситуации.</a:t>
+            </a:r>
+          </a:p>
+          <a:p>
+            <a:endParaRPr lang="ru-RU" dirty="0"/>
+          </a:p>
+          <a:p>
+            <a:r>
+              <a:rPr lang="ru-RU" dirty="0"/>
+              <a:t>Ваша среда формирует вас.</a:t>
+            </a:r>
+            <a:endParaRPr lang="en-US" dirty="0"/>
+          </a:p>
+          <a:p>
+            <a:endParaRPr lang="en-US" dirty="0"/>
+          </a:p>
+          <a:p>
+            <a:r>
+              <a:rPr lang="en-US" dirty="0"/>
+              <a:t>1</a:t>
+            </a:r>
+          </a:p>
+          <a:p>
+            <a:endParaRPr lang="en-US" dirty="0"/>
+          </a:p>
+          <a:p>
+            <a:r>
+              <a:rPr lang="en-US" dirty="0"/>
+              <a:t>2</a:t>
+            </a:r>
             <a:endParaRPr lang="ru-RU" dirty="0"/>
           </a:p>
           <a:p>
@@ -16933,7 +16893,7 @@
     </p:spTree>
     <p:extLst>
       <p:ext uri="{BB962C8B-B14F-4D97-AF65-F5344CB8AC3E}">
-        <p14:creationId xmlns:p14="http://schemas.microsoft.com/office/powerpoint/2010/main" val="828119962"/>
+        <p14:creationId xmlns:p14="http://schemas.microsoft.com/office/powerpoint/2010/main" val="3817586098"/>
       </p:ext>
     </p:extLst>
   </p:cSld>
@@ -16983,7 +16943,7 @@
           <a:p>
             <a:r>
               <a:rPr lang="ru-RU" dirty="0"/>
-              <a:t>Стресс</a:t>
+              <a:t>Бенжамин Харди</a:t>
             </a:r>
             <a:endParaRPr lang="en-US" dirty="0"/>
           </a:p>
@@ -17005,14 +16965,60 @@
             <p:ph idx="1"/>
           </p:nvPr>
         </p:nvSpPr>
-        <p:spPr/>
-        <p:txBody>
-          <a:bodyPr/>
+        <p:spPr>
+          <a:xfrm>
+            <a:off x="1154955" y="2603499"/>
+            <a:ext cx="8761412" cy="3705021"/>
+          </a:xfrm>
+        </p:spPr>
+        <p:txBody>
+          <a:bodyPr>
+            <a:normAutofit/>
+          </a:bodyPr>
           <a:lstStyle/>
           <a:p>
+            <a:r>
+              <a:rPr lang="ru-RU" dirty="0"/>
+              <a:t>Человек – порождение ситуации.</a:t>
+            </a:r>
+          </a:p>
+          <a:p>
             <a:endParaRPr lang="ru-RU" dirty="0"/>
           </a:p>
           <a:p>
+            <a:r>
+              <a:rPr lang="ru-RU" dirty="0"/>
+              <a:t>Ваша среда формирует вас.</a:t>
+            </a:r>
+            <a:endParaRPr lang="en-US" dirty="0"/>
+          </a:p>
+          <a:p>
+            <a:endParaRPr lang="en-US" dirty="0"/>
+          </a:p>
+          <a:p>
+            <a:r>
+              <a:rPr lang="en-US" dirty="0"/>
+              <a:t>1</a:t>
+            </a:r>
+          </a:p>
+          <a:p>
+            <a:endParaRPr lang="en-US" dirty="0"/>
+          </a:p>
+          <a:p>
+            <a:r>
+              <a:rPr lang="en-US" dirty="0"/>
+              <a:t>2</a:t>
+            </a:r>
+            <a:endParaRPr lang="ru-RU" dirty="0"/>
+          </a:p>
+          <a:p>
+            <a:endParaRPr lang="en-US" dirty="0"/>
+          </a:p>
+          <a:p>
+            <a:r>
+              <a:rPr lang="en-US" dirty="0"/>
+              <a:t>3</a:t>
+            </a:r>
             <a:endParaRPr lang="ru-RU" dirty="0"/>
           </a:p>
         </p:txBody>
@@ -17020,7 +17026,7 @@
     </p:spTree>
     <p:extLst>
       <p:ext uri="{BB962C8B-B14F-4D97-AF65-F5344CB8AC3E}">
-        <p14:creationId xmlns:p14="http://schemas.microsoft.com/office/powerpoint/2010/main" val="376022810"/>
+        <p14:creationId xmlns:p14="http://schemas.microsoft.com/office/powerpoint/2010/main" val="2546514026"/>
       </p:ext>
     </p:extLst>
   </p:cSld>
@@ -17070,7 +17076,7 @@
           <a:p>
             <a:r>
               <a:rPr lang="ru-RU" dirty="0"/>
-              <a:t>Резюме по Стрессу</a:t>
+              <a:t>Бенжамин Харди</a:t>
             </a:r>
             <a:endParaRPr lang="en-US" dirty="0"/>
           </a:p>
@@ -17092,14 +17098,66 @@
             <p:ph idx="1"/>
           </p:nvPr>
         </p:nvSpPr>
-        <p:spPr/>
-        <p:txBody>
-          <a:bodyPr/>
+        <p:spPr>
+          <a:xfrm>
+            <a:off x="1154955" y="2603499"/>
+            <a:ext cx="8761412" cy="4560699"/>
+          </a:xfrm>
+        </p:spPr>
+        <p:txBody>
+          <a:bodyPr>
+            <a:normAutofit/>
+          </a:bodyPr>
           <a:lstStyle/>
           <a:p>
+            <a:r>
+              <a:rPr lang="ru-RU" dirty="0"/>
+              <a:t>Человек – порождение ситуации.</a:t>
+            </a:r>
+          </a:p>
+          <a:p>
             <a:endParaRPr lang="ru-RU" dirty="0"/>
           </a:p>
           <a:p>
+            <a:r>
+              <a:rPr lang="ru-RU" dirty="0"/>
+              <a:t>Ваша среда формирует вас.</a:t>
+            </a:r>
+            <a:endParaRPr lang="en-US" dirty="0"/>
+          </a:p>
+          <a:p>
+            <a:endParaRPr lang="en-US" dirty="0"/>
+          </a:p>
+          <a:p>
+            <a:r>
+              <a:rPr lang="en-US" dirty="0"/>
+              <a:t>1</a:t>
+            </a:r>
+          </a:p>
+          <a:p>
+            <a:endParaRPr lang="en-US" dirty="0"/>
+          </a:p>
+          <a:p>
+            <a:r>
+              <a:rPr lang="en-US" dirty="0"/>
+              <a:t>2</a:t>
+            </a:r>
+            <a:endParaRPr lang="ru-RU" dirty="0"/>
+          </a:p>
+          <a:p>
+            <a:endParaRPr lang="en-US" dirty="0"/>
+          </a:p>
+          <a:p>
+            <a:r>
+              <a:rPr lang="en-US" dirty="0"/>
+              <a:t>3</a:t>
+            </a:r>
+          </a:p>
+          <a:p>
+            <a:r>
+              <a:rPr lang="en-US" dirty="0"/>
+              <a:t>4</a:t>
+            </a:r>
             <a:endParaRPr lang="ru-RU" dirty="0"/>
           </a:p>
         </p:txBody>
@@ -17107,7 +17165,7 @@
     </p:spTree>
     <p:extLst>
       <p:ext uri="{BB962C8B-B14F-4D97-AF65-F5344CB8AC3E}">
-        <p14:creationId xmlns:p14="http://schemas.microsoft.com/office/powerpoint/2010/main" val="36035379"/>
+        <p14:creationId xmlns:p14="http://schemas.microsoft.com/office/powerpoint/2010/main" val="4252354751"/>
       </p:ext>
     </p:extLst>
   </p:cSld>
@@ -17157,7 +17215,7 @@
           <a:p>
             <a:r>
               <a:rPr lang="ru-RU" dirty="0"/>
-              <a:t>И что мне делать?</a:t>
+              <a:t>Резюме по книге Бенжамин Харди</a:t>
             </a:r>
             <a:endParaRPr lang="en-US" dirty="0"/>
           </a:p>
@@ -17179,30 +17237,19 @@
             <p:ph idx="1"/>
           </p:nvPr>
         </p:nvSpPr>
-        <p:spPr>
-          <a:xfrm>
-            <a:off x="1154955" y="3674378"/>
-            <a:ext cx="8761412" cy="2345422"/>
-          </a:xfrm>
-        </p:spPr>
+        <p:spPr/>
         <p:txBody>
           <a:bodyPr/>
           <a:lstStyle/>
           <a:p>
-            <a:pPr marL="0" indent="0" algn="ctr">
-              <a:buNone/>
-            </a:pPr>
-            <a:r>
-              <a:rPr lang="ru-RU" b="1" dirty="0"/>
-              <a:t>Конец второй части.</a:t>
-            </a:r>
+            <a:endParaRPr lang="ru-RU" dirty="0"/>
           </a:p>
         </p:txBody>
       </p:sp>
     </p:spTree>
     <p:extLst>
       <p:ext uri="{BB962C8B-B14F-4D97-AF65-F5344CB8AC3E}">
-        <p14:creationId xmlns:p14="http://schemas.microsoft.com/office/powerpoint/2010/main" val="653422641"/>
+        <p14:creationId xmlns:p14="http://schemas.microsoft.com/office/powerpoint/2010/main" val="1409395795"/>
       </p:ext>
     </p:extLst>
   </p:cSld>
@@ -17234,7 +17281,7 @@
           <p:cNvPr id="2" name="Title 1">
             <a:extLst>
               <a:ext uri="{FF2B5EF4-FFF2-40B4-BE49-F238E27FC236}">
-                <a16:creationId xmlns:a16="http://schemas.microsoft.com/office/drawing/2014/main" id="{20DF650D-2B7A-4077-BF8F-A2814C4EE1B7}"/>
+                <a16:creationId xmlns:a16="http://schemas.microsoft.com/office/drawing/2014/main" id="{F034D1A9-39F1-4C2B-B280-A0229EDBBA1D}"/>
               </a:ext>
             </a:extLst>
           </p:cNvPr>
@@ -17252,7 +17299,7 @@
           <a:p>
             <a:r>
               <a:rPr lang="ru-RU" dirty="0"/>
-              <a:t>Финеас Гейдж</a:t>
+              <a:t>Что такое Сила Воли?</a:t>
             </a:r>
             <a:endParaRPr lang="en-US" dirty="0"/>
           </a:p>
@@ -17263,7 +17310,7 @@
           <p:cNvPr id="3" name="Content Placeholder 2">
             <a:extLst>
               <a:ext uri="{FF2B5EF4-FFF2-40B4-BE49-F238E27FC236}">
-                <a16:creationId xmlns:a16="http://schemas.microsoft.com/office/drawing/2014/main" id="{83C5BB53-5B80-469F-8473-A2499551DF76}"/>
+                <a16:creationId xmlns:a16="http://schemas.microsoft.com/office/drawing/2014/main" id="{02CC965B-C8A8-4ED3-B854-FC6458FCD272}"/>
               </a:ext>
             </a:extLst>
           </p:cNvPr>
@@ -17276,23 +17323,54 @@
         </p:nvSpPr>
         <p:spPr/>
         <p:txBody>
-          <a:bodyPr/>
+          <a:bodyPr>
+            <a:normAutofit/>
+          </a:bodyPr>
           <a:lstStyle/>
           <a:p>
-            <a:r>
-              <a:rPr lang="ru-RU" dirty="0"/>
-              <a:t>13 сентября 1848 года.</a:t>
-            </a:r>
-          </a:p>
-          <a:p>
-            <a:endParaRPr lang="ru-RU" dirty="0"/>
+            <a:pPr marL="0" marR="0">
+              <a:spcBef>
+                <a:spcPts val="0"/>
+              </a:spcBef>
+              <a:spcAft>
+                <a:spcPts val="0"/>
+              </a:spcAft>
+            </a:pPr>
+            <a:r>
+              <a:rPr lang="ru-RU" sz="1800" dirty="0">
+                <a:effectLst/>
+                <a:latin typeface="Century Gothic (Body)"/>
+              </a:rPr>
+              <a:t>Иррациональное и Рациональное</a:t>
+            </a:r>
+          </a:p>
+          <a:p>
+            <a:r>
+              <a:rPr lang="ru-RU" sz="1800" dirty="0">
+                <a:effectLst/>
+                <a:latin typeface="Century Gothic (Body)"/>
+              </a:rPr>
+              <a:t>Ид и Эго</a:t>
+            </a:r>
+          </a:p>
+          <a:p>
+            <a:endParaRPr lang="ru-RU" sz="1800" dirty="0">
+              <a:effectLst/>
+              <a:latin typeface="Century Gothic (Body)"/>
+            </a:endParaRPr>
+          </a:p>
+          <a:p>
+            <a:endParaRPr lang="ru-RU" sz="1800" dirty="0">
+              <a:effectLst/>
+              <a:latin typeface="Century Gothic (Body)"/>
+            </a:endParaRPr>
           </a:p>
         </p:txBody>
       </p:sp>
     </p:spTree>
     <p:extLst>
       <p:ext uri="{BB962C8B-B14F-4D97-AF65-F5344CB8AC3E}">
-        <p14:creationId xmlns:p14="http://schemas.microsoft.com/office/powerpoint/2010/main" val="1880369652"/>
+        <p14:creationId xmlns:p14="http://schemas.microsoft.com/office/powerpoint/2010/main" val="1815071334"/>
       </p:ext>
     </p:extLst>
   </p:cSld>
@@ -17342,7 +17420,7 @@
           <a:p>
             <a:r>
               <a:rPr lang="ru-RU" dirty="0"/>
-              <a:t>И что мне делать?</a:t>
+              <a:t>Так есть ли Сила Воли?</a:t>
             </a:r>
             <a:endParaRPr lang="en-US" dirty="0"/>
           </a:p>
@@ -17376,7 +17454,7 @@
     </p:spTree>
     <p:extLst>
       <p:ext uri="{BB962C8B-B14F-4D97-AF65-F5344CB8AC3E}">
-        <p14:creationId xmlns:p14="http://schemas.microsoft.com/office/powerpoint/2010/main" val="3971313699"/>
+        <p14:creationId xmlns:p14="http://schemas.microsoft.com/office/powerpoint/2010/main" val="2164139279"/>
       </p:ext>
     </p:extLst>
   </p:cSld>
@@ -17426,7 +17504,7 @@
           <a:p>
             <a:r>
               <a:rPr lang="ru-RU" dirty="0"/>
-              <a:t>И что мне делать?</a:t>
+              <a:t>Так есть ли Сила Воли?</a:t>
             </a:r>
             <a:endParaRPr lang="en-US" dirty="0"/>
           </a:p>
@@ -17448,30 +17526,30 @@
             <p:ph idx="1"/>
           </p:nvPr>
         </p:nvSpPr>
-        <p:spPr>
-          <a:xfrm>
-            <a:off x="1154955" y="2603500"/>
-            <a:ext cx="10077904" cy="3416300"/>
-          </a:xfrm>
-        </p:spPr>
+        <p:spPr/>
         <p:txBody>
           <a:bodyPr/>
           <a:lstStyle/>
           <a:p>
             <a:r>
               <a:rPr lang="ru-RU" dirty="0"/>
-              <a:t>Прислушивайся к себе. Чего ты хочешь? Какую проблему ты пытаешься решить?</a:t>
-            </a:r>
-          </a:p>
-          <a:p>
-            <a:endParaRPr lang="ru-RU" dirty="0"/>
+              <a:t>Если мы под силой воли подразумеваем способность управлять самим собой (самоконтроль/дисциплина) и ходом своей жизни таким образом, что бы добиваться всех намеченных целей и реализовывать практически любые свои желания. – Ответ: </a:t>
+            </a:r>
+            <a:r>
+              <a:rPr lang="ru-RU" sz="2000" b="1" dirty="0"/>
+              <a:t>Да</a:t>
+            </a:r>
+            <a:r>
+              <a:rPr lang="ru-RU" dirty="0"/>
+              <a:t>. </a:t>
+            </a:r>
           </a:p>
         </p:txBody>
       </p:sp>
     </p:spTree>
     <p:extLst>
       <p:ext uri="{BB962C8B-B14F-4D97-AF65-F5344CB8AC3E}">
-        <p14:creationId xmlns:p14="http://schemas.microsoft.com/office/powerpoint/2010/main" val="104215905"/>
+        <p14:creationId xmlns:p14="http://schemas.microsoft.com/office/powerpoint/2010/main" val="1046140786"/>
       </p:ext>
     </p:extLst>
   </p:cSld>
@@ -17521,7 +17599,7 @@
           <a:p>
             <a:r>
               <a:rPr lang="ru-RU" dirty="0"/>
-              <a:t>И что мне делать?</a:t>
+              <a:t>Так есть ли Сила Воли?</a:t>
             </a:r>
             <a:endParaRPr lang="en-US" dirty="0"/>
           </a:p>
@@ -17543,19 +17621,22 @@
             <p:ph idx="1"/>
           </p:nvPr>
         </p:nvSpPr>
-        <p:spPr>
-          <a:xfrm>
-            <a:off x="1154954" y="2603500"/>
-            <a:ext cx="10279239" cy="3416300"/>
-          </a:xfrm>
-        </p:spPr>
+        <p:spPr/>
         <p:txBody>
           <a:bodyPr/>
           <a:lstStyle/>
           <a:p>
             <a:r>
               <a:rPr lang="ru-RU" dirty="0"/>
-              <a:t>Прислушивайся к себе. Чего ты хочешь? Какую проблему ты пытаешься решить?</a:t>
+              <a:t>Если мы под силой воли подразумеваем способность управлять самим собой (самоконтроль/дисциплина) и ходом своей жизни таким образом, что бы добиваться всех намеченных целей и реализовывать практически любые свои желания. – Ответ: </a:t>
+            </a:r>
+            <a:r>
+              <a:rPr lang="ru-RU" sz="2000" b="1" dirty="0"/>
+              <a:t>Да</a:t>
+            </a:r>
+            <a:r>
+              <a:rPr lang="ru-RU" dirty="0"/>
+              <a:t>. </a:t>
             </a:r>
           </a:p>
           <a:p>
@@ -17564,18 +17645,23 @@
           <a:p>
             <a:r>
               <a:rPr lang="ru-RU" dirty="0"/>
-              <a:t>Задавай вопросы сам себе. И пытайся найти ответы.</a:t>
-            </a:r>
-          </a:p>
-          <a:p>
-            <a:endParaRPr lang="ru-RU" dirty="0"/>
+              <a:t>Среда и контекст нашей жизни – это просто неотъемлимая часть работы над собой. Поэтому книга </a:t>
+            </a:r>
+            <a:r>
+              <a:rPr lang="ru-RU" b="1" dirty="0"/>
+              <a:t>Бенжамина Харди </a:t>
+            </a:r>
+            <a:r>
+              <a:rPr lang="ru-RU" dirty="0"/>
+              <a:t>делает лишь акцент на важности окружающей нас среды, но не опровергает отсутствия Силы Воли.</a:t>
+            </a:r>
           </a:p>
         </p:txBody>
       </p:sp>
     </p:spTree>
     <p:extLst>
       <p:ext uri="{BB962C8B-B14F-4D97-AF65-F5344CB8AC3E}">
-        <p14:creationId xmlns:p14="http://schemas.microsoft.com/office/powerpoint/2010/main" val="4171558127"/>
+        <p14:creationId xmlns:p14="http://schemas.microsoft.com/office/powerpoint/2010/main" val="3424737229"/>
       </p:ext>
     </p:extLst>
   </p:cSld>
@@ -17625,7 +17711,7 @@
           <a:p>
             <a:r>
               <a:rPr lang="ru-RU" dirty="0"/>
-              <a:t>И что мне делать?</a:t>
+              <a:t>Стресс</a:t>
             </a:r>
             <a:endParaRPr lang="en-US" dirty="0"/>
           </a:p>
@@ -17647,38 +17733,12 @@
             <p:ph idx="1"/>
           </p:nvPr>
         </p:nvSpPr>
-        <p:spPr>
-          <a:xfrm>
-            <a:off x="1154954" y="2603500"/>
-            <a:ext cx="10430241" cy="3416300"/>
-          </a:xfrm>
-        </p:spPr>
+        <p:spPr/>
         <p:txBody>
           <a:bodyPr/>
           <a:lstStyle/>
           <a:p>
-            <a:r>
-              <a:rPr lang="ru-RU" dirty="0"/>
-              <a:t>Прислушивайся к себе. Чего ты хочешь? Какую проблему ты пытаешься решить?</a:t>
-            </a:r>
-          </a:p>
-          <a:p>
             <a:endParaRPr lang="ru-RU" dirty="0"/>
-          </a:p>
-          <a:p>
-            <a:r>
-              <a:rPr lang="ru-RU" dirty="0"/>
-              <a:t>Задавай вопросы сам себе. И пытайся найти ответы.</a:t>
-            </a:r>
-          </a:p>
-          <a:p>
-            <a:endParaRPr lang="ru-RU" dirty="0"/>
-          </a:p>
-          <a:p>
-            <a:r>
-              <a:rPr lang="ru-RU" dirty="0"/>
-              <a:t>Найди баланс.</a:t>
-            </a:r>
           </a:p>
           <a:p>
             <a:endParaRPr lang="ru-RU" dirty="0"/>
@@ -17688,7 +17748,7 @@
     </p:spTree>
     <p:extLst>
       <p:ext uri="{BB962C8B-B14F-4D97-AF65-F5344CB8AC3E}">
-        <p14:creationId xmlns:p14="http://schemas.microsoft.com/office/powerpoint/2010/main" val="1501391458"/>
+        <p14:creationId xmlns:p14="http://schemas.microsoft.com/office/powerpoint/2010/main" val="4115831342"/>
       </p:ext>
     </p:extLst>
   </p:cSld>
@@ -17738,7 +17798,7 @@
           <a:p>
             <a:r>
               <a:rPr lang="ru-RU" dirty="0"/>
-              <a:t>И что мне делать?</a:t>
+              <a:t>Стресс. Вреден ли Стресс?</a:t>
             </a:r>
             <a:endParaRPr lang="en-US" dirty="0"/>
           </a:p>
@@ -17760,59 +17820,12 @@
             <p:ph idx="1"/>
           </p:nvPr>
         </p:nvSpPr>
-        <p:spPr>
-          <a:xfrm>
-            <a:off x="1154954" y="2603500"/>
-            <a:ext cx="10312795" cy="3416300"/>
-          </a:xfrm>
-        </p:spPr>
+        <p:spPr/>
         <p:txBody>
           <a:bodyPr/>
           <a:lstStyle/>
           <a:p>
-            <a:r>
-              <a:rPr lang="ru-RU" dirty="0"/>
-              <a:t>Прислушивайся к себе. Чего ты хочешь? Какую проблему ты пытаешься решить?</a:t>
-            </a:r>
-          </a:p>
-          <a:p>
             <a:endParaRPr lang="ru-RU" dirty="0"/>
-          </a:p>
-          <a:p>
-            <a:r>
-              <a:rPr lang="ru-RU" dirty="0"/>
-              <a:t>Задавай вопросы сам себе. И пытайся найти ответы.</a:t>
-            </a:r>
-          </a:p>
-          <a:p>
-            <a:endParaRPr lang="ru-RU" dirty="0"/>
-          </a:p>
-          <a:p>
-            <a:r>
-              <a:rPr lang="ru-RU" dirty="0"/>
-              <a:t>Найди баланс.</a:t>
-            </a:r>
-          </a:p>
-          <a:p>
-            <a:endParaRPr lang="ru-RU" dirty="0"/>
-          </a:p>
-          <a:p>
-            <a:r>
-              <a:rPr lang="ru-RU" dirty="0"/>
-              <a:t>Найди ту конфигурацию которая будет работать именно для тебя. Пойми что нету той </a:t>
-            </a:r>
-            <a:r>
-              <a:rPr lang="en-US" i="1" dirty="0"/>
-              <a:t>silver bullet</a:t>
-            </a:r>
-            <a:r>
-              <a:rPr lang="en-US" dirty="0"/>
-              <a:t> </a:t>
-            </a:r>
-            <a:r>
-              <a:rPr lang="ru-RU" dirty="0"/>
-              <a:t>которую все пытаются найти.</a:t>
-            </a:r>
           </a:p>
           <a:p>
             <a:endParaRPr lang="ru-RU" dirty="0"/>
@@ -17822,7 +17835,7 @@
     </p:spTree>
     <p:extLst>
       <p:ext uri="{BB962C8B-B14F-4D97-AF65-F5344CB8AC3E}">
-        <p14:creationId xmlns:p14="http://schemas.microsoft.com/office/powerpoint/2010/main" val="2916773178"/>
+        <p14:creationId xmlns:p14="http://schemas.microsoft.com/office/powerpoint/2010/main" val="2680776898"/>
       </p:ext>
     </p:extLst>
   </p:cSld>
@@ -17872,7 +17885,7 @@
           <a:p>
             <a:r>
               <a:rPr lang="ru-RU" dirty="0"/>
-              <a:t>Охотники за головами</a:t>
+              <a:t>Стресс. Полезен ли Стресс?</a:t>
             </a:r>
             <a:endParaRPr lang="en-US" dirty="0"/>
           </a:p>
@@ -17894,56 +17907,22 @@
             <p:ph idx="1"/>
           </p:nvPr>
         </p:nvSpPr>
-        <p:spPr>
-          <a:xfrm>
-            <a:off x="1154955" y="2603500"/>
-            <a:ext cx="8794388" cy="3416300"/>
-          </a:xfrm>
-        </p:spPr>
+        <p:spPr/>
         <p:txBody>
           <a:bodyPr/>
           <a:lstStyle/>
           <a:p>
-            <a:endParaRPr lang="ru-RU" dirty="0">
-              <a:latin typeface="Century Gothic (Body)"/>
-            </a:endParaRPr>
-          </a:p>
-          <a:p>
-            <a:r>
-              <a:rPr lang="ru-RU" sz="1800" dirty="0">
-                <a:effectLst/>
-                <a:latin typeface="Century Gothic (Body)"/>
-              </a:rPr>
-              <a:t>Жак Фреско (футуролог): </a:t>
-            </a:r>
-          </a:p>
-          <a:p>
-            <a:pPr marL="0" indent="0">
-              <a:buNone/>
-            </a:pPr>
-            <a:r>
-              <a:rPr lang="ru-RU" dirty="0">
-                <a:latin typeface="Century Gothic (Body)"/>
-              </a:rPr>
-              <a:t>«</a:t>
-            </a:r>
-            <a:r>
-              <a:rPr lang="ru-RU" sz="1800" dirty="0">
-                <a:effectLst/>
-                <a:latin typeface="Century Gothic (Body)"/>
-              </a:rPr>
-              <a:t>Если бы вы родились в племени охотников за головами, вы были бы охотниками за головами. И если бы я спросил вас: "Тебя не смещает, что в твоем доме 5 завяленных человеческих голов?", вы бы ответили: "Да, смущает ... У меня всего пять, а у моего брата - двадцать!»</a:t>
-            </a:r>
-            <a:endParaRPr lang="ru-RU" dirty="0">
-              <a:latin typeface="Century Gothic (Body)"/>
-            </a:endParaRPr>
+            <a:endParaRPr lang="ru-RU" dirty="0"/>
+          </a:p>
+          <a:p>
+            <a:endParaRPr lang="ru-RU" dirty="0"/>
           </a:p>
         </p:txBody>
       </p:sp>
     </p:spTree>
     <p:extLst>
       <p:ext uri="{BB962C8B-B14F-4D97-AF65-F5344CB8AC3E}">
-        <p14:creationId xmlns:p14="http://schemas.microsoft.com/office/powerpoint/2010/main" val="1432671585"/>
+        <p14:creationId xmlns:p14="http://schemas.microsoft.com/office/powerpoint/2010/main" val="828119962"/>
       </p:ext>
     </p:extLst>
   </p:cSld>
@@ -17993,7 +17972,7 @@
           <a:p>
             <a:r>
               <a:rPr lang="ru-RU" dirty="0"/>
-              <a:t>Эксперименты</a:t>
+              <a:t>Стресс</a:t>
             </a:r>
             <a:endParaRPr lang="en-US" dirty="0"/>
           </a:p>
@@ -18022,12 +18001,15 @@
           <a:p>
             <a:endParaRPr lang="ru-RU" dirty="0"/>
           </a:p>
+          <a:p>
+            <a:endParaRPr lang="ru-RU" dirty="0"/>
+          </a:p>
         </p:txBody>
       </p:sp>
     </p:spTree>
     <p:extLst>
       <p:ext uri="{BB962C8B-B14F-4D97-AF65-F5344CB8AC3E}">
-        <p14:creationId xmlns:p14="http://schemas.microsoft.com/office/powerpoint/2010/main" val="1594657398"/>
+        <p14:creationId xmlns:p14="http://schemas.microsoft.com/office/powerpoint/2010/main" val="376022810"/>
       </p:ext>
     </p:extLst>
   </p:cSld>
@@ -18077,7 +18059,7 @@
           <a:p>
             <a:r>
               <a:rPr lang="ru-RU" dirty="0"/>
-              <a:t>Эксперименты</a:t>
+              <a:t>Резюме по Стрессу</a:t>
             </a:r>
             <a:endParaRPr lang="en-US" dirty="0"/>
           </a:p>
@@ -18107,17 +18089,14 @@
             <a:endParaRPr lang="ru-RU" dirty="0"/>
           </a:p>
           <a:p>
-            <a:r>
-              <a:rPr lang="ru-RU" dirty="0"/>
-              <a:t>Тюремный эксперимент Филипа Зимбардо (Стэнфорд)</a:t>
-            </a:r>
+            <a:endParaRPr lang="ru-RU" dirty="0"/>
           </a:p>
         </p:txBody>
       </p:sp>
     </p:spTree>
     <p:extLst>
       <p:ext uri="{BB962C8B-B14F-4D97-AF65-F5344CB8AC3E}">
-        <p14:creationId xmlns:p14="http://schemas.microsoft.com/office/powerpoint/2010/main" val="747002840"/>
+        <p14:creationId xmlns:p14="http://schemas.microsoft.com/office/powerpoint/2010/main" val="36035379"/>
       </p:ext>
     </p:extLst>
   </p:cSld>
@@ -18167,7 +18146,7 @@
           <a:p>
             <a:r>
               <a:rPr lang="ru-RU" dirty="0"/>
-              <a:t>Эксперименты</a:t>
+              <a:t>И что мне делать?</a:t>
             </a:r>
             <a:endParaRPr lang="en-US" dirty="0"/>
           </a:p>
@@ -18189,37 +18168,30 @@
             <p:ph idx="1"/>
           </p:nvPr>
         </p:nvSpPr>
-        <p:spPr/>
+        <p:spPr>
+          <a:xfrm>
+            <a:off x="1154955" y="3674378"/>
+            <a:ext cx="8761412" cy="2345422"/>
+          </a:xfrm>
+        </p:spPr>
         <p:txBody>
           <a:bodyPr/>
           <a:lstStyle/>
           <a:p>
-            <a:endParaRPr lang="ru-RU" dirty="0"/>
-          </a:p>
-          <a:p>
-            <a:r>
-              <a:rPr lang="ru-RU" dirty="0"/>
-              <a:t>Тюремный эксперимент Филипа Зимбардо (Стэнфорд).</a:t>
-            </a:r>
-          </a:p>
-          <a:p>
-            <a:endParaRPr lang="ru-RU" dirty="0"/>
-          </a:p>
-          <a:p>
-            <a:r>
-              <a:rPr lang="ru-RU" dirty="0"/>
-              <a:t>Эксперимент Стэнли Милгрэма.</a:t>
-            </a:r>
-          </a:p>
-          <a:p>
-            <a:endParaRPr lang="ru-RU" dirty="0"/>
+            <a:pPr marL="0" indent="0" algn="ctr">
+              <a:buNone/>
+            </a:pPr>
+            <a:r>
+              <a:rPr lang="ru-RU" b="1" dirty="0"/>
+              <a:t>Конец второй части.</a:t>
+            </a:r>
           </a:p>
         </p:txBody>
       </p:sp>
     </p:spTree>
     <p:extLst>
       <p:ext uri="{BB962C8B-B14F-4D97-AF65-F5344CB8AC3E}">
-        <p14:creationId xmlns:p14="http://schemas.microsoft.com/office/powerpoint/2010/main" val="1476165589"/>
+        <p14:creationId xmlns:p14="http://schemas.microsoft.com/office/powerpoint/2010/main" val="653422641"/>
       </p:ext>
     </p:extLst>
   </p:cSld>
@@ -18269,7 +18241,7 @@
           <a:p>
             <a:r>
               <a:rPr lang="ru-RU" dirty="0"/>
-              <a:t>Эксперименты</a:t>
+              <a:t>И что мне делать?</a:t>
             </a:r>
             <a:endParaRPr lang="en-US" dirty="0"/>
           </a:p>
@@ -18298,36 +18270,12 @@
           <a:p>
             <a:endParaRPr lang="ru-RU" dirty="0"/>
           </a:p>
-          <a:p>
-            <a:r>
-              <a:rPr lang="ru-RU" dirty="0"/>
-              <a:t>Тюремный эксперимент Филипа Зимбардо (Стэнфорд).</a:t>
-            </a:r>
-          </a:p>
-          <a:p>
-            <a:endParaRPr lang="ru-RU" dirty="0"/>
-          </a:p>
-          <a:p>
-            <a:r>
-              <a:rPr lang="ru-RU" dirty="0"/>
-              <a:t>Эксперимент Стэнли Милгрэма.</a:t>
-            </a:r>
-          </a:p>
-          <a:p>
-            <a:endParaRPr lang="ru-RU" dirty="0"/>
-          </a:p>
-          <a:p>
-            <a:r>
-              <a:rPr lang="ru-RU" dirty="0"/>
-              <a:t>Зефировый тесты.</a:t>
-            </a:r>
-          </a:p>
         </p:txBody>
       </p:sp>
     </p:spTree>
     <p:extLst>
       <p:ext uri="{BB962C8B-B14F-4D97-AF65-F5344CB8AC3E}">
-        <p14:creationId xmlns:p14="http://schemas.microsoft.com/office/powerpoint/2010/main" val="2084016520"/>
+        <p14:creationId xmlns:p14="http://schemas.microsoft.com/office/powerpoint/2010/main" val="3971313699"/>
       </p:ext>
     </p:extLst>
   </p:cSld>
@@ -18359,7 +18307,7 @@
           <p:cNvPr id="2" name="Title 1">
             <a:extLst>
               <a:ext uri="{FF2B5EF4-FFF2-40B4-BE49-F238E27FC236}">
-                <a16:creationId xmlns:a16="http://schemas.microsoft.com/office/drawing/2014/main" id="{20DF650D-2B7A-4077-BF8F-A2814C4EE1B7}"/>
+                <a16:creationId xmlns:a16="http://schemas.microsoft.com/office/drawing/2014/main" id="{F034D1A9-39F1-4C2B-B280-A0229EDBBA1D}"/>
               </a:ext>
             </a:extLst>
           </p:cNvPr>
@@ -18377,7 +18325,7 @@
           <a:p>
             <a:r>
               <a:rPr lang="ru-RU" dirty="0"/>
-              <a:t>Финеас Гейдж</a:t>
+              <a:t>Что такое Сила Воли?</a:t>
             </a:r>
             <a:endParaRPr lang="en-US" dirty="0"/>
           </a:p>
@@ -18388,7 +18336,7 @@
           <p:cNvPr id="3" name="Content Placeholder 2">
             <a:extLst>
               <a:ext uri="{FF2B5EF4-FFF2-40B4-BE49-F238E27FC236}">
-                <a16:creationId xmlns:a16="http://schemas.microsoft.com/office/drawing/2014/main" id="{83C5BB53-5B80-469F-8473-A2499551DF76}"/>
+                <a16:creationId xmlns:a16="http://schemas.microsoft.com/office/drawing/2014/main" id="{02CC965B-C8A8-4ED3-B854-FC6458FCD272}"/>
               </a:ext>
             </a:extLst>
           </p:cNvPr>
@@ -18401,33 +18349,63 @@
         </p:nvSpPr>
         <p:spPr/>
         <p:txBody>
-          <a:bodyPr/>
+          <a:bodyPr>
+            <a:normAutofit/>
+          </a:bodyPr>
           <a:lstStyle/>
           <a:p>
-            <a:r>
-              <a:rPr lang="ru-RU" dirty="0"/>
-              <a:t>13 сентября 1848 года.</a:t>
-            </a:r>
-          </a:p>
-          <a:p>
-            <a:r>
-              <a:rPr lang="ru-RU" dirty="0"/>
-              <a:t>Было</a:t>
-            </a:r>
-          </a:p>
-          <a:p>
-            <a:r>
-              <a:rPr lang="ru-RU" dirty="0"/>
-              <a:t>Стало</a:t>
-            </a:r>
-            <a:endParaRPr lang="en-US" dirty="0"/>
+            <a:pPr marL="0" marR="0">
+              <a:spcBef>
+                <a:spcPts val="0"/>
+              </a:spcBef>
+              <a:spcAft>
+                <a:spcPts val="0"/>
+              </a:spcAft>
+            </a:pPr>
+            <a:r>
+              <a:rPr lang="ru-RU" sz="1800" dirty="0">
+                <a:effectLst/>
+                <a:latin typeface="Century Gothic (Body)"/>
+              </a:rPr>
+              <a:t>Иррациональное и Рациональное</a:t>
+            </a:r>
+          </a:p>
+          <a:p>
+            <a:r>
+              <a:rPr lang="ru-RU" sz="1800" dirty="0">
+                <a:effectLst/>
+                <a:latin typeface="Century Gothic (Body)"/>
+              </a:rPr>
+              <a:t>Ид и Эго</a:t>
+            </a:r>
+          </a:p>
+          <a:p>
+            <a:r>
+              <a:rPr lang="ru-RU" sz="1800" dirty="0">
+                <a:effectLst/>
+                <a:latin typeface="Century Gothic (Body)"/>
+              </a:rPr>
+              <a:t>Система 1 и Система 2</a:t>
+            </a:r>
+          </a:p>
+          <a:p>
+            <a:endParaRPr lang="ru-RU" sz="1800" dirty="0">
+              <a:effectLst/>
+              <a:latin typeface="Century Gothic (Body)"/>
+            </a:endParaRPr>
+          </a:p>
+          <a:p>
+            <a:endParaRPr lang="ru-RU" sz="1800" dirty="0">
+              <a:effectLst/>
+              <a:latin typeface="Century Gothic (Body)"/>
+            </a:endParaRPr>
           </a:p>
         </p:txBody>
       </p:sp>
     </p:spTree>
     <p:extLst>
       <p:ext uri="{BB962C8B-B14F-4D97-AF65-F5344CB8AC3E}">
-        <p14:creationId xmlns:p14="http://schemas.microsoft.com/office/powerpoint/2010/main" val="3745460767"/>
+        <p14:creationId xmlns:p14="http://schemas.microsoft.com/office/powerpoint/2010/main" val="2865034802"/>
       </p:ext>
     </p:extLst>
   </p:cSld>
@@ -18477,7 +18455,7 @@
           <a:p>
             <a:r>
               <a:rPr lang="ru-RU" dirty="0"/>
-              <a:t>Эксперименты</a:t>
+              <a:t>И что мне делать?</a:t>
             </a:r>
             <a:endParaRPr lang="en-US" dirty="0"/>
           </a:p>
@@ -18499,60 +18477,20 @@
             <p:ph idx="1"/>
           </p:nvPr>
         </p:nvSpPr>
-        <p:spPr/>
-        <p:txBody>
-          <a:bodyPr>
-            <a:normAutofit fontScale="92500" lnSpcReduction="20000"/>
-          </a:bodyPr>
+        <p:spPr>
+          <a:xfrm>
+            <a:off x="1154955" y="2603500"/>
+            <a:ext cx="10077904" cy="3416300"/>
+          </a:xfrm>
+        </p:spPr>
+        <p:txBody>
+          <a:bodyPr/>
           <a:lstStyle/>
           <a:p>
-            <a:endParaRPr lang="ru-RU" dirty="0"/>
-          </a:p>
-          <a:p>
             <a:r>
               <a:rPr lang="ru-RU" dirty="0"/>
-              <a:t>Тюремный эксперимент Филипа Зимбардо (Стэнфорд).</a:t>
-            </a:r>
-          </a:p>
-          <a:p>
-            <a:endParaRPr lang="ru-RU" dirty="0"/>
-          </a:p>
-          <a:p>
-            <a:r>
-              <a:rPr lang="ru-RU" dirty="0"/>
-              <a:t>Эксперимент Стэнли Милгрэма.</a:t>
-            </a:r>
-          </a:p>
-          <a:p>
-            <a:endParaRPr lang="ru-RU" dirty="0"/>
-          </a:p>
-          <a:p>
-            <a:r>
-              <a:rPr lang="ru-RU" dirty="0"/>
-              <a:t>Зефировый тесты.</a:t>
-            </a:r>
-            <a:endParaRPr lang="en-US" dirty="0"/>
-          </a:p>
-          <a:p>
-            <a:endParaRPr lang="en-US" dirty="0"/>
-          </a:p>
-          <a:p>
-            <a:r>
-              <a:rPr lang="ru-RU" dirty="0"/>
-              <a:t>Мышиный рай.</a:t>
-            </a:r>
-          </a:p>
-          <a:p>
-            <a:endParaRPr lang="ru-RU" dirty="0"/>
-          </a:p>
-          <a:p>
-            <a:r>
-              <a:rPr lang="ru-RU" dirty="0"/>
-              <a:t>Мыши и дофамин.</a:t>
-            </a:r>
-          </a:p>
-          <a:p>
-            <a:endParaRPr lang="ru-RU" dirty="0"/>
+              <a:t>Прислушивайся к себе. Чего ты хочешь? Какую проблему ты пытаешься решить?</a:t>
+            </a:r>
           </a:p>
           <a:p>
             <a:endParaRPr lang="ru-RU" dirty="0"/>
@@ -18562,7 +18500,7 @@
     </p:spTree>
     <p:extLst>
       <p:ext uri="{BB962C8B-B14F-4D97-AF65-F5344CB8AC3E}">
-        <p14:creationId xmlns:p14="http://schemas.microsoft.com/office/powerpoint/2010/main" val="1280988681"/>
+        <p14:creationId xmlns:p14="http://schemas.microsoft.com/office/powerpoint/2010/main" val="104215905"/>
       </p:ext>
     </p:extLst>
   </p:cSld>
@@ -18612,7 +18550,7 @@
           <a:p>
             <a:r>
               <a:rPr lang="ru-RU" dirty="0"/>
-              <a:t>Эксперименты</a:t>
+              <a:t>И что мне делать?</a:t>
             </a:r>
             <a:endParaRPr lang="en-US" dirty="0"/>
           </a:p>
@@ -18636,72 +18574,27 @@
         </p:nvSpPr>
         <p:spPr>
           <a:xfrm>
-            <a:off x="1154955" y="2603500"/>
-            <a:ext cx="8761412" cy="4099304"/>
+            <a:off x="1154954" y="2603500"/>
+            <a:ext cx="10279239" cy="3416300"/>
           </a:xfrm>
         </p:spPr>
         <p:txBody>
-          <a:bodyPr>
-            <a:normAutofit fontScale="92500" lnSpcReduction="20000"/>
-          </a:bodyPr>
+          <a:bodyPr/>
           <a:lstStyle/>
           <a:p>
+            <a:r>
+              <a:rPr lang="ru-RU" dirty="0"/>
+              <a:t>Прислушивайся к себе. Чего ты хочешь? Какую проблему ты пытаешься решить?</a:t>
+            </a:r>
+          </a:p>
+          <a:p>
             <a:endParaRPr lang="ru-RU" dirty="0"/>
           </a:p>
           <a:p>
             <a:r>
               <a:rPr lang="ru-RU" dirty="0"/>
-              <a:t>Тюремный эксперимент Филипа Зимбардо (Стэнфорд).</a:t>
-            </a:r>
-          </a:p>
-          <a:p>
-            <a:endParaRPr lang="ru-RU" dirty="0"/>
-          </a:p>
-          <a:p>
-            <a:r>
-              <a:rPr lang="ru-RU" dirty="0"/>
-              <a:t>Эксперимент Стэнли Милгрэма.</a:t>
-            </a:r>
-          </a:p>
-          <a:p>
-            <a:endParaRPr lang="ru-RU" dirty="0"/>
-          </a:p>
-          <a:p>
-            <a:r>
-              <a:rPr lang="ru-RU" dirty="0"/>
-              <a:t>Зефировый тесты.</a:t>
-            </a:r>
-            <a:endParaRPr lang="en-US" dirty="0"/>
-          </a:p>
-          <a:p>
-            <a:endParaRPr lang="en-US" dirty="0"/>
-          </a:p>
-          <a:p>
-            <a:r>
-              <a:rPr lang="ru-RU" dirty="0"/>
-              <a:t>Мышиный рай.</a:t>
-            </a:r>
-          </a:p>
-          <a:p>
-            <a:endParaRPr lang="ru-RU" dirty="0"/>
-          </a:p>
-          <a:p>
-            <a:r>
-              <a:rPr lang="ru-RU" dirty="0"/>
-              <a:t>Мыши и дофамин.</a:t>
-            </a:r>
-          </a:p>
-          <a:p>
-            <a:endParaRPr lang="ru-RU" dirty="0"/>
-          </a:p>
-          <a:p>
-            <a:r>
-              <a:rPr lang="ru-RU" dirty="0"/>
-              <a:t>Зеркальные нейроны. Эксперимент есть?</a:t>
-            </a:r>
-          </a:p>
-          <a:p>
-            <a:endParaRPr lang="ru-RU" dirty="0"/>
+              <a:t>Задавай вопросы сам себе. И пытайся найти ответы.</a:t>
+            </a:r>
           </a:p>
           <a:p>
             <a:endParaRPr lang="ru-RU" dirty="0"/>
@@ -18711,7 +18604,7 @@
     </p:spTree>
     <p:extLst>
       <p:ext uri="{BB962C8B-B14F-4D97-AF65-F5344CB8AC3E}">
-        <p14:creationId xmlns:p14="http://schemas.microsoft.com/office/powerpoint/2010/main" val="3778652362"/>
+        <p14:creationId xmlns:p14="http://schemas.microsoft.com/office/powerpoint/2010/main" val="4171558127"/>
       </p:ext>
     </p:extLst>
   </p:cSld>
@@ -18761,7 +18654,7 @@
           <a:p>
             <a:r>
               <a:rPr lang="ru-RU" dirty="0"/>
-              <a:t>Эксперименты</a:t>
+              <a:t>И что мне делать?</a:t>
             </a:r>
             <a:endParaRPr lang="en-US" dirty="0"/>
           </a:p>
@@ -18785,28 +18678,46 @@
         </p:nvSpPr>
         <p:spPr>
           <a:xfrm>
-            <a:off x="1154954" y="3808602"/>
-            <a:ext cx="8761412" cy="1468073"/>
+            <a:off x="1154954" y="2603500"/>
+            <a:ext cx="10430241" cy="3416300"/>
           </a:xfrm>
         </p:spPr>
         <p:txBody>
           <a:bodyPr/>
           <a:lstStyle/>
           <a:p>
-            <a:pPr marL="0" indent="0" algn="ctr">
-              <a:buNone/>
-            </a:pPr>
-            <a:r>
-              <a:rPr lang="ru-RU" i="1" dirty="0"/>
-              <a:t>Не важно что человек о себе думает, не важно, каковы его личностные установки и мировозрение, поведение человека определяется ситуацией, в которой он оказался.</a:t>
-            </a:r>
+            <a:r>
+              <a:rPr lang="ru-RU" dirty="0"/>
+              <a:t>Прислушивайся к себе. Чего ты хочешь? Какую проблему ты пытаешься решить?</a:t>
+            </a:r>
+          </a:p>
+          <a:p>
+            <a:endParaRPr lang="ru-RU" dirty="0"/>
+          </a:p>
+          <a:p>
+            <a:r>
+              <a:rPr lang="ru-RU" dirty="0"/>
+              <a:t>Задавай вопросы сам себе. И пытайся найти ответы.</a:t>
+            </a:r>
+          </a:p>
+          <a:p>
+            <a:endParaRPr lang="ru-RU" dirty="0"/>
+          </a:p>
+          <a:p>
+            <a:r>
+              <a:rPr lang="ru-RU" dirty="0"/>
+              <a:t>Найди баланс.</a:t>
+            </a:r>
+          </a:p>
+          <a:p>
+            <a:endParaRPr lang="ru-RU" dirty="0"/>
           </a:p>
         </p:txBody>
       </p:sp>
     </p:spTree>
     <p:extLst>
       <p:ext uri="{BB962C8B-B14F-4D97-AF65-F5344CB8AC3E}">
-        <p14:creationId xmlns:p14="http://schemas.microsoft.com/office/powerpoint/2010/main" val="2783521485"/>
+        <p14:creationId xmlns:p14="http://schemas.microsoft.com/office/powerpoint/2010/main" val="1501391458"/>
       </p:ext>
     </p:extLst>
   </p:cSld>
@@ -18849,27 +18760,14 @@
             <p:ph type="title"/>
           </p:nvPr>
         </p:nvSpPr>
-        <p:spPr>
-          <a:xfrm>
-            <a:off x="1154953" y="973668"/>
-            <a:ext cx="9457120" cy="706964"/>
-          </a:xfrm>
-        </p:spPr>
+        <p:spPr/>
         <p:txBody>
           <a:bodyPr/>
           <a:lstStyle/>
           <a:p>
             <a:r>
               <a:rPr lang="ru-RU" dirty="0"/>
-              <a:t>А</a:t>
-            </a:r>
-            <a:r>
-              <a:rPr lang="en-US" dirty="0"/>
-              <a:t> </a:t>
-            </a:r>
-            <a:r>
-              <a:rPr lang="ru-RU" dirty="0"/>
-              <a:t>зачем нам всё это?</a:t>
+              <a:t>И что мне делать?</a:t>
             </a:r>
             <a:endParaRPr lang="en-US" dirty="0"/>
           </a:p>
@@ -18891,22 +18789,69 @@
             <p:ph idx="1"/>
           </p:nvPr>
         </p:nvSpPr>
-        <p:spPr/>
+        <p:spPr>
+          <a:xfrm>
+            <a:off x="1154954" y="2603500"/>
+            <a:ext cx="10312795" cy="3416300"/>
+          </a:xfrm>
+        </p:spPr>
         <p:txBody>
           <a:bodyPr/>
           <a:lstStyle/>
           <a:p>
             <a:r>
               <a:rPr lang="ru-RU" dirty="0"/>
-              <a:t>Какую проблему мы вообще пытаемся решить?</a:t>
-            </a:r>
+              <a:t>Прислушивайся к себе. Чего ты хочешь? Какую проблему ты пытаешься решить?</a:t>
+            </a:r>
+          </a:p>
+          <a:p>
+            <a:endParaRPr lang="ru-RU" dirty="0"/>
+          </a:p>
+          <a:p>
+            <a:r>
+              <a:rPr lang="ru-RU" dirty="0"/>
+              <a:t>Задавай вопросы сам себе. И пытайся найти ответы.</a:t>
+            </a:r>
+          </a:p>
+          <a:p>
+            <a:endParaRPr lang="ru-RU" dirty="0"/>
+          </a:p>
+          <a:p>
+            <a:r>
+              <a:rPr lang="ru-RU" dirty="0"/>
+              <a:t>Найди баланс.</a:t>
+            </a:r>
+          </a:p>
+          <a:p>
+            <a:endParaRPr lang="ru-RU" dirty="0"/>
+          </a:p>
+          <a:p>
+            <a:r>
+              <a:rPr lang="ru-RU" dirty="0"/>
+              <a:t>Найди ту конфигурацию которая будет работать именно для тебя. Пойми что нету той </a:t>
+            </a:r>
+            <a:r>
+              <a:rPr lang="en-US" i="1" dirty="0"/>
+              <a:t>silver bullet</a:t>
+            </a:r>
+            <a:r>
+              <a:rPr lang="en-US" dirty="0"/>
+              <a:t> </a:t>
+            </a:r>
+            <a:r>
+              <a:rPr lang="ru-RU" dirty="0"/>
+              <a:t>которую все пытаются найти.</a:t>
+            </a:r>
+          </a:p>
+          <a:p>
+            <a:endParaRPr lang="ru-RU" dirty="0"/>
           </a:p>
         </p:txBody>
       </p:sp>
     </p:spTree>
     <p:extLst>
       <p:ext uri="{BB962C8B-B14F-4D97-AF65-F5344CB8AC3E}">
-        <p14:creationId xmlns:p14="http://schemas.microsoft.com/office/powerpoint/2010/main" val="337745344"/>
+        <p14:creationId xmlns:p14="http://schemas.microsoft.com/office/powerpoint/2010/main" val="2916773178"/>
       </p:ext>
     </p:extLst>
   </p:cSld>
@@ -18949,19 +18894,14 @@
             <p:ph type="title"/>
           </p:nvPr>
         </p:nvSpPr>
-        <p:spPr>
-          <a:xfrm>
-            <a:off x="1154953" y="973668"/>
-            <a:ext cx="9457120" cy="706964"/>
-          </a:xfrm>
-        </p:spPr>
+        <p:spPr/>
         <p:txBody>
           <a:bodyPr/>
           <a:lstStyle/>
           <a:p>
             <a:r>
               <a:rPr lang="ru-RU" dirty="0"/>
-              <a:t>Цель</a:t>
+              <a:t>Охотники за головами</a:t>
             </a:r>
             <a:endParaRPr lang="en-US" dirty="0"/>
           </a:p>
@@ -18983,31 +18923,56 @@
             <p:ph idx="1"/>
           </p:nvPr>
         </p:nvSpPr>
-        <p:spPr/>
+        <p:spPr>
+          <a:xfrm>
+            <a:off x="1154955" y="2603500"/>
+            <a:ext cx="8794388" cy="3416300"/>
+          </a:xfrm>
+        </p:spPr>
         <p:txBody>
           <a:bodyPr/>
           <a:lstStyle/>
           <a:p>
-            <a:r>
-              <a:rPr lang="ru-RU" dirty="0"/>
-              <a:t>Нету важного.</a:t>
-            </a:r>
-          </a:p>
-          <a:p>
-            <a:r>
-              <a:rPr lang="ru-RU" dirty="0"/>
-              <a:t>Нету потребного будущего.</a:t>
-            </a:r>
-          </a:p>
-          <a:p>
-            <a:endParaRPr lang="ru-RU" dirty="0"/>
+            <a:endParaRPr lang="ru-RU" dirty="0">
+              <a:latin typeface="Century Gothic (Body)"/>
+            </a:endParaRPr>
+          </a:p>
+          <a:p>
+            <a:r>
+              <a:rPr lang="ru-RU" sz="1800" dirty="0">
+                <a:effectLst/>
+                <a:latin typeface="Century Gothic (Body)"/>
+              </a:rPr>
+              <a:t>Жак Фреско (футуролог): </a:t>
+            </a:r>
+          </a:p>
+          <a:p>
+            <a:pPr marL="0" indent="0">
+              <a:buNone/>
+            </a:pPr>
+            <a:r>
+              <a:rPr lang="ru-RU" dirty="0">
+                <a:latin typeface="Century Gothic (Body)"/>
+              </a:rPr>
+              <a:t>«</a:t>
+            </a:r>
+            <a:r>
+              <a:rPr lang="ru-RU" sz="1800" dirty="0">
+                <a:effectLst/>
+                <a:latin typeface="Century Gothic (Body)"/>
+              </a:rPr>
+              <a:t>Если бы вы родились в племени охотников за головами, вы были бы охотниками за головами. И если бы я спросил вас: "Тебя не смещает, что в твоем доме 5 завяленных человеческих голов?", вы бы ответили: "Да, смущает ... У меня всего пять, а у моего брата - двадцать!»</a:t>
+            </a:r>
+            <a:endParaRPr lang="ru-RU" dirty="0">
+              <a:latin typeface="Century Gothic (Body)"/>
+            </a:endParaRPr>
           </a:p>
         </p:txBody>
       </p:sp>
     </p:spTree>
     <p:extLst>
       <p:ext uri="{BB962C8B-B14F-4D97-AF65-F5344CB8AC3E}">
-        <p14:creationId xmlns:p14="http://schemas.microsoft.com/office/powerpoint/2010/main" val="3636438701"/>
+        <p14:creationId xmlns:p14="http://schemas.microsoft.com/office/powerpoint/2010/main" val="1432671585"/>
       </p:ext>
     </p:extLst>
   </p:cSld>
@@ -19057,7 +19022,7 @@
           <a:p>
             <a:r>
               <a:rPr lang="ru-RU" dirty="0"/>
-              <a:t>Советы</a:t>
+              <a:t>Эксперименты</a:t>
             </a:r>
             <a:endParaRPr lang="en-US" dirty="0"/>
           </a:p>
@@ -19091,7 +19056,7 @@
     </p:spTree>
     <p:extLst>
       <p:ext uri="{BB962C8B-B14F-4D97-AF65-F5344CB8AC3E}">
-        <p14:creationId xmlns:p14="http://schemas.microsoft.com/office/powerpoint/2010/main" val="2746810043"/>
+        <p14:creationId xmlns:p14="http://schemas.microsoft.com/office/powerpoint/2010/main" val="1594657398"/>
       </p:ext>
     </p:extLst>
   </p:cSld>
@@ -19141,7 +19106,7 @@
           <a:p>
             <a:r>
               <a:rPr lang="ru-RU" dirty="0"/>
-              <a:t>Советы</a:t>
+              <a:t>Эксперименты</a:t>
             </a:r>
             <a:endParaRPr lang="en-US" dirty="0"/>
           </a:p>
@@ -19168,20 +19133,20 @@
           <a:bodyPr/>
           <a:lstStyle/>
           <a:p>
+            <a:endParaRPr lang="ru-RU" dirty="0"/>
+          </a:p>
+          <a:p>
             <a:r>
               <a:rPr lang="ru-RU" dirty="0"/>
-              <a:t>Спите.</a:t>
-            </a:r>
-          </a:p>
-          <a:p>
-            <a:endParaRPr lang="ru-RU" dirty="0"/>
+              <a:t>Тюремный эксперимент Филипа Зимбардо (Стэнфорд)</a:t>
+            </a:r>
           </a:p>
         </p:txBody>
       </p:sp>
     </p:spTree>
     <p:extLst>
       <p:ext uri="{BB962C8B-B14F-4D97-AF65-F5344CB8AC3E}">
-        <p14:creationId xmlns:p14="http://schemas.microsoft.com/office/powerpoint/2010/main" val="1528982406"/>
+        <p14:creationId xmlns:p14="http://schemas.microsoft.com/office/powerpoint/2010/main" val="747002840"/>
       </p:ext>
     </p:extLst>
   </p:cSld>
@@ -19231,7 +19196,7 @@
           <a:p>
             <a:r>
               <a:rPr lang="ru-RU" dirty="0"/>
-              <a:t>Советы</a:t>
+              <a:t>Эксперименты</a:t>
             </a:r>
             <a:endParaRPr lang="en-US" dirty="0"/>
           </a:p>
@@ -19258,15 +19223,21 @@
           <a:bodyPr/>
           <a:lstStyle/>
           <a:p>
+            <a:endParaRPr lang="ru-RU" dirty="0"/>
+          </a:p>
+          <a:p>
             <a:r>
               <a:rPr lang="ru-RU" dirty="0"/>
-              <a:t>Спите.</a:t>
-            </a:r>
+              <a:t>Тюремный эксперимент Филипа Зимбардо (Стэнфорд).</a:t>
+            </a:r>
+          </a:p>
+          <a:p>
+            <a:endParaRPr lang="ru-RU" dirty="0"/>
           </a:p>
           <a:p>
             <a:r>
               <a:rPr lang="ru-RU" dirty="0"/>
-              <a:t>Практикуйте осознанность.</a:t>
+              <a:t>Эксперимент Стэнли Милгрэма.</a:t>
             </a:r>
           </a:p>
           <a:p>
@@ -19277,7 +19248,7 @@
     </p:spTree>
     <p:extLst>
       <p:ext uri="{BB962C8B-B14F-4D97-AF65-F5344CB8AC3E}">
-        <p14:creationId xmlns:p14="http://schemas.microsoft.com/office/powerpoint/2010/main" val="2212550543"/>
+        <p14:creationId xmlns:p14="http://schemas.microsoft.com/office/powerpoint/2010/main" val="1476165589"/>
       </p:ext>
     </p:extLst>
   </p:cSld>
@@ -19327,7 +19298,7 @@
           <a:p>
             <a:r>
               <a:rPr lang="ru-RU" dirty="0"/>
-              <a:t>Советы</a:t>
+              <a:t>Эксперименты</a:t>
             </a:r>
             <a:endParaRPr lang="en-US" dirty="0"/>
           </a:p>
@@ -19354,32 +19325,38 @@
           <a:bodyPr/>
           <a:lstStyle/>
           <a:p>
+            <a:endParaRPr lang="ru-RU" dirty="0"/>
+          </a:p>
+          <a:p>
             <a:r>
               <a:rPr lang="ru-RU" dirty="0"/>
-              <a:t>Спите.</a:t>
-            </a:r>
+              <a:t>Тюремный эксперимент Филипа Зимбардо (Стэнфорд).</a:t>
+            </a:r>
+          </a:p>
+          <a:p>
+            <a:endParaRPr lang="ru-RU" dirty="0"/>
           </a:p>
           <a:p>
             <a:r>
               <a:rPr lang="ru-RU" dirty="0"/>
-              <a:t>Практикуйте осознанность.</a:t>
-            </a:r>
+              <a:t>Эксперимент Стэнли Милгрэма.</a:t>
+            </a:r>
+          </a:p>
+          <a:p>
+            <a:endParaRPr lang="ru-RU" dirty="0"/>
           </a:p>
           <a:p>
             <a:r>
               <a:rPr lang="ru-RU" dirty="0"/>
-              <a:t>Дневник и рефлексия.</a:t>
-            </a:r>
-          </a:p>
-          <a:p>
-            <a:endParaRPr lang="ru-RU" dirty="0"/>
+              <a:t>Зефировый тесты.</a:t>
+            </a:r>
           </a:p>
         </p:txBody>
       </p:sp>
     </p:spTree>
     <p:extLst>
       <p:ext uri="{BB962C8B-B14F-4D97-AF65-F5344CB8AC3E}">
-        <p14:creationId xmlns:p14="http://schemas.microsoft.com/office/powerpoint/2010/main" val="1994819522"/>
+        <p14:creationId xmlns:p14="http://schemas.microsoft.com/office/powerpoint/2010/main" val="2084016520"/>
       </p:ext>
     </p:extLst>
   </p:cSld>
@@ -19429,7 +19406,7 @@
           <a:p>
             <a:r>
               <a:rPr lang="ru-RU" dirty="0"/>
-              <a:t>Советы</a:t>
+              <a:t>Эксперименты</a:t>
             </a:r>
             <a:endParaRPr lang="en-US" dirty="0"/>
           </a:p>
@@ -19453,31 +19430,58 @@
         </p:nvSpPr>
         <p:spPr/>
         <p:txBody>
-          <a:bodyPr/>
+          <a:bodyPr>
+            <a:normAutofit fontScale="92500" lnSpcReduction="20000"/>
+          </a:bodyPr>
           <a:lstStyle/>
           <a:p>
+            <a:endParaRPr lang="ru-RU" dirty="0"/>
+          </a:p>
+          <a:p>
             <a:r>
               <a:rPr lang="ru-RU" dirty="0"/>
-              <a:t>Спите.</a:t>
-            </a:r>
+              <a:t>Тюремный эксперимент Филипа Зимбардо (Стэнфорд).</a:t>
+            </a:r>
+          </a:p>
+          <a:p>
+            <a:endParaRPr lang="ru-RU" dirty="0"/>
           </a:p>
           <a:p>
             <a:r>
               <a:rPr lang="ru-RU" dirty="0"/>
-              <a:t>Практикуйте осознанность.</a:t>
-            </a:r>
+              <a:t>Эксперимент Стэнли Милгрэма.</a:t>
+            </a:r>
+          </a:p>
+          <a:p>
+            <a:endParaRPr lang="ru-RU" dirty="0"/>
           </a:p>
           <a:p>
             <a:r>
               <a:rPr lang="ru-RU" dirty="0"/>
-              <a:t>Дневник и рефлексия.</a:t>
-            </a:r>
+              <a:t>Зефировый тесты.</a:t>
+            </a:r>
+            <a:endParaRPr lang="en-US" dirty="0"/>
+          </a:p>
+          <a:p>
+            <a:endParaRPr lang="en-US" dirty="0"/>
           </a:p>
           <a:p>
             <a:r>
               <a:rPr lang="ru-RU" dirty="0"/>
-              <a:t>Занимайтесь медитацией.</a:t>
-            </a:r>
+              <a:t>Мышиный рай.</a:t>
+            </a:r>
+          </a:p>
+          <a:p>
+            <a:endParaRPr lang="ru-RU" dirty="0"/>
+          </a:p>
+          <a:p>
+            <a:r>
+              <a:rPr lang="ru-RU" dirty="0"/>
+              <a:t>Мыши и дофамин.</a:t>
+            </a:r>
+          </a:p>
+          <a:p>
+            <a:endParaRPr lang="ru-RU" dirty="0"/>
           </a:p>
           <a:p>
             <a:endParaRPr lang="ru-RU" dirty="0"/>
@@ -19487,7 +19491,7 @@
     </p:spTree>
     <p:extLst>
       <p:ext uri="{BB962C8B-B14F-4D97-AF65-F5344CB8AC3E}">
-        <p14:creationId xmlns:p14="http://schemas.microsoft.com/office/powerpoint/2010/main" val="4166029998"/>
+        <p14:creationId xmlns:p14="http://schemas.microsoft.com/office/powerpoint/2010/main" val="1280988681"/>
       </p:ext>
     </p:extLst>
   </p:cSld>
@@ -19519,7 +19523,7 @@
           <p:cNvPr id="2" name="Title 1">
             <a:extLst>
               <a:ext uri="{FF2B5EF4-FFF2-40B4-BE49-F238E27FC236}">
-                <a16:creationId xmlns:a16="http://schemas.microsoft.com/office/drawing/2014/main" id="{A2EDEEEE-C304-43A3-878E-B96C543F0E03}"/>
+                <a16:creationId xmlns:a16="http://schemas.microsoft.com/office/drawing/2014/main" id="{F034D1A9-39F1-4C2B-B280-A0229EDBBA1D}"/>
               </a:ext>
             </a:extLst>
           </p:cNvPr>
@@ -19537,7 +19541,7 @@
           <a:p>
             <a:r>
               <a:rPr lang="ru-RU" dirty="0"/>
-              <a:t>Мозг. Старый и Новый.</a:t>
+              <a:t>Что такое Сила Воли?</a:t>
             </a:r>
             <a:endParaRPr lang="en-US" dirty="0"/>
           </a:p>
@@ -19548,7 +19552,7 @@
           <p:cNvPr id="3" name="Content Placeholder 2">
             <a:extLst>
               <a:ext uri="{FF2B5EF4-FFF2-40B4-BE49-F238E27FC236}">
-                <a16:creationId xmlns:a16="http://schemas.microsoft.com/office/drawing/2014/main" id="{7C9BA842-1486-423C-8A3F-68772024B330}"/>
+                <a16:creationId xmlns:a16="http://schemas.microsoft.com/office/drawing/2014/main" id="{02CC965B-C8A8-4ED3-B854-FC6458FCD272}"/>
               </a:ext>
             </a:extLst>
           </p:cNvPr>
@@ -19561,17 +19565,72 @@
         </p:nvSpPr>
         <p:spPr/>
         <p:txBody>
-          <a:bodyPr/>
+          <a:bodyPr>
+            <a:normAutofit/>
+          </a:bodyPr>
           <a:lstStyle/>
           <a:p>
-            <a:endParaRPr lang="en-US" dirty="0"/>
+            <a:pPr marL="0" marR="0">
+              <a:spcBef>
+                <a:spcPts val="0"/>
+              </a:spcBef>
+              <a:spcAft>
+                <a:spcPts val="0"/>
+              </a:spcAft>
+            </a:pPr>
+            <a:r>
+              <a:rPr lang="ru-RU" sz="1800" dirty="0">
+                <a:effectLst/>
+                <a:latin typeface="Century Gothic (Body)"/>
+              </a:rPr>
+              <a:t>Иррациональное и Рациональное</a:t>
+            </a:r>
+          </a:p>
+          <a:p>
+            <a:r>
+              <a:rPr lang="ru-RU" sz="1800" dirty="0">
+                <a:effectLst/>
+                <a:latin typeface="Century Gothic (Body)"/>
+              </a:rPr>
+              <a:t>Ид и Эго</a:t>
+            </a:r>
+          </a:p>
+          <a:p>
+            <a:r>
+              <a:rPr lang="ru-RU" sz="1800" dirty="0">
+                <a:effectLst/>
+                <a:latin typeface="Century Gothic (Body)"/>
+              </a:rPr>
+              <a:t>Система 1 и Система 2</a:t>
+            </a:r>
+          </a:p>
+          <a:p>
+            <a:r>
+              <a:rPr lang="ru-RU" sz="1800" dirty="0">
+                <a:effectLst/>
+                <a:latin typeface="Century Gothic (Body)"/>
+              </a:rPr>
+              <a:t>Обезьянка и Рациональный тип</a:t>
+            </a:r>
+          </a:p>
+          <a:p>
+            <a:endParaRPr lang="ru-RU" sz="1800" dirty="0">
+              <a:effectLst/>
+              <a:latin typeface="Century Gothic (Body)"/>
+            </a:endParaRPr>
+          </a:p>
+          <a:p>
+            <a:endParaRPr lang="ru-RU" sz="1800" dirty="0">
+              <a:effectLst/>
+              <a:latin typeface="Century Gothic (Body)"/>
+            </a:endParaRPr>
           </a:p>
         </p:txBody>
       </p:sp>
     </p:spTree>
     <p:extLst>
       <p:ext uri="{BB962C8B-B14F-4D97-AF65-F5344CB8AC3E}">
-        <p14:creationId xmlns:p14="http://schemas.microsoft.com/office/powerpoint/2010/main" val="2556049057"/>
+        <p14:creationId xmlns:p14="http://schemas.microsoft.com/office/powerpoint/2010/main" val="4246783507"/>
       </p:ext>
     </p:extLst>
   </p:cSld>
@@ -19621,7 +19680,7 @@
           <a:p>
             <a:r>
               <a:rPr lang="ru-RU" dirty="0"/>
-              <a:t>Советы</a:t>
+              <a:t>Эксперименты</a:t>
             </a:r>
             <a:endParaRPr lang="en-US" dirty="0"/>
           </a:p>
@@ -19643,39 +19702,74 @@
             <p:ph idx="1"/>
           </p:nvPr>
         </p:nvSpPr>
-        <p:spPr/>
-        <p:txBody>
-          <a:bodyPr/>
+        <p:spPr>
+          <a:xfrm>
+            <a:off x="1154955" y="2603500"/>
+            <a:ext cx="8761412" cy="4099304"/>
+          </a:xfrm>
+        </p:spPr>
+        <p:txBody>
+          <a:bodyPr>
+            <a:normAutofit fontScale="92500" lnSpcReduction="20000"/>
+          </a:bodyPr>
           <a:lstStyle/>
           <a:p>
+            <a:endParaRPr lang="ru-RU" dirty="0"/>
+          </a:p>
+          <a:p>
             <a:r>
               <a:rPr lang="ru-RU" dirty="0"/>
-              <a:t>Спите.</a:t>
-            </a:r>
+              <a:t>Тюремный эксперимент Филипа Зимбардо (Стэнфорд).</a:t>
+            </a:r>
+          </a:p>
+          <a:p>
+            <a:endParaRPr lang="ru-RU" dirty="0"/>
           </a:p>
           <a:p>
             <a:r>
               <a:rPr lang="ru-RU" dirty="0"/>
-              <a:t>Практикуйте осознанность.</a:t>
-            </a:r>
+              <a:t>Эксперимент Стэнли Милгрэма.</a:t>
+            </a:r>
+          </a:p>
+          <a:p>
+            <a:endParaRPr lang="ru-RU" dirty="0"/>
           </a:p>
           <a:p>
             <a:r>
               <a:rPr lang="ru-RU" dirty="0"/>
-              <a:t>Дневник и рефлексия.</a:t>
-            </a:r>
+              <a:t>Зефировый тесты.</a:t>
+            </a:r>
+            <a:endParaRPr lang="en-US" dirty="0"/>
+          </a:p>
+          <a:p>
+            <a:endParaRPr lang="en-US" dirty="0"/>
           </a:p>
           <a:p>
             <a:r>
               <a:rPr lang="ru-RU" dirty="0"/>
-              <a:t>Занимайтесь медитацией.</a:t>
-            </a:r>
+              <a:t>Мышиный рай.</a:t>
+            </a:r>
+          </a:p>
+          <a:p>
+            <a:endParaRPr lang="ru-RU" dirty="0"/>
           </a:p>
           <a:p>
             <a:r>
               <a:rPr lang="ru-RU" dirty="0"/>
-              <a:t>Научитесь правильно Отдыхать.</a:t>
-            </a:r>
+              <a:t>Мыши и дофамин.</a:t>
+            </a:r>
+          </a:p>
+          <a:p>
+            <a:endParaRPr lang="ru-RU" dirty="0"/>
+          </a:p>
+          <a:p>
+            <a:r>
+              <a:rPr lang="ru-RU" dirty="0"/>
+              <a:t>Зеркальные нейроны. Эксперимент есть?</a:t>
+            </a:r>
+          </a:p>
+          <a:p>
+            <a:endParaRPr lang="ru-RU" dirty="0"/>
           </a:p>
           <a:p>
             <a:endParaRPr lang="ru-RU" dirty="0"/>
@@ -19685,7 +19779,7 @@
     </p:spTree>
     <p:extLst>
       <p:ext uri="{BB962C8B-B14F-4D97-AF65-F5344CB8AC3E}">
-        <p14:creationId xmlns:p14="http://schemas.microsoft.com/office/powerpoint/2010/main" val="3581029079"/>
+        <p14:creationId xmlns:p14="http://schemas.microsoft.com/office/powerpoint/2010/main" val="3778652362"/>
       </p:ext>
     </p:extLst>
   </p:cSld>
@@ -19735,7 +19829,7 @@
           <a:p>
             <a:r>
               <a:rPr lang="ru-RU" dirty="0"/>
-              <a:t>Советы</a:t>
+              <a:t>Эксперименты</a:t>
             </a:r>
             <a:endParaRPr lang="en-US" dirty="0"/>
           </a:p>
@@ -19757,55 +19851,30 @@
             <p:ph idx="1"/>
           </p:nvPr>
         </p:nvSpPr>
-        <p:spPr/>
+        <p:spPr>
+          <a:xfrm>
+            <a:off x="1154954" y="3808602"/>
+            <a:ext cx="8761412" cy="1468073"/>
+          </a:xfrm>
+        </p:spPr>
         <p:txBody>
           <a:bodyPr/>
           <a:lstStyle/>
           <a:p>
-            <a:r>
-              <a:rPr lang="ru-RU" dirty="0"/>
-              <a:t>Спите.</a:t>
-            </a:r>
-          </a:p>
-          <a:p>
-            <a:r>
-              <a:rPr lang="ru-RU" dirty="0"/>
-              <a:t>Практикуйте осознанность.</a:t>
-            </a:r>
-          </a:p>
-          <a:p>
-            <a:r>
-              <a:rPr lang="ru-RU" dirty="0"/>
-              <a:t>Дневник и рефлексия.</a:t>
-            </a:r>
-          </a:p>
-          <a:p>
-            <a:r>
-              <a:rPr lang="ru-RU" dirty="0"/>
-              <a:t>Занимайтесь медитацией.</a:t>
-            </a:r>
-          </a:p>
-          <a:p>
-            <a:r>
-              <a:rPr lang="ru-RU" dirty="0"/>
-              <a:t>Научитесь правильно Отдыхать.</a:t>
-            </a:r>
-          </a:p>
-          <a:p>
-            <a:r>
-              <a:rPr lang="ru-RU" dirty="0"/>
-              <a:t>Заведите ритуалы и привычки.</a:t>
-            </a:r>
-          </a:p>
-          <a:p>
-            <a:endParaRPr lang="ru-RU" dirty="0"/>
+            <a:pPr marL="0" indent="0" algn="ctr">
+              <a:buNone/>
+            </a:pPr>
+            <a:r>
+              <a:rPr lang="ru-RU" i="1" dirty="0"/>
+              <a:t>Не важно что человек о себе думает, не важно, каковы его личностные установки и мировозрение, поведение человека определяется ситуацией, в которой он оказался.</a:t>
+            </a:r>
           </a:p>
         </p:txBody>
       </p:sp>
     </p:spTree>
     <p:extLst>
       <p:ext uri="{BB962C8B-B14F-4D97-AF65-F5344CB8AC3E}">
-        <p14:creationId xmlns:p14="http://schemas.microsoft.com/office/powerpoint/2010/main" val="914086317"/>
+        <p14:creationId xmlns:p14="http://schemas.microsoft.com/office/powerpoint/2010/main" val="2783521485"/>
       </p:ext>
     </p:extLst>
   </p:cSld>
@@ -19848,14 +19917,27 @@
             <p:ph type="title"/>
           </p:nvPr>
         </p:nvSpPr>
-        <p:spPr/>
+        <p:spPr>
+          <a:xfrm>
+            <a:off x="1154953" y="973668"/>
+            <a:ext cx="9457120" cy="706964"/>
+          </a:xfrm>
+        </p:spPr>
         <p:txBody>
           <a:bodyPr/>
           <a:lstStyle/>
           <a:p>
             <a:r>
               <a:rPr lang="ru-RU" dirty="0"/>
-              <a:t>Советы</a:t>
+              <a:t>А</a:t>
+            </a:r>
+            <a:r>
+              <a:rPr lang="en-US" dirty="0"/>
+              <a:t> </a:t>
+            </a:r>
+            <a:r>
+              <a:rPr lang="ru-RU" dirty="0"/>
+              <a:t>зачем нам всё это?</a:t>
             </a:r>
             <a:endParaRPr lang="en-US" dirty="0"/>
           </a:p>
@@ -19884,54 +19966,15 @@
           <a:p>
             <a:r>
               <a:rPr lang="ru-RU" dirty="0"/>
-              <a:t>Спите.</a:t>
-            </a:r>
-          </a:p>
-          <a:p>
-            <a:r>
-              <a:rPr lang="ru-RU" dirty="0"/>
-              <a:t>Практикуйте осознанность.</a:t>
-            </a:r>
-          </a:p>
-          <a:p>
-            <a:r>
-              <a:rPr lang="ru-RU" dirty="0"/>
-              <a:t>Дневник и рефлексия.</a:t>
-            </a:r>
-          </a:p>
-          <a:p>
-            <a:r>
-              <a:rPr lang="ru-RU" dirty="0"/>
-              <a:t>Занимайтесь медитацией.</a:t>
-            </a:r>
-          </a:p>
-          <a:p>
-            <a:r>
-              <a:rPr lang="ru-RU" dirty="0"/>
-              <a:t>Научитесь правильно Отдыхать.</a:t>
-            </a:r>
-          </a:p>
-          <a:p>
-            <a:r>
-              <a:rPr lang="ru-RU" dirty="0"/>
-              <a:t>Заведите ритуалы и привычки.</a:t>
-            </a:r>
-          </a:p>
-          <a:p>
-            <a:r>
-              <a:rPr lang="ru-RU" dirty="0"/>
-              <a:t>Будьте позитивны.</a:t>
-            </a:r>
-          </a:p>
-          <a:p>
-            <a:endParaRPr lang="ru-RU" dirty="0"/>
+              <a:t>Какую проблему мы вообще пытаемся решить?</a:t>
+            </a:r>
           </a:p>
         </p:txBody>
       </p:sp>
     </p:spTree>
     <p:extLst>
       <p:ext uri="{BB962C8B-B14F-4D97-AF65-F5344CB8AC3E}">
-        <p14:creationId xmlns:p14="http://schemas.microsoft.com/office/powerpoint/2010/main" val="591118877"/>
+        <p14:creationId xmlns:p14="http://schemas.microsoft.com/office/powerpoint/2010/main" val="337745344"/>
       </p:ext>
     </p:extLst>
   </p:cSld>
@@ -19974,14 +20017,19 @@
             <p:ph type="title"/>
           </p:nvPr>
         </p:nvSpPr>
-        <p:spPr/>
+        <p:spPr>
+          <a:xfrm>
+            <a:off x="1154953" y="973668"/>
+            <a:ext cx="9457120" cy="706964"/>
+          </a:xfrm>
+        </p:spPr>
         <p:txBody>
           <a:bodyPr/>
           <a:lstStyle/>
           <a:p>
             <a:r>
               <a:rPr lang="ru-RU" dirty="0"/>
-              <a:t>Советы</a:t>
+              <a:t>Цель</a:t>
             </a:r>
             <a:endParaRPr lang="en-US" dirty="0"/>
           </a:p>
@@ -20010,43 +20058,13 @@
           <a:p>
             <a:r>
               <a:rPr lang="ru-RU" dirty="0"/>
-              <a:t>Спите.</a:t>
+              <a:t>Нету важного.</a:t>
             </a:r>
           </a:p>
           <a:p>
             <a:r>
               <a:rPr lang="ru-RU" dirty="0"/>
-              <a:t>Практикуйте осознанность.</a:t>
-            </a:r>
-          </a:p>
-          <a:p>
-            <a:r>
-              <a:rPr lang="ru-RU" dirty="0"/>
-              <a:t>Дневник и рефлексия.</a:t>
-            </a:r>
-          </a:p>
-          <a:p>
-            <a:r>
-              <a:rPr lang="ru-RU" dirty="0"/>
-              <a:t>Занимайтесь медитацией.</a:t>
-            </a:r>
-          </a:p>
-          <a:p>
-            <a:r>
-              <a:rPr lang="ru-RU" dirty="0"/>
-              <a:t>Научитесь правильно Отдыхать.</a:t>
-            </a:r>
-          </a:p>
-          <a:p>
-            <a:r>
-              <a:rPr lang="ru-RU" dirty="0"/>
-              <a:t>Заведите ритуалы и привычки.</a:t>
-            </a:r>
-          </a:p>
-          <a:p>
-            <a:r>
-              <a:rPr lang="ru-RU" dirty="0"/>
-              <a:t>Будьте позитивны.</a:t>
+              <a:t>Нету потребного будущего.</a:t>
             </a:r>
           </a:p>
           <a:p>
@@ -20057,7 +20075,7 @@
     </p:spTree>
     <p:extLst>
       <p:ext uri="{BB962C8B-B14F-4D97-AF65-F5344CB8AC3E}">
-        <p14:creationId xmlns:p14="http://schemas.microsoft.com/office/powerpoint/2010/main" val="3559892743"/>
+        <p14:creationId xmlns:p14="http://schemas.microsoft.com/office/powerpoint/2010/main" val="3636438701"/>
       </p:ext>
     </p:extLst>
   </p:cSld>
@@ -20107,21 +20125,9 @@
           <a:p>
             <a:r>
               <a:rPr lang="ru-RU" dirty="0"/>
-              <a:t>Советы </a:t>
-            </a:r>
-            <a:r>
-              <a:rPr lang="ru-RU" i="1" dirty="0"/>
-              <a:t>(</a:t>
-            </a:r>
-            <a:r>
-              <a:rPr lang="en-US" i="1" dirty="0"/>
-              <a:t>classic</a:t>
-            </a:r>
-            <a:r>
-              <a:rPr lang="ru-RU" i="1" dirty="0"/>
-              <a:t>)</a:t>
-            </a:r>
-            <a:endParaRPr lang="en-US" i="1" dirty="0"/>
+              <a:t>Советы</a:t>
+            </a:r>
+            <a:endParaRPr lang="en-US" dirty="0"/>
           </a:p>
         </p:txBody>
       </p:sp>
@@ -20141,30 +20147,19 @@
             <p:ph idx="1"/>
           </p:nvPr>
         </p:nvSpPr>
-        <p:spPr>
-          <a:xfrm>
-            <a:off x="1154955" y="3816990"/>
-            <a:ext cx="8761412" cy="2202809"/>
-          </a:xfrm>
-        </p:spPr>
+        <p:spPr/>
         <p:txBody>
           <a:bodyPr/>
           <a:lstStyle/>
           <a:p>
-            <a:pPr marL="0" indent="0" algn="ctr">
-              <a:buNone/>
-            </a:pPr>
-            <a:r>
-              <a:rPr lang="ru-RU" i="1" dirty="0"/>
-              <a:t>Терпение и труд – все перетрут.</a:t>
-            </a:r>
+            <a:endParaRPr lang="ru-RU" dirty="0"/>
           </a:p>
         </p:txBody>
       </p:sp>
     </p:spTree>
     <p:extLst>
       <p:ext uri="{BB962C8B-B14F-4D97-AF65-F5344CB8AC3E}">
-        <p14:creationId xmlns:p14="http://schemas.microsoft.com/office/powerpoint/2010/main" val="3136120746"/>
+        <p14:creationId xmlns:p14="http://schemas.microsoft.com/office/powerpoint/2010/main" val="2746810043"/>
       </p:ext>
     </p:extLst>
   </p:cSld>
@@ -20214,7 +20209,7 @@
           <a:p>
             <a:r>
               <a:rPr lang="ru-RU" dirty="0"/>
-              <a:t>Книги</a:t>
+              <a:t>Советы</a:t>
             </a:r>
             <a:endParaRPr lang="en-US" dirty="0"/>
           </a:p>
@@ -20236,76 +20231,14 @@
             <p:ph idx="1"/>
           </p:nvPr>
         </p:nvSpPr>
-        <p:spPr>
-          <a:xfrm>
-            <a:off x="1154954" y="2603500"/>
-            <a:ext cx="10170183" cy="4183194"/>
-          </a:xfrm>
-        </p:spPr>
-        <p:txBody>
-          <a:bodyPr>
-            <a:normAutofit fontScale="92500"/>
-          </a:bodyPr>
+        <p:spPr/>
+        <p:txBody>
+          <a:bodyPr/>
           <a:lstStyle/>
           <a:p>
             <a:r>
               <a:rPr lang="ru-RU" dirty="0"/>
-              <a:t>Келли Макгонигал. Сила воли. Как развить и укрепить.</a:t>
-            </a:r>
-          </a:p>
-          <a:p>
-            <a:r>
-              <a:rPr lang="ru-RU" dirty="0"/>
-              <a:t>Бенжамин Харди. Сила воли не работает. Пусть твое окружение работает вместо нее.</a:t>
-            </a:r>
-          </a:p>
-          <a:p>
-            <a:endParaRPr lang="ru-RU" dirty="0"/>
-          </a:p>
-          <a:p>
-            <a:pPr marL="0" indent="0" algn="ctr">
-              <a:buNone/>
-            </a:pPr>
-            <a:r>
-              <a:rPr lang="ru-RU" sz="1900" i="1" dirty="0"/>
-              <a:t>Другие рекомендасьон.</a:t>
-            </a:r>
-            <a:endParaRPr lang="ru-RU" i="1" dirty="0"/>
-          </a:p>
-          <a:p>
-            <a:r>
-              <a:rPr lang="ru-RU" dirty="0"/>
-              <a:t>Максим Дорофеев. Джедайские техники.</a:t>
-            </a:r>
-          </a:p>
-          <a:p>
-            <a:r>
-              <a:rPr lang="ru-RU" dirty="0"/>
-              <a:t>Андрей Курпатов. Красная таблетка.</a:t>
-            </a:r>
-          </a:p>
-          <a:p>
-            <a:r>
-              <a:rPr lang="ru-RU" dirty="0"/>
-              <a:t>Энди Паддикомб. Медитация и осознанность.</a:t>
-            </a:r>
-          </a:p>
-          <a:p>
-            <a:r>
-              <a:rPr lang="ru-RU" dirty="0"/>
-              <a:t>Дэвид Рок. Мозг. Как использовать свои возможности по максимому и без перегрузок.</a:t>
-            </a:r>
-          </a:p>
-          <a:p>
-            <a:r>
-              <a:rPr lang="ru-RU" dirty="0"/>
-              <a:t>Даниэль Канеман. Думай медленно... Решай быстро.</a:t>
-            </a:r>
-          </a:p>
-          <a:p>
-            <a:r>
-              <a:rPr lang="ru-RU" dirty="0"/>
-              <a:t>Джон Кехо. Подсознание может всё.</a:t>
+              <a:t>Спите.</a:t>
             </a:r>
           </a:p>
           <a:p>
@@ -20316,7 +20249,427 @@
     </p:spTree>
     <p:extLst>
       <p:ext uri="{BB962C8B-B14F-4D97-AF65-F5344CB8AC3E}">
-        <p14:creationId xmlns:p14="http://schemas.microsoft.com/office/powerpoint/2010/main" val="2841864422"/>
+        <p14:creationId xmlns:p14="http://schemas.microsoft.com/office/powerpoint/2010/main" val="1528982406"/>
+      </p:ext>
+    </p:extLst>
+  </p:cSld>
+  <p:clrMapOvr>
+    <a:masterClrMapping/>
+  </p:clrMapOvr>
+</p:sld>
+</file>
+
+<file path=ppt/slides/slide66.xml><?xml version="1.0" encoding="utf-8"?>
+<p:sld xmlns:a="http://schemas.openxmlformats.org/drawingml/2006/main" xmlns:r="http://schemas.openxmlformats.org/officeDocument/2006/relationships" xmlns:p="http://schemas.openxmlformats.org/presentationml/2006/main">
+  <p:cSld>
+    <p:spTree>
+      <p:nvGrpSpPr>
+        <p:cNvPr id="1" name=""/>
+        <p:cNvGrpSpPr/>
+        <p:nvPr/>
+      </p:nvGrpSpPr>
+      <p:grpSpPr>
+        <a:xfrm>
+          <a:off x="0" y="0"/>
+          <a:ext cx="0" cy="0"/>
+          <a:chOff x="0" y="0"/>
+          <a:chExt cx="0" cy="0"/>
+        </a:xfrm>
+      </p:grpSpPr>
+      <p:sp>
+        <p:nvSpPr>
+          <p:cNvPr id="2" name="Title 1">
+            <a:extLst>
+              <a:ext uri="{FF2B5EF4-FFF2-40B4-BE49-F238E27FC236}">
+                <a16:creationId xmlns:a16="http://schemas.microsoft.com/office/drawing/2014/main" id="{8502BE21-50A6-4F8E-83CA-2BE2172D726F}"/>
+              </a:ext>
+            </a:extLst>
+          </p:cNvPr>
+          <p:cNvSpPr>
+            <a:spLocks noGrp="1"/>
+          </p:cNvSpPr>
+          <p:nvPr>
+            <p:ph type="title"/>
+          </p:nvPr>
+        </p:nvSpPr>
+        <p:spPr/>
+        <p:txBody>
+          <a:bodyPr/>
+          <a:lstStyle/>
+          <a:p>
+            <a:r>
+              <a:rPr lang="ru-RU" dirty="0"/>
+              <a:t>Советы</a:t>
+            </a:r>
+            <a:endParaRPr lang="en-US" dirty="0"/>
+          </a:p>
+        </p:txBody>
+      </p:sp>
+      <p:sp>
+        <p:nvSpPr>
+          <p:cNvPr id="3" name="Content Placeholder 2">
+            <a:extLst>
+              <a:ext uri="{FF2B5EF4-FFF2-40B4-BE49-F238E27FC236}">
+                <a16:creationId xmlns:a16="http://schemas.microsoft.com/office/drawing/2014/main" id="{F7D9122A-547D-4498-81E3-940AF608A4E2}"/>
+              </a:ext>
+            </a:extLst>
+          </p:cNvPr>
+          <p:cNvSpPr>
+            <a:spLocks noGrp="1"/>
+          </p:cNvSpPr>
+          <p:nvPr>
+            <p:ph idx="1"/>
+          </p:nvPr>
+        </p:nvSpPr>
+        <p:spPr/>
+        <p:txBody>
+          <a:bodyPr/>
+          <a:lstStyle/>
+          <a:p>
+            <a:r>
+              <a:rPr lang="ru-RU" dirty="0"/>
+              <a:t>Спите.</a:t>
+            </a:r>
+          </a:p>
+          <a:p>
+            <a:r>
+              <a:rPr lang="ru-RU" dirty="0"/>
+              <a:t>Практикуйте осознанность.</a:t>
+            </a:r>
+          </a:p>
+          <a:p>
+            <a:endParaRPr lang="ru-RU" dirty="0"/>
+          </a:p>
+        </p:txBody>
+      </p:sp>
+    </p:spTree>
+    <p:extLst>
+      <p:ext uri="{BB962C8B-B14F-4D97-AF65-F5344CB8AC3E}">
+        <p14:creationId xmlns:p14="http://schemas.microsoft.com/office/powerpoint/2010/main" val="2212550543"/>
+      </p:ext>
+    </p:extLst>
+  </p:cSld>
+  <p:clrMapOvr>
+    <a:masterClrMapping/>
+  </p:clrMapOvr>
+</p:sld>
+</file>
+
+<file path=ppt/slides/slide67.xml><?xml version="1.0" encoding="utf-8"?>
+<p:sld xmlns:a="http://schemas.openxmlformats.org/drawingml/2006/main" xmlns:r="http://schemas.openxmlformats.org/officeDocument/2006/relationships" xmlns:p="http://schemas.openxmlformats.org/presentationml/2006/main">
+  <p:cSld>
+    <p:spTree>
+      <p:nvGrpSpPr>
+        <p:cNvPr id="1" name=""/>
+        <p:cNvGrpSpPr/>
+        <p:nvPr/>
+      </p:nvGrpSpPr>
+      <p:grpSpPr>
+        <a:xfrm>
+          <a:off x="0" y="0"/>
+          <a:ext cx="0" cy="0"/>
+          <a:chOff x="0" y="0"/>
+          <a:chExt cx="0" cy="0"/>
+        </a:xfrm>
+      </p:grpSpPr>
+      <p:sp>
+        <p:nvSpPr>
+          <p:cNvPr id="2" name="Title 1">
+            <a:extLst>
+              <a:ext uri="{FF2B5EF4-FFF2-40B4-BE49-F238E27FC236}">
+                <a16:creationId xmlns:a16="http://schemas.microsoft.com/office/drawing/2014/main" id="{8502BE21-50A6-4F8E-83CA-2BE2172D726F}"/>
+              </a:ext>
+            </a:extLst>
+          </p:cNvPr>
+          <p:cNvSpPr>
+            <a:spLocks noGrp="1"/>
+          </p:cNvSpPr>
+          <p:nvPr>
+            <p:ph type="title"/>
+          </p:nvPr>
+        </p:nvSpPr>
+        <p:spPr/>
+        <p:txBody>
+          <a:bodyPr/>
+          <a:lstStyle/>
+          <a:p>
+            <a:r>
+              <a:rPr lang="ru-RU" dirty="0"/>
+              <a:t>Советы</a:t>
+            </a:r>
+            <a:endParaRPr lang="en-US" dirty="0"/>
+          </a:p>
+        </p:txBody>
+      </p:sp>
+      <p:sp>
+        <p:nvSpPr>
+          <p:cNvPr id="3" name="Content Placeholder 2">
+            <a:extLst>
+              <a:ext uri="{FF2B5EF4-FFF2-40B4-BE49-F238E27FC236}">
+                <a16:creationId xmlns:a16="http://schemas.microsoft.com/office/drawing/2014/main" id="{F7D9122A-547D-4498-81E3-940AF608A4E2}"/>
+              </a:ext>
+            </a:extLst>
+          </p:cNvPr>
+          <p:cNvSpPr>
+            <a:spLocks noGrp="1"/>
+          </p:cNvSpPr>
+          <p:nvPr>
+            <p:ph idx="1"/>
+          </p:nvPr>
+        </p:nvSpPr>
+        <p:spPr/>
+        <p:txBody>
+          <a:bodyPr/>
+          <a:lstStyle/>
+          <a:p>
+            <a:r>
+              <a:rPr lang="ru-RU" dirty="0"/>
+              <a:t>Спите.</a:t>
+            </a:r>
+          </a:p>
+          <a:p>
+            <a:r>
+              <a:rPr lang="ru-RU" dirty="0"/>
+              <a:t>Практикуйте осознанность.</a:t>
+            </a:r>
+          </a:p>
+          <a:p>
+            <a:r>
+              <a:rPr lang="ru-RU" dirty="0"/>
+              <a:t>Дневник и рефлексия.</a:t>
+            </a:r>
+          </a:p>
+          <a:p>
+            <a:endParaRPr lang="ru-RU" dirty="0"/>
+          </a:p>
+        </p:txBody>
+      </p:sp>
+    </p:spTree>
+    <p:extLst>
+      <p:ext uri="{BB962C8B-B14F-4D97-AF65-F5344CB8AC3E}">
+        <p14:creationId xmlns:p14="http://schemas.microsoft.com/office/powerpoint/2010/main" val="1994819522"/>
+      </p:ext>
+    </p:extLst>
+  </p:cSld>
+  <p:clrMapOvr>
+    <a:masterClrMapping/>
+  </p:clrMapOvr>
+</p:sld>
+</file>
+
+<file path=ppt/slides/slide68.xml><?xml version="1.0" encoding="utf-8"?>
+<p:sld xmlns:a="http://schemas.openxmlformats.org/drawingml/2006/main" xmlns:r="http://schemas.openxmlformats.org/officeDocument/2006/relationships" xmlns:p="http://schemas.openxmlformats.org/presentationml/2006/main">
+  <p:cSld>
+    <p:spTree>
+      <p:nvGrpSpPr>
+        <p:cNvPr id="1" name=""/>
+        <p:cNvGrpSpPr/>
+        <p:nvPr/>
+      </p:nvGrpSpPr>
+      <p:grpSpPr>
+        <a:xfrm>
+          <a:off x="0" y="0"/>
+          <a:ext cx="0" cy="0"/>
+          <a:chOff x="0" y="0"/>
+          <a:chExt cx="0" cy="0"/>
+        </a:xfrm>
+      </p:grpSpPr>
+      <p:sp>
+        <p:nvSpPr>
+          <p:cNvPr id="2" name="Title 1">
+            <a:extLst>
+              <a:ext uri="{FF2B5EF4-FFF2-40B4-BE49-F238E27FC236}">
+                <a16:creationId xmlns:a16="http://schemas.microsoft.com/office/drawing/2014/main" id="{8502BE21-50A6-4F8E-83CA-2BE2172D726F}"/>
+              </a:ext>
+            </a:extLst>
+          </p:cNvPr>
+          <p:cNvSpPr>
+            <a:spLocks noGrp="1"/>
+          </p:cNvSpPr>
+          <p:nvPr>
+            <p:ph type="title"/>
+          </p:nvPr>
+        </p:nvSpPr>
+        <p:spPr/>
+        <p:txBody>
+          <a:bodyPr/>
+          <a:lstStyle/>
+          <a:p>
+            <a:r>
+              <a:rPr lang="ru-RU" dirty="0"/>
+              <a:t>Советы</a:t>
+            </a:r>
+            <a:endParaRPr lang="en-US" dirty="0"/>
+          </a:p>
+        </p:txBody>
+      </p:sp>
+      <p:sp>
+        <p:nvSpPr>
+          <p:cNvPr id="3" name="Content Placeholder 2">
+            <a:extLst>
+              <a:ext uri="{FF2B5EF4-FFF2-40B4-BE49-F238E27FC236}">
+                <a16:creationId xmlns:a16="http://schemas.microsoft.com/office/drawing/2014/main" id="{F7D9122A-547D-4498-81E3-940AF608A4E2}"/>
+              </a:ext>
+            </a:extLst>
+          </p:cNvPr>
+          <p:cNvSpPr>
+            <a:spLocks noGrp="1"/>
+          </p:cNvSpPr>
+          <p:nvPr>
+            <p:ph idx="1"/>
+          </p:nvPr>
+        </p:nvSpPr>
+        <p:spPr/>
+        <p:txBody>
+          <a:bodyPr/>
+          <a:lstStyle/>
+          <a:p>
+            <a:r>
+              <a:rPr lang="ru-RU" dirty="0"/>
+              <a:t>Спите.</a:t>
+            </a:r>
+          </a:p>
+          <a:p>
+            <a:r>
+              <a:rPr lang="ru-RU" dirty="0"/>
+              <a:t>Практикуйте осознанность.</a:t>
+            </a:r>
+          </a:p>
+          <a:p>
+            <a:r>
+              <a:rPr lang="ru-RU" dirty="0"/>
+              <a:t>Дневник и рефлексия.</a:t>
+            </a:r>
+          </a:p>
+          <a:p>
+            <a:r>
+              <a:rPr lang="ru-RU" dirty="0"/>
+              <a:t>Занимайтесь медитацией.</a:t>
+            </a:r>
+          </a:p>
+          <a:p>
+            <a:endParaRPr lang="ru-RU" dirty="0"/>
+          </a:p>
+        </p:txBody>
+      </p:sp>
+    </p:spTree>
+    <p:extLst>
+      <p:ext uri="{BB962C8B-B14F-4D97-AF65-F5344CB8AC3E}">
+        <p14:creationId xmlns:p14="http://schemas.microsoft.com/office/powerpoint/2010/main" val="4166029998"/>
+      </p:ext>
+    </p:extLst>
+  </p:cSld>
+  <p:clrMapOvr>
+    <a:masterClrMapping/>
+  </p:clrMapOvr>
+</p:sld>
+</file>
+
+<file path=ppt/slides/slide69.xml><?xml version="1.0" encoding="utf-8"?>
+<p:sld xmlns:a="http://schemas.openxmlformats.org/drawingml/2006/main" xmlns:r="http://schemas.openxmlformats.org/officeDocument/2006/relationships" xmlns:p="http://schemas.openxmlformats.org/presentationml/2006/main">
+  <p:cSld>
+    <p:spTree>
+      <p:nvGrpSpPr>
+        <p:cNvPr id="1" name=""/>
+        <p:cNvGrpSpPr/>
+        <p:nvPr/>
+      </p:nvGrpSpPr>
+      <p:grpSpPr>
+        <a:xfrm>
+          <a:off x="0" y="0"/>
+          <a:ext cx="0" cy="0"/>
+          <a:chOff x="0" y="0"/>
+          <a:chExt cx="0" cy="0"/>
+        </a:xfrm>
+      </p:grpSpPr>
+      <p:sp>
+        <p:nvSpPr>
+          <p:cNvPr id="2" name="Title 1">
+            <a:extLst>
+              <a:ext uri="{FF2B5EF4-FFF2-40B4-BE49-F238E27FC236}">
+                <a16:creationId xmlns:a16="http://schemas.microsoft.com/office/drawing/2014/main" id="{8502BE21-50A6-4F8E-83CA-2BE2172D726F}"/>
+              </a:ext>
+            </a:extLst>
+          </p:cNvPr>
+          <p:cNvSpPr>
+            <a:spLocks noGrp="1"/>
+          </p:cNvSpPr>
+          <p:nvPr>
+            <p:ph type="title"/>
+          </p:nvPr>
+        </p:nvSpPr>
+        <p:spPr/>
+        <p:txBody>
+          <a:bodyPr/>
+          <a:lstStyle/>
+          <a:p>
+            <a:r>
+              <a:rPr lang="ru-RU" dirty="0"/>
+              <a:t>Советы</a:t>
+            </a:r>
+            <a:endParaRPr lang="en-US" dirty="0"/>
+          </a:p>
+        </p:txBody>
+      </p:sp>
+      <p:sp>
+        <p:nvSpPr>
+          <p:cNvPr id="3" name="Content Placeholder 2">
+            <a:extLst>
+              <a:ext uri="{FF2B5EF4-FFF2-40B4-BE49-F238E27FC236}">
+                <a16:creationId xmlns:a16="http://schemas.microsoft.com/office/drawing/2014/main" id="{F7D9122A-547D-4498-81E3-940AF608A4E2}"/>
+              </a:ext>
+            </a:extLst>
+          </p:cNvPr>
+          <p:cNvSpPr>
+            <a:spLocks noGrp="1"/>
+          </p:cNvSpPr>
+          <p:nvPr>
+            <p:ph idx="1"/>
+          </p:nvPr>
+        </p:nvSpPr>
+        <p:spPr/>
+        <p:txBody>
+          <a:bodyPr/>
+          <a:lstStyle/>
+          <a:p>
+            <a:r>
+              <a:rPr lang="ru-RU" dirty="0"/>
+              <a:t>Спите.</a:t>
+            </a:r>
+          </a:p>
+          <a:p>
+            <a:r>
+              <a:rPr lang="ru-RU" dirty="0"/>
+              <a:t>Практикуйте осознанность.</a:t>
+            </a:r>
+          </a:p>
+          <a:p>
+            <a:r>
+              <a:rPr lang="ru-RU" dirty="0"/>
+              <a:t>Дневник и рефлексия.</a:t>
+            </a:r>
+          </a:p>
+          <a:p>
+            <a:r>
+              <a:rPr lang="ru-RU" dirty="0"/>
+              <a:t>Занимайтесь медитацией.</a:t>
+            </a:r>
+          </a:p>
+          <a:p>
+            <a:r>
+              <a:rPr lang="ru-RU" dirty="0"/>
+              <a:t>Научитесь правильно Отдыхать.</a:t>
+            </a:r>
+          </a:p>
+          <a:p>
+            <a:endParaRPr lang="ru-RU" dirty="0"/>
+          </a:p>
+        </p:txBody>
+      </p:sp>
+    </p:spTree>
+    <p:extLst>
+      <p:ext uri="{BB962C8B-B14F-4D97-AF65-F5344CB8AC3E}">
+        <p14:creationId xmlns:p14="http://schemas.microsoft.com/office/powerpoint/2010/main" val="3581029079"/>
       </p:ext>
     </p:extLst>
   </p:cSld>
@@ -20348,7 +20701,7 @@
           <p:cNvPr id="2" name="Title 1">
             <a:extLst>
               <a:ext uri="{FF2B5EF4-FFF2-40B4-BE49-F238E27FC236}">
-                <a16:creationId xmlns:a16="http://schemas.microsoft.com/office/drawing/2014/main" id="{A2EDEEEE-C304-43A3-878E-B96C543F0E03}"/>
+                <a16:creationId xmlns:a16="http://schemas.microsoft.com/office/drawing/2014/main" id="{F034D1A9-39F1-4C2B-B280-A0229EDBBA1D}"/>
               </a:ext>
             </a:extLst>
           </p:cNvPr>
@@ -20366,7 +20719,7 @@
           <a:p>
             <a:r>
               <a:rPr lang="ru-RU" dirty="0"/>
-              <a:t>Мозг. Старый и Новый.</a:t>
+              <a:t>Что такое Сила Воли?</a:t>
             </a:r>
             <a:endParaRPr lang="en-US" dirty="0"/>
           </a:p>
@@ -20377,7 +20730,7 @@
           <p:cNvPr id="3" name="Content Placeholder 2">
             <a:extLst>
               <a:ext uri="{FF2B5EF4-FFF2-40B4-BE49-F238E27FC236}">
-                <a16:creationId xmlns:a16="http://schemas.microsoft.com/office/drawing/2014/main" id="{7C9BA842-1486-423C-8A3F-68772024B330}"/>
+                <a16:creationId xmlns:a16="http://schemas.microsoft.com/office/drawing/2014/main" id="{02CC965B-C8A8-4ED3-B854-FC6458FCD272}"/>
               </a:ext>
             </a:extLst>
           </p:cNvPr>
@@ -20390,21 +20743,586 @@
         </p:nvSpPr>
         <p:spPr/>
         <p:txBody>
-          <a:bodyPr/>
+          <a:bodyPr>
+            <a:normAutofit/>
+          </a:bodyPr>
           <a:lstStyle/>
           <a:p>
-            <a:r>
-              <a:rPr lang="ru-RU" dirty="0"/>
-              <a:t>Стволовые структуры (ретикулярная формация).</a:t>
-            </a:r>
-            <a:endParaRPr lang="en-US" dirty="0"/>
+            <a:pPr marL="0" marR="0">
+              <a:spcBef>
+                <a:spcPts val="0"/>
+              </a:spcBef>
+              <a:spcAft>
+                <a:spcPts val="0"/>
+              </a:spcAft>
+            </a:pPr>
+            <a:r>
+              <a:rPr lang="ru-RU" sz="1800" dirty="0">
+                <a:effectLst/>
+                <a:latin typeface="Century Gothic (Body)"/>
+              </a:rPr>
+              <a:t>Иррациональное и Рациональное</a:t>
+            </a:r>
+          </a:p>
+          <a:p>
+            <a:r>
+              <a:rPr lang="ru-RU" sz="1800" dirty="0">
+                <a:effectLst/>
+                <a:latin typeface="Century Gothic (Body)"/>
+              </a:rPr>
+              <a:t>Ид и Эго</a:t>
+            </a:r>
+          </a:p>
+          <a:p>
+            <a:r>
+              <a:rPr lang="ru-RU" sz="1800" dirty="0">
+                <a:effectLst/>
+                <a:latin typeface="Century Gothic (Body)"/>
+              </a:rPr>
+              <a:t>Система 1 и Система 2</a:t>
+            </a:r>
+          </a:p>
+          <a:p>
+            <a:r>
+              <a:rPr lang="ru-RU" sz="1800" dirty="0">
+                <a:effectLst/>
+                <a:latin typeface="Century Gothic (Body)"/>
+              </a:rPr>
+              <a:t>Обезьянка и Рациональный тип</a:t>
+            </a:r>
+          </a:p>
+          <a:p>
+            <a:r>
+              <a:rPr lang="ru-RU" sz="1800" dirty="0">
+                <a:effectLst/>
+                <a:latin typeface="Century Gothic (Body)"/>
+              </a:rPr>
+              <a:t>Пассажир и Машинист</a:t>
+            </a:r>
+          </a:p>
+          <a:p>
+            <a:endParaRPr lang="ru-RU" sz="1800" dirty="0">
+              <a:effectLst/>
+              <a:latin typeface="Century Gothic (Body)"/>
+            </a:endParaRPr>
+          </a:p>
+          <a:p>
+            <a:endParaRPr lang="ru-RU" sz="1800" dirty="0">
+              <a:effectLst/>
+              <a:latin typeface="Century Gothic (Body)"/>
+            </a:endParaRPr>
           </a:p>
         </p:txBody>
       </p:sp>
     </p:spTree>
     <p:extLst>
       <p:ext uri="{BB962C8B-B14F-4D97-AF65-F5344CB8AC3E}">
-        <p14:creationId xmlns:p14="http://schemas.microsoft.com/office/powerpoint/2010/main" val="2859519097"/>
+        <p14:creationId xmlns:p14="http://schemas.microsoft.com/office/powerpoint/2010/main" val="3769497511"/>
+      </p:ext>
+    </p:extLst>
+  </p:cSld>
+  <p:clrMapOvr>
+    <a:masterClrMapping/>
+  </p:clrMapOvr>
+</p:sld>
+</file>
+
+<file path=ppt/slides/slide70.xml><?xml version="1.0" encoding="utf-8"?>
+<p:sld xmlns:a="http://schemas.openxmlformats.org/drawingml/2006/main" xmlns:r="http://schemas.openxmlformats.org/officeDocument/2006/relationships" xmlns:p="http://schemas.openxmlformats.org/presentationml/2006/main">
+  <p:cSld>
+    <p:spTree>
+      <p:nvGrpSpPr>
+        <p:cNvPr id="1" name=""/>
+        <p:cNvGrpSpPr/>
+        <p:nvPr/>
+      </p:nvGrpSpPr>
+      <p:grpSpPr>
+        <a:xfrm>
+          <a:off x="0" y="0"/>
+          <a:ext cx="0" cy="0"/>
+          <a:chOff x="0" y="0"/>
+          <a:chExt cx="0" cy="0"/>
+        </a:xfrm>
+      </p:grpSpPr>
+      <p:sp>
+        <p:nvSpPr>
+          <p:cNvPr id="2" name="Title 1">
+            <a:extLst>
+              <a:ext uri="{FF2B5EF4-FFF2-40B4-BE49-F238E27FC236}">
+                <a16:creationId xmlns:a16="http://schemas.microsoft.com/office/drawing/2014/main" id="{8502BE21-50A6-4F8E-83CA-2BE2172D726F}"/>
+              </a:ext>
+            </a:extLst>
+          </p:cNvPr>
+          <p:cNvSpPr>
+            <a:spLocks noGrp="1"/>
+          </p:cNvSpPr>
+          <p:nvPr>
+            <p:ph type="title"/>
+          </p:nvPr>
+        </p:nvSpPr>
+        <p:spPr/>
+        <p:txBody>
+          <a:bodyPr/>
+          <a:lstStyle/>
+          <a:p>
+            <a:r>
+              <a:rPr lang="ru-RU" dirty="0"/>
+              <a:t>Советы</a:t>
+            </a:r>
+            <a:endParaRPr lang="en-US" dirty="0"/>
+          </a:p>
+        </p:txBody>
+      </p:sp>
+      <p:sp>
+        <p:nvSpPr>
+          <p:cNvPr id="3" name="Content Placeholder 2">
+            <a:extLst>
+              <a:ext uri="{FF2B5EF4-FFF2-40B4-BE49-F238E27FC236}">
+                <a16:creationId xmlns:a16="http://schemas.microsoft.com/office/drawing/2014/main" id="{F7D9122A-547D-4498-81E3-940AF608A4E2}"/>
+              </a:ext>
+            </a:extLst>
+          </p:cNvPr>
+          <p:cNvSpPr>
+            <a:spLocks noGrp="1"/>
+          </p:cNvSpPr>
+          <p:nvPr>
+            <p:ph idx="1"/>
+          </p:nvPr>
+        </p:nvSpPr>
+        <p:spPr/>
+        <p:txBody>
+          <a:bodyPr/>
+          <a:lstStyle/>
+          <a:p>
+            <a:r>
+              <a:rPr lang="ru-RU" dirty="0"/>
+              <a:t>Спите.</a:t>
+            </a:r>
+          </a:p>
+          <a:p>
+            <a:r>
+              <a:rPr lang="ru-RU" dirty="0"/>
+              <a:t>Практикуйте осознанность.</a:t>
+            </a:r>
+          </a:p>
+          <a:p>
+            <a:r>
+              <a:rPr lang="ru-RU" dirty="0"/>
+              <a:t>Дневник и рефлексия.</a:t>
+            </a:r>
+          </a:p>
+          <a:p>
+            <a:r>
+              <a:rPr lang="ru-RU" dirty="0"/>
+              <a:t>Занимайтесь медитацией.</a:t>
+            </a:r>
+          </a:p>
+          <a:p>
+            <a:r>
+              <a:rPr lang="ru-RU" dirty="0"/>
+              <a:t>Научитесь правильно Отдыхать.</a:t>
+            </a:r>
+          </a:p>
+          <a:p>
+            <a:r>
+              <a:rPr lang="ru-RU" dirty="0"/>
+              <a:t>Заведите ритуалы и привычки.</a:t>
+            </a:r>
+          </a:p>
+          <a:p>
+            <a:endParaRPr lang="ru-RU" dirty="0"/>
+          </a:p>
+        </p:txBody>
+      </p:sp>
+    </p:spTree>
+    <p:extLst>
+      <p:ext uri="{BB962C8B-B14F-4D97-AF65-F5344CB8AC3E}">
+        <p14:creationId xmlns:p14="http://schemas.microsoft.com/office/powerpoint/2010/main" val="914086317"/>
+      </p:ext>
+    </p:extLst>
+  </p:cSld>
+  <p:clrMapOvr>
+    <a:masterClrMapping/>
+  </p:clrMapOvr>
+</p:sld>
+</file>
+
+<file path=ppt/slides/slide71.xml><?xml version="1.0" encoding="utf-8"?>
+<p:sld xmlns:a="http://schemas.openxmlformats.org/drawingml/2006/main" xmlns:r="http://schemas.openxmlformats.org/officeDocument/2006/relationships" xmlns:p="http://schemas.openxmlformats.org/presentationml/2006/main">
+  <p:cSld>
+    <p:spTree>
+      <p:nvGrpSpPr>
+        <p:cNvPr id="1" name=""/>
+        <p:cNvGrpSpPr/>
+        <p:nvPr/>
+      </p:nvGrpSpPr>
+      <p:grpSpPr>
+        <a:xfrm>
+          <a:off x="0" y="0"/>
+          <a:ext cx="0" cy="0"/>
+          <a:chOff x="0" y="0"/>
+          <a:chExt cx="0" cy="0"/>
+        </a:xfrm>
+      </p:grpSpPr>
+      <p:sp>
+        <p:nvSpPr>
+          <p:cNvPr id="2" name="Title 1">
+            <a:extLst>
+              <a:ext uri="{FF2B5EF4-FFF2-40B4-BE49-F238E27FC236}">
+                <a16:creationId xmlns:a16="http://schemas.microsoft.com/office/drawing/2014/main" id="{8502BE21-50A6-4F8E-83CA-2BE2172D726F}"/>
+              </a:ext>
+            </a:extLst>
+          </p:cNvPr>
+          <p:cNvSpPr>
+            <a:spLocks noGrp="1"/>
+          </p:cNvSpPr>
+          <p:nvPr>
+            <p:ph type="title"/>
+          </p:nvPr>
+        </p:nvSpPr>
+        <p:spPr/>
+        <p:txBody>
+          <a:bodyPr/>
+          <a:lstStyle/>
+          <a:p>
+            <a:r>
+              <a:rPr lang="ru-RU" dirty="0"/>
+              <a:t>Советы</a:t>
+            </a:r>
+            <a:endParaRPr lang="en-US" dirty="0"/>
+          </a:p>
+        </p:txBody>
+      </p:sp>
+      <p:sp>
+        <p:nvSpPr>
+          <p:cNvPr id="3" name="Content Placeholder 2">
+            <a:extLst>
+              <a:ext uri="{FF2B5EF4-FFF2-40B4-BE49-F238E27FC236}">
+                <a16:creationId xmlns:a16="http://schemas.microsoft.com/office/drawing/2014/main" id="{F7D9122A-547D-4498-81E3-940AF608A4E2}"/>
+              </a:ext>
+            </a:extLst>
+          </p:cNvPr>
+          <p:cNvSpPr>
+            <a:spLocks noGrp="1"/>
+          </p:cNvSpPr>
+          <p:nvPr>
+            <p:ph idx="1"/>
+          </p:nvPr>
+        </p:nvSpPr>
+        <p:spPr/>
+        <p:txBody>
+          <a:bodyPr/>
+          <a:lstStyle/>
+          <a:p>
+            <a:r>
+              <a:rPr lang="ru-RU" dirty="0"/>
+              <a:t>Спите.</a:t>
+            </a:r>
+          </a:p>
+          <a:p>
+            <a:r>
+              <a:rPr lang="ru-RU" dirty="0"/>
+              <a:t>Практикуйте осознанность.</a:t>
+            </a:r>
+          </a:p>
+          <a:p>
+            <a:r>
+              <a:rPr lang="ru-RU" dirty="0"/>
+              <a:t>Дневник и рефлексия.</a:t>
+            </a:r>
+          </a:p>
+          <a:p>
+            <a:r>
+              <a:rPr lang="ru-RU" dirty="0"/>
+              <a:t>Занимайтесь медитацией.</a:t>
+            </a:r>
+          </a:p>
+          <a:p>
+            <a:r>
+              <a:rPr lang="ru-RU" dirty="0"/>
+              <a:t>Научитесь правильно Отдыхать.</a:t>
+            </a:r>
+          </a:p>
+          <a:p>
+            <a:r>
+              <a:rPr lang="ru-RU" dirty="0"/>
+              <a:t>Заведите ритуалы и привычки.</a:t>
+            </a:r>
+          </a:p>
+          <a:p>
+            <a:r>
+              <a:rPr lang="ru-RU" dirty="0"/>
+              <a:t>Будьте позитивны.</a:t>
+            </a:r>
+          </a:p>
+          <a:p>
+            <a:endParaRPr lang="ru-RU" dirty="0"/>
+          </a:p>
+        </p:txBody>
+      </p:sp>
+    </p:spTree>
+    <p:extLst>
+      <p:ext uri="{BB962C8B-B14F-4D97-AF65-F5344CB8AC3E}">
+        <p14:creationId xmlns:p14="http://schemas.microsoft.com/office/powerpoint/2010/main" val="591118877"/>
+      </p:ext>
+    </p:extLst>
+  </p:cSld>
+  <p:clrMapOvr>
+    <a:masterClrMapping/>
+  </p:clrMapOvr>
+</p:sld>
+</file>
+
+<file path=ppt/slides/slide72.xml><?xml version="1.0" encoding="utf-8"?>
+<p:sld xmlns:a="http://schemas.openxmlformats.org/drawingml/2006/main" xmlns:r="http://schemas.openxmlformats.org/officeDocument/2006/relationships" xmlns:p="http://schemas.openxmlformats.org/presentationml/2006/main">
+  <p:cSld>
+    <p:spTree>
+      <p:nvGrpSpPr>
+        <p:cNvPr id="1" name=""/>
+        <p:cNvGrpSpPr/>
+        <p:nvPr/>
+      </p:nvGrpSpPr>
+      <p:grpSpPr>
+        <a:xfrm>
+          <a:off x="0" y="0"/>
+          <a:ext cx="0" cy="0"/>
+          <a:chOff x="0" y="0"/>
+          <a:chExt cx="0" cy="0"/>
+        </a:xfrm>
+      </p:grpSpPr>
+      <p:sp>
+        <p:nvSpPr>
+          <p:cNvPr id="2" name="Title 1">
+            <a:extLst>
+              <a:ext uri="{FF2B5EF4-FFF2-40B4-BE49-F238E27FC236}">
+                <a16:creationId xmlns:a16="http://schemas.microsoft.com/office/drawing/2014/main" id="{8502BE21-50A6-4F8E-83CA-2BE2172D726F}"/>
+              </a:ext>
+            </a:extLst>
+          </p:cNvPr>
+          <p:cNvSpPr>
+            <a:spLocks noGrp="1"/>
+          </p:cNvSpPr>
+          <p:nvPr>
+            <p:ph type="title"/>
+          </p:nvPr>
+        </p:nvSpPr>
+        <p:spPr/>
+        <p:txBody>
+          <a:bodyPr/>
+          <a:lstStyle/>
+          <a:p>
+            <a:r>
+              <a:rPr lang="ru-RU" dirty="0"/>
+              <a:t>Советы </a:t>
+            </a:r>
+            <a:r>
+              <a:rPr lang="ru-RU" i="1" dirty="0"/>
+              <a:t>(</a:t>
+            </a:r>
+            <a:r>
+              <a:rPr lang="en-US" i="1" dirty="0"/>
+              <a:t>classic</a:t>
+            </a:r>
+            <a:r>
+              <a:rPr lang="ru-RU" i="1" dirty="0"/>
+              <a:t>)</a:t>
+            </a:r>
+            <a:endParaRPr lang="en-US" i="1" dirty="0"/>
+          </a:p>
+        </p:txBody>
+      </p:sp>
+      <p:sp>
+        <p:nvSpPr>
+          <p:cNvPr id="3" name="Content Placeholder 2">
+            <a:extLst>
+              <a:ext uri="{FF2B5EF4-FFF2-40B4-BE49-F238E27FC236}">
+                <a16:creationId xmlns:a16="http://schemas.microsoft.com/office/drawing/2014/main" id="{F7D9122A-547D-4498-81E3-940AF608A4E2}"/>
+              </a:ext>
+            </a:extLst>
+          </p:cNvPr>
+          <p:cNvSpPr>
+            <a:spLocks noGrp="1"/>
+          </p:cNvSpPr>
+          <p:nvPr>
+            <p:ph idx="1"/>
+          </p:nvPr>
+        </p:nvSpPr>
+        <p:spPr>
+          <a:xfrm>
+            <a:off x="1154955" y="3816990"/>
+            <a:ext cx="8761412" cy="2202809"/>
+          </a:xfrm>
+        </p:spPr>
+        <p:txBody>
+          <a:bodyPr/>
+          <a:lstStyle/>
+          <a:p>
+            <a:pPr marL="0" indent="0" algn="ctr">
+              <a:buNone/>
+            </a:pPr>
+            <a:r>
+              <a:rPr lang="ru-RU" i="1" dirty="0"/>
+              <a:t>Терпение и труд – все перетрут.</a:t>
+            </a:r>
+          </a:p>
+        </p:txBody>
+      </p:sp>
+    </p:spTree>
+    <p:extLst>
+      <p:ext uri="{BB962C8B-B14F-4D97-AF65-F5344CB8AC3E}">
+        <p14:creationId xmlns:p14="http://schemas.microsoft.com/office/powerpoint/2010/main" val="3136120746"/>
+      </p:ext>
+    </p:extLst>
+  </p:cSld>
+  <p:clrMapOvr>
+    <a:masterClrMapping/>
+  </p:clrMapOvr>
+</p:sld>
+</file>
+
+<file path=ppt/slides/slide73.xml><?xml version="1.0" encoding="utf-8"?>
+<p:sld xmlns:a="http://schemas.openxmlformats.org/drawingml/2006/main" xmlns:r="http://schemas.openxmlformats.org/officeDocument/2006/relationships" xmlns:p="http://schemas.openxmlformats.org/presentationml/2006/main">
+  <p:cSld>
+    <p:spTree>
+      <p:nvGrpSpPr>
+        <p:cNvPr id="1" name=""/>
+        <p:cNvGrpSpPr/>
+        <p:nvPr/>
+      </p:nvGrpSpPr>
+      <p:grpSpPr>
+        <a:xfrm>
+          <a:off x="0" y="0"/>
+          <a:ext cx="0" cy="0"/>
+          <a:chOff x="0" y="0"/>
+          <a:chExt cx="0" cy="0"/>
+        </a:xfrm>
+      </p:grpSpPr>
+      <p:sp>
+        <p:nvSpPr>
+          <p:cNvPr id="2" name="Title 1">
+            <a:extLst>
+              <a:ext uri="{FF2B5EF4-FFF2-40B4-BE49-F238E27FC236}">
+                <a16:creationId xmlns:a16="http://schemas.microsoft.com/office/drawing/2014/main" id="{8502BE21-50A6-4F8E-83CA-2BE2172D726F}"/>
+              </a:ext>
+            </a:extLst>
+          </p:cNvPr>
+          <p:cNvSpPr>
+            <a:spLocks noGrp="1"/>
+          </p:cNvSpPr>
+          <p:nvPr>
+            <p:ph type="title"/>
+          </p:nvPr>
+        </p:nvSpPr>
+        <p:spPr/>
+        <p:txBody>
+          <a:bodyPr/>
+          <a:lstStyle/>
+          <a:p>
+            <a:r>
+              <a:rPr lang="ru-RU" dirty="0"/>
+              <a:t>Книги</a:t>
+            </a:r>
+            <a:endParaRPr lang="en-US" dirty="0"/>
+          </a:p>
+        </p:txBody>
+      </p:sp>
+      <p:sp>
+        <p:nvSpPr>
+          <p:cNvPr id="3" name="Content Placeholder 2">
+            <a:extLst>
+              <a:ext uri="{FF2B5EF4-FFF2-40B4-BE49-F238E27FC236}">
+                <a16:creationId xmlns:a16="http://schemas.microsoft.com/office/drawing/2014/main" id="{F7D9122A-547D-4498-81E3-940AF608A4E2}"/>
+              </a:ext>
+            </a:extLst>
+          </p:cNvPr>
+          <p:cNvSpPr>
+            <a:spLocks noGrp="1"/>
+          </p:cNvSpPr>
+          <p:nvPr>
+            <p:ph idx="1"/>
+          </p:nvPr>
+        </p:nvSpPr>
+        <p:spPr>
+          <a:xfrm>
+            <a:off x="1154954" y="2603500"/>
+            <a:ext cx="10170183" cy="4183194"/>
+          </a:xfrm>
+        </p:spPr>
+        <p:txBody>
+          <a:bodyPr>
+            <a:normAutofit fontScale="92500"/>
+          </a:bodyPr>
+          <a:lstStyle/>
+          <a:p>
+            <a:r>
+              <a:rPr lang="ru-RU" dirty="0"/>
+              <a:t>Келли Макгонигал. Сила воли. Как развить и укрепить.</a:t>
+            </a:r>
+          </a:p>
+          <a:p>
+            <a:r>
+              <a:rPr lang="ru-RU" dirty="0"/>
+              <a:t>Бенжамин Харди. Сила воли не работает. Пусть твое окружение работает вместо нее.</a:t>
+            </a:r>
+          </a:p>
+          <a:p>
+            <a:endParaRPr lang="ru-RU" dirty="0"/>
+          </a:p>
+          <a:p>
+            <a:pPr marL="0" indent="0" algn="ctr">
+              <a:buNone/>
+            </a:pPr>
+            <a:r>
+              <a:rPr lang="ru-RU" sz="1900" i="1" dirty="0"/>
+              <a:t>Другие рекомендасьон.</a:t>
+            </a:r>
+            <a:endParaRPr lang="ru-RU" i="1" dirty="0"/>
+          </a:p>
+          <a:p>
+            <a:r>
+              <a:rPr lang="ru-RU" dirty="0"/>
+              <a:t>Максим Дорофеев. Джедайские техники.</a:t>
+            </a:r>
+          </a:p>
+          <a:p>
+            <a:r>
+              <a:rPr lang="ru-RU" dirty="0"/>
+              <a:t>Андрей Курпатов. Красная таблетка.</a:t>
+            </a:r>
+          </a:p>
+          <a:p>
+            <a:r>
+              <a:rPr lang="ru-RU" dirty="0"/>
+              <a:t>Энди Паддикомб. Медитация и осознанность.</a:t>
+            </a:r>
+          </a:p>
+          <a:p>
+            <a:r>
+              <a:rPr lang="ru-RU" dirty="0"/>
+              <a:t>Дэвид Рок. Мозг. Как использовать свои возможности по максимому и без перегрузок.</a:t>
+            </a:r>
+          </a:p>
+          <a:p>
+            <a:r>
+              <a:rPr lang="ru-RU" dirty="0"/>
+              <a:t>Даниэль Канеман. Думай медленно... Решай быстро.</a:t>
+            </a:r>
+          </a:p>
+          <a:p>
+            <a:r>
+              <a:rPr lang="ru-RU" dirty="0"/>
+              <a:t>Джон Кехо. Подсознание может всё.</a:t>
+            </a:r>
+          </a:p>
+          <a:p>
+            <a:endParaRPr lang="ru-RU" dirty="0"/>
+          </a:p>
+        </p:txBody>
+      </p:sp>
+    </p:spTree>
+    <p:extLst>
+      <p:ext uri="{BB962C8B-B14F-4D97-AF65-F5344CB8AC3E}">
+        <p14:creationId xmlns:p14="http://schemas.microsoft.com/office/powerpoint/2010/main" val="2841864422"/>
       </p:ext>
     </p:extLst>
   </p:cSld>
@@ -20436,7 +21354,7 @@
           <p:cNvPr id="2" name="Title 1">
             <a:extLst>
               <a:ext uri="{FF2B5EF4-FFF2-40B4-BE49-F238E27FC236}">
-                <a16:creationId xmlns:a16="http://schemas.microsoft.com/office/drawing/2014/main" id="{A2EDEEEE-C304-43A3-878E-B96C543F0E03}"/>
+                <a16:creationId xmlns:a16="http://schemas.microsoft.com/office/drawing/2014/main" id="{F034D1A9-39F1-4C2B-B280-A0229EDBBA1D}"/>
               </a:ext>
             </a:extLst>
           </p:cNvPr>
@@ -20454,7 +21372,7 @@
           <a:p>
             <a:r>
               <a:rPr lang="ru-RU" dirty="0"/>
-              <a:t>Мозг. Новый и старый.</a:t>
+              <a:t>Что такое Сила Воли?</a:t>
             </a:r>
             <a:endParaRPr lang="en-US" dirty="0"/>
           </a:p>
@@ -20465,7 +21383,7 @@
           <p:cNvPr id="3" name="Content Placeholder 2">
             <a:extLst>
               <a:ext uri="{FF2B5EF4-FFF2-40B4-BE49-F238E27FC236}">
-                <a16:creationId xmlns:a16="http://schemas.microsoft.com/office/drawing/2014/main" id="{7C9BA842-1486-423C-8A3F-68772024B330}"/>
+                <a16:creationId xmlns:a16="http://schemas.microsoft.com/office/drawing/2014/main" id="{02CC965B-C8A8-4ED3-B854-FC6458FCD272}"/>
               </a:ext>
             </a:extLst>
           </p:cNvPr>
@@ -20478,28 +21396,84 @@
         </p:nvSpPr>
         <p:spPr/>
         <p:txBody>
-          <a:bodyPr/>
+          <a:bodyPr>
+            <a:normAutofit/>
+          </a:bodyPr>
           <a:lstStyle/>
           <a:p>
-            <a:r>
-              <a:rPr lang="ru-RU" dirty="0"/>
-              <a:t>Стволовые структуры (ретикулярная формация).</a:t>
-            </a:r>
-            <a:endParaRPr lang="en-US" dirty="0"/>
-          </a:p>
-          <a:p>
-            <a:r>
-              <a:rPr lang="ru-RU" dirty="0"/>
-              <a:t>Подкорковые структуры (определяет направленость психической энергии).</a:t>
-            </a:r>
-            <a:endParaRPr lang="en-US" dirty="0"/>
+            <a:pPr marL="0" marR="0">
+              <a:spcBef>
+                <a:spcPts val="0"/>
+              </a:spcBef>
+              <a:spcAft>
+                <a:spcPts val="0"/>
+              </a:spcAft>
+            </a:pPr>
+            <a:r>
+              <a:rPr lang="ru-RU" sz="1800" dirty="0">
+                <a:effectLst/>
+                <a:latin typeface="Century Gothic (Body)"/>
+              </a:rPr>
+              <a:t>Иррациональное и Рациональное</a:t>
+            </a:r>
+          </a:p>
+          <a:p>
+            <a:r>
+              <a:rPr lang="ru-RU" sz="1800" dirty="0">
+                <a:effectLst/>
+                <a:latin typeface="Century Gothic (Body)"/>
+              </a:rPr>
+              <a:t>Ид и Эго</a:t>
+            </a:r>
+          </a:p>
+          <a:p>
+            <a:r>
+              <a:rPr lang="ru-RU" sz="1800" dirty="0">
+                <a:effectLst/>
+                <a:latin typeface="Century Gothic (Body)"/>
+              </a:rPr>
+              <a:t>Система 1 и Система 2</a:t>
+            </a:r>
+          </a:p>
+          <a:p>
+            <a:r>
+              <a:rPr lang="ru-RU" sz="1800" dirty="0">
+                <a:effectLst/>
+                <a:latin typeface="Century Gothic (Body)"/>
+              </a:rPr>
+              <a:t>Обезьянка и Рациональный тип</a:t>
+            </a:r>
+          </a:p>
+          <a:p>
+            <a:r>
+              <a:rPr lang="ru-RU" sz="1800" dirty="0">
+                <a:effectLst/>
+                <a:latin typeface="Century Gothic (Body)"/>
+              </a:rPr>
+              <a:t>Пассажир и Машинист</a:t>
+            </a:r>
+          </a:p>
+          <a:p>
+            <a:r>
+              <a:rPr lang="ru-RU" sz="1800" dirty="0">
+                <a:effectLst/>
+                <a:latin typeface="Century Gothic (Body)"/>
+              </a:rPr>
+              <a:t>Сердце и Ум</a:t>
+            </a:r>
+          </a:p>
+          <a:p>
+            <a:endParaRPr lang="ru-RU" sz="1800" dirty="0">
+              <a:effectLst/>
+              <a:latin typeface="Century Gothic (Body)"/>
+            </a:endParaRPr>
           </a:p>
         </p:txBody>
       </p:sp>
     </p:spTree>
     <p:extLst>
       <p:ext uri="{BB962C8B-B14F-4D97-AF65-F5344CB8AC3E}">
-        <p14:creationId xmlns:p14="http://schemas.microsoft.com/office/powerpoint/2010/main" val="780471120"/>
+        <p14:creationId xmlns:p14="http://schemas.microsoft.com/office/powerpoint/2010/main" val="1803080820"/>
       </p:ext>
     </p:extLst>
   </p:cSld>
@@ -20531,7 +21505,7 @@
           <p:cNvPr id="2" name="Title 1">
             <a:extLst>
               <a:ext uri="{FF2B5EF4-FFF2-40B4-BE49-F238E27FC236}">
-                <a16:creationId xmlns:a16="http://schemas.microsoft.com/office/drawing/2014/main" id="{A2EDEEEE-C304-43A3-878E-B96C543F0E03}"/>
+                <a16:creationId xmlns:a16="http://schemas.microsoft.com/office/drawing/2014/main" id="{F034D1A9-39F1-4C2B-B280-A0229EDBBA1D}"/>
               </a:ext>
             </a:extLst>
           </p:cNvPr>
@@ -20549,7 +21523,7 @@
           <a:p>
             <a:r>
               <a:rPr lang="ru-RU" dirty="0"/>
-              <a:t>Мозг. Новый и старый.</a:t>
+              <a:t>Что такое Сила Воли?</a:t>
             </a:r>
             <a:endParaRPr lang="en-US" dirty="0"/>
           </a:p>
@@ -20560,7 +21534,7 @@
           <p:cNvPr id="3" name="Content Placeholder 2">
             <a:extLst>
               <a:ext uri="{FF2B5EF4-FFF2-40B4-BE49-F238E27FC236}">
-                <a16:creationId xmlns:a16="http://schemas.microsoft.com/office/drawing/2014/main" id="{7C9BA842-1486-423C-8A3F-68772024B330}"/>
+                <a16:creationId xmlns:a16="http://schemas.microsoft.com/office/drawing/2014/main" id="{02CC965B-C8A8-4ED3-B854-FC6458FCD272}"/>
               </a:ext>
             </a:extLst>
           </p:cNvPr>
@@ -20573,44 +21547,102 @@
         </p:nvSpPr>
         <p:spPr/>
         <p:txBody>
-          <a:bodyPr/>
+          <a:bodyPr>
+            <a:normAutofit/>
+          </a:bodyPr>
           <a:lstStyle/>
           <a:p>
-            <a:r>
-              <a:rPr lang="ru-RU" dirty="0"/>
-              <a:t>Стволовые структуры (ретикулярная формация)</a:t>
-            </a:r>
-            <a:r>
-              <a:rPr lang="en-US" dirty="0"/>
-              <a:t>.</a:t>
-            </a:r>
-          </a:p>
-          <a:p>
-            <a:r>
-              <a:rPr lang="ru-RU" dirty="0"/>
-              <a:t>Подкорковые структуры (определяет направленость психической энергии)</a:t>
-            </a:r>
-            <a:r>
-              <a:rPr lang="en-US" dirty="0"/>
-              <a:t>.</a:t>
-            </a:r>
-          </a:p>
-          <a:p>
-            <a:r>
-              <a:rPr lang="ru-RU" dirty="0"/>
-              <a:t>Корковые структуры (информация которую мы скопили)</a:t>
-            </a:r>
-            <a:r>
-              <a:rPr lang="en-US" dirty="0"/>
-              <a:t>.</a:t>
-            </a:r>
+            <a:pPr marL="0" marR="0">
+              <a:spcBef>
+                <a:spcPts val="0"/>
+              </a:spcBef>
+              <a:spcAft>
+                <a:spcPts val="0"/>
+              </a:spcAft>
+            </a:pPr>
+            <a:r>
+              <a:rPr lang="ru-RU" sz="1800" dirty="0">
+                <a:effectLst/>
+                <a:latin typeface="Century Gothic (Body)"/>
+              </a:rPr>
+              <a:t>Иррациональное и Рациональное</a:t>
+            </a:r>
+          </a:p>
+          <a:p>
+            <a:r>
+              <a:rPr lang="ru-RU" sz="1800" dirty="0">
+                <a:effectLst/>
+                <a:latin typeface="Century Gothic (Body)"/>
+              </a:rPr>
+              <a:t>Ид и Эго</a:t>
+            </a:r>
+          </a:p>
+          <a:p>
+            <a:r>
+              <a:rPr lang="ru-RU" sz="1800" dirty="0">
+                <a:effectLst/>
+                <a:latin typeface="Century Gothic (Body)"/>
+              </a:rPr>
+              <a:t>Система 1 и Система 2</a:t>
+            </a:r>
+          </a:p>
+          <a:p>
+            <a:r>
+              <a:rPr lang="ru-RU" sz="1800" dirty="0">
+                <a:effectLst/>
+                <a:latin typeface="Century Gothic (Body)"/>
+              </a:rPr>
+              <a:t>Обезьянка и Рациональный тип</a:t>
+            </a:r>
+          </a:p>
+          <a:p>
+            <a:r>
+              <a:rPr lang="ru-RU" sz="1800" dirty="0">
+                <a:effectLst/>
+                <a:latin typeface="Century Gothic (Body)"/>
+              </a:rPr>
+              <a:t>Пассажир и Машинист</a:t>
+            </a:r>
+          </a:p>
+          <a:p>
+            <a:r>
+              <a:rPr lang="ru-RU" sz="1800" dirty="0">
+                <a:effectLst/>
+                <a:latin typeface="Century Gothic (Body)"/>
+              </a:rPr>
+              <a:t>Сердце и Ум</a:t>
+            </a:r>
+          </a:p>
+          <a:p>
+            <a:r>
+              <a:rPr lang="ru-RU" sz="1800" dirty="0">
+                <a:effectLst/>
+                <a:latin typeface="Century Gothic (Body)"/>
+              </a:rPr>
+              <a:t>Эмоции и Рацио</a:t>
+            </a:r>
+            <a:endParaRPr lang="en-US" dirty="0">
+              <a:latin typeface="Century Gothic (Body)"/>
+            </a:endParaRPr>
+          </a:p>
+          <a:p>
+            <a:endParaRPr lang="ru-RU" sz="1800" dirty="0">
+              <a:effectLst/>
+              <a:latin typeface="Century Gothic (Body)"/>
+            </a:endParaRPr>
+          </a:p>
+          <a:p>
+            <a:endParaRPr lang="ru-RU" sz="1800" dirty="0">
+              <a:effectLst/>
+              <a:latin typeface="Century Gothic (Body)"/>
+            </a:endParaRPr>
           </a:p>
         </p:txBody>
       </p:sp>
     </p:spTree>
     <p:extLst>
       <p:ext uri="{BB962C8B-B14F-4D97-AF65-F5344CB8AC3E}">
-        <p14:creationId xmlns:p14="http://schemas.microsoft.com/office/powerpoint/2010/main" val="4240167483"/>
+        <p14:creationId xmlns:p14="http://schemas.microsoft.com/office/powerpoint/2010/main" val="4194845407"/>
       </p:ext>
     </p:extLst>
   </p:cSld>

--- a/softskills/willpower/willpower.pptx
+++ b/softskills/willpower/willpower.pptx
@@ -4,80 +4,85 @@
   <p:sldMasterIdLst>
     <p:sldMasterId id="2147483648" r:id="rId1"/>
   </p:sldMasterIdLst>
+  <p:notesMasterIdLst>
+    <p:notesMasterId r:id="rId77"/>
+  </p:notesMasterIdLst>
   <p:sldIdLst>
     <p:sldId id="256" r:id="rId2"/>
     <p:sldId id="322" r:id="rId3"/>
-    <p:sldId id="329" r:id="rId4"/>
-    <p:sldId id="323" r:id="rId5"/>
-    <p:sldId id="324" r:id="rId6"/>
-    <p:sldId id="325" r:id="rId7"/>
-    <p:sldId id="326" r:id="rId8"/>
-    <p:sldId id="327" r:id="rId9"/>
-    <p:sldId id="328" r:id="rId10"/>
-    <p:sldId id="308" r:id="rId11"/>
-    <p:sldId id="331" r:id="rId12"/>
-    <p:sldId id="286" r:id="rId13"/>
-    <p:sldId id="330" r:id="rId14"/>
-    <p:sldId id="257" r:id="rId15"/>
-    <p:sldId id="309" r:id="rId16"/>
-    <p:sldId id="310" r:id="rId17"/>
-    <p:sldId id="302" r:id="rId18"/>
-    <p:sldId id="311" r:id="rId19"/>
-    <p:sldId id="258" r:id="rId20"/>
-    <p:sldId id="303" r:id="rId21"/>
-    <p:sldId id="307" r:id="rId22"/>
-    <p:sldId id="259" r:id="rId23"/>
-    <p:sldId id="269" r:id="rId24"/>
-    <p:sldId id="260" r:id="rId25"/>
-    <p:sldId id="261" r:id="rId26"/>
-    <p:sldId id="262" r:id="rId27"/>
-    <p:sldId id="263" r:id="rId28"/>
-    <p:sldId id="264" r:id="rId29"/>
-    <p:sldId id="270" r:id="rId30"/>
-    <p:sldId id="317" r:id="rId31"/>
-    <p:sldId id="265" r:id="rId32"/>
-    <p:sldId id="321" r:id="rId33"/>
-    <p:sldId id="266" r:id="rId34"/>
-    <p:sldId id="267" r:id="rId35"/>
-    <p:sldId id="313" r:id="rId36"/>
-    <p:sldId id="314" r:id="rId37"/>
-    <p:sldId id="315" r:id="rId38"/>
-    <p:sldId id="316" r:id="rId39"/>
-    <p:sldId id="318" r:id="rId40"/>
-    <p:sldId id="287" r:id="rId41"/>
-    <p:sldId id="288" r:id="rId42"/>
-    <p:sldId id="289" r:id="rId43"/>
-    <p:sldId id="268" r:id="rId44"/>
-    <p:sldId id="298" r:id="rId45"/>
-    <p:sldId id="299" r:id="rId46"/>
-    <p:sldId id="301" r:id="rId47"/>
-    <p:sldId id="319" r:id="rId48"/>
-    <p:sldId id="290" r:id="rId49"/>
-    <p:sldId id="320" r:id="rId50"/>
-    <p:sldId id="294" r:id="rId51"/>
-    <p:sldId id="291" r:id="rId52"/>
-    <p:sldId id="292" r:id="rId53"/>
-    <p:sldId id="293" r:id="rId54"/>
-    <p:sldId id="271" r:id="rId55"/>
-    <p:sldId id="272" r:id="rId56"/>
-    <p:sldId id="297" r:id="rId57"/>
-    <p:sldId id="274" r:id="rId58"/>
-    <p:sldId id="275" r:id="rId59"/>
-    <p:sldId id="300" r:id="rId60"/>
-    <p:sldId id="304" r:id="rId61"/>
-    <p:sldId id="276" r:id="rId62"/>
-    <p:sldId id="277" r:id="rId63"/>
-    <p:sldId id="306" r:id="rId64"/>
-    <p:sldId id="305" r:id="rId65"/>
-    <p:sldId id="284" r:id="rId66"/>
-    <p:sldId id="278" r:id="rId67"/>
-    <p:sldId id="279" r:id="rId68"/>
-    <p:sldId id="280" r:id="rId69"/>
-    <p:sldId id="281" r:id="rId70"/>
-    <p:sldId id="282" r:id="rId71"/>
-    <p:sldId id="283" r:id="rId72"/>
-    <p:sldId id="296" r:id="rId73"/>
-    <p:sldId id="285" r:id="rId74"/>
+    <p:sldId id="332" r:id="rId4"/>
+    <p:sldId id="329" r:id="rId5"/>
+    <p:sldId id="323" r:id="rId6"/>
+    <p:sldId id="324" r:id="rId7"/>
+    <p:sldId id="325" r:id="rId8"/>
+    <p:sldId id="326" r:id="rId9"/>
+    <p:sldId id="327" r:id="rId10"/>
+    <p:sldId id="328" r:id="rId11"/>
+    <p:sldId id="286" r:id="rId12"/>
+    <p:sldId id="330" r:id="rId13"/>
+    <p:sldId id="257" r:id="rId14"/>
+    <p:sldId id="333" r:id="rId15"/>
+    <p:sldId id="334" r:id="rId16"/>
+    <p:sldId id="335" r:id="rId17"/>
+    <p:sldId id="336" r:id="rId18"/>
+    <p:sldId id="302" r:id="rId19"/>
+    <p:sldId id="311" r:id="rId20"/>
+    <p:sldId id="258" r:id="rId21"/>
+    <p:sldId id="303" r:id="rId22"/>
+    <p:sldId id="307" r:id="rId23"/>
+    <p:sldId id="259" r:id="rId24"/>
+    <p:sldId id="269" r:id="rId25"/>
+    <p:sldId id="260" r:id="rId26"/>
+    <p:sldId id="261" r:id="rId27"/>
+    <p:sldId id="262" r:id="rId28"/>
+    <p:sldId id="263" r:id="rId29"/>
+    <p:sldId id="338" r:id="rId30"/>
+    <p:sldId id="339" r:id="rId31"/>
+    <p:sldId id="340" r:id="rId32"/>
+    <p:sldId id="341" r:id="rId33"/>
+    <p:sldId id="342" r:id="rId34"/>
+    <p:sldId id="337" r:id="rId35"/>
+    <p:sldId id="264" r:id="rId36"/>
+    <p:sldId id="270" r:id="rId37"/>
+    <p:sldId id="317" r:id="rId38"/>
+    <p:sldId id="321" r:id="rId39"/>
+    <p:sldId id="266" r:id="rId40"/>
+    <p:sldId id="267" r:id="rId41"/>
+    <p:sldId id="318" r:id="rId42"/>
+    <p:sldId id="287" r:id="rId43"/>
+    <p:sldId id="288" r:id="rId44"/>
+    <p:sldId id="289" r:id="rId45"/>
+    <p:sldId id="268" r:id="rId46"/>
+    <p:sldId id="298" r:id="rId47"/>
+    <p:sldId id="299" r:id="rId48"/>
+    <p:sldId id="301" r:id="rId49"/>
+    <p:sldId id="319" r:id="rId50"/>
+    <p:sldId id="290" r:id="rId51"/>
+    <p:sldId id="320" r:id="rId52"/>
+    <p:sldId id="294" r:id="rId53"/>
+    <p:sldId id="291" r:id="rId54"/>
+    <p:sldId id="292" r:id="rId55"/>
+    <p:sldId id="293" r:id="rId56"/>
+    <p:sldId id="271" r:id="rId57"/>
+    <p:sldId id="272" r:id="rId58"/>
+    <p:sldId id="297" r:id="rId59"/>
+    <p:sldId id="274" r:id="rId60"/>
+    <p:sldId id="275" r:id="rId61"/>
+    <p:sldId id="300" r:id="rId62"/>
+    <p:sldId id="304" r:id="rId63"/>
+    <p:sldId id="276" r:id="rId64"/>
+    <p:sldId id="277" r:id="rId65"/>
+    <p:sldId id="306" r:id="rId66"/>
+    <p:sldId id="305" r:id="rId67"/>
+    <p:sldId id="284" r:id="rId68"/>
+    <p:sldId id="278" r:id="rId69"/>
+    <p:sldId id="279" r:id="rId70"/>
+    <p:sldId id="280" r:id="rId71"/>
+    <p:sldId id="281" r:id="rId72"/>
+    <p:sldId id="282" r:id="rId73"/>
+    <p:sldId id="283" r:id="rId74"/>
+    <p:sldId id="296" r:id="rId75"/>
+    <p:sldId id="285" r:id="rId76"/>
   </p:sldIdLst>
   <p:sldSz cx="12192000" cy="6858000"/>
   <p:notesSz cx="6858000" cy="9144000"/>
@@ -182,6 +187,5063 @@
     </p:ext>
   </p:extLst>
 </p:presentation>
+</file>
+
+<file path=ppt/notesMasters/notesMaster1.xml><?xml version="1.0" encoding="utf-8"?>
+<p:notesMaster xmlns:a="http://schemas.openxmlformats.org/drawingml/2006/main" xmlns:r="http://schemas.openxmlformats.org/officeDocument/2006/relationships" xmlns:p="http://schemas.openxmlformats.org/presentationml/2006/main">
+  <p:cSld>
+    <p:bg>
+      <p:bgRef idx="1001">
+        <a:schemeClr val="bg1"/>
+      </p:bgRef>
+    </p:bg>
+    <p:spTree>
+      <p:nvGrpSpPr>
+        <p:cNvPr id="1" name=""/>
+        <p:cNvGrpSpPr/>
+        <p:nvPr/>
+      </p:nvGrpSpPr>
+      <p:grpSpPr>
+        <a:xfrm>
+          <a:off x="0" y="0"/>
+          <a:ext cx="0" cy="0"/>
+          <a:chOff x="0" y="0"/>
+          <a:chExt cx="0" cy="0"/>
+        </a:xfrm>
+      </p:grpSpPr>
+      <p:sp>
+        <p:nvSpPr>
+          <p:cNvPr id="2" name="Header Placeholder 1"/>
+          <p:cNvSpPr>
+            <a:spLocks noGrp="1"/>
+          </p:cNvSpPr>
+          <p:nvPr>
+            <p:ph type="hdr" sz="quarter"/>
+          </p:nvPr>
+        </p:nvSpPr>
+        <p:spPr>
+          <a:xfrm>
+            <a:off x="0" y="0"/>
+            <a:ext cx="2971800" cy="458788"/>
+          </a:xfrm>
+          <a:prstGeom prst="rect">
+            <a:avLst/>
+          </a:prstGeom>
+        </p:spPr>
+        <p:txBody>
+          <a:bodyPr vert="horz" lIns="91440" tIns="45720" rIns="91440" bIns="45720" rtlCol="0"/>
+          <a:lstStyle>
+            <a:lvl1pPr algn="l">
+              <a:defRPr sz="1200"/>
+            </a:lvl1pPr>
+          </a:lstStyle>
+          <a:p>
+            <a:endParaRPr lang="en-US"/>
+          </a:p>
+        </p:txBody>
+      </p:sp>
+      <p:sp>
+        <p:nvSpPr>
+          <p:cNvPr id="3" name="Date Placeholder 2"/>
+          <p:cNvSpPr>
+            <a:spLocks noGrp="1"/>
+          </p:cNvSpPr>
+          <p:nvPr>
+            <p:ph type="dt" idx="1"/>
+          </p:nvPr>
+        </p:nvSpPr>
+        <p:spPr>
+          <a:xfrm>
+            <a:off x="3884613" y="0"/>
+            <a:ext cx="2971800" cy="458788"/>
+          </a:xfrm>
+          <a:prstGeom prst="rect">
+            <a:avLst/>
+          </a:prstGeom>
+        </p:spPr>
+        <p:txBody>
+          <a:bodyPr vert="horz" lIns="91440" tIns="45720" rIns="91440" bIns="45720" rtlCol="0"/>
+          <a:lstStyle>
+            <a:lvl1pPr algn="r">
+              <a:defRPr sz="1200"/>
+            </a:lvl1pPr>
+          </a:lstStyle>
+          <a:p>
+            <a:fld id="{F1E91201-0078-4A3F-BC02-68DABEF5C8BB}" type="datetimeFigureOut">
+              <a:rPr lang="en-US" smtClean="0"/>
+              <a:t>1/29/2021</a:t>
+            </a:fld>
+            <a:endParaRPr lang="en-US"/>
+          </a:p>
+        </p:txBody>
+      </p:sp>
+      <p:sp>
+        <p:nvSpPr>
+          <p:cNvPr id="4" name="Slide Image Placeholder 3"/>
+          <p:cNvSpPr>
+            <a:spLocks noGrp="1" noRot="1" noChangeAspect="1"/>
+          </p:cNvSpPr>
+          <p:nvPr>
+            <p:ph type="sldImg" idx="2"/>
+          </p:nvPr>
+        </p:nvSpPr>
+        <p:spPr>
+          <a:xfrm>
+            <a:off x="685800" y="1143000"/>
+            <a:ext cx="5486400" cy="3086100"/>
+          </a:xfrm>
+          <a:prstGeom prst="rect">
+            <a:avLst/>
+          </a:prstGeom>
+          <a:noFill/>
+          <a:ln w="12700">
+            <a:solidFill>
+              <a:prstClr val="black"/>
+            </a:solidFill>
+          </a:ln>
+        </p:spPr>
+        <p:txBody>
+          <a:bodyPr vert="horz" lIns="91440" tIns="45720" rIns="91440" bIns="45720" rtlCol="0" anchor="ctr"/>
+          <a:lstStyle/>
+          <a:p>
+            <a:endParaRPr lang="en-US"/>
+          </a:p>
+        </p:txBody>
+      </p:sp>
+      <p:sp>
+        <p:nvSpPr>
+          <p:cNvPr id="5" name="Notes Placeholder 4"/>
+          <p:cNvSpPr>
+            <a:spLocks noGrp="1"/>
+          </p:cNvSpPr>
+          <p:nvPr>
+            <p:ph type="body" sz="quarter" idx="3"/>
+          </p:nvPr>
+        </p:nvSpPr>
+        <p:spPr>
+          <a:xfrm>
+            <a:off x="685800" y="4400550"/>
+            <a:ext cx="5486400" cy="3600450"/>
+          </a:xfrm>
+          <a:prstGeom prst="rect">
+            <a:avLst/>
+          </a:prstGeom>
+        </p:spPr>
+        <p:txBody>
+          <a:bodyPr vert="horz" lIns="91440" tIns="45720" rIns="91440" bIns="45720" rtlCol="0"/>
+          <a:lstStyle/>
+          <a:p>
+            <a:pPr lvl="0"/>
+            <a:r>
+              <a:rPr lang="en-US"/>
+              <a:t>Click to edit Master text styles</a:t>
+            </a:r>
+          </a:p>
+          <a:p>
+            <a:pPr lvl="1"/>
+            <a:r>
+              <a:rPr lang="en-US"/>
+              <a:t>Second level</a:t>
+            </a:r>
+          </a:p>
+          <a:p>
+            <a:pPr lvl="2"/>
+            <a:r>
+              <a:rPr lang="en-US"/>
+              <a:t>Third level</a:t>
+            </a:r>
+          </a:p>
+          <a:p>
+            <a:pPr lvl="3"/>
+            <a:r>
+              <a:rPr lang="en-US"/>
+              <a:t>Fourth level</a:t>
+            </a:r>
+          </a:p>
+          <a:p>
+            <a:pPr lvl="4"/>
+            <a:r>
+              <a:rPr lang="en-US"/>
+              <a:t>Fifth level</a:t>
+            </a:r>
+          </a:p>
+        </p:txBody>
+      </p:sp>
+      <p:sp>
+        <p:nvSpPr>
+          <p:cNvPr id="6" name="Footer Placeholder 5"/>
+          <p:cNvSpPr>
+            <a:spLocks noGrp="1"/>
+          </p:cNvSpPr>
+          <p:nvPr>
+            <p:ph type="ftr" sz="quarter" idx="4"/>
+          </p:nvPr>
+        </p:nvSpPr>
+        <p:spPr>
+          <a:xfrm>
+            <a:off x="0" y="8685213"/>
+            <a:ext cx="2971800" cy="458787"/>
+          </a:xfrm>
+          <a:prstGeom prst="rect">
+            <a:avLst/>
+          </a:prstGeom>
+        </p:spPr>
+        <p:txBody>
+          <a:bodyPr vert="horz" lIns="91440" tIns="45720" rIns="91440" bIns="45720" rtlCol="0" anchor="b"/>
+          <a:lstStyle>
+            <a:lvl1pPr algn="l">
+              <a:defRPr sz="1200"/>
+            </a:lvl1pPr>
+          </a:lstStyle>
+          <a:p>
+            <a:endParaRPr lang="en-US"/>
+          </a:p>
+        </p:txBody>
+      </p:sp>
+      <p:sp>
+        <p:nvSpPr>
+          <p:cNvPr id="7" name="Slide Number Placeholder 6"/>
+          <p:cNvSpPr>
+            <a:spLocks noGrp="1"/>
+          </p:cNvSpPr>
+          <p:nvPr>
+            <p:ph type="sldNum" sz="quarter" idx="5"/>
+          </p:nvPr>
+        </p:nvSpPr>
+        <p:spPr>
+          <a:xfrm>
+            <a:off x="3884613" y="8685213"/>
+            <a:ext cx="2971800" cy="458787"/>
+          </a:xfrm>
+          <a:prstGeom prst="rect">
+            <a:avLst/>
+          </a:prstGeom>
+        </p:spPr>
+        <p:txBody>
+          <a:bodyPr vert="horz" lIns="91440" tIns="45720" rIns="91440" bIns="45720" rtlCol="0" anchor="b"/>
+          <a:lstStyle>
+            <a:lvl1pPr algn="r">
+              <a:defRPr sz="1200"/>
+            </a:lvl1pPr>
+          </a:lstStyle>
+          <a:p>
+            <a:fld id="{EF83ECF8-EBB3-462A-BC97-8AC574C482EA}" type="slidenum">
+              <a:rPr lang="en-US" smtClean="0"/>
+              <a:t>‹#›</a:t>
+            </a:fld>
+            <a:endParaRPr lang="en-US"/>
+          </a:p>
+        </p:txBody>
+      </p:sp>
+    </p:spTree>
+    <p:extLst>
+      <p:ext uri="{BB962C8B-B14F-4D97-AF65-F5344CB8AC3E}">
+        <p14:creationId xmlns:p14="http://schemas.microsoft.com/office/powerpoint/2010/main" val="2074154206"/>
+      </p:ext>
+    </p:extLst>
+  </p:cSld>
+  <p:clrMap bg1="lt1" tx1="dk1" bg2="lt2" tx2="dk2" accent1="accent1" accent2="accent2" accent3="accent3" accent4="accent4" accent5="accent5" accent6="accent6" hlink="hlink" folHlink="folHlink"/>
+  <p:notesStyle>
+    <a:lvl1pPr marL="0" algn="l" defTabSz="914400" rtl="0" eaLnBrk="1" latinLnBrk="0" hangingPunct="1">
+      <a:defRPr sz="1200" kern="1200">
+        <a:solidFill>
+          <a:schemeClr val="tx1"/>
+        </a:solidFill>
+        <a:latin typeface="+mn-lt"/>
+        <a:ea typeface="+mn-ea"/>
+        <a:cs typeface="+mn-cs"/>
+      </a:defRPr>
+    </a:lvl1pPr>
+    <a:lvl2pPr marL="457200" algn="l" defTabSz="914400" rtl="0" eaLnBrk="1" latinLnBrk="0" hangingPunct="1">
+      <a:defRPr sz="1200" kern="1200">
+        <a:solidFill>
+          <a:schemeClr val="tx1"/>
+        </a:solidFill>
+        <a:latin typeface="+mn-lt"/>
+        <a:ea typeface="+mn-ea"/>
+        <a:cs typeface="+mn-cs"/>
+      </a:defRPr>
+    </a:lvl2pPr>
+    <a:lvl3pPr marL="914400" algn="l" defTabSz="914400" rtl="0" eaLnBrk="1" latinLnBrk="0" hangingPunct="1">
+      <a:defRPr sz="1200" kern="1200">
+        <a:solidFill>
+          <a:schemeClr val="tx1"/>
+        </a:solidFill>
+        <a:latin typeface="+mn-lt"/>
+        <a:ea typeface="+mn-ea"/>
+        <a:cs typeface="+mn-cs"/>
+      </a:defRPr>
+    </a:lvl3pPr>
+    <a:lvl4pPr marL="1371600" algn="l" defTabSz="914400" rtl="0" eaLnBrk="1" latinLnBrk="0" hangingPunct="1">
+      <a:defRPr sz="1200" kern="1200">
+        <a:solidFill>
+          <a:schemeClr val="tx1"/>
+        </a:solidFill>
+        <a:latin typeface="+mn-lt"/>
+        <a:ea typeface="+mn-ea"/>
+        <a:cs typeface="+mn-cs"/>
+      </a:defRPr>
+    </a:lvl4pPr>
+    <a:lvl5pPr marL="1828800" algn="l" defTabSz="914400" rtl="0" eaLnBrk="1" latinLnBrk="0" hangingPunct="1">
+      <a:defRPr sz="1200" kern="1200">
+        <a:solidFill>
+          <a:schemeClr val="tx1"/>
+        </a:solidFill>
+        <a:latin typeface="+mn-lt"/>
+        <a:ea typeface="+mn-ea"/>
+        <a:cs typeface="+mn-cs"/>
+      </a:defRPr>
+    </a:lvl5pPr>
+    <a:lvl6pPr marL="2286000" algn="l" defTabSz="914400" rtl="0" eaLnBrk="1" latinLnBrk="0" hangingPunct="1">
+      <a:defRPr sz="1200" kern="1200">
+        <a:solidFill>
+          <a:schemeClr val="tx1"/>
+        </a:solidFill>
+        <a:latin typeface="+mn-lt"/>
+        <a:ea typeface="+mn-ea"/>
+        <a:cs typeface="+mn-cs"/>
+      </a:defRPr>
+    </a:lvl6pPr>
+    <a:lvl7pPr marL="2743200" algn="l" defTabSz="914400" rtl="0" eaLnBrk="1" latinLnBrk="0" hangingPunct="1">
+      <a:defRPr sz="1200" kern="1200">
+        <a:solidFill>
+          <a:schemeClr val="tx1"/>
+        </a:solidFill>
+        <a:latin typeface="+mn-lt"/>
+        <a:ea typeface="+mn-ea"/>
+        <a:cs typeface="+mn-cs"/>
+      </a:defRPr>
+    </a:lvl7pPr>
+    <a:lvl8pPr marL="3200400" algn="l" defTabSz="914400" rtl="0" eaLnBrk="1" latinLnBrk="0" hangingPunct="1">
+      <a:defRPr sz="1200" kern="1200">
+        <a:solidFill>
+          <a:schemeClr val="tx1"/>
+        </a:solidFill>
+        <a:latin typeface="+mn-lt"/>
+        <a:ea typeface="+mn-ea"/>
+        <a:cs typeface="+mn-cs"/>
+      </a:defRPr>
+    </a:lvl8pPr>
+    <a:lvl9pPr marL="3657600" algn="l" defTabSz="914400" rtl="0" eaLnBrk="1" latinLnBrk="0" hangingPunct="1">
+      <a:defRPr sz="1200" kern="1200">
+        <a:solidFill>
+          <a:schemeClr val="tx1"/>
+        </a:solidFill>
+        <a:latin typeface="+mn-lt"/>
+        <a:ea typeface="+mn-ea"/>
+        <a:cs typeface="+mn-cs"/>
+      </a:defRPr>
+    </a:lvl9pPr>
+  </p:notesStyle>
+</p:notesMaster>
+</file>
+
+<file path=ppt/notesSlides/notesSlide1.xml><?xml version="1.0" encoding="utf-8"?>
+<p:notes xmlns:a="http://schemas.openxmlformats.org/drawingml/2006/main" xmlns:r="http://schemas.openxmlformats.org/officeDocument/2006/relationships" xmlns:p="http://schemas.openxmlformats.org/presentationml/2006/main">
+  <p:cSld>
+    <p:spTree>
+      <p:nvGrpSpPr>
+        <p:cNvPr id="1" name=""/>
+        <p:cNvGrpSpPr/>
+        <p:nvPr/>
+      </p:nvGrpSpPr>
+      <p:grpSpPr>
+        <a:xfrm>
+          <a:off x="0" y="0"/>
+          <a:ext cx="0" cy="0"/>
+          <a:chOff x="0" y="0"/>
+          <a:chExt cx="0" cy="0"/>
+        </a:xfrm>
+      </p:grpSpPr>
+      <p:sp>
+        <p:nvSpPr>
+          <p:cNvPr id="2" name="Slide Image Placeholder 1"/>
+          <p:cNvSpPr>
+            <a:spLocks noGrp="1" noRot="1" noChangeAspect="1"/>
+          </p:cNvSpPr>
+          <p:nvPr>
+            <p:ph type="sldImg"/>
+          </p:nvPr>
+        </p:nvSpPr>
+        <p:spPr/>
+      </p:sp>
+      <p:sp>
+        <p:nvSpPr>
+          <p:cNvPr id="3" name="Notes Placeholder 2"/>
+          <p:cNvSpPr>
+            <a:spLocks noGrp="1"/>
+          </p:cNvSpPr>
+          <p:nvPr>
+            <p:ph type="body" idx="1"/>
+          </p:nvPr>
+        </p:nvSpPr>
+        <p:spPr/>
+        <p:txBody>
+          <a:bodyPr/>
+          <a:lstStyle/>
+          <a:p>
+            <a:endParaRPr lang="en-US" dirty="0"/>
+          </a:p>
+        </p:txBody>
+      </p:sp>
+      <p:sp>
+        <p:nvSpPr>
+          <p:cNvPr id="4" name="Slide Number Placeholder 3"/>
+          <p:cNvSpPr>
+            <a:spLocks noGrp="1"/>
+          </p:cNvSpPr>
+          <p:nvPr>
+            <p:ph type="sldNum" sz="quarter" idx="5"/>
+          </p:nvPr>
+        </p:nvSpPr>
+        <p:spPr/>
+        <p:txBody>
+          <a:bodyPr/>
+          <a:lstStyle/>
+          <a:p>
+            <a:fld id="{EF83ECF8-EBB3-462A-BC97-8AC574C482EA}" type="slidenum">
+              <a:rPr lang="en-US" smtClean="0"/>
+              <a:t>2</a:t>
+            </a:fld>
+            <a:endParaRPr lang="en-US"/>
+          </a:p>
+        </p:txBody>
+      </p:sp>
+    </p:spTree>
+    <p:extLst>
+      <p:ext uri="{BB962C8B-B14F-4D97-AF65-F5344CB8AC3E}">
+        <p14:creationId xmlns:p14="http://schemas.microsoft.com/office/powerpoint/2010/main" val="826780190"/>
+      </p:ext>
+    </p:extLst>
+  </p:cSld>
+  <p:clrMapOvr>
+    <a:masterClrMapping/>
+  </p:clrMapOvr>
+</p:notes>
+</file>
+
+<file path=ppt/notesSlides/notesSlide10.xml><?xml version="1.0" encoding="utf-8"?>
+<p:notes xmlns:a="http://schemas.openxmlformats.org/drawingml/2006/main" xmlns:r="http://schemas.openxmlformats.org/officeDocument/2006/relationships" xmlns:p="http://schemas.openxmlformats.org/presentationml/2006/main">
+  <p:cSld>
+    <p:spTree>
+      <p:nvGrpSpPr>
+        <p:cNvPr id="1" name=""/>
+        <p:cNvGrpSpPr/>
+        <p:nvPr/>
+      </p:nvGrpSpPr>
+      <p:grpSpPr>
+        <a:xfrm>
+          <a:off x="0" y="0"/>
+          <a:ext cx="0" cy="0"/>
+          <a:chOff x="0" y="0"/>
+          <a:chExt cx="0" cy="0"/>
+        </a:xfrm>
+      </p:grpSpPr>
+      <p:sp>
+        <p:nvSpPr>
+          <p:cNvPr id="2" name="Slide Image Placeholder 1"/>
+          <p:cNvSpPr>
+            <a:spLocks noGrp="1" noRot="1" noChangeAspect="1"/>
+          </p:cNvSpPr>
+          <p:nvPr>
+            <p:ph type="sldImg"/>
+          </p:nvPr>
+        </p:nvSpPr>
+        <p:spPr/>
+      </p:sp>
+      <p:sp>
+        <p:nvSpPr>
+          <p:cNvPr id="3" name="Notes Placeholder 2"/>
+          <p:cNvSpPr>
+            <a:spLocks noGrp="1"/>
+          </p:cNvSpPr>
+          <p:nvPr>
+            <p:ph type="body" idx="1"/>
+          </p:nvPr>
+        </p:nvSpPr>
+        <p:spPr/>
+        <p:txBody>
+          <a:bodyPr/>
+          <a:lstStyle/>
+          <a:p>
+            <a:r>
+              <a:rPr lang="ru-RU" dirty="0"/>
+              <a:t>Мозг рептилии.</a:t>
+            </a:r>
+            <a:endParaRPr lang="en-US" dirty="0"/>
+          </a:p>
+        </p:txBody>
+      </p:sp>
+      <p:sp>
+        <p:nvSpPr>
+          <p:cNvPr id="4" name="Slide Number Placeholder 3"/>
+          <p:cNvSpPr>
+            <a:spLocks noGrp="1"/>
+          </p:cNvSpPr>
+          <p:nvPr>
+            <p:ph type="sldNum" sz="quarter" idx="5"/>
+          </p:nvPr>
+        </p:nvSpPr>
+        <p:spPr/>
+        <p:txBody>
+          <a:bodyPr/>
+          <a:lstStyle/>
+          <a:p>
+            <a:fld id="{EF83ECF8-EBB3-462A-BC97-8AC574C482EA}" type="slidenum">
+              <a:rPr lang="en-US" smtClean="0"/>
+              <a:t>19</a:t>
+            </a:fld>
+            <a:endParaRPr lang="en-US"/>
+          </a:p>
+        </p:txBody>
+      </p:sp>
+    </p:spTree>
+    <p:extLst>
+      <p:ext uri="{BB962C8B-B14F-4D97-AF65-F5344CB8AC3E}">
+        <p14:creationId xmlns:p14="http://schemas.microsoft.com/office/powerpoint/2010/main" val="1617918235"/>
+      </p:ext>
+    </p:extLst>
+  </p:cSld>
+  <p:clrMapOvr>
+    <a:masterClrMapping/>
+  </p:clrMapOvr>
+</p:notes>
+</file>
+
+<file path=ppt/notesSlides/notesSlide11.xml><?xml version="1.0" encoding="utf-8"?>
+<p:notes xmlns:a="http://schemas.openxmlformats.org/drawingml/2006/main" xmlns:r="http://schemas.openxmlformats.org/officeDocument/2006/relationships" xmlns:p="http://schemas.openxmlformats.org/presentationml/2006/main">
+  <p:cSld>
+    <p:spTree>
+      <p:nvGrpSpPr>
+        <p:cNvPr id="1" name=""/>
+        <p:cNvGrpSpPr/>
+        <p:nvPr/>
+      </p:nvGrpSpPr>
+      <p:grpSpPr>
+        <a:xfrm>
+          <a:off x="0" y="0"/>
+          <a:ext cx="0" cy="0"/>
+          <a:chOff x="0" y="0"/>
+          <a:chExt cx="0" cy="0"/>
+        </a:xfrm>
+      </p:grpSpPr>
+      <p:sp>
+        <p:nvSpPr>
+          <p:cNvPr id="2" name="Slide Image Placeholder 1"/>
+          <p:cNvSpPr>
+            <a:spLocks noGrp="1" noRot="1" noChangeAspect="1"/>
+          </p:cNvSpPr>
+          <p:nvPr>
+            <p:ph type="sldImg"/>
+          </p:nvPr>
+        </p:nvSpPr>
+        <p:spPr/>
+      </p:sp>
+      <p:sp>
+        <p:nvSpPr>
+          <p:cNvPr id="3" name="Notes Placeholder 2"/>
+          <p:cNvSpPr>
+            <a:spLocks noGrp="1"/>
+          </p:cNvSpPr>
+          <p:nvPr>
+            <p:ph type="body" idx="1"/>
+          </p:nvPr>
+        </p:nvSpPr>
+        <p:spPr/>
+        <p:txBody>
+          <a:bodyPr/>
+          <a:lstStyle/>
+          <a:p>
+            <a:r>
+              <a:rPr lang="ru-RU" dirty="0"/>
+              <a:t>Следующий уровень. Страх, возбуждение, тревога, удовольствие. Базовые потребности.</a:t>
+            </a:r>
+            <a:endParaRPr lang="en-US" dirty="0"/>
+          </a:p>
+        </p:txBody>
+      </p:sp>
+      <p:sp>
+        <p:nvSpPr>
+          <p:cNvPr id="4" name="Slide Number Placeholder 3"/>
+          <p:cNvSpPr>
+            <a:spLocks noGrp="1"/>
+          </p:cNvSpPr>
+          <p:nvPr>
+            <p:ph type="sldNum" sz="quarter" idx="5"/>
+          </p:nvPr>
+        </p:nvSpPr>
+        <p:spPr/>
+        <p:txBody>
+          <a:bodyPr/>
+          <a:lstStyle/>
+          <a:p>
+            <a:fld id="{EF83ECF8-EBB3-462A-BC97-8AC574C482EA}" type="slidenum">
+              <a:rPr lang="en-US" smtClean="0"/>
+              <a:t>20</a:t>
+            </a:fld>
+            <a:endParaRPr lang="en-US"/>
+          </a:p>
+        </p:txBody>
+      </p:sp>
+    </p:spTree>
+    <p:extLst>
+      <p:ext uri="{BB962C8B-B14F-4D97-AF65-F5344CB8AC3E}">
+        <p14:creationId xmlns:p14="http://schemas.microsoft.com/office/powerpoint/2010/main" val="2274679435"/>
+      </p:ext>
+    </p:extLst>
+  </p:cSld>
+  <p:clrMapOvr>
+    <a:masterClrMapping/>
+  </p:clrMapOvr>
+</p:notes>
+</file>
+
+<file path=ppt/notesSlides/notesSlide12.xml><?xml version="1.0" encoding="utf-8"?>
+<p:notes xmlns:a="http://schemas.openxmlformats.org/drawingml/2006/main" xmlns:r="http://schemas.openxmlformats.org/officeDocument/2006/relationships" xmlns:p="http://schemas.openxmlformats.org/presentationml/2006/main">
+  <p:cSld>
+    <p:spTree>
+      <p:nvGrpSpPr>
+        <p:cNvPr id="1" name=""/>
+        <p:cNvGrpSpPr/>
+        <p:nvPr/>
+      </p:nvGrpSpPr>
+      <p:grpSpPr>
+        <a:xfrm>
+          <a:off x="0" y="0"/>
+          <a:ext cx="0" cy="0"/>
+          <a:chOff x="0" y="0"/>
+          <a:chExt cx="0" cy="0"/>
+        </a:xfrm>
+      </p:grpSpPr>
+      <p:sp>
+        <p:nvSpPr>
+          <p:cNvPr id="2" name="Slide Image Placeholder 1"/>
+          <p:cNvSpPr>
+            <a:spLocks noGrp="1" noRot="1" noChangeAspect="1"/>
+          </p:cNvSpPr>
+          <p:nvPr>
+            <p:ph type="sldImg"/>
+          </p:nvPr>
+        </p:nvSpPr>
+        <p:spPr/>
+      </p:sp>
+      <p:sp>
+        <p:nvSpPr>
+          <p:cNvPr id="3" name="Notes Placeholder 2"/>
+          <p:cNvSpPr>
+            <a:spLocks noGrp="1"/>
+          </p:cNvSpPr>
+          <p:nvPr>
+            <p:ph type="body" idx="1"/>
+          </p:nvPr>
+        </p:nvSpPr>
+        <p:spPr/>
+        <p:txBody>
+          <a:bodyPr/>
+          <a:lstStyle/>
+          <a:p>
+            <a:r>
+              <a:rPr lang="ru-RU" dirty="0"/>
+              <a:t>Неокортекс</a:t>
+            </a:r>
+          </a:p>
+          <a:p>
+            <a:endParaRPr lang="ru-RU" dirty="0"/>
+          </a:p>
+          <a:p>
+            <a:r>
+              <a:rPr lang="ru-RU" sz="1800" dirty="0">
+                <a:effectLst/>
+                <a:latin typeface="Calibri" panose="020F0502020204030204" pitchFamily="34" charset="0"/>
+              </a:rPr>
+              <a:t>Система 1. Это такая система быстрого реагирования. Участки мозга, связанные с этой системой, находятся в лимбической системе. Страх, возбуждение, тревога, удовольствие - все это рождается там.</a:t>
+            </a:r>
+          </a:p>
+          <a:p>
+            <a:endParaRPr lang="ru-RU" sz="1800" dirty="0">
+              <a:effectLst/>
+              <a:latin typeface="Calibri" panose="020F0502020204030204" pitchFamily="34" charset="0"/>
+            </a:endParaRPr>
+          </a:p>
+          <a:p>
+            <a:pPr marL="0" marR="0">
+              <a:spcBef>
+                <a:spcPts val="0"/>
+              </a:spcBef>
+              <a:spcAft>
+                <a:spcPts val="0"/>
+              </a:spcAft>
+            </a:pPr>
+            <a:r>
+              <a:rPr lang="ru-RU" sz="1800" dirty="0">
+                <a:effectLst/>
+                <a:latin typeface="Calibri" panose="020F0502020204030204" pitchFamily="34" charset="0"/>
+              </a:rPr>
+              <a:t>Система 2 - неокортекс. К счастью, в ходе эволюции человек обзавелся приятным дополнением - неокортексом. У нашего вида эта часть мозга занимает непропорционально большую его часть.</a:t>
+            </a:r>
+          </a:p>
+          <a:p>
+            <a:pPr marL="0" marR="0">
+              <a:spcBef>
+                <a:spcPts val="0"/>
+              </a:spcBef>
+              <a:spcAft>
+                <a:spcPts val="0"/>
+              </a:spcAft>
+            </a:pPr>
+            <a:r>
+              <a:rPr lang="ru-RU" sz="1800" dirty="0">
+                <a:effectLst/>
+                <a:latin typeface="Calibri" panose="020F0502020204030204" pitchFamily="34" charset="0"/>
+              </a:rPr>
+              <a:t>В неокортексе происходит решение текущих вопросов, отсрочка удовольствия, долговременное планирвоание, регуляция эмоций, сдерживание импульсивных порывов.</a:t>
+            </a:r>
+          </a:p>
+          <a:p>
+            <a:pPr marL="0" marR="0">
+              <a:spcBef>
+                <a:spcPts val="0"/>
+              </a:spcBef>
+              <a:spcAft>
+                <a:spcPts val="0"/>
+              </a:spcAft>
+            </a:pPr>
+            <a:r>
+              <a:rPr lang="ru-RU" sz="1800" dirty="0">
+                <a:effectLst/>
+                <a:latin typeface="Calibri" panose="020F0502020204030204" pitchFamily="34" charset="0"/>
+              </a:rPr>
+              <a:t>Наиболее эволюционно молодая область мозга - передняя часть неокортекса, префронтальная кора. ПФК - это такой распорядитель, который помогает нам делать выбор: взять колу или пепси, сказать все, что думаешь или промолчать, получить сиюминутное или отложенное вознагрождение.</a:t>
+            </a:r>
+          </a:p>
+          <a:p>
+            <a:endParaRPr lang="en-US" dirty="0"/>
+          </a:p>
+        </p:txBody>
+      </p:sp>
+      <p:sp>
+        <p:nvSpPr>
+          <p:cNvPr id="4" name="Slide Number Placeholder 3"/>
+          <p:cNvSpPr>
+            <a:spLocks noGrp="1"/>
+          </p:cNvSpPr>
+          <p:nvPr>
+            <p:ph type="sldNum" sz="quarter" idx="5"/>
+          </p:nvPr>
+        </p:nvSpPr>
+        <p:spPr/>
+        <p:txBody>
+          <a:bodyPr/>
+          <a:lstStyle/>
+          <a:p>
+            <a:fld id="{EF83ECF8-EBB3-462A-BC97-8AC574C482EA}" type="slidenum">
+              <a:rPr lang="en-US" smtClean="0"/>
+              <a:t>21</a:t>
+            </a:fld>
+            <a:endParaRPr lang="en-US"/>
+          </a:p>
+        </p:txBody>
+      </p:sp>
+    </p:spTree>
+    <p:extLst>
+      <p:ext uri="{BB962C8B-B14F-4D97-AF65-F5344CB8AC3E}">
+        <p14:creationId xmlns:p14="http://schemas.microsoft.com/office/powerpoint/2010/main" val="2244826618"/>
+      </p:ext>
+    </p:extLst>
+  </p:cSld>
+  <p:clrMapOvr>
+    <a:masterClrMapping/>
+  </p:clrMapOvr>
+</p:notes>
+</file>
+
+<file path=ppt/notesSlides/notesSlide13.xml><?xml version="1.0" encoding="utf-8"?>
+<p:notes xmlns:a="http://schemas.openxmlformats.org/drawingml/2006/main" xmlns:r="http://schemas.openxmlformats.org/officeDocument/2006/relationships" xmlns:p="http://schemas.openxmlformats.org/presentationml/2006/main">
+  <p:cSld>
+    <p:spTree>
+      <p:nvGrpSpPr>
+        <p:cNvPr id="1" name=""/>
+        <p:cNvGrpSpPr/>
+        <p:nvPr/>
+      </p:nvGrpSpPr>
+      <p:grpSpPr>
+        <a:xfrm>
+          <a:off x="0" y="0"/>
+          <a:ext cx="0" cy="0"/>
+          <a:chOff x="0" y="0"/>
+          <a:chExt cx="0" cy="0"/>
+        </a:xfrm>
+      </p:grpSpPr>
+      <p:sp>
+        <p:nvSpPr>
+          <p:cNvPr id="2" name="Slide Image Placeholder 1"/>
+          <p:cNvSpPr>
+            <a:spLocks noGrp="1" noRot="1" noChangeAspect="1"/>
+          </p:cNvSpPr>
+          <p:nvPr>
+            <p:ph type="sldImg"/>
+          </p:nvPr>
+        </p:nvSpPr>
+        <p:spPr/>
+      </p:sp>
+      <p:sp>
+        <p:nvSpPr>
+          <p:cNvPr id="3" name="Notes Placeholder 2"/>
+          <p:cNvSpPr>
+            <a:spLocks noGrp="1"/>
+          </p:cNvSpPr>
+          <p:nvPr>
+            <p:ph type="body" idx="1"/>
+          </p:nvPr>
+        </p:nvSpPr>
+        <p:spPr/>
+        <p:txBody>
+          <a:bodyPr/>
+          <a:lstStyle/>
+          <a:p>
+            <a:r>
+              <a:rPr lang="ru-RU" sz="1800" dirty="0">
+                <a:effectLst/>
+                <a:latin typeface="Calibri" panose="020F0502020204030204" pitchFamily="34" charset="0"/>
+              </a:rPr>
+              <a:t>Мозг ленив. И это можно понять. Относительно небольшой размер мозг относительно тела 1.5-2% - потребляет 25-30% энергии.</a:t>
+            </a:r>
+            <a:endParaRPr lang="en-US" dirty="0"/>
+          </a:p>
+        </p:txBody>
+      </p:sp>
+      <p:sp>
+        <p:nvSpPr>
+          <p:cNvPr id="4" name="Slide Number Placeholder 3"/>
+          <p:cNvSpPr>
+            <a:spLocks noGrp="1"/>
+          </p:cNvSpPr>
+          <p:nvPr>
+            <p:ph type="sldNum" sz="quarter" idx="5"/>
+          </p:nvPr>
+        </p:nvSpPr>
+        <p:spPr/>
+        <p:txBody>
+          <a:bodyPr/>
+          <a:lstStyle/>
+          <a:p>
+            <a:fld id="{EF83ECF8-EBB3-462A-BC97-8AC574C482EA}" type="slidenum">
+              <a:rPr lang="en-US" smtClean="0"/>
+              <a:t>22</a:t>
+            </a:fld>
+            <a:endParaRPr lang="en-US"/>
+          </a:p>
+        </p:txBody>
+      </p:sp>
+    </p:spTree>
+    <p:extLst>
+      <p:ext uri="{BB962C8B-B14F-4D97-AF65-F5344CB8AC3E}">
+        <p14:creationId xmlns:p14="http://schemas.microsoft.com/office/powerpoint/2010/main" val="3694721023"/>
+      </p:ext>
+    </p:extLst>
+  </p:cSld>
+  <p:clrMapOvr>
+    <a:masterClrMapping/>
+  </p:clrMapOvr>
+</p:notes>
+</file>
+
+<file path=ppt/notesSlides/notesSlide14.xml><?xml version="1.0" encoding="utf-8"?>
+<p:notes xmlns:a="http://schemas.openxmlformats.org/drawingml/2006/main" xmlns:r="http://schemas.openxmlformats.org/officeDocument/2006/relationships" xmlns:p="http://schemas.openxmlformats.org/presentationml/2006/main">
+  <p:cSld>
+    <p:spTree>
+      <p:nvGrpSpPr>
+        <p:cNvPr id="1" name=""/>
+        <p:cNvGrpSpPr/>
+        <p:nvPr/>
+      </p:nvGrpSpPr>
+      <p:grpSpPr>
+        <a:xfrm>
+          <a:off x="0" y="0"/>
+          <a:ext cx="0" cy="0"/>
+          <a:chOff x="0" y="0"/>
+          <a:chExt cx="0" cy="0"/>
+        </a:xfrm>
+      </p:grpSpPr>
+      <p:sp>
+        <p:nvSpPr>
+          <p:cNvPr id="2" name="Slide Image Placeholder 1"/>
+          <p:cNvSpPr>
+            <a:spLocks noGrp="1" noRot="1" noChangeAspect="1"/>
+          </p:cNvSpPr>
+          <p:nvPr>
+            <p:ph type="sldImg"/>
+          </p:nvPr>
+        </p:nvSpPr>
+        <p:spPr/>
+      </p:sp>
+      <p:sp>
+        <p:nvSpPr>
+          <p:cNvPr id="3" name="Notes Placeholder 2"/>
+          <p:cNvSpPr>
+            <a:spLocks noGrp="1"/>
+          </p:cNvSpPr>
+          <p:nvPr>
+            <p:ph type="body" idx="1"/>
+          </p:nvPr>
+        </p:nvSpPr>
+        <p:spPr/>
+        <p:txBody>
+          <a:bodyPr/>
+          <a:lstStyle/>
+          <a:p>
+            <a:pPr marL="0" marR="0">
+              <a:spcBef>
+                <a:spcPts val="0"/>
+              </a:spcBef>
+              <a:spcAft>
+                <a:spcPts val="0"/>
+              </a:spcAft>
+            </a:pPr>
+            <a:r>
+              <a:rPr lang="ru-RU" sz="1800" dirty="0">
+                <a:effectLst/>
+                <a:latin typeface="Calibri" panose="020F0502020204030204" pitchFamily="34" charset="0"/>
+              </a:rPr>
+              <a:t>Книга хорошая. Разделить на 2 части. Оптимистическая. Пессимистическая. Почему так? Увидим по ходу рассмотрения книги.</a:t>
+            </a:r>
+          </a:p>
+          <a:p>
+            <a:pPr marL="0" marR="0">
+              <a:spcBef>
+                <a:spcPts val="0"/>
+              </a:spcBef>
+              <a:spcAft>
+                <a:spcPts val="0"/>
+              </a:spcAft>
+            </a:pPr>
+            <a:endParaRPr lang="ru-RU" sz="1800" dirty="0">
+              <a:effectLst/>
+              <a:latin typeface="Calibri" panose="020F0502020204030204" pitchFamily="34" charset="0"/>
+            </a:endParaRPr>
+          </a:p>
+          <a:p>
+            <a:pPr marL="0" marR="0">
+              <a:spcBef>
+                <a:spcPts val="0"/>
+              </a:spcBef>
+              <a:spcAft>
+                <a:spcPts val="0"/>
+              </a:spcAft>
+            </a:pPr>
+            <a:r>
+              <a:rPr lang="ru-RU" sz="1800" dirty="0">
+                <a:effectLst/>
+                <a:latin typeface="Calibri" panose="020F0502020204030204" pitchFamily="34" charset="0"/>
+              </a:rPr>
+              <a:t>Система самоконтроля нахлобучена на старую систему желаний и инстинктов. Эволюция сохранила нам все инстинкты, которые когда либо приносили пользу.</a:t>
+            </a:r>
+          </a:p>
+          <a:p>
+            <a:pPr marL="0" marR="0">
+              <a:spcBef>
+                <a:spcPts val="0"/>
+              </a:spcBef>
+              <a:spcAft>
+                <a:spcPts val="0"/>
+              </a:spcAft>
+            </a:pPr>
+            <a:endParaRPr lang="ru-RU" sz="1800" dirty="0">
+              <a:effectLst/>
+              <a:latin typeface="Calibri" panose="020F0502020204030204" pitchFamily="34" charset="0"/>
+            </a:endParaRPr>
+          </a:p>
+          <a:p>
+            <a:pPr marL="0" marR="0">
+              <a:spcBef>
+                <a:spcPts val="0"/>
+              </a:spcBef>
+              <a:spcAft>
+                <a:spcPts val="0"/>
+              </a:spcAft>
+            </a:pPr>
+            <a:r>
+              <a:rPr lang="ru-RU" sz="1800" dirty="0">
+                <a:effectLst/>
+                <a:latin typeface="Calibri" panose="020F0502020204030204" pitchFamily="34" charset="0"/>
+              </a:rPr>
+              <a:t>Каждое испытание силы воли — это спор между двумя сторонами личности.</a:t>
+            </a:r>
+          </a:p>
+          <a:p>
+            <a:endParaRPr lang="en-US" dirty="0"/>
+          </a:p>
+        </p:txBody>
+      </p:sp>
+      <p:sp>
+        <p:nvSpPr>
+          <p:cNvPr id="4" name="Slide Number Placeholder 3"/>
+          <p:cNvSpPr>
+            <a:spLocks noGrp="1"/>
+          </p:cNvSpPr>
+          <p:nvPr>
+            <p:ph type="sldNum" sz="quarter" idx="5"/>
+          </p:nvPr>
+        </p:nvSpPr>
+        <p:spPr/>
+        <p:txBody>
+          <a:bodyPr/>
+          <a:lstStyle/>
+          <a:p>
+            <a:fld id="{EF83ECF8-EBB3-462A-BC97-8AC574C482EA}" type="slidenum">
+              <a:rPr lang="en-US" smtClean="0"/>
+              <a:t>23</a:t>
+            </a:fld>
+            <a:endParaRPr lang="en-US"/>
+          </a:p>
+        </p:txBody>
+      </p:sp>
+    </p:spTree>
+    <p:extLst>
+      <p:ext uri="{BB962C8B-B14F-4D97-AF65-F5344CB8AC3E}">
+        <p14:creationId xmlns:p14="http://schemas.microsoft.com/office/powerpoint/2010/main" val="1267001809"/>
+      </p:ext>
+    </p:extLst>
+  </p:cSld>
+  <p:clrMapOvr>
+    <a:masterClrMapping/>
+  </p:clrMapOvr>
+</p:notes>
+</file>
+
+<file path=ppt/notesSlides/notesSlide15.xml><?xml version="1.0" encoding="utf-8"?>
+<p:notes xmlns:a="http://schemas.openxmlformats.org/drawingml/2006/main" xmlns:r="http://schemas.openxmlformats.org/officeDocument/2006/relationships" xmlns:p="http://schemas.openxmlformats.org/presentationml/2006/main">
+  <p:cSld>
+    <p:spTree>
+      <p:nvGrpSpPr>
+        <p:cNvPr id="1" name=""/>
+        <p:cNvGrpSpPr/>
+        <p:nvPr/>
+      </p:nvGrpSpPr>
+      <p:grpSpPr>
+        <a:xfrm>
+          <a:off x="0" y="0"/>
+          <a:ext cx="0" cy="0"/>
+          <a:chOff x="0" y="0"/>
+          <a:chExt cx="0" cy="0"/>
+        </a:xfrm>
+      </p:grpSpPr>
+      <p:sp>
+        <p:nvSpPr>
+          <p:cNvPr id="2" name="Slide Image Placeholder 1"/>
+          <p:cNvSpPr>
+            <a:spLocks noGrp="1" noRot="1" noChangeAspect="1"/>
+          </p:cNvSpPr>
+          <p:nvPr>
+            <p:ph type="sldImg"/>
+          </p:nvPr>
+        </p:nvSpPr>
+        <p:spPr/>
+      </p:sp>
+      <p:sp>
+        <p:nvSpPr>
+          <p:cNvPr id="3" name="Notes Placeholder 2"/>
+          <p:cNvSpPr>
+            <a:spLocks noGrp="1"/>
+          </p:cNvSpPr>
+          <p:nvPr>
+            <p:ph type="body" idx="1"/>
+          </p:nvPr>
+        </p:nvSpPr>
+        <p:spPr/>
+        <p:txBody>
+          <a:bodyPr/>
+          <a:lstStyle/>
+          <a:p>
+            <a:r>
+              <a:rPr lang="ru-RU" i="1" dirty="0"/>
+              <a:t>Можно прокачать*</a:t>
+            </a:r>
+          </a:p>
+          <a:p>
+            <a:r>
+              <a:rPr lang="ru-RU" i="0" dirty="0"/>
+              <a:t>Батарейка. Утром полный запас, вечером нет. Жаль пауербанка нету ...</a:t>
+            </a:r>
+          </a:p>
+          <a:p>
+            <a:endParaRPr lang="ru-RU" i="0" dirty="0"/>
+          </a:p>
+          <a:p>
+            <a:r>
+              <a:rPr lang="ru-RU" sz="1800" dirty="0">
+                <a:effectLst/>
+                <a:latin typeface="Calibri" panose="020F0502020204030204" pitchFamily="34" charset="0"/>
+              </a:rPr>
+              <a:t>Практики и упражнения для тренировки силы воли. Лайфхаки.</a:t>
+            </a:r>
+            <a:endParaRPr lang="ru-RU" i="0" dirty="0"/>
+          </a:p>
+          <a:p>
+            <a:endParaRPr lang="ru-RU" i="0" dirty="0"/>
+          </a:p>
+          <a:p>
+            <a:r>
+              <a:rPr lang="ru-RU" i="0" dirty="0"/>
+              <a:t>Примитивный мозг кричит, купи это!!! А цена с 5 нулями. И подкорковые структуры сами разбираются, префронтальная кора даже не задействуютеся.</a:t>
+            </a:r>
+          </a:p>
+          <a:p>
+            <a:endParaRPr lang="ru-RU" i="0" dirty="0"/>
+          </a:p>
+          <a:p>
+            <a:r>
+              <a:rPr lang="ru-RU" i="0" dirty="0"/>
+              <a:t>Что мозг выберет между сложным и правильным?</a:t>
+            </a:r>
+          </a:p>
+          <a:p>
+            <a:endParaRPr lang="ru-RU" i="0" dirty="0"/>
+          </a:p>
+          <a:p>
+            <a:r>
+              <a:rPr lang="ru-RU" i="0" dirty="0"/>
+              <a:t>Познай себя. Самосознание. Только у человека есть. </a:t>
+            </a:r>
+          </a:p>
+          <a:p>
+            <a:endParaRPr lang="ru-RU" i="0" dirty="0"/>
+          </a:p>
+          <a:p>
+            <a:r>
+              <a:rPr lang="ru-RU" i="0" dirty="0"/>
+              <a:t>Медитация. </a:t>
+            </a:r>
+            <a:r>
+              <a:rPr lang="ru-RU" sz="1800" dirty="0">
+                <a:effectLst/>
+                <a:latin typeface="Calibri" panose="020F0502020204030204" pitchFamily="34" charset="0"/>
+              </a:rPr>
+              <a:t>Суть медитации — не в том, чтобы избавиться от всех мыслей. Она учит, как не теряться в них и не забывать, в чем состоит ваша цель. Не беспокойтесь, если вы отвлекаетесь во время медитации. Просто возвращайтесь к дыханию снова и снова.</a:t>
+            </a:r>
+          </a:p>
+          <a:p>
+            <a:endParaRPr lang="ru-RU" sz="1800" b="0" i="0" dirty="0">
+              <a:effectLst/>
+              <a:latin typeface="Calibri" panose="020F0502020204030204" pitchFamily="34" charset="0"/>
+            </a:endParaRPr>
+          </a:p>
+          <a:p>
+            <a:endParaRPr lang="ru-RU" sz="1800" i="0" dirty="0">
+              <a:effectLst/>
+              <a:latin typeface="Calibri" panose="020F0502020204030204" pitchFamily="34" charset="0"/>
+            </a:endParaRPr>
+          </a:p>
+        </p:txBody>
+      </p:sp>
+      <p:sp>
+        <p:nvSpPr>
+          <p:cNvPr id="4" name="Slide Number Placeholder 3"/>
+          <p:cNvSpPr>
+            <a:spLocks noGrp="1"/>
+          </p:cNvSpPr>
+          <p:nvPr>
+            <p:ph type="sldNum" sz="quarter" idx="5"/>
+          </p:nvPr>
+        </p:nvSpPr>
+        <p:spPr/>
+        <p:txBody>
+          <a:bodyPr/>
+          <a:lstStyle/>
+          <a:p>
+            <a:fld id="{EF83ECF8-EBB3-462A-BC97-8AC574C482EA}" type="slidenum">
+              <a:rPr lang="en-US" smtClean="0"/>
+              <a:t>24</a:t>
+            </a:fld>
+            <a:endParaRPr lang="en-US"/>
+          </a:p>
+        </p:txBody>
+      </p:sp>
+    </p:spTree>
+    <p:extLst>
+      <p:ext uri="{BB962C8B-B14F-4D97-AF65-F5344CB8AC3E}">
+        <p14:creationId xmlns:p14="http://schemas.microsoft.com/office/powerpoint/2010/main" val="1740561578"/>
+      </p:ext>
+    </p:extLst>
+  </p:cSld>
+  <p:clrMapOvr>
+    <a:masterClrMapping/>
+  </p:clrMapOvr>
+</p:notes>
+</file>
+
+<file path=ppt/notesSlides/notesSlide16.xml><?xml version="1.0" encoding="utf-8"?>
+<p:notes xmlns:a="http://schemas.openxmlformats.org/drawingml/2006/main" xmlns:r="http://schemas.openxmlformats.org/officeDocument/2006/relationships" xmlns:p="http://schemas.openxmlformats.org/presentationml/2006/main">
+  <p:cSld>
+    <p:spTree>
+      <p:nvGrpSpPr>
+        <p:cNvPr id="1" name=""/>
+        <p:cNvGrpSpPr/>
+        <p:nvPr/>
+      </p:nvGrpSpPr>
+      <p:grpSpPr>
+        <a:xfrm>
+          <a:off x="0" y="0"/>
+          <a:ext cx="0" cy="0"/>
+          <a:chOff x="0" y="0"/>
+          <a:chExt cx="0" cy="0"/>
+        </a:xfrm>
+      </p:grpSpPr>
+      <p:sp>
+        <p:nvSpPr>
+          <p:cNvPr id="2" name="Slide Image Placeholder 1"/>
+          <p:cNvSpPr>
+            <a:spLocks noGrp="1" noRot="1" noChangeAspect="1"/>
+          </p:cNvSpPr>
+          <p:nvPr>
+            <p:ph type="sldImg"/>
+          </p:nvPr>
+        </p:nvSpPr>
+        <p:spPr/>
+      </p:sp>
+      <p:sp>
+        <p:nvSpPr>
+          <p:cNvPr id="3" name="Notes Placeholder 2"/>
+          <p:cNvSpPr>
+            <a:spLocks noGrp="1"/>
+          </p:cNvSpPr>
+          <p:nvPr>
+            <p:ph type="body" idx="1"/>
+          </p:nvPr>
+        </p:nvSpPr>
+        <p:spPr/>
+        <p:txBody>
+          <a:bodyPr/>
+          <a:lstStyle/>
+          <a:p>
+            <a:r>
+              <a:rPr lang="ru-RU" sz="1800" b="1" dirty="0">
+                <a:effectLst/>
+                <a:latin typeface="Calibri" panose="020F0502020204030204" pitchFamily="34" charset="0"/>
+              </a:rPr>
+              <a:t>спорт</a:t>
+            </a:r>
+            <a:r>
+              <a:rPr lang="ru-RU" sz="1800" b="0" dirty="0">
+                <a:effectLst/>
+                <a:latin typeface="Calibri" panose="020F0502020204030204" pitchFamily="34" charset="0"/>
+              </a:rPr>
+              <a:t>, </a:t>
+            </a:r>
+            <a:r>
+              <a:rPr lang="ru-RU" sz="1800" b="1" dirty="0">
+                <a:effectLst/>
+                <a:latin typeface="Calibri" panose="020F0502020204030204" pitchFamily="34" charset="0"/>
+              </a:rPr>
+              <a:t>крепкий сон</a:t>
+            </a:r>
+            <a:r>
+              <a:rPr lang="ru-RU" sz="1800" b="0" dirty="0">
+                <a:effectLst/>
+                <a:latin typeface="Calibri" panose="020F0502020204030204" pitchFamily="34" charset="0"/>
+              </a:rPr>
+              <a:t>, </a:t>
+            </a:r>
+            <a:r>
+              <a:rPr lang="ru-RU" sz="1800" b="1" dirty="0">
+                <a:effectLst/>
+                <a:latin typeface="Calibri" panose="020F0502020204030204" pitchFamily="34" charset="0"/>
+              </a:rPr>
+              <a:t>здоровая пища</a:t>
+            </a:r>
+            <a:r>
+              <a:rPr lang="ru-RU" sz="1800" b="0" dirty="0">
+                <a:effectLst/>
+                <a:latin typeface="Calibri" panose="020F0502020204030204" pitchFamily="34" charset="0"/>
+              </a:rPr>
+              <a:t>, </a:t>
+            </a:r>
+            <a:r>
+              <a:rPr lang="ru-RU" sz="1800" b="1" dirty="0">
+                <a:effectLst/>
+                <a:latin typeface="Calibri" panose="020F0502020204030204" pitchFamily="34" charset="0"/>
+              </a:rPr>
+              <a:t>драгоценные минуты</a:t>
+            </a:r>
+            <a:r>
+              <a:rPr lang="ru-RU" sz="1800" b="0" dirty="0">
+                <a:effectLst/>
+                <a:latin typeface="Calibri" panose="020F0502020204030204" pitchFamily="34" charset="0"/>
+              </a:rPr>
+              <a:t>, </a:t>
+            </a:r>
+            <a:r>
+              <a:rPr lang="ru-RU" sz="1800" b="1" dirty="0">
+                <a:effectLst/>
+                <a:latin typeface="Calibri" panose="020F0502020204030204" pitchFamily="34" charset="0"/>
+              </a:rPr>
+              <a:t>проведенные с друзьями и семьей</a:t>
+            </a:r>
+            <a:r>
+              <a:rPr lang="ru-RU" sz="1800" b="0" dirty="0">
+                <a:effectLst/>
+                <a:latin typeface="Calibri" panose="020F0502020204030204" pitchFamily="34" charset="0"/>
+              </a:rPr>
+              <a:t>, </a:t>
+            </a:r>
+            <a:r>
+              <a:rPr lang="ru-RU" sz="1800" b="1" dirty="0">
+                <a:effectLst/>
+                <a:latin typeface="Calibri" panose="020F0502020204030204" pitchFamily="34" charset="0"/>
+              </a:rPr>
+              <a:t>религиозные или духовные практики </a:t>
+            </a:r>
+            <a:r>
+              <a:rPr lang="ru-RU" sz="1800" b="0" dirty="0">
+                <a:effectLst/>
+                <a:latin typeface="Calibri" panose="020F0502020204030204" pitchFamily="34" charset="0"/>
+              </a:rPr>
+              <a:t>— пополняет телесный резерв силы воли.</a:t>
+            </a:r>
+          </a:p>
+          <a:p>
+            <a:endParaRPr lang="ru-RU" sz="1800" b="0" dirty="0">
+              <a:effectLst/>
+              <a:latin typeface="Calibri" panose="020F0502020204030204" pitchFamily="34" charset="0"/>
+            </a:endParaRPr>
+          </a:p>
+          <a:p>
+            <a:r>
+              <a:rPr lang="ru-RU" sz="1800" dirty="0">
+                <a:effectLst/>
+                <a:latin typeface="Calibri" panose="020F0502020204030204" pitchFamily="34" charset="0"/>
+              </a:rPr>
+              <a:t>Нейробиологи исследовали мозг спортсменов:</a:t>
+            </a:r>
+            <a:endParaRPr lang="ru-RU" sz="1800" b="0" dirty="0">
+              <a:effectLst/>
+              <a:latin typeface="Calibri" panose="020F0502020204030204" pitchFamily="34" charset="0"/>
+            </a:endParaRPr>
+          </a:p>
+          <a:p>
+            <a:r>
+              <a:rPr lang="ru-RU" sz="1800" b="0" dirty="0">
+                <a:effectLst/>
+                <a:latin typeface="Calibri" panose="020F0502020204030204" pitchFamily="34" charset="0"/>
+              </a:rPr>
+              <a:t>Физические упражнения, как и медитация, увеличивают и ускоряют мозг и в первую очередь префронтальную кору.</a:t>
+            </a:r>
+          </a:p>
+          <a:p>
+            <a:endParaRPr lang="ru-RU" sz="1800" b="0" dirty="0">
+              <a:effectLst/>
+              <a:latin typeface="Calibri" panose="020F0502020204030204" pitchFamily="34" charset="0"/>
+            </a:endParaRPr>
+          </a:p>
+          <a:p>
+            <a:r>
+              <a:rPr lang="ru-RU" sz="1800" b="1" dirty="0">
+                <a:effectLst/>
+                <a:latin typeface="Calibri" panose="020F0502020204030204" pitchFamily="34" charset="0"/>
+              </a:rPr>
+              <a:t>Не выспись, и очнешься Финеасом Гейджем — </a:t>
+            </a:r>
+            <a:r>
+              <a:rPr lang="ru-RU" sz="1800" b="0" dirty="0">
+                <a:effectLst/>
+                <a:latin typeface="Calibri" panose="020F0502020204030204" pitchFamily="34" charset="0"/>
+              </a:rPr>
+              <a:t>с похожим, хоть и временным мозговым нарушением.</a:t>
+            </a:r>
+          </a:p>
+          <a:p>
+            <a:endParaRPr lang="ru-RU" sz="1800" b="0" dirty="0">
+              <a:effectLst/>
+              <a:latin typeface="Calibri" panose="020F0502020204030204" pitchFamily="34" charset="0"/>
+            </a:endParaRPr>
+          </a:p>
+          <a:p>
+            <a:r>
+              <a:rPr lang="ru-RU" sz="1800" b="0" dirty="0">
+                <a:effectLst/>
+                <a:latin typeface="Calibri" panose="020F0502020204030204" pitchFamily="34" charset="0"/>
+              </a:rPr>
+              <a:t>Эксперимент - </a:t>
+            </a:r>
+            <a:r>
+              <a:rPr lang="ru-RU" sz="1800" b="1" dirty="0">
+                <a:effectLst/>
+                <a:latin typeface="Calibri" panose="020F0502020204030204" pitchFamily="34" charset="0"/>
+              </a:rPr>
+              <a:t>последствия недосыпа для мозга равны легкому опьянению</a:t>
+            </a:r>
+          </a:p>
+          <a:p>
+            <a:endParaRPr lang="ru-RU" sz="1800" b="1" dirty="0">
+              <a:effectLst/>
+              <a:latin typeface="Calibri" panose="020F0502020204030204" pitchFamily="34" charset="0"/>
+            </a:endParaRPr>
+          </a:p>
+          <a:p>
+            <a:r>
+              <a:rPr lang="ru-RU" sz="1800" b="1" dirty="0">
+                <a:effectLst/>
+                <a:latin typeface="Calibri" panose="020F0502020204030204" pitchFamily="34" charset="0"/>
+              </a:rPr>
+              <a:t>Стресс провоцирует вас сосредоточиться на сиюминутных, краткосрочных целях и результатах, </a:t>
+            </a:r>
+            <a:r>
+              <a:rPr lang="ru-RU" sz="1800" b="0" dirty="0">
+                <a:effectLst/>
+                <a:latin typeface="Calibri" panose="020F0502020204030204" pitchFamily="34" charset="0"/>
+              </a:rPr>
+              <a:t>но самоконтроль требует перспективы. </a:t>
+            </a:r>
+          </a:p>
+          <a:p>
+            <a:r>
+              <a:rPr lang="ru-RU" sz="1800" dirty="0">
+                <a:effectLst/>
+                <a:latin typeface="Calibri" panose="020F0502020204030204" pitchFamily="34" charset="0"/>
+              </a:rPr>
+              <a:t>Научиться лучше справляться со стрессом — одна из наиболее важных задач для укрепления силы воли.</a:t>
+            </a:r>
+          </a:p>
+          <a:p>
+            <a:endParaRPr lang="ru-RU" sz="1800" b="0" dirty="0">
+              <a:effectLst/>
+              <a:latin typeface="Calibri" panose="020F0502020204030204" pitchFamily="34" charset="0"/>
+            </a:endParaRPr>
+          </a:p>
+        </p:txBody>
+      </p:sp>
+      <p:sp>
+        <p:nvSpPr>
+          <p:cNvPr id="4" name="Slide Number Placeholder 3"/>
+          <p:cNvSpPr>
+            <a:spLocks noGrp="1"/>
+          </p:cNvSpPr>
+          <p:nvPr>
+            <p:ph type="sldNum" sz="quarter" idx="5"/>
+          </p:nvPr>
+        </p:nvSpPr>
+        <p:spPr/>
+        <p:txBody>
+          <a:bodyPr/>
+          <a:lstStyle/>
+          <a:p>
+            <a:fld id="{EF83ECF8-EBB3-462A-BC97-8AC574C482EA}" type="slidenum">
+              <a:rPr lang="en-US" smtClean="0"/>
+              <a:t>25</a:t>
+            </a:fld>
+            <a:endParaRPr lang="en-US"/>
+          </a:p>
+        </p:txBody>
+      </p:sp>
+    </p:spTree>
+    <p:extLst>
+      <p:ext uri="{BB962C8B-B14F-4D97-AF65-F5344CB8AC3E}">
+        <p14:creationId xmlns:p14="http://schemas.microsoft.com/office/powerpoint/2010/main" val="328403219"/>
+      </p:ext>
+    </p:extLst>
+  </p:cSld>
+  <p:clrMapOvr>
+    <a:masterClrMapping/>
+  </p:clrMapOvr>
+</p:notes>
+</file>
+
+<file path=ppt/notesSlides/notesSlide17.xml><?xml version="1.0" encoding="utf-8"?>
+<p:notes xmlns:a="http://schemas.openxmlformats.org/drawingml/2006/main" xmlns:r="http://schemas.openxmlformats.org/officeDocument/2006/relationships" xmlns:p="http://schemas.openxmlformats.org/presentationml/2006/main">
+  <p:cSld>
+    <p:spTree>
+      <p:nvGrpSpPr>
+        <p:cNvPr id="1" name=""/>
+        <p:cNvGrpSpPr/>
+        <p:nvPr/>
+      </p:nvGrpSpPr>
+      <p:grpSpPr>
+        <a:xfrm>
+          <a:off x="0" y="0"/>
+          <a:ext cx="0" cy="0"/>
+          <a:chOff x="0" y="0"/>
+          <a:chExt cx="0" cy="0"/>
+        </a:xfrm>
+      </p:grpSpPr>
+      <p:sp>
+        <p:nvSpPr>
+          <p:cNvPr id="2" name="Slide Image Placeholder 1"/>
+          <p:cNvSpPr>
+            <a:spLocks noGrp="1" noRot="1" noChangeAspect="1"/>
+          </p:cNvSpPr>
+          <p:nvPr>
+            <p:ph type="sldImg"/>
+          </p:nvPr>
+        </p:nvSpPr>
+        <p:spPr/>
+      </p:sp>
+      <p:sp>
+        <p:nvSpPr>
+          <p:cNvPr id="3" name="Notes Placeholder 2"/>
+          <p:cNvSpPr>
+            <a:spLocks noGrp="1"/>
+          </p:cNvSpPr>
+          <p:nvPr>
+            <p:ph type="body" idx="1"/>
+          </p:nvPr>
+        </p:nvSpPr>
+        <p:spPr/>
+        <p:txBody>
+          <a:bodyPr/>
+          <a:lstStyle/>
+          <a:p>
+            <a:r>
+              <a:rPr lang="en-US" sz="1800" dirty="0" err="1">
+                <a:effectLst/>
+                <a:latin typeface="Calibri" panose="020F0502020204030204" pitchFamily="34" charset="0"/>
+              </a:rPr>
+              <a:t>Насколько</a:t>
+            </a:r>
+            <a:r>
+              <a:rPr lang="en-US" sz="1800" dirty="0">
+                <a:effectLst/>
+                <a:latin typeface="Calibri" panose="020F0502020204030204" pitchFamily="34" charset="0"/>
+              </a:rPr>
+              <a:t> </a:t>
+            </a:r>
+            <a:r>
+              <a:rPr lang="en-US" sz="1800" dirty="0" err="1">
+                <a:effectLst/>
+                <a:latin typeface="Calibri" panose="020F0502020204030204" pitchFamily="34" charset="0"/>
+              </a:rPr>
+              <a:t>реальны</a:t>
+            </a:r>
+            <a:r>
+              <a:rPr lang="en-US" sz="1800" dirty="0">
+                <a:effectLst/>
+                <a:latin typeface="Calibri" panose="020F0502020204030204" pitchFamily="34" charset="0"/>
+              </a:rPr>
+              <a:t> «</a:t>
+            </a:r>
+            <a:r>
+              <a:rPr lang="en-US" sz="1800" dirty="0" err="1">
+                <a:effectLst/>
+                <a:latin typeface="Calibri" panose="020F0502020204030204" pitchFamily="34" charset="0"/>
+              </a:rPr>
+              <a:t>границы</a:t>
+            </a:r>
+            <a:r>
+              <a:rPr lang="en-US" sz="1800" dirty="0">
+                <a:effectLst/>
+                <a:latin typeface="Calibri" panose="020F0502020204030204" pitchFamily="34" charset="0"/>
+              </a:rPr>
+              <a:t>» </a:t>
+            </a:r>
+            <a:r>
+              <a:rPr lang="en-US" sz="1800" dirty="0" err="1">
+                <a:effectLst/>
+                <a:latin typeface="Calibri" panose="020F0502020204030204" pitchFamily="34" charset="0"/>
+              </a:rPr>
+              <a:t>самоконтрол</a:t>
+            </a:r>
+            <a:r>
+              <a:rPr lang="ru-RU" sz="1800" dirty="0">
+                <a:effectLst/>
+                <a:latin typeface="Calibri" panose="020F0502020204030204" pitchFamily="34" charset="0"/>
+              </a:rPr>
+              <a:t>я</a:t>
+            </a:r>
+            <a:r>
+              <a:rPr lang="en-US" sz="1800" dirty="0">
+                <a:effectLst/>
+                <a:latin typeface="Calibri" panose="020F0502020204030204" pitchFamily="34" charset="0"/>
+              </a:rPr>
+              <a:t>?</a:t>
+            </a:r>
+            <a:r>
+              <a:rPr lang="ru-RU" sz="1800" dirty="0">
+                <a:effectLst/>
+                <a:latin typeface="Calibri" panose="020F0502020204030204" pitchFamily="34" charset="0"/>
+              </a:rPr>
+              <a:t> Когда мы испытываем усталость?</a:t>
+            </a:r>
+          </a:p>
+          <a:p>
+            <a:endParaRPr lang="ru-RU" sz="1800" dirty="0">
+              <a:effectLst/>
+              <a:latin typeface="Calibri" panose="020F0502020204030204" pitchFamily="34" charset="0"/>
+            </a:endParaRPr>
+          </a:p>
+          <a:p>
+            <a:r>
+              <a:rPr lang="ru-RU" sz="1800" b="1" dirty="0">
+                <a:effectLst/>
+                <a:latin typeface="Calibri" panose="020F0502020204030204" pitchFamily="34" charset="0"/>
+              </a:rPr>
+              <a:t>И если вы попытаетесь контролировать или менять слишком многое в своей жизни одновременно, вы совершенно себя изнурите.</a:t>
+            </a:r>
+          </a:p>
+          <a:p>
+            <a:endParaRPr lang="ru-RU" sz="1800" b="1" dirty="0">
+              <a:effectLst/>
+              <a:latin typeface="Calibri" panose="020F0502020204030204" pitchFamily="34" charset="0"/>
+            </a:endParaRPr>
+          </a:p>
+          <a:p>
+            <a:r>
+              <a:rPr lang="ru-RU" sz="1800" dirty="0">
+                <a:effectLst/>
+                <a:latin typeface="Calibri" panose="020F0502020204030204" pitchFamily="34" charset="0"/>
+              </a:rPr>
+              <a:t>Если </a:t>
+            </a:r>
+            <a:r>
+              <a:rPr lang="ru-RU" sz="1800" b="1" dirty="0">
+                <a:effectLst/>
+                <a:latin typeface="Calibri" panose="020F0502020204030204" pitchFamily="34" charset="0"/>
+              </a:rPr>
+              <a:t>постоянно контролировать себя в чем-то малом</a:t>
+            </a:r>
+            <a:r>
+              <a:rPr lang="ru-RU" sz="1800" dirty="0">
+                <a:effectLst/>
+                <a:latin typeface="Calibri" panose="020F0502020204030204" pitchFamily="34" charset="0"/>
+              </a:rPr>
+              <a:t>: следить за осанкой, каждый день выжимать кистевой тренажер, урезать сладкое, следить за тратами —</a:t>
+            </a:r>
+            <a:r>
+              <a:rPr lang="ru-RU" sz="1800" b="1" dirty="0">
+                <a:effectLst/>
+                <a:latin typeface="Calibri" panose="020F0502020204030204" pitchFamily="34" charset="0"/>
+              </a:rPr>
+              <a:t> можно укрепить силу воли в целом.</a:t>
+            </a:r>
+            <a:endParaRPr lang="ru-RU" sz="1800" dirty="0">
+              <a:effectLst/>
+              <a:latin typeface="Calibri" panose="020F0502020204030204" pitchFamily="34" charset="0"/>
+            </a:endParaRPr>
+          </a:p>
+          <a:p>
+            <a:endParaRPr lang="ru-RU" sz="1800" dirty="0">
+              <a:effectLst/>
+              <a:latin typeface="Calibri" panose="020F0502020204030204" pitchFamily="34" charset="0"/>
+            </a:endParaRPr>
+          </a:p>
+          <a:p>
+            <a:r>
+              <a:rPr lang="ru-RU" sz="1800" dirty="0">
+                <a:effectLst/>
+                <a:latin typeface="Calibri" panose="020F0502020204030204" pitchFamily="34" charset="0"/>
+              </a:rPr>
+              <a:t>«Второе дыхание»</a:t>
+            </a:r>
+          </a:p>
+          <a:p>
+            <a:endParaRPr lang="ru-RU" sz="1800" dirty="0">
+              <a:effectLst/>
+              <a:latin typeface="Calibri" panose="020F0502020204030204" pitchFamily="34" charset="0"/>
+            </a:endParaRPr>
+          </a:p>
+          <a:p>
+            <a:r>
+              <a:rPr lang="en-US" sz="1800" dirty="0">
+                <a:effectLst/>
+                <a:latin typeface="Calibri" panose="020F0502020204030204" pitchFamily="34" charset="0"/>
+              </a:rPr>
+              <a:t>В </a:t>
+            </a:r>
+            <a:r>
+              <a:rPr lang="en-US" sz="1800" dirty="0" err="1">
+                <a:effectLst/>
+                <a:latin typeface="Calibri" panose="020F0502020204030204" pitchFamily="34" charset="0"/>
+              </a:rPr>
+              <a:t>соответстви</a:t>
+            </a:r>
+            <a:r>
+              <a:rPr lang="ru-RU" sz="1800" dirty="0">
+                <a:effectLst/>
+                <a:latin typeface="Calibri" panose="020F0502020204030204" pitchFamily="34" charset="0"/>
+              </a:rPr>
+              <a:t>и</a:t>
+            </a:r>
+            <a:r>
+              <a:rPr lang="en-US" sz="1800" dirty="0">
+                <a:effectLst/>
+                <a:latin typeface="Calibri" panose="020F0502020204030204" pitchFamily="34" charset="0"/>
+              </a:rPr>
+              <a:t> с </a:t>
+            </a:r>
+            <a:r>
+              <a:rPr lang="en-US" sz="1800" dirty="0" err="1">
+                <a:effectLst/>
+                <a:latin typeface="Calibri" panose="020F0502020204030204" pitchFamily="34" charset="0"/>
+              </a:rPr>
+              <a:t>теорией</a:t>
+            </a:r>
+            <a:r>
+              <a:rPr lang="en-US" sz="1800" dirty="0">
+                <a:effectLst/>
+                <a:latin typeface="Calibri" panose="020F0502020204030204" pitchFamily="34" charset="0"/>
+              </a:rPr>
+              <a:t> </a:t>
+            </a:r>
+            <a:r>
+              <a:rPr lang="en-US" sz="1800" dirty="0" err="1">
+                <a:effectLst/>
+                <a:latin typeface="Calibri" panose="020F0502020204030204" pitchFamily="34" charset="0"/>
+              </a:rPr>
+              <a:t>Ноакс</a:t>
+            </a:r>
+            <a:r>
+              <a:rPr lang="ru-RU" sz="1800" dirty="0">
+                <a:effectLst/>
+                <a:latin typeface="Calibri" panose="020F0502020204030204" pitchFamily="34" charset="0"/>
+              </a:rPr>
+              <a:t>а </a:t>
+            </a:r>
+            <a:r>
+              <a:rPr lang="ru-RU" sz="1800" b="1" dirty="0">
+                <a:effectLst/>
+                <a:latin typeface="Calibri" panose="020F0502020204030204" pitchFamily="34" charset="0"/>
+              </a:rPr>
+              <a:t>«Усталость больше нельзя считать физическим событием, скорее, это ощущение или эмоция».</a:t>
+            </a:r>
+            <a:endParaRPr lang="ru-RU" sz="1800" dirty="0">
+              <a:effectLst/>
+              <a:latin typeface="Calibri" panose="020F0502020204030204" pitchFamily="34" charset="0"/>
+            </a:endParaRPr>
+          </a:p>
+          <a:p>
+            <a:r>
+              <a:rPr lang="en-US" sz="1800" b="1" dirty="0" err="1">
+                <a:effectLst/>
+                <a:latin typeface="Calibri" panose="020F0502020204030204" pitchFamily="34" charset="0"/>
+              </a:rPr>
+              <a:t>усталость</a:t>
+            </a:r>
+            <a:r>
+              <a:rPr lang="en-US" sz="1800" b="1" dirty="0">
+                <a:effectLst/>
+                <a:latin typeface="Calibri" panose="020F0502020204030204" pitchFamily="34" charset="0"/>
+              </a:rPr>
+              <a:t> — </a:t>
+            </a:r>
+            <a:r>
+              <a:rPr lang="en-US" sz="1800" b="1" dirty="0" err="1">
+                <a:effectLst/>
+                <a:latin typeface="Calibri" panose="020F0502020204030204" pitchFamily="34" charset="0"/>
+              </a:rPr>
+              <a:t>система</a:t>
+            </a:r>
+            <a:r>
+              <a:rPr lang="en-US" sz="1800" b="1" dirty="0">
+                <a:effectLst/>
+                <a:latin typeface="Calibri" panose="020F0502020204030204" pitchFamily="34" charset="0"/>
+              </a:rPr>
+              <a:t> </a:t>
+            </a:r>
+            <a:r>
+              <a:rPr lang="en-US" sz="1800" b="1" dirty="0" err="1">
+                <a:effectLst/>
+                <a:latin typeface="Calibri" panose="020F0502020204030204" pitchFamily="34" charset="0"/>
+              </a:rPr>
+              <a:t>раннего</a:t>
+            </a:r>
+            <a:r>
+              <a:rPr lang="en-US" sz="1800" b="1" dirty="0">
+                <a:effectLst/>
+                <a:latin typeface="Calibri" panose="020F0502020204030204" pitchFamily="34" charset="0"/>
+              </a:rPr>
+              <a:t> </a:t>
+            </a:r>
+            <a:r>
+              <a:rPr lang="en-US" sz="1800" b="1" dirty="0" err="1">
+                <a:effectLst/>
+                <a:latin typeface="Calibri" panose="020F0502020204030204" pitchFamily="34" charset="0"/>
+              </a:rPr>
+              <a:t>оповещения</a:t>
+            </a:r>
+            <a:r>
+              <a:rPr lang="ru-RU" sz="1800" b="1" dirty="0">
+                <a:effectLst/>
+                <a:latin typeface="Calibri" panose="020F0502020204030204" pitchFamily="34" charset="0"/>
+              </a:rPr>
+              <a:t>.</a:t>
+            </a:r>
+          </a:p>
+          <a:p>
+            <a:endParaRPr lang="ru-RU" sz="1800" dirty="0">
+              <a:effectLst/>
+              <a:latin typeface="Calibri" panose="020F0502020204030204" pitchFamily="34" charset="0"/>
+            </a:endParaRPr>
+          </a:p>
+          <a:p>
+            <a:r>
+              <a:rPr lang="ru-RU" sz="1800" b="1" dirty="0">
+                <a:effectLst/>
+                <a:latin typeface="Calibri" panose="020F0502020204030204" pitchFamily="34" charset="0"/>
+              </a:rPr>
+              <a:t>П</a:t>
+            </a:r>
+            <a:r>
+              <a:rPr lang="en-US" sz="1800" b="1" dirty="0" err="1">
+                <a:effectLst/>
+                <a:latin typeface="Calibri" panose="020F0502020204030204" pitchFamily="34" charset="0"/>
+              </a:rPr>
+              <a:t>ервая</a:t>
+            </a:r>
+            <a:r>
+              <a:rPr lang="en-US" sz="1800" b="1" dirty="0">
+                <a:effectLst/>
+                <a:latin typeface="Calibri" panose="020F0502020204030204" pitchFamily="34" charset="0"/>
+              </a:rPr>
+              <a:t> </a:t>
+            </a:r>
+            <a:r>
+              <a:rPr lang="en-US" sz="1800" b="1" dirty="0" err="1">
+                <a:effectLst/>
+                <a:latin typeface="Calibri" panose="020F0502020204030204" pitchFamily="34" charset="0"/>
+              </a:rPr>
+              <a:t>волна</a:t>
+            </a:r>
+            <a:r>
+              <a:rPr lang="en-US" sz="1800" b="1" dirty="0">
+                <a:effectLst/>
+                <a:latin typeface="Calibri" panose="020F0502020204030204" pitchFamily="34" charset="0"/>
+              </a:rPr>
+              <a:t> </a:t>
+            </a:r>
+            <a:r>
+              <a:rPr lang="en-US" sz="1800" b="1" dirty="0" err="1">
+                <a:effectLst/>
+                <a:latin typeface="Calibri" panose="020F0502020204030204" pitchFamily="34" charset="0"/>
+              </a:rPr>
+              <a:t>усталости</a:t>
+            </a:r>
+            <a:r>
+              <a:rPr lang="en-US" sz="1800" b="1" dirty="0">
+                <a:effectLst/>
+                <a:latin typeface="Calibri" panose="020F0502020204030204" pitchFamily="34" charset="0"/>
+              </a:rPr>
+              <a:t> — </a:t>
+            </a:r>
+            <a:r>
+              <a:rPr lang="en-US" sz="1800" b="1" dirty="0" err="1">
+                <a:effectLst/>
+                <a:latin typeface="Calibri" panose="020F0502020204030204" pitchFamily="34" charset="0"/>
+              </a:rPr>
+              <a:t>это</a:t>
+            </a:r>
+            <a:r>
+              <a:rPr lang="en-US" sz="1800" b="1" dirty="0">
+                <a:effectLst/>
+                <a:latin typeface="Calibri" panose="020F0502020204030204" pitchFamily="34" charset="0"/>
+              </a:rPr>
+              <a:t> </a:t>
+            </a:r>
+            <a:r>
+              <a:rPr lang="en-US" sz="1800" b="1" dirty="0" err="1">
+                <a:effectLst/>
+                <a:latin typeface="Calibri" panose="020F0502020204030204" pitchFamily="34" charset="0"/>
+              </a:rPr>
+              <a:t>еще</a:t>
+            </a:r>
+            <a:r>
+              <a:rPr lang="en-US" sz="1800" b="1" dirty="0">
+                <a:effectLst/>
+                <a:latin typeface="Calibri" panose="020F0502020204030204" pitchFamily="34" charset="0"/>
+              </a:rPr>
+              <a:t> </a:t>
+            </a:r>
+            <a:r>
+              <a:rPr lang="en-US" sz="1800" b="1" dirty="0" err="1">
+                <a:effectLst/>
+                <a:latin typeface="Calibri" panose="020F0502020204030204" pitchFamily="34" charset="0"/>
+              </a:rPr>
+              <a:t>далеко</a:t>
+            </a:r>
+            <a:r>
+              <a:rPr lang="en-US" sz="1800" b="1" dirty="0">
+                <a:effectLst/>
+                <a:latin typeface="Calibri" panose="020F0502020204030204" pitchFamily="34" charset="0"/>
+              </a:rPr>
+              <a:t> </a:t>
+            </a:r>
+            <a:r>
+              <a:rPr lang="en-US" sz="1800" b="1" dirty="0" err="1">
+                <a:effectLst/>
+                <a:latin typeface="Calibri" panose="020F0502020204030204" pitchFamily="34" charset="0"/>
+              </a:rPr>
+              <a:t>не</a:t>
+            </a:r>
+            <a:r>
+              <a:rPr lang="en-US" sz="1800" b="1" dirty="0">
+                <a:effectLst/>
+                <a:latin typeface="Calibri" panose="020F0502020204030204" pitchFamily="34" charset="0"/>
+              </a:rPr>
+              <a:t> </a:t>
+            </a:r>
+            <a:r>
+              <a:rPr lang="en-US" sz="1800" b="1" dirty="0" err="1">
+                <a:effectLst/>
+                <a:latin typeface="Calibri" panose="020F0502020204030204" pitchFamily="34" charset="0"/>
+              </a:rPr>
+              <a:t>конец</a:t>
+            </a:r>
+            <a:r>
+              <a:rPr lang="en-US" sz="1800" b="1" dirty="0">
+                <a:effectLst/>
+                <a:latin typeface="Calibri" panose="020F0502020204030204" pitchFamily="34" charset="0"/>
+              </a:rPr>
+              <a:t>, и </a:t>
+            </a:r>
+            <a:r>
+              <a:rPr lang="en-US" sz="1800" b="1" dirty="0" err="1">
+                <a:effectLst/>
+                <a:latin typeface="Calibri" panose="020F0502020204030204" pitchFamily="34" charset="0"/>
+              </a:rPr>
+              <a:t>при</a:t>
+            </a:r>
+            <a:r>
+              <a:rPr lang="en-US" sz="1800" b="1" dirty="0">
+                <a:effectLst/>
+                <a:latin typeface="Calibri" panose="020F0502020204030204" pitchFamily="34" charset="0"/>
+              </a:rPr>
+              <a:t> </a:t>
+            </a:r>
+            <a:r>
+              <a:rPr lang="en-US" sz="1800" b="1" dirty="0" err="1">
+                <a:effectLst/>
+                <a:latin typeface="Calibri" panose="020F0502020204030204" pitchFamily="34" charset="0"/>
+              </a:rPr>
+              <a:t>желании</a:t>
+            </a:r>
+            <a:r>
+              <a:rPr lang="en-US" sz="1800" b="1" dirty="0">
+                <a:effectLst/>
+                <a:latin typeface="Calibri" panose="020F0502020204030204" pitchFamily="34" charset="0"/>
+              </a:rPr>
+              <a:t> </a:t>
+            </a:r>
+            <a:r>
+              <a:rPr lang="en-US" sz="1800" b="1" dirty="0" err="1">
+                <a:effectLst/>
+                <a:latin typeface="Calibri" panose="020F0502020204030204" pitchFamily="34" charset="0"/>
+              </a:rPr>
+              <a:t>ее</a:t>
+            </a:r>
+            <a:r>
+              <a:rPr lang="en-US" sz="1800" b="1" dirty="0">
+                <a:effectLst/>
+                <a:latin typeface="Calibri" panose="020F0502020204030204" pitchFamily="34" charset="0"/>
+              </a:rPr>
+              <a:t> </a:t>
+            </a:r>
+            <a:r>
+              <a:rPr lang="en-US" sz="1800" b="1" dirty="0" err="1">
+                <a:effectLst/>
+                <a:latin typeface="Calibri" panose="020F0502020204030204" pitchFamily="34" charset="0"/>
+              </a:rPr>
+              <a:t>удается</a:t>
+            </a:r>
+            <a:r>
+              <a:rPr lang="en-US" sz="1800" b="1" dirty="0">
+                <a:effectLst/>
+                <a:latin typeface="Calibri" panose="020F0502020204030204" pitchFamily="34" charset="0"/>
+              </a:rPr>
+              <a:t> </a:t>
+            </a:r>
+            <a:r>
+              <a:rPr lang="en-US" sz="1800" b="1" dirty="0" err="1">
+                <a:effectLst/>
+                <a:latin typeface="Calibri" panose="020F0502020204030204" pitchFamily="34" charset="0"/>
+              </a:rPr>
+              <a:t>превозмоч</a:t>
+            </a:r>
+            <a:r>
+              <a:rPr lang="ru-RU" sz="1800" b="1" dirty="0">
+                <a:effectLst/>
+                <a:latin typeface="Calibri" panose="020F0502020204030204" pitchFamily="34" charset="0"/>
+              </a:rPr>
+              <a:t>ь</a:t>
+            </a:r>
+            <a:r>
+              <a:rPr lang="en-US" sz="1800" b="1" dirty="0">
+                <a:effectLst/>
+                <a:latin typeface="Calibri" panose="020F0502020204030204" pitchFamily="34" charset="0"/>
+              </a:rPr>
+              <a:t>.</a:t>
+            </a:r>
+            <a:endParaRPr lang="ru-RU" sz="1800" dirty="0">
+              <a:effectLst/>
+              <a:latin typeface="Calibri" panose="020F0502020204030204" pitchFamily="34" charset="0"/>
+            </a:endParaRPr>
+          </a:p>
+          <a:p>
+            <a:endParaRPr lang="ru-RU" sz="1800" dirty="0">
+              <a:effectLst/>
+              <a:latin typeface="Calibri" panose="020F0502020204030204" pitchFamily="34" charset="0"/>
+            </a:endParaRPr>
+          </a:p>
+          <a:p>
+            <a:r>
+              <a:rPr lang="ru-RU" sz="1200" dirty="0">
+                <a:effectLst/>
+                <a:latin typeface="Calibri" panose="020F0502020204030204" pitchFamily="34" charset="0"/>
+              </a:rPr>
+              <a:t>Остановись и спланируй. На 10 минут отвлечься, или меньше. Просто что бы собраться с мыслями и подумать.</a:t>
+            </a:r>
+          </a:p>
+          <a:p>
+            <a:endParaRPr lang="ru-RU" sz="1200" dirty="0">
+              <a:effectLst/>
+              <a:latin typeface="Calibri" panose="020F0502020204030204" pitchFamily="34" charset="0"/>
+            </a:endParaRPr>
+          </a:p>
+          <a:p>
+            <a:r>
+              <a:rPr lang="en-US" sz="1800" b="0" dirty="0" err="1">
+                <a:effectLst/>
+                <a:latin typeface="Calibri" panose="020F0502020204030204" pitchFamily="34" charset="0"/>
+              </a:rPr>
+              <a:t>Стэнфордские</a:t>
+            </a:r>
+            <a:r>
+              <a:rPr lang="en-US" sz="1800" b="0" dirty="0">
+                <a:effectLst/>
+                <a:latin typeface="Calibri" panose="020F0502020204030204" pitchFamily="34" charset="0"/>
+              </a:rPr>
+              <a:t> </a:t>
+            </a:r>
+            <a:r>
+              <a:rPr lang="en-US" sz="1800" b="0" dirty="0" err="1">
+                <a:effectLst/>
+                <a:latin typeface="Calibri" panose="020F0502020204030204" pitchFamily="34" charset="0"/>
+              </a:rPr>
+              <a:t>психологи</a:t>
+            </a:r>
+            <a:r>
+              <a:rPr lang="en-US" sz="1800" b="0" dirty="0">
+                <a:effectLst/>
+                <a:latin typeface="Calibri" panose="020F0502020204030204" pitchFamily="34" charset="0"/>
+              </a:rPr>
+              <a:t> </a:t>
+            </a:r>
+            <a:r>
+              <a:rPr lang="en-US" sz="1800" b="0" dirty="0" err="1">
+                <a:effectLst/>
+                <a:latin typeface="Calibri" panose="020F0502020204030204" pitchFamily="34" charset="0"/>
+              </a:rPr>
+              <a:t>обнаружили</a:t>
+            </a:r>
+            <a:r>
+              <a:rPr lang="en-US" sz="1800" b="1" dirty="0">
+                <a:effectLst/>
+                <a:latin typeface="Calibri" panose="020F0502020204030204" pitchFamily="34" charset="0"/>
+              </a:rPr>
+              <a:t>, </a:t>
+            </a:r>
+            <a:r>
+              <a:rPr lang="en-US" sz="1800" b="1" dirty="0" err="1">
+                <a:effectLst/>
+                <a:latin typeface="Calibri" panose="020F0502020204030204" pitchFamily="34" charset="0"/>
+              </a:rPr>
+              <a:t>что</a:t>
+            </a:r>
+            <a:r>
+              <a:rPr lang="en-US" sz="1800" b="1" dirty="0">
+                <a:effectLst/>
+                <a:latin typeface="Calibri" panose="020F0502020204030204" pitchFamily="34" charset="0"/>
+              </a:rPr>
+              <a:t> </a:t>
+            </a:r>
+            <a:r>
+              <a:rPr lang="en-US" sz="1800" b="1" dirty="0" err="1">
+                <a:effectLst/>
+                <a:latin typeface="Calibri" panose="020F0502020204030204" pitchFamily="34" charset="0"/>
+              </a:rPr>
+              <a:t>некоторые</a:t>
+            </a:r>
+            <a:r>
+              <a:rPr lang="en-US" sz="1800" b="1" dirty="0">
+                <a:effectLst/>
+                <a:latin typeface="Calibri" panose="020F0502020204030204" pitchFamily="34" charset="0"/>
+              </a:rPr>
+              <a:t> </a:t>
+            </a:r>
+            <a:r>
+              <a:rPr lang="en-US" sz="1800" b="1" dirty="0" err="1">
+                <a:effectLst/>
+                <a:latin typeface="Calibri" panose="020F0502020204030204" pitchFamily="34" charset="0"/>
+              </a:rPr>
+              <a:t>люди</a:t>
+            </a:r>
+            <a:r>
+              <a:rPr lang="en-US" sz="1800" b="1" dirty="0">
+                <a:effectLst/>
+                <a:latin typeface="Calibri" panose="020F0502020204030204" pitchFamily="34" charset="0"/>
+              </a:rPr>
+              <a:t> </a:t>
+            </a:r>
+            <a:r>
+              <a:rPr lang="en-US" sz="1800" b="1" dirty="0" err="1">
+                <a:effectLst/>
+                <a:latin typeface="Calibri" panose="020F0502020204030204" pitchFamily="34" charset="0"/>
+              </a:rPr>
+              <a:t>не</a:t>
+            </a:r>
+            <a:r>
+              <a:rPr lang="en-US" sz="1800" b="1" dirty="0">
+                <a:effectLst/>
+                <a:latin typeface="Calibri" panose="020F0502020204030204" pitchFamily="34" charset="0"/>
+              </a:rPr>
+              <a:t> </a:t>
+            </a:r>
+            <a:r>
+              <a:rPr lang="en-US" sz="1800" b="1" dirty="0" err="1">
+                <a:effectLst/>
+                <a:latin typeface="Calibri" panose="020F0502020204030204" pitchFamily="34" charset="0"/>
+              </a:rPr>
+              <a:t>верят</a:t>
+            </a:r>
+            <a:r>
+              <a:rPr lang="en-US" sz="1800" b="1" dirty="0">
+                <a:effectLst/>
+                <a:latin typeface="Calibri" panose="020F0502020204030204" pitchFamily="34" charset="0"/>
+              </a:rPr>
+              <a:t> </a:t>
+            </a:r>
+            <a:r>
+              <a:rPr lang="en-US" sz="1800" b="1" dirty="0" err="1">
+                <a:effectLst/>
+                <a:latin typeface="Calibri" panose="020F0502020204030204" pitchFamily="34" charset="0"/>
+              </a:rPr>
+              <a:t>чувству</a:t>
+            </a:r>
+            <a:r>
+              <a:rPr lang="en-US" sz="1800" b="1" dirty="0">
+                <a:effectLst/>
+                <a:latin typeface="Calibri" panose="020F0502020204030204" pitchFamily="34" charset="0"/>
+              </a:rPr>
+              <a:t> </a:t>
+            </a:r>
+            <a:r>
+              <a:rPr lang="en-US" sz="1800" b="1" dirty="0" err="1">
+                <a:effectLst/>
+                <a:latin typeface="Calibri" panose="020F0502020204030204" pitchFamily="34" charset="0"/>
+              </a:rPr>
+              <a:t>умственной</a:t>
+            </a:r>
+            <a:r>
+              <a:rPr lang="en-US" sz="1800" b="1" dirty="0">
+                <a:effectLst/>
+                <a:latin typeface="Calibri" panose="020F0502020204030204" pitchFamily="34" charset="0"/>
+              </a:rPr>
+              <a:t> </a:t>
+            </a:r>
+            <a:r>
+              <a:rPr lang="en-US" sz="1800" b="1" dirty="0" err="1">
+                <a:effectLst/>
+                <a:latin typeface="Calibri" panose="020F0502020204030204" pitchFamily="34" charset="0"/>
+              </a:rPr>
+              <a:t>усталости</a:t>
+            </a:r>
+            <a:r>
+              <a:rPr lang="en-US" sz="1800" b="1" dirty="0">
+                <a:effectLst/>
+                <a:latin typeface="Calibri" panose="020F0502020204030204" pitchFamily="34" charset="0"/>
+              </a:rPr>
+              <a:t>, </a:t>
+            </a:r>
+            <a:r>
+              <a:rPr lang="en-US" sz="1800" b="0" dirty="0" err="1">
+                <a:effectLst/>
+                <a:latin typeface="Calibri" panose="020F0502020204030204" pitchFamily="34" charset="0"/>
+              </a:rPr>
+              <a:t>возникающему</a:t>
+            </a:r>
+            <a:r>
+              <a:rPr lang="en-US" sz="1800" b="0" dirty="0">
+                <a:effectLst/>
+                <a:latin typeface="Calibri" panose="020F0502020204030204" pitchFamily="34" charset="0"/>
+              </a:rPr>
+              <a:t> </a:t>
+            </a:r>
+            <a:r>
+              <a:rPr lang="en-US" sz="1800" b="0" dirty="0" err="1">
+                <a:effectLst/>
+                <a:latin typeface="Calibri" panose="020F0502020204030204" pitchFamily="34" charset="0"/>
+              </a:rPr>
+              <a:t>после</a:t>
+            </a:r>
+            <a:r>
+              <a:rPr lang="en-US" sz="1800" b="0" dirty="0">
+                <a:effectLst/>
+                <a:latin typeface="Calibri" panose="020F0502020204030204" pitchFamily="34" charset="0"/>
+              </a:rPr>
+              <a:t> </a:t>
+            </a:r>
+            <a:r>
+              <a:rPr lang="en-US" sz="1800" b="0" dirty="0" err="1">
+                <a:effectLst/>
+                <a:latin typeface="Calibri" panose="020F0502020204030204" pitchFamily="34" charset="0"/>
+              </a:rPr>
+              <a:t>трудного</a:t>
+            </a:r>
+            <a:r>
+              <a:rPr lang="en-US" sz="1800" b="0" dirty="0">
+                <a:effectLst/>
+                <a:latin typeface="Calibri" panose="020F0502020204030204" pitchFamily="34" charset="0"/>
+              </a:rPr>
+              <a:t> </a:t>
+            </a:r>
+            <a:r>
+              <a:rPr lang="en-US" sz="1800" b="0" dirty="0" err="1">
+                <a:effectLst/>
+                <a:latin typeface="Calibri" panose="020F0502020204030204" pitchFamily="34" charset="0"/>
+              </a:rPr>
+              <a:t>волевого</a:t>
+            </a:r>
+            <a:r>
+              <a:rPr lang="en-US" sz="1800" b="0" dirty="0">
+                <a:effectLst/>
+                <a:latin typeface="Calibri" panose="020F0502020204030204" pitchFamily="34" charset="0"/>
+              </a:rPr>
+              <a:t> </a:t>
+            </a:r>
+            <a:r>
+              <a:rPr lang="en-US" sz="1800" b="0" dirty="0" err="1">
+                <a:effectLst/>
+                <a:latin typeface="Calibri" panose="020F0502020204030204" pitchFamily="34" charset="0"/>
+              </a:rPr>
+              <a:t>акт</a:t>
+            </a:r>
+            <a:r>
+              <a:rPr lang="ru-RU" sz="1800" b="0" dirty="0">
+                <a:effectLst/>
+                <a:latin typeface="Calibri" panose="020F0502020204030204" pitchFamily="34" charset="0"/>
+              </a:rPr>
+              <a:t>а.</a:t>
+            </a:r>
+          </a:p>
+          <a:p>
+            <a:endParaRPr lang="ru-RU" sz="1800" b="0" dirty="0">
+              <a:effectLst/>
+              <a:latin typeface="Calibri" panose="020F0502020204030204" pitchFamily="34" charset="0"/>
+            </a:endParaRPr>
+          </a:p>
+          <a:p>
+            <a:endParaRPr lang="ru-RU" sz="1200" b="0" dirty="0">
+              <a:effectLst/>
+              <a:latin typeface="Calibri" panose="020F0502020204030204" pitchFamily="34" charset="0"/>
+            </a:endParaRPr>
+          </a:p>
+          <a:p>
+            <a:endParaRPr lang="en-US" dirty="0"/>
+          </a:p>
+        </p:txBody>
+      </p:sp>
+      <p:sp>
+        <p:nvSpPr>
+          <p:cNvPr id="4" name="Slide Number Placeholder 3"/>
+          <p:cNvSpPr>
+            <a:spLocks noGrp="1"/>
+          </p:cNvSpPr>
+          <p:nvPr>
+            <p:ph type="sldNum" sz="quarter" idx="5"/>
+          </p:nvPr>
+        </p:nvSpPr>
+        <p:spPr/>
+        <p:txBody>
+          <a:bodyPr/>
+          <a:lstStyle/>
+          <a:p>
+            <a:fld id="{EF83ECF8-EBB3-462A-BC97-8AC574C482EA}" type="slidenum">
+              <a:rPr lang="en-US" smtClean="0"/>
+              <a:t>26</a:t>
+            </a:fld>
+            <a:endParaRPr lang="en-US"/>
+          </a:p>
+        </p:txBody>
+      </p:sp>
+    </p:spTree>
+    <p:extLst>
+      <p:ext uri="{BB962C8B-B14F-4D97-AF65-F5344CB8AC3E}">
+        <p14:creationId xmlns:p14="http://schemas.microsoft.com/office/powerpoint/2010/main" val="2973766690"/>
+      </p:ext>
+    </p:extLst>
+  </p:cSld>
+  <p:clrMapOvr>
+    <a:masterClrMapping/>
+  </p:clrMapOvr>
+</p:notes>
+</file>
+
+<file path=ppt/notesSlides/notesSlide18.xml><?xml version="1.0" encoding="utf-8"?>
+<p:notes xmlns:a="http://schemas.openxmlformats.org/drawingml/2006/main" xmlns:r="http://schemas.openxmlformats.org/officeDocument/2006/relationships" xmlns:p="http://schemas.openxmlformats.org/presentationml/2006/main">
+  <p:cSld>
+    <p:spTree>
+      <p:nvGrpSpPr>
+        <p:cNvPr id="1" name=""/>
+        <p:cNvGrpSpPr/>
+        <p:nvPr/>
+      </p:nvGrpSpPr>
+      <p:grpSpPr>
+        <a:xfrm>
+          <a:off x="0" y="0"/>
+          <a:ext cx="0" cy="0"/>
+          <a:chOff x="0" y="0"/>
+          <a:chExt cx="0" cy="0"/>
+        </a:xfrm>
+      </p:grpSpPr>
+      <p:sp>
+        <p:nvSpPr>
+          <p:cNvPr id="2" name="Slide Image Placeholder 1"/>
+          <p:cNvSpPr>
+            <a:spLocks noGrp="1" noRot="1" noChangeAspect="1"/>
+          </p:cNvSpPr>
+          <p:nvPr>
+            <p:ph type="sldImg"/>
+          </p:nvPr>
+        </p:nvSpPr>
+        <p:spPr/>
+      </p:sp>
+      <p:sp>
+        <p:nvSpPr>
+          <p:cNvPr id="3" name="Notes Placeholder 2"/>
+          <p:cNvSpPr>
+            <a:spLocks noGrp="1"/>
+          </p:cNvSpPr>
+          <p:nvPr>
+            <p:ph type="body" idx="1"/>
+          </p:nvPr>
+        </p:nvSpPr>
+        <p:spPr/>
+        <p:txBody>
+          <a:bodyPr/>
+          <a:lstStyle/>
+          <a:p>
+            <a:r>
+              <a:rPr lang="ru-RU" dirty="0"/>
+              <a:t>Почему мы верим что в будущем мы будем другими?</a:t>
+            </a:r>
+          </a:p>
+          <a:p>
+            <a:endParaRPr lang="ru-RU" dirty="0"/>
+          </a:p>
+          <a:p>
+            <a:r>
+              <a:rPr lang="en-US" sz="1800" b="1" dirty="0" err="1">
+                <a:effectLst/>
+                <a:latin typeface="Calibri" panose="020F0502020204030204" pitchFamily="34" charset="0"/>
+              </a:rPr>
+              <a:t>Мы</a:t>
+            </a:r>
+            <a:r>
+              <a:rPr lang="en-US" sz="1800" b="1" dirty="0">
+                <a:effectLst/>
+                <a:latin typeface="Calibri" panose="020F0502020204030204" pitchFamily="34" charset="0"/>
+              </a:rPr>
+              <a:t> </a:t>
+            </a:r>
+            <a:r>
+              <a:rPr lang="en-US" sz="1800" b="1" dirty="0" err="1">
+                <a:effectLst/>
+                <a:latin typeface="Calibri" panose="020F0502020204030204" pitchFamily="34" charset="0"/>
+              </a:rPr>
+              <a:t>щедро</a:t>
+            </a:r>
+            <a:r>
+              <a:rPr lang="en-US" sz="1800" b="1" dirty="0">
+                <a:effectLst/>
+                <a:latin typeface="Calibri" panose="020F0502020204030204" pitchFamily="34" charset="0"/>
+              </a:rPr>
+              <a:t> </a:t>
+            </a:r>
+            <a:r>
+              <a:rPr lang="en-US" sz="1800" b="1" dirty="0" err="1">
+                <a:effectLst/>
+                <a:latin typeface="Calibri" panose="020F0502020204030204" pitchFamily="34" charset="0"/>
+              </a:rPr>
+              <a:t>выдаем</a:t>
+            </a:r>
+            <a:r>
+              <a:rPr lang="en-US" sz="1800" b="1" dirty="0">
+                <a:effectLst/>
+                <a:latin typeface="Calibri" panose="020F0502020204030204" pitchFamily="34" charset="0"/>
+              </a:rPr>
+              <a:t> </a:t>
+            </a:r>
+            <a:r>
+              <a:rPr lang="en-US" sz="1800" b="1" dirty="0" err="1">
+                <a:effectLst/>
+                <a:latin typeface="Calibri" panose="020F0502020204030204" pitchFamily="34" charset="0"/>
+              </a:rPr>
+              <a:t>себе</a:t>
+            </a:r>
+            <a:r>
+              <a:rPr lang="en-US" sz="1800" b="1" dirty="0">
+                <a:effectLst/>
+                <a:latin typeface="Calibri" panose="020F0502020204030204" pitchFamily="34" charset="0"/>
+              </a:rPr>
+              <a:t> </a:t>
+            </a:r>
+            <a:r>
+              <a:rPr lang="en-US" sz="1800" b="1" dirty="0" err="1">
+                <a:effectLst/>
+                <a:latin typeface="Calibri" panose="020F0502020204030204" pitchFamily="34" charset="0"/>
+              </a:rPr>
+              <a:t>кредиты</a:t>
+            </a:r>
+            <a:r>
+              <a:rPr lang="en-US" sz="1800" b="1" dirty="0">
+                <a:effectLst/>
+                <a:latin typeface="Calibri" panose="020F0502020204030204" pitchFamily="34" charset="0"/>
+              </a:rPr>
+              <a:t> </a:t>
+            </a:r>
+            <a:r>
+              <a:rPr lang="en-US" sz="1800" b="1" dirty="0" err="1">
+                <a:effectLst/>
+                <a:latin typeface="Calibri" panose="020F0502020204030204" pitchFamily="34" charset="0"/>
+              </a:rPr>
+              <a:t>за</a:t>
+            </a:r>
+            <a:r>
+              <a:rPr lang="en-US" sz="1800" b="1" dirty="0">
+                <a:effectLst/>
+                <a:latin typeface="Calibri" panose="020F0502020204030204" pitchFamily="34" charset="0"/>
+              </a:rPr>
+              <a:t> </a:t>
+            </a:r>
+            <a:r>
+              <a:rPr lang="en-US" sz="1800" b="1" dirty="0" err="1">
+                <a:effectLst/>
+                <a:latin typeface="Calibri" panose="020F0502020204030204" pitchFamily="34" charset="0"/>
+              </a:rPr>
+              <a:t>то</a:t>
+            </a:r>
+            <a:r>
+              <a:rPr lang="en-US" sz="1800" b="1" dirty="0">
+                <a:effectLst/>
+                <a:latin typeface="Calibri" panose="020F0502020204030204" pitchFamily="34" charset="0"/>
+              </a:rPr>
+              <a:t>, </a:t>
+            </a:r>
+            <a:r>
+              <a:rPr lang="en-US" sz="1800" b="1" dirty="0" err="1">
+                <a:effectLst/>
+                <a:latin typeface="Calibri" panose="020F0502020204030204" pitchFamily="34" charset="0"/>
+              </a:rPr>
+              <a:t>что</a:t>
+            </a:r>
+            <a:r>
+              <a:rPr lang="en-US" sz="1800" b="1" dirty="0">
+                <a:effectLst/>
+                <a:latin typeface="Calibri" panose="020F0502020204030204" pitchFamily="34" charset="0"/>
+              </a:rPr>
+              <a:t> </a:t>
+            </a:r>
+            <a:r>
+              <a:rPr lang="en-US" sz="1800" b="1" dirty="0" err="1">
+                <a:effectLst/>
+                <a:latin typeface="Calibri" panose="020F0502020204030204" pitchFamily="34" charset="0"/>
+              </a:rPr>
+              <a:t>могли</a:t>
+            </a:r>
+            <a:r>
+              <a:rPr lang="en-US" sz="1800" b="1" dirty="0">
+                <a:effectLst/>
+                <a:latin typeface="Calibri" panose="020F0502020204030204" pitchFamily="34" charset="0"/>
+              </a:rPr>
+              <a:t> </a:t>
+            </a:r>
+            <a:r>
+              <a:rPr lang="en-US" sz="1800" b="1" dirty="0" err="1">
+                <a:effectLst/>
+                <a:latin typeface="Calibri" panose="020F0502020204030204" pitchFamily="34" charset="0"/>
+              </a:rPr>
+              <a:t>бы</a:t>
+            </a:r>
+            <a:r>
+              <a:rPr lang="en-US" sz="1800" b="1" dirty="0">
+                <a:effectLst/>
+                <a:latin typeface="Calibri" panose="020F0502020204030204" pitchFamily="34" charset="0"/>
+              </a:rPr>
+              <a:t> </a:t>
+            </a:r>
+            <a:r>
+              <a:rPr lang="en-US" sz="1800" b="1" dirty="0" err="1">
+                <a:effectLst/>
+                <a:latin typeface="Calibri" panose="020F0502020204030204" pitchFamily="34" charset="0"/>
+              </a:rPr>
+              <a:t>сделать</a:t>
+            </a:r>
+            <a:r>
+              <a:rPr lang="en-US" sz="1800" b="1" dirty="0">
+                <a:effectLst/>
+                <a:latin typeface="Calibri" panose="020F0502020204030204" pitchFamily="34" charset="0"/>
+              </a:rPr>
+              <a:t>, </a:t>
+            </a:r>
+            <a:r>
+              <a:rPr lang="en-US" sz="1800" b="1" dirty="0" err="1">
+                <a:effectLst/>
+                <a:latin typeface="Calibri" panose="020F0502020204030204" pitchFamily="34" charset="0"/>
+              </a:rPr>
+              <a:t>но</a:t>
+            </a:r>
+            <a:r>
+              <a:rPr lang="en-US" sz="1800" b="1" dirty="0">
+                <a:effectLst/>
+                <a:latin typeface="Calibri" panose="020F0502020204030204" pitchFamily="34" charset="0"/>
+              </a:rPr>
+              <a:t> </a:t>
+            </a:r>
+            <a:r>
+              <a:rPr lang="en-US" sz="1800" b="1" dirty="0" err="1">
+                <a:effectLst/>
+                <a:latin typeface="Calibri" panose="020F0502020204030204" pitchFamily="34" charset="0"/>
+              </a:rPr>
+              <a:t>не</a:t>
+            </a:r>
+            <a:r>
+              <a:rPr lang="en-US" sz="1800" b="1" dirty="0">
+                <a:effectLst/>
+                <a:latin typeface="Calibri" panose="020F0502020204030204" pitchFamily="34" charset="0"/>
+              </a:rPr>
+              <a:t> </a:t>
+            </a:r>
+            <a:r>
+              <a:rPr lang="en-US" sz="1800" b="1" dirty="0" err="1">
+                <a:effectLst/>
+                <a:latin typeface="Calibri" panose="020F0502020204030204" pitchFamily="34" charset="0"/>
+              </a:rPr>
+              <a:t>сделал</a:t>
+            </a:r>
+            <a:r>
+              <a:rPr lang="ru-RU" sz="1800" b="1" dirty="0">
+                <a:effectLst/>
+                <a:latin typeface="Calibri" panose="020F0502020204030204" pitchFamily="34" charset="0"/>
+              </a:rPr>
+              <a:t>и</a:t>
+            </a:r>
+            <a:r>
+              <a:rPr lang="en-US" sz="1800" b="1" dirty="0">
+                <a:effectLst/>
+                <a:latin typeface="Calibri" panose="020F0502020204030204" pitchFamily="34" charset="0"/>
+              </a:rPr>
+              <a:t>. </a:t>
+            </a:r>
+            <a:r>
+              <a:rPr lang="ru-RU" sz="1800" b="0" dirty="0">
+                <a:effectLst/>
+                <a:latin typeface="Calibri" panose="020F0502020204030204" pitchFamily="34" charset="0"/>
+              </a:rPr>
+              <a:t>Мы могли бы ... , но мы не сделали ... .</a:t>
+            </a:r>
+          </a:p>
+          <a:p>
+            <a:endParaRPr lang="ru-RU" sz="1800" b="0" dirty="0">
+              <a:effectLst/>
+              <a:latin typeface="Calibri" panose="020F0502020204030204" pitchFamily="34" charset="0"/>
+            </a:endParaRPr>
+          </a:p>
+          <a:p>
+            <a:r>
+              <a:rPr lang="en-US" sz="1800" b="1" dirty="0" err="1">
+                <a:effectLst/>
+                <a:latin typeface="Calibri" panose="020F0502020204030204" pitchFamily="34" charset="0"/>
+              </a:rPr>
+              <a:t>На</a:t>
+            </a:r>
+            <a:r>
+              <a:rPr lang="en-US" sz="1800" b="1" dirty="0">
+                <a:effectLst/>
+                <a:latin typeface="Calibri" panose="020F0502020204030204" pitchFamily="34" charset="0"/>
+              </a:rPr>
+              <a:t> </a:t>
+            </a:r>
+            <a:r>
+              <a:rPr lang="en-US" sz="1800" b="1" dirty="0" err="1">
+                <a:effectLst/>
+                <a:latin typeface="Calibri" panose="020F0502020204030204" pitchFamily="34" charset="0"/>
+              </a:rPr>
+              <a:t>практике</a:t>
+            </a:r>
+            <a:r>
+              <a:rPr lang="en-US" sz="1800" b="1" dirty="0">
+                <a:effectLst/>
+                <a:latin typeface="Calibri" panose="020F0502020204030204" pitchFamily="34" charset="0"/>
+              </a:rPr>
+              <a:t> </a:t>
+            </a:r>
+            <a:r>
+              <a:rPr lang="en-US" sz="1800" b="1" dirty="0" err="1">
+                <a:effectLst/>
+                <a:latin typeface="Calibri" panose="020F0502020204030204" pitchFamily="34" charset="0"/>
+              </a:rPr>
+              <a:t>это</a:t>
+            </a:r>
+            <a:r>
+              <a:rPr lang="en-US" sz="1800" b="1" dirty="0">
+                <a:effectLst/>
+                <a:latin typeface="Calibri" panose="020F0502020204030204" pitchFamily="34" charset="0"/>
+              </a:rPr>
+              <a:t> </a:t>
+            </a:r>
+            <a:r>
+              <a:rPr lang="en-US" sz="1800" b="1" dirty="0" err="1">
+                <a:effectLst/>
+                <a:latin typeface="Calibri" panose="020F0502020204030204" pitchFamily="34" charset="0"/>
+              </a:rPr>
+              <a:t>означает</a:t>
+            </a:r>
+            <a:r>
+              <a:rPr lang="en-US" sz="1800" b="1" dirty="0">
+                <a:effectLst/>
+                <a:latin typeface="Calibri" panose="020F0502020204030204" pitchFamily="34" charset="0"/>
+              </a:rPr>
+              <a:t>, </a:t>
+            </a:r>
+            <a:r>
+              <a:rPr lang="en-US" sz="1800" b="1" dirty="0" err="1">
+                <a:effectLst/>
+                <a:latin typeface="Calibri" panose="020F0502020204030204" pitchFamily="34" charset="0"/>
+              </a:rPr>
+              <a:t>что</a:t>
+            </a:r>
+            <a:r>
+              <a:rPr lang="en-US" sz="1800" b="1" dirty="0">
+                <a:effectLst/>
+                <a:latin typeface="Calibri" panose="020F0502020204030204" pitchFamily="34" charset="0"/>
+              </a:rPr>
+              <a:t> </a:t>
+            </a:r>
+            <a:r>
+              <a:rPr lang="en-US" sz="1800" b="1" dirty="0" err="1">
+                <a:effectLst/>
+                <a:latin typeface="Calibri" panose="020F0502020204030204" pitchFamily="34" charset="0"/>
+              </a:rPr>
+              <a:t>один</a:t>
+            </a:r>
+            <a:r>
+              <a:rPr lang="en-US" sz="1800" b="1" dirty="0">
+                <a:effectLst/>
+                <a:latin typeface="Calibri" panose="020F0502020204030204" pitchFamily="34" charset="0"/>
+              </a:rPr>
+              <a:t> </a:t>
+            </a:r>
+            <a:r>
+              <a:rPr lang="en-US" sz="1800" b="1" dirty="0" err="1">
+                <a:effectLst/>
+                <a:latin typeface="Calibri" panose="020F0502020204030204" pitchFamily="34" charset="0"/>
+              </a:rPr>
+              <a:t>шаг</a:t>
+            </a:r>
+            <a:r>
+              <a:rPr lang="en-US" sz="1800" b="1" dirty="0">
+                <a:effectLst/>
+                <a:latin typeface="Calibri" panose="020F0502020204030204" pitchFamily="34" charset="0"/>
+              </a:rPr>
+              <a:t> </a:t>
+            </a:r>
+            <a:r>
+              <a:rPr lang="en-US" sz="1800" b="1" dirty="0" err="1">
+                <a:effectLst/>
+                <a:latin typeface="Calibri" panose="020F0502020204030204" pitchFamily="34" charset="0"/>
+              </a:rPr>
+              <a:t>вперед</a:t>
+            </a:r>
+            <a:r>
+              <a:rPr lang="en-US" sz="1800" b="1" dirty="0">
+                <a:effectLst/>
+                <a:latin typeface="Calibri" panose="020F0502020204030204" pitchFamily="34" charset="0"/>
+              </a:rPr>
+              <a:t> </a:t>
+            </a:r>
+            <a:r>
+              <a:rPr lang="en-US" sz="1800" b="1" dirty="0" err="1">
+                <a:effectLst/>
+                <a:latin typeface="Calibri" panose="020F0502020204030204" pitchFamily="34" charset="0"/>
+              </a:rPr>
+              <a:t>разрешает</a:t>
+            </a:r>
+            <a:r>
+              <a:rPr lang="en-US" sz="1800" b="1" dirty="0">
+                <a:effectLst/>
+                <a:latin typeface="Calibri" panose="020F0502020204030204" pitchFamily="34" charset="0"/>
+              </a:rPr>
+              <a:t> </a:t>
+            </a:r>
+            <a:r>
+              <a:rPr lang="en-US" sz="1800" b="1" dirty="0" err="1">
+                <a:effectLst/>
+                <a:latin typeface="Calibri" panose="020F0502020204030204" pitchFamily="34" charset="0"/>
+              </a:rPr>
+              <a:t>два</a:t>
+            </a:r>
+            <a:r>
+              <a:rPr lang="en-US" sz="1800" b="1" dirty="0">
+                <a:effectLst/>
+                <a:latin typeface="Calibri" panose="020F0502020204030204" pitchFamily="34" charset="0"/>
+              </a:rPr>
+              <a:t> </a:t>
+            </a:r>
+            <a:r>
+              <a:rPr lang="en-US" sz="1800" b="1" dirty="0" err="1">
+                <a:effectLst/>
+                <a:latin typeface="Calibri" panose="020F0502020204030204" pitchFamily="34" charset="0"/>
+              </a:rPr>
+              <a:t>шага</a:t>
+            </a:r>
+            <a:r>
+              <a:rPr lang="en-US" sz="1800" b="1" dirty="0">
+                <a:effectLst/>
+                <a:latin typeface="Calibri" panose="020F0502020204030204" pitchFamily="34" charset="0"/>
+              </a:rPr>
+              <a:t> </a:t>
+            </a:r>
+            <a:r>
+              <a:rPr lang="en-US" sz="1800" b="1" dirty="0" err="1">
+                <a:effectLst/>
+                <a:latin typeface="Calibri" panose="020F0502020204030204" pitchFamily="34" charset="0"/>
+              </a:rPr>
+              <a:t>наза</a:t>
+            </a:r>
+            <a:r>
+              <a:rPr lang="ru-RU" sz="1800" b="1" dirty="0">
+                <a:effectLst/>
+                <a:latin typeface="Calibri" panose="020F0502020204030204" pitchFamily="34" charset="0"/>
+              </a:rPr>
+              <a:t>д</a:t>
+            </a:r>
+            <a:r>
+              <a:rPr lang="en-US" sz="1800" b="1" dirty="0">
+                <a:effectLst/>
+                <a:latin typeface="Calibri" panose="020F0502020204030204" pitchFamily="34" charset="0"/>
+              </a:rPr>
+              <a:t>.</a:t>
+            </a:r>
+            <a:endParaRPr lang="ru-RU" sz="1800" b="1" dirty="0">
+              <a:effectLst/>
+              <a:latin typeface="Calibri" panose="020F0502020204030204" pitchFamily="34" charset="0"/>
+            </a:endParaRPr>
+          </a:p>
+          <a:p>
+            <a:endParaRPr lang="ru-RU" dirty="0"/>
+          </a:p>
+          <a:p>
+            <a:r>
+              <a:rPr lang="en-US" sz="1800" dirty="0" err="1">
+                <a:effectLst/>
+                <a:latin typeface="Calibri" panose="020F0502020204030204" pitchFamily="34" charset="0"/>
+              </a:rPr>
+              <a:t>Мы</a:t>
+            </a:r>
+            <a:r>
+              <a:rPr lang="en-US" sz="1800" dirty="0">
+                <a:effectLst/>
+                <a:latin typeface="Calibri" panose="020F0502020204030204" pitchFamily="34" charset="0"/>
+              </a:rPr>
+              <a:t> </a:t>
+            </a:r>
+            <a:r>
+              <a:rPr lang="en-US" sz="1800" dirty="0" err="1">
+                <a:effectLst/>
+                <a:latin typeface="Calibri" panose="020F0502020204030204" pitchFamily="34" charset="0"/>
+              </a:rPr>
+              <a:t>ошибочно</a:t>
+            </a:r>
+            <a:r>
+              <a:rPr lang="en-US" sz="1800" dirty="0">
+                <a:effectLst/>
+                <a:latin typeface="Calibri" panose="020F0502020204030204" pitchFamily="34" charset="0"/>
+              </a:rPr>
+              <a:t>, </a:t>
+            </a:r>
+            <a:r>
+              <a:rPr lang="en-US" sz="1800" dirty="0" err="1">
+                <a:effectLst/>
+                <a:latin typeface="Calibri" panose="020F0502020204030204" pitchFamily="34" charset="0"/>
+              </a:rPr>
+              <a:t>но</a:t>
+            </a:r>
+            <a:r>
+              <a:rPr lang="en-US" sz="1800" dirty="0">
+                <a:effectLst/>
+                <a:latin typeface="Calibri" panose="020F0502020204030204" pitchFamily="34" charset="0"/>
+              </a:rPr>
+              <a:t> </a:t>
+            </a:r>
+            <a:r>
+              <a:rPr lang="en-US" sz="1800" dirty="0" err="1">
+                <a:effectLst/>
+                <a:latin typeface="Calibri" panose="020F0502020204030204" pitchFamily="34" charset="0"/>
+              </a:rPr>
+              <a:t>упрямо</a:t>
+            </a:r>
+            <a:r>
+              <a:rPr lang="en-US" sz="1800" dirty="0">
+                <a:effectLst/>
+                <a:latin typeface="Calibri" panose="020F0502020204030204" pitchFamily="34" charset="0"/>
+              </a:rPr>
+              <a:t> </a:t>
+            </a:r>
+            <a:r>
+              <a:rPr lang="en-US" sz="1800" dirty="0" err="1">
+                <a:effectLst/>
+                <a:latin typeface="Calibri" panose="020F0502020204030204" pitchFamily="34" charset="0"/>
+              </a:rPr>
+              <a:t>верим</a:t>
+            </a:r>
+            <a:r>
+              <a:rPr lang="en-US" sz="1800" dirty="0">
+                <a:effectLst/>
+                <a:latin typeface="Calibri" panose="020F0502020204030204" pitchFamily="34" charset="0"/>
+              </a:rPr>
+              <a:t>, </a:t>
+            </a:r>
+            <a:r>
+              <a:rPr lang="en-US" sz="1800" dirty="0" err="1">
+                <a:effectLst/>
+                <a:latin typeface="Calibri" panose="020F0502020204030204" pitchFamily="34" charset="0"/>
+              </a:rPr>
+              <a:t>что</a:t>
+            </a:r>
+            <a:r>
+              <a:rPr lang="en-US" sz="1800" dirty="0">
+                <a:effectLst/>
+                <a:latin typeface="Calibri" panose="020F0502020204030204" pitchFamily="34" charset="0"/>
+              </a:rPr>
+              <a:t> </a:t>
+            </a:r>
+            <a:r>
+              <a:rPr lang="en-US" sz="1800" dirty="0" err="1">
+                <a:effectLst/>
+                <a:latin typeface="Calibri" panose="020F0502020204030204" pitchFamily="34" charset="0"/>
+              </a:rPr>
+              <a:t>завтра</a:t>
+            </a:r>
+            <a:r>
+              <a:rPr lang="en-US" sz="1800" dirty="0">
+                <a:effectLst/>
+                <a:latin typeface="Calibri" panose="020F0502020204030204" pitchFamily="34" charset="0"/>
+              </a:rPr>
+              <a:t> </a:t>
+            </a:r>
+            <a:r>
+              <a:rPr lang="en-US" sz="1800" dirty="0" err="1">
+                <a:effectLst/>
+                <a:latin typeface="Calibri" panose="020F0502020204030204" pitchFamily="34" charset="0"/>
+              </a:rPr>
+              <a:t>поступим</a:t>
+            </a:r>
+            <a:r>
+              <a:rPr lang="en-US" sz="1800" dirty="0">
+                <a:effectLst/>
+                <a:latin typeface="Calibri" panose="020F0502020204030204" pitchFamily="34" charset="0"/>
+              </a:rPr>
+              <a:t> </a:t>
+            </a:r>
+            <a:r>
+              <a:rPr lang="en-US" sz="1800" dirty="0" err="1">
+                <a:effectLst/>
+                <a:latin typeface="Calibri" panose="020F0502020204030204" pitchFamily="34" charset="0"/>
+              </a:rPr>
+              <a:t>не</a:t>
+            </a:r>
+            <a:r>
+              <a:rPr lang="en-US" sz="1800" dirty="0">
+                <a:effectLst/>
+                <a:latin typeface="Calibri" panose="020F0502020204030204" pitchFamily="34" charset="0"/>
+              </a:rPr>
+              <a:t> </a:t>
+            </a:r>
+            <a:r>
+              <a:rPr lang="en-US" sz="1800" dirty="0" err="1">
+                <a:effectLst/>
+                <a:latin typeface="Calibri" panose="020F0502020204030204" pitchFamily="34" charset="0"/>
+              </a:rPr>
+              <a:t>так</a:t>
+            </a:r>
+            <a:r>
+              <a:rPr lang="en-US" sz="1800" dirty="0">
+                <a:effectLst/>
+                <a:latin typeface="Calibri" panose="020F0502020204030204" pitchFamily="34" charset="0"/>
+              </a:rPr>
+              <a:t>, </a:t>
+            </a:r>
+            <a:r>
+              <a:rPr lang="en-US" sz="1800" dirty="0" err="1">
+                <a:effectLst/>
+                <a:latin typeface="Calibri" panose="020F0502020204030204" pitchFamily="34" charset="0"/>
+              </a:rPr>
+              <a:t>как</a:t>
+            </a:r>
+            <a:r>
+              <a:rPr lang="en-US" sz="1800" dirty="0">
+                <a:effectLst/>
+                <a:latin typeface="Calibri" panose="020F0502020204030204" pitchFamily="34" charset="0"/>
+              </a:rPr>
+              <a:t> </a:t>
+            </a:r>
+            <a:r>
+              <a:rPr lang="en-US" sz="1800" dirty="0" err="1">
+                <a:effectLst/>
+                <a:latin typeface="Calibri" panose="020F0502020204030204" pitchFamily="34" charset="0"/>
+              </a:rPr>
+              <a:t>сегодня</a:t>
+            </a:r>
+            <a:r>
+              <a:rPr lang="en-US" sz="1800" dirty="0">
+                <a:effectLst/>
+                <a:latin typeface="Calibri" panose="020F0502020204030204" pitchFamily="34" charset="0"/>
+              </a:rPr>
+              <a:t>. Я </a:t>
+            </a:r>
+            <a:r>
+              <a:rPr lang="en-US" sz="1800" dirty="0" err="1">
+                <a:effectLst/>
+                <a:latin typeface="Calibri" panose="020F0502020204030204" pitchFamily="34" charset="0"/>
+              </a:rPr>
+              <a:t>выкурю</a:t>
+            </a:r>
+            <a:r>
+              <a:rPr lang="en-US" sz="1800" dirty="0">
+                <a:effectLst/>
+                <a:latin typeface="Calibri" panose="020F0502020204030204" pitchFamily="34" charset="0"/>
+              </a:rPr>
+              <a:t> </a:t>
+            </a:r>
+            <a:r>
+              <a:rPr lang="en-US" sz="1800" dirty="0" err="1">
+                <a:effectLst/>
+                <a:latin typeface="Calibri" panose="020F0502020204030204" pitchFamily="34" charset="0"/>
+              </a:rPr>
+              <a:t>эту</a:t>
+            </a:r>
+            <a:r>
+              <a:rPr lang="en-US" sz="1800" dirty="0">
+                <a:effectLst/>
+                <a:latin typeface="Calibri" panose="020F0502020204030204" pitchFamily="34" charset="0"/>
+              </a:rPr>
+              <a:t> </a:t>
+            </a:r>
+            <a:r>
+              <a:rPr lang="en-US" sz="1800" dirty="0" err="1">
+                <a:effectLst/>
+                <a:latin typeface="Calibri" panose="020F0502020204030204" pitchFamily="34" charset="0"/>
+              </a:rPr>
+              <a:t>сигарету</a:t>
+            </a:r>
+            <a:r>
+              <a:rPr lang="en-US" sz="1800" dirty="0">
+                <a:effectLst/>
+                <a:latin typeface="Calibri" panose="020F0502020204030204" pitchFamily="34" charset="0"/>
+              </a:rPr>
+              <a:t>, </a:t>
+            </a:r>
+            <a:r>
+              <a:rPr lang="en-US" sz="1800" dirty="0" err="1">
+                <a:effectLst/>
+                <a:latin typeface="Calibri" panose="020F0502020204030204" pitchFamily="34" charset="0"/>
+              </a:rPr>
+              <a:t>но</a:t>
+            </a:r>
+            <a:r>
+              <a:rPr lang="en-US" sz="1800" dirty="0">
+                <a:effectLst/>
+                <a:latin typeface="Calibri" panose="020F0502020204030204" pitchFamily="34" charset="0"/>
+              </a:rPr>
+              <a:t> </a:t>
+            </a:r>
+            <a:r>
+              <a:rPr lang="en-US" sz="1800" dirty="0" err="1">
+                <a:effectLst/>
+                <a:latin typeface="Calibri" panose="020F0502020204030204" pitchFamily="34" charset="0"/>
+              </a:rPr>
+              <a:t>завтра</a:t>
+            </a:r>
+            <a:r>
+              <a:rPr lang="en-US" sz="1800" dirty="0">
+                <a:effectLst/>
+                <a:latin typeface="Calibri" panose="020F0502020204030204" pitchFamily="34" charset="0"/>
+              </a:rPr>
+              <a:t> я </a:t>
+            </a:r>
+            <a:r>
+              <a:rPr lang="en-US" sz="1800" dirty="0" err="1">
+                <a:effectLst/>
+                <a:latin typeface="Calibri" panose="020F0502020204030204" pitchFamily="34" charset="0"/>
+              </a:rPr>
+              <a:t>завяжу</a:t>
+            </a:r>
+            <a:r>
+              <a:rPr lang="en-US" sz="1800" dirty="0">
+                <a:effectLst/>
+                <a:latin typeface="Calibri" panose="020F0502020204030204" pitchFamily="34" charset="0"/>
+              </a:rPr>
+              <a:t>. </a:t>
+            </a:r>
+            <a:r>
+              <a:rPr lang="en-US" sz="1800" dirty="0" err="1">
+                <a:effectLst/>
+                <a:latin typeface="Calibri" panose="020F0502020204030204" pitchFamily="34" charset="0"/>
+              </a:rPr>
+              <a:t>Сегодня</a:t>
+            </a:r>
+            <a:r>
+              <a:rPr lang="en-US" sz="1800" dirty="0">
+                <a:effectLst/>
+                <a:latin typeface="Calibri" panose="020F0502020204030204" pitchFamily="34" charset="0"/>
+              </a:rPr>
+              <a:t> я </a:t>
+            </a:r>
+            <a:r>
+              <a:rPr lang="en-US" sz="1800" dirty="0" err="1">
+                <a:effectLst/>
+                <a:latin typeface="Calibri" panose="020F0502020204030204" pitchFamily="34" charset="0"/>
+              </a:rPr>
+              <a:t>пропущу</a:t>
+            </a:r>
+            <a:r>
+              <a:rPr lang="en-US" sz="1800" dirty="0">
+                <a:effectLst/>
+                <a:latin typeface="Calibri" panose="020F0502020204030204" pitchFamily="34" charset="0"/>
+              </a:rPr>
+              <a:t> </a:t>
+            </a:r>
+            <a:r>
+              <a:rPr lang="en-US" sz="1800" dirty="0" err="1">
+                <a:effectLst/>
+                <a:latin typeface="Calibri" panose="020F0502020204030204" pitchFamily="34" charset="0"/>
+              </a:rPr>
+              <a:t>спортзал</a:t>
+            </a:r>
+            <a:r>
+              <a:rPr lang="en-US" sz="1800" dirty="0">
+                <a:effectLst/>
+                <a:latin typeface="Calibri" panose="020F0502020204030204" pitchFamily="34" charset="0"/>
+              </a:rPr>
+              <a:t>, </a:t>
+            </a:r>
+            <a:r>
+              <a:rPr lang="en-US" sz="1800" dirty="0" err="1">
+                <a:effectLst/>
+                <a:latin typeface="Calibri" panose="020F0502020204030204" pitchFamily="34" charset="0"/>
+              </a:rPr>
+              <a:t>но</a:t>
+            </a:r>
+            <a:r>
+              <a:rPr lang="en-US" sz="1800" dirty="0">
+                <a:effectLst/>
+                <a:latin typeface="Calibri" panose="020F0502020204030204" pitchFamily="34" charset="0"/>
+              </a:rPr>
+              <a:t> </a:t>
+            </a:r>
+            <a:r>
+              <a:rPr lang="en-US" sz="1800" dirty="0" err="1">
+                <a:effectLst/>
+                <a:latin typeface="Calibri" panose="020F0502020204030204" pitchFamily="34" charset="0"/>
+              </a:rPr>
+              <a:t>точно</a:t>
+            </a:r>
+            <a:r>
+              <a:rPr lang="en-US" sz="1800" dirty="0">
+                <a:effectLst/>
+                <a:latin typeface="Calibri" panose="020F0502020204030204" pitchFamily="34" charset="0"/>
+              </a:rPr>
+              <a:t> </a:t>
+            </a:r>
+            <a:r>
+              <a:rPr lang="en-US" sz="1800" dirty="0" err="1">
+                <a:effectLst/>
+                <a:latin typeface="Calibri" panose="020F0502020204030204" pitchFamily="34" charset="0"/>
+              </a:rPr>
+              <a:t>пойду</a:t>
+            </a:r>
+            <a:r>
+              <a:rPr lang="en-US" sz="1800" dirty="0">
+                <a:effectLst/>
+                <a:latin typeface="Calibri" panose="020F0502020204030204" pitchFamily="34" charset="0"/>
+              </a:rPr>
+              <a:t> </a:t>
+            </a:r>
+            <a:r>
+              <a:rPr lang="en-US" sz="1800" dirty="0" err="1">
+                <a:effectLst/>
+                <a:latin typeface="Calibri" panose="020F0502020204030204" pitchFamily="34" charset="0"/>
+              </a:rPr>
+              <a:t>завтра</a:t>
+            </a:r>
+            <a:r>
+              <a:rPr lang="en-US" sz="1800" dirty="0">
+                <a:effectLst/>
+                <a:latin typeface="Calibri" panose="020F0502020204030204" pitchFamily="34" charset="0"/>
+              </a:rPr>
+              <a:t>.</a:t>
+            </a:r>
+            <a:endParaRPr lang="ru-RU" sz="1800" dirty="0">
+              <a:effectLst/>
+              <a:latin typeface="Calibri" panose="020F0502020204030204" pitchFamily="34" charset="0"/>
+            </a:endParaRPr>
+          </a:p>
+          <a:p>
+            <a:endParaRPr lang="ru-RU" sz="1800" dirty="0">
+              <a:effectLst/>
+              <a:latin typeface="Calibri" panose="020F0502020204030204" pitchFamily="34" charset="0"/>
+            </a:endParaRPr>
+          </a:p>
+          <a:p>
+            <a:r>
+              <a:rPr lang="en-US" sz="1800" b="1" dirty="0" err="1">
+                <a:effectLst/>
+                <a:latin typeface="Calibri" panose="020F0502020204030204" pitchFamily="34" charset="0"/>
+              </a:rPr>
+              <a:t>Люди</a:t>
+            </a:r>
+            <a:r>
+              <a:rPr lang="en-US" sz="1800" b="1" dirty="0">
+                <a:effectLst/>
+                <a:latin typeface="Calibri" panose="020F0502020204030204" pitchFamily="34" charset="0"/>
+              </a:rPr>
+              <a:t> </a:t>
+            </a:r>
+            <a:r>
+              <a:rPr lang="en-US" sz="1800" b="1" dirty="0" err="1">
+                <a:effectLst/>
+                <a:latin typeface="Calibri" panose="020F0502020204030204" pitchFamily="34" charset="0"/>
+              </a:rPr>
+              <a:t>делали</a:t>
+            </a:r>
+            <a:r>
+              <a:rPr lang="en-US" sz="1800" b="1" dirty="0">
+                <a:effectLst/>
+                <a:latin typeface="Calibri" panose="020F0502020204030204" pitchFamily="34" charset="0"/>
+              </a:rPr>
+              <a:t> </a:t>
+            </a:r>
+            <a:r>
+              <a:rPr lang="en-US" sz="1800" b="1" dirty="0" err="1">
+                <a:effectLst/>
+                <a:latin typeface="Calibri" panose="020F0502020204030204" pitchFamily="34" charset="0"/>
+              </a:rPr>
+              <a:t>прогнозы</a:t>
+            </a:r>
+            <a:r>
+              <a:rPr lang="en-US" sz="1800" b="1" dirty="0">
+                <a:effectLst/>
+                <a:latin typeface="Calibri" panose="020F0502020204030204" pitchFamily="34" charset="0"/>
+              </a:rPr>
+              <a:t> </a:t>
+            </a:r>
+            <a:r>
+              <a:rPr lang="en-US" sz="1800" b="1" dirty="0" err="1">
+                <a:effectLst/>
+                <a:latin typeface="Calibri" panose="020F0502020204030204" pitchFamily="34" charset="0"/>
+              </a:rPr>
+              <a:t>для</a:t>
+            </a:r>
+            <a:r>
+              <a:rPr lang="en-US" sz="1800" b="1" dirty="0">
+                <a:effectLst/>
+                <a:latin typeface="Calibri" panose="020F0502020204030204" pitchFamily="34" charset="0"/>
+              </a:rPr>
+              <a:t> </a:t>
+            </a:r>
+            <a:r>
+              <a:rPr lang="en-US" sz="1800" b="1" dirty="0" err="1">
+                <a:effectLst/>
+                <a:latin typeface="Calibri" panose="020F0502020204030204" pitchFamily="34" charset="0"/>
+              </a:rPr>
+              <a:t>идеального</a:t>
+            </a:r>
+            <a:r>
+              <a:rPr lang="en-US" sz="1800" b="1" dirty="0">
+                <a:effectLst/>
+                <a:latin typeface="Calibri" panose="020F0502020204030204" pitchFamily="34" charset="0"/>
+              </a:rPr>
+              <a:t> </a:t>
+            </a:r>
+            <a:r>
+              <a:rPr lang="en-US" sz="1800" b="1" dirty="0" err="1">
+                <a:effectLst/>
+                <a:latin typeface="Calibri" panose="020F0502020204030204" pitchFamily="34" charset="0"/>
+              </a:rPr>
+              <a:t>мира</a:t>
+            </a:r>
+            <a:r>
+              <a:rPr lang="en-US" sz="1800" b="1" dirty="0">
+                <a:effectLst/>
+                <a:latin typeface="Calibri" panose="020F0502020204030204" pitchFamily="34" charset="0"/>
+              </a:rPr>
+              <a:t>, </a:t>
+            </a:r>
+            <a:r>
+              <a:rPr lang="en-US" sz="1800" b="1" dirty="0" err="1">
+                <a:effectLst/>
+                <a:latin typeface="Calibri" panose="020F0502020204030204" pitchFamily="34" charset="0"/>
+              </a:rPr>
+              <a:t>но</a:t>
+            </a:r>
+            <a:r>
+              <a:rPr lang="en-US" sz="1800" b="1" dirty="0">
+                <a:effectLst/>
+                <a:latin typeface="Calibri" panose="020F0502020204030204" pitchFamily="34" charset="0"/>
+              </a:rPr>
+              <a:t> </a:t>
+            </a:r>
+            <a:r>
+              <a:rPr lang="en-US" sz="1800" b="1" dirty="0" err="1">
+                <a:effectLst/>
+                <a:latin typeface="Calibri" panose="020F0502020204030204" pitchFamily="34" charset="0"/>
+              </a:rPr>
+              <a:t>прожили</a:t>
+            </a:r>
+            <a:r>
+              <a:rPr lang="en-US" sz="1800" b="1" dirty="0">
+                <a:effectLst/>
+                <a:latin typeface="Calibri" panose="020F0502020204030204" pitchFamily="34" charset="0"/>
+              </a:rPr>
+              <a:t> </a:t>
+            </a:r>
+            <a:r>
+              <a:rPr lang="en-US" sz="1800" b="1" dirty="0" err="1">
+                <a:effectLst/>
+                <a:latin typeface="Calibri" panose="020F0502020204030204" pitchFamily="34" charset="0"/>
+              </a:rPr>
+              <a:t>две</a:t>
+            </a:r>
+            <a:r>
+              <a:rPr lang="en-US" sz="1800" b="1" dirty="0">
+                <a:effectLst/>
+                <a:latin typeface="Calibri" panose="020F0502020204030204" pitchFamily="34" charset="0"/>
+              </a:rPr>
+              <a:t> </a:t>
+            </a:r>
+            <a:r>
+              <a:rPr lang="en-US" sz="1800" b="1" dirty="0" err="1">
+                <a:effectLst/>
+                <a:latin typeface="Calibri" panose="020F0502020204030204" pitchFamily="34" charset="0"/>
+              </a:rPr>
+              <a:t>недели</a:t>
+            </a:r>
+            <a:r>
+              <a:rPr lang="en-US" sz="1800" b="1" dirty="0">
+                <a:effectLst/>
+                <a:latin typeface="Calibri" panose="020F0502020204030204" pitchFamily="34" charset="0"/>
+              </a:rPr>
+              <a:t> в </a:t>
+            </a:r>
+            <a:r>
+              <a:rPr lang="en-US" sz="1800" b="1" dirty="0" err="1">
+                <a:effectLst/>
+                <a:latin typeface="Calibri" panose="020F0502020204030204" pitchFamily="34" charset="0"/>
+              </a:rPr>
+              <a:t>реально</a:t>
+            </a:r>
+            <a:r>
+              <a:rPr lang="ru-RU" sz="1800" b="1" dirty="0">
+                <a:effectLst/>
+                <a:latin typeface="Calibri" panose="020F0502020204030204" pitchFamily="34" charset="0"/>
+              </a:rPr>
+              <a:t>м.</a:t>
+            </a:r>
+          </a:p>
+          <a:p>
+            <a:r>
+              <a:rPr lang="en-US" sz="1800" b="0" dirty="0" err="1">
+                <a:effectLst/>
+                <a:latin typeface="Calibri" panose="020F0502020204030204" pitchFamily="34" charset="0"/>
+              </a:rPr>
+              <a:t>Вечные</a:t>
+            </a:r>
+            <a:r>
+              <a:rPr lang="en-US" sz="1800" b="0" dirty="0">
+                <a:effectLst/>
+                <a:latin typeface="Calibri" panose="020F0502020204030204" pitchFamily="34" charset="0"/>
+              </a:rPr>
+              <a:t> </a:t>
+            </a:r>
+            <a:r>
+              <a:rPr lang="en-US" sz="1800" b="0" dirty="0" err="1">
+                <a:effectLst/>
+                <a:latin typeface="Calibri" panose="020F0502020204030204" pitchFamily="34" charset="0"/>
+              </a:rPr>
+              <a:t>оптимисты</a:t>
+            </a:r>
+            <a:r>
+              <a:rPr lang="en-US" sz="1800" b="0" dirty="0">
+                <a:effectLst/>
+                <a:latin typeface="Calibri" panose="020F0502020204030204" pitchFamily="34" charset="0"/>
+              </a:rPr>
+              <a:t>, </a:t>
+            </a:r>
+            <a:r>
+              <a:rPr lang="en-US" sz="1800" b="0" dirty="0" err="1">
+                <a:effectLst/>
+                <a:latin typeface="Calibri" panose="020F0502020204030204" pitchFamily="34" charset="0"/>
+              </a:rPr>
+              <a:t>те</a:t>
+            </a:r>
+            <a:r>
+              <a:rPr lang="en-US" sz="1800" b="0" dirty="0">
+                <a:effectLst/>
+                <a:latin typeface="Calibri" panose="020F0502020204030204" pitchFamily="34" charset="0"/>
+              </a:rPr>
+              <a:t> </a:t>
+            </a:r>
+            <a:r>
+              <a:rPr lang="en-US" sz="1800" b="0" dirty="0" err="1">
+                <a:effectLst/>
+                <a:latin typeface="Calibri" panose="020F0502020204030204" pitchFamily="34" charset="0"/>
+              </a:rPr>
+              <a:t>обещали</a:t>
+            </a:r>
+            <a:r>
+              <a:rPr lang="en-US" sz="1800" b="0" dirty="0">
+                <a:effectLst/>
+                <a:latin typeface="Calibri" panose="020F0502020204030204" pitchFamily="34" charset="0"/>
+              </a:rPr>
+              <a:t> </a:t>
+            </a:r>
+            <a:r>
+              <a:rPr lang="en-US" sz="1800" b="0" dirty="0" err="1">
+                <a:effectLst/>
+                <a:latin typeface="Calibri" panose="020F0502020204030204" pitchFamily="34" charset="0"/>
+              </a:rPr>
+              <a:t>заниматься</a:t>
+            </a:r>
+            <a:r>
+              <a:rPr lang="en-US" sz="1800" b="0" dirty="0">
+                <a:effectLst/>
+                <a:latin typeface="Calibri" panose="020F0502020204030204" pitchFamily="34" charset="0"/>
+              </a:rPr>
+              <a:t> </a:t>
+            </a:r>
+            <a:r>
+              <a:rPr lang="en-US" sz="1800" b="0" dirty="0" err="1">
+                <a:effectLst/>
+                <a:latin typeface="Calibri" panose="020F0502020204030204" pitchFamily="34" charset="0"/>
+              </a:rPr>
+              <a:t>спортом</a:t>
+            </a:r>
+            <a:r>
+              <a:rPr lang="en-US" sz="1800" b="0" dirty="0">
+                <a:effectLst/>
+                <a:latin typeface="Calibri" panose="020F0502020204030204" pitchFamily="34" charset="0"/>
+              </a:rPr>
+              <a:t> </a:t>
+            </a:r>
+            <a:r>
+              <a:rPr lang="en-US" sz="1800" b="0" dirty="0" err="1">
+                <a:effectLst/>
+                <a:latin typeface="Calibri" panose="020F0502020204030204" pitchFamily="34" charset="0"/>
+              </a:rPr>
+              <a:t>даже</a:t>
+            </a:r>
+            <a:r>
+              <a:rPr lang="en-US" sz="1800" b="0" dirty="0">
+                <a:effectLst/>
+                <a:latin typeface="Calibri" panose="020F0502020204030204" pitchFamily="34" charset="0"/>
+              </a:rPr>
+              <a:t> </a:t>
+            </a:r>
+            <a:r>
+              <a:rPr lang="en-US" sz="1800" b="0" dirty="0" err="1">
+                <a:effectLst/>
+                <a:latin typeface="Calibri" panose="020F0502020204030204" pitchFamily="34" charset="0"/>
+              </a:rPr>
+              <a:t>больше</a:t>
+            </a:r>
+            <a:r>
+              <a:rPr lang="en-US" sz="1800" b="0" dirty="0">
+                <a:effectLst/>
+                <a:latin typeface="Calibri" panose="020F0502020204030204" pitchFamily="34" charset="0"/>
+              </a:rPr>
+              <a:t>, </a:t>
+            </a:r>
+            <a:r>
+              <a:rPr lang="en-US" sz="1800" b="0" dirty="0" err="1">
+                <a:effectLst/>
+                <a:latin typeface="Calibri" panose="020F0502020204030204" pitchFamily="34" charset="0"/>
+              </a:rPr>
+              <a:t>чем</a:t>
+            </a:r>
+            <a:r>
+              <a:rPr lang="en-US" sz="1800" b="0" dirty="0">
+                <a:effectLst/>
+                <a:latin typeface="Calibri" panose="020F0502020204030204" pitchFamily="34" charset="0"/>
+              </a:rPr>
+              <a:t> в </a:t>
+            </a:r>
+            <a:r>
+              <a:rPr lang="en-US" sz="1800" b="0" dirty="0" err="1">
+                <a:effectLst/>
+                <a:latin typeface="Calibri" panose="020F0502020204030204" pitchFamily="34" charset="0"/>
+              </a:rPr>
+              <a:t>первом</a:t>
+            </a:r>
+            <a:r>
+              <a:rPr lang="en-US" sz="1800" b="0" dirty="0">
+                <a:effectLst/>
+                <a:latin typeface="Calibri" panose="020F0502020204030204" pitchFamily="34" charset="0"/>
+              </a:rPr>
+              <a:t> </a:t>
+            </a:r>
+            <a:r>
+              <a:rPr lang="en-US" sz="1800" b="0" dirty="0" err="1">
+                <a:effectLst/>
+                <a:latin typeface="Calibri" panose="020F0502020204030204" pitchFamily="34" charset="0"/>
+              </a:rPr>
+              <a:t>прогнозе</a:t>
+            </a:r>
+            <a:r>
+              <a:rPr lang="en-US" sz="1800" b="0" dirty="0">
+                <a:effectLst/>
+                <a:latin typeface="Calibri" panose="020F0502020204030204" pitchFamily="34" charset="0"/>
+              </a:rPr>
+              <a:t>, и </a:t>
+            </a:r>
+            <a:r>
+              <a:rPr lang="en-US" sz="1800" b="0" dirty="0" err="1">
+                <a:effectLst/>
+                <a:latin typeface="Calibri" panose="020F0502020204030204" pitchFamily="34" charset="0"/>
+              </a:rPr>
+              <a:t>значительно</a:t>
+            </a:r>
+            <a:r>
+              <a:rPr lang="en-US" sz="1800" b="0" dirty="0">
+                <a:effectLst/>
+                <a:latin typeface="Calibri" panose="020F0502020204030204" pitchFamily="34" charset="0"/>
+              </a:rPr>
+              <a:t> </a:t>
+            </a:r>
+            <a:r>
+              <a:rPr lang="en-US" sz="1800" b="0" dirty="0" err="1">
+                <a:effectLst/>
+                <a:latin typeface="Calibri" panose="020F0502020204030204" pitchFamily="34" charset="0"/>
+              </a:rPr>
+              <a:t>больше</a:t>
+            </a:r>
+            <a:r>
+              <a:rPr lang="en-US" sz="1800" b="0" dirty="0">
+                <a:effectLst/>
+                <a:latin typeface="Calibri" panose="020F0502020204030204" pitchFamily="34" charset="0"/>
+              </a:rPr>
+              <a:t>, </a:t>
+            </a:r>
+            <a:r>
+              <a:rPr lang="en-US" sz="1800" b="0" dirty="0" err="1">
+                <a:effectLst/>
+                <a:latin typeface="Calibri" panose="020F0502020204030204" pitchFamily="34" charset="0"/>
+              </a:rPr>
+              <a:t>чем</a:t>
+            </a:r>
+            <a:r>
+              <a:rPr lang="en-US" sz="1800" b="0" dirty="0">
+                <a:effectLst/>
+                <a:latin typeface="Calibri" panose="020F0502020204030204" pitchFamily="34" charset="0"/>
+              </a:rPr>
+              <a:t> </a:t>
+            </a:r>
+            <a:r>
+              <a:rPr lang="en-US" sz="1800" b="0" dirty="0" err="1">
+                <a:effectLst/>
+                <a:latin typeface="Calibri" panose="020F0502020204030204" pitchFamily="34" charset="0"/>
+              </a:rPr>
+              <a:t>занимались</a:t>
+            </a:r>
+            <a:r>
+              <a:rPr lang="en-US" sz="1800" b="0" dirty="0">
+                <a:effectLst/>
+                <a:latin typeface="Calibri" panose="020F0502020204030204" pitchFamily="34" charset="0"/>
+              </a:rPr>
+              <a:t> в </a:t>
+            </a:r>
+            <a:r>
+              <a:rPr lang="en-US" sz="1800" b="0" dirty="0" err="1">
+                <a:effectLst/>
+                <a:latin typeface="Calibri" panose="020F0502020204030204" pitchFamily="34" charset="0"/>
+              </a:rPr>
+              <a:t>прошедшие</a:t>
+            </a:r>
+            <a:r>
+              <a:rPr lang="en-US" sz="1800" b="0" dirty="0">
+                <a:effectLst/>
+                <a:latin typeface="Calibri" panose="020F0502020204030204" pitchFamily="34" charset="0"/>
+              </a:rPr>
+              <a:t> </a:t>
+            </a:r>
+            <a:r>
+              <a:rPr lang="en-US" sz="1800" b="0" dirty="0" err="1">
+                <a:effectLst/>
+                <a:latin typeface="Calibri" panose="020F0502020204030204" pitchFamily="34" charset="0"/>
+              </a:rPr>
+              <a:t>две</a:t>
+            </a:r>
+            <a:r>
+              <a:rPr lang="en-US" sz="1800" b="0" dirty="0">
+                <a:effectLst/>
+                <a:latin typeface="Calibri" panose="020F0502020204030204" pitchFamily="34" charset="0"/>
+              </a:rPr>
+              <a:t> </a:t>
+            </a:r>
+            <a:r>
+              <a:rPr lang="en-US" sz="1800" b="0" dirty="0" err="1">
+                <a:effectLst/>
+                <a:latin typeface="Calibri" panose="020F0502020204030204" pitchFamily="34" charset="0"/>
+              </a:rPr>
+              <a:t>недел</a:t>
+            </a:r>
+            <a:r>
+              <a:rPr lang="ru-RU" sz="1800" b="0" dirty="0">
+                <a:effectLst/>
+                <a:latin typeface="Calibri" panose="020F0502020204030204" pitchFamily="34" charset="0"/>
+              </a:rPr>
+              <a:t>и</a:t>
+            </a:r>
+            <a:r>
+              <a:rPr lang="en-US" sz="1800" b="0" dirty="0">
+                <a:effectLst/>
+                <a:latin typeface="Calibri" panose="020F0502020204030204" pitchFamily="34" charset="0"/>
+              </a:rPr>
+              <a:t>.</a:t>
+            </a:r>
+            <a:endParaRPr lang="ru-RU" sz="1800" b="0" dirty="0">
+              <a:effectLst/>
+              <a:latin typeface="Calibri" panose="020F0502020204030204" pitchFamily="34" charset="0"/>
+            </a:endParaRPr>
+          </a:p>
+          <a:p>
+            <a:r>
+              <a:rPr lang="en-US" sz="1800" b="0" dirty="0" err="1">
+                <a:effectLst/>
+                <a:latin typeface="Calibri" panose="020F0502020204030204" pitchFamily="34" charset="0"/>
+              </a:rPr>
+              <a:t>Вместо</a:t>
+            </a:r>
+            <a:r>
+              <a:rPr lang="en-US" sz="1800" b="0" dirty="0">
+                <a:effectLst/>
+                <a:latin typeface="Calibri" panose="020F0502020204030204" pitchFamily="34" charset="0"/>
+              </a:rPr>
+              <a:t> </a:t>
+            </a:r>
+            <a:r>
+              <a:rPr lang="en-US" sz="1800" b="0" dirty="0" err="1">
+                <a:effectLst/>
+                <a:latin typeface="Calibri" panose="020F0502020204030204" pitchFamily="34" charset="0"/>
+              </a:rPr>
+              <a:t>того</a:t>
+            </a:r>
+            <a:r>
+              <a:rPr lang="en-US" sz="1800" b="0" dirty="0">
+                <a:effectLst/>
+                <a:latin typeface="Calibri" panose="020F0502020204030204" pitchFamily="34" charset="0"/>
+              </a:rPr>
+              <a:t> </a:t>
+            </a:r>
+            <a:r>
+              <a:rPr lang="en-US" sz="1800" b="0" dirty="0" err="1">
+                <a:effectLst/>
+                <a:latin typeface="Calibri" panose="020F0502020204030204" pitchFamily="34" charset="0"/>
+              </a:rPr>
+              <a:t>чтобы</a:t>
+            </a:r>
+            <a:r>
+              <a:rPr lang="en-US" sz="1800" b="0" dirty="0">
+                <a:effectLst/>
+                <a:latin typeface="Calibri" panose="020F0502020204030204" pitchFamily="34" charset="0"/>
+              </a:rPr>
+              <a:t> </a:t>
+            </a:r>
+            <a:r>
+              <a:rPr lang="en-US" sz="1800" b="0" dirty="0" err="1">
+                <a:effectLst/>
+                <a:latin typeface="Calibri" panose="020F0502020204030204" pitchFamily="34" charset="0"/>
+              </a:rPr>
+              <a:t>рассматривать</a:t>
+            </a:r>
+            <a:r>
+              <a:rPr lang="en-US" sz="1800" b="0" dirty="0">
+                <a:effectLst/>
+                <a:latin typeface="Calibri" panose="020F0502020204030204" pitchFamily="34" charset="0"/>
+              </a:rPr>
+              <a:t> </a:t>
+            </a:r>
+            <a:r>
+              <a:rPr lang="en-US" sz="1800" b="0" dirty="0" err="1">
+                <a:effectLst/>
+                <a:latin typeface="Calibri" panose="020F0502020204030204" pitchFamily="34" charset="0"/>
+              </a:rPr>
+              <a:t>прошлые</a:t>
+            </a:r>
+            <a:r>
+              <a:rPr lang="en-US" sz="1800" b="0" dirty="0">
+                <a:effectLst/>
+                <a:latin typeface="Calibri" panose="020F0502020204030204" pitchFamily="34" charset="0"/>
+              </a:rPr>
+              <a:t> </a:t>
+            </a:r>
+            <a:r>
+              <a:rPr lang="en-US" sz="1800" b="0" dirty="0" err="1">
+                <a:effectLst/>
+                <a:latin typeface="Calibri" panose="020F0502020204030204" pitchFamily="34" charset="0"/>
+              </a:rPr>
+              <a:t>две</a:t>
+            </a:r>
+            <a:r>
+              <a:rPr lang="en-US" sz="1800" b="0" dirty="0">
+                <a:effectLst/>
+                <a:latin typeface="Calibri" panose="020F0502020204030204" pitchFamily="34" charset="0"/>
+              </a:rPr>
+              <a:t> </a:t>
+            </a:r>
+            <a:r>
+              <a:rPr lang="en-US" sz="1800" b="0" dirty="0" err="1">
+                <a:effectLst/>
+                <a:latin typeface="Calibri" panose="020F0502020204030204" pitchFamily="34" charset="0"/>
+              </a:rPr>
+              <a:t>недели</a:t>
+            </a:r>
+            <a:r>
+              <a:rPr lang="en-US" sz="1800" b="0" dirty="0">
+                <a:effectLst/>
+                <a:latin typeface="Calibri" panose="020F0502020204030204" pitchFamily="34" charset="0"/>
+              </a:rPr>
+              <a:t> </a:t>
+            </a:r>
+            <a:r>
+              <a:rPr lang="en-US" sz="1800" b="0" dirty="0" err="1">
+                <a:effectLst/>
+                <a:latin typeface="Calibri" panose="020F0502020204030204" pitchFamily="34" charset="0"/>
+              </a:rPr>
+              <a:t>как</a:t>
+            </a:r>
+            <a:r>
+              <a:rPr lang="en-US" sz="1800" b="0" dirty="0">
+                <a:effectLst/>
+                <a:latin typeface="Calibri" panose="020F0502020204030204" pitchFamily="34" charset="0"/>
+              </a:rPr>
+              <a:t> </a:t>
+            </a:r>
+            <a:r>
+              <a:rPr lang="en-US" sz="1800" b="0" dirty="0" err="1">
+                <a:effectLst/>
+                <a:latin typeface="Calibri" panose="020F0502020204030204" pitchFamily="34" charset="0"/>
+              </a:rPr>
+              <a:t>данность</a:t>
+            </a:r>
+            <a:r>
+              <a:rPr lang="en-US" sz="1800" b="0" dirty="0">
+                <a:effectLst/>
+                <a:latin typeface="Calibri" panose="020F0502020204030204" pitchFamily="34" charset="0"/>
+              </a:rPr>
+              <a:t>, а </a:t>
+            </a:r>
+            <a:r>
+              <a:rPr lang="en-US" sz="1800" b="0" dirty="0" err="1">
+                <a:effectLst/>
+                <a:latin typeface="Calibri" panose="020F0502020204030204" pitchFamily="34" charset="0"/>
+              </a:rPr>
+              <a:t>изначальные</a:t>
+            </a:r>
+            <a:r>
+              <a:rPr lang="en-US" sz="1800" b="0" dirty="0">
+                <a:effectLst/>
+                <a:latin typeface="Calibri" panose="020F0502020204030204" pitchFamily="34" charset="0"/>
+              </a:rPr>
+              <a:t> </a:t>
+            </a:r>
+            <a:r>
+              <a:rPr lang="en-US" sz="1800" b="0" dirty="0" err="1">
+                <a:effectLst/>
+                <a:latin typeface="Calibri" panose="020F0502020204030204" pitchFamily="34" charset="0"/>
+              </a:rPr>
+              <a:t>оценки</a:t>
+            </a:r>
+            <a:r>
+              <a:rPr lang="en-US" sz="1800" b="0" dirty="0">
+                <a:effectLst/>
+                <a:latin typeface="Calibri" panose="020F0502020204030204" pitchFamily="34" charset="0"/>
+              </a:rPr>
+              <a:t> — </a:t>
+            </a:r>
+            <a:r>
+              <a:rPr lang="en-US" sz="1800" b="0" dirty="0" err="1">
+                <a:effectLst/>
+                <a:latin typeface="Calibri" panose="020F0502020204030204" pitchFamily="34" charset="0"/>
+              </a:rPr>
+              <a:t>как</a:t>
+            </a:r>
+            <a:r>
+              <a:rPr lang="en-US" sz="1800" b="0" dirty="0">
+                <a:effectLst/>
+                <a:latin typeface="Calibri" panose="020F0502020204030204" pitchFamily="34" charset="0"/>
+              </a:rPr>
+              <a:t> </a:t>
+            </a:r>
+            <a:r>
+              <a:rPr lang="en-US" sz="1800" b="0" dirty="0" err="1">
+                <a:effectLst/>
+                <a:latin typeface="Calibri" panose="020F0502020204030204" pitchFamily="34" charset="0"/>
+              </a:rPr>
+              <a:t>далекий</a:t>
+            </a:r>
+            <a:r>
+              <a:rPr lang="en-US" sz="1800" b="0" dirty="0">
+                <a:effectLst/>
+                <a:latin typeface="Calibri" panose="020F0502020204030204" pitchFamily="34" charset="0"/>
+              </a:rPr>
+              <a:t> </a:t>
+            </a:r>
+            <a:r>
+              <a:rPr lang="en-US" sz="1800" b="0" dirty="0" err="1">
+                <a:effectLst/>
+                <a:latin typeface="Calibri" panose="020F0502020204030204" pitchFamily="34" charset="0"/>
+              </a:rPr>
+              <a:t>от</a:t>
+            </a:r>
+            <a:r>
+              <a:rPr lang="en-US" sz="1800" b="0" dirty="0">
+                <a:effectLst/>
+                <a:latin typeface="Calibri" panose="020F0502020204030204" pitchFamily="34" charset="0"/>
+              </a:rPr>
+              <a:t> </a:t>
+            </a:r>
+            <a:r>
+              <a:rPr lang="en-US" sz="1800" b="0" dirty="0" err="1">
+                <a:effectLst/>
+                <a:latin typeface="Calibri" panose="020F0502020204030204" pitchFamily="34" charset="0"/>
+              </a:rPr>
+              <a:t>реальности</a:t>
+            </a:r>
+            <a:r>
+              <a:rPr lang="en-US" sz="1800" b="0" dirty="0">
+                <a:effectLst/>
+                <a:latin typeface="Calibri" panose="020F0502020204030204" pitchFamily="34" charset="0"/>
+              </a:rPr>
+              <a:t> </a:t>
+            </a:r>
+            <a:r>
+              <a:rPr lang="en-US" sz="1800" b="0" dirty="0" err="1">
+                <a:effectLst/>
+                <a:latin typeface="Calibri" panose="020F0502020204030204" pitchFamily="34" charset="0"/>
+              </a:rPr>
+              <a:t>идеал</a:t>
+            </a:r>
+            <a:r>
+              <a:rPr lang="en-US" sz="1800" b="0" dirty="0">
+                <a:effectLst/>
+                <a:latin typeface="Calibri" panose="020F0502020204030204" pitchFamily="34" charset="0"/>
+              </a:rPr>
+              <a:t>, </a:t>
+            </a:r>
+            <a:r>
+              <a:rPr lang="en-US" sz="1800" b="0" dirty="0" err="1">
+                <a:effectLst/>
+                <a:latin typeface="Calibri" panose="020F0502020204030204" pitchFamily="34" charset="0"/>
+              </a:rPr>
+              <a:t>они</a:t>
+            </a:r>
+            <a:r>
+              <a:rPr lang="en-US" sz="1800" b="0" dirty="0">
+                <a:effectLst/>
+                <a:latin typeface="Calibri" panose="020F0502020204030204" pitchFamily="34" charset="0"/>
+              </a:rPr>
+              <a:t> </a:t>
+            </a:r>
+            <a:r>
+              <a:rPr lang="en-US" sz="1800" b="0" dirty="0" err="1">
+                <a:effectLst/>
+                <a:latin typeface="Calibri" panose="020F0502020204030204" pitchFamily="34" charset="0"/>
+              </a:rPr>
+              <a:t>считали</a:t>
+            </a:r>
+            <a:r>
+              <a:rPr lang="en-US" sz="1800" b="0" dirty="0">
+                <a:effectLst/>
+                <a:latin typeface="Calibri" panose="020F0502020204030204" pitchFamily="34" charset="0"/>
+              </a:rPr>
+              <a:t> </a:t>
+            </a:r>
+            <a:r>
+              <a:rPr lang="en-US" sz="1800" b="0" dirty="0" err="1">
+                <a:effectLst/>
+                <a:latin typeface="Calibri" panose="020F0502020204030204" pitchFamily="34" charset="0"/>
+              </a:rPr>
+              <a:t>прошлые</a:t>
+            </a:r>
+            <a:r>
+              <a:rPr lang="en-US" sz="1800" b="0" dirty="0">
+                <a:effectLst/>
+                <a:latin typeface="Calibri" panose="020F0502020204030204" pitchFamily="34" charset="0"/>
+              </a:rPr>
+              <a:t> </a:t>
+            </a:r>
+            <a:r>
+              <a:rPr lang="en-US" sz="1800" b="0" dirty="0" err="1">
+                <a:effectLst/>
+                <a:latin typeface="Calibri" panose="020F0502020204030204" pitchFamily="34" charset="0"/>
+              </a:rPr>
+              <a:t>две</a:t>
+            </a:r>
+            <a:r>
+              <a:rPr lang="en-US" sz="1800" b="0" dirty="0">
+                <a:effectLst/>
+                <a:latin typeface="Calibri" panose="020F0502020204030204" pitchFamily="34" charset="0"/>
+              </a:rPr>
+              <a:t> </a:t>
+            </a:r>
+            <a:r>
+              <a:rPr lang="en-US" sz="1800" b="0" dirty="0" err="1">
+                <a:effectLst/>
+                <a:latin typeface="Calibri" panose="020F0502020204030204" pitchFamily="34" charset="0"/>
+              </a:rPr>
+              <a:t>недели</a:t>
+            </a:r>
+            <a:r>
+              <a:rPr lang="en-US" sz="1800" b="0" dirty="0">
+                <a:effectLst/>
+                <a:latin typeface="Calibri" panose="020F0502020204030204" pitchFamily="34" charset="0"/>
+              </a:rPr>
+              <a:t> </a:t>
+            </a:r>
+            <a:r>
+              <a:rPr lang="en-US" sz="1800" b="0" dirty="0" err="1">
+                <a:effectLst/>
+                <a:latin typeface="Calibri" panose="020F0502020204030204" pitchFamily="34" charset="0"/>
+              </a:rPr>
+              <a:t>аномалие</a:t>
+            </a:r>
+            <a:r>
+              <a:rPr lang="ru-RU" sz="1800" b="0" dirty="0">
+                <a:effectLst/>
+                <a:latin typeface="Calibri" panose="020F0502020204030204" pitchFamily="34" charset="0"/>
+              </a:rPr>
+              <a:t>й</a:t>
+            </a:r>
+            <a:r>
+              <a:rPr lang="en-US" sz="1800" b="0" dirty="0">
+                <a:effectLst/>
+                <a:latin typeface="Calibri" panose="020F0502020204030204" pitchFamily="34" charset="0"/>
+              </a:rPr>
+              <a:t>.</a:t>
+            </a:r>
+            <a:endParaRPr lang="ru-RU" sz="1800" b="0" dirty="0">
+              <a:effectLst/>
+              <a:latin typeface="Calibri" panose="020F0502020204030204" pitchFamily="34" charset="0"/>
+            </a:endParaRPr>
+          </a:p>
+          <a:p>
+            <a:endParaRPr lang="ru-RU" dirty="0"/>
+          </a:p>
+          <a:p>
+            <a:r>
+              <a:rPr lang="ru-RU" sz="1800" b="0" dirty="0">
+                <a:effectLst/>
+                <a:latin typeface="Calibri" panose="020F0502020204030204" pitchFamily="34" charset="0"/>
+              </a:rPr>
+              <a:t>Заказ в ресторане. </a:t>
+            </a:r>
+            <a:r>
+              <a:rPr lang="en-US" sz="1800" b="1" dirty="0" err="1">
+                <a:effectLst/>
+                <a:latin typeface="Calibri" panose="020F0502020204030204" pitchFamily="34" charset="0"/>
+              </a:rPr>
+              <a:t>Когда</a:t>
+            </a:r>
+            <a:r>
+              <a:rPr lang="en-US" sz="1800" b="1" dirty="0">
+                <a:effectLst/>
+                <a:latin typeface="Calibri" panose="020F0502020204030204" pitchFamily="34" charset="0"/>
+              </a:rPr>
+              <a:t> </a:t>
+            </a:r>
+            <a:r>
+              <a:rPr lang="en-US" sz="1800" b="1" dirty="0" err="1">
+                <a:effectLst/>
+                <a:latin typeface="Calibri" panose="020F0502020204030204" pitchFamily="34" charset="0"/>
+              </a:rPr>
+              <a:t>порок</a:t>
+            </a:r>
+            <a:r>
+              <a:rPr lang="en-US" sz="1800" b="1" dirty="0">
+                <a:effectLst/>
+                <a:latin typeface="Calibri" panose="020F0502020204030204" pitchFamily="34" charset="0"/>
+              </a:rPr>
+              <a:t> </a:t>
+            </a:r>
+            <a:r>
+              <a:rPr lang="en-US" sz="1800" b="1" dirty="0" err="1">
+                <a:effectLst/>
+                <a:latin typeface="Calibri" panose="020F0502020204030204" pitchFamily="34" charset="0"/>
+              </a:rPr>
+              <a:t>похож</a:t>
+            </a:r>
+            <a:r>
+              <a:rPr lang="en-US" sz="1800" b="1" dirty="0">
+                <a:effectLst/>
+                <a:latin typeface="Calibri" panose="020F0502020204030204" pitchFamily="34" charset="0"/>
+              </a:rPr>
+              <a:t> </a:t>
+            </a:r>
+            <a:r>
+              <a:rPr lang="en-US" sz="1800" b="1" dirty="0" err="1">
+                <a:effectLst/>
+                <a:latin typeface="Calibri" panose="020F0502020204030204" pitchFamily="34" charset="0"/>
+              </a:rPr>
+              <a:t>на</a:t>
+            </a:r>
+            <a:r>
+              <a:rPr lang="en-US" sz="1800" b="1" dirty="0">
+                <a:effectLst/>
+                <a:latin typeface="Calibri" panose="020F0502020204030204" pitchFamily="34" charset="0"/>
+              </a:rPr>
+              <a:t> </a:t>
+            </a:r>
+            <a:r>
+              <a:rPr lang="en-US" sz="1800" b="1" dirty="0" err="1">
+                <a:effectLst/>
+                <a:latin typeface="Calibri" panose="020F0502020204030204" pitchFamily="34" charset="0"/>
+              </a:rPr>
+              <a:t>добродетел</a:t>
+            </a:r>
+            <a:r>
+              <a:rPr lang="ru-RU" sz="1800" b="1" dirty="0">
+                <a:effectLst/>
+                <a:latin typeface="Calibri" panose="020F0502020204030204" pitchFamily="34" charset="0"/>
+              </a:rPr>
+              <a:t>ь. </a:t>
+            </a:r>
+            <a:endParaRPr lang="ru-RU" sz="1800" b="0" dirty="0">
+              <a:effectLst/>
+              <a:latin typeface="Calibri" panose="020F0502020204030204" pitchFamily="34" charset="0"/>
+            </a:endParaRPr>
+          </a:p>
+          <a:p>
+            <a:endParaRPr lang="en-US" b="0" dirty="0"/>
+          </a:p>
+        </p:txBody>
+      </p:sp>
+      <p:sp>
+        <p:nvSpPr>
+          <p:cNvPr id="4" name="Slide Number Placeholder 3"/>
+          <p:cNvSpPr>
+            <a:spLocks noGrp="1"/>
+          </p:cNvSpPr>
+          <p:nvPr>
+            <p:ph type="sldNum" sz="quarter" idx="5"/>
+          </p:nvPr>
+        </p:nvSpPr>
+        <p:spPr/>
+        <p:txBody>
+          <a:bodyPr/>
+          <a:lstStyle/>
+          <a:p>
+            <a:fld id="{EF83ECF8-EBB3-462A-BC97-8AC574C482EA}" type="slidenum">
+              <a:rPr lang="en-US" smtClean="0"/>
+              <a:t>27</a:t>
+            </a:fld>
+            <a:endParaRPr lang="en-US"/>
+          </a:p>
+        </p:txBody>
+      </p:sp>
+    </p:spTree>
+    <p:extLst>
+      <p:ext uri="{BB962C8B-B14F-4D97-AF65-F5344CB8AC3E}">
+        <p14:creationId xmlns:p14="http://schemas.microsoft.com/office/powerpoint/2010/main" val="3649720612"/>
+      </p:ext>
+    </p:extLst>
+  </p:cSld>
+  <p:clrMapOvr>
+    <a:masterClrMapping/>
+  </p:clrMapOvr>
+</p:notes>
+</file>
+
+<file path=ppt/notesSlides/notesSlide19.xml><?xml version="1.0" encoding="utf-8"?>
+<p:notes xmlns:a="http://schemas.openxmlformats.org/drawingml/2006/main" xmlns:r="http://schemas.openxmlformats.org/officeDocument/2006/relationships" xmlns:p="http://schemas.openxmlformats.org/presentationml/2006/main">
+  <p:cSld>
+    <p:spTree>
+      <p:nvGrpSpPr>
+        <p:cNvPr id="1" name=""/>
+        <p:cNvGrpSpPr/>
+        <p:nvPr/>
+      </p:nvGrpSpPr>
+      <p:grpSpPr>
+        <a:xfrm>
+          <a:off x="0" y="0"/>
+          <a:ext cx="0" cy="0"/>
+          <a:chOff x="0" y="0"/>
+          <a:chExt cx="0" cy="0"/>
+        </a:xfrm>
+      </p:grpSpPr>
+      <p:sp>
+        <p:nvSpPr>
+          <p:cNvPr id="2" name="Slide Image Placeholder 1"/>
+          <p:cNvSpPr>
+            <a:spLocks noGrp="1" noRot="1" noChangeAspect="1"/>
+          </p:cNvSpPr>
+          <p:nvPr>
+            <p:ph type="sldImg"/>
+          </p:nvPr>
+        </p:nvSpPr>
+        <p:spPr/>
+      </p:sp>
+      <p:sp>
+        <p:nvSpPr>
+          <p:cNvPr id="3" name="Notes Placeholder 2"/>
+          <p:cNvSpPr>
+            <a:spLocks noGrp="1"/>
+          </p:cNvSpPr>
+          <p:nvPr>
+            <p:ph type="body" idx="1"/>
+          </p:nvPr>
+        </p:nvSpPr>
+        <p:spPr/>
+        <p:txBody>
+          <a:bodyPr/>
+          <a:lstStyle/>
+          <a:p>
+            <a:endParaRPr lang="en-US" dirty="0"/>
+          </a:p>
+        </p:txBody>
+      </p:sp>
+      <p:sp>
+        <p:nvSpPr>
+          <p:cNvPr id="4" name="Slide Number Placeholder 3"/>
+          <p:cNvSpPr>
+            <a:spLocks noGrp="1"/>
+          </p:cNvSpPr>
+          <p:nvPr>
+            <p:ph type="sldNum" sz="quarter" idx="5"/>
+          </p:nvPr>
+        </p:nvSpPr>
+        <p:spPr/>
+        <p:txBody>
+          <a:bodyPr/>
+          <a:lstStyle/>
+          <a:p>
+            <a:fld id="{EF83ECF8-EBB3-462A-BC97-8AC574C482EA}" type="slidenum">
+              <a:rPr lang="en-US" smtClean="0"/>
+              <a:t>28</a:t>
+            </a:fld>
+            <a:endParaRPr lang="en-US"/>
+          </a:p>
+        </p:txBody>
+      </p:sp>
+    </p:spTree>
+    <p:extLst>
+      <p:ext uri="{BB962C8B-B14F-4D97-AF65-F5344CB8AC3E}">
+        <p14:creationId xmlns:p14="http://schemas.microsoft.com/office/powerpoint/2010/main" val="2603442122"/>
+      </p:ext>
+    </p:extLst>
+  </p:cSld>
+  <p:clrMapOvr>
+    <a:masterClrMapping/>
+  </p:clrMapOvr>
+</p:notes>
+</file>
+
+<file path=ppt/notesSlides/notesSlide2.xml><?xml version="1.0" encoding="utf-8"?>
+<p:notes xmlns:a="http://schemas.openxmlformats.org/drawingml/2006/main" xmlns:r="http://schemas.openxmlformats.org/officeDocument/2006/relationships" xmlns:p="http://schemas.openxmlformats.org/presentationml/2006/main">
+  <p:cSld>
+    <p:spTree>
+      <p:nvGrpSpPr>
+        <p:cNvPr id="1" name=""/>
+        <p:cNvGrpSpPr/>
+        <p:nvPr/>
+      </p:nvGrpSpPr>
+      <p:grpSpPr>
+        <a:xfrm>
+          <a:off x="0" y="0"/>
+          <a:ext cx="0" cy="0"/>
+          <a:chOff x="0" y="0"/>
+          <a:chExt cx="0" cy="0"/>
+        </a:xfrm>
+      </p:grpSpPr>
+      <p:sp>
+        <p:nvSpPr>
+          <p:cNvPr id="2" name="Slide Image Placeholder 1"/>
+          <p:cNvSpPr>
+            <a:spLocks noGrp="1" noRot="1" noChangeAspect="1"/>
+          </p:cNvSpPr>
+          <p:nvPr>
+            <p:ph type="sldImg"/>
+          </p:nvPr>
+        </p:nvSpPr>
+        <p:spPr/>
+      </p:sp>
+      <p:sp>
+        <p:nvSpPr>
+          <p:cNvPr id="3" name="Notes Placeholder 2"/>
+          <p:cNvSpPr>
+            <a:spLocks noGrp="1"/>
+          </p:cNvSpPr>
+          <p:nvPr>
+            <p:ph type="body" idx="1"/>
+          </p:nvPr>
+        </p:nvSpPr>
+        <p:spPr/>
+        <p:txBody>
+          <a:bodyPr/>
+          <a:lstStyle/>
+          <a:p>
+            <a:endParaRPr lang="en-US" dirty="0"/>
+          </a:p>
+        </p:txBody>
+      </p:sp>
+      <p:sp>
+        <p:nvSpPr>
+          <p:cNvPr id="4" name="Slide Number Placeholder 3"/>
+          <p:cNvSpPr>
+            <a:spLocks noGrp="1"/>
+          </p:cNvSpPr>
+          <p:nvPr>
+            <p:ph type="sldNum" sz="quarter" idx="5"/>
+          </p:nvPr>
+        </p:nvSpPr>
+        <p:spPr/>
+        <p:txBody>
+          <a:bodyPr/>
+          <a:lstStyle/>
+          <a:p>
+            <a:fld id="{EF83ECF8-EBB3-462A-BC97-8AC574C482EA}" type="slidenum">
+              <a:rPr lang="en-US" smtClean="0"/>
+              <a:t>3</a:t>
+            </a:fld>
+            <a:endParaRPr lang="en-US"/>
+          </a:p>
+        </p:txBody>
+      </p:sp>
+    </p:spTree>
+    <p:extLst>
+      <p:ext uri="{BB962C8B-B14F-4D97-AF65-F5344CB8AC3E}">
+        <p14:creationId xmlns:p14="http://schemas.microsoft.com/office/powerpoint/2010/main" val="3554396205"/>
+      </p:ext>
+    </p:extLst>
+  </p:cSld>
+  <p:clrMapOvr>
+    <a:masterClrMapping/>
+  </p:clrMapOvr>
+</p:notes>
+</file>
+
+<file path=ppt/notesSlides/notesSlide20.xml><?xml version="1.0" encoding="utf-8"?>
+<p:notes xmlns:a="http://schemas.openxmlformats.org/drawingml/2006/main" xmlns:r="http://schemas.openxmlformats.org/officeDocument/2006/relationships" xmlns:p="http://schemas.openxmlformats.org/presentationml/2006/main">
+  <p:cSld>
+    <p:spTree>
+      <p:nvGrpSpPr>
+        <p:cNvPr id="1" name=""/>
+        <p:cNvGrpSpPr/>
+        <p:nvPr/>
+      </p:nvGrpSpPr>
+      <p:grpSpPr>
+        <a:xfrm>
+          <a:off x="0" y="0"/>
+          <a:ext cx="0" cy="0"/>
+          <a:chOff x="0" y="0"/>
+          <a:chExt cx="0" cy="0"/>
+        </a:xfrm>
+      </p:grpSpPr>
+      <p:sp>
+        <p:nvSpPr>
+          <p:cNvPr id="2" name="Slide Image Placeholder 1"/>
+          <p:cNvSpPr>
+            <a:spLocks noGrp="1" noRot="1" noChangeAspect="1"/>
+          </p:cNvSpPr>
+          <p:nvPr>
+            <p:ph type="sldImg"/>
+          </p:nvPr>
+        </p:nvSpPr>
+        <p:spPr/>
+      </p:sp>
+      <p:sp>
+        <p:nvSpPr>
+          <p:cNvPr id="3" name="Notes Placeholder 2"/>
+          <p:cNvSpPr>
+            <a:spLocks noGrp="1"/>
+          </p:cNvSpPr>
+          <p:nvPr>
+            <p:ph type="body" idx="1"/>
+          </p:nvPr>
+        </p:nvSpPr>
+        <p:spPr/>
+        <p:txBody>
+          <a:bodyPr/>
+          <a:lstStyle/>
+          <a:p>
+            <a:endParaRPr lang="en-US" dirty="0"/>
+          </a:p>
+        </p:txBody>
+      </p:sp>
+      <p:sp>
+        <p:nvSpPr>
+          <p:cNvPr id="4" name="Slide Number Placeholder 3"/>
+          <p:cNvSpPr>
+            <a:spLocks noGrp="1"/>
+          </p:cNvSpPr>
+          <p:nvPr>
+            <p:ph type="sldNum" sz="quarter" idx="5"/>
+          </p:nvPr>
+        </p:nvSpPr>
+        <p:spPr/>
+        <p:txBody>
+          <a:bodyPr/>
+          <a:lstStyle/>
+          <a:p>
+            <a:fld id="{EF83ECF8-EBB3-462A-BC97-8AC574C482EA}" type="slidenum">
+              <a:rPr lang="en-US" smtClean="0"/>
+              <a:t>33</a:t>
+            </a:fld>
+            <a:endParaRPr lang="en-US"/>
+          </a:p>
+        </p:txBody>
+      </p:sp>
+    </p:spTree>
+    <p:extLst>
+      <p:ext uri="{BB962C8B-B14F-4D97-AF65-F5344CB8AC3E}">
+        <p14:creationId xmlns:p14="http://schemas.microsoft.com/office/powerpoint/2010/main" val="445883935"/>
+      </p:ext>
+    </p:extLst>
+  </p:cSld>
+  <p:clrMapOvr>
+    <a:masterClrMapping/>
+  </p:clrMapOvr>
+</p:notes>
+</file>
+
+<file path=ppt/notesSlides/notesSlide3.xml><?xml version="1.0" encoding="utf-8"?>
+<p:notes xmlns:a="http://schemas.openxmlformats.org/drawingml/2006/main" xmlns:r="http://schemas.openxmlformats.org/officeDocument/2006/relationships" xmlns:p="http://schemas.openxmlformats.org/presentationml/2006/main">
+  <p:cSld>
+    <p:spTree>
+      <p:nvGrpSpPr>
+        <p:cNvPr id="1" name=""/>
+        <p:cNvGrpSpPr/>
+        <p:nvPr/>
+      </p:nvGrpSpPr>
+      <p:grpSpPr>
+        <a:xfrm>
+          <a:off x="0" y="0"/>
+          <a:ext cx="0" cy="0"/>
+          <a:chOff x="0" y="0"/>
+          <a:chExt cx="0" cy="0"/>
+        </a:xfrm>
+      </p:grpSpPr>
+      <p:sp>
+        <p:nvSpPr>
+          <p:cNvPr id="2" name="Slide Image Placeholder 1"/>
+          <p:cNvSpPr>
+            <a:spLocks noGrp="1" noRot="1" noChangeAspect="1"/>
+          </p:cNvSpPr>
+          <p:nvPr>
+            <p:ph type="sldImg"/>
+          </p:nvPr>
+        </p:nvSpPr>
+        <p:spPr/>
+      </p:sp>
+      <p:sp>
+        <p:nvSpPr>
+          <p:cNvPr id="3" name="Notes Placeholder 2"/>
+          <p:cNvSpPr>
+            <a:spLocks noGrp="1"/>
+          </p:cNvSpPr>
+          <p:nvPr>
+            <p:ph type="body" idx="1"/>
+          </p:nvPr>
+        </p:nvSpPr>
+        <p:spPr/>
+        <p:txBody>
+          <a:bodyPr/>
+          <a:lstStyle/>
+          <a:p>
+            <a:r>
+              <a:rPr lang="ru-RU" dirty="0"/>
+              <a:t>Американский страитель. Работал бригадиром взрывников на прокладке железной дороги. Получивший тяжелое ранение головного мозга при прокладке железной дороги. </a:t>
+            </a:r>
+            <a:endParaRPr lang="en-US" dirty="0"/>
+          </a:p>
+        </p:txBody>
+      </p:sp>
+      <p:sp>
+        <p:nvSpPr>
+          <p:cNvPr id="4" name="Slide Number Placeholder 3"/>
+          <p:cNvSpPr>
+            <a:spLocks noGrp="1"/>
+          </p:cNvSpPr>
+          <p:nvPr>
+            <p:ph type="sldNum" sz="quarter" idx="5"/>
+          </p:nvPr>
+        </p:nvSpPr>
+        <p:spPr/>
+        <p:txBody>
+          <a:bodyPr/>
+          <a:lstStyle/>
+          <a:p>
+            <a:fld id="{EF83ECF8-EBB3-462A-BC97-8AC574C482EA}" type="slidenum">
+              <a:rPr lang="en-US" smtClean="0"/>
+              <a:t>12</a:t>
+            </a:fld>
+            <a:endParaRPr lang="en-US"/>
+          </a:p>
+        </p:txBody>
+      </p:sp>
+    </p:spTree>
+    <p:extLst>
+      <p:ext uri="{BB962C8B-B14F-4D97-AF65-F5344CB8AC3E}">
+        <p14:creationId xmlns:p14="http://schemas.microsoft.com/office/powerpoint/2010/main" val="3706007809"/>
+      </p:ext>
+    </p:extLst>
+  </p:cSld>
+  <p:clrMapOvr>
+    <a:masterClrMapping/>
+  </p:clrMapOvr>
+</p:notes>
+</file>
+
+<file path=ppt/notesSlides/notesSlide4.xml><?xml version="1.0" encoding="utf-8"?>
+<p:notes xmlns:a="http://schemas.openxmlformats.org/drawingml/2006/main" xmlns:r="http://schemas.openxmlformats.org/officeDocument/2006/relationships" xmlns:p="http://schemas.openxmlformats.org/presentationml/2006/main">
+  <p:cSld>
+    <p:spTree>
+      <p:nvGrpSpPr>
+        <p:cNvPr id="1" name=""/>
+        <p:cNvGrpSpPr/>
+        <p:nvPr/>
+      </p:nvGrpSpPr>
+      <p:grpSpPr>
+        <a:xfrm>
+          <a:off x="0" y="0"/>
+          <a:ext cx="0" cy="0"/>
+          <a:chOff x="0" y="0"/>
+          <a:chExt cx="0" cy="0"/>
+        </a:xfrm>
+      </p:grpSpPr>
+      <p:sp>
+        <p:nvSpPr>
+          <p:cNvPr id="2" name="Slide Image Placeholder 1"/>
+          <p:cNvSpPr>
+            <a:spLocks noGrp="1" noRot="1" noChangeAspect="1"/>
+          </p:cNvSpPr>
+          <p:nvPr>
+            <p:ph type="sldImg"/>
+          </p:nvPr>
+        </p:nvSpPr>
+        <p:spPr/>
+      </p:sp>
+      <p:sp>
+        <p:nvSpPr>
+          <p:cNvPr id="3" name="Notes Placeholder 2"/>
+          <p:cNvSpPr>
+            <a:spLocks noGrp="1"/>
+          </p:cNvSpPr>
+          <p:nvPr>
+            <p:ph type="body" idx="1"/>
+          </p:nvPr>
+        </p:nvSpPr>
+        <p:spPr/>
+        <p:txBody>
+          <a:bodyPr/>
+          <a:lstStyle/>
+          <a:p>
+            <a:pPr marL="0" marR="0" lvl="0" indent="0" algn="l" defTabSz="914400" rtl="0" eaLnBrk="1" fontAlgn="auto" latinLnBrk="0" hangingPunct="1">
+              <a:lnSpc>
+                <a:spcPct val="100000"/>
+              </a:lnSpc>
+              <a:spcBef>
+                <a:spcPts val="0"/>
+              </a:spcBef>
+              <a:spcAft>
+                <a:spcPts val="0"/>
+              </a:spcAft>
+              <a:buClrTx/>
+              <a:buSzTx/>
+              <a:buFontTx/>
+              <a:buNone/>
+              <a:tabLst/>
+              <a:defRPr/>
+            </a:pPr>
+            <a:r>
+              <a:rPr lang="ru-RU" dirty="0"/>
+              <a:t>Американский страитель. Работал бригадиром взрывников на прокладке железной дороги. Получивший тяжелое ранение головного мозга при прокладке железной дороги. </a:t>
+            </a:r>
+            <a:endParaRPr lang="en-US" dirty="0"/>
+          </a:p>
+          <a:p>
+            <a:endParaRPr lang="en-US" dirty="0"/>
+          </a:p>
+        </p:txBody>
+      </p:sp>
+      <p:sp>
+        <p:nvSpPr>
+          <p:cNvPr id="4" name="Slide Number Placeholder 3"/>
+          <p:cNvSpPr>
+            <a:spLocks noGrp="1"/>
+          </p:cNvSpPr>
+          <p:nvPr>
+            <p:ph type="sldNum" sz="quarter" idx="5"/>
+          </p:nvPr>
+        </p:nvSpPr>
+        <p:spPr/>
+        <p:txBody>
+          <a:bodyPr/>
+          <a:lstStyle/>
+          <a:p>
+            <a:fld id="{EF83ECF8-EBB3-462A-BC97-8AC574C482EA}" type="slidenum">
+              <a:rPr lang="en-US" smtClean="0"/>
+              <a:t>13</a:t>
+            </a:fld>
+            <a:endParaRPr lang="en-US"/>
+          </a:p>
+        </p:txBody>
+      </p:sp>
+    </p:spTree>
+    <p:extLst>
+      <p:ext uri="{BB962C8B-B14F-4D97-AF65-F5344CB8AC3E}">
+        <p14:creationId xmlns:p14="http://schemas.microsoft.com/office/powerpoint/2010/main" val="2110202258"/>
+      </p:ext>
+    </p:extLst>
+  </p:cSld>
+  <p:clrMapOvr>
+    <a:masterClrMapping/>
+  </p:clrMapOvr>
+</p:notes>
+</file>
+
+<file path=ppt/notesSlides/notesSlide5.xml><?xml version="1.0" encoding="utf-8"?>
+<p:notes xmlns:a="http://schemas.openxmlformats.org/drawingml/2006/main" xmlns:r="http://schemas.openxmlformats.org/officeDocument/2006/relationships" xmlns:p="http://schemas.openxmlformats.org/presentationml/2006/main">
+  <p:cSld>
+    <p:spTree>
+      <p:nvGrpSpPr>
+        <p:cNvPr id="1" name=""/>
+        <p:cNvGrpSpPr/>
+        <p:nvPr/>
+      </p:nvGrpSpPr>
+      <p:grpSpPr>
+        <a:xfrm>
+          <a:off x="0" y="0"/>
+          <a:ext cx="0" cy="0"/>
+          <a:chOff x="0" y="0"/>
+          <a:chExt cx="0" cy="0"/>
+        </a:xfrm>
+      </p:grpSpPr>
+      <p:sp>
+        <p:nvSpPr>
+          <p:cNvPr id="2" name="Slide Image Placeholder 1"/>
+          <p:cNvSpPr>
+            <a:spLocks noGrp="1" noRot="1" noChangeAspect="1"/>
+          </p:cNvSpPr>
+          <p:nvPr>
+            <p:ph type="sldImg"/>
+          </p:nvPr>
+        </p:nvSpPr>
+        <p:spPr/>
+      </p:sp>
+      <p:sp>
+        <p:nvSpPr>
+          <p:cNvPr id="3" name="Notes Placeholder 2"/>
+          <p:cNvSpPr>
+            <a:spLocks noGrp="1"/>
+          </p:cNvSpPr>
+          <p:nvPr>
+            <p:ph type="body" idx="1"/>
+          </p:nvPr>
+        </p:nvSpPr>
+        <p:spPr/>
+        <p:txBody>
+          <a:bodyPr/>
+          <a:lstStyle/>
+          <a:p>
+            <a:pPr marL="0" marR="0" lvl="0" indent="0" algn="l" defTabSz="914400" rtl="0" eaLnBrk="1" fontAlgn="auto" latinLnBrk="0" hangingPunct="1">
+              <a:lnSpc>
+                <a:spcPct val="100000"/>
+              </a:lnSpc>
+              <a:spcBef>
+                <a:spcPts val="0"/>
+              </a:spcBef>
+              <a:spcAft>
+                <a:spcPts val="0"/>
+              </a:spcAft>
+              <a:buClrTx/>
+              <a:buSzTx/>
+              <a:buFontTx/>
+              <a:buNone/>
+              <a:tabLst/>
+              <a:defRPr/>
+            </a:pPr>
+            <a:r>
+              <a:rPr lang="ru-RU" dirty="0"/>
+              <a:t>Американский страитель. Работал бригадиром взрывников на прокладке железной дороги. Получивший тяжелое ранение головного мозга при прокладке железной дороги. </a:t>
+            </a:r>
+            <a:endParaRPr lang="en-US" dirty="0"/>
+          </a:p>
+          <a:p>
+            <a:endParaRPr lang="en-US" dirty="0"/>
+          </a:p>
+        </p:txBody>
+      </p:sp>
+      <p:sp>
+        <p:nvSpPr>
+          <p:cNvPr id="4" name="Slide Number Placeholder 3"/>
+          <p:cNvSpPr>
+            <a:spLocks noGrp="1"/>
+          </p:cNvSpPr>
+          <p:nvPr>
+            <p:ph type="sldNum" sz="quarter" idx="5"/>
+          </p:nvPr>
+        </p:nvSpPr>
+        <p:spPr/>
+        <p:txBody>
+          <a:bodyPr/>
+          <a:lstStyle/>
+          <a:p>
+            <a:fld id="{EF83ECF8-EBB3-462A-BC97-8AC574C482EA}" type="slidenum">
+              <a:rPr lang="en-US" smtClean="0"/>
+              <a:t>14</a:t>
+            </a:fld>
+            <a:endParaRPr lang="en-US"/>
+          </a:p>
+        </p:txBody>
+      </p:sp>
+    </p:spTree>
+    <p:extLst>
+      <p:ext uri="{BB962C8B-B14F-4D97-AF65-F5344CB8AC3E}">
+        <p14:creationId xmlns:p14="http://schemas.microsoft.com/office/powerpoint/2010/main" val="3450701639"/>
+      </p:ext>
+    </p:extLst>
+  </p:cSld>
+  <p:clrMapOvr>
+    <a:masterClrMapping/>
+  </p:clrMapOvr>
+</p:notes>
+</file>
+
+<file path=ppt/notesSlides/notesSlide6.xml><?xml version="1.0" encoding="utf-8"?>
+<p:notes xmlns:a="http://schemas.openxmlformats.org/drawingml/2006/main" xmlns:r="http://schemas.openxmlformats.org/officeDocument/2006/relationships" xmlns:p="http://schemas.openxmlformats.org/presentationml/2006/main">
+  <p:cSld>
+    <p:spTree>
+      <p:nvGrpSpPr>
+        <p:cNvPr id="1" name=""/>
+        <p:cNvGrpSpPr/>
+        <p:nvPr/>
+      </p:nvGrpSpPr>
+      <p:grpSpPr>
+        <a:xfrm>
+          <a:off x="0" y="0"/>
+          <a:ext cx="0" cy="0"/>
+          <a:chOff x="0" y="0"/>
+          <a:chExt cx="0" cy="0"/>
+        </a:xfrm>
+      </p:grpSpPr>
+      <p:sp>
+        <p:nvSpPr>
+          <p:cNvPr id="2" name="Slide Image Placeholder 1"/>
+          <p:cNvSpPr>
+            <a:spLocks noGrp="1" noRot="1" noChangeAspect="1"/>
+          </p:cNvSpPr>
+          <p:nvPr>
+            <p:ph type="sldImg"/>
+          </p:nvPr>
+        </p:nvSpPr>
+        <p:spPr/>
+      </p:sp>
+      <p:sp>
+        <p:nvSpPr>
+          <p:cNvPr id="3" name="Notes Placeholder 2"/>
+          <p:cNvSpPr>
+            <a:spLocks noGrp="1"/>
+          </p:cNvSpPr>
+          <p:nvPr>
+            <p:ph type="body" idx="1"/>
+          </p:nvPr>
+        </p:nvSpPr>
+        <p:spPr/>
+        <p:txBody>
+          <a:bodyPr/>
+          <a:lstStyle/>
+          <a:p>
+            <a:pPr marL="0" marR="0" lvl="0" indent="0" algn="l" defTabSz="914400" rtl="0" eaLnBrk="1" fontAlgn="auto" latinLnBrk="0" hangingPunct="1">
+              <a:lnSpc>
+                <a:spcPct val="100000"/>
+              </a:lnSpc>
+              <a:spcBef>
+                <a:spcPts val="0"/>
+              </a:spcBef>
+              <a:spcAft>
+                <a:spcPts val="0"/>
+              </a:spcAft>
+              <a:buClrTx/>
+              <a:buSzTx/>
+              <a:buFontTx/>
+              <a:buNone/>
+              <a:tabLst/>
+              <a:defRPr/>
+            </a:pPr>
+            <a:r>
+              <a:rPr lang="ru-RU" b="0" i="0" dirty="0">
+                <a:solidFill>
+                  <a:srgbClr val="202122"/>
+                </a:solidFill>
+                <a:effectLst/>
+                <a:latin typeface="Arial" panose="020B0604020202020204" pitchFamily="34" charset="0"/>
+              </a:rPr>
+              <a:t>Друзья заявляли о том, что «это больше не Гейдж»</a:t>
+            </a:r>
+            <a:endParaRPr lang="en-US" dirty="0"/>
+          </a:p>
+        </p:txBody>
+      </p:sp>
+      <p:sp>
+        <p:nvSpPr>
+          <p:cNvPr id="4" name="Slide Number Placeholder 3"/>
+          <p:cNvSpPr>
+            <a:spLocks noGrp="1"/>
+          </p:cNvSpPr>
+          <p:nvPr>
+            <p:ph type="sldNum" sz="quarter" idx="5"/>
+          </p:nvPr>
+        </p:nvSpPr>
+        <p:spPr/>
+        <p:txBody>
+          <a:bodyPr/>
+          <a:lstStyle/>
+          <a:p>
+            <a:fld id="{EF83ECF8-EBB3-462A-BC97-8AC574C482EA}" type="slidenum">
+              <a:rPr lang="en-US" smtClean="0"/>
+              <a:t>15</a:t>
+            </a:fld>
+            <a:endParaRPr lang="en-US"/>
+          </a:p>
+        </p:txBody>
+      </p:sp>
+    </p:spTree>
+    <p:extLst>
+      <p:ext uri="{BB962C8B-B14F-4D97-AF65-F5344CB8AC3E}">
+        <p14:creationId xmlns:p14="http://schemas.microsoft.com/office/powerpoint/2010/main" val="2985115373"/>
+      </p:ext>
+    </p:extLst>
+  </p:cSld>
+  <p:clrMapOvr>
+    <a:masterClrMapping/>
+  </p:clrMapOvr>
+</p:notes>
+</file>
+
+<file path=ppt/notesSlides/notesSlide7.xml><?xml version="1.0" encoding="utf-8"?>
+<p:notes xmlns:a="http://schemas.openxmlformats.org/drawingml/2006/main" xmlns:r="http://schemas.openxmlformats.org/officeDocument/2006/relationships" xmlns:p="http://schemas.openxmlformats.org/presentationml/2006/main">
+  <p:cSld>
+    <p:spTree>
+      <p:nvGrpSpPr>
+        <p:cNvPr id="1" name=""/>
+        <p:cNvGrpSpPr/>
+        <p:nvPr/>
+      </p:nvGrpSpPr>
+      <p:grpSpPr>
+        <a:xfrm>
+          <a:off x="0" y="0"/>
+          <a:ext cx="0" cy="0"/>
+          <a:chOff x="0" y="0"/>
+          <a:chExt cx="0" cy="0"/>
+        </a:xfrm>
+      </p:grpSpPr>
+      <p:sp>
+        <p:nvSpPr>
+          <p:cNvPr id="2" name="Slide Image Placeholder 1"/>
+          <p:cNvSpPr>
+            <a:spLocks noGrp="1" noRot="1" noChangeAspect="1"/>
+          </p:cNvSpPr>
+          <p:nvPr>
+            <p:ph type="sldImg"/>
+          </p:nvPr>
+        </p:nvSpPr>
+        <p:spPr/>
+      </p:sp>
+      <p:sp>
+        <p:nvSpPr>
+          <p:cNvPr id="3" name="Notes Placeholder 2"/>
+          <p:cNvSpPr>
+            <a:spLocks noGrp="1"/>
+          </p:cNvSpPr>
+          <p:nvPr>
+            <p:ph type="body" idx="1"/>
+          </p:nvPr>
+        </p:nvSpPr>
+        <p:spPr/>
+        <p:txBody>
+          <a:bodyPr/>
+          <a:lstStyle/>
+          <a:p>
+            <a:pPr marL="0" marR="0" lvl="0" indent="0" algn="l" defTabSz="914400" rtl="0" eaLnBrk="1" fontAlgn="auto" latinLnBrk="0" hangingPunct="1">
+              <a:lnSpc>
+                <a:spcPct val="100000"/>
+              </a:lnSpc>
+              <a:spcBef>
+                <a:spcPts val="0"/>
+              </a:spcBef>
+              <a:spcAft>
+                <a:spcPts val="0"/>
+              </a:spcAft>
+              <a:buClrTx/>
+              <a:buSzTx/>
+              <a:buFontTx/>
+              <a:buNone/>
+              <a:tabLst/>
+              <a:defRPr/>
+            </a:pPr>
+            <a:r>
+              <a:rPr lang="ru-RU" b="0" i="0" dirty="0">
+                <a:solidFill>
+                  <a:srgbClr val="202122"/>
+                </a:solidFill>
+                <a:effectLst/>
+                <a:latin typeface="Arial" panose="020B0604020202020204" pitchFamily="34" charset="0"/>
+              </a:rPr>
+              <a:t>Друзья заявляли о том, что «это больше не Гейдж»</a:t>
+            </a:r>
+            <a:endParaRPr lang="en-US" dirty="0"/>
+          </a:p>
+        </p:txBody>
+      </p:sp>
+      <p:sp>
+        <p:nvSpPr>
+          <p:cNvPr id="4" name="Slide Number Placeholder 3"/>
+          <p:cNvSpPr>
+            <a:spLocks noGrp="1"/>
+          </p:cNvSpPr>
+          <p:nvPr>
+            <p:ph type="sldNum" sz="quarter" idx="5"/>
+          </p:nvPr>
+        </p:nvSpPr>
+        <p:spPr/>
+        <p:txBody>
+          <a:bodyPr/>
+          <a:lstStyle/>
+          <a:p>
+            <a:fld id="{EF83ECF8-EBB3-462A-BC97-8AC574C482EA}" type="slidenum">
+              <a:rPr lang="en-US" smtClean="0"/>
+              <a:t>16</a:t>
+            </a:fld>
+            <a:endParaRPr lang="en-US"/>
+          </a:p>
+        </p:txBody>
+      </p:sp>
+    </p:spTree>
+    <p:extLst>
+      <p:ext uri="{BB962C8B-B14F-4D97-AF65-F5344CB8AC3E}">
+        <p14:creationId xmlns:p14="http://schemas.microsoft.com/office/powerpoint/2010/main" val="905809542"/>
+      </p:ext>
+    </p:extLst>
+  </p:cSld>
+  <p:clrMapOvr>
+    <a:masterClrMapping/>
+  </p:clrMapOvr>
+</p:notes>
+</file>
+
+<file path=ppt/notesSlides/notesSlide8.xml><?xml version="1.0" encoding="utf-8"?>
+<p:notes xmlns:a="http://schemas.openxmlformats.org/drawingml/2006/main" xmlns:r="http://schemas.openxmlformats.org/officeDocument/2006/relationships" xmlns:p="http://schemas.openxmlformats.org/presentationml/2006/main">
+  <p:cSld>
+    <p:spTree>
+      <p:nvGrpSpPr>
+        <p:cNvPr id="1" name=""/>
+        <p:cNvGrpSpPr/>
+        <p:nvPr/>
+      </p:nvGrpSpPr>
+      <p:grpSpPr>
+        <a:xfrm>
+          <a:off x="0" y="0"/>
+          <a:ext cx="0" cy="0"/>
+          <a:chOff x="0" y="0"/>
+          <a:chExt cx="0" cy="0"/>
+        </a:xfrm>
+      </p:grpSpPr>
+      <p:sp>
+        <p:nvSpPr>
+          <p:cNvPr id="2" name="Slide Image Placeholder 1"/>
+          <p:cNvSpPr>
+            <a:spLocks noGrp="1" noRot="1" noChangeAspect="1"/>
+          </p:cNvSpPr>
+          <p:nvPr>
+            <p:ph type="sldImg"/>
+          </p:nvPr>
+        </p:nvSpPr>
+        <p:spPr/>
+      </p:sp>
+      <p:sp>
+        <p:nvSpPr>
+          <p:cNvPr id="3" name="Notes Placeholder 2"/>
+          <p:cNvSpPr>
+            <a:spLocks noGrp="1"/>
+          </p:cNvSpPr>
+          <p:nvPr>
+            <p:ph type="body" idx="1"/>
+          </p:nvPr>
+        </p:nvSpPr>
+        <p:spPr/>
+        <p:txBody>
+          <a:bodyPr/>
+          <a:lstStyle/>
+          <a:p>
+            <a:pPr marL="0" marR="0" lvl="0" indent="0" algn="l" defTabSz="914400" rtl="0" eaLnBrk="1" fontAlgn="auto" latinLnBrk="0" hangingPunct="1">
+              <a:lnSpc>
+                <a:spcPct val="100000"/>
+              </a:lnSpc>
+              <a:spcBef>
+                <a:spcPts val="0"/>
+              </a:spcBef>
+              <a:spcAft>
+                <a:spcPts val="0"/>
+              </a:spcAft>
+              <a:buClrTx/>
+              <a:buSzTx/>
+              <a:buFontTx/>
+              <a:buNone/>
+              <a:tabLst/>
+              <a:defRPr/>
+            </a:pPr>
+            <a:r>
+              <a:rPr lang="ru-RU" b="0" i="0" dirty="0">
+                <a:solidFill>
+                  <a:srgbClr val="202122"/>
+                </a:solidFill>
+                <a:effectLst/>
+                <a:latin typeface="Arial" panose="020B0604020202020204" pitchFamily="34" charset="0"/>
+              </a:rPr>
+              <a:t>Друзья заявляли о том, что «это больше не Гейдж»</a:t>
+            </a:r>
+          </a:p>
+          <a:p>
+            <a:pPr marL="0" marR="0" lvl="0" indent="0" algn="l" defTabSz="914400" rtl="0" eaLnBrk="1" fontAlgn="auto" latinLnBrk="0" hangingPunct="1">
+              <a:lnSpc>
+                <a:spcPct val="100000"/>
+              </a:lnSpc>
+              <a:spcBef>
+                <a:spcPts val="0"/>
+              </a:spcBef>
+              <a:spcAft>
+                <a:spcPts val="0"/>
+              </a:spcAft>
+              <a:buClrTx/>
+              <a:buSzTx/>
+              <a:buFontTx/>
+              <a:buNone/>
+              <a:tabLst/>
+              <a:defRPr/>
+            </a:pPr>
+            <a:endParaRPr lang="ru-RU" b="0" i="0" dirty="0">
+              <a:solidFill>
+                <a:srgbClr val="202122"/>
+              </a:solidFill>
+              <a:effectLst/>
+              <a:latin typeface="Arial" panose="020B0604020202020204" pitchFamily="34" charset="0"/>
+            </a:endParaRPr>
+          </a:p>
+          <a:p>
+            <a:pPr marL="0" marR="0" lvl="0" indent="0" algn="l" defTabSz="914400" rtl="0" eaLnBrk="1" fontAlgn="auto" latinLnBrk="0" hangingPunct="1">
+              <a:lnSpc>
+                <a:spcPct val="100000"/>
+              </a:lnSpc>
+              <a:spcBef>
+                <a:spcPts val="0"/>
+              </a:spcBef>
+              <a:spcAft>
+                <a:spcPts val="0"/>
+              </a:spcAft>
+              <a:buClrTx/>
+              <a:buSzTx/>
+              <a:buFontTx/>
+              <a:buNone/>
+              <a:tabLst/>
+              <a:defRPr/>
+            </a:pPr>
+            <a:r>
+              <a:rPr lang="ru-RU" b="0" i="0" dirty="0">
+                <a:solidFill>
+                  <a:srgbClr val="202122"/>
+                </a:solidFill>
+                <a:effectLst/>
+                <a:latin typeface="Arial" panose="020B0604020202020204" pitchFamily="34" charset="0"/>
+              </a:rPr>
+              <a:t>Он порывист, непочтителен, ругается матом – одним словом, сломался тормоз.</a:t>
+            </a:r>
+          </a:p>
+          <a:p>
+            <a:pPr marL="0" marR="0" lvl="0" indent="0" algn="l" defTabSz="914400" rtl="0" eaLnBrk="1" fontAlgn="auto" latinLnBrk="0" hangingPunct="1">
+              <a:lnSpc>
+                <a:spcPct val="100000"/>
+              </a:lnSpc>
+              <a:spcBef>
+                <a:spcPts val="0"/>
+              </a:spcBef>
+              <a:spcAft>
+                <a:spcPts val="0"/>
+              </a:spcAft>
+              <a:buClrTx/>
+              <a:buSzTx/>
+              <a:buFontTx/>
+              <a:buNone/>
+              <a:tabLst/>
+              <a:defRPr/>
+            </a:pPr>
+            <a:endParaRPr lang="ru-RU" b="0" i="0" dirty="0">
+              <a:solidFill>
+                <a:srgbClr val="202122"/>
+              </a:solidFill>
+              <a:effectLst/>
+              <a:latin typeface="Arial" panose="020B0604020202020204" pitchFamily="34" charset="0"/>
+            </a:endParaRPr>
+          </a:p>
+          <a:p>
+            <a:pPr marL="0" marR="0" lvl="0" indent="0" algn="l" defTabSz="914400" rtl="0" eaLnBrk="1" fontAlgn="auto" latinLnBrk="0" hangingPunct="1">
+              <a:lnSpc>
+                <a:spcPct val="100000"/>
+              </a:lnSpc>
+              <a:spcBef>
+                <a:spcPts val="0"/>
+              </a:spcBef>
+              <a:spcAft>
+                <a:spcPts val="0"/>
+              </a:spcAft>
+              <a:buClrTx/>
+              <a:buSzTx/>
+              <a:buFontTx/>
+              <a:buNone/>
+              <a:tabLst/>
+              <a:defRPr/>
+            </a:pPr>
+            <a:r>
+              <a:rPr lang="ru-RU" b="0" i="0" dirty="0">
+                <a:solidFill>
+                  <a:srgbClr val="202122"/>
+                </a:solidFill>
+                <a:effectLst/>
+                <a:latin typeface="Arial" panose="020B0604020202020204" pitchFamily="34" charset="0"/>
+              </a:rPr>
+              <a:t>Прожил еще 12 лет после этого.</a:t>
+            </a:r>
+            <a:endParaRPr lang="en-US" dirty="0"/>
+          </a:p>
+        </p:txBody>
+      </p:sp>
+      <p:sp>
+        <p:nvSpPr>
+          <p:cNvPr id="4" name="Slide Number Placeholder 3"/>
+          <p:cNvSpPr>
+            <a:spLocks noGrp="1"/>
+          </p:cNvSpPr>
+          <p:nvPr>
+            <p:ph type="sldNum" sz="quarter" idx="5"/>
+          </p:nvPr>
+        </p:nvSpPr>
+        <p:spPr/>
+        <p:txBody>
+          <a:bodyPr/>
+          <a:lstStyle/>
+          <a:p>
+            <a:fld id="{EF83ECF8-EBB3-462A-BC97-8AC574C482EA}" type="slidenum">
+              <a:rPr lang="en-US" smtClean="0"/>
+              <a:t>17</a:t>
+            </a:fld>
+            <a:endParaRPr lang="en-US"/>
+          </a:p>
+        </p:txBody>
+      </p:sp>
+    </p:spTree>
+    <p:extLst>
+      <p:ext uri="{BB962C8B-B14F-4D97-AF65-F5344CB8AC3E}">
+        <p14:creationId xmlns:p14="http://schemas.microsoft.com/office/powerpoint/2010/main" val="3766052677"/>
+      </p:ext>
+    </p:extLst>
+  </p:cSld>
+  <p:clrMapOvr>
+    <a:masterClrMapping/>
+  </p:clrMapOvr>
+</p:notes>
+</file>
+
+<file path=ppt/notesSlides/notesSlide9.xml><?xml version="1.0" encoding="utf-8"?>
+<p:notes xmlns:a="http://schemas.openxmlformats.org/drawingml/2006/main" xmlns:r="http://schemas.openxmlformats.org/officeDocument/2006/relationships" xmlns:p="http://schemas.openxmlformats.org/presentationml/2006/main">
+  <p:cSld>
+    <p:spTree>
+      <p:nvGrpSpPr>
+        <p:cNvPr id="1" name=""/>
+        <p:cNvGrpSpPr/>
+        <p:nvPr/>
+      </p:nvGrpSpPr>
+      <p:grpSpPr>
+        <a:xfrm>
+          <a:off x="0" y="0"/>
+          <a:ext cx="0" cy="0"/>
+          <a:chOff x="0" y="0"/>
+          <a:chExt cx="0" cy="0"/>
+        </a:xfrm>
+      </p:grpSpPr>
+      <p:sp>
+        <p:nvSpPr>
+          <p:cNvPr id="2" name="Slide Image Placeholder 1"/>
+          <p:cNvSpPr>
+            <a:spLocks noGrp="1" noRot="1" noChangeAspect="1"/>
+          </p:cNvSpPr>
+          <p:nvPr>
+            <p:ph type="sldImg"/>
+          </p:nvPr>
+        </p:nvSpPr>
+        <p:spPr/>
+      </p:sp>
+      <p:sp>
+        <p:nvSpPr>
+          <p:cNvPr id="3" name="Notes Placeholder 2"/>
+          <p:cNvSpPr>
+            <a:spLocks noGrp="1"/>
+          </p:cNvSpPr>
+          <p:nvPr>
+            <p:ph type="body" idx="1"/>
+          </p:nvPr>
+        </p:nvSpPr>
+        <p:spPr/>
+        <p:txBody>
+          <a:bodyPr/>
+          <a:lstStyle/>
+          <a:p>
+            <a:r>
+              <a:rPr lang="ru-RU" dirty="0"/>
+              <a:t>Почему я хочу поговорить про Мозг?</a:t>
+            </a:r>
+            <a:endParaRPr lang="en-US" dirty="0"/>
+          </a:p>
+        </p:txBody>
+      </p:sp>
+      <p:sp>
+        <p:nvSpPr>
+          <p:cNvPr id="4" name="Slide Number Placeholder 3"/>
+          <p:cNvSpPr>
+            <a:spLocks noGrp="1"/>
+          </p:cNvSpPr>
+          <p:nvPr>
+            <p:ph type="sldNum" sz="quarter" idx="5"/>
+          </p:nvPr>
+        </p:nvSpPr>
+        <p:spPr/>
+        <p:txBody>
+          <a:bodyPr/>
+          <a:lstStyle/>
+          <a:p>
+            <a:fld id="{EF83ECF8-EBB3-462A-BC97-8AC574C482EA}" type="slidenum">
+              <a:rPr lang="en-US" smtClean="0"/>
+              <a:t>18</a:t>
+            </a:fld>
+            <a:endParaRPr lang="en-US"/>
+          </a:p>
+        </p:txBody>
+      </p:sp>
+    </p:spTree>
+    <p:extLst>
+      <p:ext uri="{BB962C8B-B14F-4D97-AF65-F5344CB8AC3E}">
+        <p14:creationId xmlns:p14="http://schemas.microsoft.com/office/powerpoint/2010/main" val="3399977846"/>
+      </p:ext>
+    </p:extLst>
+  </p:cSld>
+  <p:clrMapOvr>
+    <a:masterClrMapping/>
+  </p:clrMapOvr>
+</p:notes>
 </file>
 
 <file path=ppt/slideLayouts/slideLayout1.xml><?xml version="1.0" encoding="utf-8"?>
@@ -831,7 +5893,7 @@
             <a:fld id="{1E700B27-DE4C-4B9E-BB11-B9027034A00F}" type="datetimeFigureOut">
               <a:rPr lang="en-US" dirty="0"/>
               <a:pPr/>
-              <a:t>1/28/2021</a:t>
+              <a:t>1/29/2021</a:t>
             </a:fld>
             <a:endParaRPr lang="en-US" dirty="0"/>
           </a:p>
@@ -1947,7 +7009,7 @@
           <a:p>
             <a:fld id="{C40F4739-9812-4A9F-890D-2AD6BA5F6EE8}" type="datetimeFigureOut">
               <a:rPr lang="en-US" dirty="0"/>
-              <a:t>1/28/2021</a:t>
+              <a:t>1/29/2021</a:t>
             </a:fld>
             <a:endParaRPr lang="en-US" dirty="0"/>
           </a:p>
@@ -2954,7 +8016,7 @@
           <a:p>
             <a:fld id="{18845AC5-A3F8-44AA-BA8F-596CDCC976D3}" type="datetimeFigureOut">
               <a:rPr lang="en-US" dirty="0"/>
-              <a:t>1/28/2021</a:t>
+              <a:t>1/29/2021</a:t>
             </a:fld>
             <a:endParaRPr lang="en-US" dirty="0"/>
           </a:p>
@@ -4120,7 +9182,7 @@
           <a:p>
             <a:fld id="{C873B183-A821-4095-A363-9EC968635539}" type="datetimeFigureOut">
               <a:rPr lang="en-US" dirty="0"/>
-              <a:t>1/28/2021</a:t>
+              <a:t>1/29/2021</a:t>
             </a:fld>
             <a:endParaRPr lang="en-US" dirty="0"/>
           </a:p>
@@ -5177,7 +10239,7 @@
           <a:p>
             <a:fld id="{174D01B4-0AA5-45E6-B2E6-5FA4078AEBCF}" type="datetimeFigureOut">
               <a:rPr lang="en-US" dirty="0"/>
-              <a:t>1/28/2021</a:t>
+              <a:t>1/29/2021</a:t>
             </a:fld>
             <a:endParaRPr lang="en-US" dirty="0"/>
           </a:p>
@@ -5819,7 +10881,7 @@
           <a:p>
             <a:fld id="{4147335C-0450-40D7-8612-B3203BED4F28}" type="datetimeFigureOut">
               <a:rPr lang="en-US" dirty="0"/>
-              <a:t>1/28/2021</a:t>
+              <a:t>1/29/2021</a:t>
             </a:fld>
             <a:endParaRPr lang="en-US" dirty="0"/>
           </a:p>
@@ -6662,7 +11724,7 @@
           <a:p>
             <a:fld id="{D246A105-2A1C-4284-B4EA-07CF89B1A393}" type="datetimeFigureOut">
               <a:rPr lang="en-US" dirty="0"/>
-              <a:t>1/28/2021</a:t>
+              <a:t>1/29/2021</a:t>
             </a:fld>
             <a:endParaRPr lang="en-US" dirty="0"/>
           </a:p>
@@ -6833,7 +11895,7 @@
           <a:p>
             <a:fld id="{80DBE609-F3F2-45E6-BD6A-E03A8C86C1AE}" type="datetimeFigureOut">
               <a:rPr lang="en-US" dirty="0"/>
-              <a:t>1/28/2021</a:t>
+              <a:t>1/29/2021</a:t>
             </a:fld>
             <a:endParaRPr lang="en-US" dirty="0"/>
           </a:p>
@@ -7827,7 +12889,7 @@
           <a:p>
             <a:fld id="{7A24AD68-089C-4467-A8F3-EA2BBCA6B44E}" type="datetimeFigureOut">
               <a:rPr lang="en-US" dirty="0"/>
-              <a:t>1/28/2021</a:t>
+              <a:t>1/29/2021</a:t>
             </a:fld>
             <a:endParaRPr lang="en-US" dirty="0"/>
           </a:p>
@@ -8029,7 +13091,7 @@
           <a:p>
             <a:fld id="{75C51FCE-E4BB-4680-8E50-3C0E348D2609}" type="datetimeFigureOut">
               <a:rPr lang="en-US" dirty="0"/>
-              <a:t>1/28/2021</a:t>
+              <a:t>1/29/2021</a:t>
             </a:fld>
             <a:endParaRPr lang="en-US" dirty="0"/>
           </a:p>
@@ -9087,7 +14149,7 @@
           <a:p>
             <a:fld id="{8AAA073D-A903-47F8-8D16-77642FB0DF1F}" type="datetimeFigureOut">
               <a:rPr lang="en-US" dirty="0"/>
-              <a:t>1/28/2021</a:t>
+              <a:t>1/29/2021</a:t>
             </a:fld>
             <a:endParaRPr lang="en-US" dirty="0"/>
           </a:p>
@@ -9355,7 +14417,7 @@
           <a:p>
             <a:fld id="{AB91FA40-626B-4CA1-85D0-7A9016E395BA}" type="datetimeFigureOut">
               <a:rPr lang="en-US" dirty="0"/>
-              <a:t>1/28/2021</a:t>
+              <a:t>1/29/2021</a:t>
             </a:fld>
             <a:endParaRPr lang="en-US" dirty="0"/>
           </a:p>
@@ -9733,7 +14795,7 @@
           <a:p>
             <a:fld id="{C3F425EA-B9DC-48A7-991E-9A82573B1B21}" type="datetimeFigureOut">
               <a:rPr lang="en-US" dirty="0"/>
-              <a:t>1/28/2021</a:t>
+              <a:t>1/29/2021</a:t>
             </a:fld>
             <a:endParaRPr lang="en-US" dirty="0"/>
           </a:p>
@@ -9847,7 +14909,7 @@
           <a:p>
             <a:fld id="{66CB97F8-6CEB-469B-AFCC-889F2A2B1D5A}" type="datetimeFigureOut">
               <a:rPr lang="en-US" dirty="0"/>
-              <a:t>1/28/2021</a:t>
+              <a:t>1/29/2021</a:t>
             </a:fld>
             <a:endParaRPr lang="en-US" dirty="0"/>
           </a:p>
@@ -9938,7 +15000,7 @@
           <a:p>
             <a:fld id="{8FA9179F-009E-4FA5-B091-7EBB82A185BD}" type="datetimeFigureOut">
               <a:rPr lang="en-US" dirty="0"/>
-              <a:t>1/28/2021</a:t>
+              <a:t>1/29/2021</a:t>
             </a:fld>
             <a:endParaRPr lang="en-US" dirty="0"/>
           </a:p>
@@ -11043,7 +16105,7 @@
           <a:p>
             <a:fld id="{8E665CEB-0076-4E37-B880-BCEA9784DE0A}" type="datetimeFigureOut">
               <a:rPr lang="en-US" dirty="0"/>
-              <a:t>1/28/2021</a:t>
+              <a:t>1/29/2021</a:t>
             </a:fld>
             <a:endParaRPr lang="en-US" dirty="0"/>
           </a:p>
@@ -12172,7 +17234,7 @@
           <a:p>
             <a:fld id="{A6149E5E-3896-4118-99A7-7B85668F1C5E}" type="datetimeFigureOut">
               <a:rPr lang="en-US" dirty="0"/>
-              <a:t>1/28/2021</a:t>
+              <a:t>1/29/2021</a:t>
             </a:fld>
             <a:endParaRPr lang="en-US" dirty="0"/>
           </a:p>
@@ -13196,7 +18258,7 @@
           <a:p>
             <a:fld id="{7E0D914D-B099-4142-A885-11F276715148}" type="datetimeFigureOut">
               <a:rPr lang="en-US" dirty="0"/>
-              <a:t>1/28/2021</a:t>
+              <a:t>1/29/2021</a:t>
             </a:fld>
             <a:endParaRPr lang="en-US" dirty="0"/>
           </a:p>
@@ -13843,7 +18905,7 @@
           <p:cNvPr id="2" name="Title 1">
             <a:extLst>
               <a:ext uri="{FF2B5EF4-FFF2-40B4-BE49-F238E27FC236}">
-                <a16:creationId xmlns:a16="http://schemas.microsoft.com/office/drawing/2014/main" id="{A2EDEEEE-C304-43A3-878E-B96C543F0E03}"/>
+                <a16:creationId xmlns:a16="http://schemas.microsoft.com/office/drawing/2014/main" id="{F034D1A9-39F1-4C2B-B280-A0229EDBBA1D}"/>
               </a:ext>
             </a:extLst>
           </p:cNvPr>
@@ -13861,7 +18923,7 @@
           <a:p>
             <a:r>
               <a:rPr lang="ru-RU" dirty="0"/>
-              <a:t>Тормоз</a:t>
+              <a:t>Что такое Сила Воли?</a:t>
             </a:r>
             <a:endParaRPr lang="en-US" dirty="0"/>
           </a:p>
@@ -13872,7 +18934,7 @@
           <p:cNvPr id="3" name="Content Placeholder 2">
             <a:extLst>
               <a:ext uri="{FF2B5EF4-FFF2-40B4-BE49-F238E27FC236}">
-                <a16:creationId xmlns:a16="http://schemas.microsoft.com/office/drawing/2014/main" id="{7C9BA842-1486-423C-8A3F-68772024B330}"/>
+                <a16:creationId xmlns:a16="http://schemas.microsoft.com/office/drawing/2014/main" id="{02CC965B-C8A8-4ED3-B854-FC6458FCD272}"/>
               </a:ext>
             </a:extLst>
           </p:cNvPr>
@@ -13885,20 +18947,102 @@
         </p:nvSpPr>
         <p:spPr/>
         <p:txBody>
-          <a:bodyPr/>
+          <a:bodyPr>
+            <a:normAutofit/>
+          </a:bodyPr>
           <a:lstStyle/>
           <a:p>
-            <a:r>
-              <a:rPr lang="ru-RU" dirty="0"/>
-              <a:t>Умение тормозить важнейший навык у человека.</a:t>
-            </a:r>
+            <a:pPr marL="0" marR="0">
+              <a:spcBef>
+                <a:spcPts val="0"/>
+              </a:spcBef>
+              <a:spcAft>
+                <a:spcPts val="0"/>
+              </a:spcAft>
+            </a:pPr>
+            <a:r>
+              <a:rPr lang="ru-RU" sz="1800" dirty="0">
+                <a:effectLst/>
+                <a:latin typeface="Century Gothic (Body)"/>
+              </a:rPr>
+              <a:t>Иррациональное и Рациональное</a:t>
+            </a:r>
+          </a:p>
+          <a:p>
+            <a:r>
+              <a:rPr lang="ru-RU" sz="1800" dirty="0">
+                <a:effectLst/>
+                <a:latin typeface="Century Gothic (Body)"/>
+              </a:rPr>
+              <a:t>Ид и Эго</a:t>
+            </a:r>
+          </a:p>
+          <a:p>
+            <a:r>
+              <a:rPr lang="ru-RU" sz="1800" dirty="0">
+                <a:effectLst/>
+                <a:latin typeface="Century Gothic (Body)"/>
+              </a:rPr>
+              <a:t>Система 1 и Система 2</a:t>
+            </a:r>
+          </a:p>
+          <a:p>
+            <a:r>
+              <a:rPr lang="ru-RU" sz="1800" dirty="0">
+                <a:effectLst/>
+                <a:latin typeface="Century Gothic (Body)"/>
+              </a:rPr>
+              <a:t>Обезьянка и Рациональный тип</a:t>
+            </a:r>
+          </a:p>
+          <a:p>
+            <a:r>
+              <a:rPr lang="ru-RU" sz="1800" dirty="0">
+                <a:effectLst/>
+                <a:latin typeface="Century Gothic (Body)"/>
+              </a:rPr>
+              <a:t>Пассажир и Машинист</a:t>
+            </a:r>
+          </a:p>
+          <a:p>
+            <a:r>
+              <a:rPr lang="ru-RU" sz="1800" dirty="0">
+                <a:effectLst/>
+                <a:latin typeface="Century Gothic (Body)"/>
+              </a:rPr>
+              <a:t>Сердце и Ум</a:t>
+            </a:r>
+          </a:p>
+          <a:p>
+            <a:r>
+              <a:rPr lang="ru-RU" sz="1800" dirty="0">
+                <a:effectLst/>
+                <a:latin typeface="Century Gothic (Body)"/>
+              </a:rPr>
+              <a:t>Эмоции и Рацио</a:t>
+            </a:r>
+            <a:endParaRPr lang="en-US" dirty="0">
+              <a:latin typeface="Century Gothic (Body)"/>
+            </a:endParaRPr>
+          </a:p>
+          <a:p>
+            <a:endParaRPr lang="ru-RU" sz="1800" dirty="0">
+              <a:effectLst/>
+              <a:latin typeface="Century Gothic (Body)"/>
+            </a:endParaRPr>
+          </a:p>
+          <a:p>
+            <a:endParaRPr lang="ru-RU" sz="1800" dirty="0">
+              <a:effectLst/>
+              <a:latin typeface="Century Gothic (Body)"/>
+            </a:endParaRPr>
           </a:p>
         </p:txBody>
       </p:sp>
     </p:spTree>
     <p:extLst>
       <p:ext uri="{BB962C8B-B14F-4D97-AF65-F5344CB8AC3E}">
-        <p14:creationId xmlns:p14="http://schemas.microsoft.com/office/powerpoint/2010/main" val="1006844023"/>
+        <p14:creationId xmlns:p14="http://schemas.microsoft.com/office/powerpoint/2010/main" val="4194845407"/>
       </p:ext>
     </p:extLst>
   </p:cSld>
@@ -13930,7 +19074,7 @@
           <p:cNvPr id="2" name="Title 1">
             <a:extLst>
               <a:ext uri="{FF2B5EF4-FFF2-40B4-BE49-F238E27FC236}">
-                <a16:creationId xmlns:a16="http://schemas.microsoft.com/office/drawing/2014/main" id="{A2EDEEEE-C304-43A3-878E-B96C543F0E03}"/>
+                <a16:creationId xmlns:a16="http://schemas.microsoft.com/office/drawing/2014/main" id="{20DF650D-2B7A-4077-BF8F-A2814C4EE1B7}"/>
               </a:ext>
             </a:extLst>
           </p:cNvPr>
@@ -13948,7 +19092,7 @@
           <a:p>
             <a:r>
               <a:rPr lang="ru-RU" dirty="0"/>
-              <a:t>Тормоз</a:t>
+              <a:t>Где находится наш тормоз?</a:t>
             </a:r>
             <a:endParaRPr lang="en-US" dirty="0"/>
           </a:p>
@@ -13959,7 +19103,7 @@
           <p:cNvPr id="3" name="Content Placeholder 2">
             <a:extLst>
               <a:ext uri="{FF2B5EF4-FFF2-40B4-BE49-F238E27FC236}">
-                <a16:creationId xmlns:a16="http://schemas.microsoft.com/office/drawing/2014/main" id="{7C9BA842-1486-423C-8A3F-68772024B330}"/>
+                <a16:creationId xmlns:a16="http://schemas.microsoft.com/office/drawing/2014/main" id="{83C5BB53-5B80-469F-8473-A2499551DF76}"/>
               </a:ext>
             </a:extLst>
           </p:cNvPr>
@@ -13975,23 +19119,14 @@
           <a:bodyPr/>
           <a:lstStyle/>
           <a:p>
-            <a:r>
-              <a:rPr lang="ru-RU" dirty="0"/>
-              <a:t>Умение тормозить важнейший навык у человека.</a:t>
-            </a:r>
-          </a:p>
-          <a:p>
-            <a:r>
-              <a:rPr lang="ru-RU" dirty="0"/>
-              <a:t>Умение противостоять своим влечениям и импульсам.</a:t>
-            </a:r>
+            <a:endParaRPr lang="en-US" dirty="0"/>
           </a:p>
         </p:txBody>
       </p:sp>
     </p:spTree>
     <p:extLst>
       <p:ext uri="{BB962C8B-B14F-4D97-AF65-F5344CB8AC3E}">
-        <p14:creationId xmlns:p14="http://schemas.microsoft.com/office/powerpoint/2010/main" val="860212547"/>
+        <p14:creationId xmlns:p14="http://schemas.microsoft.com/office/powerpoint/2010/main" val="584322234"/>
       </p:ext>
     </p:extLst>
   </p:cSld>
@@ -14041,7 +19176,7 @@
           <a:p>
             <a:r>
               <a:rPr lang="ru-RU" dirty="0"/>
-              <a:t>Где находится наш тормоз?</a:t>
+              <a:t>Финеас Гейдж</a:t>
             </a:r>
             <a:endParaRPr lang="en-US" dirty="0"/>
           </a:p>
@@ -14075,7 +19210,7 @@
     </p:spTree>
     <p:extLst>
       <p:ext uri="{BB962C8B-B14F-4D97-AF65-F5344CB8AC3E}">
-        <p14:creationId xmlns:p14="http://schemas.microsoft.com/office/powerpoint/2010/main" val="584322234"/>
+        <p14:creationId xmlns:p14="http://schemas.microsoft.com/office/powerpoint/2010/main" val="1286999957"/>
       </p:ext>
     </p:extLst>
   </p:cSld>
@@ -14152,6 +19287,13 @@
           <a:bodyPr/>
           <a:lstStyle/>
           <a:p>
+            <a:pPr marL="0" indent="0">
+              <a:buNone/>
+            </a:pPr>
+            <a:r>
+              <a:rPr lang="ru-RU" dirty="0"/>
+              <a:t>Случай произошел 13 сентября 1848 года.</a:t>
+            </a:r>
             <a:endParaRPr lang="en-US" dirty="0"/>
           </a:p>
         </p:txBody>
@@ -14159,7 +19301,7 @@
     </p:spTree>
     <p:extLst>
       <p:ext uri="{BB962C8B-B14F-4D97-AF65-F5344CB8AC3E}">
-        <p14:creationId xmlns:p14="http://schemas.microsoft.com/office/powerpoint/2010/main" val="1286999957"/>
+        <p14:creationId xmlns:p14="http://schemas.microsoft.com/office/powerpoint/2010/main" val="2593535607"/>
       </p:ext>
     </p:extLst>
   </p:cSld>
@@ -14236,9 +19378,21 @@
           <a:bodyPr/>
           <a:lstStyle/>
           <a:p>
+            <a:pPr marL="0" indent="0">
+              <a:buNone/>
+            </a:pPr>
             <a:r>
               <a:rPr lang="ru-RU" dirty="0"/>
-              <a:t>13 сентября 1848 года.</a:t>
+              <a:t>Случай произошел 13 сентября 1848 года.</a:t>
+            </a:r>
+          </a:p>
+          <a:p>
+            <a:endParaRPr lang="ru-RU" dirty="0"/>
+          </a:p>
+          <a:p>
+            <a:r>
+              <a:rPr lang="ru-RU" dirty="0"/>
+              <a:t>Спокойный, уравновешанный.</a:t>
             </a:r>
             <a:endParaRPr lang="en-US" dirty="0"/>
           </a:p>
@@ -14247,7 +19401,7 @@
     </p:spTree>
     <p:extLst>
       <p:ext uri="{BB962C8B-B14F-4D97-AF65-F5344CB8AC3E}">
-        <p14:creationId xmlns:p14="http://schemas.microsoft.com/office/powerpoint/2010/main" val="2593535607"/>
+        <p14:creationId xmlns:p14="http://schemas.microsoft.com/office/powerpoint/2010/main" val="1714426854"/>
       </p:ext>
     </p:extLst>
   </p:cSld>
@@ -14324,20 +19478,32 @@
           <a:bodyPr/>
           <a:lstStyle/>
           <a:p>
+            <a:pPr marL="0" indent="0">
+              <a:buNone/>
+            </a:pPr>
             <a:r>
               <a:rPr lang="ru-RU" dirty="0"/>
-              <a:t>13 сентября 1848 года.</a:t>
+              <a:t>Травма привела к изменению:</a:t>
             </a:r>
           </a:p>
           <a:p>
             <a:endParaRPr lang="ru-RU" dirty="0"/>
+          </a:p>
+          <a:p>
+            <a:r>
+              <a:rPr lang="ru-RU" dirty="0"/>
+              <a:t>В эмоциональном состоянии.</a:t>
+            </a:r>
+          </a:p>
+          <a:p>
+            <a:endParaRPr lang="en-US" dirty="0"/>
           </a:p>
         </p:txBody>
       </p:sp>
     </p:spTree>
     <p:extLst>
       <p:ext uri="{BB962C8B-B14F-4D97-AF65-F5344CB8AC3E}">
-        <p14:creationId xmlns:p14="http://schemas.microsoft.com/office/powerpoint/2010/main" val="1880369652"/>
+        <p14:creationId xmlns:p14="http://schemas.microsoft.com/office/powerpoint/2010/main" val="292442154"/>
       </p:ext>
     </p:extLst>
   </p:cSld>
@@ -14414,22 +19580,30 @@
           <a:bodyPr/>
           <a:lstStyle/>
           <a:p>
+            <a:pPr marL="0" indent="0">
+              <a:buNone/>
+            </a:pPr>
             <a:r>
               <a:rPr lang="ru-RU" dirty="0"/>
-              <a:t>13 сентября 1848 года.</a:t>
-            </a:r>
+              <a:t>Травма привела к изменению:</a:t>
+            </a:r>
+          </a:p>
+          <a:p>
+            <a:endParaRPr lang="ru-RU" dirty="0"/>
           </a:p>
           <a:p>
             <a:r>
               <a:rPr lang="ru-RU" dirty="0"/>
-              <a:t>Было</a:t>
+              <a:t>В эмоциональном состоянии.</a:t>
             </a:r>
           </a:p>
           <a:p>
             <a:r>
               <a:rPr lang="ru-RU" dirty="0"/>
-              <a:t>Стало</a:t>
-            </a:r>
+              <a:t>В социальных навыках.</a:t>
+            </a:r>
+          </a:p>
+          <a:p>
             <a:endParaRPr lang="en-US" dirty="0"/>
           </a:p>
         </p:txBody>
@@ -14437,7 +19611,7 @@
     </p:spTree>
     <p:extLst>
       <p:ext uri="{BB962C8B-B14F-4D97-AF65-F5344CB8AC3E}">
-        <p14:creationId xmlns:p14="http://schemas.microsoft.com/office/powerpoint/2010/main" val="3745460767"/>
+        <p14:creationId xmlns:p14="http://schemas.microsoft.com/office/powerpoint/2010/main" val="3080508169"/>
       </p:ext>
     </p:extLst>
   </p:cSld>
@@ -14469,7 +19643,7 @@
           <p:cNvPr id="2" name="Title 1">
             <a:extLst>
               <a:ext uri="{FF2B5EF4-FFF2-40B4-BE49-F238E27FC236}">
-                <a16:creationId xmlns:a16="http://schemas.microsoft.com/office/drawing/2014/main" id="{A2EDEEEE-C304-43A3-878E-B96C543F0E03}"/>
+                <a16:creationId xmlns:a16="http://schemas.microsoft.com/office/drawing/2014/main" id="{20DF650D-2B7A-4077-BF8F-A2814C4EE1B7}"/>
               </a:ext>
             </a:extLst>
           </p:cNvPr>
@@ -14487,7 +19661,7 @@
           <a:p>
             <a:r>
               <a:rPr lang="ru-RU" dirty="0"/>
-              <a:t>Мозг. Старый и Новый.</a:t>
+              <a:t>Финеас Гейдж</a:t>
             </a:r>
             <a:endParaRPr lang="en-US" dirty="0"/>
           </a:p>
@@ -14498,7 +19672,7 @@
           <p:cNvPr id="3" name="Content Placeholder 2">
             <a:extLst>
               <a:ext uri="{FF2B5EF4-FFF2-40B4-BE49-F238E27FC236}">
-                <a16:creationId xmlns:a16="http://schemas.microsoft.com/office/drawing/2014/main" id="{7C9BA842-1486-423C-8A3F-68772024B330}"/>
+                <a16:creationId xmlns:a16="http://schemas.microsoft.com/office/drawing/2014/main" id="{83C5BB53-5B80-469F-8473-A2499551DF76}"/>
               </a:ext>
             </a:extLst>
           </p:cNvPr>
@@ -14514,6 +19688,36 @@
           <a:bodyPr/>
           <a:lstStyle/>
           <a:p>
+            <a:pPr marL="0" indent="0">
+              <a:buNone/>
+            </a:pPr>
+            <a:r>
+              <a:rPr lang="ru-RU" dirty="0"/>
+              <a:t>Травма привела к изменению:</a:t>
+            </a:r>
+          </a:p>
+          <a:p>
+            <a:endParaRPr lang="ru-RU" dirty="0"/>
+          </a:p>
+          <a:p>
+            <a:r>
+              <a:rPr lang="ru-RU" dirty="0"/>
+              <a:t>В эмоциональном состоянии.</a:t>
+            </a:r>
+          </a:p>
+          <a:p>
+            <a:r>
+              <a:rPr lang="ru-RU" dirty="0"/>
+              <a:t>В социальных навыках.</a:t>
+            </a:r>
+          </a:p>
+          <a:p>
+            <a:r>
+              <a:rPr lang="ru-RU" dirty="0"/>
+              <a:t>Личностные особенности.</a:t>
+            </a:r>
+          </a:p>
+          <a:p>
             <a:endParaRPr lang="en-US" dirty="0"/>
           </a:p>
         </p:txBody>
@@ -14521,7 +19725,7 @@
     </p:spTree>
     <p:extLst>
       <p:ext uri="{BB962C8B-B14F-4D97-AF65-F5344CB8AC3E}">
-        <p14:creationId xmlns:p14="http://schemas.microsoft.com/office/powerpoint/2010/main" val="2556049057"/>
+        <p14:creationId xmlns:p14="http://schemas.microsoft.com/office/powerpoint/2010/main" val="812155144"/>
       </p:ext>
     </p:extLst>
   </p:cSld>
@@ -14598,10 +19802,6 @@
           <a:bodyPr/>
           <a:lstStyle/>
           <a:p>
-            <a:r>
-              <a:rPr lang="ru-RU" dirty="0"/>
-              <a:t>Стволовые структуры (ретикулярная формация).</a:t>
-            </a:r>
             <a:endParaRPr lang="en-US" dirty="0"/>
           </a:p>
         </p:txBody>
@@ -14609,7 +19809,7 @@
     </p:spTree>
     <p:extLst>
       <p:ext uri="{BB962C8B-B14F-4D97-AF65-F5344CB8AC3E}">
-        <p14:creationId xmlns:p14="http://schemas.microsoft.com/office/powerpoint/2010/main" val="2859519097"/>
+        <p14:creationId xmlns:p14="http://schemas.microsoft.com/office/powerpoint/2010/main" val="2556049057"/>
       </p:ext>
     </p:extLst>
   </p:cSld>
@@ -14692,22 +19892,12 @@
             </a:r>
             <a:endParaRPr lang="en-US" dirty="0"/>
           </a:p>
-          <a:p>
-            <a:r>
-              <a:rPr lang="ru-RU" dirty="0"/>
-              <a:t>Лимбическая система. Подкорковые структуры (определяет направленость психической энергии)</a:t>
-            </a:r>
-            <a:r>
-              <a:rPr lang="en-US" dirty="0"/>
-              <a:t>.</a:t>
-            </a:r>
-          </a:p>
         </p:txBody>
       </p:sp>
     </p:spTree>
     <p:extLst>
       <p:ext uri="{BB962C8B-B14F-4D97-AF65-F5344CB8AC3E}">
-        <p14:creationId xmlns:p14="http://schemas.microsoft.com/office/powerpoint/2010/main" val="780471120"/>
+        <p14:creationId xmlns:p14="http://schemas.microsoft.com/office/powerpoint/2010/main" val="2859519097"/>
       </p:ext>
     </p:extLst>
   </p:cSld>
@@ -14875,27 +20065,14 @@
           <a:p>
             <a:r>
               <a:rPr lang="ru-RU" dirty="0"/>
-              <a:t>Стволовые структуры (ретикулярная формация)</a:t>
-            </a:r>
-            <a:r>
-              <a:rPr lang="en-US" dirty="0"/>
-              <a:t>.</a:t>
-            </a:r>
+              <a:t>Стволовые структуры (ретикулярная формация).</a:t>
+            </a:r>
+            <a:endParaRPr lang="en-US" dirty="0"/>
           </a:p>
           <a:p>
             <a:r>
               <a:rPr lang="ru-RU" dirty="0"/>
               <a:t>Лимбическая система. Подкорковые структуры (определяет направленость психической энергии)</a:t>
-            </a:r>
-            <a:r>
-              <a:rPr lang="en-US" dirty="0"/>
-              <a:t>.</a:t>
-            </a:r>
-          </a:p>
-          <a:p>
-            <a:r>
-              <a:rPr lang="ru-RU" dirty="0"/>
-              <a:t>Корковые структуры (информация которую мы скопили)</a:t>
             </a:r>
             <a:r>
               <a:rPr lang="en-US" dirty="0"/>
@@ -14907,7 +20084,7 @@
     </p:spTree>
     <p:extLst>
       <p:ext uri="{BB962C8B-B14F-4D97-AF65-F5344CB8AC3E}">
-        <p14:creationId xmlns:p14="http://schemas.microsoft.com/office/powerpoint/2010/main" val="4240167483"/>
+        <p14:creationId xmlns:p14="http://schemas.microsoft.com/office/powerpoint/2010/main" val="780471120"/>
       </p:ext>
     </p:extLst>
   </p:cSld>
@@ -14984,6 +20161,117 @@
           <a:bodyPr/>
           <a:lstStyle/>
           <a:p>
+            <a:r>
+              <a:rPr lang="ru-RU" dirty="0"/>
+              <a:t>Стволовые структуры (ретикулярная формация)</a:t>
+            </a:r>
+            <a:r>
+              <a:rPr lang="en-US" dirty="0"/>
+              <a:t>.</a:t>
+            </a:r>
+          </a:p>
+          <a:p>
+            <a:r>
+              <a:rPr lang="ru-RU" dirty="0"/>
+              <a:t>Лимбическая система. Подкорковые структуры (определяет направленость психической энергии)</a:t>
+            </a:r>
+            <a:r>
+              <a:rPr lang="en-US" dirty="0"/>
+              <a:t>.</a:t>
+            </a:r>
+          </a:p>
+          <a:p>
+            <a:r>
+              <a:rPr lang="ru-RU" dirty="0"/>
+              <a:t>Корковые структуры (информация которую мы скопили)</a:t>
+            </a:r>
+            <a:r>
+              <a:rPr lang="en-US" dirty="0"/>
+              <a:t>.</a:t>
+            </a:r>
+          </a:p>
+        </p:txBody>
+      </p:sp>
+    </p:spTree>
+    <p:extLst>
+      <p:ext uri="{BB962C8B-B14F-4D97-AF65-F5344CB8AC3E}">
+        <p14:creationId xmlns:p14="http://schemas.microsoft.com/office/powerpoint/2010/main" val="4240167483"/>
+      </p:ext>
+    </p:extLst>
+  </p:cSld>
+  <p:clrMapOvr>
+    <a:masterClrMapping/>
+  </p:clrMapOvr>
+</p:sld>
+</file>
+
+<file path=ppt/slides/slide22.xml><?xml version="1.0" encoding="utf-8"?>
+<p:sld xmlns:a="http://schemas.openxmlformats.org/drawingml/2006/main" xmlns:r="http://schemas.openxmlformats.org/officeDocument/2006/relationships" xmlns:p="http://schemas.openxmlformats.org/presentationml/2006/main">
+  <p:cSld>
+    <p:spTree>
+      <p:nvGrpSpPr>
+        <p:cNvPr id="1" name=""/>
+        <p:cNvGrpSpPr/>
+        <p:nvPr/>
+      </p:nvGrpSpPr>
+      <p:grpSpPr>
+        <a:xfrm>
+          <a:off x="0" y="0"/>
+          <a:ext cx="0" cy="0"/>
+          <a:chOff x="0" y="0"/>
+          <a:chExt cx="0" cy="0"/>
+        </a:xfrm>
+      </p:grpSpPr>
+      <p:sp>
+        <p:nvSpPr>
+          <p:cNvPr id="2" name="Title 1">
+            <a:extLst>
+              <a:ext uri="{FF2B5EF4-FFF2-40B4-BE49-F238E27FC236}">
+                <a16:creationId xmlns:a16="http://schemas.microsoft.com/office/drawing/2014/main" id="{A2EDEEEE-C304-43A3-878E-B96C543F0E03}"/>
+              </a:ext>
+            </a:extLst>
+          </p:cNvPr>
+          <p:cNvSpPr>
+            <a:spLocks noGrp="1"/>
+          </p:cNvSpPr>
+          <p:nvPr>
+            <p:ph type="title"/>
+          </p:nvPr>
+        </p:nvSpPr>
+        <p:spPr/>
+        <p:txBody>
+          <a:bodyPr/>
+          <a:lstStyle/>
+          <a:p>
+            <a:r>
+              <a:rPr lang="ru-RU" dirty="0"/>
+              <a:t>Мозг. Старый и Новый.</a:t>
+            </a:r>
+            <a:endParaRPr lang="en-US" dirty="0"/>
+          </a:p>
+        </p:txBody>
+      </p:sp>
+      <p:sp>
+        <p:nvSpPr>
+          <p:cNvPr id="3" name="Content Placeholder 2">
+            <a:extLst>
+              <a:ext uri="{FF2B5EF4-FFF2-40B4-BE49-F238E27FC236}">
+                <a16:creationId xmlns:a16="http://schemas.microsoft.com/office/drawing/2014/main" id="{7C9BA842-1486-423C-8A3F-68772024B330}"/>
+              </a:ext>
+            </a:extLst>
+          </p:cNvPr>
+          <p:cNvSpPr>
+            <a:spLocks noGrp="1"/>
+          </p:cNvSpPr>
+          <p:nvPr>
+            <p:ph idx="1"/>
+          </p:nvPr>
+        </p:nvSpPr>
+        <p:spPr/>
+        <p:txBody>
+          <a:bodyPr/>
+          <a:lstStyle/>
+          <a:p>
             <a:endParaRPr lang="en-US" dirty="0"/>
           </a:p>
         </p:txBody>
@@ -15001,7 +20289,7 @@
 </p:sld>
 </file>
 
-<file path=ppt/slides/slide22.xml><?xml version="1.0" encoding="utf-8"?>
+<file path=ppt/slides/slide23.xml><?xml version="1.0" encoding="utf-8"?>
 <p:sld xmlns:a="http://schemas.openxmlformats.org/drawingml/2006/main" xmlns:r="http://schemas.openxmlformats.org/officeDocument/2006/relationships" xmlns:p="http://schemas.openxmlformats.org/presentationml/2006/main">
   <p:cSld>
     <p:spTree>
@@ -15327,94 +20615,6 @@
 </p:sld>
 </file>
 
-<file path=ppt/slides/slide23.xml><?xml version="1.0" encoding="utf-8"?>
-<p:sld xmlns:a="http://schemas.openxmlformats.org/drawingml/2006/main" xmlns:r="http://schemas.openxmlformats.org/officeDocument/2006/relationships" xmlns:p="http://schemas.openxmlformats.org/presentationml/2006/main">
-  <p:cSld>
-    <p:spTree>
-      <p:nvGrpSpPr>
-        <p:cNvPr id="1" name=""/>
-        <p:cNvGrpSpPr/>
-        <p:nvPr/>
-      </p:nvGrpSpPr>
-      <p:grpSpPr>
-        <a:xfrm>
-          <a:off x="0" y="0"/>
-          <a:ext cx="0" cy="0"/>
-          <a:chOff x="0" y="0"/>
-          <a:chExt cx="0" cy="0"/>
-        </a:xfrm>
-      </p:grpSpPr>
-      <p:sp>
-        <p:nvSpPr>
-          <p:cNvPr id="2" name="Title 1">
-            <a:extLst>
-              <a:ext uri="{FF2B5EF4-FFF2-40B4-BE49-F238E27FC236}">
-                <a16:creationId xmlns:a16="http://schemas.microsoft.com/office/drawing/2014/main" id="{8502BE21-50A6-4F8E-83CA-2BE2172D726F}"/>
-              </a:ext>
-            </a:extLst>
-          </p:cNvPr>
-          <p:cNvSpPr>
-            <a:spLocks noGrp="1"/>
-          </p:cNvSpPr>
-          <p:nvPr>
-            <p:ph type="title"/>
-          </p:nvPr>
-        </p:nvSpPr>
-        <p:spPr/>
-        <p:txBody>
-          <a:bodyPr/>
-          <a:lstStyle/>
-          <a:p>
-            <a:r>
-              <a:rPr lang="ru-RU" dirty="0"/>
-              <a:t>Келли Макгонигал</a:t>
-            </a:r>
-            <a:endParaRPr lang="en-US" dirty="0"/>
-          </a:p>
-        </p:txBody>
-      </p:sp>
-      <p:sp>
-        <p:nvSpPr>
-          <p:cNvPr id="3" name="Content Placeholder 2">
-            <a:extLst>
-              <a:ext uri="{FF2B5EF4-FFF2-40B4-BE49-F238E27FC236}">
-                <a16:creationId xmlns:a16="http://schemas.microsoft.com/office/drawing/2014/main" id="{F7D9122A-547D-4498-81E3-940AF608A4E2}"/>
-              </a:ext>
-            </a:extLst>
-          </p:cNvPr>
-          <p:cNvSpPr>
-            <a:spLocks noGrp="1"/>
-          </p:cNvSpPr>
-          <p:nvPr>
-            <p:ph idx="1"/>
-          </p:nvPr>
-        </p:nvSpPr>
-        <p:spPr/>
-        <p:txBody>
-          <a:bodyPr/>
-          <a:lstStyle/>
-          <a:p>
-            <a:r>
-              <a:rPr lang="ru-RU" dirty="0"/>
-              <a:t>Сила воли это мышца.</a:t>
-            </a:r>
-            <a:endParaRPr lang="en-US" dirty="0"/>
-          </a:p>
-        </p:txBody>
-      </p:sp>
-    </p:spTree>
-    <p:extLst>
-      <p:ext uri="{BB962C8B-B14F-4D97-AF65-F5344CB8AC3E}">
-        <p14:creationId xmlns:p14="http://schemas.microsoft.com/office/powerpoint/2010/main" val="2946238925"/>
-      </p:ext>
-    </p:extLst>
-  </p:cSld>
-  <p:clrMapOvr>
-    <a:masterClrMapping/>
-  </p:clrMapOvr>
-</p:sld>
-</file>
-
 <file path=ppt/slides/slide24.xml><?xml version="1.0" encoding="utf-8"?>
 <p:sld xmlns:a="http://schemas.openxmlformats.org/drawingml/2006/main" xmlns:r="http://schemas.openxmlformats.org/officeDocument/2006/relationships" xmlns:p="http://schemas.openxmlformats.org/presentationml/2006/main">
   <p:cSld>
@@ -15484,24 +20684,19 @@
           <a:p>
             <a:r>
               <a:rPr lang="ru-RU" dirty="0"/>
-              <a:t>Сила воли это мышца.</a:t>
-            </a:r>
-          </a:p>
-          <a:p>
-            <a:r>
-              <a:rPr lang="ru-RU" dirty="0"/>
-              <a:t>Восполняйте резерв силы воли.</a:t>
-            </a:r>
-          </a:p>
-          <a:p>
-            <a:endParaRPr lang="en-US" dirty="0"/>
+              <a:t>Сила воли это мышца </a:t>
+            </a:r>
+            <a:r>
+              <a:rPr lang="en-US" dirty="0"/>
+              <a:t>&lt;&lt;&lt;</a:t>
+            </a:r>
           </a:p>
         </p:txBody>
       </p:sp>
     </p:spTree>
     <p:extLst>
       <p:ext uri="{BB962C8B-B14F-4D97-AF65-F5344CB8AC3E}">
-        <p14:creationId xmlns:p14="http://schemas.microsoft.com/office/powerpoint/2010/main" val="4063695799"/>
+        <p14:creationId xmlns:p14="http://schemas.microsoft.com/office/powerpoint/2010/main" val="2946238925"/>
       </p:ext>
     </p:extLst>
   </p:cSld>
@@ -15586,14 +20781,13 @@
           <a:p>
             <a:r>
               <a:rPr lang="ru-RU" dirty="0"/>
-              <a:t>Восполняйте резерв силы воли.</a:t>
-            </a:r>
-          </a:p>
-          <a:p>
-            <a:r>
-              <a:rPr lang="ru-RU" dirty="0"/>
-              <a:t>Не поддавайтесь самообману.</a:t>
-            </a:r>
+              <a:t>Восполняйте резерв силы воли</a:t>
+            </a:r>
+            <a:r>
+              <a:rPr lang="en-US" dirty="0"/>
+              <a:t> &lt;&lt;&lt;</a:t>
+            </a:r>
+            <a:endParaRPr lang="ru-RU" dirty="0"/>
           </a:p>
           <a:p>
             <a:endParaRPr lang="en-US" dirty="0"/>
@@ -15603,7 +20797,7 @@
     </p:spTree>
     <p:extLst>
       <p:ext uri="{BB962C8B-B14F-4D97-AF65-F5344CB8AC3E}">
-        <p14:creationId xmlns:p14="http://schemas.microsoft.com/office/powerpoint/2010/main" val="1342237737"/>
+        <p14:creationId xmlns:p14="http://schemas.microsoft.com/office/powerpoint/2010/main" val="4063695799"/>
       </p:ext>
     </p:extLst>
   </p:cSld>
@@ -15694,16 +20888,12 @@
           <a:p>
             <a:r>
               <a:rPr lang="ru-RU" dirty="0"/>
-              <a:t>Не поддавайтесь самообману.</a:t>
-            </a:r>
-          </a:p>
-          <a:p>
-            <a:r>
-              <a:rPr lang="ru-RU" dirty="0"/>
-              <a:t>Система подкрепления.</a:t>
-            </a:r>
-          </a:p>
-          <a:p>
+              <a:t>Границы самоконтроля</a:t>
+            </a:r>
+            <a:r>
+              <a:rPr lang="en-US" dirty="0"/>
+              <a:t> &lt;&lt;&lt;</a:t>
+            </a:r>
             <a:endParaRPr lang="ru-RU" dirty="0"/>
           </a:p>
           <a:p>
@@ -15714,7 +20904,7 @@
     </p:spTree>
     <p:extLst>
       <p:ext uri="{BB962C8B-B14F-4D97-AF65-F5344CB8AC3E}">
-        <p14:creationId xmlns:p14="http://schemas.microsoft.com/office/powerpoint/2010/main" val="1298854589"/>
+        <p14:creationId xmlns:p14="http://schemas.microsoft.com/office/powerpoint/2010/main" val="1342237737"/>
       </p:ext>
     </p:extLst>
   </p:cSld>
@@ -15805,22 +20995,18 @@
           <a:p>
             <a:r>
               <a:rPr lang="ru-RU" dirty="0"/>
-              <a:t>Не поддавайтесь самообману.</a:t>
+              <a:t>Границы самоконтроля.</a:t>
             </a:r>
           </a:p>
           <a:p>
             <a:r>
               <a:rPr lang="ru-RU" dirty="0"/>
-              <a:t>Система подкрепления.</a:t>
-            </a:r>
-          </a:p>
-          <a:p>
-            <a:r>
-              <a:rPr lang="ru-RU" dirty="0"/>
-              <a:t>Важно иметь действительно работающие стратегии снятия стресса.</a:t>
-            </a:r>
-          </a:p>
-          <a:p>
+              <a:t>Эффект нравственной поблажки</a:t>
+            </a:r>
+            <a:r>
+              <a:rPr lang="en-US" dirty="0"/>
+              <a:t> &lt;&lt;&lt;</a:t>
+            </a:r>
             <a:endParaRPr lang="ru-RU" dirty="0"/>
           </a:p>
           <a:p>
@@ -15834,7 +21020,7 @@
     </p:spTree>
     <p:extLst>
       <p:ext uri="{BB962C8B-B14F-4D97-AF65-F5344CB8AC3E}">
-        <p14:creationId xmlns:p14="http://schemas.microsoft.com/office/powerpoint/2010/main" val="1974048535"/>
+        <p14:creationId xmlns:p14="http://schemas.microsoft.com/office/powerpoint/2010/main" val="1298854589"/>
       </p:ext>
     </p:extLst>
   </p:cSld>
@@ -15906,7 +21092,12 @@
             <p:ph idx="1"/>
           </p:nvPr>
         </p:nvSpPr>
-        <p:spPr/>
+        <p:spPr>
+          <a:xfrm>
+            <a:off x="1154953" y="2603500"/>
+            <a:ext cx="8761412" cy="3416300"/>
+          </a:xfrm>
+        </p:spPr>
         <p:txBody>
           <a:bodyPr/>
           <a:lstStyle/>
@@ -15925,26 +21116,31 @@
           <a:p>
             <a:r>
               <a:rPr lang="ru-RU" dirty="0"/>
-              <a:t>Не поддавайтесь самообману.</a:t>
+              <a:t>Границы самоконтроля.</a:t>
             </a:r>
           </a:p>
           <a:p>
             <a:r>
               <a:rPr lang="ru-RU" dirty="0"/>
-              <a:t>Система подкрепления.</a:t>
+              <a:t>Эффект нравственной поблажки</a:t>
             </a:r>
           </a:p>
           <a:p>
             <a:r>
               <a:rPr lang="ru-RU" dirty="0"/>
-              <a:t>Важно иметь действительно работающие стратегии снятия стресса.</a:t>
-            </a:r>
-          </a:p>
-          <a:p>
-            <a:r>
-              <a:rPr lang="ru-RU" dirty="0"/>
-              <a:t>Не подавляйте нежелательные мысли.</a:t>
-            </a:r>
+              <a:t>Система подкрепления </a:t>
+            </a:r>
+            <a:r>
+              <a:rPr lang="en-US" dirty="0"/>
+              <a:t>&lt;&lt;&lt;</a:t>
+            </a:r>
+            <a:endParaRPr lang="ru-RU" dirty="0"/>
+          </a:p>
+          <a:p>
+            <a:endParaRPr lang="ru-RU" dirty="0"/>
+          </a:p>
+          <a:p>
+            <a:endParaRPr lang="ru-RU" dirty="0"/>
           </a:p>
           <a:p>
             <a:endParaRPr lang="en-US" dirty="0"/>
@@ -15954,7 +21150,7 @@
     </p:spTree>
     <p:extLst>
       <p:ext uri="{BB962C8B-B14F-4D97-AF65-F5344CB8AC3E}">
-        <p14:creationId xmlns:p14="http://schemas.microsoft.com/office/powerpoint/2010/main" val="1241391858"/>
+        <p14:creationId xmlns:p14="http://schemas.microsoft.com/office/powerpoint/2010/main" val="1974048535"/>
       </p:ext>
     </p:extLst>
   </p:cSld>
@@ -16004,7 +21200,7 @@
           <a:p>
             <a:r>
               <a:rPr lang="ru-RU" dirty="0"/>
-              <a:t>Келли Макгонигал</a:t>
+              <a:t>Советы</a:t>
             </a:r>
             <a:endParaRPr lang="en-US" dirty="0"/>
           </a:p>
@@ -16033,57 +21229,18 @@
           <a:p>
             <a:r>
               <a:rPr lang="ru-RU" dirty="0"/>
-              <a:t>Сила воли это мышца.</a:t>
-            </a:r>
-          </a:p>
-          <a:p>
-            <a:r>
-              <a:rPr lang="ru-RU" dirty="0"/>
-              <a:t>Восполняйте резерв силы воли.</a:t>
-            </a:r>
-          </a:p>
-          <a:p>
-            <a:r>
-              <a:rPr lang="ru-RU" dirty="0"/>
-              <a:t>Не поддавайтесь самообману.</a:t>
-            </a:r>
-          </a:p>
-          <a:p>
-            <a:r>
-              <a:rPr lang="ru-RU" dirty="0"/>
-              <a:t>Система подкрепления.</a:t>
-            </a:r>
-          </a:p>
-          <a:p>
-            <a:r>
-              <a:rPr lang="ru-RU" dirty="0"/>
-              <a:t>Важно иметь действительно работающие стратегии снятия стресса.</a:t>
-            </a:r>
-          </a:p>
-          <a:p>
-            <a:r>
-              <a:rPr lang="ru-RU" dirty="0"/>
-              <a:t>Не подавляйте нежелательные мысли.</a:t>
-            </a:r>
-          </a:p>
-          <a:p>
-            <a:r>
-              <a:rPr lang="ru-RU" dirty="0"/>
-              <a:t>Сжигайте мосты. </a:t>
+              <a:t>Спите.</a:t>
             </a:r>
           </a:p>
           <a:p>
             <a:endParaRPr lang="ru-RU" dirty="0"/>
-          </a:p>
-          <a:p>
-            <a:endParaRPr lang="en-US" dirty="0"/>
           </a:p>
         </p:txBody>
       </p:sp>
     </p:spTree>
     <p:extLst>
       <p:ext uri="{BB962C8B-B14F-4D97-AF65-F5344CB8AC3E}">
-        <p14:creationId xmlns:p14="http://schemas.microsoft.com/office/powerpoint/2010/main" val="3525656501"/>
+        <p14:creationId xmlns:p14="http://schemas.microsoft.com/office/powerpoint/2010/main" val="3092185014"/>
       </p:ext>
     </p:extLst>
   </p:cSld>
@@ -16155,47 +21312,35 @@
             <p:ph idx="1"/>
           </p:nvPr>
         </p:nvSpPr>
-        <p:spPr/>
+        <p:spPr>
+          <a:xfrm>
+            <a:off x="1623317" y="3955550"/>
+            <a:ext cx="9020710" cy="2064249"/>
+          </a:xfrm>
+        </p:spPr>
         <p:txBody>
           <a:bodyPr>
             <a:normAutofit/>
           </a:bodyPr>
           <a:lstStyle/>
           <a:p>
-            <a:pPr marL="0" marR="0">
-              <a:spcBef>
-                <a:spcPts val="0"/>
-              </a:spcBef>
-              <a:spcAft>
-                <a:spcPts val="0"/>
-              </a:spcAft>
+            <a:pPr marL="0" indent="0" algn="ctr">
+              <a:buNone/>
             </a:pPr>
             <a:r>
-              <a:rPr lang="ru-RU" sz="1800" dirty="0">
+              <a:rPr lang="ru-RU" sz="1800" i="1" dirty="0">
                 <a:effectLst/>
                 <a:latin typeface="Century Gothic (Body)"/>
               </a:rPr>
-              <a:t>Иррациональное и Рациональное</a:t>
-            </a:r>
-          </a:p>
-          <a:p>
-            <a:endParaRPr lang="ru-RU" sz="1800" dirty="0">
-              <a:effectLst/>
-              <a:latin typeface="Century Gothic (Body)"/>
-            </a:endParaRPr>
-          </a:p>
-          <a:p>
-            <a:endParaRPr lang="ru-RU" sz="1800" dirty="0">
-              <a:effectLst/>
-              <a:latin typeface="Century Gothic (Body)"/>
-            </a:endParaRPr>
+              <a:t>Самоконтроль - способность противостоять импульсивному поведению и разрешать конфликты между сиюминутными желаниями и долгосрочными целями.</a:t>
+            </a:r>
           </a:p>
         </p:txBody>
       </p:sp>
     </p:spTree>
     <p:extLst>
       <p:ext uri="{BB962C8B-B14F-4D97-AF65-F5344CB8AC3E}">
-        <p14:creationId xmlns:p14="http://schemas.microsoft.com/office/powerpoint/2010/main" val="935286628"/>
+        <p14:creationId xmlns:p14="http://schemas.microsoft.com/office/powerpoint/2010/main" val="2835208215"/>
       </p:ext>
     </p:extLst>
   </p:cSld>
@@ -16245,7 +21390,7 @@
           <a:p>
             <a:r>
               <a:rPr lang="ru-RU" dirty="0"/>
-              <a:t>Резюме книги Келли Макгонигал</a:t>
+              <a:t>Советы</a:t>
             </a:r>
             <a:endParaRPr lang="en-US" dirty="0"/>
           </a:p>
@@ -16272,6 +21417,18 @@
           <a:bodyPr/>
           <a:lstStyle/>
           <a:p>
+            <a:r>
+              <a:rPr lang="ru-RU" dirty="0"/>
+              <a:t>Спите.</a:t>
+            </a:r>
+          </a:p>
+          <a:p>
+            <a:r>
+              <a:rPr lang="ru-RU" dirty="0"/>
+              <a:t>Практикуйте осознанность.</a:t>
+            </a:r>
+          </a:p>
+          <a:p>
             <a:endParaRPr lang="ru-RU" dirty="0"/>
           </a:p>
         </p:txBody>
@@ -16279,7 +21436,7 @@
     </p:spTree>
     <p:extLst>
       <p:ext uri="{BB962C8B-B14F-4D97-AF65-F5344CB8AC3E}">
-        <p14:creationId xmlns:p14="http://schemas.microsoft.com/office/powerpoint/2010/main" val="1639902987"/>
+        <p14:creationId xmlns:p14="http://schemas.microsoft.com/office/powerpoint/2010/main" val="484860638"/>
       </p:ext>
     </p:extLst>
   </p:cSld>
@@ -16329,7 +21486,7 @@
           <a:p>
             <a:r>
               <a:rPr lang="ru-RU" dirty="0"/>
-              <a:t>Бенжамин Харди</a:t>
+              <a:t>Советы</a:t>
             </a:r>
             <a:endParaRPr lang="en-US" dirty="0"/>
           </a:p>
@@ -16351,33 +21508,37 @@
             <p:ph idx="1"/>
           </p:nvPr>
         </p:nvSpPr>
-        <p:spPr>
-          <a:xfrm>
-            <a:off x="1154954" y="3816990"/>
-            <a:ext cx="9549397" cy="2202809"/>
-          </a:xfrm>
-        </p:spPr>
-        <p:txBody>
-          <a:bodyPr>
-            <a:normAutofit/>
-          </a:bodyPr>
+        <p:spPr/>
+        <p:txBody>
+          <a:bodyPr/>
           <a:lstStyle/>
           <a:p>
-            <a:pPr marL="0" indent="0" algn="ctr">
-              <a:buNone/>
-            </a:pPr>
-            <a:r>
-              <a:rPr lang="ru-RU" sz="2000" b="1" dirty="0"/>
-              <a:t>Конец первой части.</a:t>
-            </a:r>
-            <a:endParaRPr lang="en-US" sz="2000" b="1" dirty="0"/>
+            <a:r>
+              <a:rPr lang="ru-RU" dirty="0"/>
+              <a:t>Спите.</a:t>
+            </a:r>
+          </a:p>
+          <a:p>
+            <a:r>
+              <a:rPr lang="ru-RU" dirty="0"/>
+              <a:t>Практикуйте осознанность.</a:t>
+            </a:r>
+          </a:p>
+          <a:p>
+            <a:r>
+              <a:rPr lang="ru-RU" dirty="0"/>
+              <a:t>Дневник и рефлексия.</a:t>
+            </a:r>
+          </a:p>
+          <a:p>
+            <a:endParaRPr lang="ru-RU" dirty="0"/>
           </a:p>
         </p:txBody>
       </p:sp>
     </p:spTree>
     <p:extLst>
       <p:ext uri="{BB962C8B-B14F-4D97-AF65-F5344CB8AC3E}">
-        <p14:creationId xmlns:p14="http://schemas.microsoft.com/office/powerpoint/2010/main" val="3904235922"/>
+        <p14:creationId xmlns:p14="http://schemas.microsoft.com/office/powerpoint/2010/main" val="2207746978"/>
       </p:ext>
     </p:extLst>
   </p:cSld>
@@ -16427,7 +21588,7 @@
           <a:p>
             <a:r>
               <a:rPr lang="ru-RU" dirty="0"/>
-              <a:t>Бенжамин Харди</a:t>
+              <a:t>Советы</a:t>
             </a:r>
             <a:endParaRPr lang="en-US" dirty="0"/>
           </a:p>
@@ -16449,33 +21610,43 @@
             <p:ph idx="1"/>
           </p:nvPr>
         </p:nvSpPr>
-        <p:spPr>
-          <a:xfrm>
-            <a:off x="1154954" y="3816990"/>
-            <a:ext cx="9549397" cy="2202809"/>
-          </a:xfrm>
-        </p:spPr>
-        <p:txBody>
-          <a:bodyPr>
-            <a:normAutofit/>
-          </a:bodyPr>
+        <p:spPr/>
+        <p:txBody>
+          <a:bodyPr/>
           <a:lstStyle/>
           <a:p>
-            <a:pPr marL="0" indent="0" algn="ctr">
-              <a:buNone/>
-            </a:pPr>
-            <a:r>
-              <a:rPr lang="ru-RU" sz="2000" b="1" dirty="0"/>
-              <a:t>Сила воли не работает. Пусть твое окружение работает вместо нее.</a:t>
-            </a:r>
-            <a:endParaRPr lang="en-US" sz="2000" b="1" dirty="0"/>
+            <a:r>
+              <a:rPr lang="ru-RU" dirty="0"/>
+              <a:t>Спите.</a:t>
+            </a:r>
+          </a:p>
+          <a:p>
+            <a:r>
+              <a:rPr lang="ru-RU" dirty="0"/>
+              <a:t>Практикуйте осознанность.</a:t>
+            </a:r>
+          </a:p>
+          <a:p>
+            <a:r>
+              <a:rPr lang="ru-RU" dirty="0"/>
+              <a:t>Дневник и рефлексия.</a:t>
+            </a:r>
+          </a:p>
+          <a:p>
+            <a:r>
+              <a:rPr lang="ru-RU" dirty="0"/>
+              <a:t>Занимайтесь медитацией.</a:t>
+            </a:r>
+          </a:p>
+          <a:p>
+            <a:endParaRPr lang="ru-RU" dirty="0"/>
           </a:p>
         </p:txBody>
       </p:sp>
     </p:spTree>
     <p:extLst>
       <p:ext uri="{BB962C8B-B14F-4D97-AF65-F5344CB8AC3E}">
-        <p14:creationId xmlns:p14="http://schemas.microsoft.com/office/powerpoint/2010/main" val="3215833638"/>
+        <p14:creationId xmlns:p14="http://schemas.microsoft.com/office/powerpoint/2010/main" val="2575028778"/>
       </p:ext>
     </p:extLst>
   </p:cSld>
@@ -16525,7 +21696,7 @@
           <a:p>
             <a:r>
               <a:rPr lang="ru-RU" dirty="0"/>
-              <a:t>Бенжамин Харди</a:t>
+              <a:t>Келли Макгонигал</a:t>
             </a:r>
             <a:endParaRPr lang="en-US" dirty="0"/>
           </a:p>
@@ -16547,25 +21718,65 @@
             <p:ph idx="1"/>
           </p:nvPr>
         </p:nvSpPr>
-        <p:spPr/>
+        <p:spPr>
+          <a:xfrm>
+            <a:off x="1154953" y="2603500"/>
+            <a:ext cx="8761412" cy="3416300"/>
+          </a:xfrm>
+        </p:spPr>
         <p:txBody>
           <a:bodyPr/>
           <a:lstStyle/>
           <a:p>
             <a:r>
               <a:rPr lang="ru-RU" dirty="0"/>
-              <a:t>Человек – порождение ситуации.</a:t>
-            </a:r>
-          </a:p>
-          <a:p>
+              <a:t>Сила воли это мышца.</a:t>
+            </a:r>
+          </a:p>
+          <a:p>
+            <a:r>
+              <a:rPr lang="ru-RU" dirty="0"/>
+              <a:t>Восполняйте резерв силы воли.</a:t>
+            </a:r>
+          </a:p>
+          <a:p>
+            <a:r>
+              <a:rPr lang="ru-RU" dirty="0"/>
+              <a:t>Границы самоконтроля.</a:t>
+            </a:r>
+          </a:p>
+          <a:p>
+            <a:r>
+              <a:rPr lang="ru-RU" dirty="0"/>
+              <a:t>Эффект нравственной поблажки.</a:t>
+            </a:r>
+          </a:p>
+          <a:p>
+            <a:r>
+              <a:rPr lang="ru-RU" dirty="0"/>
+              <a:t>Система подкрепления </a:t>
+            </a:r>
+            <a:r>
+              <a:rPr lang="en-US" dirty="0"/>
+              <a:t>&lt;&lt;&lt;</a:t>
+            </a:r>
             <a:endParaRPr lang="ru-RU" dirty="0"/>
+          </a:p>
+          <a:p>
+            <a:endParaRPr lang="ru-RU" dirty="0"/>
+          </a:p>
+          <a:p>
+            <a:endParaRPr lang="ru-RU" dirty="0"/>
+          </a:p>
+          <a:p>
+            <a:endParaRPr lang="en-US" dirty="0"/>
           </a:p>
         </p:txBody>
       </p:sp>
     </p:spTree>
     <p:extLst>
       <p:ext uri="{BB962C8B-B14F-4D97-AF65-F5344CB8AC3E}">
-        <p14:creationId xmlns:p14="http://schemas.microsoft.com/office/powerpoint/2010/main" val="1059165568"/>
+        <p14:creationId xmlns:p14="http://schemas.microsoft.com/office/powerpoint/2010/main" val="3973760173"/>
       </p:ext>
     </p:extLst>
   </p:cSld>
@@ -16615,7 +21826,7 @@
           <a:p>
             <a:r>
               <a:rPr lang="ru-RU" dirty="0"/>
-              <a:t>Бенжамин Харди</a:t>
+              <a:t>Келли Макгонигал</a:t>
             </a:r>
             <a:endParaRPr lang="en-US" dirty="0"/>
           </a:p>
@@ -16637,34 +21848,76 @@
             <p:ph idx="1"/>
           </p:nvPr>
         </p:nvSpPr>
-        <p:spPr/>
+        <p:spPr>
+          <a:xfrm>
+            <a:off x="1154955" y="2603500"/>
+            <a:ext cx="9916699" cy="3416300"/>
+          </a:xfrm>
+        </p:spPr>
         <p:txBody>
           <a:bodyPr/>
           <a:lstStyle/>
           <a:p>
             <a:r>
               <a:rPr lang="ru-RU" dirty="0"/>
-              <a:t>Человек – порождение ситуации.</a:t>
-            </a:r>
-          </a:p>
-          <a:p>
+              <a:t>Сила воли это мышца.</a:t>
+            </a:r>
+          </a:p>
+          <a:p>
+            <a:r>
+              <a:rPr lang="ru-RU" dirty="0"/>
+              <a:t>Восполняйте резерв силы воли.</a:t>
+            </a:r>
+          </a:p>
+          <a:p>
+            <a:r>
+              <a:rPr lang="ru-RU" dirty="0"/>
+              <a:t>Границы самоконтроля.</a:t>
+            </a:r>
+          </a:p>
+          <a:p>
+            <a:r>
+              <a:rPr lang="ru-RU" dirty="0"/>
+              <a:t>Эффект нравственной поблажки</a:t>
+            </a:r>
+            <a:r>
+              <a:rPr lang="en-US" dirty="0"/>
+              <a:t>.</a:t>
+            </a:r>
             <a:endParaRPr lang="ru-RU" dirty="0"/>
           </a:p>
           <a:p>
             <a:r>
               <a:rPr lang="ru-RU" dirty="0"/>
-              <a:t>Ваша среда формирует вас.</a:t>
-            </a:r>
-          </a:p>
-          <a:p>
+              <a:t>Система подкрепления.</a:t>
+            </a:r>
+          </a:p>
+          <a:p>
+            <a:r>
+              <a:rPr lang="ru-RU" dirty="0"/>
+              <a:t>Важно иметь действительно работающие стратегии снятия стресса </a:t>
+            </a:r>
+            <a:r>
+              <a:rPr lang="en-US" dirty="0"/>
+              <a:t>&lt;&lt;&lt;</a:t>
+            </a:r>
             <a:endParaRPr lang="ru-RU" dirty="0"/>
+          </a:p>
+          <a:p>
+            <a:endParaRPr lang="ru-RU" dirty="0"/>
+          </a:p>
+          <a:p>
+            <a:endParaRPr lang="ru-RU" dirty="0"/>
+          </a:p>
+          <a:p>
+            <a:endParaRPr lang="en-US" dirty="0"/>
           </a:p>
         </p:txBody>
       </p:sp>
     </p:spTree>
     <p:extLst>
       <p:ext uri="{BB962C8B-B14F-4D97-AF65-F5344CB8AC3E}">
-        <p14:creationId xmlns:p14="http://schemas.microsoft.com/office/powerpoint/2010/main" val="2398533860"/>
+        <p14:creationId xmlns:p14="http://schemas.microsoft.com/office/powerpoint/2010/main" val="4230369139"/>
       </p:ext>
     </p:extLst>
   </p:cSld>
@@ -16714,7 +21967,7 @@
           <a:p>
             <a:r>
               <a:rPr lang="ru-RU" dirty="0"/>
-              <a:t>Бенжамин Харди</a:t>
+              <a:t>Келли Макгонигал</a:t>
             </a:r>
             <a:endParaRPr lang="en-US" dirty="0"/>
           </a:p>
@@ -16743,38 +21996,65 @@
           <a:p>
             <a:r>
               <a:rPr lang="ru-RU" dirty="0"/>
-              <a:t>Человек – порождение ситуации.</a:t>
-            </a:r>
-          </a:p>
-          <a:p>
+              <a:t>Сила воли это мышца.</a:t>
+            </a:r>
+          </a:p>
+          <a:p>
+            <a:r>
+              <a:rPr lang="ru-RU" dirty="0"/>
+              <a:t>Восполняйте резерв силы воли.</a:t>
+            </a:r>
+          </a:p>
+          <a:p>
+            <a:r>
+              <a:rPr lang="ru-RU" dirty="0"/>
+              <a:t>Границы самоконтроля.</a:t>
+            </a:r>
+            <a:endParaRPr lang="en-US" dirty="0"/>
+          </a:p>
+          <a:p>
+            <a:r>
+              <a:rPr lang="ru-RU" dirty="0"/>
+              <a:t>Эффект нравственной поблажки</a:t>
+            </a:r>
+            <a:r>
+              <a:rPr lang="en-US" dirty="0"/>
+              <a:t>.</a:t>
+            </a:r>
             <a:endParaRPr lang="ru-RU" dirty="0"/>
           </a:p>
           <a:p>
             <a:r>
               <a:rPr lang="ru-RU" dirty="0"/>
-              <a:t>Ваша среда формирует вас.</a:t>
-            </a:r>
+              <a:t>Система подкрепления.</a:t>
+            </a:r>
+          </a:p>
+          <a:p>
+            <a:r>
+              <a:rPr lang="ru-RU" dirty="0"/>
+              <a:t>Важно иметь действительно работающие стратегии снятия стресса.</a:t>
+            </a:r>
+          </a:p>
+          <a:p>
+            <a:r>
+              <a:rPr lang="ru-RU" dirty="0"/>
+              <a:t>Не подавляйте нежелательные мысли</a:t>
+            </a:r>
+            <a:r>
+              <a:rPr lang="en-US" dirty="0"/>
+              <a:t> &lt;&lt;&lt;</a:t>
+            </a:r>
+            <a:endParaRPr lang="ru-RU" dirty="0"/>
+          </a:p>
+          <a:p>
             <a:endParaRPr lang="en-US" dirty="0"/>
-          </a:p>
-          <a:p>
-            <a:endParaRPr lang="en-US" dirty="0"/>
-          </a:p>
-          <a:p>
-            <a:r>
-              <a:rPr lang="en-US" dirty="0"/>
-              <a:t>1</a:t>
-            </a:r>
-            <a:endParaRPr lang="ru-RU" dirty="0"/>
-          </a:p>
-          <a:p>
-            <a:endParaRPr lang="ru-RU" dirty="0"/>
           </a:p>
         </p:txBody>
       </p:sp>
     </p:spTree>
     <p:extLst>
       <p:ext uri="{BB962C8B-B14F-4D97-AF65-F5344CB8AC3E}">
-        <p14:creationId xmlns:p14="http://schemas.microsoft.com/office/powerpoint/2010/main" val="3866533489"/>
+        <p14:creationId xmlns:p14="http://schemas.microsoft.com/office/powerpoint/2010/main" val="1241391858"/>
       </p:ext>
     </p:extLst>
   </p:cSld>
@@ -16824,7 +22104,7 @@
           <a:p>
             <a:r>
               <a:rPr lang="ru-RU" dirty="0"/>
-              <a:t>Бенжамин Харди</a:t>
+              <a:t>Келли Макгонигал</a:t>
             </a:r>
             <a:endParaRPr lang="en-US" dirty="0"/>
           </a:p>
@@ -16848,52 +22128,81 @@
         </p:nvSpPr>
         <p:spPr/>
         <p:txBody>
-          <a:bodyPr/>
+          <a:bodyPr>
+            <a:normAutofit/>
+          </a:bodyPr>
           <a:lstStyle/>
           <a:p>
             <a:r>
               <a:rPr lang="ru-RU" dirty="0"/>
-              <a:t>Человек – порождение ситуации.</a:t>
-            </a:r>
-          </a:p>
-          <a:p>
+              <a:t>Сила воли это мышца.</a:t>
+            </a:r>
+          </a:p>
+          <a:p>
+            <a:r>
+              <a:rPr lang="ru-RU" dirty="0"/>
+              <a:t>Восполняйте резерв силы воли.</a:t>
+            </a:r>
+          </a:p>
+          <a:p>
+            <a:r>
+              <a:rPr lang="ru-RU" dirty="0"/>
+              <a:t>Границы самоконтроля.</a:t>
+            </a:r>
+            <a:endParaRPr lang="en-US" dirty="0"/>
+          </a:p>
+          <a:p>
+            <a:r>
+              <a:rPr lang="ru-RU" dirty="0"/>
+              <a:t>Эффект нравственной поблажки</a:t>
+            </a:r>
+            <a:r>
+              <a:rPr lang="en-US" dirty="0"/>
+              <a:t>.</a:t>
+            </a:r>
             <a:endParaRPr lang="ru-RU" dirty="0"/>
           </a:p>
           <a:p>
             <a:r>
               <a:rPr lang="ru-RU" dirty="0"/>
-              <a:t>Ваша среда формирует вас.</a:t>
-            </a:r>
+              <a:t>Система подкрепления.</a:t>
+            </a:r>
+          </a:p>
+          <a:p>
+            <a:r>
+              <a:rPr lang="ru-RU" dirty="0"/>
+              <a:t>Важно иметь действительно работающие стратегии снятия стресса.</a:t>
+            </a:r>
+          </a:p>
+          <a:p>
+            <a:r>
+              <a:rPr lang="ru-RU" dirty="0"/>
+              <a:t>Не подавляйте нежелательные мысли.</a:t>
+            </a:r>
+          </a:p>
+          <a:p>
+            <a:r>
+              <a:rPr lang="ru-RU" dirty="0"/>
+              <a:t>Сжигайте мосты</a:t>
+            </a:r>
+            <a:r>
+              <a:rPr lang="en-US" dirty="0"/>
+              <a:t> &lt;&lt;&lt;</a:t>
+            </a:r>
+            <a:endParaRPr lang="ru-RU" dirty="0"/>
+          </a:p>
+          <a:p>
+            <a:endParaRPr lang="ru-RU" dirty="0"/>
+          </a:p>
+          <a:p>
             <a:endParaRPr lang="en-US" dirty="0"/>
-          </a:p>
-          <a:p>
-            <a:endParaRPr lang="en-US" dirty="0"/>
-          </a:p>
-          <a:p>
-            <a:r>
-              <a:rPr lang="en-US" dirty="0"/>
-              <a:t>1</a:t>
-            </a:r>
-          </a:p>
-          <a:p>
-            <a:endParaRPr lang="en-US" dirty="0"/>
-          </a:p>
-          <a:p>
-            <a:r>
-              <a:rPr lang="en-US" dirty="0"/>
-              <a:t>2</a:t>
-            </a:r>
-            <a:endParaRPr lang="ru-RU" dirty="0"/>
-          </a:p>
-          <a:p>
-            <a:endParaRPr lang="ru-RU" dirty="0"/>
           </a:p>
         </p:txBody>
       </p:sp>
     </p:spTree>
     <p:extLst>
       <p:ext uri="{BB962C8B-B14F-4D97-AF65-F5344CB8AC3E}">
-        <p14:creationId xmlns:p14="http://schemas.microsoft.com/office/powerpoint/2010/main" val="3817586098"/>
+        <p14:creationId xmlns:p14="http://schemas.microsoft.com/office/powerpoint/2010/main" val="3525656501"/>
       </p:ext>
     </p:extLst>
   </p:cSld>
@@ -16943,7 +22252,7 @@
           <a:p>
             <a:r>
               <a:rPr lang="ru-RU" dirty="0"/>
-              <a:t>Бенжамин Харди</a:t>
+              <a:t>Резюме книги Келли Макгонигал</a:t>
             </a:r>
             <a:endParaRPr lang="en-US" dirty="0"/>
           </a:p>
@@ -16965,60 +22274,11 @@
             <p:ph idx="1"/>
           </p:nvPr>
         </p:nvSpPr>
-        <p:spPr>
-          <a:xfrm>
-            <a:off x="1154955" y="2603499"/>
-            <a:ext cx="8761412" cy="3705021"/>
-          </a:xfrm>
-        </p:spPr>
-        <p:txBody>
-          <a:bodyPr>
-            <a:normAutofit/>
-          </a:bodyPr>
+        <p:spPr/>
+        <p:txBody>
+          <a:bodyPr/>
           <a:lstStyle/>
           <a:p>
-            <a:r>
-              <a:rPr lang="ru-RU" dirty="0"/>
-              <a:t>Человек – порождение ситуации.</a:t>
-            </a:r>
-          </a:p>
-          <a:p>
-            <a:endParaRPr lang="ru-RU" dirty="0"/>
-          </a:p>
-          <a:p>
-            <a:r>
-              <a:rPr lang="ru-RU" dirty="0"/>
-              <a:t>Ваша среда формирует вас.</a:t>
-            </a:r>
-            <a:endParaRPr lang="en-US" dirty="0"/>
-          </a:p>
-          <a:p>
-            <a:endParaRPr lang="en-US" dirty="0"/>
-          </a:p>
-          <a:p>
-            <a:r>
-              <a:rPr lang="en-US" dirty="0"/>
-              <a:t>1</a:t>
-            </a:r>
-          </a:p>
-          <a:p>
-            <a:endParaRPr lang="en-US" dirty="0"/>
-          </a:p>
-          <a:p>
-            <a:r>
-              <a:rPr lang="en-US" dirty="0"/>
-              <a:t>2</a:t>
-            </a:r>
-            <a:endParaRPr lang="ru-RU" dirty="0"/>
-          </a:p>
-          <a:p>
-            <a:endParaRPr lang="en-US" dirty="0"/>
-          </a:p>
-          <a:p>
-            <a:r>
-              <a:rPr lang="en-US" dirty="0"/>
-              <a:t>3</a:t>
-            </a:r>
             <a:endParaRPr lang="ru-RU" dirty="0"/>
           </a:p>
         </p:txBody>
@@ -17026,7 +22286,7 @@
     </p:spTree>
     <p:extLst>
       <p:ext uri="{BB962C8B-B14F-4D97-AF65-F5344CB8AC3E}">
-        <p14:creationId xmlns:p14="http://schemas.microsoft.com/office/powerpoint/2010/main" val="2546514026"/>
+        <p14:creationId xmlns:p14="http://schemas.microsoft.com/office/powerpoint/2010/main" val="1639902987"/>
       </p:ext>
     </p:extLst>
   </p:cSld>
@@ -17100,8 +22360,8 @@
         </p:nvSpPr>
         <p:spPr>
           <a:xfrm>
-            <a:off x="1154955" y="2603499"/>
-            <a:ext cx="8761412" cy="4560699"/>
+            <a:off x="1154954" y="3816990"/>
+            <a:ext cx="9549397" cy="2202809"/>
           </a:xfrm>
         </p:spPr>
         <p:txBody>
@@ -17110,62 +22370,21 @@
           </a:bodyPr>
           <a:lstStyle/>
           <a:p>
-            <a:r>
-              <a:rPr lang="ru-RU" dirty="0"/>
-              <a:t>Человек – порождение ситуации.</a:t>
-            </a:r>
-          </a:p>
-          <a:p>
-            <a:endParaRPr lang="ru-RU" dirty="0"/>
-          </a:p>
-          <a:p>
-            <a:r>
-              <a:rPr lang="ru-RU" dirty="0"/>
-              <a:t>Ваша среда формирует вас.</a:t>
-            </a:r>
-            <a:endParaRPr lang="en-US" dirty="0"/>
-          </a:p>
-          <a:p>
-            <a:endParaRPr lang="en-US" dirty="0"/>
-          </a:p>
-          <a:p>
-            <a:r>
-              <a:rPr lang="en-US" dirty="0"/>
-              <a:t>1</a:t>
-            </a:r>
-          </a:p>
-          <a:p>
-            <a:endParaRPr lang="en-US" dirty="0"/>
-          </a:p>
-          <a:p>
-            <a:r>
-              <a:rPr lang="en-US" dirty="0"/>
-              <a:t>2</a:t>
-            </a:r>
-            <a:endParaRPr lang="ru-RU" dirty="0"/>
-          </a:p>
-          <a:p>
-            <a:endParaRPr lang="en-US" dirty="0"/>
-          </a:p>
-          <a:p>
-            <a:r>
-              <a:rPr lang="en-US" dirty="0"/>
-              <a:t>3</a:t>
-            </a:r>
-          </a:p>
-          <a:p>
-            <a:r>
-              <a:rPr lang="en-US" dirty="0"/>
-              <a:t>4</a:t>
-            </a:r>
-            <a:endParaRPr lang="ru-RU" dirty="0"/>
+            <a:pPr marL="0" indent="0" algn="ctr">
+              <a:buNone/>
+            </a:pPr>
+            <a:r>
+              <a:rPr lang="ru-RU" sz="2000" b="1" dirty="0"/>
+              <a:t>Сила воли не работает. Пусть твое окружение работает вместо нее.</a:t>
+            </a:r>
+            <a:endParaRPr lang="en-US" sz="2000" b="1" dirty="0"/>
           </a:p>
         </p:txBody>
       </p:sp>
     </p:spTree>
     <p:extLst>
       <p:ext uri="{BB962C8B-B14F-4D97-AF65-F5344CB8AC3E}">
-        <p14:creationId xmlns:p14="http://schemas.microsoft.com/office/powerpoint/2010/main" val="4252354751"/>
+        <p14:creationId xmlns:p14="http://schemas.microsoft.com/office/powerpoint/2010/main" val="3215833638"/>
       </p:ext>
     </p:extLst>
   </p:cSld>
@@ -17215,7 +22434,7 @@
           <a:p>
             <a:r>
               <a:rPr lang="ru-RU" dirty="0"/>
-              <a:t>Резюме по книге Бенжамин Харди</a:t>
+              <a:t>Бенжамин Харди</a:t>
             </a:r>
             <a:endParaRPr lang="en-US" dirty="0"/>
           </a:p>
@@ -17242,6 +22461,12 @@
           <a:bodyPr/>
           <a:lstStyle/>
           <a:p>
+            <a:r>
+              <a:rPr lang="ru-RU" dirty="0"/>
+              <a:t>Человек – порождение ситуации.</a:t>
+            </a:r>
+          </a:p>
+          <a:p>
             <a:endParaRPr lang="ru-RU" dirty="0"/>
           </a:p>
         </p:txBody>
@@ -17249,7 +22474,7 @@
     </p:spTree>
     <p:extLst>
       <p:ext uri="{BB962C8B-B14F-4D97-AF65-F5344CB8AC3E}">
-        <p14:creationId xmlns:p14="http://schemas.microsoft.com/office/powerpoint/2010/main" val="1409395795"/>
+        <p14:creationId xmlns:p14="http://schemas.microsoft.com/office/powerpoint/2010/main" val="1059165568"/>
       </p:ext>
     </p:extLst>
   </p:cSld>
@@ -17345,15 +22570,6 @@
             </a:r>
           </a:p>
           <a:p>
-            <a:r>
-              <a:rPr lang="ru-RU" sz="1800" dirty="0">
-                <a:effectLst/>
-                <a:latin typeface="Century Gothic (Body)"/>
-              </a:rPr>
-              <a:t>Ид и Эго</a:t>
-            </a:r>
-          </a:p>
-          <a:p>
             <a:endParaRPr lang="ru-RU" sz="1800" dirty="0">
               <a:effectLst/>
               <a:latin typeface="Century Gothic (Body)"/>
@@ -17370,7 +22586,7 @@
     </p:spTree>
     <p:extLst>
       <p:ext uri="{BB962C8B-B14F-4D97-AF65-F5344CB8AC3E}">
-        <p14:creationId xmlns:p14="http://schemas.microsoft.com/office/powerpoint/2010/main" val="1815071334"/>
+        <p14:creationId xmlns:p14="http://schemas.microsoft.com/office/powerpoint/2010/main" val="935286628"/>
       </p:ext>
     </p:extLst>
   </p:cSld>
@@ -17420,7 +22636,7 @@
           <a:p>
             <a:r>
               <a:rPr lang="ru-RU" dirty="0"/>
-              <a:t>Так есть ли Сила Воли?</a:t>
+              <a:t>Бенжамин Харди</a:t>
             </a:r>
             <a:endParaRPr lang="en-US" dirty="0"/>
           </a:p>
@@ -17447,6 +22663,21 @@
           <a:bodyPr/>
           <a:lstStyle/>
           <a:p>
+            <a:r>
+              <a:rPr lang="ru-RU" dirty="0"/>
+              <a:t>Человек – порождение ситуации.</a:t>
+            </a:r>
+          </a:p>
+          <a:p>
+            <a:endParaRPr lang="ru-RU" dirty="0"/>
+          </a:p>
+          <a:p>
+            <a:r>
+              <a:rPr lang="ru-RU" dirty="0"/>
+              <a:t>Ваша среда формирует вас.</a:t>
+            </a:r>
+          </a:p>
+          <a:p>
             <a:endParaRPr lang="ru-RU" dirty="0"/>
           </a:p>
         </p:txBody>
@@ -17454,7 +22685,7 @@
     </p:spTree>
     <p:extLst>
       <p:ext uri="{BB962C8B-B14F-4D97-AF65-F5344CB8AC3E}">
-        <p14:creationId xmlns:p14="http://schemas.microsoft.com/office/powerpoint/2010/main" val="2164139279"/>
+        <p14:creationId xmlns:p14="http://schemas.microsoft.com/office/powerpoint/2010/main" val="2398533860"/>
       </p:ext>
     </p:extLst>
   </p:cSld>
@@ -17504,7 +22735,7 @@
           <a:p>
             <a:r>
               <a:rPr lang="ru-RU" dirty="0"/>
-              <a:t>Так есть ли Сила Воли?</a:t>
+              <a:t>Резюме по книге Бенжамин Харди</a:t>
             </a:r>
             <a:endParaRPr lang="en-US" dirty="0"/>
           </a:p>
@@ -17531,25 +22762,14 @@
           <a:bodyPr/>
           <a:lstStyle/>
           <a:p>
-            <a:r>
-              <a:rPr lang="ru-RU" dirty="0"/>
-              <a:t>Если мы под силой воли подразумеваем способность управлять самим собой (самоконтроль/дисциплина) и ходом своей жизни таким образом, что бы добиваться всех намеченных целей и реализовывать практически любые свои желания. – Ответ: </a:t>
-            </a:r>
-            <a:r>
-              <a:rPr lang="ru-RU" sz="2000" b="1" dirty="0"/>
-              <a:t>Да</a:t>
-            </a:r>
-            <a:r>
-              <a:rPr lang="ru-RU" dirty="0"/>
-              <a:t>. </a:t>
-            </a:r>
+            <a:endParaRPr lang="ru-RU" dirty="0"/>
           </a:p>
         </p:txBody>
       </p:sp>
     </p:spTree>
     <p:extLst>
       <p:ext uri="{BB962C8B-B14F-4D97-AF65-F5344CB8AC3E}">
-        <p14:creationId xmlns:p14="http://schemas.microsoft.com/office/powerpoint/2010/main" val="1046140786"/>
+        <p14:creationId xmlns:p14="http://schemas.microsoft.com/office/powerpoint/2010/main" val="1409395795"/>
       </p:ext>
     </p:extLst>
   </p:cSld>
@@ -17626,42 +22846,14 @@
           <a:bodyPr/>
           <a:lstStyle/>
           <a:p>
-            <a:r>
-              <a:rPr lang="ru-RU" dirty="0"/>
-              <a:t>Если мы под силой воли подразумеваем способность управлять самим собой (самоконтроль/дисциплина) и ходом своей жизни таким образом, что бы добиваться всех намеченных целей и реализовывать практически любые свои желания. – Ответ: </a:t>
-            </a:r>
-            <a:r>
-              <a:rPr lang="ru-RU" sz="2000" b="1" dirty="0"/>
-              <a:t>Да</a:t>
-            </a:r>
-            <a:r>
-              <a:rPr lang="ru-RU" dirty="0"/>
-              <a:t>. </a:t>
-            </a:r>
-          </a:p>
-          <a:p>
             <a:endParaRPr lang="ru-RU" dirty="0"/>
-          </a:p>
-          <a:p>
-            <a:r>
-              <a:rPr lang="ru-RU" dirty="0"/>
-              <a:t>Среда и контекст нашей жизни – это просто неотъемлимая часть работы над собой. Поэтому книга </a:t>
-            </a:r>
-            <a:r>
-              <a:rPr lang="ru-RU" b="1" dirty="0"/>
-              <a:t>Бенжамина Харди </a:t>
-            </a:r>
-            <a:r>
-              <a:rPr lang="ru-RU" dirty="0"/>
-              <a:t>делает лишь акцент на важности окружающей нас среды, но не опровергает отсутствия Силы Воли.</a:t>
-            </a:r>
           </a:p>
         </p:txBody>
       </p:sp>
     </p:spTree>
     <p:extLst>
       <p:ext uri="{BB962C8B-B14F-4D97-AF65-F5344CB8AC3E}">
-        <p14:creationId xmlns:p14="http://schemas.microsoft.com/office/powerpoint/2010/main" val="3424737229"/>
+        <p14:creationId xmlns:p14="http://schemas.microsoft.com/office/powerpoint/2010/main" val="2164139279"/>
       </p:ext>
     </p:extLst>
   </p:cSld>
@@ -17711,7 +22903,7 @@
           <a:p>
             <a:r>
               <a:rPr lang="ru-RU" dirty="0"/>
-              <a:t>Стресс</a:t>
+              <a:t>Так есть ли Сила Воли?</a:t>
             </a:r>
             <a:endParaRPr lang="en-US" dirty="0"/>
           </a:p>
@@ -17738,17 +22930,25 @@
           <a:bodyPr/>
           <a:lstStyle/>
           <a:p>
-            <a:endParaRPr lang="ru-RU" dirty="0"/>
-          </a:p>
-          <a:p>
-            <a:endParaRPr lang="ru-RU" dirty="0"/>
+            <a:r>
+              <a:rPr lang="ru-RU" dirty="0"/>
+              <a:t>Если мы под силой воли подразумеваем способность управлять самим собой (самоконтроль/дисциплина) и ходом своей жизни таким образом, что бы добиваться всех намеченных целей и реализовывать практически любые свои желания. – Ответ: </a:t>
+            </a:r>
+            <a:r>
+              <a:rPr lang="ru-RU" sz="2000" b="1" dirty="0"/>
+              <a:t>Да</a:t>
+            </a:r>
+            <a:r>
+              <a:rPr lang="ru-RU" dirty="0"/>
+              <a:t>. </a:t>
+            </a:r>
           </a:p>
         </p:txBody>
       </p:sp>
     </p:spTree>
     <p:extLst>
       <p:ext uri="{BB962C8B-B14F-4D97-AF65-F5344CB8AC3E}">
-        <p14:creationId xmlns:p14="http://schemas.microsoft.com/office/powerpoint/2010/main" val="4115831342"/>
+        <p14:creationId xmlns:p14="http://schemas.microsoft.com/office/powerpoint/2010/main" val="1046140786"/>
       </p:ext>
     </p:extLst>
   </p:cSld>
@@ -17798,7 +22998,7 @@
           <a:p>
             <a:r>
               <a:rPr lang="ru-RU" dirty="0"/>
-              <a:t>Стресс. Вреден ли Стресс?</a:t>
+              <a:t>Так есть ли Сила Воли?</a:t>
             </a:r>
             <a:endParaRPr lang="en-US" dirty="0"/>
           </a:p>
@@ -17825,17 +23025,42 @@
           <a:bodyPr/>
           <a:lstStyle/>
           <a:p>
+            <a:r>
+              <a:rPr lang="ru-RU" dirty="0"/>
+              <a:t>Если мы под силой воли подразумеваем способность управлять самим собой (самоконтроль/дисциплина) и ходом своей жизни таким образом, что бы добиваться всех намеченных целей и реализовывать практически любые свои желания. – Ответ: </a:t>
+            </a:r>
+            <a:r>
+              <a:rPr lang="ru-RU" sz="2000" b="1" dirty="0"/>
+              <a:t>Да</a:t>
+            </a:r>
+            <a:r>
+              <a:rPr lang="ru-RU" dirty="0"/>
+              <a:t>. </a:t>
+            </a:r>
+          </a:p>
+          <a:p>
             <a:endParaRPr lang="ru-RU" dirty="0"/>
           </a:p>
           <a:p>
-            <a:endParaRPr lang="ru-RU" dirty="0"/>
+            <a:r>
+              <a:rPr lang="ru-RU" dirty="0"/>
+              <a:t>Среда и контекст нашей жизни – это просто неотъемлимая часть работы над собой. Поэтому книга </a:t>
+            </a:r>
+            <a:r>
+              <a:rPr lang="ru-RU" b="1" dirty="0"/>
+              <a:t>Бенжамина Харди </a:t>
+            </a:r>
+            <a:r>
+              <a:rPr lang="ru-RU" dirty="0"/>
+              <a:t>делает лишь акцент на важности окружающей нас среды, но не опровергает отсутствия Силы Воли.</a:t>
+            </a:r>
           </a:p>
         </p:txBody>
       </p:sp>
     </p:spTree>
     <p:extLst>
       <p:ext uri="{BB962C8B-B14F-4D97-AF65-F5344CB8AC3E}">
-        <p14:creationId xmlns:p14="http://schemas.microsoft.com/office/powerpoint/2010/main" val="2680776898"/>
+        <p14:creationId xmlns:p14="http://schemas.microsoft.com/office/powerpoint/2010/main" val="3424737229"/>
       </p:ext>
     </p:extLst>
   </p:cSld>
@@ -17885,7 +23110,7 @@
           <a:p>
             <a:r>
               <a:rPr lang="ru-RU" dirty="0"/>
-              <a:t>Стресс. Полезен ли Стресс?</a:t>
+              <a:t>Стресс</a:t>
             </a:r>
             <a:endParaRPr lang="en-US" dirty="0"/>
           </a:p>
@@ -17922,7 +23147,7 @@
     </p:spTree>
     <p:extLst>
       <p:ext uri="{BB962C8B-B14F-4D97-AF65-F5344CB8AC3E}">
-        <p14:creationId xmlns:p14="http://schemas.microsoft.com/office/powerpoint/2010/main" val="828119962"/>
+        <p14:creationId xmlns:p14="http://schemas.microsoft.com/office/powerpoint/2010/main" val="4115831342"/>
       </p:ext>
     </p:extLst>
   </p:cSld>
@@ -17972,7 +23197,7 @@
           <a:p>
             <a:r>
               <a:rPr lang="ru-RU" dirty="0"/>
-              <a:t>Стресс</a:t>
+              <a:t>Стресс. Вреден ли Стресс?</a:t>
             </a:r>
             <a:endParaRPr lang="en-US" dirty="0"/>
           </a:p>
@@ -18009,7 +23234,7 @@
     </p:spTree>
     <p:extLst>
       <p:ext uri="{BB962C8B-B14F-4D97-AF65-F5344CB8AC3E}">
-        <p14:creationId xmlns:p14="http://schemas.microsoft.com/office/powerpoint/2010/main" val="376022810"/>
+        <p14:creationId xmlns:p14="http://schemas.microsoft.com/office/powerpoint/2010/main" val="2680776898"/>
       </p:ext>
     </p:extLst>
   </p:cSld>
@@ -18059,7 +23284,7 @@
           <a:p>
             <a:r>
               <a:rPr lang="ru-RU" dirty="0"/>
-              <a:t>Резюме по Стрессу</a:t>
+              <a:t>Стресс. Полезен ли Стресс?</a:t>
             </a:r>
             <a:endParaRPr lang="en-US" dirty="0"/>
           </a:p>
@@ -18096,7 +23321,7 @@
     </p:spTree>
     <p:extLst>
       <p:ext uri="{BB962C8B-B14F-4D97-AF65-F5344CB8AC3E}">
-        <p14:creationId xmlns:p14="http://schemas.microsoft.com/office/powerpoint/2010/main" val="36035379"/>
+        <p14:creationId xmlns:p14="http://schemas.microsoft.com/office/powerpoint/2010/main" val="828119962"/>
       </p:ext>
     </p:extLst>
   </p:cSld>
@@ -18146,7 +23371,7 @@
           <a:p>
             <a:r>
               <a:rPr lang="ru-RU" dirty="0"/>
-              <a:t>И что мне делать?</a:t>
+              <a:t>Стресс</a:t>
             </a:r>
             <a:endParaRPr lang="en-US" dirty="0"/>
           </a:p>
@@ -18168,30 +23393,22 @@
             <p:ph idx="1"/>
           </p:nvPr>
         </p:nvSpPr>
-        <p:spPr>
-          <a:xfrm>
-            <a:off x="1154955" y="3674378"/>
-            <a:ext cx="8761412" cy="2345422"/>
-          </a:xfrm>
-        </p:spPr>
+        <p:spPr/>
         <p:txBody>
           <a:bodyPr/>
           <a:lstStyle/>
           <a:p>
-            <a:pPr marL="0" indent="0" algn="ctr">
-              <a:buNone/>
-            </a:pPr>
-            <a:r>
-              <a:rPr lang="ru-RU" b="1" dirty="0"/>
-              <a:t>Конец второй части.</a:t>
-            </a:r>
+            <a:endParaRPr lang="ru-RU" dirty="0"/>
+          </a:p>
+          <a:p>
+            <a:endParaRPr lang="ru-RU" dirty="0"/>
           </a:p>
         </p:txBody>
       </p:sp>
     </p:spTree>
     <p:extLst>
       <p:ext uri="{BB962C8B-B14F-4D97-AF65-F5344CB8AC3E}">
-        <p14:creationId xmlns:p14="http://schemas.microsoft.com/office/powerpoint/2010/main" val="653422641"/>
+        <p14:creationId xmlns:p14="http://schemas.microsoft.com/office/powerpoint/2010/main" val="376022810"/>
       </p:ext>
     </p:extLst>
   </p:cSld>
@@ -18241,7 +23458,7 @@
           <a:p>
             <a:r>
               <a:rPr lang="ru-RU" dirty="0"/>
-              <a:t>И что мне делать?</a:t>
+              <a:t>Резюме по Стрессу</a:t>
             </a:r>
             <a:endParaRPr lang="en-US" dirty="0"/>
           </a:p>
@@ -18270,12 +23487,15 @@
           <a:p>
             <a:endParaRPr lang="ru-RU" dirty="0"/>
           </a:p>
+          <a:p>
+            <a:endParaRPr lang="ru-RU" dirty="0"/>
+          </a:p>
         </p:txBody>
       </p:sp>
     </p:spTree>
     <p:extLst>
       <p:ext uri="{BB962C8B-B14F-4D97-AF65-F5344CB8AC3E}">
-        <p14:creationId xmlns:p14="http://schemas.microsoft.com/office/powerpoint/2010/main" val="3971313699"/>
+        <p14:creationId xmlns:p14="http://schemas.microsoft.com/office/powerpoint/2010/main" val="36035379"/>
       </p:ext>
     </p:extLst>
   </p:cSld>
@@ -18380,15 +23600,6 @@
             </a:r>
           </a:p>
           <a:p>
-            <a:r>
-              <a:rPr lang="ru-RU" sz="1800" dirty="0">
-                <a:effectLst/>
-                <a:latin typeface="Century Gothic (Body)"/>
-              </a:rPr>
-              <a:t>Система 1 и Система 2</a:t>
-            </a:r>
-          </a:p>
-          <a:p>
             <a:endParaRPr lang="ru-RU" sz="1800" dirty="0">
               <a:effectLst/>
               <a:latin typeface="Century Gothic (Body)"/>
@@ -18405,7 +23616,7 @@
     </p:spTree>
     <p:extLst>
       <p:ext uri="{BB962C8B-B14F-4D97-AF65-F5344CB8AC3E}">
-        <p14:creationId xmlns:p14="http://schemas.microsoft.com/office/powerpoint/2010/main" val="2865034802"/>
+        <p14:creationId xmlns:p14="http://schemas.microsoft.com/office/powerpoint/2010/main" val="1815071334"/>
       </p:ext>
     </p:extLst>
   </p:cSld>
@@ -18479,28 +23690,28 @@
         </p:nvSpPr>
         <p:spPr>
           <a:xfrm>
-            <a:off x="1154955" y="2603500"/>
-            <a:ext cx="10077904" cy="3416300"/>
+            <a:off x="1154955" y="3674378"/>
+            <a:ext cx="8761412" cy="2345422"/>
           </a:xfrm>
         </p:spPr>
         <p:txBody>
           <a:bodyPr/>
           <a:lstStyle/>
           <a:p>
-            <a:r>
-              <a:rPr lang="ru-RU" dirty="0"/>
-              <a:t>Прислушивайся к себе. Чего ты хочешь? Какую проблему ты пытаешься решить?</a:t>
-            </a:r>
-          </a:p>
-          <a:p>
-            <a:endParaRPr lang="ru-RU" dirty="0"/>
+            <a:pPr marL="0" indent="0" algn="ctr">
+              <a:buNone/>
+            </a:pPr>
+            <a:r>
+              <a:rPr lang="ru-RU" b="1" dirty="0"/>
+              <a:t>Конец второй части.</a:t>
+            </a:r>
           </a:p>
         </p:txBody>
       </p:sp>
     </p:spTree>
     <p:extLst>
       <p:ext uri="{BB962C8B-B14F-4D97-AF65-F5344CB8AC3E}">
-        <p14:creationId xmlns:p14="http://schemas.microsoft.com/office/powerpoint/2010/main" val="104215905"/>
+        <p14:creationId xmlns:p14="http://schemas.microsoft.com/office/powerpoint/2010/main" val="653422641"/>
       </p:ext>
     </p:extLst>
   </p:cSld>
@@ -18572,30 +23783,10 @@
             <p:ph idx="1"/>
           </p:nvPr>
         </p:nvSpPr>
-        <p:spPr>
-          <a:xfrm>
-            <a:off x="1154954" y="2603500"/>
-            <a:ext cx="10279239" cy="3416300"/>
-          </a:xfrm>
-        </p:spPr>
+        <p:spPr/>
         <p:txBody>
           <a:bodyPr/>
           <a:lstStyle/>
-          <a:p>
-            <a:r>
-              <a:rPr lang="ru-RU" dirty="0"/>
-              <a:t>Прислушивайся к себе. Чего ты хочешь? Какую проблему ты пытаешься решить?</a:t>
-            </a:r>
-          </a:p>
-          <a:p>
-            <a:endParaRPr lang="ru-RU" dirty="0"/>
-          </a:p>
-          <a:p>
-            <a:r>
-              <a:rPr lang="ru-RU" dirty="0"/>
-              <a:t>Задавай вопросы сам себе. И пытайся найти ответы.</a:t>
-            </a:r>
-          </a:p>
           <a:p>
             <a:endParaRPr lang="ru-RU" dirty="0"/>
           </a:p>
@@ -18604,7 +23795,7 @@
     </p:spTree>
     <p:extLst>
       <p:ext uri="{BB962C8B-B14F-4D97-AF65-F5344CB8AC3E}">
-        <p14:creationId xmlns:p14="http://schemas.microsoft.com/office/powerpoint/2010/main" val="4171558127"/>
+        <p14:creationId xmlns:p14="http://schemas.microsoft.com/office/powerpoint/2010/main" val="3971313699"/>
       </p:ext>
     </p:extLst>
   </p:cSld>
@@ -18678,8 +23869,8 @@
         </p:nvSpPr>
         <p:spPr>
           <a:xfrm>
-            <a:off x="1154954" y="2603500"/>
-            <a:ext cx="10430241" cy="3416300"/>
+            <a:off x="1154955" y="2603500"/>
+            <a:ext cx="10077904" cy="3416300"/>
           </a:xfrm>
         </p:spPr>
         <p:txBody>
@@ -18689,24 +23880,6 @@
             <a:r>
               <a:rPr lang="ru-RU" dirty="0"/>
               <a:t>Прислушивайся к себе. Чего ты хочешь? Какую проблему ты пытаешься решить?</a:t>
-            </a:r>
-          </a:p>
-          <a:p>
-            <a:endParaRPr lang="ru-RU" dirty="0"/>
-          </a:p>
-          <a:p>
-            <a:r>
-              <a:rPr lang="ru-RU" dirty="0"/>
-              <a:t>Задавай вопросы сам себе. И пытайся найти ответы.</a:t>
-            </a:r>
-          </a:p>
-          <a:p>
-            <a:endParaRPr lang="ru-RU" dirty="0"/>
-          </a:p>
-          <a:p>
-            <a:r>
-              <a:rPr lang="ru-RU" dirty="0"/>
-              <a:t>Найди баланс.</a:t>
             </a:r>
           </a:p>
           <a:p>
@@ -18717,7 +23890,7 @@
     </p:spTree>
     <p:extLst>
       <p:ext uri="{BB962C8B-B14F-4D97-AF65-F5344CB8AC3E}">
-        <p14:creationId xmlns:p14="http://schemas.microsoft.com/office/powerpoint/2010/main" val="1501391458"/>
+        <p14:creationId xmlns:p14="http://schemas.microsoft.com/office/powerpoint/2010/main" val="104215905"/>
       </p:ext>
     </p:extLst>
   </p:cSld>
@@ -18792,7 +23965,7 @@
         <p:spPr>
           <a:xfrm>
             <a:off x="1154954" y="2603500"/>
-            <a:ext cx="10312795" cy="3416300"/>
+            <a:ext cx="10279239" cy="3416300"/>
           </a:xfrm>
         </p:spPr>
         <p:txBody>
@@ -18811,36 +23984,6 @@
             <a:r>
               <a:rPr lang="ru-RU" dirty="0"/>
               <a:t>Задавай вопросы сам себе. И пытайся найти ответы.</a:t>
-            </a:r>
-          </a:p>
-          <a:p>
-            <a:endParaRPr lang="ru-RU" dirty="0"/>
-          </a:p>
-          <a:p>
-            <a:r>
-              <a:rPr lang="ru-RU" dirty="0"/>
-              <a:t>Найди баланс.</a:t>
-            </a:r>
-          </a:p>
-          <a:p>
-            <a:endParaRPr lang="ru-RU" dirty="0"/>
-          </a:p>
-          <a:p>
-            <a:r>
-              <a:rPr lang="ru-RU" dirty="0"/>
-              <a:t>Найди ту конфигурацию которая будет работать именно для тебя. Пойми что нету той </a:t>
-            </a:r>
-            <a:r>
-              <a:rPr lang="en-US" i="1" dirty="0"/>
-              <a:t>silver bullet</a:t>
-            </a:r>
-            <a:r>
-              <a:rPr lang="en-US" dirty="0"/>
-              <a:t> </a:t>
-            </a:r>
-            <a:r>
-              <a:rPr lang="ru-RU" dirty="0"/>
-              <a:t>которую все пытаются найти.</a:t>
             </a:r>
           </a:p>
           <a:p>
@@ -18851,7 +23994,7 @@
     </p:spTree>
     <p:extLst>
       <p:ext uri="{BB962C8B-B14F-4D97-AF65-F5344CB8AC3E}">
-        <p14:creationId xmlns:p14="http://schemas.microsoft.com/office/powerpoint/2010/main" val="2916773178"/>
+        <p14:creationId xmlns:p14="http://schemas.microsoft.com/office/powerpoint/2010/main" val="4171558127"/>
       </p:ext>
     </p:extLst>
   </p:cSld>
@@ -18901,7 +24044,7 @@
           <a:p>
             <a:r>
               <a:rPr lang="ru-RU" dirty="0"/>
-              <a:t>Охотники за головами</a:t>
+              <a:t>И что мне делать?</a:t>
             </a:r>
             <a:endParaRPr lang="en-US" dirty="0"/>
           </a:p>
@@ -18925,54 +24068,46 @@
         </p:nvSpPr>
         <p:spPr>
           <a:xfrm>
-            <a:off x="1154955" y="2603500"/>
-            <a:ext cx="8794388" cy="3416300"/>
+            <a:off x="1154954" y="2603500"/>
+            <a:ext cx="10430241" cy="3416300"/>
           </a:xfrm>
         </p:spPr>
         <p:txBody>
           <a:bodyPr/>
           <a:lstStyle/>
           <a:p>
-            <a:endParaRPr lang="ru-RU" dirty="0">
-              <a:latin typeface="Century Gothic (Body)"/>
-            </a:endParaRPr>
-          </a:p>
-          <a:p>
-            <a:r>
-              <a:rPr lang="ru-RU" sz="1800" dirty="0">
-                <a:effectLst/>
-                <a:latin typeface="Century Gothic (Body)"/>
-              </a:rPr>
-              <a:t>Жак Фреско (футуролог): </a:t>
-            </a:r>
-          </a:p>
-          <a:p>
-            <a:pPr marL="0" indent="0">
-              <a:buNone/>
-            </a:pPr>
-            <a:r>
-              <a:rPr lang="ru-RU" dirty="0">
-                <a:latin typeface="Century Gothic (Body)"/>
-              </a:rPr>
-              <a:t>«</a:t>
-            </a:r>
-            <a:r>
-              <a:rPr lang="ru-RU" sz="1800" dirty="0">
-                <a:effectLst/>
-                <a:latin typeface="Century Gothic (Body)"/>
-              </a:rPr>
-              <a:t>Если бы вы родились в племени охотников за головами, вы были бы охотниками за головами. И если бы я спросил вас: "Тебя не смещает, что в твоем доме 5 завяленных человеческих голов?", вы бы ответили: "Да, смущает ... У меня всего пять, а у моего брата - двадцать!»</a:t>
-            </a:r>
-            <a:endParaRPr lang="ru-RU" dirty="0">
-              <a:latin typeface="Century Gothic (Body)"/>
-            </a:endParaRPr>
+            <a:r>
+              <a:rPr lang="ru-RU" dirty="0"/>
+              <a:t>Прислушивайся к себе. Чего ты хочешь? Какую проблему ты пытаешься решить?</a:t>
+            </a:r>
+          </a:p>
+          <a:p>
+            <a:endParaRPr lang="ru-RU" dirty="0"/>
+          </a:p>
+          <a:p>
+            <a:r>
+              <a:rPr lang="ru-RU" dirty="0"/>
+              <a:t>Задавай вопросы сам себе. И пытайся найти ответы.</a:t>
+            </a:r>
+          </a:p>
+          <a:p>
+            <a:endParaRPr lang="ru-RU" dirty="0"/>
+          </a:p>
+          <a:p>
+            <a:r>
+              <a:rPr lang="ru-RU" dirty="0"/>
+              <a:t>Найди баланс.</a:t>
+            </a:r>
+          </a:p>
+          <a:p>
+            <a:endParaRPr lang="ru-RU" dirty="0"/>
           </a:p>
         </p:txBody>
       </p:sp>
     </p:spTree>
     <p:extLst>
       <p:ext uri="{BB962C8B-B14F-4D97-AF65-F5344CB8AC3E}">
-        <p14:creationId xmlns:p14="http://schemas.microsoft.com/office/powerpoint/2010/main" val="1432671585"/>
+        <p14:creationId xmlns:p14="http://schemas.microsoft.com/office/powerpoint/2010/main" val="1501391458"/>
       </p:ext>
     </p:extLst>
   </p:cSld>
@@ -19022,7 +24157,7 @@
           <a:p>
             <a:r>
               <a:rPr lang="ru-RU" dirty="0"/>
-              <a:t>Эксперименты</a:t>
+              <a:t>И что мне делать?</a:t>
             </a:r>
             <a:endParaRPr lang="en-US" dirty="0"/>
           </a:p>
@@ -19044,10 +24179,60 @@
             <p:ph idx="1"/>
           </p:nvPr>
         </p:nvSpPr>
-        <p:spPr/>
+        <p:spPr>
+          <a:xfrm>
+            <a:off x="1154954" y="2603500"/>
+            <a:ext cx="10312795" cy="3416300"/>
+          </a:xfrm>
+        </p:spPr>
         <p:txBody>
           <a:bodyPr/>
           <a:lstStyle/>
+          <a:p>
+            <a:r>
+              <a:rPr lang="ru-RU" dirty="0"/>
+              <a:t>Прислушивайся к себе. Чего ты хочешь? Какую проблему ты пытаешься решить?</a:t>
+            </a:r>
+          </a:p>
+          <a:p>
+            <a:endParaRPr lang="ru-RU" dirty="0"/>
+          </a:p>
+          <a:p>
+            <a:r>
+              <a:rPr lang="ru-RU" dirty="0"/>
+              <a:t>Задавай вопросы сам себе. И пытайся найти ответы.</a:t>
+            </a:r>
+          </a:p>
+          <a:p>
+            <a:endParaRPr lang="ru-RU" dirty="0"/>
+          </a:p>
+          <a:p>
+            <a:r>
+              <a:rPr lang="ru-RU" dirty="0"/>
+              <a:t>Найди баланс.</a:t>
+            </a:r>
+          </a:p>
+          <a:p>
+            <a:endParaRPr lang="ru-RU" dirty="0"/>
+          </a:p>
+          <a:p>
+            <a:r>
+              <a:rPr lang="ru-RU" dirty="0"/>
+              <a:t>Найди ту конфигурацию которая будет работать именно для тебя. Пойми что нету той </a:t>
+            </a:r>
+            <a:r>
+              <a:rPr lang="en-US" i="1" dirty="0"/>
+              <a:t>silver bullet</a:t>
+            </a:r>
+            <a:r>
+              <a:rPr lang="en-US" dirty="0"/>
+              <a:t> </a:t>
+            </a:r>
+            <a:r>
+              <a:rPr lang="ru-RU" dirty="0"/>
+              <a:t>которую все пытаются найти.</a:t>
+            </a:r>
+          </a:p>
           <a:p>
             <a:endParaRPr lang="ru-RU" dirty="0"/>
           </a:p>
@@ -19056,7 +24241,7 @@
     </p:spTree>
     <p:extLst>
       <p:ext uri="{BB962C8B-B14F-4D97-AF65-F5344CB8AC3E}">
-        <p14:creationId xmlns:p14="http://schemas.microsoft.com/office/powerpoint/2010/main" val="1594657398"/>
+        <p14:creationId xmlns:p14="http://schemas.microsoft.com/office/powerpoint/2010/main" val="2916773178"/>
       </p:ext>
     </p:extLst>
   </p:cSld>
@@ -19106,7 +24291,7 @@
           <a:p>
             <a:r>
               <a:rPr lang="ru-RU" dirty="0"/>
-              <a:t>Эксперименты</a:t>
+              <a:t>Охотники за головами</a:t>
             </a:r>
             <a:endParaRPr lang="en-US" dirty="0"/>
           </a:p>
@@ -19128,25 +24313,56 @@
             <p:ph idx="1"/>
           </p:nvPr>
         </p:nvSpPr>
-        <p:spPr/>
+        <p:spPr>
+          <a:xfrm>
+            <a:off x="1154955" y="2603500"/>
+            <a:ext cx="8794388" cy="3416300"/>
+          </a:xfrm>
+        </p:spPr>
         <p:txBody>
           <a:bodyPr/>
           <a:lstStyle/>
           <a:p>
-            <a:endParaRPr lang="ru-RU" dirty="0"/>
-          </a:p>
-          <a:p>
-            <a:r>
-              <a:rPr lang="ru-RU" dirty="0"/>
-              <a:t>Тюремный эксперимент Филипа Зимбардо (Стэнфорд)</a:t>
-            </a:r>
+            <a:endParaRPr lang="ru-RU" dirty="0">
+              <a:latin typeface="Century Gothic (Body)"/>
+            </a:endParaRPr>
+          </a:p>
+          <a:p>
+            <a:r>
+              <a:rPr lang="ru-RU" sz="1800" dirty="0">
+                <a:effectLst/>
+                <a:latin typeface="Century Gothic (Body)"/>
+              </a:rPr>
+              <a:t>Жак Фреско (футуролог): </a:t>
+            </a:r>
+          </a:p>
+          <a:p>
+            <a:pPr marL="0" indent="0">
+              <a:buNone/>
+            </a:pPr>
+            <a:r>
+              <a:rPr lang="ru-RU" dirty="0">
+                <a:latin typeface="Century Gothic (Body)"/>
+              </a:rPr>
+              <a:t>«</a:t>
+            </a:r>
+            <a:r>
+              <a:rPr lang="ru-RU" sz="1800" dirty="0">
+                <a:effectLst/>
+                <a:latin typeface="Century Gothic (Body)"/>
+              </a:rPr>
+              <a:t>Если бы вы родились в племени охотников за головами, вы были бы охотниками за головами. И если бы я спросил вас: "Тебя не смещает, что в твоем доме 5 завяленных человеческих голов?", вы бы ответили: "Да, смущает ... У меня всего пять, а у моего брата - двадцать!»</a:t>
+            </a:r>
+            <a:endParaRPr lang="ru-RU" dirty="0">
+              <a:latin typeface="Century Gothic (Body)"/>
+            </a:endParaRPr>
           </a:p>
         </p:txBody>
       </p:sp>
     </p:spTree>
     <p:extLst>
       <p:ext uri="{BB962C8B-B14F-4D97-AF65-F5344CB8AC3E}">
-        <p14:creationId xmlns:p14="http://schemas.microsoft.com/office/powerpoint/2010/main" val="747002840"/>
+        <p14:creationId xmlns:p14="http://schemas.microsoft.com/office/powerpoint/2010/main" val="1432671585"/>
       </p:ext>
     </p:extLst>
   </p:cSld>
@@ -19225,30 +24441,12 @@
           <a:p>
             <a:endParaRPr lang="ru-RU" dirty="0"/>
           </a:p>
-          <a:p>
-            <a:r>
-              <a:rPr lang="ru-RU" dirty="0"/>
-              <a:t>Тюремный эксперимент Филипа Зимбардо (Стэнфорд).</a:t>
-            </a:r>
-          </a:p>
-          <a:p>
-            <a:endParaRPr lang="ru-RU" dirty="0"/>
-          </a:p>
-          <a:p>
-            <a:r>
-              <a:rPr lang="ru-RU" dirty="0"/>
-              <a:t>Эксперимент Стэнли Милгрэма.</a:t>
-            </a:r>
-          </a:p>
-          <a:p>
-            <a:endParaRPr lang="ru-RU" dirty="0"/>
-          </a:p>
         </p:txBody>
       </p:sp>
     </p:spTree>
     <p:extLst>
       <p:ext uri="{BB962C8B-B14F-4D97-AF65-F5344CB8AC3E}">
-        <p14:creationId xmlns:p14="http://schemas.microsoft.com/office/powerpoint/2010/main" val="1476165589"/>
+        <p14:creationId xmlns:p14="http://schemas.microsoft.com/office/powerpoint/2010/main" val="1594657398"/>
       </p:ext>
     </p:extLst>
   </p:cSld>
@@ -19330,25 +24528,7 @@
           <a:p>
             <a:r>
               <a:rPr lang="ru-RU" dirty="0"/>
-              <a:t>Тюремный эксперимент Филипа Зимбардо (Стэнфорд).</a:t>
-            </a:r>
-          </a:p>
-          <a:p>
-            <a:endParaRPr lang="ru-RU" dirty="0"/>
-          </a:p>
-          <a:p>
-            <a:r>
-              <a:rPr lang="ru-RU" dirty="0"/>
-              <a:t>Эксперимент Стэнли Милгрэма.</a:t>
-            </a:r>
-          </a:p>
-          <a:p>
-            <a:endParaRPr lang="ru-RU" dirty="0"/>
-          </a:p>
-          <a:p>
-            <a:r>
-              <a:rPr lang="ru-RU" dirty="0"/>
-              <a:t>Зефировый тесты.</a:t>
+              <a:t>Тюремный эксперимент Филипа Зимбардо (Стэнфорд)</a:t>
             </a:r>
           </a:p>
         </p:txBody>
@@ -19356,7 +24536,7 @@
     </p:spTree>
     <p:extLst>
       <p:ext uri="{BB962C8B-B14F-4D97-AF65-F5344CB8AC3E}">
-        <p14:creationId xmlns:p14="http://schemas.microsoft.com/office/powerpoint/2010/main" val="2084016520"/>
+        <p14:creationId xmlns:p14="http://schemas.microsoft.com/office/powerpoint/2010/main" val="747002840"/>
       </p:ext>
     </p:extLst>
   </p:cSld>
@@ -19430,9 +24610,7 @@
         </p:nvSpPr>
         <p:spPr/>
         <p:txBody>
-          <a:bodyPr>
-            <a:normAutofit fontScale="92500" lnSpcReduction="20000"/>
-          </a:bodyPr>
+          <a:bodyPr/>
           <a:lstStyle/>
           <a:p>
             <a:endParaRPr lang="ru-RU" dirty="0"/>
@@ -19451,37 +24629,6 @@
               <a:rPr lang="ru-RU" dirty="0"/>
               <a:t>Эксперимент Стэнли Милгрэма.</a:t>
             </a:r>
-          </a:p>
-          <a:p>
-            <a:endParaRPr lang="ru-RU" dirty="0"/>
-          </a:p>
-          <a:p>
-            <a:r>
-              <a:rPr lang="ru-RU" dirty="0"/>
-              <a:t>Зефировый тесты.</a:t>
-            </a:r>
-            <a:endParaRPr lang="en-US" dirty="0"/>
-          </a:p>
-          <a:p>
-            <a:endParaRPr lang="en-US" dirty="0"/>
-          </a:p>
-          <a:p>
-            <a:r>
-              <a:rPr lang="ru-RU" dirty="0"/>
-              <a:t>Мышиный рай.</a:t>
-            </a:r>
-          </a:p>
-          <a:p>
-            <a:endParaRPr lang="ru-RU" dirty="0"/>
-          </a:p>
-          <a:p>
-            <a:r>
-              <a:rPr lang="ru-RU" dirty="0"/>
-              <a:t>Мыши и дофамин.</a:t>
-            </a:r>
-          </a:p>
-          <a:p>
-            <a:endParaRPr lang="ru-RU" dirty="0"/>
           </a:p>
           <a:p>
             <a:endParaRPr lang="ru-RU" dirty="0"/>
@@ -19491,7 +24638,7 @@
     </p:spTree>
     <p:extLst>
       <p:ext uri="{BB962C8B-B14F-4D97-AF65-F5344CB8AC3E}">
-        <p14:creationId xmlns:p14="http://schemas.microsoft.com/office/powerpoint/2010/main" val="1280988681"/>
+        <p14:creationId xmlns:p14="http://schemas.microsoft.com/office/powerpoint/2010/main" val="1476165589"/>
       </p:ext>
     </p:extLst>
   </p:cSld>
@@ -19605,15 +24752,6 @@
             </a:r>
           </a:p>
           <a:p>
-            <a:r>
-              <a:rPr lang="ru-RU" sz="1800" dirty="0">
-                <a:effectLst/>
-                <a:latin typeface="Century Gothic (Body)"/>
-              </a:rPr>
-              <a:t>Обезьянка и Рациональный тип</a:t>
-            </a:r>
-          </a:p>
-          <a:p>
             <a:endParaRPr lang="ru-RU" sz="1800" dirty="0">
               <a:effectLst/>
               <a:latin typeface="Century Gothic (Body)"/>
@@ -19630,7 +24768,7 @@
     </p:spTree>
     <p:extLst>
       <p:ext uri="{BB962C8B-B14F-4D97-AF65-F5344CB8AC3E}">
-        <p14:creationId xmlns:p14="http://schemas.microsoft.com/office/powerpoint/2010/main" val="4246783507"/>
+        <p14:creationId xmlns:p14="http://schemas.microsoft.com/office/powerpoint/2010/main" val="2865034802"/>
       </p:ext>
     </p:extLst>
   </p:cSld>
@@ -19702,16 +24840,9 @@
             <p:ph idx="1"/>
           </p:nvPr>
         </p:nvSpPr>
-        <p:spPr>
-          <a:xfrm>
-            <a:off x="1154955" y="2603500"/>
-            <a:ext cx="8761412" cy="4099304"/>
-          </a:xfrm>
-        </p:spPr>
-        <p:txBody>
-          <a:bodyPr>
-            <a:normAutofit fontScale="92500" lnSpcReduction="20000"/>
-          </a:bodyPr>
+        <p:spPr/>
+        <p:txBody>
+          <a:bodyPr/>
           <a:lstStyle/>
           <a:p>
             <a:endParaRPr lang="ru-RU" dirty="0"/>
@@ -19739,47 +24870,13 @@
               <a:rPr lang="ru-RU" dirty="0"/>
               <a:t>Зефировый тесты.</a:t>
             </a:r>
-            <a:endParaRPr lang="en-US" dirty="0"/>
-          </a:p>
-          <a:p>
-            <a:endParaRPr lang="en-US" dirty="0"/>
-          </a:p>
-          <a:p>
-            <a:r>
-              <a:rPr lang="ru-RU" dirty="0"/>
-              <a:t>Мышиный рай.</a:t>
-            </a:r>
-          </a:p>
-          <a:p>
-            <a:endParaRPr lang="ru-RU" dirty="0"/>
-          </a:p>
-          <a:p>
-            <a:r>
-              <a:rPr lang="ru-RU" dirty="0"/>
-              <a:t>Мыши и дофамин.</a:t>
-            </a:r>
-          </a:p>
-          <a:p>
-            <a:endParaRPr lang="ru-RU" dirty="0"/>
-          </a:p>
-          <a:p>
-            <a:r>
-              <a:rPr lang="ru-RU" dirty="0"/>
-              <a:t>Зеркальные нейроны. Эксперимент есть?</a:t>
-            </a:r>
-          </a:p>
-          <a:p>
-            <a:endParaRPr lang="ru-RU" dirty="0"/>
-          </a:p>
-          <a:p>
-            <a:endParaRPr lang="ru-RU" dirty="0"/>
           </a:p>
         </p:txBody>
       </p:sp>
     </p:spTree>
     <p:extLst>
       <p:ext uri="{BB962C8B-B14F-4D97-AF65-F5344CB8AC3E}">
-        <p14:creationId xmlns:p14="http://schemas.microsoft.com/office/powerpoint/2010/main" val="3778652362"/>
+        <p14:creationId xmlns:p14="http://schemas.microsoft.com/office/powerpoint/2010/main" val="2084016520"/>
       </p:ext>
     </p:extLst>
   </p:cSld>
@@ -19851,30 +24948,70 @@
             <p:ph idx="1"/>
           </p:nvPr>
         </p:nvSpPr>
-        <p:spPr>
-          <a:xfrm>
-            <a:off x="1154954" y="3808602"/>
-            <a:ext cx="8761412" cy="1468073"/>
-          </a:xfrm>
-        </p:spPr>
-        <p:txBody>
-          <a:bodyPr/>
+        <p:spPr/>
+        <p:txBody>
+          <a:bodyPr>
+            <a:normAutofit fontScale="92500" lnSpcReduction="20000"/>
+          </a:bodyPr>
           <a:lstStyle/>
           <a:p>
-            <a:pPr marL="0" indent="0" algn="ctr">
-              <a:buNone/>
-            </a:pPr>
-            <a:r>
-              <a:rPr lang="ru-RU" i="1" dirty="0"/>
-              <a:t>Не важно что человек о себе думает, не важно, каковы его личностные установки и мировозрение, поведение человека определяется ситуацией, в которой он оказался.</a:t>
-            </a:r>
+            <a:endParaRPr lang="ru-RU" dirty="0"/>
+          </a:p>
+          <a:p>
+            <a:r>
+              <a:rPr lang="ru-RU" dirty="0"/>
+              <a:t>Тюремный эксперимент Филипа Зимбардо (Стэнфорд).</a:t>
+            </a:r>
+          </a:p>
+          <a:p>
+            <a:endParaRPr lang="ru-RU" dirty="0"/>
+          </a:p>
+          <a:p>
+            <a:r>
+              <a:rPr lang="ru-RU" dirty="0"/>
+              <a:t>Эксперимент Стэнли Милгрэма.</a:t>
+            </a:r>
+          </a:p>
+          <a:p>
+            <a:endParaRPr lang="ru-RU" dirty="0"/>
+          </a:p>
+          <a:p>
+            <a:r>
+              <a:rPr lang="ru-RU" dirty="0"/>
+              <a:t>Зефировый тесты.</a:t>
+            </a:r>
+            <a:endParaRPr lang="en-US" dirty="0"/>
+          </a:p>
+          <a:p>
+            <a:endParaRPr lang="en-US" dirty="0"/>
+          </a:p>
+          <a:p>
+            <a:r>
+              <a:rPr lang="ru-RU" dirty="0"/>
+              <a:t>Мышиный рай.</a:t>
+            </a:r>
+          </a:p>
+          <a:p>
+            <a:endParaRPr lang="ru-RU" dirty="0"/>
+          </a:p>
+          <a:p>
+            <a:r>
+              <a:rPr lang="ru-RU" dirty="0"/>
+              <a:t>Мыши и дофамин.</a:t>
+            </a:r>
+          </a:p>
+          <a:p>
+            <a:endParaRPr lang="ru-RU" dirty="0"/>
+          </a:p>
+          <a:p>
+            <a:endParaRPr lang="ru-RU" dirty="0"/>
           </a:p>
         </p:txBody>
       </p:sp>
     </p:spTree>
     <p:extLst>
       <p:ext uri="{BB962C8B-B14F-4D97-AF65-F5344CB8AC3E}">
-        <p14:creationId xmlns:p14="http://schemas.microsoft.com/office/powerpoint/2010/main" val="2783521485"/>
+        <p14:creationId xmlns:p14="http://schemas.microsoft.com/office/powerpoint/2010/main" val="1280988681"/>
       </p:ext>
     </p:extLst>
   </p:cSld>
@@ -19917,27 +25054,14 @@
             <p:ph type="title"/>
           </p:nvPr>
         </p:nvSpPr>
-        <p:spPr>
-          <a:xfrm>
-            <a:off x="1154953" y="973668"/>
-            <a:ext cx="9457120" cy="706964"/>
-          </a:xfrm>
-        </p:spPr>
+        <p:spPr/>
         <p:txBody>
           <a:bodyPr/>
           <a:lstStyle/>
           <a:p>
             <a:r>
               <a:rPr lang="ru-RU" dirty="0"/>
-              <a:t>А</a:t>
-            </a:r>
-            <a:r>
-              <a:rPr lang="en-US" dirty="0"/>
-              <a:t> </a:t>
-            </a:r>
-            <a:r>
-              <a:rPr lang="ru-RU" dirty="0"/>
-              <a:t>зачем нам всё это?</a:t>
+              <a:t>Эксперименты</a:t>
             </a:r>
             <a:endParaRPr lang="en-US" dirty="0"/>
           </a:p>
@@ -19959,22 +25083,84 @@
             <p:ph idx="1"/>
           </p:nvPr>
         </p:nvSpPr>
-        <p:spPr/>
-        <p:txBody>
-          <a:bodyPr/>
+        <p:spPr>
+          <a:xfrm>
+            <a:off x="1154955" y="2603500"/>
+            <a:ext cx="8761412" cy="4099304"/>
+          </a:xfrm>
+        </p:spPr>
+        <p:txBody>
+          <a:bodyPr>
+            <a:normAutofit fontScale="92500" lnSpcReduction="20000"/>
+          </a:bodyPr>
           <a:lstStyle/>
           <a:p>
+            <a:endParaRPr lang="ru-RU" dirty="0"/>
+          </a:p>
+          <a:p>
             <a:r>
               <a:rPr lang="ru-RU" dirty="0"/>
-              <a:t>Какую проблему мы вообще пытаемся решить?</a:t>
-            </a:r>
+              <a:t>Тюремный эксперимент Филипа Зимбардо (Стэнфорд).</a:t>
+            </a:r>
+          </a:p>
+          <a:p>
+            <a:endParaRPr lang="ru-RU" dirty="0"/>
+          </a:p>
+          <a:p>
+            <a:r>
+              <a:rPr lang="ru-RU" dirty="0"/>
+              <a:t>Эксперимент Стэнли Милгрэма.</a:t>
+            </a:r>
+          </a:p>
+          <a:p>
+            <a:endParaRPr lang="ru-RU" dirty="0"/>
+          </a:p>
+          <a:p>
+            <a:r>
+              <a:rPr lang="ru-RU" dirty="0"/>
+              <a:t>Зефировый тесты.</a:t>
+            </a:r>
+            <a:endParaRPr lang="en-US" dirty="0"/>
+          </a:p>
+          <a:p>
+            <a:endParaRPr lang="en-US" dirty="0"/>
+          </a:p>
+          <a:p>
+            <a:r>
+              <a:rPr lang="ru-RU" dirty="0"/>
+              <a:t>Мышиный рай.</a:t>
+            </a:r>
+          </a:p>
+          <a:p>
+            <a:endParaRPr lang="ru-RU" dirty="0"/>
+          </a:p>
+          <a:p>
+            <a:r>
+              <a:rPr lang="ru-RU" dirty="0"/>
+              <a:t>Мыши и дофамин.</a:t>
+            </a:r>
+          </a:p>
+          <a:p>
+            <a:endParaRPr lang="ru-RU" dirty="0"/>
+          </a:p>
+          <a:p>
+            <a:r>
+              <a:rPr lang="ru-RU" dirty="0"/>
+              <a:t>Зеркальные нейроны. Эксперимент есть?</a:t>
+            </a:r>
+          </a:p>
+          <a:p>
+            <a:endParaRPr lang="ru-RU" dirty="0"/>
+          </a:p>
+          <a:p>
+            <a:endParaRPr lang="ru-RU" dirty="0"/>
           </a:p>
         </p:txBody>
       </p:sp>
     </p:spTree>
     <p:extLst>
       <p:ext uri="{BB962C8B-B14F-4D97-AF65-F5344CB8AC3E}">
-        <p14:creationId xmlns:p14="http://schemas.microsoft.com/office/powerpoint/2010/main" val="337745344"/>
+        <p14:creationId xmlns:p14="http://schemas.microsoft.com/office/powerpoint/2010/main" val="3778652362"/>
       </p:ext>
     </p:extLst>
   </p:cSld>
@@ -20017,19 +25203,14 @@
             <p:ph type="title"/>
           </p:nvPr>
         </p:nvSpPr>
-        <p:spPr>
-          <a:xfrm>
-            <a:off x="1154953" y="973668"/>
-            <a:ext cx="9457120" cy="706964"/>
-          </a:xfrm>
-        </p:spPr>
+        <p:spPr/>
         <p:txBody>
           <a:bodyPr/>
           <a:lstStyle/>
           <a:p>
             <a:r>
               <a:rPr lang="ru-RU" dirty="0"/>
-              <a:t>Цель</a:t>
+              <a:t>Эксперименты</a:t>
             </a:r>
             <a:endParaRPr lang="en-US" dirty="0"/>
           </a:p>
@@ -20051,31 +25232,30 @@
             <p:ph idx="1"/>
           </p:nvPr>
         </p:nvSpPr>
-        <p:spPr/>
+        <p:spPr>
+          <a:xfrm>
+            <a:off x="1154954" y="3808602"/>
+            <a:ext cx="8761412" cy="1468073"/>
+          </a:xfrm>
+        </p:spPr>
         <p:txBody>
           <a:bodyPr/>
           <a:lstStyle/>
           <a:p>
-            <a:r>
-              <a:rPr lang="ru-RU" dirty="0"/>
-              <a:t>Нету важного.</a:t>
-            </a:r>
-          </a:p>
-          <a:p>
-            <a:r>
-              <a:rPr lang="ru-RU" dirty="0"/>
-              <a:t>Нету потребного будущего.</a:t>
-            </a:r>
-          </a:p>
-          <a:p>
-            <a:endParaRPr lang="ru-RU" dirty="0"/>
+            <a:pPr marL="0" indent="0" algn="ctr">
+              <a:buNone/>
+            </a:pPr>
+            <a:r>
+              <a:rPr lang="ru-RU" i="1" dirty="0"/>
+              <a:t>Не важно что человек о себе думает, не важно, каковы его личностные установки и мировозрение, поведение человека определяется ситуацией, в которой он оказался.</a:t>
+            </a:r>
           </a:p>
         </p:txBody>
       </p:sp>
     </p:spTree>
     <p:extLst>
       <p:ext uri="{BB962C8B-B14F-4D97-AF65-F5344CB8AC3E}">
-        <p14:creationId xmlns:p14="http://schemas.microsoft.com/office/powerpoint/2010/main" val="3636438701"/>
+        <p14:creationId xmlns:p14="http://schemas.microsoft.com/office/powerpoint/2010/main" val="2783521485"/>
       </p:ext>
     </p:extLst>
   </p:cSld>
@@ -20118,14 +25298,27 @@
             <p:ph type="title"/>
           </p:nvPr>
         </p:nvSpPr>
-        <p:spPr/>
+        <p:spPr>
+          <a:xfrm>
+            <a:off x="1154953" y="973668"/>
+            <a:ext cx="9457120" cy="706964"/>
+          </a:xfrm>
+        </p:spPr>
         <p:txBody>
           <a:bodyPr/>
           <a:lstStyle/>
           <a:p>
             <a:r>
               <a:rPr lang="ru-RU" dirty="0"/>
-              <a:t>Советы</a:t>
+              <a:t>А</a:t>
+            </a:r>
+            <a:r>
+              <a:rPr lang="en-US" dirty="0"/>
+              <a:t> </a:t>
+            </a:r>
+            <a:r>
+              <a:rPr lang="ru-RU" dirty="0"/>
+              <a:t>зачем нам всё это?</a:t>
             </a:r>
             <a:endParaRPr lang="en-US" dirty="0"/>
           </a:p>
@@ -20152,14 +25345,17 @@
           <a:bodyPr/>
           <a:lstStyle/>
           <a:p>
-            <a:endParaRPr lang="ru-RU" dirty="0"/>
+            <a:r>
+              <a:rPr lang="ru-RU" dirty="0"/>
+              <a:t>Какую проблему мы вообще пытаемся решить?</a:t>
+            </a:r>
           </a:p>
         </p:txBody>
       </p:sp>
     </p:spTree>
     <p:extLst>
       <p:ext uri="{BB962C8B-B14F-4D97-AF65-F5344CB8AC3E}">
-        <p14:creationId xmlns:p14="http://schemas.microsoft.com/office/powerpoint/2010/main" val="2746810043"/>
+        <p14:creationId xmlns:p14="http://schemas.microsoft.com/office/powerpoint/2010/main" val="337745344"/>
       </p:ext>
     </p:extLst>
   </p:cSld>
@@ -20202,14 +25398,19 @@
             <p:ph type="title"/>
           </p:nvPr>
         </p:nvSpPr>
-        <p:spPr/>
+        <p:spPr>
+          <a:xfrm>
+            <a:off x="1154953" y="973668"/>
+            <a:ext cx="9457120" cy="706964"/>
+          </a:xfrm>
+        </p:spPr>
         <p:txBody>
           <a:bodyPr/>
           <a:lstStyle/>
           <a:p>
             <a:r>
               <a:rPr lang="ru-RU" dirty="0"/>
-              <a:t>Советы</a:t>
+              <a:t>Цель</a:t>
             </a:r>
             <a:endParaRPr lang="en-US" dirty="0"/>
           </a:p>
@@ -20238,7 +25439,13 @@
           <a:p>
             <a:r>
               <a:rPr lang="ru-RU" dirty="0"/>
-              <a:t>Спите.</a:t>
+              <a:t>Нету важного.</a:t>
+            </a:r>
+          </a:p>
+          <a:p>
+            <a:r>
+              <a:rPr lang="ru-RU" dirty="0"/>
+              <a:t>Нету потребного будущего.</a:t>
             </a:r>
           </a:p>
           <a:p>
@@ -20249,7 +25456,7 @@
     </p:spTree>
     <p:extLst>
       <p:ext uri="{BB962C8B-B14F-4D97-AF65-F5344CB8AC3E}">
-        <p14:creationId xmlns:p14="http://schemas.microsoft.com/office/powerpoint/2010/main" val="1528982406"/>
+        <p14:creationId xmlns:p14="http://schemas.microsoft.com/office/powerpoint/2010/main" val="3636438701"/>
       </p:ext>
     </p:extLst>
   </p:cSld>
@@ -20326,18 +25533,6 @@
           <a:bodyPr/>
           <a:lstStyle/>
           <a:p>
-            <a:r>
-              <a:rPr lang="ru-RU" dirty="0"/>
-              <a:t>Спите.</a:t>
-            </a:r>
-          </a:p>
-          <a:p>
-            <a:r>
-              <a:rPr lang="ru-RU" dirty="0"/>
-              <a:t>Практикуйте осознанность.</a:t>
-            </a:r>
-          </a:p>
-          <a:p>
             <a:endParaRPr lang="ru-RU" dirty="0"/>
           </a:p>
         </p:txBody>
@@ -20345,7 +25540,7 @@
     </p:spTree>
     <p:extLst>
       <p:ext uri="{BB962C8B-B14F-4D97-AF65-F5344CB8AC3E}">
-        <p14:creationId xmlns:p14="http://schemas.microsoft.com/office/powerpoint/2010/main" val="2212550543"/>
+        <p14:creationId xmlns:p14="http://schemas.microsoft.com/office/powerpoint/2010/main" val="2746810043"/>
       </p:ext>
     </p:extLst>
   </p:cSld>
@@ -20428,18 +25623,6 @@
             </a:r>
           </a:p>
           <a:p>
-            <a:r>
-              <a:rPr lang="ru-RU" dirty="0"/>
-              <a:t>Практикуйте осознанность.</a:t>
-            </a:r>
-          </a:p>
-          <a:p>
-            <a:r>
-              <a:rPr lang="ru-RU" dirty="0"/>
-              <a:t>Дневник и рефлексия.</a:t>
-            </a:r>
-          </a:p>
-          <a:p>
             <a:endParaRPr lang="ru-RU" dirty="0"/>
           </a:p>
         </p:txBody>
@@ -20447,7 +25630,7 @@
     </p:spTree>
     <p:extLst>
       <p:ext uri="{BB962C8B-B14F-4D97-AF65-F5344CB8AC3E}">
-        <p14:creationId xmlns:p14="http://schemas.microsoft.com/office/powerpoint/2010/main" val="1994819522"/>
+        <p14:creationId xmlns:p14="http://schemas.microsoft.com/office/powerpoint/2010/main" val="1528982406"/>
       </p:ext>
     </p:extLst>
   </p:cSld>
@@ -20536,18 +25719,6 @@
             </a:r>
           </a:p>
           <a:p>
-            <a:r>
-              <a:rPr lang="ru-RU" dirty="0"/>
-              <a:t>Дневник и рефлексия.</a:t>
-            </a:r>
-          </a:p>
-          <a:p>
-            <a:r>
-              <a:rPr lang="ru-RU" dirty="0"/>
-              <a:t>Занимайтесь медитацией.</a:t>
-            </a:r>
-          </a:p>
-          <a:p>
             <a:endParaRPr lang="ru-RU" dirty="0"/>
           </a:p>
         </p:txBody>
@@ -20555,7 +25726,7 @@
     </p:spTree>
     <p:extLst>
       <p:ext uri="{BB962C8B-B14F-4D97-AF65-F5344CB8AC3E}">
-        <p14:creationId xmlns:p14="http://schemas.microsoft.com/office/powerpoint/2010/main" val="4166029998"/>
+        <p14:creationId xmlns:p14="http://schemas.microsoft.com/office/powerpoint/2010/main" val="2212550543"/>
       </p:ext>
     </p:extLst>
   </p:cSld>
@@ -20650,18 +25821,6 @@
             </a:r>
           </a:p>
           <a:p>
-            <a:r>
-              <a:rPr lang="ru-RU" dirty="0"/>
-              <a:t>Занимайтесь медитацией.</a:t>
-            </a:r>
-          </a:p>
-          <a:p>
-            <a:r>
-              <a:rPr lang="ru-RU" dirty="0"/>
-              <a:t>Научитесь правильно Отдыхать.</a:t>
-            </a:r>
-          </a:p>
-          <a:p>
             <a:endParaRPr lang="ru-RU" dirty="0"/>
           </a:p>
         </p:txBody>
@@ -20669,7 +25828,7 @@
     </p:spTree>
     <p:extLst>
       <p:ext uri="{BB962C8B-B14F-4D97-AF65-F5344CB8AC3E}">
-        <p14:creationId xmlns:p14="http://schemas.microsoft.com/office/powerpoint/2010/main" val="3581029079"/>
+        <p14:creationId xmlns:p14="http://schemas.microsoft.com/office/powerpoint/2010/main" val="1994819522"/>
       </p:ext>
     </p:extLst>
   </p:cSld>
@@ -20792,15 +25951,6 @@
             </a:r>
           </a:p>
           <a:p>
-            <a:r>
-              <a:rPr lang="ru-RU" sz="1800" dirty="0">
-                <a:effectLst/>
-                <a:latin typeface="Century Gothic (Body)"/>
-              </a:rPr>
-              <a:t>Пассажир и Машинист</a:t>
-            </a:r>
-          </a:p>
-          <a:p>
             <a:endParaRPr lang="ru-RU" sz="1800" dirty="0">
               <a:effectLst/>
               <a:latin typeface="Century Gothic (Body)"/>
@@ -20817,7 +25967,7 @@
     </p:spTree>
     <p:extLst>
       <p:ext uri="{BB962C8B-B14F-4D97-AF65-F5344CB8AC3E}">
-        <p14:creationId xmlns:p14="http://schemas.microsoft.com/office/powerpoint/2010/main" val="3769497511"/>
+        <p14:creationId xmlns:p14="http://schemas.microsoft.com/office/powerpoint/2010/main" val="4246783507"/>
       </p:ext>
     </p:extLst>
   </p:cSld>
@@ -20918,18 +26068,6 @@
             </a:r>
           </a:p>
           <a:p>
-            <a:r>
-              <a:rPr lang="ru-RU" dirty="0"/>
-              <a:t>Научитесь правильно Отдыхать.</a:t>
-            </a:r>
-          </a:p>
-          <a:p>
-            <a:r>
-              <a:rPr lang="ru-RU" dirty="0"/>
-              <a:t>Заведите ритуалы и привычки.</a:t>
-            </a:r>
-          </a:p>
-          <a:p>
             <a:endParaRPr lang="ru-RU" dirty="0"/>
           </a:p>
         </p:txBody>
@@ -20937,7 +26075,7 @@
     </p:spTree>
     <p:extLst>
       <p:ext uri="{BB962C8B-B14F-4D97-AF65-F5344CB8AC3E}">
-        <p14:creationId xmlns:p14="http://schemas.microsoft.com/office/powerpoint/2010/main" val="914086317"/>
+        <p14:creationId xmlns:p14="http://schemas.microsoft.com/office/powerpoint/2010/main" val="4166029998"/>
       </p:ext>
     </p:extLst>
   </p:cSld>
@@ -21044,18 +26182,6 @@
             </a:r>
           </a:p>
           <a:p>
-            <a:r>
-              <a:rPr lang="ru-RU" dirty="0"/>
-              <a:t>Заведите ритуалы и привычки.</a:t>
-            </a:r>
-          </a:p>
-          <a:p>
-            <a:r>
-              <a:rPr lang="ru-RU" dirty="0"/>
-              <a:t>Будьте позитивны.</a:t>
-            </a:r>
-          </a:p>
-          <a:p>
             <a:endParaRPr lang="ru-RU" dirty="0"/>
           </a:p>
         </p:txBody>
@@ -21063,7 +26189,7 @@
     </p:spTree>
     <p:extLst>
       <p:ext uri="{BB962C8B-B14F-4D97-AF65-F5344CB8AC3E}">
-        <p14:creationId xmlns:p14="http://schemas.microsoft.com/office/powerpoint/2010/main" val="591118877"/>
+        <p14:creationId xmlns:p14="http://schemas.microsoft.com/office/powerpoint/2010/main" val="3581029079"/>
       </p:ext>
     </p:extLst>
   </p:cSld>
@@ -21113,6 +26239,252 @@
           <a:p>
             <a:r>
               <a:rPr lang="ru-RU" dirty="0"/>
+              <a:t>Советы</a:t>
+            </a:r>
+            <a:endParaRPr lang="en-US" dirty="0"/>
+          </a:p>
+        </p:txBody>
+      </p:sp>
+      <p:sp>
+        <p:nvSpPr>
+          <p:cNvPr id="3" name="Content Placeholder 2">
+            <a:extLst>
+              <a:ext uri="{FF2B5EF4-FFF2-40B4-BE49-F238E27FC236}">
+                <a16:creationId xmlns:a16="http://schemas.microsoft.com/office/drawing/2014/main" id="{F7D9122A-547D-4498-81E3-940AF608A4E2}"/>
+              </a:ext>
+            </a:extLst>
+          </p:cNvPr>
+          <p:cNvSpPr>
+            <a:spLocks noGrp="1"/>
+          </p:cNvSpPr>
+          <p:nvPr>
+            <p:ph idx="1"/>
+          </p:nvPr>
+        </p:nvSpPr>
+        <p:spPr/>
+        <p:txBody>
+          <a:bodyPr/>
+          <a:lstStyle/>
+          <a:p>
+            <a:r>
+              <a:rPr lang="ru-RU" dirty="0"/>
+              <a:t>Спите.</a:t>
+            </a:r>
+          </a:p>
+          <a:p>
+            <a:r>
+              <a:rPr lang="ru-RU" dirty="0"/>
+              <a:t>Практикуйте осознанность.</a:t>
+            </a:r>
+          </a:p>
+          <a:p>
+            <a:r>
+              <a:rPr lang="ru-RU" dirty="0"/>
+              <a:t>Дневник и рефлексия.</a:t>
+            </a:r>
+          </a:p>
+          <a:p>
+            <a:r>
+              <a:rPr lang="ru-RU" dirty="0"/>
+              <a:t>Занимайтесь медитацией.</a:t>
+            </a:r>
+          </a:p>
+          <a:p>
+            <a:r>
+              <a:rPr lang="ru-RU" dirty="0"/>
+              <a:t>Научитесь правильно Отдыхать.</a:t>
+            </a:r>
+          </a:p>
+          <a:p>
+            <a:r>
+              <a:rPr lang="ru-RU" dirty="0"/>
+              <a:t>Заведите ритуалы и привычки.</a:t>
+            </a:r>
+          </a:p>
+          <a:p>
+            <a:endParaRPr lang="ru-RU" dirty="0"/>
+          </a:p>
+        </p:txBody>
+      </p:sp>
+    </p:spTree>
+    <p:extLst>
+      <p:ext uri="{BB962C8B-B14F-4D97-AF65-F5344CB8AC3E}">
+        <p14:creationId xmlns:p14="http://schemas.microsoft.com/office/powerpoint/2010/main" val="914086317"/>
+      </p:ext>
+    </p:extLst>
+  </p:cSld>
+  <p:clrMapOvr>
+    <a:masterClrMapping/>
+  </p:clrMapOvr>
+</p:sld>
+</file>
+
+<file path=ppt/slides/slide73.xml><?xml version="1.0" encoding="utf-8"?>
+<p:sld xmlns:a="http://schemas.openxmlformats.org/drawingml/2006/main" xmlns:r="http://schemas.openxmlformats.org/officeDocument/2006/relationships" xmlns:p="http://schemas.openxmlformats.org/presentationml/2006/main">
+  <p:cSld>
+    <p:spTree>
+      <p:nvGrpSpPr>
+        <p:cNvPr id="1" name=""/>
+        <p:cNvGrpSpPr/>
+        <p:nvPr/>
+      </p:nvGrpSpPr>
+      <p:grpSpPr>
+        <a:xfrm>
+          <a:off x="0" y="0"/>
+          <a:ext cx="0" cy="0"/>
+          <a:chOff x="0" y="0"/>
+          <a:chExt cx="0" cy="0"/>
+        </a:xfrm>
+      </p:grpSpPr>
+      <p:sp>
+        <p:nvSpPr>
+          <p:cNvPr id="2" name="Title 1">
+            <a:extLst>
+              <a:ext uri="{FF2B5EF4-FFF2-40B4-BE49-F238E27FC236}">
+                <a16:creationId xmlns:a16="http://schemas.microsoft.com/office/drawing/2014/main" id="{8502BE21-50A6-4F8E-83CA-2BE2172D726F}"/>
+              </a:ext>
+            </a:extLst>
+          </p:cNvPr>
+          <p:cNvSpPr>
+            <a:spLocks noGrp="1"/>
+          </p:cNvSpPr>
+          <p:nvPr>
+            <p:ph type="title"/>
+          </p:nvPr>
+        </p:nvSpPr>
+        <p:spPr/>
+        <p:txBody>
+          <a:bodyPr/>
+          <a:lstStyle/>
+          <a:p>
+            <a:r>
+              <a:rPr lang="ru-RU" dirty="0"/>
+              <a:t>Советы</a:t>
+            </a:r>
+            <a:endParaRPr lang="en-US" dirty="0"/>
+          </a:p>
+        </p:txBody>
+      </p:sp>
+      <p:sp>
+        <p:nvSpPr>
+          <p:cNvPr id="3" name="Content Placeholder 2">
+            <a:extLst>
+              <a:ext uri="{FF2B5EF4-FFF2-40B4-BE49-F238E27FC236}">
+                <a16:creationId xmlns:a16="http://schemas.microsoft.com/office/drawing/2014/main" id="{F7D9122A-547D-4498-81E3-940AF608A4E2}"/>
+              </a:ext>
+            </a:extLst>
+          </p:cNvPr>
+          <p:cNvSpPr>
+            <a:spLocks noGrp="1"/>
+          </p:cNvSpPr>
+          <p:nvPr>
+            <p:ph idx="1"/>
+          </p:nvPr>
+        </p:nvSpPr>
+        <p:spPr/>
+        <p:txBody>
+          <a:bodyPr/>
+          <a:lstStyle/>
+          <a:p>
+            <a:r>
+              <a:rPr lang="ru-RU" dirty="0"/>
+              <a:t>Спите.</a:t>
+            </a:r>
+          </a:p>
+          <a:p>
+            <a:r>
+              <a:rPr lang="ru-RU" dirty="0"/>
+              <a:t>Практикуйте осознанность.</a:t>
+            </a:r>
+          </a:p>
+          <a:p>
+            <a:r>
+              <a:rPr lang="ru-RU" dirty="0"/>
+              <a:t>Дневник и рефлексия.</a:t>
+            </a:r>
+          </a:p>
+          <a:p>
+            <a:r>
+              <a:rPr lang="ru-RU" dirty="0"/>
+              <a:t>Занимайтесь медитацией.</a:t>
+            </a:r>
+          </a:p>
+          <a:p>
+            <a:r>
+              <a:rPr lang="ru-RU" dirty="0"/>
+              <a:t>Научитесь правильно Отдыхать.</a:t>
+            </a:r>
+          </a:p>
+          <a:p>
+            <a:r>
+              <a:rPr lang="ru-RU" dirty="0"/>
+              <a:t>Заведите ритуалы и привычки.</a:t>
+            </a:r>
+          </a:p>
+          <a:p>
+            <a:r>
+              <a:rPr lang="ru-RU" dirty="0"/>
+              <a:t>Будьте позитивны.</a:t>
+            </a:r>
+          </a:p>
+          <a:p>
+            <a:endParaRPr lang="ru-RU" dirty="0"/>
+          </a:p>
+        </p:txBody>
+      </p:sp>
+    </p:spTree>
+    <p:extLst>
+      <p:ext uri="{BB962C8B-B14F-4D97-AF65-F5344CB8AC3E}">
+        <p14:creationId xmlns:p14="http://schemas.microsoft.com/office/powerpoint/2010/main" val="591118877"/>
+      </p:ext>
+    </p:extLst>
+  </p:cSld>
+  <p:clrMapOvr>
+    <a:masterClrMapping/>
+  </p:clrMapOvr>
+</p:sld>
+</file>
+
+<file path=ppt/slides/slide74.xml><?xml version="1.0" encoding="utf-8"?>
+<p:sld xmlns:a="http://schemas.openxmlformats.org/drawingml/2006/main" xmlns:r="http://schemas.openxmlformats.org/officeDocument/2006/relationships" xmlns:p="http://schemas.openxmlformats.org/presentationml/2006/main">
+  <p:cSld>
+    <p:spTree>
+      <p:nvGrpSpPr>
+        <p:cNvPr id="1" name=""/>
+        <p:cNvGrpSpPr/>
+        <p:nvPr/>
+      </p:nvGrpSpPr>
+      <p:grpSpPr>
+        <a:xfrm>
+          <a:off x="0" y="0"/>
+          <a:ext cx="0" cy="0"/>
+          <a:chOff x="0" y="0"/>
+          <a:chExt cx="0" cy="0"/>
+        </a:xfrm>
+      </p:grpSpPr>
+      <p:sp>
+        <p:nvSpPr>
+          <p:cNvPr id="2" name="Title 1">
+            <a:extLst>
+              <a:ext uri="{FF2B5EF4-FFF2-40B4-BE49-F238E27FC236}">
+                <a16:creationId xmlns:a16="http://schemas.microsoft.com/office/drawing/2014/main" id="{8502BE21-50A6-4F8E-83CA-2BE2172D726F}"/>
+              </a:ext>
+            </a:extLst>
+          </p:cNvPr>
+          <p:cNvSpPr>
+            <a:spLocks noGrp="1"/>
+          </p:cNvSpPr>
+          <p:nvPr>
+            <p:ph type="title"/>
+          </p:nvPr>
+        </p:nvSpPr>
+        <p:spPr/>
+        <p:txBody>
+          <a:bodyPr/>
+          <a:lstStyle/>
+          <a:p>
+            <a:r>
+              <a:rPr lang="ru-RU" dirty="0"/>
               <a:t>Советы </a:t>
             </a:r>
             <a:r>
@@ -21180,7 +26552,7 @@
 </p:sld>
 </file>
 
-<file path=ppt/slides/slide73.xml><?xml version="1.0" encoding="utf-8"?>
+<file path=ppt/slides/slide75.xml><?xml version="1.0" encoding="utf-8"?>
 <p:sld xmlns:a="http://schemas.openxmlformats.org/drawingml/2006/main" xmlns:r="http://schemas.openxmlformats.org/officeDocument/2006/relationships" xmlns:p="http://schemas.openxmlformats.org/presentationml/2006/main">
   <p:cSld>
     <p:spTree>
@@ -21454,26 +26826,23 @@
             </a:r>
           </a:p>
           <a:p>
-            <a:r>
-              <a:rPr lang="ru-RU" sz="1800" dirty="0">
-                <a:effectLst/>
-                <a:latin typeface="Century Gothic (Body)"/>
-              </a:rPr>
-              <a:t>Сердце и Ум</a:t>
-            </a:r>
-          </a:p>
-          <a:p>
             <a:endParaRPr lang="ru-RU" sz="1800" dirty="0">
               <a:effectLst/>
               <a:latin typeface="Century Gothic (Body)"/>
             </a:endParaRPr>
           </a:p>
+          <a:p>
+            <a:endParaRPr lang="ru-RU" sz="1800" dirty="0">
+              <a:effectLst/>
+              <a:latin typeface="Century Gothic (Body)"/>
+            </a:endParaRPr>
+          </a:p>
         </p:txBody>
       </p:sp>
     </p:spTree>
     <p:extLst>
       <p:ext uri="{BB962C8B-B14F-4D97-AF65-F5344CB8AC3E}">
-        <p14:creationId xmlns:p14="http://schemas.microsoft.com/office/powerpoint/2010/main" val="1803080820"/>
+        <p14:creationId xmlns:p14="http://schemas.microsoft.com/office/powerpoint/2010/main" val="3769497511"/>
       </p:ext>
     </p:extLst>
   </p:cSld>
@@ -21614,35 +26983,17 @@
             </a:r>
           </a:p>
           <a:p>
-            <a:r>
-              <a:rPr lang="ru-RU" sz="1800" dirty="0">
-                <a:effectLst/>
-                <a:latin typeface="Century Gothic (Body)"/>
-              </a:rPr>
-              <a:t>Эмоции и Рацио</a:t>
-            </a:r>
-            <a:endParaRPr lang="en-US" dirty="0">
-              <a:latin typeface="Century Gothic (Body)"/>
-            </a:endParaRPr>
-          </a:p>
-          <a:p>
             <a:endParaRPr lang="ru-RU" sz="1800" dirty="0">
               <a:effectLst/>
               <a:latin typeface="Century Gothic (Body)"/>
             </a:endParaRPr>
           </a:p>
-          <a:p>
-            <a:endParaRPr lang="ru-RU" sz="1800" dirty="0">
-              <a:effectLst/>
-              <a:latin typeface="Century Gothic (Body)"/>
-            </a:endParaRPr>
-          </a:p>
         </p:txBody>
       </p:sp>
     </p:spTree>
     <p:extLst>
       <p:ext uri="{BB962C8B-B14F-4D97-AF65-F5344CB8AC3E}">
-        <p14:creationId xmlns:p14="http://schemas.microsoft.com/office/powerpoint/2010/main" val="4194845407"/>
+        <p14:creationId xmlns:p14="http://schemas.microsoft.com/office/powerpoint/2010/main" val="1803080820"/>
       </p:ext>
     </p:extLst>
   </p:cSld>
@@ -21915,4 +27266,299 @@
     </a:ext>
   </a:extLst>
 </a:theme>
+</file>
+
+<file path=ppt/theme/theme2.xml><?xml version="1.0" encoding="utf-8"?>
+<a:theme xmlns:a="http://schemas.openxmlformats.org/drawingml/2006/main" name="Office Theme">
+  <a:themeElements>
+    <a:clrScheme name="Office">
+      <a:dk1>
+        <a:sysClr val="windowText" lastClr="000000"/>
+      </a:dk1>
+      <a:lt1>
+        <a:sysClr val="window" lastClr="FFFFFF"/>
+      </a:lt1>
+      <a:dk2>
+        <a:srgbClr val="44546A"/>
+      </a:dk2>
+      <a:lt2>
+        <a:srgbClr val="E7E6E6"/>
+      </a:lt2>
+      <a:accent1>
+        <a:srgbClr val="4472C4"/>
+      </a:accent1>
+      <a:accent2>
+        <a:srgbClr val="ED7D31"/>
+      </a:accent2>
+      <a:accent3>
+        <a:srgbClr val="A5A5A5"/>
+      </a:accent3>
+      <a:accent4>
+        <a:srgbClr val="FFC000"/>
+      </a:accent4>
+      <a:accent5>
+        <a:srgbClr val="5B9BD5"/>
+      </a:accent5>
+      <a:accent6>
+        <a:srgbClr val="70AD47"/>
+      </a:accent6>
+      <a:hlink>
+        <a:srgbClr val="0563C1"/>
+      </a:hlink>
+      <a:folHlink>
+        <a:srgbClr val="954F72"/>
+      </a:folHlink>
+    </a:clrScheme>
+    <a:fontScheme name="Office">
+      <a:majorFont>
+        <a:latin typeface="Calibri Light" panose="020F0302020204030204"/>
+        <a:ea typeface=""/>
+        <a:cs typeface=""/>
+        <a:font script="Jpan" typeface="游ゴシック Light"/>
+        <a:font script="Hang" typeface="맑은 고딕"/>
+        <a:font script="Hans" typeface="等线 Light"/>
+        <a:font script="Hant" typeface="新細明體"/>
+        <a:font script="Arab" typeface="Times New Roman"/>
+        <a:font script="Hebr" typeface="Times New Roman"/>
+        <a:font script="Thai" typeface="Angsana New"/>
+        <a:font script="Ethi" typeface="Nyala"/>
+        <a:font script="Beng" typeface="Vrinda"/>
+        <a:font script="Gujr" typeface="Shruti"/>
+        <a:font script="Khmr" typeface="MoolBoran"/>
+        <a:font script="Knda" typeface="Tunga"/>
+        <a:font script="Guru" typeface="Raavi"/>
+        <a:font script="Cans" typeface="Euphemia"/>
+        <a:font script="Cher" typeface="Plantagenet Cherokee"/>
+        <a:font script="Yiii" typeface="Microsoft Yi Baiti"/>
+        <a:font script="Tibt" typeface="Microsoft Himalaya"/>
+        <a:font script="Thaa" typeface="MV Boli"/>
+        <a:font script="Deva" typeface="Mangal"/>
+        <a:font script="Telu" typeface="Gautami"/>
+        <a:font script="Taml" typeface="Latha"/>
+        <a:font script="Syrc" typeface="Estrangelo Edessa"/>
+        <a:font script="Orya" typeface="Kalinga"/>
+        <a:font script="Mlym" typeface="Kartika"/>
+        <a:font script="Laoo" typeface="DokChampa"/>
+        <a:font script="Sinh" typeface="Iskoola Pota"/>
+        <a:font script="Mong" typeface="Mongolian Baiti"/>
+        <a:font script="Viet" typeface="Times New Roman"/>
+        <a:font script="Uigh" typeface="Microsoft Uighur"/>
+        <a:font script="Geor" typeface="Sylfaen"/>
+        <a:font script="Armn" typeface="Arial"/>
+        <a:font script="Bugi" typeface="Leelawadee UI"/>
+        <a:font script="Bopo" typeface="Microsoft JhengHei"/>
+        <a:font script="Java" typeface="Javanese Text"/>
+        <a:font script="Lisu" typeface="Segoe UI"/>
+        <a:font script="Mymr" typeface="Myanmar Text"/>
+        <a:font script="Nkoo" typeface="Ebrima"/>
+        <a:font script="Olck" typeface="Nirmala UI"/>
+        <a:font script="Osma" typeface="Ebrima"/>
+        <a:font script="Phag" typeface="Phagspa"/>
+        <a:font script="Syrn" typeface="Estrangelo Edessa"/>
+        <a:font script="Syrj" typeface="Estrangelo Edessa"/>
+        <a:font script="Syre" typeface="Estrangelo Edessa"/>
+        <a:font script="Sora" typeface="Nirmala UI"/>
+        <a:font script="Tale" typeface="Microsoft Tai Le"/>
+        <a:font script="Talu" typeface="Microsoft New Tai Lue"/>
+        <a:font script="Tfng" typeface="Ebrima"/>
+      </a:majorFont>
+      <a:minorFont>
+        <a:latin typeface="Calibri" panose="020F0502020204030204"/>
+        <a:ea typeface=""/>
+        <a:cs typeface=""/>
+        <a:font script="Jpan" typeface="游ゴシック"/>
+        <a:font script="Hang" typeface="맑은 고딕"/>
+        <a:font script="Hans" typeface="等线"/>
+        <a:font script="Hant" typeface="新細明體"/>
+        <a:font script="Arab" typeface="Arial"/>
+        <a:font script="Hebr" typeface="Arial"/>
+        <a:font script="Thai" typeface="Cordia New"/>
+        <a:font script="Ethi" typeface="Nyala"/>
+        <a:font script="Beng" typeface="Vrinda"/>
+        <a:font script="Gujr" typeface="Shruti"/>
+        <a:font script="Khmr" typeface="DaunPenh"/>
+        <a:font script="Knda" typeface="Tunga"/>
+        <a:font script="Guru" typeface="Raavi"/>
+        <a:font script="Cans" typeface="Euphemia"/>
+        <a:font script="Cher" typeface="Plantagenet Cherokee"/>
+        <a:font script="Yiii" typeface="Microsoft Yi Baiti"/>
+        <a:font script="Tibt" typeface="Microsoft Himalaya"/>
+        <a:font script="Thaa" typeface="MV Boli"/>
+        <a:font script="Deva" typeface="Mangal"/>
+        <a:font script="Telu" typeface="Gautami"/>
+        <a:font script="Taml" typeface="Latha"/>
+        <a:font script="Syrc" typeface="Estrangelo Edessa"/>
+        <a:font script="Orya" typeface="Kalinga"/>
+        <a:font script="Mlym" typeface="Kartika"/>
+        <a:font script="Laoo" typeface="DokChampa"/>
+        <a:font script="Sinh" typeface="Iskoola Pota"/>
+        <a:font script="Mong" typeface="Mongolian Baiti"/>
+        <a:font script="Viet" typeface="Arial"/>
+        <a:font script="Uigh" typeface="Microsoft Uighur"/>
+        <a:font script="Geor" typeface="Sylfaen"/>
+        <a:font script="Armn" typeface="Arial"/>
+        <a:font script="Bugi" typeface="Leelawadee UI"/>
+        <a:font script="Bopo" typeface="Microsoft JhengHei"/>
+        <a:font script="Java" typeface="Javanese Text"/>
+        <a:font script="Lisu" typeface="Segoe UI"/>
+        <a:font script="Mymr" typeface="Myanmar Text"/>
+        <a:font script="Nkoo" typeface="Ebrima"/>
+        <a:font script="Olck" typeface="Nirmala UI"/>
+        <a:font script="Osma" typeface="Ebrima"/>
+        <a:font script="Phag" typeface="Phagspa"/>
+        <a:font script="Syrn" typeface="Estrangelo Edessa"/>
+        <a:font script="Syrj" typeface="Estrangelo Edessa"/>
+        <a:font script="Syre" typeface="Estrangelo Edessa"/>
+        <a:font script="Sora" typeface="Nirmala UI"/>
+        <a:font script="Tale" typeface="Microsoft Tai Le"/>
+        <a:font script="Talu" typeface="Microsoft New Tai Lue"/>
+        <a:font script="Tfng" typeface="Ebrima"/>
+      </a:minorFont>
+    </a:fontScheme>
+    <a:fmtScheme name="Office">
+      <a:fillStyleLst>
+        <a:solidFill>
+          <a:schemeClr val="phClr"/>
+        </a:solidFill>
+        <a:gradFill rotWithShape="1">
+          <a:gsLst>
+            <a:gs pos="0">
+              <a:schemeClr val="phClr">
+                <a:lumMod val="110000"/>
+                <a:satMod val="105000"/>
+                <a:tint val="67000"/>
+              </a:schemeClr>
+            </a:gs>
+            <a:gs pos="50000">
+              <a:schemeClr val="phClr">
+                <a:lumMod val="105000"/>
+                <a:satMod val="103000"/>
+                <a:tint val="73000"/>
+              </a:schemeClr>
+            </a:gs>
+            <a:gs pos="100000">
+              <a:schemeClr val="phClr">
+                <a:lumMod val="105000"/>
+                <a:satMod val="109000"/>
+                <a:tint val="81000"/>
+              </a:schemeClr>
+            </a:gs>
+          </a:gsLst>
+          <a:lin ang="5400000" scaled="0"/>
+        </a:gradFill>
+        <a:gradFill rotWithShape="1">
+          <a:gsLst>
+            <a:gs pos="0">
+              <a:schemeClr val="phClr">
+                <a:satMod val="103000"/>
+                <a:lumMod val="102000"/>
+                <a:tint val="94000"/>
+              </a:schemeClr>
+            </a:gs>
+            <a:gs pos="50000">
+              <a:schemeClr val="phClr">
+                <a:satMod val="110000"/>
+                <a:lumMod val="100000"/>
+                <a:shade val="100000"/>
+              </a:schemeClr>
+            </a:gs>
+            <a:gs pos="100000">
+              <a:schemeClr val="phClr">
+                <a:lumMod val="99000"/>
+                <a:satMod val="120000"/>
+                <a:shade val="78000"/>
+              </a:schemeClr>
+            </a:gs>
+          </a:gsLst>
+          <a:lin ang="5400000" scaled="0"/>
+        </a:gradFill>
+      </a:fillStyleLst>
+      <a:lnStyleLst>
+        <a:ln w="6350" cap="flat" cmpd="sng" algn="ctr">
+          <a:solidFill>
+            <a:schemeClr val="phClr"/>
+          </a:solidFill>
+          <a:prstDash val="solid"/>
+          <a:miter lim="800000"/>
+        </a:ln>
+        <a:ln w="12700" cap="flat" cmpd="sng" algn="ctr">
+          <a:solidFill>
+            <a:schemeClr val="phClr"/>
+          </a:solidFill>
+          <a:prstDash val="solid"/>
+          <a:miter lim="800000"/>
+        </a:ln>
+        <a:ln w="19050" cap="flat" cmpd="sng" algn="ctr">
+          <a:solidFill>
+            <a:schemeClr val="phClr"/>
+          </a:solidFill>
+          <a:prstDash val="solid"/>
+          <a:miter lim="800000"/>
+        </a:ln>
+      </a:lnStyleLst>
+      <a:effectStyleLst>
+        <a:effectStyle>
+          <a:effectLst/>
+        </a:effectStyle>
+        <a:effectStyle>
+          <a:effectLst/>
+        </a:effectStyle>
+        <a:effectStyle>
+          <a:effectLst>
+            <a:outerShdw blurRad="57150" dist="19050" dir="5400000" algn="ctr" rotWithShape="0">
+              <a:srgbClr val="000000">
+                <a:alpha val="63000"/>
+              </a:srgbClr>
+            </a:outerShdw>
+          </a:effectLst>
+        </a:effectStyle>
+      </a:effectStyleLst>
+      <a:bgFillStyleLst>
+        <a:solidFill>
+          <a:schemeClr val="phClr"/>
+        </a:solidFill>
+        <a:solidFill>
+          <a:schemeClr val="phClr">
+            <a:tint val="95000"/>
+            <a:satMod val="170000"/>
+          </a:schemeClr>
+        </a:solidFill>
+        <a:gradFill rotWithShape="1">
+          <a:gsLst>
+            <a:gs pos="0">
+              <a:schemeClr val="phClr">
+                <a:tint val="93000"/>
+                <a:satMod val="150000"/>
+                <a:shade val="98000"/>
+                <a:lumMod val="102000"/>
+              </a:schemeClr>
+            </a:gs>
+            <a:gs pos="50000">
+              <a:schemeClr val="phClr">
+                <a:tint val="98000"/>
+                <a:satMod val="130000"/>
+                <a:shade val="90000"/>
+                <a:lumMod val="103000"/>
+              </a:schemeClr>
+            </a:gs>
+            <a:gs pos="100000">
+              <a:schemeClr val="phClr">
+                <a:shade val="63000"/>
+                <a:satMod val="120000"/>
+              </a:schemeClr>
+            </a:gs>
+          </a:gsLst>
+          <a:lin ang="5400000" scaled="0"/>
+        </a:gradFill>
+      </a:bgFillStyleLst>
+    </a:fmtScheme>
+  </a:themeElements>
+  <a:objectDefaults/>
+  <a:extraClrSchemeLst/>
+  <a:extLst>
+    <a:ext uri="{05A4C25C-085E-4340-85A3-A5531E510DB2}">
+      <thm15:themeFamily xmlns:thm15="http://schemas.microsoft.com/office/thememl/2012/main" name="Office Theme" id="{62F939B6-93AF-4DB8-9C6B-D6C7DFDC589F}" vid="{4A3C46E8-61CC-4603-A589-7422A47A8E4A}"/>
+    </a:ext>
+  </a:extLst>
+</a:theme>
 </file>
--- a/softskills/willpower/willpower.pptx
+++ b/softskills/willpower/willpower.pptx
@@ -5,7 +5,7 @@
     <p:sldMasterId id="2147483648" r:id="rId1"/>
   </p:sldMasterIdLst>
   <p:notesMasterIdLst>
-    <p:notesMasterId r:id="rId77"/>
+    <p:notesMasterId r:id="rId64"/>
   </p:notesMasterIdLst>
   <p:sldIdLst>
     <p:sldId id="256" r:id="rId2"/>
@@ -41,48 +41,35 @@
     <p:sldId id="340" r:id="rId32"/>
     <p:sldId id="341" r:id="rId33"/>
     <p:sldId id="342" r:id="rId34"/>
-    <p:sldId id="337" r:id="rId35"/>
-    <p:sldId id="264" r:id="rId36"/>
-    <p:sldId id="270" r:id="rId37"/>
-    <p:sldId id="317" r:id="rId38"/>
-    <p:sldId id="321" r:id="rId39"/>
-    <p:sldId id="266" r:id="rId40"/>
-    <p:sldId id="267" r:id="rId41"/>
-    <p:sldId id="318" r:id="rId42"/>
-    <p:sldId id="287" r:id="rId43"/>
-    <p:sldId id="288" r:id="rId44"/>
-    <p:sldId id="289" r:id="rId45"/>
-    <p:sldId id="268" r:id="rId46"/>
-    <p:sldId id="298" r:id="rId47"/>
-    <p:sldId id="299" r:id="rId48"/>
-    <p:sldId id="301" r:id="rId49"/>
-    <p:sldId id="319" r:id="rId50"/>
-    <p:sldId id="290" r:id="rId51"/>
-    <p:sldId id="320" r:id="rId52"/>
-    <p:sldId id="294" r:id="rId53"/>
-    <p:sldId id="291" r:id="rId54"/>
-    <p:sldId id="292" r:id="rId55"/>
-    <p:sldId id="293" r:id="rId56"/>
-    <p:sldId id="271" r:id="rId57"/>
-    <p:sldId id="272" r:id="rId58"/>
-    <p:sldId id="297" r:id="rId59"/>
-    <p:sldId id="274" r:id="rId60"/>
-    <p:sldId id="275" r:id="rId61"/>
-    <p:sldId id="300" r:id="rId62"/>
-    <p:sldId id="304" r:id="rId63"/>
-    <p:sldId id="276" r:id="rId64"/>
-    <p:sldId id="277" r:id="rId65"/>
-    <p:sldId id="306" r:id="rId66"/>
-    <p:sldId id="305" r:id="rId67"/>
-    <p:sldId id="284" r:id="rId68"/>
-    <p:sldId id="278" r:id="rId69"/>
-    <p:sldId id="279" r:id="rId70"/>
-    <p:sldId id="280" r:id="rId71"/>
-    <p:sldId id="281" r:id="rId72"/>
-    <p:sldId id="282" r:id="rId73"/>
-    <p:sldId id="283" r:id="rId74"/>
-    <p:sldId id="296" r:id="rId75"/>
-    <p:sldId id="285" r:id="rId76"/>
+    <p:sldId id="343" r:id="rId35"/>
+    <p:sldId id="344" r:id="rId36"/>
+    <p:sldId id="345" r:id="rId37"/>
+    <p:sldId id="346" r:id="rId38"/>
+    <p:sldId id="317" r:id="rId39"/>
+    <p:sldId id="321" r:id="rId40"/>
+    <p:sldId id="266" r:id="rId41"/>
+    <p:sldId id="267" r:id="rId42"/>
+    <p:sldId id="318" r:id="rId43"/>
+    <p:sldId id="287" r:id="rId44"/>
+    <p:sldId id="288" r:id="rId45"/>
+    <p:sldId id="289" r:id="rId46"/>
+    <p:sldId id="294" r:id="rId47"/>
+    <p:sldId id="348" r:id="rId48"/>
+    <p:sldId id="291" r:id="rId49"/>
+    <p:sldId id="292" r:id="rId50"/>
+    <p:sldId id="293" r:id="rId51"/>
+    <p:sldId id="277" r:id="rId52"/>
+    <p:sldId id="306" r:id="rId53"/>
+    <p:sldId id="305" r:id="rId54"/>
+    <p:sldId id="284" r:id="rId55"/>
+    <p:sldId id="278" r:id="rId56"/>
+    <p:sldId id="279" r:id="rId57"/>
+    <p:sldId id="280" r:id="rId58"/>
+    <p:sldId id="281" r:id="rId59"/>
+    <p:sldId id="282" r:id="rId60"/>
+    <p:sldId id="283" r:id="rId61"/>
+    <p:sldId id="347" r:id="rId62"/>
+    <p:sldId id="285" r:id="rId63"/>
   </p:sldIdLst>
   <p:sldSz cx="12192000" cy="6858000"/>
   <p:notesSz cx="6858000" cy="9144000"/>
@@ -271,7 +258,7 @@
           <a:p>
             <a:fld id="{F1E91201-0078-4A3F-BC02-68DABEF5C8BB}" type="datetimeFigureOut">
               <a:rPr lang="en-US" smtClean="0"/>
-              <a:t>1/29/2021</a:t>
+              <a:t>2/4/2021</a:t>
             </a:fld>
             <a:endParaRPr lang="en-US"/>
           </a:p>
@@ -4402,6 +4389,342 @@
     <p:extLst>
       <p:ext uri="{BB962C8B-B14F-4D97-AF65-F5344CB8AC3E}">
         <p14:creationId xmlns:p14="http://schemas.microsoft.com/office/powerpoint/2010/main" val="445883935"/>
+      </p:ext>
+    </p:extLst>
+  </p:cSld>
+  <p:clrMapOvr>
+    <a:masterClrMapping/>
+  </p:clrMapOvr>
+</p:notes>
+</file>
+
+<file path=ppt/notesSlides/notesSlide21.xml><?xml version="1.0" encoding="utf-8"?>
+<p:notes xmlns:a="http://schemas.openxmlformats.org/drawingml/2006/main" xmlns:r="http://schemas.openxmlformats.org/officeDocument/2006/relationships" xmlns:p="http://schemas.openxmlformats.org/presentationml/2006/main">
+  <p:cSld>
+    <p:spTree>
+      <p:nvGrpSpPr>
+        <p:cNvPr id="1" name=""/>
+        <p:cNvGrpSpPr/>
+        <p:nvPr/>
+      </p:nvGrpSpPr>
+      <p:grpSpPr>
+        <a:xfrm>
+          <a:off x="0" y="0"/>
+          <a:ext cx="0" cy="0"/>
+          <a:chOff x="0" y="0"/>
+          <a:chExt cx="0" cy="0"/>
+        </a:xfrm>
+      </p:grpSpPr>
+      <p:sp>
+        <p:nvSpPr>
+          <p:cNvPr id="2" name="Slide Image Placeholder 1"/>
+          <p:cNvSpPr>
+            <a:spLocks noGrp="1" noRot="1" noChangeAspect="1"/>
+          </p:cNvSpPr>
+          <p:nvPr>
+            <p:ph type="sldImg"/>
+          </p:nvPr>
+        </p:nvSpPr>
+        <p:spPr/>
+      </p:sp>
+      <p:sp>
+        <p:nvSpPr>
+          <p:cNvPr id="3" name="Notes Placeholder 2"/>
+          <p:cNvSpPr>
+            <a:spLocks noGrp="1"/>
+          </p:cNvSpPr>
+          <p:nvPr>
+            <p:ph type="body" idx="1"/>
+          </p:nvPr>
+        </p:nvSpPr>
+        <p:spPr/>
+        <p:txBody>
+          <a:bodyPr/>
+          <a:lstStyle/>
+          <a:p>
+            <a:endParaRPr lang="en-US" dirty="0"/>
+          </a:p>
+        </p:txBody>
+      </p:sp>
+      <p:sp>
+        <p:nvSpPr>
+          <p:cNvPr id="4" name="Slide Number Placeholder 3"/>
+          <p:cNvSpPr>
+            <a:spLocks noGrp="1"/>
+          </p:cNvSpPr>
+          <p:nvPr>
+            <p:ph type="sldNum" sz="quarter" idx="5"/>
+          </p:nvPr>
+        </p:nvSpPr>
+        <p:spPr/>
+        <p:txBody>
+          <a:bodyPr/>
+          <a:lstStyle/>
+          <a:p>
+            <a:fld id="{EF83ECF8-EBB3-462A-BC97-8AC574C482EA}" type="slidenum">
+              <a:rPr lang="en-US" smtClean="0"/>
+              <a:t>34</a:t>
+            </a:fld>
+            <a:endParaRPr lang="en-US"/>
+          </a:p>
+        </p:txBody>
+      </p:sp>
+    </p:spTree>
+    <p:extLst>
+      <p:ext uri="{BB962C8B-B14F-4D97-AF65-F5344CB8AC3E}">
+        <p14:creationId xmlns:p14="http://schemas.microsoft.com/office/powerpoint/2010/main" val="2603442122"/>
+      </p:ext>
+    </p:extLst>
+  </p:cSld>
+  <p:clrMapOvr>
+    <a:masterClrMapping/>
+  </p:clrMapOvr>
+</p:notes>
+</file>
+
+<file path=ppt/notesSlides/notesSlide22.xml><?xml version="1.0" encoding="utf-8"?>
+<p:notes xmlns:a="http://schemas.openxmlformats.org/drawingml/2006/main" xmlns:r="http://schemas.openxmlformats.org/officeDocument/2006/relationships" xmlns:p="http://schemas.openxmlformats.org/presentationml/2006/main">
+  <p:cSld>
+    <p:spTree>
+      <p:nvGrpSpPr>
+        <p:cNvPr id="1" name=""/>
+        <p:cNvGrpSpPr/>
+        <p:nvPr/>
+      </p:nvGrpSpPr>
+      <p:grpSpPr>
+        <a:xfrm>
+          <a:off x="0" y="0"/>
+          <a:ext cx="0" cy="0"/>
+          <a:chOff x="0" y="0"/>
+          <a:chExt cx="0" cy="0"/>
+        </a:xfrm>
+      </p:grpSpPr>
+      <p:sp>
+        <p:nvSpPr>
+          <p:cNvPr id="2" name="Slide Image Placeholder 1"/>
+          <p:cNvSpPr>
+            <a:spLocks noGrp="1" noRot="1" noChangeAspect="1"/>
+          </p:cNvSpPr>
+          <p:nvPr>
+            <p:ph type="sldImg"/>
+          </p:nvPr>
+        </p:nvSpPr>
+        <p:spPr/>
+      </p:sp>
+      <p:sp>
+        <p:nvSpPr>
+          <p:cNvPr id="3" name="Notes Placeholder 2"/>
+          <p:cNvSpPr>
+            <a:spLocks noGrp="1"/>
+          </p:cNvSpPr>
+          <p:nvPr>
+            <p:ph type="body" idx="1"/>
+          </p:nvPr>
+        </p:nvSpPr>
+        <p:spPr/>
+        <p:txBody>
+          <a:bodyPr/>
+          <a:lstStyle/>
+          <a:p>
+            <a:endParaRPr lang="en-US" dirty="0"/>
+          </a:p>
+        </p:txBody>
+      </p:sp>
+      <p:sp>
+        <p:nvSpPr>
+          <p:cNvPr id="4" name="Slide Number Placeholder 3"/>
+          <p:cNvSpPr>
+            <a:spLocks noGrp="1"/>
+          </p:cNvSpPr>
+          <p:nvPr>
+            <p:ph type="sldNum" sz="quarter" idx="5"/>
+          </p:nvPr>
+        </p:nvSpPr>
+        <p:spPr/>
+        <p:txBody>
+          <a:bodyPr/>
+          <a:lstStyle/>
+          <a:p>
+            <a:fld id="{EF83ECF8-EBB3-462A-BC97-8AC574C482EA}" type="slidenum">
+              <a:rPr lang="en-US" smtClean="0"/>
+              <a:t>35</a:t>
+            </a:fld>
+            <a:endParaRPr lang="en-US"/>
+          </a:p>
+        </p:txBody>
+      </p:sp>
+    </p:spTree>
+    <p:extLst>
+      <p:ext uri="{BB962C8B-B14F-4D97-AF65-F5344CB8AC3E}">
+        <p14:creationId xmlns:p14="http://schemas.microsoft.com/office/powerpoint/2010/main" val="2603442122"/>
+      </p:ext>
+    </p:extLst>
+  </p:cSld>
+  <p:clrMapOvr>
+    <a:masterClrMapping/>
+  </p:clrMapOvr>
+</p:notes>
+</file>
+
+<file path=ppt/notesSlides/notesSlide23.xml><?xml version="1.0" encoding="utf-8"?>
+<p:notes xmlns:a="http://schemas.openxmlformats.org/drawingml/2006/main" xmlns:r="http://schemas.openxmlformats.org/officeDocument/2006/relationships" xmlns:p="http://schemas.openxmlformats.org/presentationml/2006/main">
+  <p:cSld>
+    <p:spTree>
+      <p:nvGrpSpPr>
+        <p:cNvPr id="1" name=""/>
+        <p:cNvGrpSpPr/>
+        <p:nvPr/>
+      </p:nvGrpSpPr>
+      <p:grpSpPr>
+        <a:xfrm>
+          <a:off x="0" y="0"/>
+          <a:ext cx="0" cy="0"/>
+          <a:chOff x="0" y="0"/>
+          <a:chExt cx="0" cy="0"/>
+        </a:xfrm>
+      </p:grpSpPr>
+      <p:sp>
+        <p:nvSpPr>
+          <p:cNvPr id="2" name="Slide Image Placeholder 1"/>
+          <p:cNvSpPr>
+            <a:spLocks noGrp="1" noRot="1" noChangeAspect="1"/>
+          </p:cNvSpPr>
+          <p:nvPr>
+            <p:ph type="sldImg"/>
+          </p:nvPr>
+        </p:nvSpPr>
+        <p:spPr/>
+      </p:sp>
+      <p:sp>
+        <p:nvSpPr>
+          <p:cNvPr id="3" name="Notes Placeholder 2"/>
+          <p:cNvSpPr>
+            <a:spLocks noGrp="1"/>
+          </p:cNvSpPr>
+          <p:nvPr>
+            <p:ph type="body" idx="1"/>
+          </p:nvPr>
+        </p:nvSpPr>
+        <p:spPr/>
+        <p:txBody>
+          <a:bodyPr/>
+          <a:lstStyle/>
+          <a:p>
+            <a:endParaRPr lang="en-US" dirty="0"/>
+          </a:p>
+        </p:txBody>
+      </p:sp>
+      <p:sp>
+        <p:nvSpPr>
+          <p:cNvPr id="4" name="Slide Number Placeholder 3"/>
+          <p:cNvSpPr>
+            <a:spLocks noGrp="1"/>
+          </p:cNvSpPr>
+          <p:nvPr>
+            <p:ph type="sldNum" sz="quarter" idx="5"/>
+          </p:nvPr>
+        </p:nvSpPr>
+        <p:spPr/>
+        <p:txBody>
+          <a:bodyPr/>
+          <a:lstStyle/>
+          <a:p>
+            <a:fld id="{EF83ECF8-EBB3-462A-BC97-8AC574C482EA}" type="slidenum">
+              <a:rPr lang="en-US" smtClean="0"/>
+              <a:t>36</a:t>
+            </a:fld>
+            <a:endParaRPr lang="en-US"/>
+          </a:p>
+        </p:txBody>
+      </p:sp>
+    </p:spTree>
+    <p:extLst>
+      <p:ext uri="{BB962C8B-B14F-4D97-AF65-F5344CB8AC3E}">
+        <p14:creationId xmlns:p14="http://schemas.microsoft.com/office/powerpoint/2010/main" val="2603442122"/>
+      </p:ext>
+    </p:extLst>
+  </p:cSld>
+  <p:clrMapOvr>
+    <a:masterClrMapping/>
+  </p:clrMapOvr>
+</p:notes>
+</file>
+
+<file path=ppt/notesSlides/notesSlide24.xml><?xml version="1.0" encoding="utf-8"?>
+<p:notes xmlns:a="http://schemas.openxmlformats.org/drawingml/2006/main" xmlns:r="http://schemas.openxmlformats.org/officeDocument/2006/relationships" xmlns:p="http://schemas.openxmlformats.org/presentationml/2006/main">
+  <p:cSld>
+    <p:spTree>
+      <p:nvGrpSpPr>
+        <p:cNvPr id="1" name=""/>
+        <p:cNvGrpSpPr/>
+        <p:nvPr/>
+      </p:nvGrpSpPr>
+      <p:grpSpPr>
+        <a:xfrm>
+          <a:off x="0" y="0"/>
+          <a:ext cx="0" cy="0"/>
+          <a:chOff x="0" y="0"/>
+          <a:chExt cx="0" cy="0"/>
+        </a:xfrm>
+      </p:grpSpPr>
+      <p:sp>
+        <p:nvSpPr>
+          <p:cNvPr id="2" name="Slide Image Placeholder 1"/>
+          <p:cNvSpPr>
+            <a:spLocks noGrp="1" noRot="1" noChangeAspect="1"/>
+          </p:cNvSpPr>
+          <p:nvPr>
+            <p:ph type="sldImg"/>
+          </p:nvPr>
+        </p:nvSpPr>
+        <p:spPr/>
+      </p:sp>
+      <p:sp>
+        <p:nvSpPr>
+          <p:cNvPr id="3" name="Notes Placeholder 2"/>
+          <p:cNvSpPr>
+            <a:spLocks noGrp="1"/>
+          </p:cNvSpPr>
+          <p:nvPr>
+            <p:ph type="body" idx="1"/>
+          </p:nvPr>
+        </p:nvSpPr>
+        <p:spPr/>
+        <p:txBody>
+          <a:bodyPr/>
+          <a:lstStyle/>
+          <a:p>
+            <a:endParaRPr lang="en-US" dirty="0"/>
+          </a:p>
+        </p:txBody>
+      </p:sp>
+      <p:sp>
+        <p:nvSpPr>
+          <p:cNvPr id="4" name="Slide Number Placeholder 3"/>
+          <p:cNvSpPr>
+            <a:spLocks noGrp="1"/>
+          </p:cNvSpPr>
+          <p:nvPr>
+            <p:ph type="sldNum" sz="quarter" idx="5"/>
+          </p:nvPr>
+        </p:nvSpPr>
+        <p:spPr/>
+        <p:txBody>
+          <a:bodyPr/>
+          <a:lstStyle/>
+          <a:p>
+            <a:fld id="{EF83ECF8-EBB3-462A-BC97-8AC574C482EA}" type="slidenum">
+              <a:rPr lang="en-US" smtClean="0"/>
+              <a:t>37</a:t>
+            </a:fld>
+            <a:endParaRPr lang="en-US"/>
+          </a:p>
+        </p:txBody>
+      </p:sp>
+    </p:spTree>
+    <p:extLst>
+      <p:ext uri="{BB962C8B-B14F-4D97-AF65-F5344CB8AC3E}">
+        <p14:creationId xmlns:p14="http://schemas.microsoft.com/office/powerpoint/2010/main" val="2603442122"/>
       </p:ext>
     </p:extLst>
   </p:cSld>
@@ -5893,7 +6216,7 @@
             <a:fld id="{1E700B27-DE4C-4B9E-BB11-B9027034A00F}" type="datetimeFigureOut">
               <a:rPr lang="en-US" dirty="0"/>
               <a:pPr/>
-              <a:t>1/29/2021</a:t>
+              <a:t>2/4/2021</a:t>
             </a:fld>
             <a:endParaRPr lang="en-US" dirty="0"/>
           </a:p>
@@ -7009,7 +7332,7 @@
           <a:p>
             <a:fld id="{C40F4739-9812-4A9F-890D-2AD6BA5F6EE8}" type="datetimeFigureOut">
               <a:rPr lang="en-US" dirty="0"/>
-              <a:t>1/29/2021</a:t>
+              <a:t>2/4/2021</a:t>
             </a:fld>
             <a:endParaRPr lang="en-US" dirty="0"/>
           </a:p>
@@ -8016,7 +8339,7 @@
           <a:p>
             <a:fld id="{18845AC5-A3F8-44AA-BA8F-596CDCC976D3}" type="datetimeFigureOut">
               <a:rPr lang="en-US" dirty="0"/>
-              <a:t>1/29/2021</a:t>
+              <a:t>2/4/2021</a:t>
             </a:fld>
             <a:endParaRPr lang="en-US" dirty="0"/>
           </a:p>
@@ -9182,7 +9505,7 @@
           <a:p>
             <a:fld id="{C873B183-A821-4095-A363-9EC968635539}" type="datetimeFigureOut">
               <a:rPr lang="en-US" dirty="0"/>
-              <a:t>1/29/2021</a:t>
+              <a:t>2/4/2021</a:t>
             </a:fld>
             <a:endParaRPr lang="en-US" dirty="0"/>
           </a:p>
@@ -10239,7 +10562,7 @@
           <a:p>
             <a:fld id="{174D01B4-0AA5-45E6-B2E6-5FA4078AEBCF}" type="datetimeFigureOut">
               <a:rPr lang="en-US" dirty="0"/>
-              <a:t>1/29/2021</a:t>
+              <a:t>2/4/2021</a:t>
             </a:fld>
             <a:endParaRPr lang="en-US" dirty="0"/>
           </a:p>
@@ -10881,7 +11204,7 @@
           <a:p>
             <a:fld id="{4147335C-0450-40D7-8612-B3203BED4F28}" type="datetimeFigureOut">
               <a:rPr lang="en-US" dirty="0"/>
-              <a:t>1/29/2021</a:t>
+              <a:t>2/4/2021</a:t>
             </a:fld>
             <a:endParaRPr lang="en-US" dirty="0"/>
           </a:p>
@@ -11724,7 +12047,7 @@
           <a:p>
             <a:fld id="{D246A105-2A1C-4284-B4EA-07CF89B1A393}" type="datetimeFigureOut">
               <a:rPr lang="en-US" dirty="0"/>
-              <a:t>1/29/2021</a:t>
+              <a:t>2/4/2021</a:t>
             </a:fld>
             <a:endParaRPr lang="en-US" dirty="0"/>
           </a:p>
@@ -11895,7 +12218,7 @@
           <a:p>
             <a:fld id="{80DBE609-F3F2-45E6-BD6A-E03A8C86C1AE}" type="datetimeFigureOut">
               <a:rPr lang="en-US" dirty="0"/>
-              <a:t>1/29/2021</a:t>
+              <a:t>2/4/2021</a:t>
             </a:fld>
             <a:endParaRPr lang="en-US" dirty="0"/>
           </a:p>
@@ -12889,7 +13212,7 @@
           <a:p>
             <a:fld id="{7A24AD68-089C-4467-A8F3-EA2BBCA6B44E}" type="datetimeFigureOut">
               <a:rPr lang="en-US" dirty="0"/>
-              <a:t>1/29/2021</a:t>
+              <a:t>2/4/2021</a:t>
             </a:fld>
             <a:endParaRPr lang="en-US" dirty="0"/>
           </a:p>
@@ -13091,7 +13414,7 @@
           <a:p>
             <a:fld id="{75C51FCE-E4BB-4680-8E50-3C0E348D2609}" type="datetimeFigureOut">
               <a:rPr lang="en-US" dirty="0"/>
-              <a:t>1/29/2021</a:t>
+              <a:t>2/4/2021</a:t>
             </a:fld>
             <a:endParaRPr lang="en-US" dirty="0"/>
           </a:p>
@@ -14149,7 +14472,7 @@
           <a:p>
             <a:fld id="{8AAA073D-A903-47F8-8D16-77642FB0DF1F}" type="datetimeFigureOut">
               <a:rPr lang="en-US" dirty="0"/>
-              <a:t>1/29/2021</a:t>
+              <a:t>2/4/2021</a:t>
             </a:fld>
             <a:endParaRPr lang="en-US" dirty="0"/>
           </a:p>
@@ -14417,7 +14740,7 @@
           <a:p>
             <a:fld id="{AB91FA40-626B-4CA1-85D0-7A9016E395BA}" type="datetimeFigureOut">
               <a:rPr lang="en-US" dirty="0"/>
-              <a:t>1/29/2021</a:t>
+              <a:t>2/4/2021</a:t>
             </a:fld>
             <a:endParaRPr lang="en-US" dirty="0"/>
           </a:p>
@@ -14795,7 +15118,7 @@
           <a:p>
             <a:fld id="{C3F425EA-B9DC-48A7-991E-9A82573B1B21}" type="datetimeFigureOut">
               <a:rPr lang="en-US" dirty="0"/>
-              <a:t>1/29/2021</a:t>
+              <a:t>2/4/2021</a:t>
             </a:fld>
             <a:endParaRPr lang="en-US" dirty="0"/>
           </a:p>
@@ -14909,7 +15232,7 @@
           <a:p>
             <a:fld id="{66CB97F8-6CEB-469B-AFCC-889F2A2B1D5A}" type="datetimeFigureOut">
               <a:rPr lang="en-US" dirty="0"/>
-              <a:t>1/29/2021</a:t>
+              <a:t>2/4/2021</a:t>
             </a:fld>
             <a:endParaRPr lang="en-US" dirty="0"/>
           </a:p>
@@ -15000,7 +15323,7 @@
           <a:p>
             <a:fld id="{8FA9179F-009E-4FA5-B091-7EBB82A185BD}" type="datetimeFigureOut">
               <a:rPr lang="en-US" dirty="0"/>
-              <a:t>1/29/2021</a:t>
+              <a:t>2/4/2021</a:t>
             </a:fld>
             <a:endParaRPr lang="en-US" dirty="0"/>
           </a:p>
@@ -16105,7 +16428,7 @@
           <a:p>
             <a:fld id="{8E665CEB-0076-4E37-B880-BCEA9784DE0A}" type="datetimeFigureOut">
               <a:rPr lang="en-US" dirty="0"/>
-              <a:t>1/29/2021</a:t>
+              <a:t>2/4/2021</a:t>
             </a:fld>
             <a:endParaRPr lang="en-US" dirty="0"/>
           </a:p>
@@ -17234,7 +17557,7 @@
           <a:p>
             <a:fld id="{A6149E5E-3896-4118-99A7-7B85668F1C5E}" type="datetimeFigureOut">
               <a:rPr lang="en-US" dirty="0"/>
-              <a:t>1/29/2021</a:t>
+              <a:t>2/4/2021</a:t>
             </a:fld>
             <a:endParaRPr lang="en-US" dirty="0"/>
           </a:p>
@@ -18258,7 +18581,7 @@
           <a:p>
             <a:fld id="{7E0D914D-B099-4142-A885-11F276715148}" type="datetimeFigureOut">
               <a:rPr lang="en-US" dirty="0"/>
-              <a:t>1/29/2021</a:t>
+              <a:t>2/4/2021</a:t>
             </a:fld>
             <a:endParaRPr lang="en-US" dirty="0"/>
           </a:p>
@@ -21850,8 +22173,8 @@
         </p:nvSpPr>
         <p:spPr>
           <a:xfrm>
-            <a:off x="1154955" y="2603500"/>
-            <a:ext cx="9916699" cy="3416300"/>
+            <a:off x="1154953" y="2603500"/>
+            <a:ext cx="8761412" cy="3416300"/>
           </a:xfrm>
         </p:spPr>
         <p:txBody>
@@ -21880,11 +22203,6 @@
               <a:rPr lang="ru-RU" dirty="0"/>
               <a:t>Эффект нравственной поблажки</a:t>
             </a:r>
-            <a:r>
-              <a:rPr lang="en-US" dirty="0"/>
-              <a:t>.</a:t>
-            </a:r>
-            <a:endParaRPr lang="ru-RU" dirty="0"/>
           </a:p>
           <a:p>
             <a:r>
@@ -21895,7 +22213,7 @@
           <a:p>
             <a:r>
               <a:rPr lang="ru-RU" dirty="0"/>
-              <a:t>Важно иметь действительно работающие стратегии снятия стресса </a:t>
+              <a:t>Эффект «какого черта» </a:t>
             </a:r>
             <a:r>
               <a:rPr lang="en-US" dirty="0"/>
@@ -21917,7 +22235,7 @@
     </p:spTree>
     <p:extLst>
       <p:ext uri="{BB962C8B-B14F-4D97-AF65-F5344CB8AC3E}">
-        <p14:creationId xmlns:p14="http://schemas.microsoft.com/office/powerpoint/2010/main" val="4230369139"/>
+        <p14:creationId xmlns:p14="http://schemas.microsoft.com/office/powerpoint/2010/main" val="2657785371"/>
       </p:ext>
     </p:extLst>
   </p:cSld>
@@ -21989,7 +22307,12 @@
             <p:ph idx="1"/>
           </p:nvPr>
         </p:nvSpPr>
-        <p:spPr/>
+        <p:spPr>
+          <a:xfrm>
+            <a:off x="1154953" y="2603500"/>
+            <a:ext cx="8761412" cy="3416300"/>
+          </a:xfrm>
+        </p:spPr>
         <p:txBody>
           <a:bodyPr/>
           <a:lstStyle/>
@@ -22010,18 +22333,12 @@
               <a:rPr lang="ru-RU" dirty="0"/>
               <a:t>Границы самоконтроля.</a:t>
             </a:r>
-            <a:endParaRPr lang="en-US" dirty="0"/>
           </a:p>
           <a:p>
             <a:r>
               <a:rPr lang="ru-RU" dirty="0"/>
               <a:t>Эффект нравственной поблажки</a:t>
             </a:r>
-            <a:r>
-              <a:rPr lang="en-US" dirty="0"/>
-              <a:t>.</a:t>
-            </a:r>
-            <a:endParaRPr lang="ru-RU" dirty="0"/>
           </a:p>
           <a:p>
             <a:r>
@@ -22032,18 +22349,24 @@
           <a:p>
             <a:r>
               <a:rPr lang="ru-RU" dirty="0"/>
-              <a:t>Важно иметь действительно работающие стратегии снятия стресса.</a:t>
+              <a:t>Эффект «какого черта».</a:t>
             </a:r>
           </a:p>
           <a:p>
             <a:r>
               <a:rPr lang="ru-RU" dirty="0"/>
-              <a:t>Не подавляйте нежелательные мысли</a:t>
+              <a:t>Сжигайте мосты </a:t>
             </a:r>
             <a:r>
               <a:rPr lang="en-US" dirty="0"/>
-              <a:t> &lt;&lt;&lt;</a:t>
-            </a:r>
+              <a:t>&lt;&lt;&lt;</a:t>
+            </a:r>
+            <a:endParaRPr lang="ru-RU" dirty="0"/>
+          </a:p>
+          <a:p>
+            <a:endParaRPr lang="ru-RU" dirty="0"/>
+          </a:p>
+          <a:p>
             <a:endParaRPr lang="ru-RU" dirty="0"/>
           </a:p>
           <a:p>
@@ -22054,7 +22377,7 @@
     </p:spTree>
     <p:extLst>
       <p:ext uri="{BB962C8B-B14F-4D97-AF65-F5344CB8AC3E}">
-        <p14:creationId xmlns:p14="http://schemas.microsoft.com/office/powerpoint/2010/main" val="1241391858"/>
+        <p14:creationId xmlns:p14="http://schemas.microsoft.com/office/powerpoint/2010/main" val="2235932497"/>
       </p:ext>
     </p:extLst>
   </p:cSld>
@@ -22126,11 +22449,14 @@
             <p:ph idx="1"/>
           </p:nvPr>
         </p:nvSpPr>
-        <p:spPr/>
-        <p:txBody>
-          <a:bodyPr>
-            <a:normAutofit/>
-          </a:bodyPr>
+        <p:spPr>
+          <a:xfrm>
+            <a:off x="1154953" y="2603500"/>
+            <a:ext cx="8761412" cy="3416300"/>
+          </a:xfrm>
+        </p:spPr>
+        <p:txBody>
+          <a:bodyPr/>
           <a:lstStyle/>
           <a:p>
             <a:r>
@@ -22149,18 +22475,12 @@
               <a:rPr lang="ru-RU" dirty="0"/>
               <a:t>Границы самоконтроля.</a:t>
             </a:r>
-            <a:endParaRPr lang="en-US" dirty="0"/>
           </a:p>
           <a:p>
             <a:r>
               <a:rPr lang="ru-RU" dirty="0"/>
               <a:t>Эффект нравственной поблажки</a:t>
             </a:r>
-            <a:r>
-              <a:rPr lang="en-US" dirty="0"/>
-              <a:t>.</a:t>
-            </a:r>
-            <a:endParaRPr lang="ru-RU" dirty="0"/>
           </a:p>
           <a:p>
             <a:r>
@@ -22171,24 +22491,30 @@
           <a:p>
             <a:r>
               <a:rPr lang="ru-RU" dirty="0"/>
-              <a:t>Важно иметь действительно работающие стратегии снятия стресса.</a:t>
+              <a:t>Эффект «какого черта».</a:t>
             </a:r>
           </a:p>
           <a:p>
             <a:r>
               <a:rPr lang="ru-RU" dirty="0"/>
-              <a:t>Не подавляйте нежелательные мысли.</a:t>
+              <a:t>Сжигайте мосты.</a:t>
             </a:r>
           </a:p>
           <a:p>
             <a:r>
               <a:rPr lang="ru-RU" dirty="0"/>
-              <a:t>Сжигайте мосты</a:t>
+              <a:t>Зеркальные нейроны </a:t>
             </a:r>
             <a:r>
               <a:rPr lang="en-US" dirty="0"/>
-              <a:t> &lt;&lt;&lt;</a:t>
-            </a:r>
+              <a:t>&lt;&lt;&lt;</a:t>
+            </a:r>
+            <a:endParaRPr lang="ru-RU" dirty="0"/>
+          </a:p>
+          <a:p>
+            <a:endParaRPr lang="ru-RU" dirty="0"/>
+          </a:p>
+          <a:p>
             <a:endParaRPr lang="ru-RU" dirty="0"/>
           </a:p>
           <a:p>
@@ -22202,7 +22528,7 @@
     </p:spTree>
     <p:extLst>
       <p:ext uri="{BB962C8B-B14F-4D97-AF65-F5344CB8AC3E}">
-        <p14:creationId xmlns:p14="http://schemas.microsoft.com/office/powerpoint/2010/main" val="3525656501"/>
+        <p14:creationId xmlns:p14="http://schemas.microsoft.com/office/powerpoint/2010/main" val="645881649"/>
       </p:ext>
     </p:extLst>
   </p:cSld>
@@ -22252,7 +22578,7 @@
           <a:p>
             <a:r>
               <a:rPr lang="ru-RU" dirty="0"/>
-              <a:t>Резюме книги Келли Макгонигал</a:t>
+              <a:t>Келли Макгонигал</a:t>
             </a:r>
             <a:endParaRPr lang="en-US" dirty="0"/>
           </a:p>
@@ -22274,19 +22600,100 @@
             <p:ph idx="1"/>
           </p:nvPr>
         </p:nvSpPr>
-        <p:spPr/>
+        <p:spPr>
+          <a:xfrm>
+            <a:off x="1154953" y="2603499"/>
+            <a:ext cx="8761412" cy="4135967"/>
+          </a:xfrm>
+        </p:spPr>
         <p:txBody>
           <a:bodyPr/>
           <a:lstStyle/>
           <a:p>
+            <a:r>
+              <a:rPr lang="ru-RU" dirty="0"/>
+              <a:t>Сила воли это мышца.</a:t>
+            </a:r>
+          </a:p>
+          <a:p>
+            <a:r>
+              <a:rPr lang="ru-RU" dirty="0"/>
+              <a:t>Восполняйте резерв силы воли.</a:t>
+            </a:r>
+          </a:p>
+          <a:p>
+            <a:r>
+              <a:rPr lang="ru-RU" dirty="0"/>
+              <a:t>Границы самоконтроля.</a:t>
+            </a:r>
+          </a:p>
+          <a:p>
+            <a:r>
+              <a:rPr lang="ru-RU" dirty="0"/>
+              <a:t>Эффект нравственной поблажки</a:t>
+            </a:r>
+          </a:p>
+          <a:p>
+            <a:r>
+              <a:rPr lang="ru-RU" dirty="0"/>
+              <a:t>Система подкрепления.</a:t>
+            </a:r>
+          </a:p>
+          <a:p>
+            <a:r>
+              <a:rPr lang="ru-RU" dirty="0"/>
+              <a:t>Эффект «</a:t>
+            </a:r>
+            <a:r>
+              <a:rPr lang="ru-RU" i="1" dirty="0"/>
+              <a:t>какого черта</a:t>
+            </a:r>
+            <a:r>
+              <a:rPr lang="ru-RU" dirty="0"/>
+              <a:t>».</a:t>
+            </a:r>
+          </a:p>
+          <a:p>
+            <a:r>
+              <a:rPr lang="ru-RU" dirty="0"/>
+              <a:t>Сжигайте мосты.</a:t>
+            </a:r>
+          </a:p>
+          <a:p>
+            <a:r>
+              <a:rPr lang="ru-RU" dirty="0"/>
+              <a:t>Зеркальные нейроны.</a:t>
+            </a:r>
+          </a:p>
+          <a:p>
+            <a:r>
+              <a:rPr lang="ru-RU" dirty="0"/>
+              <a:t>Иронический бумеранг </a:t>
+            </a:r>
+            <a:r>
+              <a:rPr lang="en-US" dirty="0"/>
+              <a:t>&lt;&lt;&lt;</a:t>
+            </a:r>
             <a:endParaRPr lang="ru-RU" dirty="0"/>
+          </a:p>
+          <a:p>
+            <a:endParaRPr lang="ru-RU" dirty="0"/>
+          </a:p>
+          <a:p>
+            <a:endParaRPr lang="ru-RU" dirty="0"/>
+          </a:p>
+          <a:p>
+            <a:endParaRPr lang="ru-RU" dirty="0"/>
+          </a:p>
+          <a:p>
+            <a:endParaRPr lang="en-US" dirty="0"/>
           </a:p>
         </p:txBody>
       </p:sp>
     </p:spTree>
     <p:extLst>
       <p:ext uri="{BB962C8B-B14F-4D97-AF65-F5344CB8AC3E}">
-        <p14:creationId xmlns:p14="http://schemas.microsoft.com/office/powerpoint/2010/main" val="1639902987"/>
+        <p14:creationId xmlns:p14="http://schemas.microsoft.com/office/powerpoint/2010/main" val="1670453226"/>
       </p:ext>
     </p:extLst>
   </p:cSld>
@@ -22336,7 +22743,7 @@
           <a:p>
             <a:r>
               <a:rPr lang="ru-RU" dirty="0"/>
-              <a:t>Бенжамин Харди</a:t>
+              <a:t>Резюме книги Келли Макгонигал</a:t>
             </a:r>
             <a:endParaRPr lang="en-US" dirty="0"/>
           </a:p>
@@ -22358,33 +22765,19 @@
             <p:ph idx="1"/>
           </p:nvPr>
         </p:nvSpPr>
-        <p:spPr>
-          <a:xfrm>
-            <a:off x="1154954" y="3816990"/>
-            <a:ext cx="9549397" cy="2202809"/>
-          </a:xfrm>
-        </p:spPr>
-        <p:txBody>
-          <a:bodyPr>
-            <a:normAutofit/>
-          </a:bodyPr>
+        <p:spPr/>
+        <p:txBody>
+          <a:bodyPr/>
           <a:lstStyle/>
           <a:p>
-            <a:pPr marL="0" indent="0" algn="ctr">
-              <a:buNone/>
-            </a:pPr>
-            <a:r>
-              <a:rPr lang="ru-RU" sz="2000" b="1" dirty="0"/>
-              <a:t>Сила воли не работает. Пусть твое окружение работает вместо нее.</a:t>
-            </a:r>
-            <a:endParaRPr lang="en-US" sz="2000" b="1" dirty="0"/>
+            <a:endParaRPr lang="ru-RU" dirty="0"/>
           </a:p>
         </p:txBody>
       </p:sp>
     </p:spTree>
     <p:extLst>
       <p:ext uri="{BB962C8B-B14F-4D97-AF65-F5344CB8AC3E}">
-        <p14:creationId xmlns:p14="http://schemas.microsoft.com/office/powerpoint/2010/main" val="3215833638"/>
+        <p14:creationId xmlns:p14="http://schemas.microsoft.com/office/powerpoint/2010/main" val="1639902987"/>
       </p:ext>
     </p:extLst>
   </p:cSld>
@@ -22456,25 +22849,33 @@
             <p:ph idx="1"/>
           </p:nvPr>
         </p:nvSpPr>
-        <p:spPr/>
-        <p:txBody>
-          <a:bodyPr/>
+        <p:spPr>
+          <a:xfrm>
+            <a:off x="1154954" y="3816990"/>
+            <a:ext cx="9549397" cy="2202809"/>
+          </a:xfrm>
+        </p:spPr>
+        <p:txBody>
+          <a:bodyPr>
+            <a:normAutofit/>
+          </a:bodyPr>
           <a:lstStyle/>
           <a:p>
-            <a:r>
-              <a:rPr lang="ru-RU" dirty="0"/>
-              <a:t>Человек – порождение ситуации.</a:t>
-            </a:r>
-          </a:p>
-          <a:p>
-            <a:endParaRPr lang="ru-RU" dirty="0"/>
+            <a:pPr marL="0" indent="0" algn="ctr">
+              <a:buNone/>
+            </a:pPr>
+            <a:r>
+              <a:rPr lang="ru-RU" sz="2000" b="1" dirty="0"/>
+              <a:t>Сила воли не работает. Пусть твое окружение работает вместо нее.</a:t>
+            </a:r>
+            <a:endParaRPr lang="en-US" sz="2000" b="1" dirty="0"/>
           </a:p>
         </p:txBody>
       </p:sp>
     </p:spTree>
     <p:extLst>
       <p:ext uri="{BB962C8B-B14F-4D97-AF65-F5344CB8AC3E}">
-        <p14:creationId xmlns:p14="http://schemas.microsoft.com/office/powerpoint/2010/main" val="1059165568"/>
+        <p14:creationId xmlns:p14="http://schemas.microsoft.com/office/powerpoint/2010/main" val="3215833638"/>
       </p:ext>
     </p:extLst>
   </p:cSld>
@@ -22671,21 +23072,12 @@
           <a:p>
             <a:endParaRPr lang="ru-RU" dirty="0"/>
           </a:p>
-          <a:p>
-            <a:r>
-              <a:rPr lang="ru-RU" dirty="0"/>
-              <a:t>Ваша среда формирует вас.</a:t>
-            </a:r>
-          </a:p>
-          <a:p>
-            <a:endParaRPr lang="ru-RU" dirty="0"/>
-          </a:p>
         </p:txBody>
       </p:sp>
     </p:spTree>
     <p:extLst>
       <p:ext uri="{BB962C8B-B14F-4D97-AF65-F5344CB8AC3E}">
-        <p14:creationId xmlns:p14="http://schemas.microsoft.com/office/powerpoint/2010/main" val="2398533860"/>
+        <p14:creationId xmlns:p14="http://schemas.microsoft.com/office/powerpoint/2010/main" val="1059165568"/>
       </p:ext>
     </p:extLst>
   </p:cSld>
@@ -22735,7 +23127,7 @@
           <a:p>
             <a:r>
               <a:rPr lang="ru-RU" dirty="0"/>
-              <a:t>Резюме по книге Бенжамин Харди</a:t>
+              <a:t>Бенжамин Харди</a:t>
             </a:r>
             <a:endParaRPr lang="en-US" dirty="0"/>
           </a:p>
@@ -22762,6 +23154,18 @@
           <a:bodyPr/>
           <a:lstStyle/>
           <a:p>
+            <a:r>
+              <a:rPr lang="ru-RU" dirty="0"/>
+              <a:t>Человек – порождение ситуации.</a:t>
+            </a:r>
+          </a:p>
+          <a:p>
+            <a:r>
+              <a:rPr lang="ru-RU" dirty="0"/>
+              <a:t>Ваша среда формирует вас.</a:t>
+            </a:r>
+          </a:p>
+          <a:p>
             <a:endParaRPr lang="ru-RU" dirty="0"/>
           </a:p>
         </p:txBody>
@@ -22769,7 +23173,7 @@
     </p:spTree>
     <p:extLst>
       <p:ext uri="{BB962C8B-B14F-4D97-AF65-F5344CB8AC3E}">
-        <p14:creationId xmlns:p14="http://schemas.microsoft.com/office/powerpoint/2010/main" val="1409395795"/>
+        <p14:creationId xmlns:p14="http://schemas.microsoft.com/office/powerpoint/2010/main" val="2398533860"/>
       </p:ext>
     </p:extLst>
   </p:cSld>
@@ -22819,7 +23223,7 @@
           <a:p>
             <a:r>
               <a:rPr lang="ru-RU" dirty="0"/>
-              <a:t>Так есть ли Сила Воли?</a:t>
+              <a:t>Резюме по книге Бенжамин Харди</a:t>
             </a:r>
             <a:endParaRPr lang="en-US" dirty="0"/>
           </a:p>
@@ -22853,7 +23257,7 @@
     </p:spTree>
     <p:extLst>
       <p:ext uri="{BB962C8B-B14F-4D97-AF65-F5344CB8AC3E}">
-        <p14:creationId xmlns:p14="http://schemas.microsoft.com/office/powerpoint/2010/main" val="2164139279"/>
+        <p14:creationId xmlns:p14="http://schemas.microsoft.com/office/powerpoint/2010/main" val="1409395795"/>
       </p:ext>
     </p:extLst>
   </p:cSld>
@@ -22930,25 +23334,14 @@
           <a:bodyPr/>
           <a:lstStyle/>
           <a:p>
-            <a:r>
-              <a:rPr lang="ru-RU" dirty="0"/>
-              <a:t>Если мы под силой воли подразумеваем способность управлять самим собой (самоконтроль/дисциплина) и ходом своей жизни таким образом, что бы добиваться всех намеченных целей и реализовывать практически любые свои желания. – Ответ: </a:t>
-            </a:r>
-            <a:r>
-              <a:rPr lang="ru-RU" sz="2000" b="1" dirty="0"/>
-              <a:t>Да</a:t>
-            </a:r>
-            <a:r>
-              <a:rPr lang="ru-RU" dirty="0"/>
-              <a:t>. </a:t>
-            </a:r>
+            <a:endParaRPr lang="ru-RU" dirty="0"/>
           </a:p>
         </p:txBody>
       </p:sp>
     </p:spTree>
     <p:extLst>
       <p:ext uri="{BB962C8B-B14F-4D97-AF65-F5344CB8AC3E}">
-        <p14:creationId xmlns:p14="http://schemas.microsoft.com/office/powerpoint/2010/main" val="1046140786"/>
+        <p14:creationId xmlns:p14="http://schemas.microsoft.com/office/powerpoint/2010/main" val="2164139279"/>
       </p:ext>
     </p:extLst>
   </p:cSld>
@@ -23038,29 +23431,12 @@
               <a:t>. </a:t>
             </a:r>
           </a:p>
-          <a:p>
-            <a:endParaRPr lang="ru-RU" dirty="0"/>
-          </a:p>
-          <a:p>
-            <a:r>
-              <a:rPr lang="ru-RU" dirty="0"/>
-              <a:t>Среда и контекст нашей жизни – это просто неотъемлимая часть работы над собой. Поэтому книга </a:t>
-            </a:r>
-            <a:r>
-              <a:rPr lang="ru-RU" b="1" dirty="0"/>
-              <a:t>Бенжамина Харди </a:t>
-            </a:r>
-            <a:r>
-              <a:rPr lang="ru-RU" dirty="0"/>
-              <a:t>делает лишь акцент на важности окружающей нас среды, но не опровергает отсутствия Силы Воли.</a:t>
-            </a:r>
-          </a:p>
         </p:txBody>
       </p:sp>
     </p:spTree>
     <p:extLst>
       <p:ext uri="{BB962C8B-B14F-4D97-AF65-F5344CB8AC3E}">
-        <p14:creationId xmlns:p14="http://schemas.microsoft.com/office/powerpoint/2010/main" val="3424737229"/>
+        <p14:creationId xmlns:p14="http://schemas.microsoft.com/office/powerpoint/2010/main" val="1046140786"/>
       </p:ext>
     </p:extLst>
   </p:cSld>
@@ -23110,7 +23486,7 @@
           <a:p>
             <a:r>
               <a:rPr lang="ru-RU" dirty="0"/>
-              <a:t>Стресс</a:t>
+              <a:t>Так есть ли Сила Воли?</a:t>
             </a:r>
             <a:endParaRPr lang="en-US" dirty="0"/>
           </a:p>
@@ -23134,20 +23510,47 @@
         </p:nvSpPr>
         <p:spPr/>
         <p:txBody>
-          <a:bodyPr/>
+          <a:bodyPr>
+            <a:normAutofit/>
+          </a:bodyPr>
           <a:lstStyle/>
           <a:p>
+            <a:r>
+              <a:rPr lang="ru-RU" dirty="0"/>
+              <a:t>Если мы под силой воли подразумеваем способность управлять самим собой (самоконтроль/дисциплина) и ходом своей жизни таким образом, что бы добиваться всех намеченных целей и реализовывать практически любые свои желания. – Ответ: </a:t>
+            </a:r>
+            <a:r>
+              <a:rPr lang="ru-RU" sz="2000" b="1" dirty="0"/>
+              <a:t>Да</a:t>
+            </a:r>
+            <a:r>
+              <a:rPr lang="ru-RU" dirty="0"/>
+              <a:t>. </a:t>
+            </a:r>
+          </a:p>
+          <a:p>
             <a:endParaRPr lang="ru-RU" dirty="0"/>
           </a:p>
           <a:p>
-            <a:endParaRPr lang="ru-RU" dirty="0"/>
+            <a:r>
+              <a:rPr lang="ru-RU" dirty="0"/>
+              <a:t>Поможет ли нам Сила Воли? – ответ: </a:t>
+            </a:r>
+            <a:r>
+              <a:rPr lang="ru-RU" sz="2000" b="1" dirty="0"/>
+              <a:t>Нет</a:t>
+            </a:r>
+            <a:r>
+              <a:rPr lang="ru-RU" b="1" dirty="0"/>
+              <a:t>.</a:t>
+            </a:r>
           </a:p>
         </p:txBody>
       </p:sp>
     </p:spTree>
     <p:extLst>
       <p:ext uri="{BB962C8B-B14F-4D97-AF65-F5344CB8AC3E}">
-        <p14:creationId xmlns:p14="http://schemas.microsoft.com/office/powerpoint/2010/main" val="4115831342"/>
+        <p14:creationId xmlns:p14="http://schemas.microsoft.com/office/powerpoint/2010/main" val="3424737229"/>
       </p:ext>
     </p:extLst>
   </p:cSld>
@@ -23197,7 +23600,7 @@
           <a:p>
             <a:r>
               <a:rPr lang="ru-RU" dirty="0"/>
-              <a:t>Стресс. Вреден ли Стресс?</a:t>
+              <a:t>И что мне делать?</a:t>
             </a:r>
             <a:endParaRPr lang="en-US" dirty="0"/>
           </a:p>
@@ -23219,13 +23622,15 @@
             <p:ph idx="1"/>
           </p:nvPr>
         </p:nvSpPr>
-        <p:spPr/>
+        <p:spPr>
+          <a:xfrm>
+            <a:off x="1154955" y="2603500"/>
+            <a:ext cx="10077904" cy="3416300"/>
+          </a:xfrm>
+        </p:spPr>
         <p:txBody>
           <a:bodyPr/>
           <a:lstStyle/>
-          <a:p>
-            <a:endParaRPr lang="ru-RU" dirty="0"/>
-          </a:p>
           <a:p>
             <a:endParaRPr lang="ru-RU" dirty="0"/>
           </a:p>
@@ -23234,7 +23639,7 @@
     </p:spTree>
     <p:extLst>
       <p:ext uri="{BB962C8B-B14F-4D97-AF65-F5344CB8AC3E}">
-        <p14:creationId xmlns:p14="http://schemas.microsoft.com/office/powerpoint/2010/main" val="2680776898"/>
+        <p14:creationId xmlns:p14="http://schemas.microsoft.com/office/powerpoint/2010/main" val="104215905"/>
       </p:ext>
     </p:extLst>
   </p:cSld>
@@ -23284,7 +23689,7 @@
           <a:p>
             <a:r>
               <a:rPr lang="ru-RU" dirty="0"/>
-              <a:t>Стресс. Полезен ли Стресс?</a:t>
+              <a:t>И что мне делать?</a:t>
             </a:r>
             <a:endParaRPr lang="en-US" dirty="0"/>
           </a:p>
@@ -23306,12 +23711,20 @@
             <p:ph idx="1"/>
           </p:nvPr>
         </p:nvSpPr>
-        <p:spPr/>
+        <p:spPr>
+          <a:xfrm>
+            <a:off x="1154955" y="2603500"/>
+            <a:ext cx="10077904" cy="3416300"/>
+          </a:xfrm>
+        </p:spPr>
         <p:txBody>
           <a:bodyPr/>
           <a:lstStyle/>
           <a:p>
-            <a:endParaRPr lang="ru-RU" dirty="0"/>
+            <a:r>
+              <a:rPr lang="ru-RU" dirty="0"/>
+              <a:t>Прислушивайся к себе. Чего ты хочешь? Какую проблему ты пытаешься решить?</a:t>
+            </a:r>
           </a:p>
           <a:p>
             <a:endParaRPr lang="ru-RU" dirty="0"/>
@@ -23321,7 +23734,7 @@
     </p:spTree>
     <p:extLst>
       <p:ext uri="{BB962C8B-B14F-4D97-AF65-F5344CB8AC3E}">
-        <p14:creationId xmlns:p14="http://schemas.microsoft.com/office/powerpoint/2010/main" val="828119962"/>
+        <p14:creationId xmlns:p14="http://schemas.microsoft.com/office/powerpoint/2010/main" val="4079798762"/>
       </p:ext>
     </p:extLst>
   </p:cSld>
@@ -23371,7 +23784,7 @@
           <a:p>
             <a:r>
               <a:rPr lang="ru-RU" dirty="0"/>
-              <a:t>Стресс</a:t>
+              <a:t>И что мне делать?</a:t>
             </a:r>
             <a:endParaRPr lang="en-US" dirty="0"/>
           </a:p>
@@ -23393,12 +23806,29 @@
             <p:ph idx="1"/>
           </p:nvPr>
         </p:nvSpPr>
-        <p:spPr/>
+        <p:spPr>
+          <a:xfrm>
+            <a:off x="1154954" y="2603500"/>
+            <a:ext cx="10279239" cy="3416300"/>
+          </a:xfrm>
+        </p:spPr>
         <p:txBody>
           <a:bodyPr/>
           <a:lstStyle/>
           <a:p>
+            <a:r>
+              <a:rPr lang="ru-RU" dirty="0"/>
+              <a:t>Прислушивайся к себе. Чего ты хочешь? Какую проблему ты пытаешься решить?</a:t>
+            </a:r>
+          </a:p>
+          <a:p>
             <a:endParaRPr lang="ru-RU" dirty="0"/>
+          </a:p>
+          <a:p>
+            <a:r>
+              <a:rPr lang="ru-RU" dirty="0"/>
+              <a:t>Задавай вопросы сам себе. И пытайся найти ответы.</a:t>
+            </a:r>
           </a:p>
           <a:p>
             <a:endParaRPr lang="ru-RU" dirty="0"/>
@@ -23408,7 +23838,7 @@
     </p:spTree>
     <p:extLst>
       <p:ext uri="{BB962C8B-B14F-4D97-AF65-F5344CB8AC3E}">
-        <p14:creationId xmlns:p14="http://schemas.microsoft.com/office/powerpoint/2010/main" val="376022810"/>
+        <p14:creationId xmlns:p14="http://schemas.microsoft.com/office/powerpoint/2010/main" val="4171558127"/>
       </p:ext>
     </p:extLst>
   </p:cSld>
@@ -23458,7 +23888,7 @@
           <a:p>
             <a:r>
               <a:rPr lang="ru-RU" dirty="0"/>
-              <a:t>Резюме по Стрессу</a:t>
+              <a:t>И что мне делать?</a:t>
             </a:r>
             <a:endParaRPr lang="en-US" dirty="0"/>
           </a:p>
@@ -23480,12 +23910,38 @@
             <p:ph idx="1"/>
           </p:nvPr>
         </p:nvSpPr>
-        <p:spPr/>
+        <p:spPr>
+          <a:xfrm>
+            <a:off x="1154954" y="2603500"/>
+            <a:ext cx="10430241" cy="3416300"/>
+          </a:xfrm>
+        </p:spPr>
         <p:txBody>
           <a:bodyPr/>
           <a:lstStyle/>
           <a:p>
+            <a:r>
+              <a:rPr lang="ru-RU" dirty="0"/>
+              <a:t>Прислушивайся к себе. Чего ты хочешь? Какую проблему ты пытаешься решить?</a:t>
+            </a:r>
+          </a:p>
+          <a:p>
             <a:endParaRPr lang="ru-RU" dirty="0"/>
+          </a:p>
+          <a:p>
+            <a:r>
+              <a:rPr lang="ru-RU" dirty="0"/>
+              <a:t>Задавай вопросы сам себе. И пытайся найти ответы.</a:t>
+            </a:r>
+          </a:p>
+          <a:p>
+            <a:endParaRPr lang="ru-RU" dirty="0"/>
+          </a:p>
+          <a:p>
+            <a:r>
+              <a:rPr lang="ru-RU" dirty="0"/>
+              <a:t>Найди баланс.</a:t>
+            </a:r>
           </a:p>
           <a:p>
             <a:endParaRPr lang="ru-RU" dirty="0"/>
@@ -23495,7 +23951,7 @@
     </p:spTree>
     <p:extLst>
       <p:ext uri="{BB962C8B-B14F-4D97-AF65-F5344CB8AC3E}">
-        <p14:creationId xmlns:p14="http://schemas.microsoft.com/office/powerpoint/2010/main" val="36035379"/>
+        <p14:creationId xmlns:p14="http://schemas.microsoft.com/office/powerpoint/2010/main" val="1501391458"/>
       </p:ext>
     </p:extLst>
   </p:cSld>
@@ -23690,28 +24146,67 @@
         </p:nvSpPr>
         <p:spPr>
           <a:xfrm>
-            <a:off x="1154955" y="3674378"/>
-            <a:ext cx="8761412" cy="2345422"/>
+            <a:off x="1154954" y="2603500"/>
+            <a:ext cx="10312795" cy="3416300"/>
           </a:xfrm>
         </p:spPr>
         <p:txBody>
           <a:bodyPr/>
           <a:lstStyle/>
           <a:p>
-            <a:pPr marL="0" indent="0" algn="ctr">
-              <a:buNone/>
-            </a:pPr>
-            <a:r>
-              <a:rPr lang="ru-RU" b="1" dirty="0"/>
-              <a:t>Конец второй части.</a:t>
-            </a:r>
+            <a:r>
+              <a:rPr lang="ru-RU" dirty="0"/>
+              <a:t>Прислушивайся к себе. Чего ты хочешь? Какую проблему ты пытаешься решить?</a:t>
+            </a:r>
+          </a:p>
+          <a:p>
+            <a:endParaRPr lang="ru-RU" dirty="0"/>
+          </a:p>
+          <a:p>
+            <a:r>
+              <a:rPr lang="ru-RU" dirty="0"/>
+              <a:t>Задавай вопросы сам себе. И пытайся найти ответы.</a:t>
+            </a:r>
+          </a:p>
+          <a:p>
+            <a:endParaRPr lang="ru-RU" dirty="0"/>
+          </a:p>
+          <a:p>
+            <a:r>
+              <a:rPr lang="ru-RU" dirty="0"/>
+              <a:t>Найди баланс.</a:t>
+            </a:r>
+          </a:p>
+          <a:p>
+            <a:endParaRPr lang="ru-RU" dirty="0"/>
+          </a:p>
+          <a:p>
+            <a:r>
+              <a:rPr lang="ru-RU" dirty="0"/>
+              <a:t>Найди ту конфигурацию которая будет работать именно для тебя. Пойми что нету той </a:t>
+            </a:r>
+            <a:r>
+              <a:rPr lang="en-US" i="1" dirty="0"/>
+              <a:t>silver bullet</a:t>
+            </a:r>
+            <a:r>
+              <a:rPr lang="en-US" dirty="0"/>
+              <a:t> </a:t>
+            </a:r>
+            <a:r>
+              <a:rPr lang="ru-RU" dirty="0"/>
+              <a:t>которую все пытаются найти.</a:t>
+            </a:r>
+          </a:p>
+          <a:p>
+            <a:endParaRPr lang="ru-RU" dirty="0"/>
           </a:p>
         </p:txBody>
       </p:sp>
     </p:spTree>
     <p:extLst>
       <p:ext uri="{BB962C8B-B14F-4D97-AF65-F5344CB8AC3E}">
-        <p14:creationId xmlns:p14="http://schemas.microsoft.com/office/powerpoint/2010/main" val="653422641"/>
+        <p14:creationId xmlns:p14="http://schemas.microsoft.com/office/powerpoint/2010/main" val="2916773178"/>
       </p:ext>
     </p:extLst>
   </p:cSld>
@@ -23754,14 +24249,27 @@
             <p:ph type="title"/>
           </p:nvPr>
         </p:nvSpPr>
-        <p:spPr/>
+        <p:spPr>
+          <a:xfrm>
+            <a:off x="1154953" y="973668"/>
+            <a:ext cx="9457120" cy="706964"/>
+          </a:xfrm>
+        </p:spPr>
         <p:txBody>
           <a:bodyPr/>
           <a:lstStyle/>
           <a:p>
             <a:r>
               <a:rPr lang="ru-RU" dirty="0"/>
-              <a:t>И что мне делать?</a:t>
+              <a:t>А</a:t>
+            </a:r>
+            <a:r>
+              <a:rPr lang="en-US" dirty="0"/>
+              <a:t> </a:t>
+            </a:r>
+            <a:r>
+              <a:rPr lang="ru-RU" dirty="0"/>
+              <a:t>зачем нам всё это?</a:t>
             </a:r>
             <a:endParaRPr lang="en-US" dirty="0"/>
           </a:p>
@@ -23788,14 +24296,17 @@
           <a:bodyPr/>
           <a:lstStyle/>
           <a:p>
-            <a:endParaRPr lang="ru-RU" dirty="0"/>
+            <a:r>
+              <a:rPr lang="ru-RU" dirty="0"/>
+              <a:t>Какую проблему мы вообще пытаемся решить?</a:t>
+            </a:r>
           </a:p>
         </p:txBody>
       </p:sp>
     </p:spTree>
     <p:extLst>
       <p:ext uri="{BB962C8B-B14F-4D97-AF65-F5344CB8AC3E}">
-        <p14:creationId xmlns:p14="http://schemas.microsoft.com/office/powerpoint/2010/main" val="3971313699"/>
+        <p14:creationId xmlns:p14="http://schemas.microsoft.com/office/powerpoint/2010/main" val="337745344"/>
       </p:ext>
     </p:extLst>
   </p:cSld>
@@ -23838,14 +24349,19 @@
             <p:ph type="title"/>
           </p:nvPr>
         </p:nvSpPr>
-        <p:spPr/>
+        <p:spPr>
+          <a:xfrm>
+            <a:off x="1154953" y="973668"/>
+            <a:ext cx="9457120" cy="706964"/>
+          </a:xfrm>
+        </p:spPr>
         <p:txBody>
           <a:bodyPr/>
           <a:lstStyle/>
           <a:p>
             <a:r>
               <a:rPr lang="ru-RU" dirty="0"/>
-              <a:t>И что мне делать?</a:t>
+              <a:t>Цель</a:t>
             </a:r>
             <a:endParaRPr lang="en-US" dirty="0"/>
           </a:p>
@@ -23867,19 +24383,20 @@
             <p:ph idx="1"/>
           </p:nvPr>
         </p:nvSpPr>
-        <p:spPr>
-          <a:xfrm>
-            <a:off x="1154955" y="2603500"/>
-            <a:ext cx="10077904" cy="3416300"/>
-          </a:xfrm>
-        </p:spPr>
+        <p:spPr/>
         <p:txBody>
           <a:bodyPr/>
           <a:lstStyle/>
           <a:p>
             <a:r>
               <a:rPr lang="ru-RU" dirty="0"/>
-              <a:t>Прислушивайся к себе. Чего ты хочешь? Какую проблему ты пытаешься решить?</a:t>
+              <a:t>Нету важного.</a:t>
+            </a:r>
+          </a:p>
+          <a:p>
+            <a:r>
+              <a:rPr lang="ru-RU" dirty="0"/>
+              <a:t>Нету потребного будущего.</a:t>
             </a:r>
           </a:p>
           <a:p>
@@ -23890,7 +24407,7 @@
     </p:spTree>
     <p:extLst>
       <p:ext uri="{BB962C8B-B14F-4D97-AF65-F5344CB8AC3E}">
-        <p14:creationId xmlns:p14="http://schemas.microsoft.com/office/powerpoint/2010/main" val="104215905"/>
+        <p14:creationId xmlns:p14="http://schemas.microsoft.com/office/powerpoint/2010/main" val="3636438701"/>
       </p:ext>
     </p:extLst>
   </p:cSld>
@@ -23940,7 +24457,7 @@
           <a:p>
             <a:r>
               <a:rPr lang="ru-RU" dirty="0"/>
-              <a:t>И что мне делать?</a:t>
+              <a:t>Советы</a:t>
             </a:r>
             <a:endParaRPr lang="en-US" dirty="0"/>
           </a:p>
@@ -23962,30 +24479,10 @@
             <p:ph idx="1"/>
           </p:nvPr>
         </p:nvSpPr>
-        <p:spPr>
-          <a:xfrm>
-            <a:off x="1154954" y="2603500"/>
-            <a:ext cx="10279239" cy="3416300"/>
-          </a:xfrm>
-        </p:spPr>
+        <p:spPr/>
         <p:txBody>
           <a:bodyPr/>
           <a:lstStyle/>
-          <a:p>
-            <a:r>
-              <a:rPr lang="ru-RU" dirty="0"/>
-              <a:t>Прислушивайся к себе. Чего ты хочешь? Какую проблему ты пытаешься решить?</a:t>
-            </a:r>
-          </a:p>
-          <a:p>
-            <a:endParaRPr lang="ru-RU" dirty="0"/>
-          </a:p>
-          <a:p>
-            <a:r>
-              <a:rPr lang="ru-RU" dirty="0"/>
-              <a:t>Задавай вопросы сам себе. И пытайся найти ответы.</a:t>
-            </a:r>
-          </a:p>
           <a:p>
             <a:endParaRPr lang="ru-RU" dirty="0"/>
           </a:p>
@@ -23994,7 +24491,7 @@
     </p:spTree>
     <p:extLst>
       <p:ext uri="{BB962C8B-B14F-4D97-AF65-F5344CB8AC3E}">
-        <p14:creationId xmlns:p14="http://schemas.microsoft.com/office/powerpoint/2010/main" val="4171558127"/>
+        <p14:creationId xmlns:p14="http://schemas.microsoft.com/office/powerpoint/2010/main" val="2746810043"/>
       </p:ext>
     </p:extLst>
   </p:cSld>
@@ -24044,7 +24541,7 @@
           <a:p>
             <a:r>
               <a:rPr lang="ru-RU" dirty="0"/>
-              <a:t>И что мне делать?</a:t>
+              <a:t>Советы</a:t>
             </a:r>
             <a:endParaRPr lang="en-US" dirty="0"/>
           </a:p>
@@ -24066,37 +24563,14 @@
             <p:ph idx="1"/>
           </p:nvPr>
         </p:nvSpPr>
-        <p:spPr>
-          <a:xfrm>
-            <a:off x="1154954" y="2603500"/>
-            <a:ext cx="10430241" cy="3416300"/>
-          </a:xfrm>
-        </p:spPr>
+        <p:spPr/>
         <p:txBody>
           <a:bodyPr/>
           <a:lstStyle/>
           <a:p>
             <a:r>
               <a:rPr lang="ru-RU" dirty="0"/>
-              <a:t>Прислушивайся к себе. Чего ты хочешь? Какую проблему ты пытаешься решить?</a:t>
-            </a:r>
-          </a:p>
-          <a:p>
-            <a:endParaRPr lang="ru-RU" dirty="0"/>
-          </a:p>
-          <a:p>
-            <a:r>
-              <a:rPr lang="ru-RU" dirty="0"/>
-              <a:t>Задавай вопросы сам себе. И пытайся найти ответы.</a:t>
-            </a:r>
-          </a:p>
-          <a:p>
-            <a:endParaRPr lang="ru-RU" dirty="0"/>
-          </a:p>
-          <a:p>
-            <a:r>
-              <a:rPr lang="ru-RU" dirty="0"/>
-              <a:t>Найди баланс.</a:t>
+              <a:t>Спите.</a:t>
             </a:r>
           </a:p>
           <a:p>
@@ -24107,7 +24581,7 @@
     </p:spTree>
     <p:extLst>
       <p:ext uri="{BB962C8B-B14F-4D97-AF65-F5344CB8AC3E}">
-        <p14:creationId xmlns:p14="http://schemas.microsoft.com/office/powerpoint/2010/main" val="1501391458"/>
+        <p14:creationId xmlns:p14="http://schemas.microsoft.com/office/powerpoint/2010/main" val="1528982406"/>
       </p:ext>
     </p:extLst>
   </p:cSld>
@@ -24157,7 +24631,7 @@
           <a:p>
             <a:r>
               <a:rPr lang="ru-RU" dirty="0"/>
-              <a:t>И что мне делать?</a:t>
+              <a:t>Советы</a:t>
             </a:r>
             <a:endParaRPr lang="en-US" dirty="0"/>
           </a:p>
@@ -24179,58 +24653,20 @@
             <p:ph idx="1"/>
           </p:nvPr>
         </p:nvSpPr>
-        <p:spPr>
-          <a:xfrm>
-            <a:off x="1154954" y="2603500"/>
-            <a:ext cx="10312795" cy="3416300"/>
-          </a:xfrm>
-        </p:spPr>
+        <p:spPr/>
         <p:txBody>
           <a:bodyPr/>
           <a:lstStyle/>
           <a:p>
             <a:r>
               <a:rPr lang="ru-RU" dirty="0"/>
-              <a:t>Прислушивайся к себе. Чего ты хочешь? Какую проблему ты пытаешься решить?</a:t>
-            </a:r>
-          </a:p>
-          <a:p>
-            <a:endParaRPr lang="ru-RU" dirty="0"/>
+              <a:t>Спите.</a:t>
+            </a:r>
           </a:p>
           <a:p>
             <a:r>
               <a:rPr lang="ru-RU" dirty="0"/>
-              <a:t>Задавай вопросы сам себе. И пытайся найти ответы.</a:t>
-            </a:r>
-          </a:p>
-          <a:p>
-            <a:endParaRPr lang="ru-RU" dirty="0"/>
-          </a:p>
-          <a:p>
-            <a:r>
-              <a:rPr lang="ru-RU" dirty="0"/>
-              <a:t>Найди баланс.</a:t>
-            </a:r>
-          </a:p>
-          <a:p>
-            <a:endParaRPr lang="ru-RU" dirty="0"/>
-          </a:p>
-          <a:p>
-            <a:r>
-              <a:rPr lang="ru-RU" dirty="0"/>
-              <a:t>Найди ту конфигурацию которая будет работать именно для тебя. Пойми что нету той </a:t>
-            </a:r>
-            <a:r>
-              <a:rPr lang="en-US" i="1" dirty="0"/>
-              <a:t>silver bullet</a:t>
-            </a:r>
-            <a:r>
-              <a:rPr lang="en-US" dirty="0"/>
-              <a:t> </a:t>
-            </a:r>
-            <a:r>
-              <a:rPr lang="ru-RU" dirty="0"/>
-              <a:t>которую все пытаются найти.</a:t>
+              <a:t>Практикуйте осознанность.</a:t>
             </a:r>
           </a:p>
           <a:p>
@@ -24241,7 +24677,7 @@
     </p:spTree>
     <p:extLst>
       <p:ext uri="{BB962C8B-B14F-4D97-AF65-F5344CB8AC3E}">
-        <p14:creationId xmlns:p14="http://schemas.microsoft.com/office/powerpoint/2010/main" val="2916773178"/>
+        <p14:creationId xmlns:p14="http://schemas.microsoft.com/office/powerpoint/2010/main" val="2212550543"/>
       </p:ext>
     </p:extLst>
   </p:cSld>
@@ -24291,7 +24727,7 @@
           <a:p>
             <a:r>
               <a:rPr lang="ru-RU" dirty="0"/>
-              <a:t>Охотники за головами</a:t>
+              <a:t>Советы</a:t>
             </a:r>
             <a:endParaRPr lang="en-US" dirty="0"/>
           </a:p>
@@ -24313,56 +24749,37 @@
             <p:ph idx="1"/>
           </p:nvPr>
         </p:nvSpPr>
-        <p:spPr>
-          <a:xfrm>
-            <a:off x="1154955" y="2603500"/>
-            <a:ext cx="8794388" cy="3416300"/>
-          </a:xfrm>
-        </p:spPr>
+        <p:spPr/>
         <p:txBody>
           <a:bodyPr/>
           <a:lstStyle/>
           <a:p>
-            <a:endParaRPr lang="ru-RU" dirty="0">
-              <a:latin typeface="Century Gothic (Body)"/>
-            </a:endParaRPr>
-          </a:p>
-          <a:p>
-            <a:r>
-              <a:rPr lang="ru-RU" sz="1800" dirty="0">
-                <a:effectLst/>
-                <a:latin typeface="Century Gothic (Body)"/>
-              </a:rPr>
-              <a:t>Жак Фреско (футуролог): </a:t>
-            </a:r>
-          </a:p>
-          <a:p>
-            <a:pPr marL="0" indent="0">
-              <a:buNone/>
-            </a:pPr>
-            <a:r>
-              <a:rPr lang="ru-RU" dirty="0">
-                <a:latin typeface="Century Gothic (Body)"/>
-              </a:rPr>
-              <a:t>«</a:t>
-            </a:r>
-            <a:r>
-              <a:rPr lang="ru-RU" sz="1800" dirty="0">
-                <a:effectLst/>
-                <a:latin typeface="Century Gothic (Body)"/>
-              </a:rPr>
-              <a:t>Если бы вы родились в племени охотников за головами, вы были бы охотниками за головами. И если бы я спросил вас: "Тебя не смещает, что в твоем доме 5 завяленных человеческих голов?", вы бы ответили: "Да, смущает ... У меня всего пять, а у моего брата - двадцать!»</a:t>
-            </a:r>
-            <a:endParaRPr lang="ru-RU" dirty="0">
-              <a:latin typeface="Century Gothic (Body)"/>
-            </a:endParaRPr>
+            <a:r>
+              <a:rPr lang="ru-RU" dirty="0"/>
+              <a:t>Спите.</a:t>
+            </a:r>
+          </a:p>
+          <a:p>
+            <a:r>
+              <a:rPr lang="ru-RU" dirty="0"/>
+              <a:t>Практикуйте осознанность.</a:t>
+            </a:r>
+          </a:p>
+          <a:p>
+            <a:r>
+              <a:rPr lang="ru-RU" dirty="0"/>
+              <a:t>Дневник и рефлексия.</a:t>
+            </a:r>
+          </a:p>
+          <a:p>
+            <a:endParaRPr lang="ru-RU" dirty="0"/>
           </a:p>
         </p:txBody>
       </p:sp>
     </p:spTree>
     <p:extLst>
       <p:ext uri="{BB962C8B-B14F-4D97-AF65-F5344CB8AC3E}">
-        <p14:creationId xmlns:p14="http://schemas.microsoft.com/office/powerpoint/2010/main" val="1432671585"/>
+        <p14:creationId xmlns:p14="http://schemas.microsoft.com/office/powerpoint/2010/main" val="1994819522"/>
       </p:ext>
     </p:extLst>
   </p:cSld>
@@ -24412,7 +24829,7 @@
           <a:p>
             <a:r>
               <a:rPr lang="ru-RU" dirty="0"/>
-              <a:t>Эксперименты</a:t>
+              <a:t>Советы</a:t>
             </a:r>
             <a:endParaRPr lang="en-US" dirty="0"/>
           </a:p>
@@ -24439,6 +24856,30 @@
           <a:bodyPr/>
           <a:lstStyle/>
           <a:p>
+            <a:r>
+              <a:rPr lang="ru-RU" dirty="0"/>
+              <a:t>Спите.</a:t>
+            </a:r>
+          </a:p>
+          <a:p>
+            <a:r>
+              <a:rPr lang="ru-RU" dirty="0"/>
+              <a:t>Практикуйте осознанность.</a:t>
+            </a:r>
+          </a:p>
+          <a:p>
+            <a:r>
+              <a:rPr lang="ru-RU" dirty="0"/>
+              <a:t>Дневник и рефлексия.</a:t>
+            </a:r>
+          </a:p>
+          <a:p>
+            <a:r>
+              <a:rPr lang="ru-RU" dirty="0"/>
+              <a:t>Занимайтесь медитацией.</a:t>
+            </a:r>
+          </a:p>
+          <a:p>
             <a:endParaRPr lang="ru-RU" dirty="0"/>
           </a:p>
         </p:txBody>
@@ -24446,7 +24887,7 @@
     </p:spTree>
     <p:extLst>
       <p:ext uri="{BB962C8B-B14F-4D97-AF65-F5344CB8AC3E}">
-        <p14:creationId xmlns:p14="http://schemas.microsoft.com/office/powerpoint/2010/main" val="1594657398"/>
+        <p14:creationId xmlns:p14="http://schemas.microsoft.com/office/powerpoint/2010/main" val="4166029998"/>
       </p:ext>
     </p:extLst>
   </p:cSld>
@@ -24496,7 +24937,7 @@
           <a:p>
             <a:r>
               <a:rPr lang="ru-RU" dirty="0"/>
-              <a:t>Эксперименты</a:t>
+              <a:t>Советы</a:t>
             </a:r>
             <a:endParaRPr lang="en-US" dirty="0"/>
           </a:p>
@@ -24523,20 +24964,44 @@
           <a:bodyPr/>
           <a:lstStyle/>
           <a:p>
+            <a:r>
+              <a:rPr lang="ru-RU" dirty="0"/>
+              <a:t>Спите.</a:t>
+            </a:r>
+          </a:p>
+          <a:p>
+            <a:r>
+              <a:rPr lang="ru-RU" dirty="0"/>
+              <a:t>Практикуйте осознанность.</a:t>
+            </a:r>
+          </a:p>
+          <a:p>
+            <a:r>
+              <a:rPr lang="ru-RU" dirty="0"/>
+              <a:t>Дневник и рефлексия.</a:t>
+            </a:r>
+          </a:p>
+          <a:p>
+            <a:r>
+              <a:rPr lang="ru-RU" dirty="0"/>
+              <a:t>Занимайтесь медитацией.</a:t>
+            </a:r>
+          </a:p>
+          <a:p>
+            <a:r>
+              <a:rPr lang="ru-RU" dirty="0"/>
+              <a:t>Научитесь правильно Отдыхать.</a:t>
+            </a:r>
+          </a:p>
+          <a:p>
             <a:endParaRPr lang="ru-RU" dirty="0"/>
-          </a:p>
-          <a:p>
-            <a:r>
-              <a:rPr lang="ru-RU" dirty="0"/>
-              <a:t>Тюремный эксперимент Филипа Зимбардо (Стэнфорд)</a:t>
-            </a:r>
           </a:p>
         </p:txBody>
       </p:sp>
     </p:spTree>
     <p:extLst>
       <p:ext uri="{BB962C8B-B14F-4D97-AF65-F5344CB8AC3E}">
-        <p14:creationId xmlns:p14="http://schemas.microsoft.com/office/powerpoint/2010/main" val="747002840"/>
+        <p14:creationId xmlns:p14="http://schemas.microsoft.com/office/powerpoint/2010/main" val="3581029079"/>
       </p:ext>
     </p:extLst>
   </p:cSld>
@@ -24586,7 +25051,7 @@
           <a:p>
             <a:r>
               <a:rPr lang="ru-RU" dirty="0"/>
-              <a:t>Эксперименты</a:t>
+              <a:t>Советы</a:t>
             </a:r>
             <a:endParaRPr lang="en-US" dirty="0"/>
           </a:p>
@@ -24613,21 +25078,39 @@
           <a:bodyPr/>
           <a:lstStyle/>
           <a:p>
-            <a:endParaRPr lang="ru-RU" dirty="0"/>
-          </a:p>
-          <a:p>
             <a:r>
               <a:rPr lang="ru-RU" dirty="0"/>
-              <a:t>Тюремный эксперимент Филипа Зимбардо (Стэнфорд).</a:t>
-            </a:r>
-          </a:p>
-          <a:p>
-            <a:endParaRPr lang="ru-RU" dirty="0"/>
+              <a:t>Спите.</a:t>
+            </a:r>
           </a:p>
           <a:p>
             <a:r>
               <a:rPr lang="ru-RU" dirty="0"/>
-              <a:t>Эксперимент Стэнли Милгрэма.</a:t>
+              <a:t>Практикуйте осознанность.</a:t>
+            </a:r>
+          </a:p>
+          <a:p>
+            <a:r>
+              <a:rPr lang="ru-RU" dirty="0"/>
+              <a:t>Дневник и рефлексия.</a:t>
+            </a:r>
+          </a:p>
+          <a:p>
+            <a:r>
+              <a:rPr lang="ru-RU" dirty="0"/>
+              <a:t>Занимайтесь медитацией.</a:t>
+            </a:r>
+          </a:p>
+          <a:p>
+            <a:r>
+              <a:rPr lang="ru-RU" dirty="0"/>
+              <a:t>Научитесь правильно Отдыхать.</a:t>
+            </a:r>
+          </a:p>
+          <a:p>
+            <a:r>
+              <a:rPr lang="ru-RU" dirty="0"/>
+              <a:t>Заведите ритуалы и привычки.</a:t>
             </a:r>
           </a:p>
           <a:p>
@@ -24638,7 +25121,7 @@
     </p:spTree>
     <p:extLst>
       <p:ext uri="{BB962C8B-B14F-4D97-AF65-F5344CB8AC3E}">
-        <p14:creationId xmlns:p14="http://schemas.microsoft.com/office/powerpoint/2010/main" val="1476165589"/>
+        <p14:creationId xmlns:p14="http://schemas.microsoft.com/office/powerpoint/2010/main" val="914086317"/>
       </p:ext>
     </p:extLst>
   </p:cSld>
@@ -24818,7 +25301,7 @@
           <a:p>
             <a:r>
               <a:rPr lang="ru-RU" dirty="0"/>
-              <a:t>Эксперименты</a:t>
+              <a:t>Советы</a:t>
             </a:r>
             <a:endParaRPr lang="en-US" dirty="0"/>
           </a:p>
@@ -24845,38 +25328,56 @@
           <a:bodyPr/>
           <a:lstStyle/>
           <a:p>
+            <a:r>
+              <a:rPr lang="ru-RU" dirty="0"/>
+              <a:t>Спите.</a:t>
+            </a:r>
+          </a:p>
+          <a:p>
+            <a:r>
+              <a:rPr lang="ru-RU" dirty="0"/>
+              <a:t>Практикуйте осознанность.</a:t>
+            </a:r>
+          </a:p>
+          <a:p>
+            <a:r>
+              <a:rPr lang="ru-RU" dirty="0"/>
+              <a:t>Дневник и рефлексия.</a:t>
+            </a:r>
+          </a:p>
+          <a:p>
+            <a:r>
+              <a:rPr lang="ru-RU" dirty="0"/>
+              <a:t>Занимайтесь медитацией.</a:t>
+            </a:r>
+          </a:p>
+          <a:p>
+            <a:r>
+              <a:rPr lang="ru-RU" dirty="0"/>
+              <a:t>Научитесь правильно Отдыхать.</a:t>
+            </a:r>
+          </a:p>
+          <a:p>
+            <a:r>
+              <a:rPr lang="ru-RU" dirty="0"/>
+              <a:t>Заведите ритуалы и привычки.</a:t>
+            </a:r>
+          </a:p>
+          <a:p>
+            <a:r>
+              <a:rPr lang="ru-RU" dirty="0"/>
+              <a:t>Будьте позитивны.</a:t>
+            </a:r>
+          </a:p>
+          <a:p>
             <a:endParaRPr lang="ru-RU" dirty="0"/>
-          </a:p>
-          <a:p>
-            <a:r>
-              <a:rPr lang="ru-RU" dirty="0"/>
-              <a:t>Тюремный эксперимент Филипа Зимбардо (Стэнфорд).</a:t>
-            </a:r>
-          </a:p>
-          <a:p>
-            <a:endParaRPr lang="ru-RU" dirty="0"/>
-          </a:p>
-          <a:p>
-            <a:r>
-              <a:rPr lang="ru-RU" dirty="0"/>
-              <a:t>Эксперимент Стэнли Милгрэма.</a:t>
-            </a:r>
-          </a:p>
-          <a:p>
-            <a:endParaRPr lang="ru-RU" dirty="0"/>
-          </a:p>
-          <a:p>
-            <a:r>
-              <a:rPr lang="ru-RU" dirty="0"/>
-              <a:t>Зефировый тесты.</a:t>
-            </a:r>
           </a:p>
         </p:txBody>
       </p:sp>
     </p:spTree>
     <p:extLst>
       <p:ext uri="{BB962C8B-B14F-4D97-AF65-F5344CB8AC3E}">
-        <p14:creationId xmlns:p14="http://schemas.microsoft.com/office/powerpoint/2010/main" val="2084016520"/>
+        <p14:creationId xmlns:p14="http://schemas.microsoft.com/office/powerpoint/2010/main" val="591118877"/>
       </p:ext>
     </p:extLst>
   </p:cSld>
@@ -24926,7 +25427,7 @@
           <a:p>
             <a:r>
               <a:rPr lang="ru-RU" dirty="0"/>
-              <a:t>Эксперименты</a:t>
+              <a:t>Советы</a:t>
             </a:r>
             <a:endParaRPr lang="en-US" dirty="0"/>
           </a:p>
@@ -24950,58 +25451,56 @@
         </p:nvSpPr>
         <p:spPr/>
         <p:txBody>
-          <a:bodyPr>
-            <a:normAutofit fontScale="92500" lnSpcReduction="20000"/>
-          </a:bodyPr>
+          <a:bodyPr/>
           <a:lstStyle/>
           <a:p>
-            <a:endParaRPr lang="ru-RU" dirty="0"/>
-          </a:p>
-          <a:p>
             <a:r>
               <a:rPr lang="ru-RU" dirty="0"/>
-              <a:t>Тюремный эксперимент Филипа Зимбардо (Стэнфорд).</a:t>
-            </a:r>
-          </a:p>
-          <a:p>
-            <a:endParaRPr lang="ru-RU" dirty="0"/>
+              <a:t>Спите.</a:t>
+            </a:r>
           </a:p>
           <a:p>
             <a:r>
               <a:rPr lang="ru-RU" dirty="0"/>
-              <a:t>Эксперимент Стэнли Милгрэма.</a:t>
-            </a:r>
-          </a:p>
-          <a:p>
-            <a:endParaRPr lang="ru-RU" dirty="0"/>
+              <a:t>Практикуйте осознанность.</a:t>
+            </a:r>
           </a:p>
           <a:p>
             <a:r>
               <a:rPr lang="ru-RU" dirty="0"/>
-              <a:t>Зефировый тесты.</a:t>
+              <a:t>Дневник и рефлексия.</a:t>
+            </a:r>
+          </a:p>
+          <a:p>
+            <a:r>
+              <a:rPr lang="ru-RU" dirty="0"/>
+              <a:t>Занимайтесь медитацией.</a:t>
+            </a:r>
+          </a:p>
+          <a:p>
+            <a:r>
+              <a:rPr lang="ru-RU" dirty="0"/>
+              <a:t>Научитесь правильно Отдыхать.</a:t>
+            </a:r>
+          </a:p>
+          <a:p>
+            <a:r>
+              <a:rPr lang="ru-RU" dirty="0"/>
+              <a:t>Заведите ритуалы и привычки.</a:t>
+            </a:r>
+          </a:p>
+          <a:p>
+            <a:r>
+              <a:rPr lang="ru-RU" dirty="0"/>
+              <a:t>Будьте позитивны.</a:t>
             </a:r>
             <a:endParaRPr lang="en-US" dirty="0"/>
           </a:p>
           <a:p>
-            <a:endParaRPr lang="en-US" dirty="0"/>
-          </a:p>
-          <a:p>
             <a:r>
               <a:rPr lang="ru-RU" dirty="0"/>
-              <a:t>Мышиный рай.</a:t>
-            </a:r>
-          </a:p>
-          <a:p>
-            <a:endParaRPr lang="ru-RU" dirty="0"/>
-          </a:p>
-          <a:p>
-            <a:r>
-              <a:rPr lang="ru-RU" dirty="0"/>
-              <a:t>Мыши и дофамин.</a:t>
-            </a:r>
-          </a:p>
-          <a:p>
-            <a:endParaRPr lang="ru-RU" dirty="0"/>
+              <a:t>Занимайтесь спортом.</a:t>
+            </a:r>
           </a:p>
           <a:p>
             <a:endParaRPr lang="ru-RU" dirty="0"/>
@@ -25011,7 +25510,7 @@
     </p:spTree>
     <p:extLst>
       <p:ext uri="{BB962C8B-B14F-4D97-AF65-F5344CB8AC3E}">
-        <p14:creationId xmlns:p14="http://schemas.microsoft.com/office/powerpoint/2010/main" val="1280988681"/>
+        <p14:creationId xmlns:p14="http://schemas.microsoft.com/office/powerpoint/2010/main" val="2420697594"/>
       </p:ext>
     </p:extLst>
   </p:cSld>
@@ -25061,7 +25560,7 @@
           <a:p>
             <a:r>
               <a:rPr lang="ru-RU" dirty="0"/>
-              <a:t>Эксперименты</a:t>
+              <a:t>Книги</a:t>
             </a:r>
             <a:endParaRPr lang="en-US" dirty="0"/>
           </a:p>
@@ -25085,750 +25584,76 @@
         </p:nvSpPr>
         <p:spPr>
           <a:xfrm>
-            <a:off x="1154955" y="2603500"/>
-            <a:ext cx="8761412" cy="4099304"/>
+            <a:off x="1154954" y="2603500"/>
+            <a:ext cx="10170183" cy="4183194"/>
           </a:xfrm>
         </p:spPr>
         <p:txBody>
           <a:bodyPr>
-            <a:normAutofit fontScale="92500" lnSpcReduction="20000"/>
+            <a:normAutofit/>
           </a:bodyPr>
           <a:lstStyle/>
           <a:p>
+            <a:r>
+              <a:rPr lang="ru-RU" dirty="0"/>
+              <a:t>Келли Макгонигал. Сила воли. Как развить и укрепить.</a:t>
+            </a:r>
+          </a:p>
+          <a:p>
+            <a:r>
+              <a:rPr lang="ru-RU" dirty="0"/>
+              <a:t>Бенжамин Харди. Сила воли не работает. Пусть твое окружение работает вместо нее.</a:t>
+            </a:r>
+          </a:p>
+          <a:p>
             <a:endParaRPr lang="ru-RU" dirty="0"/>
           </a:p>
           <a:p>
+            <a:pPr marL="0" indent="0" algn="ctr">
+              <a:buNone/>
+            </a:pPr>
+            <a:r>
+              <a:rPr lang="ru-RU" sz="1900" i="1" dirty="0"/>
+              <a:t>Другие рекомендасьон.</a:t>
+            </a:r>
+            <a:endParaRPr lang="ru-RU" i="1" dirty="0"/>
+          </a:p>
+          <a:p>
             <a:r>
               <a:rPr lang="ru-RU" dirty="0"/>
-              <a:t>Тюремный эксперимент Филипа Зимбардо (Стэнфорд).</a:t>
-            </a:r>
-          </a:p>
-          <a:p>
-            <a:endParaRPr lang="ru-RU" dirty="0"/>
+              <a:t>Максим Дорофеев. Джедайские техники.</a:t>
+            </a:r>
           </a:p>
           <a:p>
             <a:r>
               <a:rPr lang="ru-RU" dirty="0"/>
-              <a:t>Эксперимент Стэнли Милгрэма.</a:t>
-            </a:r>
-          </a:p>
-          <a:p>
-            <a:endParaRPr lang="ru-RU" dirty="0"/>
+              <a:t>Андрей Курпатов. Красная таблетка.</a:t>
+            </a:r>
           </a:p>
           <a:p>
             <a:r>
               <a:rPr lang="ru-RU" dirty="0"/>
-              <a:t>Зефировый тесты.</a:t>
-            </a:r>
-            <a:endParaRPr lang="en-US" dirty="0"/>
-          </a:p>
-          <a:p>
-            <a:endParaRPr lang="en-US" dirty="0"/>
+              <a:t>Энди Паддикомб. Медитация и осознанность.</a:t>
+            </a:r>
           </a:p>
           <a:p>
             <a:r>
               <a:rPr lang="ru-RU" dirty="0"/>
-              <a:t>Мышиный рай.</a:t>
-            </a:r>
-          </a:p>
-          <a:p>
-            <a:endParaRPr lang="ru-RU" dirty="0"/>
+              <a:t>Дэвид Рок. Мозг. Как использовать свои возможности по максимому и без перегрузок.</a:t>
+            </a:r>
           </a:p>
           <a:p>
             <a:r>
               <a:rPr lang="ru-RU" dirty="0"/>
-              <a:t>Мыши и дофамин.</a:t>
-            </a:r>
-          </a:p>
-          <a:p>
-            <a:endParaRPr lang="ru-RU" dirty="0"/>
-          </a:p>
-          <a:p>
-            <a:r>
-              <a:rPr lang="ru-RU" dirty="0"/>
-              <a:t>Зеркальные нейроны. Эксперимент есть?</a:t>
-            </a:r>
-          </a:p>
-          <a:p>
-            <a:endParaRPr lang="ru-RU" dirty="0"/>
-          </a:p>
-          <a:p>
-            <a:endParaRPr lang="ru-RU" dirty="0"/>
+              <a:t>Даниэль Канеман. Думай медленно, Решай быстро.</a:t>
+            </a:r>
           </a:p>
         </p:txBody>
       </p:sp>
     </p:spTree>
     <p:extLst>
       <p:ext uri="{BB962C8B-B14F-4D97-AF65-F5344CB8AC3E}">
-        <p14:creationId xmlns:p14="http://schemas.microsoft.com/office/powerpoint/2010/main" val="3778652362"/>
-      </p:ext>
-    </p:extLst>
-  </p:cSld>
-  <p:clrMapOvr>
-    <a:masterClrMapping/>
-  </p:clrMapOvr>
-</p:sld>
-</file>
-
-<file path=ppt/slides/slide63.xml><?xml version="1.0" encoding="utf-8"?>
-<p:sld xmlns:a="http://schemas.openxmlformats.org/drawingml/2006/main" xmlns:r="http://schemas.openxmlformats.org/officeDocument/2006/relationships" xmlns:p="http://schemas.openxmlformats.org/presentationml/2006/main">
-  <p:cSld>
-    <p:spTree>
-      <p:nvGrpSpPr>
-        <p:cNvPr id="1" name=""/>
-        <p:cNvGrpSpPr/>
-        <p:nvPr/>
-      </p:nvGrpSpPr>
-      <p:grpSpPr>
-        <a:xfrm>
-          <a:off x="0" y="0"/>
-          <a:ext cx="0" cy="0"/>
-          <a:chOff x="0" y="0"/>
-          <a:chExt cx="0" cy="0"/>
-        </a:xfrm>
-      </p:grpSpPr>
-      <p:sp>
-        <p:nvSpPr>
-          <p:cNvPr id="2" name="Title 1">
-            <a:extLst>
-              <a:ext uri="{FF2B5EF4-FFF2-40B4-BE49-F238E27FC236}">
-                <a16:creationId xmlns:a16="http://schemas.microsoft.com/office/drawing/2014/main" id="{8502BE21-50A6-4F8E-83CA-2BE2172D726F}"/>
-              </a:ext>
-            </a:extLst>
-          </p:cNvPr>
-          <p:cNvSpPr>
-            <a:spLocks noGrp="1"/>
-          </p:cNvSpPr>
-          <p:nvPr>
-            <p:ph type="title"/>
-          </p:nvPr>
-        </p:nvSpPr>
-        <p:spPr/>
-        <p:txBody>
-          <a:bodyPr/>
-          <a:lstStyle/>
-          <a:p>
-            <a:r>
-              <a:rPr lang="ru-RU" dirty="0"/>
-              <a:t>Эксперименты</a:t>
-            </a:r>
-            <a:endParaRPr lang="en-US" dirty="0"/>
-          </a:p>
-        </p:txBody>
-      </p:sp>
-      <p:sp>
-        <p:nvSpPr>
-          <p:cNvPr id="3" name="Content Placeholder 2">
-            <a:extLst>
-              <a:ext uri="{FF2B5EF4-FFF2-40B4-BE49-F238E27FC236}">
-                <a16:creationId xmlns:a16="http://schemas.microsoft.com/office/drawing/2014/main" id="{F7D9122A-547D-4498-81E3-940AF608A4E2}"/>
-              </a:ext>
-            </a:extLst>
-          </p:cNvPr>
-          <p:cNvSpPr>
-            <a:spLocks noGrp="1"/>
-          </p:cNvSpPr>
-          <p:nvPr>
-            <p:ph idx="1"/>
-          </p:nvPr>
-        </p:nvSpPr>
-        <p:spPr>
-          <a:xfrm>
-            <a:off x="1154954" y="3808602"/>
-            <a:ext cx="8761412" cy="1468073"/>
-          </a:xfrm>
-        </p:spPr>
-        <p:txBody>
-          <a:bodyPr/>
-          <a:lstStyle/>
-          <a:p>
-            <a:pPr marL="0" indent="0" algn="ctr">
-              <a:buNone/>
-            </a:pPr>
-            <a:r>
-              <a:rPr lang="ru-RU" i="1" dirty="0"/>
-              <a:t>Не важно что человек о себе думает, не важно, каковы его личностные установки и мировозрение, поведение человека определяется ситуацией, в которой он оказался.</a:t>
-            </a:r>
-          </a:p>
-        </p:txBody>
-      </p:sp>
-    </p:spTree>
-    <p:extLst>
-      <p:ext uri="{BB962C8B-B14F-4D97-AF65-F5344CB8AC3E}">
-        <p14:creationId xmlns:p14="http://schemas.microsoft.com/office/powerpoint/2010/main" val="2783521485"/>
-      </p:ext>
-    </p:extLst>
-  </p:cSld>
-  <p:clrMapOvr>
-    <a:masterClrMapping/>
-  </p:clrMapOvr>
-</p:sld>
-</file>
-
-<file path=ppt/slides/slide64.xml><?xml version="1.0" encoding="utf-8"?>
-<p:sld xmlns:a="http://schemas.openxmlformats.org/drawingml/2006/main" xmlns:r="http://schemas.openxmlformats.org/officeDocument/2006/relationships" xmlns:p="http://schemas.openxmlformats.org/presentationml/2006/main">
-  <p:cSld>
-    <p:spTree>
-      <p:nvGrpSpPr>
-        <p:cNvPr id="1" name=""/>
-        <p:cNvGrpSpPr/>
-        <p:nvPr/>
-      </p:nvGrpSpPr>
-      <p:grpSpPr>
-        <a:xfrm>
-          <a:off x="0" y="0"/>
-          <a:ext cx="0" cy="0"/>
-          <a:chOff x="0" y="0"/>
-          <a:chExt cx="0" cy="0"/>
-        </a:xfrm>
-      </p:grpSpPr>
-      <p:sp>
-        <p:nvSpPr>
-          <p:cNvPr id="2" name="Title 1">
-            <a:extLst>
-              <a:ext uri="{FF2B5EF4-FFF2-40B4-BE49-F238E27FC236}">
-                <a16:creationId xmlns:a16="http://schemas.microsoft.com/office/drawing/2014/main" id="{8502BE21-50A6-4F8E-83CA-2BE2172D726F}"/>
-              </a:ext>
-            </a:extLst>
-          </p:cNvPr>
-          <p:cNvSpPr>
-            <a:spLocks noGrp="1"/>
-          </p:cNvSpPr>
-          <p:nvPr>
-            <p:ph type="title"/>
-          </p:nvPr>
-        </p:nvSpPr>
-        <p:spPr>
-          <a:xfrm>
-            <a:off x="1154953" y="973668"/>
-            <a:ext cx="9457120" cy="706964"/>
-          </a:xfrm>
-        </p:spPr>
-        <p:txBody>
-          <a:bodyPr/>
-          <a:lstStyle/>
-          <a:p>
-            <a:r>
-              <a:rPr lang="ru-RU" dirty="0"/>
-              <a:t>А</a:t>
-            </a:r>
-            <a:r>
-              <a:rPr lang="en-US" dirty="0"/>
-              <a:t> </a:t>
-            </a:r>
-            <a:r>
-              <a:rPr lang="ru-RU" dirty="0"/>
-              <a:t>зачем нам всё это?</a:t>
-            </a:r>
-            <a:endParaRPr lang="en-US" dirty="0"/>
-          </a:p>
-        </p:txBody>
-      </p:sp>
-      <p:sp>
-        <p:nvSpPr>
-          <p:cNvPr id="3" name="Content Placeholder 2">
-            <a:extLst>
-              <a:ext uri="{FF2B5EF4-FFF2-40B4-BE49-F238E27FC236}">
-                <a16:creationId xmlns:a16="http://schemas.microsoft.com/office/drawing/2014/main" id="{F7D9122A-547D-4498-81E3-940AF608A4E2}"/>
-              </a:ext>
-            </a:extLst>
-          </p:cNvPr>
-          <p:cNvSpPr>
-            <a:spLocks noGrp="1"/>
-          </p:cNvSpPr>
-          <p:nvPr>
-            <p:ph idx="1"/>
-          </p:nvPr>
-        </p:nvSpPr>
-        <p:spPr/>
-        <p:txBody>
-          <a:bodyPr/>
-          <a:lstStyle/>
-          <a:p>
-            <a:r>
-              <a:rPr lang="ru-RU" dirty="0"/>
-              <a:t>Какую проблему мы вообще пытаемся решить?</a:t>
-            </a:r>
-          </a:p>
-        </p:txBody>
-      </p:sp>
-    </p:spTree>
-    <p:extLst>
-      <p:ext uri="{BB962C8B-B14F-4D97-AF65-F5344CB8AC3E}">
-        <p14:creationId xmlns:p14="http://schemas.microsoft.com/office/powerpoint/2010/main" val="337745344"/>
-      </p:ext>
-    </p:extLst>
-  </p:cSld>
-  <p:clrMapOvr>
-    <a:masterClrMapping/>
-  </p:clrMapOvr>
-</p:sld>
-</file>
-
-<file path=ppt/slides/slide65.xml><?xml version="1.0" encoding="utf-8"?>
-<p:sld xmlns:a="http://schemas.openxmlformats.org/drawingml/2006/main" xmlns:r="http://schemas.openxmlformats.org/officeDocument/2006/relationships" xmlns:p="http://schemas.openxmlformats.org/presentationml/2006/main">
-  <p:cSld>
-    <p:spTree>
-      <p:nvGrpSpPr>
-        <p:cNvPr id="1" name=""/>
-        <p:cNvGrpSpPr/>
-        <p:nvPr/>
-      </p:nvGrpSpPr>
-      <p:grpSpPr>
-        <a:xfrm>
-          <a:off x="0" y="0"/>
-          <a:ext cx="0" cy="0"/>
-          <a:chOff x="0" y="0"/>
-          <a:chExt cx="0" cy="0"/>
-        </a:xfrm>
-      </p:grpSpPr>
-      <p:sp>
-        <p:nvSpPr>
-          <p:cNvPr id="2" name="Title 1">
-            <a:extLst>
-              <a:ext uri="{FF2B5EF4-FFF2-40B4-BE49-F238E27FC236}">
-                <a16:creationId xmlns:a16="http://schemas.microsoft.com/office/drawing/2014/main" id="{8502BE21-50A6-4F8E-83CA-2BE2172D726F}"/>
-              </a:ext>
-            </a:extLst>
-          </p:cNvPr>
-          <p:cNvSpPr>
-            <a:spLocks noGrp="1"/>
-          </p:cNvSpPr>
-          <p:nvPr>
-            <p:ph type="title"/>
-          </p:nvPr>
-        </p:nvSpPr>
-        <p:spPr>
-          <a:xfrm>
-            <a:off x="1154953" y="973668"/>
-            <a:ext cx="9457120" cy="706964"/>
-          </a:xfrm>
-        </p:spPr>
-        <p:txBody>
-          <a:bodyPr/>
-          <a:lstStyle/>
-          <a:p>
-            <a:r>
-              <a:rPr lang="ru-RU" dirty="0"/>
-              <a:t>Цель</a:t>
-            </a:r>
-            <a:endParaRPr lang="en-US" dirty="0"/>
-          </a:p>
-        </p:txBody>
-      </p:sp>
-      <p:sp>
-        <p:nvSpPr>
-          <p:cNvPr id="3" name="Content Placeholder 2">
-            <a:extLst>
-              <a:ext uri="{FF2B5EF4-FFF2-40B4-BE49-F238E27FC236}">
-                <a16:creationId xmlns:a16="http://schemas.microsoft.com/office/drawing/2014/main" id="{F7D9122A-547D-4498-81E3-940AF608A4E2}"/>
-              </a:ext>
-            </a:extLst>
-          </p:cNvPr>
-          <p:cNvSpPr>
-            <a:spLocks noGrp="1"/>
-          </p:cNvSpPr>
-          <p:nvPr>
-            <p:ph idx="1"/>
-          </p:nvPr>
-        </p:nvSpPr>
-        <p:spPr/>
-        <p:txBody>
-          <a:bodyPr/>
-          <a:lstStyle/>
-          <a:p>
-            <a:r>
-              <a:rPr lang="ru-RU" dirty="0"/>
-              <a:t>Нету важного.</a:t>
-            </a:r>
-          </a:p>
-          <a:p>
-            <a:r>
-              <a:rPr lang="ru-RU" dirty="0"/>
-              <a:t>Нету потребного будущего.</a:t>
-            </a:r>
-          </a:p>
-          <a:p>
-            <a:endParaRPr lang="ru-RU" dirty="0"/>
-          </a:p>
-        </p:txBody>
-      </p:sp>
-    </p:spTree>
-    <p:extLst>
-      <p:ext uri="{BB962C8B-B14F-4D97-AF65-F5344CB8AC3E}">
-        <p14:creationId xmlns:p14="http://schemas.microsoft.com/office/powerpoint/2010/main" val="3636438701"/>
-      </p:ext>
-    </p:extLst>
-  </p:cSld>
-  <p:clrMapOvr>
-    <a:masterClrMapping/>
-  </p:clrMapOvr>
-</p:sld>
-</file>
-
-<file path=ppt/slides/slide66.xml><?xml version="1.0" encoding="utf-8"?>
-<p:sld xmlns:a="http://schemas.openxmlformats.org/drawingml/2006/main" xmlns:r="http://schemas.openxmlformats.org/officeDocument/2006/relationships" xmlns:p="http://schemas.openxmlformats.org/presentationml/2006/main">
-  <p:cSld>
-    <p:spTree>
-      <p:nvGrpSpPr>
-        <p:cNvPr id="1" name=""/>
-        <p:cNvGrpSpPr/>
-        <p:nvPr/>
-      </p:nvGrpSpPr>
-      <p:grpSpPr>
-        <a:xfrm>
-          <a:off x="0" y="0"/>
-          <a:ext cx="0" cy="0"/>
-          <a:chOff x="0" y="0"/>
-          <a:chExt cx="0" cy="0"/>
-        </a:xfrm>
-      </p:grpSpPr>
-      <p:sp>
-        <p:nvSpPr>
-          <p:cNvPr id="2" name="Title 1">
-            <a:extLst>
-              <a:ext uri="{FF2B5EF4-FFF2-40B4-BE49-F238E27FC236}">
-                <a16:creationId xmlns:a16="http://schemas.microsoft.com/office/drawing/2014/main" id="{8502BE21-50A6-4F8E-83CA-2BE2172D726F}"/>
-              </a:ext>
-            </a:extLst>
-          </p:cNvPr>
-          <p:cNvSpPr>
-            <a:spLocks noGrp="1"/>
-          </p:cNvSpPr>
-          <p:nvPr>
-            <p:ph type="title"/>
-          </p:nvPr>
-        </p:nvSpPr>
-        <p:spPr/>
-        <p:txBody>
-          <a:bodyPr/>
-          <a:lstStyle/>
-          <a:p>
-            <a:r>
-              <a:rPr lang="ru-RU" dirty="0"/>
-              <a:t>Советы</a:t>
-            </a:r>
-            <a:endParaRPr lang="en-US" dirty="0"/>
-          </a:p>
-        </p:txBody>
-      </p:sp>
-      <p:sp>
-        <p:nvSpPr>
-          <p:cNvPr id="3" name="Content Placeholder 2">
-            <a:extLst>
-              <a:ext uri="{FF2B5EF4-FFF2-40B4-BE49-F238E27FC236}">
-                <a16:creationId xmlns:a16="http://schemas.microsoft.com/office/drawing/2014/main" id="{F7D9122A-547D-4498-81E3-940AF608A4E2}"/>
-              </a:ext>
-            </a:extLst>
-          </p:cNvPr>
-          <p:cNvSpPr>
-            <a:spLocks noGrp="1"/>
-          </p:cNvSpPr>
-          <p:nvPr>
-            <p:ph idx="1"/>
-          </p:nvPr>
-        </p:nvSpPr>
-        <p:spPr/>
-        <p:txBody>
-          <a:bodyPr/>
-          <a:lstStyle/>
-          <a:p>
-            <a:endParaRPr lang="ru-RU" dirty="0"/>
-          </a:p>
-        </p:txBody>
-      </p:sp>
-    </p:spTree>
-    <p:extLst>
-      <p:ext uri="{BB962C8B-B14F-4D97-AF65-F5344CB8AC3E}">
-        <p14:creationId xmlns:p14="http://schemas.microsoft.com/office/powerpoint/2010/main" val="2746810043"/>
-      </p:ext>
-    </p:extLst>
-  </p:cSld>
-  <p:clrMapOvr>
-    <a:masterClrMapping/>
-  </p:clrMapOvr>
-</p:sld>
-</file>
-
-<file path=ppt/slides/slide67.xml><?xml version="1.0" encoding="utf-8"?>
-<p:sld xmlns:a="http://schemas.openxmlformats.org/drawingml/2006/main" xmlns:r="http://schemas.openxmlformats.org/officeDocument/2006/relationships" xmlns:p="http://schemas.openxmlformats.org/presentationml/2006/main">
-  <p:cSld>
-    <p:spTree>
-      <p:nvGrpSpPr>
-        <p:cNvPr id="1" name=""/>
-        <p:cNvGrpSpPr/>
-        <p:nvPr/>
-      </p:nvGrpSpPr>
-      <p:grpSpPr>
-        <a:xfrm>
-          <a:off x="0" y="0"/>
-          <a:ext cx="0" cy="0"/>
-          <a:chOff x="0" y="0"/>
-          <a:chExt cx="0" cy="0"/>
-        </a:xfrm>
-      </p:grpSpPr>
-      <p:sp>
-        <p:nvSpPr>
-          <p:cNvPr id="2" name="Title 1">
-            <a:extLst>
-              <a:ext uri="{FF2B5EF4-FFF2-40B4-BE49-F238E27FC236}">
-                <a16:creationId xmlns:a16="http://schemas.microsoft.com/office/drawing/2014/main" id="{8502BE21-50A6-4F8E-83CA-2BE2172D726F}"/>
-              </a:ext>
-            </a:extLst>
-          </p:cNvPr>
-          <p:cNvSpPr>
-            <a:spLocks noGrp="1"/>
-          </p:cNvSpPr>
-          <p:nvPr>
-            <p:ph type="title"/>
-          </p:nvPr>
-        </p:nvSpPr>
-        <p:spPr/>
-        <p:txBody>
-          <a:bodyPr/>
-          <a:lstStyle/>
-          <a:p>
-            <a:r>
-              <a:rPr lang="ru-RU" dirty="0"/>
-              <a:t>Советы</a:t>
-            </a:r>
-            <a:endParaRPr lang="en-US" dirty="0"/>
-          </a:p>
-        </p:txBody>
-      </p:sp>
-      <p:sp>
-        <p:nvSpPr>
-          <p:cNvPr id="3" name="Content Placeholder 2">
-            <a:extLst>
-              <a:ext uri="{FF2B5EF4-FFF2-40B4-BE49-F238E27FC236}">
-                <a16:creationId xmlns:a16="http://schemas.microsoft.com/office/drawing/2014/main" id="{F7D9122A-547D-4498-81E3-940AF608A4E2}"/>
-              </a:ext>
-            </a:extLst>
-          </p:cNvPr>
-          <p:cNvSpPr>
-            <a:spLocks noGrp="1"/>
-          </p:cNvSpPr>
-          <p:nvPr>
-            <p:ph idx="1"/>
-          </p:nvPr>
-        </p:nvSpPr>
-        <p:spPr/>
-        <p:txBody>
-          <a:bodyPr/>
-          <a:lstStyle/>
-          <a:p>
-            <a:r>
-              <a:rPr lang="ru-RU" dirty="0"/>
-              <a:t>Спите.</a:t>
-            </a:r>
-          </a:p>
-          <a:p>
-            <a:endParaRPr lang="ru-RU" dirty="0"/>
-          </a:p>
-        </p:txBody>
-      </p:sp>
-    </p:spTree>
-    <p:extLst>
-      <p:ext uri="{BB962C8B-B14F-4D97-AF65-F5344CB8AC3E}">
-        <p14:creationId xmlns:p14="http://schemas.microsoft.com/office/powerpoint/2010/main" val="1528982406"/>
-      </p:ext>
-    </p:extLst>
-  </p:cSld>
-  <p:clrMapOvr>
-    <a:masterClrMapping/>
-  </p:clrMapOvr>
-</p:sld>
-</file>
-
-<file path=ppt/slides/slide68.xml><?xml version="1.0" encoding="utf-8"?>
-<p:sld xmlns:a="http://schemas.openxmlformats.org/drawingml/2006/main" xmlns:r="http://schemas.openxmlformats.org/officeDocument/2006/relationships" xmlns:p="http://schemas.openxmlformats.org/presentationml/2006/main">
-  <p:cSld>
-    <p:spTree>
-      <p:nvGrpSpPr>
-        <p:cNvPr id="1" name=""/>
-        <p:cNvGrpSpPr/>
-        <p:nvPr/>
-      </p:nvGrpSpPr>
-      <p:grpSpPr>
-        <a:xfrm>
-          <a:off x="0" y="0"/>
-          <a:ext cx="0" cy="0"/>
-          <a:chOff x="0" y="0"/>
-          <a:chExt cx="0" cy="0"/>
-        </a:xfrm>
-      </p:grpSpPr>
-      <p:sp>
-        <p:nvSpPr>
-          <p:cNvPr id="2" name="Title 1">
-            <a:extLst>
-              <a:ext uri="{FF2B5EF4-FFF2-40B4-BE49-F238E27FC236}">
-                <a16:creationId xmlns:a16="http://schemas.microsoft.com/office/drawing/2014/main" id="{8502BE21-50A6-4F8E-83CA-2BE2172D726F}"/>
-              </a:ext>
-            </a:extLst>
-          </p:cNvPr>
-          <p:cNvSpPr>
-            <a:spLocks noGrp="1"/>
-          </p:cNvSpPr>
-          <p:nvPr>
-            <p:ph type="title"/>
-          </p:nvPr>
-        </p:nvSpPr>
-        <p:spPr/>
-        <p:txBody>
-          <a:bodyPr/>
-          <a:lstStyle/>
-          <a:p>
-            <a:r>
-              <a:rPr lang="ru-RU" dirty="0"/>
-              <a:t>Советы</a:t>
-            </a:r>
-            <a:endParaRPr lang="en-US" dirty="0"/>
-          </a:p>
-        </p:txBody>
-      </p:sp>
-      <p:sp>
-        <p:nvSpPr>
-          <p:cNvPr id="3" name="Content Placeholder 2">
-            <a:extLst>
-              <a:ext uri="{FF2B5EF4-FFF2-40B4-BE49-F238E27FC236}">
-                <a16:creationId xmlns:a16="http://schemas.microsoft.com/office/drawing/2014/main" id="{F7D9122A-547D-4498-81E3-940AF608A4E2}"/>
-              </a:ext>
-            </a:extLst>
-          </p:cNvPr>
-          <p:cNvSpPr>
-            <a:spLocks noGrp="1"/>
-          </p:cNvSpPr>
-          <p:nvPr>
-            <p:ph idx="1"/>
-          </p:nvPr>
-        </p:nvSpPr>
-        <p:spPr/>
-        <p:txBody>
-          <a:bodyPr/>
-          <a:lstStyle/>
-          <a:p>
-            <a:r>
-              <a:rPr lang="ru-RU" dirty="0"/>
-              <a:t>Спите.</a:t>
-            </a:r>
-          </a:p>
-          <a:p>
-            <a:r>
-              <a:rPr lang="ru-RU" dirty="0"/>
-              <a:t>Практикуйте осознанность.</a:t>
-            </a:r>
-          </a:p>
-          <a:p>
-            <a:endParaRPr lang="ru-RU" dirty="0"/>
-          </a:p>
-        </p:txBody>
-      </p:sp>
-    </p:spTree>
-    <p:extLst>
-      <p:ext uri="{BB962C8B-B14F-4D97-AF65-F5344CB8AC3E}">
-        <p14:creationId xmlns:p14="http://schemas.microsoft.com/office/powerpoint/2010/main" val="2212550543"/>
-      </p:ext>
-    </p:extLst>
-  </p:cSld>
-  <p:clrMapOvr>
-    <a:masterClrMapping/>
-  </p:clrMapOvr>
-</p:sld>
-</file>
-
-<file path=ppt/slides/slide69.xml><?xml version="1.0" encoding="utf-8"?>
-<p:sld xmlns:a="http://schemas.openxmlformats.org/drawingml/2006/main" xmlns:r="http://schemas.openxmlformats.org/officeDocument/2006/relationships" xmlns:p="http://schemas.openxmlformats.org/presentationml/2006/main">
-  <p:cSld>
-    <p:spTree>
-      <p:nvGrpSpPr>
-        <p:cNvPr id="1" name=""/>
-        <p:cNvGrpSpPr/>
-        <p:nvPr/>
-      </p:nvGrpSpPr>
-      <p:grpSpPr>
-        <a:xfrm>
-          <a:off x="0" y="0"/>
-          <a:ext cx="0" cy="0"/>
-          <a:chOff x="0" y="0"/>
-          <a:chExt cx="0" cy="0"/>
-        </a:xfrm>
-      </p:grpSpPr>
-      <p:sp>
-        <p:nvSpPr>
-          <p:cNvPr id="2" name="Title 1">
-            <a:extLst>
-              <a:ext uri="{FF2B5EF4-FFF2-40B4-BE49-F238E27FC236}">
-                <a16:creationId xmlns:a16="http://schemas.microsoft.com/office/drawing/2014/main" id="{8502BE21-50A6-4F8E-83CA-2BE2172D726F}"/>
-              </a:ext>
-            </a:extLst>
-          </p:cNvPr>
-          <p:cNvSpPr>
-            <a:spLocks noGrp="1"/>
-          </p:cNvSpPr>
-          <p:nvPr>
-            <p:ph type="title"/>
-          </p:nvPr>
-        </p:nvSpPr>
-        <p:spPr/>
-        <p:txBody>
-          <a:bodyPr/>
-          <a:lstStyle/>
-          <a:p>
-            <a:r>
-              <a:rPr lang="ru-RU" dirty="0"/>
-              <a:t>Советы</a:t>
-            </a:r>
-            <a:endParaRPr lang="en-US" dirty="0"/>
-          </a:p>
-        </p:txBody>
-      </p:sp>
-      <p:sp>
-        <p:nvSpPr>
-          <p:cNvPr id="3" name="Content Placeholder 2">
-            <a:extLst>
-              <a:ext uri="{FF2B5EF4-FFF2-40B4-BE49-F238E27FC236}">
-                <a16:creationId xmlns:a16="http://schemas.microsoft.com/office/drawing/2014/main" id="{F7D9122A-547D-4498-81E3-940AF608A4E2}"/>
-              </a:ext>
-            </a:extLst>
-          </p:cNvPr>
-          <p:cNvSpPr>
-            <a:spLocks noGrp="1"/>
-          </p:cNvSpPr>
-          <p:nvPr>
-            <p:ph idx="1"/>
-          </p:nvPr>
-        </p:nvSpPr>
-        <p:spPr/>
-        <p:txBody>
-          <a:bodyPr/>
-          <a:lstStyle/>
-          <a:p>
-            <a:r>
-              <a:rPr lang="ru-RU" dirty="0"/>
-              <a:t>Спите.</a:t>
-            </a:r>
-          </a:p>
-          <a:p>
-            <a:r>
-              <a:rPr lang="ru-RU" dirty="0"/>
-              <a:t>Практикуйте осознанность.</a:t>
-            </a:r>
-          </a:p>
-          <a:p>
-            <a:r>
-              <a:rPr lang="ru-RU" dirty="0"/>
-              <a:t>Дневник и рефлексия.</a:t>
-            </a:r>
-          </a:p>
-          <a:p>
-            <a:endParaRPr lang="ru-RU" dirty="0"/>
-          </a:p>
-        </p:txBody>
-      </p:sp>
-    </p:spTree>
-    <p:extLst>
-      <p:ext uri="{BB962C8B-B14F-4D97-AF65-F5344CB8AC3E}">
-        <p14:creationId xmlns:p14="http://schemas.microsoft.com/office/powerpoint/2010/main" val="1994819522"/>
+        <p14:creationId xmlns:p14="http://schemas.microsoft.com/office/powerpoint/2010/main" val="2841864422"/>
       </p:ext>
     </p:extLst>
   </p:cSld>
@@ -25968,733 +25793,6 @@
     <p:extLst>
       <p:ext uri="{BB962C8B-B14F-4D97-AF65-F5344CB8AC3E}">
         <p14:creationId xmlns:p14="http://schemas.microsoft.com/office/powerpoint/2010/main" val="4246783507"/>
-      </p:ext>
-    </p:extLst>
-  </p:cSld>
-  <p:clrMapOvr>
-    <a:masterClrMapping/>
-  </p:clrMapOvr>
-</p:sld>
-</file>
-
-<file path=ppt/slides/slide70.xml><?xml version="1.0" encoding="utf-8"?>
-<p:sld xmlns:a="http://schemas.openxmlformats.org/drawingml/2006/main" xmlns:r="http://schemas.openxmlformats.org/officeDocument/2006/relationships" xmlns:p="http://schemas.openxmlformats.org/presentationml/2006/main">
-  <p:cSld>
-    <p:spTree>
-      <p:nvGrpSpPr>
-        <p:cNvPr id="1" name=""/>
-        <p:cNvGrpSpPr/>
-        <p:nvPr/>
-      </p:nvGrpSpPr>
-      <p:grpSpPr>
-        <a:xfrm>
-          <a:off x="0" y="0"/>
-          <a:ext cx="0" cy="0"/>
-          <a:chOff x="0" y="0"/>
-          <a:chExt cx="0" cy="0"/>
-        </a:xfrm>
-      </p:grpSpPr>
-      <p:sp>
-        <p:nvSpPr>
-          <p:cNvPr id="2" name="Title 1">
-            <a:extLst>
-              <a:ext uri="{FF2B5EF4-FFF2-40B4-BE49-F238E27FC236}">
-                <a16:creationId xmlns:a16="http://schemas.microsoft.com/office/drawing/2014/main" id="{8502BE21-50A6-4F8E-83CA-2BE2172D726F}"/>
-              </a:ext>
-            </a:extLst>
-          </p:cNvPr>
-          <p:cNvSpPr>
-            <a:spLocks noGrp="1"/>
-          </p:cNvSpPr>
-          <p:nvPr>
-            <p:ph type="title"/>
-          </p:nvPr>
-        </p:nvSpPr>
-        <p:spPr/>
-        <p:txBody>
-          <a:bodyPr/>
-          <a:lstStyle/>
-          <a:p>
-            <a:r>
-              <a:rPr lang="ru-RU" dirty="0"/>
-              <a:t>Советы</a:t>
-            </a:r>
-            <a:endParaRPr lang="en-US" dirty="0"/>
-          </a:p>
-        </p:txBody>
-      </p:sp>
-      <p:sp>
-        <p:nvSpPr>
-          <p:cNvPr id="3" name="Content Placeholder 2">
-            <a:extLst>
-              <a:ext uri="{FF2B5EF4-FFF2-40B4-BE49-F238E27FC236}">
-                <a16:creationId xmlns:a16="http://schemas.microsoft.com/office/drawing/2014/main" id="{F7D9122A-547D-4498-81E3-940AF608A4E2}"/>
-              </a:ext>
-            </a:extLst>
-          </p:cNvPr>
-          <p:cNvSpPr>
-            <a:spLocks noGrp="1"/>
-          </p:cNvSpPr>
-          <p:nvPr>
-            <p:ph idx="1"/>
-          </p:nvPr>
-        </p:nvSpPr>
-        <p:spPr/>
-        <p:txBody>
-          <a:bodyPr/>
-          <a:lstStyle/>
-          <a:p>
-            <a:r>
-              <a:rPr lang="ru-RU" dirty="0"/>
-              <a:t>Спите.</a:t>
-            </a:r>
-          </a:p>
-          <a:p>
-            <a:r>
-              <a:rPr lang="ru-RU" dirty="0"/>
-              <a:t>Практикуйте осознанность.</a:t>
-            </a:r>
-          </a:p>
-          <a:p>
-            <a:r>
-              <a:rPr lang="ru-RU" dirty="0"/>
-              <a:t>Дневник и рефлексия.</a:t>
-            </a:r>
-          </a:p>
-          <a:p>
-            <a:r>
-              <a:rPr lang="ru-RU" dirty="0"/>
-              <a:t>Занимайтесь медитацией.</a:t>
-            </a:r>
-          </a:p>
-          <a:p>
-            <a:endParaRPr lang="ru-RU" dirty="0"/>
-          </a:p>
-        </p:txBody>
-      </p:sp>
-    </p:spTree>
-    <p:extLst>
-      <p:ext uri="{BB962C8B-B14F-4D97-AF65-F5344CB8AC3E}">
-        <p14:creationId xmlns:p14="http://schemas.microsoft.com/office/powerpoint/2010/main" val="4166029998"/>
-      </p:ext>
-    </p:extLst>
-  </p:cSld>
-  <p:clrMapOvr>
-    <a:masterClrMapping/>
-  </p:clrMapOvr>
-</p:sld>
-</file>
-
-<file path=ppt/slides/slide71.xml><?xml version="1.0" encoding="utf-8"?>
-<p:sld xmlns:a="http://schemas.openxmlformats.org/drawingml/2006/main" xmlns:r="http://schemas.openxmlformats.org/officeDocument/2006/relationships" xmlns:p="http://schemas.openxmlformats.org/presentationml/2006/main">
-  <p:cSld>
-    <p:spTree>
-      <p:nvGrpSpPr>
-        <p:cNvPr id="1" name=""/>
-        <p:cNvGrpSpPr/>
-        <p:nvPr/>
-      </p:nvGrpSpPr>
-      <p:grpSpPr>
-        <a:xfrm>
-          <a:off x="0" y="0"/>
-          <a:ext cx="0" cy="0"/>
-          <a:chOff x="0" y="0"/>
-          <a:chExt cx="0" cy="0"/>
-        </a:xfrm>
-      </p:grpSpPr>
-      <p:sp>
-        <p:nvSpPr>
-          <p:cNvPr id="2" name="Title 1">
-            <a:extLst>
-              <a:ext uri="{FF2B5EF4-FFF2-40B4-BE49-F238E27FC236}">
-                <a16:creationId xmlns:a16="http://schemas.microsoft.com/office/drawing/2014/main" id="{8502BE21-50A6-4F8E-83CA-2BE2172D726F}"/>
-              </a:ext>
-            </a:extLst>
-          </p:cNvPr>
-          <p:cNvSpPr>
-            <a:spLocks noGrp="1"/>
-          </p:cNvSpPr>
-          <p:nvPr>
-            <p:ph type="title"/>
-          </p:nvPr>
-        </p:nvSpPr>
-        <p:spPr/>
-        <p:txBody>
-          <a:bodyPr/>
-          <a:lstStyle/>
-          <a:p>
-            <a:r>
-              <a:rPr lang="ru-RU" dirty="0"/>
-              <a:t>Советы</a:t>
-            </a:r>
-            <a:endParaRPr lang="en-US" dirty="0"/>
-          </a:p>
-        </p:txBody>
-      </p:sp>
-      <p:sp>
-        <p:nvSpPr>
-          <p:cNvPr id="3" name="Content Placeholder 2">
-            <a:extLst>
-              <a:ext uri="{FF2B5EF4-FFF2-40B4-BE49-F238E27FC236}">
-                <a16:creationId xmlns:a16="http://schemas.microsoft.com/office/drawing/2014/main" id="{F7D9122A-547D-4498-81E3-940AF608A4E2}"/>
-              </a:ext>
-            </a:extLst>
-          </p:cNvPr>
-          <p:cNvSpPr>
-            <a:spLocks noGrp="1"/>
-          </p:cNvSpPr>
-          <p:nvPr>
-            <p:ph idx="1"/>
-          </p:nvPr>
-        </p:nvSpPr>
-        <p:spPr/>
-        <p:txBody>
-          <a:bodyPr/>
-          <a:lstStyle/>
-          <a:p>
-            <a:r>
-              <a:rPr lang="ru-RU" dirty="0"/>
-              <a:t>Спите.</a:t>
-            </a:r>
-          </a:p>
-          <a:p>
-            <a:r>
-              <a:rPr lang="ru-RU" dirty="0"/>
-              <a:t>Практикуйте осознанность.</a:t>
-            </a:r>
-          </a:p>
-          <a:p>
-            <a:r>
-              <a:rPr lang="ru-RU" dirty="0"/>
-              <a:t>Дневник и рефлексия.</a:t>
-            </a:r>
-          </a:p>
-          <a:p>
-            <a:r>
-              <a:rPr lang="ru-RU" dirty="0"/>
-              <a:t>Занимайтесь медитацией.</a:t>
-            </a:r>
-          </a:p>
-          <a:p>
-            <a:r>
-              <a:rPr lang="ru-RU" dirty="0"/>
-              <a:t>Научитесь правильно Отдыхать.</a:t>
-            </a:r>
-          </a:p>
-          <a:p>
-            <a:endParaRPr lang="ru-RU" dirty="0"/>
-          </a:p>
-        </p:txBody>
-      </p:sp>
-    </p:spTree>
-    <p:extLst>
-      <p:ext uri="{BB962C8B-B14F-4D97-AF65-F5344CB8AC3E}">
-        <p14:creationId xmlns:p14="http://schemas.microsoft.com/office/powerpoint/2010/main" val="3581029079"/>
-      </p:ext>
-    </p:extLst>
-  </p:cSld>
-  <p:clrMapOvr>
-    <a:masterClrMapping/>
-  </p:clrMapOvr>
-</p:sld>
-</file>
-
-<file path=ppt/slides/slide72.xml><?xml version="1.0" encoding="utf-8"?>
-<p:sld xmlns:a="http://schemas.openxmlformats.org/drawingml/2006/main" xmlns:r="http://schemas.openxmlformats.org/officeDocument/2006/relationships" xmlns:p="http://schemas.openxmlformats.org/presentationml/2006/main">
-  <p:cSld>
-    <p:spTree>
-      <p:nvGrpSpPr>
-        <p:cNvPr id="1" name=""/>
-        <p:cNvGrpSpPr/>
-        <p:nvPr/>
-      </p:nvGrpSpPr>
-      <p:grpSpPr>
-        <a:xfrm>
-          <a:off x="0" y="0"/>
-          <a:ext cx="0" cy="0"/>
-          <a:chOff x="0" y="0"/>
-          <a:chExt cx="0" cy="0"/>
-        </a:xfrm>
-      </p:grpSpPr>
-      <p:sp>
-        <p:nvSpPr>
-          <p:cNvPr id="2" name="Title 1">
-            <a:extLst>
-              <a:ext uri="{FF2B5EF4-FFF2-40B4-BE49-F238E27FC236}">
-                <a16:creationId xmlns:a16="http://schemas.microsoft.com/office/drawing/2014/main" id="{8502BE21-50A6-4F8E-83CA-2BE2172D726F}"/>
-              </a:ext>
-            </a:extLst>
-          </p:cNvPr>
-          <p:cNvSpPr>
-            <a:spLocks noGrp="1"/>
-          </p:cNvSpPr>
-          <p:nvPr>
-            <p:ph type="title"/>
-          </p:nvPr>
-        </p:nvSpPr>
-        <p:spPr/>
-        <p:txBody>
-          <a:bodyPr/>
-          <a:lstStyle/>
-          <a:p>
-            <a:r>
-              <a:rPr lang="ru-RU" dirty="0"/>
-              <a:t>Советы</a:t>
-            </a:r>
-            <a:endParaRPr lang="en-US" dirty="0"/>
-          </a:p>
-        </p:txBody>
-      </p:sp>
-      <p:sp>
-        <p:nvSpPr>
-          <p:cNvPr id="3" name="Content Placeholder 2">
-            <a:extLst>
-              <a:ext uri="{FF2B5EF4-FFF2-40B4-BE49-F238E27FC236}">
-                <a16:creationId xmlns:a16="http://schemas.microsoft.com/office/drawing/2014/main" id="{F7D9122A-547D-4498-81E3-940AF608A4E2}"/>
-              </a:ext>
-            </a:extLst>
-          </p:cNvPr>
-          <p:cNvSpPr>
-            <a:spLocks noGrp="1"/>
-          </p:cNvSpPr>
-          <p:nvPr>
-            <p:ph idx="1"/>
-          </p:nvPr>
-        </p:nvSpPr>
-        <p:spPr/>
-        <p:txBody>
-          <a:bodyPr/>
-          <a:lstStyle/>
-          <a:p>
-            <a:r>
-              <a:rPr lang="ru-RU" dirty="0"/>
-              <a:t>Спите.</a:t>
-            </a:r>
-          </a:p>
-          <a:p>
-            <a:r>
-              <a:rPr lang="ru-RU" dirty="0"/>
-              <a:t>Практикуйте осознанность.</a:t>
-            </a:r>
-          </a:p>
-          <a:p>
-            <a:r>
-              <a:rPr lang="ru-RU" dirty="0"/>
-              <a:t>Дневник и рефлексия.</a:t>
-            </a:r>
-          </a:p>
-          <a:p>
-            <a:r>
-              <a:rPr lang="ru-RU" dirty="0"/>
-              <a:t>Занимайтесь медитацией.</a:t>
-            </a:r>
-          </a:p>
-          <a:p>
-            <a:r>
-              <a:rPr lang="ru-RU" dirty="0"/>
-              <a:t>Научитесь правильно Отдыхать.</a:t>
-            </a:r>
-          </a:p>
-          <a:p>
-            <a:r>
-              <a:rPr lang="ru-RU" dirty="0"/>
-              <a:t>Заведите ритуалы и привычки.</a:t>
-            </a:r>
-          </a:p>
-          <a:p>
-            <a:endParaRPr lang="ru-RU" dirty="0"/>
-          </a:p>
-        </p:txBody>
-      </p:sp>
-    </p:spTree>
-    <p:extLst>
-      <p:ext uri="{BB962C8B-B14F-4D97-AF65-F5344CB8AC3E}">
-        <p14:creationId xmlns:p14="http://schemas.microsoft.com/office/powerpoint/2010/main" val="914086317"/>
-      </p:ext>
-    </p:extLst>
-  </p:cSld>
-  <p:clrMapOvr>
-    <a:masterClrMapping/>
-  </p:clrMapOvr>
-</p:sld>
-</file>
-
-<file path=ppt/slides/slide73.xml><?xml version="1.0" encoding="utf-8"?>
-<p:sld xmlns:a="http://schemas.openxmlformats.org/drawingml/2006/main" xmlns:r="http://schemas.openxmlformats.org/officeDocument/2006/relationships" xmlns:p="http://schemas.openxmlformats.org/presentationml/2006/main">
-  <p:cSld>
-    <p:spTree>
-      <p:nvGrpSpPr>
-        <p:cNvPr id="1" name=""/>
-        <p:cNvGrpSpPr/>
-        <p:nvPr/>
-      </p:nvGrpSpPr>
-      <p:grpSpPr>
-        <a:xfrm>
-          <a:off x="0" y="0"/>
-          <a:ext cx="0" cy="0"/>
-          <a:chOff x="0" y="0"/>
-          <a:chExt cx="0" cy="0"/>
-        </a:xfrm>
-      </p:grpSpPr>
-      <p:sp>
-        <p:nvSpPr>
-          <p:cNvPr id="2" name="Title 1">
-            <a:extLst>
-              <a:ext uri="{FF2B5EF4-FFF2-40B4-BE49-F238E27FC236}">
-                <a16:creationId xmlns:a16="http://schemas.microsoft.com/office/drawing/2014/main" id="{8502BE21-50A6-4F8E-83CA-2BE2172D726F}"/>
-              </a:ext>
-            </a:extLst>
-          </p:cNvPr>
-          <p:cNvSpPr>
-            <a:spLocks noGrp="1"/>
-          </p:cNvSpPr>
-          <p:nvPr>
-            <p:ph type="title"/>
-          </p:nvPr>
-        </p:nvSpPr>
-        <p:spPr/>
-        <p:txBody>
-          <a:bodyPr/>
-          <a:lstStyle/>
-          <a:p>
-            <a:r>
-              <a:rPr lang="ru-RU" dirty="0"/>
-              <a:t>Советы</a:t>
-            </a:r>
-            <a:endParaRPr lang="en-US" dirty="0"/>
-          </a:p>
-        </p:txBody>
-      </p:sp>
-      <p:sp>
-        <p:nvSpPr>
-          <p:cNvPr id="3" name="Content Placeholder 2">
-            <a:extLst>
-              <a:ext uri="{FF2B5EF4-FFF2-40B4-BE49-F238E27FC236}">
-                <a16:creationId xmlns:a16="http://schemas.microsoft.com/office/drawing/2014/main" id="{F7D9122A-547D-4498-81E3-940AF608A4E2}"/>
-              </a:ext>
-            </a:extLst>
-          </p:cNvPr>
-          <p:cNvSpPr>
-            <a:spLocks noGrp="1"/>
-          </p:cNvSpPr>
-          <p:nvPr>
-            <p:ph idx="1"/>
-          </p:nvPr>
-        </p:nvSpPr>
-        <p:spPr/>
-        <p:txBody>
-          <a:bodyPr/>
-          <a:lstStyle/>
-          <a:p>
-            <a:r>
-              <a:rPr lang="ru-RU" dirty="0"/>
-              <a:t>Спите.</a:t>
-            </a:r>
-          </a:p>
-          <a:p>
-            <a:r>
-              <a:rPr lang="ru-RU" dirty="0"/>
-              <a:t>Практикуйте осознанность.</a:t>
-            </a:r>
-          </a:p>
-          <a:p>
-            <a:r>
-              <a:rPr lang="ru-RU" dirty="0"/>
-              <a:t>Дневник и рефлексия.</a:t>
-            </a:r>
-          </a:p>
-          <a:p>
-            <a:r>
-              <a:rPr lang="ru-RU" dirty="0"/>
-              <a:t>Занимайтесь медитацией.</a:t>
-            </a:r>
-          </a:p>
-          <a:p>
-            <a:r>
-              <a:rPr lang="ru-RU" dirty="0"/>
-              <a:t>Научитесь правильно Отдыхать.</a:t>
-            </a:r>
-          </a:p>
-          <a:p>
-            <a:r>
-              <a:rPr lang="ru-RU" dirty="0"/>
-              <a:t>Заведите ритуалы и привычки.</a:t>
-            </a:r>
-          </a:p>
-          <a:p>
-            <a:r>
-              <a:rPr lang="ru-RU" dirty="0"/>
-              <a:t>Будьте позитивны.</a:t>
-            </a:r>
-          </a:p>
-          <a:p>
-            <a:endParaRPr lang="ru-RU" dirty="0"/>
-          </a:p>
-        </p:txBody>
-      </p:sp>
-    </p:spTree>
-    <p:extLst>
-      <p:ext uri="{BB962C8B-B14F-4D97-AF65-F5344CB8AC3E}">
-        <p14:creationId xmlns:p14="http://schemas.microsoft.com/office/powerpoint/2010/main" val="591118877"/>
-      </p:ext>
-    </p:extLst>
-  </p:cSld>
-  <p:clrMapOvr>
-    <a:masterClrMapping/>
-  </p:clrMapOvr>
-</p:sld>
-</file>
-
-<file path=ppt/slides/slide74.xml><?xml version="1.0" encoding="utf-8"?>
-<p:sld xmlns:a="http://schemas.openxmlformats.org/drawingml/2006/main" xmlns:r="http://schemas.openxmlformats.org/officeDocument/2006/relationships" xmlns:p="http://schemas.openxmlformats.org/presentationml/2006/main">
-  <p:cSld>
-    <p:spTree>
-      <p:nvGrpSpPr>
-        <p:cNvPr id="1" name=""/>
-        <p:cNvGrpSpPr/>
-        <p:nvPr/>
-      </p:nvGrpSpPr>
-      <p:grpSpPr>
-        <a:xfrm>
-          <a:off x="0" y="0"/>
-          <a:ext cx="0" cy="0"/>
-          <a:chOff x="0" y="0"/>
-          <a:chExt cx="0" cy="0"/>
-        </a:xfrm>
-      </p:grpSpPr>
-      <p:sp>
-        <p:nvSpPr>
-          <p:cNvPr id="2" name="Title 1">
-            <a:extLst>
-              <a:ext uri="{FF2B5EF4-FFF2-40B4-BE49-F238E27FC236}">
-                <a16:creationId xmlns:a16="http://schemas.microsoft.com/office/drawing/2014/main" id="{8502BE21-50A6-4F8E-83CA-2BE2172D726F}"/>
-              </a:ext>
-            </a:extLst>
-          </p:cNvPr>
-          <p:cNvSpPr>
-            <a:spLocks noGrp="1"/>
-          </p:cNvSpPr>
-          <p:nvPr>
-            <p:ph type="title"/>
-          </p:nvPr>
-        </p:nvSpPr>
-        <p:spPr/>
-        <p:txBody>
-          <a:bodyPr/>
-          <a:lstStyle/>
-          <a:p>
-            <a:r>
-              <a:rPr lang="ru-RU" dirty="0"/>
-              <a:t>Советы </a:t>
-            </a:r>
-            <a:r>
-              <a:rPr lang="ru-RU" i="1" dirty="0"/>
-              <a:t>(</a:t>
-            </a:r>
-            <a:r>
-              <a:rPr lang="en-US" i="1" dirty="0"/>
-              <a:t>classic</a:t>
-            </a:r>
-            <a:r>
-              <a:rPr lang="ru-RU" i="1" dirty="0"/>
-              <a:t>)</a:t>
-            </a:r>
-            <a:endParaRPr lang="en-US" i="1" dirty="0"/>
-          </a:p>
-        </p:txBody>
-      </p:sp>
-      <p:sp>
-        <p:nvSpPr>
-          <p:cNvPr id="3" name="Content Placeholder 2">
-            <a:extLst>
-              <a:ext uri="{FF2B5EF4-FFF2-40B4-BE49-F238E27FC236}">
-                <a16:creationId xmlns:a16="http://schemas.microsoft.com/office/drawing/2014/main" id="{F7D9122A-547D-4498-81E3-940AF608A4E2}"/>
-              </a:ext>
-            </a:extLst>
-          </p:cNvPr>
-          <p:cNvSpPr>
-            <a:spLocks noGrp="1"/>
-          </p:cNvSpPr>
-          <p:nvPr>
-            <p:ph idx="1"/>
-          </p:nvPr>
-        </p:nvSpPr>
-        <p:spPr>
-          <a:xfrm>
-            <a:off x="1154955" y="3816990"/>
-            <a:ext cx="8761412" cy="2202809"/>
-          </a:xfrm>
-        </p:spPr>
-        <p:txBody>
-          <a:bodyPr/>
-          <a:lstStyle/>
-          <a:p>
-            <a:pPr marL="0" indent="0" algn="ctr">
-              <a:buNone/>
-            </a:pPr>
-            <a:r>
-              <a:rPr lang="ru-RU" i="1" dirty="0"/>
-              <a:t>Терпение и труд – все перетрут.</a:t>
-            </a:r>
-          </a:p>
-        </p:txBody>
-      </p:sp>
-    </p:spTree>
-    <p:extLst>
-      <p:ext uri="{BB962C8B-B14F-4D97-AF65-F5344CB8AC3E}">
-        <p14:creationId xmlns:p14="http://schemas.microsoft.com/office/powerpoint/2010/main" val="3136120746"/>
-      </p:ext>
-    </p:extLst>
-  </p:cSld>
-  <p:clrMapOvr>
-    <a:masterClrMapping/>
-  </p:clrMapOvr>
-</p:sld>
-</file>
-
-<file path=ppt/slides/slide75.xml><?xml version="1.0" encoding="utf-8"?>
-<p:sld xmlns:a="http://schemas.openxmlformats.org/drawingml/2006/main" xmlns:r="http://schemas.openxmlformats.org/officeDocument/2006/relationships" xmlns:p="http://schemas.openxmlformats.org/presentationml/2006/main">
-  <p:cSld>
-    <p:spTree>
-      <p:nvGrpSpPr>
-        <p:cNvPr id="1" name=""/>
-        <p:cNvGrpSpPr/>
-        <p:nvPr/>
-      </p:nvGrpSpPr>
-      <p:grpSpPr>
-        <a:xfrm>
-          <a:off x="0" y="0"/>
-          <a:ext cx="0" cy="0"/>
-          <a:chOff x="0" y="0"/>
-          <a:chExt cx="0" cy="0"/>
-        </a:xfrm>
-      </p:grpSpPr>
-      <p:sp>
-        <p:nvSpPr>
-          <p:cNvPr id="2" name="Title 1">
-            <a:extLst>
-              <a:ext uri="{FF2B5EF4-FFF2-40B4-BE49-F238E27FC236}">
-                <a16:creationId xmlns:a16="http://schemas.microsoft.com/office/drawing/2014/main" id="{8502BE21-50A6-4F8E-83CA-2BE2172D726F}"/>
-              </a:ext>
-            </a:extLst>
-          </p:cNvPr>
-          <p:cNvSpPr>
-            <a:spLocks noGrp="1"/>
-          </p:cNvSpPr>
-          <p:nvPr>
-            <p:ph type="title"/>
-          </p:nvPr>
-        </p:nvSpPr>
-        <p:spPr/>
-        <p:txBody>
-          <a:bodyPr/>
-          <a:lstStyle/>
-          <a:p>
-            <a:r>
-              <a:rPr lang="ru-RU" dirty="0"/>
-              <a:t>Книги</a:t>
-            </a:r>
-            <a:endParaRPr lang="en-US" dirty="0"/>
-          </a:p>
-        </p:txBody>
-      </p:sp>
-      <p:sp>
-        <p:nvSpPr>
-          <p:cNvPr id="3" name="Content Placeholder 2">
-            <a:extLst>
-              <a:ext uri="{FF2B5EF4-FFF2-40B4-BE49-F238E27FC236}">
-                <a16:creationId xmlns:a16="http://schemas.microsoft.com/office/drawing/2014/main" id="{F7D9122A-547D-4498-81E3-940AF608A4E2}"/>
-              </a:ext>
-            </a:extLst>
-          </p:cNvPr>
-          <p:cNvSpPr>
-            <a:spLocks noGrp="1"/>
-          </p:cNvSpPr>
-          <p:nvPr>
-            <p:ph idx="1"/>
-          </p:nvPr>
-        </p:nvSpPr>
-        <p:spPr>
-          <a:xfrm>
-            <a:off x="1154954" y="2603500"/>
-            <a:ext cx="10170183" cy="4183194"/>
-          </a:xfrm>
-        </p:spPr>
-        <p:txBody>
-          <a:bodyPr>
-            <a:normAutofit fontScale="92500"/>
-          </a:bodyPr>
-          <a:lstStyle/>
-          <a:p>
-            <a:r>
-              <a:rPr lang="ru-RU" dirty="0"/>
-              <a:t>Келли Макгонигал. Сила воли. Как развить и укрепить.</a:t>
-            </a:r>
-          </a:p>
-          <a:p>
-            <a:r>
-              <a:rPr lang="ru-RU" dirty="0"/>
-              <a:t>Бенжамин Харди. Сила воли не работает. Пусть твое окружение работает вместо нее.</a:t>
-            </a:r>
-          </a:p>
-          <a:p>
-            <a:endParaRPr lang="ru-RU" dirty="0"/>
-          </a:p>
-          <a:p>
-            <a:pPr marL="0" indent="0" algn="ctr">
-              <a:buNone/>
-            </a:pPr>
-            <a:r>
-              <a:rPr lang="ru-RU" sz="1900" i="1" dirty="0"/>
-              <a:t>Другие рекомендасьон.</a:t>
-            </a:r>
-            <a:endParaRPr lang="ru-RU" i="1" dirty="0"/>
-          </a:p>
-          <a:p>
-            <a:r>
-              <a:rPr lang="ru-RU" dirty="0"/>
-              <a:t>Максим Дорофеев. Джедайские техники.</a:t>
-            </a:r>
-          </a:p>
-          <a:p>
-            <a:r>
-              <a:rPr lang="ru-RU" dirty="0"/>
-              <a:t>Андрей Курпатов. Красная таблетка.</a:t>
-            </a:r>
-          </a:p>
-          <a:p>
-            <a:r>
-              <a:rPr lang="ru-RU" dirty="0"/>
-              <a:t>Энди Паддикомб. Медитация и осознанность.</a:t>
-            </a:r>
-          </a:p>
-          <a:p>
-            <a:r>
-              <a:rPr lang="ru-RU" dirty="0"/>
-              <a:t>Дэвид Рок. Мозг. Как использовать свои возможности по максимому и без перегрузок.</a:t>
-            </a:r>
-          </a:p>
-          <a:p>
-            <a:r>
-              <a:rPr lang="ru-RU" dirty="0"/>
-              <a:t>Даниэль Канеман. Думай медленно... Решай быстро.</a:t>
-            </a:r>
-          </a:p>
-          <a:p>
-            <a:r>
-              <a:rPr lang="ru-RU" dirty="0"/>
-              <a:t>Джон Кехо. Подсознание может всё.</a:t>
-            </a:r>
-          </a:p>
-          <a:p>
-            <a:endParaRPr lang="ru-RU" dirty="0"/>
-          </a:p>
-        </p:txBody>
-      </p:sp>
-    </p:spTree>
-    <p:extLst>
-      <p:ext uri="{BB962C8B-B14F-4D97-AF65-F5344CB8AC3E}">
-        <p14:creationId xmlns:p14="http://schemas.microsoft.com/office/powerpoint/2010/main" val="2841864422"/>
       </p:ext>
     </p:extLst>
   </p:cSld>

--- a/softskills/willpower/willpower.pptx
+++ b/softskills/willpower/willpower.pptx
@@ -5,7 +5,7 @@
     <p:sldMasterId id="2147483648" r:id="rId1"/>
   </p:sldMasterIdLst>
   <p:notesMasterIdLst>
-    <p:notesMasterId r:id="rId64"/>
+    <p:notesMasterId r:id="rId65"/>
   </p:notesMasterIdLst>
   <p:sldIdLst>
     <p:sldId id="256" r:id="rId2"/>
@@ -42,34 +42,35 @@
     <p:sldId id="341" r:id="rId33"/>
     <p:sldId id="342" r:id="rId34"/>
     <p:sldId id="343" r:id="rId35"/>
-    <p:sldId id="344" r:id="rId36"/>
+    <p:sldId id="349" r:id="rId36"/>
     <p:sldId id="345" r:id="rId37"/>
-    <p:sldId id="346" r:id="rId38"/>
-    <p:sldId id="317" r:id="rId39"/>
-    <p:sldId id="321" r:id="rId40"/>
-    <p:sldId id="266" r:id="rId41"/>
-    <p:sldId id="267" r:id="rId42"/>
-    <p:sldId id="318" r:id="rId43"/>
-    <p:sldId id="287" r:id="rId44"/>
-    <p:sldId id="288" r:id="rId45"/>
-    <p:sldId id="289" r:id="rId46"/>
-    <p:sldId id="294" r:id="rId47"/>
-    <p:sldId id="348" r:id="rId48"/>
-    <p:sldId id="291" r:id="rId49"/>
-    <p:sldId id="292" r:id="rId50"/>
-    <p:sldId id="293" r:id="rId51"/>
-    <p:sldId id="277" r:id="rId52"/>
-    <p:sldId id="306" r:id="rId53"/>
-    <p:sldId id="305" r:id="rId54"/>
-    <p:sldId id="284" r:id="rId55"/>
-    <p:sldId id="278" r:id="rId56"/>
-    <p:sldId id="279" r:id="rId57"/>
-    <p:sldId id="280" r:id="rId58"/>
-    <p:sldId id="281" r:id="rId59"/>
-    <p:sldId id="282" r:id="rId60"/>
-    <p:sldId id="283" r:id="rId61"/>
-    <p:sldId id="347" r:id="rId62"/>
-    <p:sldId id="285" r:id="rId63"/>
+    <p:sldId id="350" r:id="rId38"/>
+    <p:sldId id="346" r:id="rId39"/>
+    <p:sldId id="317" r:id="rId40"/>
+    <p:sldId id="321" r:id="rId41"/>
+    <p:sldId id="266" r:id="rId42"/>
+    <p:sldId id="267" r:id="rId43"/>
+    <p:sldId id="318" r:id="rId44"/>
+    <p:sldId id="287" r:id="rId45"/>
+    <p:sldId id="288" r:id="rId46"/>
+    <p:sldId id="289" r:id="rId47"/>
+    <p:sldId id="294" r:id="rId48"/>
+    <p:sldId id="348" r:id="rId49"/>
+    <p:sldId id="291" r:id="rId50"/>
+    <p:sldId id="292" r:id="rId51"/>
+    <p:sldId id="293" r:id="rId52"/>
+    <p:sldId id="277" r:id="rId53"/>
+    <p:sldId id="306" r:id="rId54"/>
+    <p:sldId id="305" r:id="rId55"/>
+    <p:sldId id="284" r:id="rId56"/>
+    <p:sldId id="278" r:id="rId57"/>
+    <p:sldId id="279" r:id="rId58"/>
+    <p:sldId id="280" r:id="rId59"/>
+    <p:sldId id="281" r:id="rId60"/>
+    <p:sldId id="282" r:id="rId61"/>
+    <p:sldId id="283" r:id="rId62"/>
+    <p:sldId id="347" r:id="rId63"/>
+    <p:sldId id="285" r:id="rId64"/>
   </p:sldIdLst>
   <p:sldSz cx="12192000" cy="6858000"/>
   <p:notesSz cx="6858000" cy="9144000"/>
@@ -4358,6 +4359,88 @@
           <a:bodyPr/>
           <a:lstStyle/>
           <a:p>
+            <a:r>
+              <a:rPr lang="ru-RU" dirty="0"/>
+              <a:t>в</a:t>
+            </a:r>
+            <a:r>
+              <a:rPr lang="en-US" dirty="0"/>
+              <a:t> 1953 </a:t>
+            </a:r>
+            <a:r>
+              <a:rPr lang="ru-RU" dirty="0"/>
+              <a:t>году Джеймс Олдс и Питер Милнер</a:t>
+            </a:r>
+            <a:r>
+              <a:rPr lang="en-US" dirty="0"/>
+              <a:t> </a:t>
+            </a:r>
+            <a:r>
+              <a:rPr lang="ru-RU" dirty="0"/>
+              <a:t>эксперимент на крысах</a:t>
+            </a:r>
+          </a:p>
+          <a:p>
+            <a:endParaRPr lang="ru-RU" dirty="0"/>
+          </a:p>
+          <a:p>
+            <a:r>
+              <a:rPr lang="ru-RU" dirty="0"/>
+              <a:t>Роберт Хит и эксперемент на человеке</a:t>
+            </a:r>
+          </a:p>
+          <a:p>
+            <a:endParaRPr lang="ru-RU" dirty="0"/>
+          </a:p>
+          <a:p>
+            <a:r>
+              <a:rPr lang="ru-RU" dirty="0"/>
+              <a:t>Нейромаркетинг. </a:t>
+            </a:r>
+          </a:p>
+          <a:p>
+            <a:r>
+              <a:rPr lang="ru-RU" dirty="0"/>
+              <a:t>Реклама.</a:t>
+            </a:r>
+          </a:p>
+          <a:p>
+            <a:endParaRPr lang="ru-RU" dirty="0"/>
+          </a:p>
+          <a:p>
+            <a:r>
+              <a:rPr lang="ru-RU" dirty="0"/>
+              <a:t>Вот почему когда вы приходите домой после покупок, и некоторые покупки не радуют так как они радовали в магазине.</a:t>
+            </a:r>
+          </a:p>
+          <a:p>
+            <a:endParaRPr lang="ru-RU" dirty="0"/>
+          </a:p>
+          <a:p>
+            <a:r>
+              <a:rPr lang="ru-RU" dirty="0"/>
+              <a:t>Главная функция Дофамина – заставить нас гнаться за счастьем а не сделать счастливыми.</a:t>
+            </a:r>
+          </a:p>
+          <a:p>
+            <a:endParaRPr lang="ru-RU" dirty="0"/>
+          </a:p>
+          <a:p>
+            <a:r>
+              <a:rPr lang="ru-RU" dirty="0"/>
+              <a:t>Но что если подавить этот нейромедиатор, будет ли лучше?</a:t>
+            </a:r>
+          </a:p>
+          <a:p>
+            <a:endParaRPr lang="ru-RU" dirty="0"/>
+          </a:p>
+          <a:p>
+            <a:r>
+              <a:rPr lang="ru-RU" dirty="0"/>
+              <a:t>Осознанность. И учиться находить это.</a:t>
+            </a:r>
+          </a:p>
+          <a:p>
             <a:endParaRPr lang="en-US" dirty="0"/>
           </a:p>
         </p:txBody>
@@ -4442,6 +4525,105 @@
           <a:bodyPr/>
           <a:lstStyle/>
           <a:p>
+            <a:r>
+              <a:rPr lang="ru-RU" dirty="0"/>
+              <a:t>Стресс.</a:t>
+            </a:r>
+          </a:p>
+          <a:p>
+            <a:endParaRPr lang="ru-RU" dirty="0"/>
+          </a:p>
+          <a:p>
+            <a:r>
+              <a:rPr lang="ru-RU" dirty="0"/>
+              <a:t>Бей или беги.</a:t>
+            </a:r>
+          </a:p>
+          <a:p>
+            <a:endParaRPr lang="ru-RU" dirty="0"/>
+          </a:p>
+          <a:p>
+            <a:r>
+              <a:rPr lang="ru-RU" dirty="0"/>
+              <a:t>Обещание награды в купе с обещаением утешения.</a:t>
+            </a:r>
+          </a:p>
+          <a:p>
+            <a:endParaRPr lang="ru-RU" dirty="0"/>
+          </a:p>
+          <a:p>
+            <a:r>
+              <a:rPr lang="ru-RU" dirty="0"/>
+              <a:t>Страшные картинки на пачке с сигаретами.</a:t>
+            </a:r>
+          </a:p>
+          <a:p>
+            <a:endParaRPr lang="ru-RU" dirty="0"/>
+          </a:p>
+          <a:p>
+            <a:r>
+              <a:rPr lang="ru-RU" dirty="0"/>
+              <a:t>Эффект какого черта.</a:t>
+            </a:r>
+          </a:p>
+          <a:p>
+            <a:endParaRPr lang="ru-RU" dirty="0"/>
+          </a:p>
+          <a:p>
+            <a:r>
+              <a:rPr lang="ru-RU" dirty="0"/>
+              <a:t>Вина, стыд, безнадежность, потеря контроля и тп.</a:t>
+            </a:r>
+          </a:p>
+          <a:p>
+            <a:endParaRPr lang="ru-RU" dirty="0"/>
+          </a:p>
+          <a:p>
+            <a:r>
+              <a:rPr lang="ru-RU" dirty="0"/>
+              <a:t>Когда мы проигрываем в волевых испытаниях, мы часто виним себя: мы слабые, безвольные тюфяки. </a:t>
+            </a:r>
+            <a:r>
+              <a:rPr lang="ru-RU"/>
+              <a:t>Но зачастую проблема в том что наш мозг и тело пребывают в неподходящем для самоконтроля состоянии.</a:t>
+            </a:r>
+            <a:endParaRPr lang="ru-RU" dirty="0"/>
+          </a:p>
+          <a:p>
+            <a:endParaRPr lang="ru-RU" dirty="0"/>
+          </a:p>
+          <a:p>
+            <a:r>
+              <a:rPr lang="ru-RU" dirty="0"/>
+              <a:t>Решение: прощение и не корить себя за ошибки, а признать что ты всего лишь человек и не идеален.</a:t>
+            </a:r>
+          </a:p>
+          <a:p>
+            <a:endParaRPr lang="ru-RU" dirty="0"/>
+          </a:p>
+          <a:p>
+            <a:r>
+              <a:rPr lang="ru-RU" dirty="0"/>
+              <a:t>Но мы часто думаем что мы сорвались потому что не сильно строги к себе, жестки. Занимаемся самоедством.</a:t>
+            </a:r>
+          </a:p>
+          <a:p>
+            <a:endParaRPr lang="ru-RU" dirty="0"/>
+          </a:p>
+          <a:p>
+            <a:r>
+              <a:rPr lang="ru-RU" dirty="0"/>
+              <a:t>Прощай себя когда ошибаешся.</a:t>
+            </a:r>
+          </a:p>
+          <a:p>
+            <a:endParaRPr lang="ru-RU" dirty="0"/>
+          </a:p>
+          <a:p>
+            <a:r>
+              <a:rPr lang="ru-RU" dirty="0"/>
+              <a:t> </a:t>
+            </a:r>
             <a:endParaRPr lang="en-US" dirty="0"/>
           </a:p>
         </p:txBody>
@@ -4526,6 +4708,78 @@
           <a:bodyPr/>
           <a:lstStyle/>
           <a:p>
+            <a:r>
+              <a:rPr lang="ru-RU" dirty="0"/>
+              <a:t>19 шимпанзе или 40 студентов Гарворда.</a:t>
+            </a:r>
+          </a:p>
+          <a:p>
+            <a:r>
+              <a:rPr lang="ru-RU" dirty="0"/>
+              <a:t>2 сейчас или 6 потом. Теория и Реальность.</a:t>
+            </a:r>
+          </a:p>
+          <a:p>
+            <a:endParaRPr lang="ru-RU" dirty="0"/>
+          </a:p>
+          <a:p>
+            <a:r>
+              <a:rPr lang="ru-RU" dirty="0"/>
+              <a:t>Проблема рациональности.</a:t>
+            </a:r>
+          </a:p>
+          <a:p>
+            <a:endParaRPr lang="ru-RU" dirty="0"/>
+          </a:p>
+          <a:p>
+            <a:r>
+              <a:rPr lang="ru-RU" dirty="0"/>
+              <a:t>Экономисты. Обесценивание при задержке.</a:t>
+            </a:r>
+          </a:p>
+          <a:p>
+            <a:endParaRPr lang="ru-RU" dirty="0"/>
+          </a:p>
+          <a:p>
+            <a:r>
+              <a:rPr lang="ru-RU" dirty="0"/>
+              <a:t>Наша система подкрепления не умеет реагировать на будущие блага.</a:t>
+            </a:r>
+          </a:p>
+          <a:p>
+            <a:endParaRPr lang="ru-RU" dirty="0"/>
+          </a:p>
+          <a:p>
+            <a:r>
+              <a:rPr lang="ru-RU" dirty="0"/>
+              <a:t>Но что если убрать награду с поля видения – подальше.</a:t>
+            </a:r>
+          </a:p>
+          <a:p>
+            <a:endParaRPr lang="ru-RU" dirty="0"/>
+          </a:p>
+          <a:p>
+            <a:r>
+              <a:rPr lang="ru-RU" dirty="0"/>
+              <a:t>Каков у ваш процент скидки? Людям свойственно обесценивать будущие блага.</a:t>
+            </a:r>
+          </a:p>
+          <a:p>
+            <a:endParaRPr lang="ru-RU" dirty="0"/>
+          </a:p>
+          <a:p>
+            <a:r>
+              <a:rPr lang="ru-RU" dirty="0"/>
+              <a:t>Зефирный тест.</a:t>
+            </a:r>
+          </a:p>
+          <a:p>
+            <a:r>
+              <a:rPr lang="ru-RU" dirty="0"/>
+              <a:t> </a:t>
+            </a:r>
+          </a:p>
+          <a:p>
             <a:endParaRPr lang="en-US" dirty="0"/>
           </a:p>
         </p:txBody>
@@ -4610,6 +4864,42 @@
           <a:bodyPr/>
           <a:lstStyle/>
           <a:p>
+            <a:r>
+              <a:rPr lang="ru-RU" dirty="0"/>
+              <a:t>1519 год Эрнан Кортес испанский конкистадор в поисках золота и серебра повел экспедицию с Кубы на полуостров Юкатан в юго-восточной Мексике.</a:t>
+            </a:r>
+          </a:p>
+          <a:p>
+            <a:r>
+              <a:rPr lang="ru-RU" dirty="0"/>
+              <a:t> </a:t>
+            </a:r>
+          </a:p>
+          <a:p>
+            <a:r>
+              <a:rPr lang="ru-RU" dirty="0"/>
+              <a:t>Это любимая байка поведенческих экономистов.</a:t>
+            </a:r>
+          </a:p>
+          <a:p>
+            <a:endParaRPr lang="ru-RU" dirty="0"/>
+          </a:p>
+          <a:p>
+            <a:r>
+              <a:rPr lang="ru-RU" dirty="0"/>
+              <a:t>Сайты по блокировке. И даже по оплате если поситишь.</a:t>
+            </a:r>
+          </a:p>
+          <a:p>
+            <a:endParaRPr lang="ru-RU" dirty="0"/>
+          </a:p>
+          <a:p>
+            <a:r>
+              <a:rPr lang="ru-RU" dirty="0"/>
+              <a:t>Будущее я. Будущее я – незнакомец.</a:t>
+            </a:r>
+          </a:p>
+          <a:p>
             <a:endParaRPr lang="en-US" dirty="0"/>
           </a:p>
         </p:txBody>
@@ -4694,6 +4984,28 @@
           <a:bodyPr/>
           <a:lstStyle/>
           <a:p>
+            <a:endParaRPr lang="ru-RU" dirty="0"/>
+          </a:p>
+          <a:p>
+            <a:endParaRPr lang="ru-RU" dirty="0"/>
+          </a:p>
+          <a:p>
+            <a:endParaRPr lang="ru-RU" dirty="0"/>
+          </a:p>
+          <a:p>
+            <a:r>
+              <a:rPr lang="ru-RU" dirty="0"/>
+              <a:t>Социальное доказательство.</a:t>
+            </a:r>
+          </a:p>
+          <a:p>
+            <a:endParaRPr lang="ru-RU" dirty="0"/>
+          </a:p>
+          <a:p>
+            <a:r>
+              <a:rPr lang="ru-RU" dirty="0"/>
+              <a:t>Гордость и Стыд.</a:t>
+            </a:r>
             <a:endParaRPr lang="en-US" dirty="0"/>
           </a:p>
         </p:txBody>
@@ -4716,6 +5028,117 @@
             <a:fld id="{EF83ECF8-EBB3-462A-BC97-8AC574C482EA}" type="slidenum">
               <a:rPr lang="en-US" smtClean="0"/>
               <a:t>37</a:t>
+            </a:fld>
+            <a:endParaRPr lang="en-US"/>
+          </a:p>
+        </p:txBody>
+      </p:sp>
+    </p:spTree>
+    <p:extLst>
+      <p:ext uri="{BB962C8B-B14F-4D97-AF65-F5344CB8AC3E}">
+        <p14:creationId xmlns:p14="http://schemas.microsoft.com/office/powerpoint/2010/main" val="2603442122"/>
+      </p:ext>
+    </p:extLst>
+  </p:cSld>
+  <p:clrMapOvr>
+    <a:masterClrMapping/>
+  </p:clrMapOvr>
+</p:notes>
+</file>
+
+<file path=ppt/notesSlides/notesSlide25.xml><?xml version="1.0" encoding="utf-8"?>
+<p:notes xmlns:a="http://schemas.openxmlformats.org/drawingml/2006/main" xmlns:r="http://schemas.openxmlformats.org/officeDocument/2006/relationships" xmlns:p="http://schemas.openxmlformats.org/presentationml/2006/main">
+  <p:cSld>
+    <p:spTree>
+      <p:nvGrpSpPr>
+        <p:cNvPr id="1" name=""/>
+        <p:cNvGrpSpPr/>
+        <p:nvPr/>
+      </p:nvGrpSpPr>
+      <p:grpSpPr>
+        <a:xfrm>
+          <a:off x="0" y="0"/>
+          <a:ext cx="0" cy="0"/>
+          <a:chOff x="0" y="0"/>
+          <a:chExt cx="0" cy="0"/>
+        </a:xfrm>
+      </p:grpSpPr>
+      <p:sp>
+        <p:nvSpPr>
+          <p:cNvPr id="2" name="Slide Image Placeholder 1"/>
+          <p:cNvSpPr>
+            <a:spLocks noGrp="1" noRot="1" noChangeAspect="1"/>
+          </p:cNvSpPr>
+          <p:nvPr>
+            <p:ph type="sldImg"/>
+          </p:nvPr>
+        </p:nvSpPr>
+        <p:spPr/>
+      </p:sp>
+      <p:sp>
+        <p:nvSpPr>
+          <p:cNvPr id="3" name="Notes Placeholder 2"/>
+          <p:cNvSpPr>
+            <a:spLocks noGrp="1"/>
+          </p:cNvSpPr>
+          <p:nvPr>
+            <p:ph type="body" idx="1"/>
+          </p:nvPr>
+        </p:nvSpPr>
+        <p:spPr/>
+        <p:txBody>
+          <a:bodyPr/>
+          <a:lstStyle/>
+          <a:p>
+            <a:r>
+              <a:rPr lang="ru-RU" dirty="0"/>
+              <a:t>Попытки контролироват мысли и чувства вызывают обратный эффект.</a:t>
+            </a:r>
+          </a:p>
+          <a:p>
+            <a:endParaRPr lang="ru-RU" dirty="0"/>
+          </a:p>
+          <a:p>
+            <a:r>
+              <a:rPr lang="ru-RU" dirty="0"/>
+              <a:t>Белые медведи.</a:t>
+            </a:r>
+          </a:p>
+          <a:p>
+            <a:endParaRPr lang="ru-RU" dirty="0"/>
+          </a:p>
+          <a:p>
+            <a:r>
+              <a:rPr lang="ru-RU" dirty="0"/>
+              <a:t>Проблема с запретами.</a:t>
+            </a:r>
+          </a:p>
+          <a:p>
+            <a:endParaRPr lang="ru-RU" dirty="0"/>
+          </a:p>
+          <a:p>
+            <a:endParaRPr lang="en-US" dirty="0"/>
+          </a:p>
+        </p:txBody>
+      </p:sp>
+      <p:sp>
+        <p:nvSpPr>
+          <p:cNvPr id="4" name="Slide Number Placeholder 3"/>
+          <p:cNvSpPr>
+            <a:spLocks noGrp="1"/>
+          </p:cNvSpPr>
+          <p:nvPr>
+            <p:ph type="sldNum" sz="quarter" idx="5"/>
+          </p:nvPr>
+        </p:nvSpPr>
+        <p:spPr/>
+        <p:txBody>
+          <a:bodyPr/>
+          <a:lstStyle/>
+          <a:p>
+            <a:fld id="{EF83ECF8-EBB3-462A-BC97-8AC574C482EA}" type="slidenum">
+              <a:rPr lang="en-US" smtClean="0"/>
+              <a:t>38</a:t>
             </a:fld>
             <a:endParaRPr lang="en-US"/>
           </a:p>
@@ -22355,12 +22778,15 @@
           <a:p>
             <a:r>
               <a:rPr lang="ru-RU" dirty="0"/>
-              <a:t>Сжигайте мосты </a:t>
+              <a:t>Будущее на продажу </a:t>
             </a:r>
             <a:r>
               <a:rPr lang="en-US" dirty="0"/>
               <a:t>&lt;&lt;&lt;</a:t>
             </a:r>
+            <a:endParaRPr lang="ru-RU" dirty="0"/>
+          </a:p>
+          <a:p>
             <a:endParaRPr lang="ru-RU" dirty="0"/>
           </a:p>
           <a:p>
@@ -22377,7 +22803,7 @@
     </p:spTree>
     <p:extLst>
       <p:ext uri="{BB962C8B-B14F-4D97-AF65-F5344CB8AC3E}">
-        <p14:creationId xmlns:p14="http://schemas.microsoft.com/office/powerpoint/2010/main" val="2235932497"/>
+        <p14:creationId xmlns:p14="http://schemas.microsoft.com/office/powerpoint/2010/main" val="2488269123"/>
       </p:ext>
     </p:extLst>
   </p:cSld>
@@ -22456,7 +22882,9 @@
           </a:xfrm>
         </p:spPr>
         <p:txBody>
-          <a:bodyPr/>
+          <a:bodyPr>
+            <a:normAutofit/>
+          </a:bodyPr>
           <a:lstStyle/>
           <a:p>
             <a:r>
@@ -22497,21 +22925,18 @@
           <a:p>
             <a:r>
               <a:rPr lang="ru-RU" dirty="0"/>
-              <a:t>Сжигайте мосты.</a:t>
+              <a:t>Будущее на продажу.</a:t>
             </a:r>
           </a:p>
           <a:p>
             <a:r>
               <a:rPr lang="ru-RU" dirty="0"/>
-              <a:t>Зеркальные нейроны </a:t>
+              <a:t>Сжигайте мосты </a:t>
             </a:r>
             <a:r>
               <a:rPr lang="en-US" dirty="0"/>
               <a:t>&lt;&lt;&lt;</a:t>
             </a:r>
-            <a:endParaRPr lang="ru-RU" dirty="0"/>
-          </a:p>
-          <a:p>
             <a:endParaRPr lang="ru-RU" dirty="0"/>
           </a:p>
           <a:p>
@@ -22602,12 +23027,14 @@
         </p:nvSpPr>
         <p:spPr>
           <a:xfrm>
-            <a:off x="1154953" y="2603499"/>
-            <a:ext cx="8761412" cy="4135967"/>
+            <a:off x="1154953" y="2603500"/>
+            <a:ext cx="8761412" cy="4158544"/>
           </a:xfrm>
         </p:spPr>
         <p:txBody>
-          <a:bodyPr/>
+          <a:bodyPr>
+            <a:normAutofit/>
+          </a:bodyPr>
           <a:lstStyle/>
           <a:p>
             <a:r>
@@ -22642,15 +23069,13 @@
           <a:p>
             <a:r>
               <a:rPr lang="ru-RU" dirty="0"/>
-              <a:t>Эффект «</a:t>
-            </a:r>
-            <a:r>
-              <a:rPr lang="ru-RU" i="1" dirty="0"/>
-              <a:t>какого черта</a:t>
-            </a:r>
+              <a:t>Эффект «какого черта».</a:t>
+            </a:r>
+          </a:p>
+          <a:p>
             <a:r>
               <a:rPr lang="ru-RU" dirty="0"/>
-              <a:t>».</a:t>
+              <a:t>Будущее на продажу.</a:t>
             </a:r>
           </a:p>
           <a:p>
@@ -22662,13 +23087,7 @@
           <a:p>
             <a:r>
               <a:rPr lang="ru-RU" dirty="0"/>
-              <a:t>Зеркальные нейроны.</a:t>
-            </a:r>
-          </a:p>
-          <a:p>
-            <a:r>
-              <a:rPr lang="ru-RU" dirty="0"/>
-              <a:t>Иронический бумеранг </a:t>
+              <a:t>Зеркальные нейроны </a:t>
             </a:r>
             <a:r>
               <a:rPr lang="en-US" dirty="0"/>
@@ -22693,7 +23112,7 @@
     </p:spTree>
     <p:extLst>
       <p:ext uri="{BB962C8B-B14F-4D97-AF65-F5344CB8AC3E}">
-        <p14:creationId xmlns:p14="http://schemas.microsoft.com/office/powerpoint/2010/main" val="1670453226"/>
+        <p14:creationId xmlns:p14="http://schemas.microsoft.com/office/powerpoint/2010/main" val="1698053080"/>
       </p:ext>
     </p:extLst>
   </p:cSld>
@@ -22743,7 +23162,7 @@
           <a:p>
             <a:r>
               <a:rPr lang="ru-RU" dirty="0"/>
-              <a:t>Резюме книги Келли Макгонигал</a:t>
+              <a:t>Келли Макгонигал</a:t>
             </a:r>
             <a:endParaRPr lang="en-US" dirty="0"/>
           </a:p>
@@ -22765,19 +23184,106 @@
             <p:ph idx="1"/>
           </p:nvPr>
         </p:nvSpPr>
-        <p:spPr/>
+        <p:spPr>
+          <a:xfrm>
+            <a:off x="1154953" y="2603499"/>
+            <a:ext cx="8761412" cy="4135967"/>
+          </a:xfrm>
+        </p:spPr>
         <p:txBody>
           <a:bodyPr/>
           <a:lstStyle/>
           <a:p>
+            <a:r>
+              <a:rPr lang="ru-RU" dirty="0"/>
+              <a:t>Сила воли это мышца.</a:t>
+            </a:r>
+          </a:p>
+          <a:p>
+            <a:r>
+              <a:rPr lang="ru-RU" dirty="0"/>
+              <a:t>Восполняйте резерв силы воли.</a:t>
+            </a:r>
+          </a:p>
+          <a:p>
+            <a:r>
+              <a:rPr lang="ru-RU" dirty="0"/>
+              <a:t>Границы самоконтроля.</a:t>
+            </a:r>
+          </a:p>
+          <a:p>
+            <a:r>
+              <a:rPr lang="ru-RU" dirty="0"/>
+              <a:t>Эффект нравственной поблажки</a:t>
+            </a:r>
+          </a:p>
+          <a:p>
+            <a:r>
+              <a:rPr lang="ru-RU" dirty="0"/>
+              <a:t>Система подкрепления.</a:t>
+            </a:r>
+          </a:p>
+          <a:p>
+            <a:r>
+              <a:rPr lang="ru-RU" dirty="0"/>
+              <a:t>Эффект «</a:t>
+            </a:r>
+            <a:r>
+              <a:rPr lang="ru-RU" i="1" dirty="0"/>
+              <a:t>какого черта</a:t>
+            </a:r>
+            <a:r>
+              <a:rPr lang="ru-RU" dirty="0"/>
+              <a:t>».</a:t>
+            </a:r>
+          </a:p>
+          <a:p>
+            <a:r>
+              <a:rPr lang="ru-RU" dirty="0"/>
+              <a:t>Будущее на продажу.</a:t>
+            </a:r>
+          </a:p>
+          <a:p>
+            <a:r>
+              <a:rPr lang="ru-RU" dirty="0"/>
+              <a:t>Сжигайте мосты.</a:t>
+            </a:r>
+          </a:p>
+          <a:p>
+            <a:r>
+              <a:rPr lang="ru-RU" dirty="0"/>
+              <a:t>Зеркальные нейроны.</a:t>
+            </a:r>
+          </a:p>
+          <a:p>
+            <a:r>
+              <a:rPr lang="ru-RU" dirty="0"/>
+              <a:t>Иронический бумеранг </a:t>
+            </a:r>
+            <a:r>
+              <a:rPr lang="en-US" dirty="0"/>
+              <a:t>&lt;&lt;&lt;</a:t>
+            </a:r>
             <a:endParaRPr lang="ru-RU" dirty="0"/>
+          </a:p>
+          <a:p>
+            <a:endParaRPr lang="ru-RU" dirty="0"/>
+          </a:p>
+          <a:p>
+            <a:endParaRPr lang="ru-RU" dirty="0"/>
+          </a:p>
+          <a:p>
+            <a:endParaRPr lang="ru-RU" dirty="0"/>
+          </a:p>
+          <a:p>
+            <a:endParaRPr lang="en-US" dirty="0"/>
           </a:p>
         </p:txBody>
       </p:sp>
     </p:spTree>
     <p:extLst>
       <p:ext uri="{BB962C8B-B14F-4D97-AF65-F5344CB8AC3E}">
-        <p14:creationId xmlns:p14="http://schemas.microsoft.com/office/powerpoint/2010/main" val="1639902987"/>
+        <p14:creationId xmlns:p14="http://schemas.microsoft.com/office/powerpoint/2010/main" val="1670453226"/>
       </p:ext>
     </p:extLst>
   </p:cSld>
@@ -22827,7 +23333,7 @@
           <a:p>
             <a:r>
               <a:rPr lang="ru-RU" dirty="0"/>
-              <a:t>Бенжамин Харди</a:t>
+              <a:t>Резюме книги Келли Макгонигал</a:t>
             </a:r>
             <a:endParaRPr lang="en-US" dirty="0"/>
           </a:p>
@@ -22849,33 +23355,19 @@
             <p:ph idx="1"/>
           </p:nvPr>
         </p:nvSpPr>
-        <p:spPr>
-          <a:xfrm>
-            <a:off x="1154954" y="3816990"/>
-            <a:ext cx="9549397" cy="2202809"/>
-          </a:xfrm>
-        </p:spPr>
-        <p:txBody>
-          <a:bodyPr>
-            <a:normAutofit/>
-          </a:bodyPr>
+        <p:spPr/>
+        <p:txBody>
+          <a:bodyPr/>
           <a:lstStyle/>
           <a:p>
-            <a:pPr marL="0" indent="0" algn="ctr">
-              <a:buNone/>
-            </a:pPr>
-            <a:r>
-              <a:rPr lang="ru-RU" sz="2000" b="1" dirty="0"/>
-              <a:t>Сила воли не работает. Пусть твое окружение работает вместо нее.</a:t>
-            </a:r>
-            <a:endParaRPr lang="en-US" sz="2000" b="1" dirty="0"/>
+            <a:endParaRPr lang="ru-RU" dirty="0"/>
           </a:p>
         </p:txBody>
       </p:sp>
     </p:spTree>
     <p:extLst>
       <p:ext uri="{BB962C8B-B14F-4D97-AF65-F5344CB8AC3E}">
-        <p14:creationId xmlns:p14="http://schemas.microsoft.com/office/powerpoint/2010/main" val="3215833638"/>
+        <p14:creationId xmlns:p14="http://schemas.microsoft.com/office/powerpoint/2010/main" val="1639902987"/>
       </p:ext>
     </p:extLst>
   </p:cSld>
@@ -23059,25 +23551,33 @@
             <p:ph idx="1"/>
           </p:nvPr>
         </p:nvSpPr>
-        <p:spPr/>
-        <p:txBody>
-          <a:bodyPr/>
+        <p:spPr>
+          <a:xfrm>
+            <a:off x="1154954" y="3816990"/>
+            <a:ext cx="9549397" cy="2202809"/>
+          </a:xfrm>
+        </p:spPr>
+        <p:txBody>
+          <a:bodyPr>
+            <a:normAutofit/>
+          </a:bodyPr>
           <a:lstStyle/>
           <a:p>
-            <a:r>
-              <a:rPr lang="ru-RU" dirty="0"/>
-              <a:t>Человек – порождение ситуации.</a:t>
-            </a:r>
-          </a:p>
-          <a:p>
-            <a:endParaRPr lang="ru-RU" dirty="0"/>
+            <a:pPr marL="0" indent="0" algn="ctr">
+              <a:buNone/>
+            </a:pPr>
+            <a:r>
+              <a:rPr lang="ru-RU" sz="2000" b="1" dirty="0"/>
+              <a:t>Сила воли не работает. Пусть твое окружение работает вместо нее.</a:t>
+            </a:r>
+            <a:endParaRPr lang="en-US" sz="2000" b="1" dirty="0"/>
           </a:p>
         </p:txBody>
       </p:sp>
     </p:spTree>
     <p:extLst>
       <p:ext uri="{BB962C8B-B14F-4D97-AF65-F5344CB8AC3E}">
-        <p14:creationId xmlns:p14="http://schemas.microsoft.com/office/powerpoint/2010/main" val="1059165568"/>
+        <p14:creationId xmlns:p14="http://schemas.microsoft.com/office/powerpoint/2010/main" val="3215833638"/>
       </p:ext>
     </p:extLst>
   </p:cSld>
@@ -23160,12 +23660,6 @@
             </a:r>
           </a:p>
           <a:p>
-            <a:r>
-              <a:rPr lang="ru-RU" dirty="0"/>
-              <a:t>Ваша среда формирует вас.</a:t>
-            </a:r>
-          </a:p>
-          <a:p>
             <a:endParaRPr lang="ru-RU" dirty="0"/>
           </a:p>
         </p:txBody>
@@ -23173,7 +23667,7 @@
     </p:spTree>
     <p:extLst>
       <p:ext uri="{BB962C8B-B14F-4D97-AF65-F5344CB8AC3E}">
-        <p14:creationId xmlns:p14="http://schemas.microsoft.com/office/powerpoint/2010/main" val="2398533860"/>
+        <p14:creationId xmlns:p14="http://schemas.microsoft.com/office/powerpoint/2010/main" val="1059165568"/>
       </p:ext>
     </p:extLst>
   </p:cSld>
@@ -23223,7 +23717,7 @@
           <a:p>
             <a:r>
               <a:rPr lang="ru-RU" dirty="0"/>
-              <a:t>Резюме по книге Бенжамин Харди</a:t>
+              <a:t>Бенжамин Харди</a:t>
             </a:r>
             <a:endParaRPr lang="en-US" dirty="0"/>
           </a:p>
@@ -23250,6 +23744,18 @@
           <a:bodyPr/>
           <a:lstStyle/>
           <a:p>
+            <a:r>
+              <a:rPr lang="ru-RU" dirty="0"/>
+              <a:t>Человек – порождение ситуации.</a:t>
+            </a:r>
+          </a:p>
+          <a:p>
+            <a:r>
+              <a:rPr lang="ru-RU" dirty="0"/>
+              <a:t>Ваша среда формирует вас.</a:t>
+            </a:r>
+          </a:p>
+          <a:p>
             <a:endParaRPr lang="ru-RU" dirty="0"/>
           </a:p>
         </p:txBody>
@@ -23257,7 +23763,7 @@
     </p:spTree>
     <p:extLst>
       <p:ext uri="{BB962C8B-B14F-4D97-AF65-F5344CB8AC3E}">
-        <p14:creationId xmlns:p14="http://schemas.microsoft.com/office/powerpoint/2010/main" val="1409395795"/>
+        <p14:creationId xmlns:p14="http://schemas.microsoft.com/office/powerpoint/2010/main" val="2398533860"/>
       </p:ext>
     </p:extLst>
   </p:cSld>
@@ -23307,7 +23813,7 @@
           <a:p>
             <a:r>
               <a:rPr lang="ru-RU" dirty="0"/>
-              <a:t>Так есть ли Сила Воли?</a:t>
+              <a:t>Резюме по книге Бенжамин Харди</a:t>
             </a:r>
             <a:endParaRPr lang="en-US" dirty="0"/>
           </a:p>
@@ -23341,7 +23847,7 @@
     </p:spTree>
     <p:extLst>
       <p:ext uri="{BB962C8B-B14F-4D97-AF65-F5344CB8AC3E}">
-        <p14:creationId xmlns:p14="http://schemas.microsoft.com/office/powerpoint/2010/main" val="2164139279"/>
+        <p14:creationId xmlns:p14="http://schemas.microsoft.com/office/powerpoint/2010/main" val="1409395795"/>
       </p:ext>
     </p:extLst>
   </p:cSld>
@@ -23418,25 +23924,14 @@
           <a:bodyPr/>
           <a:lstStyle/>
           <a:p>
-            <a:r>
-              <a:rPr lang="ru-RU" dirty="0"/>
-              <a:t>Если мы под силой воли подразумеваем способность управлять самим собой (самоконтроль/дисциплина) и ходом своей жизни таким образом, что бы добиваться всех намеченных целей и реализовывать практически любые свои желания. – Ответ: </a:t>
-            </a:r>
-            <a:r>
-              <a:rPr lang="ru-RU" sz="2000" b="1" dirty="0"/>
-              <a:t>Да</a:t>
-            </a:r>
-            <a:r>
-              <a:rPr lang="ru-RU" dirty="0"/>
-              <a:t>. </a:t>
-            </a:r>
+            <a:endParaRPr lang="ru-RU" dirty="0"/>
           </a:p>
         </p:txBody>
       </p:sp>
     </p:spTree>
     <p:extLst>
       <p:ext uri="{BB962C8B-B14F-4D97-AF65-F5344CB8AC3E}">
-        <p14:creationId xmlns:p14="http://schemas.microsoft.com/office/powerpoint/2010/main" val="1046140786"/>
+        <p14:creationId xmlns:p14="http://schemas.microsoft.com/office/powerpoint/2010/main" val="2164139279"/>
       </p:ext>
     </p:extLst>
   </p:cSld>
@@ -23510,9 +24005,7 @@
         </p:nvSpPr>
         <p:spPr/>
         <p:txBody>
-          <a:bodyPr>
-            <a:normAutofit/>
-          </a:bodyPr>
+          <a:bodyPr/>
           <a:lstStyle/>
           <a:p>
             <a:r>
@@ -23526,23 +24019,6 @@
             <a:r>
               <a:rPr lang="ru-RU" dirty="0"/>
               <a:t>. </a:t>
-            </a:r>
-          </a:p>
-          <a:p>
-            <a:endParaRPr lang="ru-RU" dirty="0"/>
-          </a:p>
-          <a:p>
-            <a:r>
-              <a:rPr lang="ru-RU" dirty="0"/>
-              <a:t>Поможет ли нам Сила Воли? – ответ: </a:t>
-            </a:r>
-            <a:r>
-              <a:rPr lang="ru-RU" sz="2000" b="1" dirty="0"/>
-              <a:t>Нет</a:t>
-            </a:r>
-            <a:r>
-              <a:rPr lang="ru-RU" b="1" dirty="0"/>
-              <a:t>.</a:t>
             </a:r>
           </a:p>
         </p:txBody>
@@ -23550,7 +24026,7 @@
     </p:spTree>
     <p:extLst>
       <p:ext uri="{BB962C8B-B14F-4D97-AF65-F5344CB8AC3E}">
-        <p14:creationId xmlns:p14="http://schemas.microsoft.com/office/powerpoint/2010/main" val="3424737229"/>
+        <p14:creationId xmlns:p14="http://schemas.microsoft.com/office/powerpoint/2010/main" val="1046140786"/>
       </p:ext>
     </p:extLst>
   </p:cSld>
@@ -23600,7 +24076,7 @@
           <a:p>
             <a:r>
               <a:rPr lang="ru-RU" dirty="0"/>
-              <a:t>И что мне делать?</a:t>
+              <a:t>Так есть ли Сила Воли?</a:t>
             </a:r>
             <a:endParaRPr lang="en-US" dirty="0"/>
           </a:p>
@@ -23622,24 +24098,49 @@
             <p:ph idx="1"/>
           </p:nvPr>
         </p:nvSpPr>
-        <p:spPr>
-          <a:xfrm>
-            <a:off x="1154955" y="2603500"/>
-            <a:ext cx="10077904" cy="3416300"/>
-          </a:xfrm>
-        </p:spPr>
-        <p:txBody>
-          <a:bodyPr/>
+        <p:spPr/>
+        <p:txBody>
+          <a:bodyPr>
+            <a:normAutofit/>
+          </a:bodyPr>
           <a:lstStyle/>
           <a:p>
+            <a:r>
+              <a:rPr lang="ru-RU" dirty="0"/>
+              <a:t>Если мы под силой воли подразумеваем способность управлять самим собой (самоконтроль/дисциплина) и ходом своей жизни таким образом, что бы добиваться всех намеченных целей и реализовывать практически любые свои желания. – Ответ: </a:t>
+            </a:r>
+            <a:r>
+              <a:rPr lang="ru-RU" sz="2000" b="1" dirty="0"/>
+              <a:t>Да</a:t>
+            </a:r>
+            <a:r>
+              <a:rPr lang="ru-RU" dirty="0"/>
+              <a:t>. </a:t>
+            </a:r>
+          </a:p>
+          <a:p>
             <a:endParaRPr lang="ru-RU" dirty="0"/>
+          </a:p>
+          <a:p>
+            <a:r>
+              <a:rPr lang="ru-RU" dirty="0"/>
+              <a:t>Поможет ли нам Сила Воли? – ответ: </a:t>
+            </a:r>
+            <a:r>
+              <a:rPr lang="ru-RU" sz="2000" b="1" dirty="0"/>
+              <a:t>Нет</a:t>
+            </a:r>
+            <a:r>
+              <a:rPr lang="ru-RU" b="1" dirty="0"/>
+              <a:t>.</a:t>
+            </a:r>
           </a:p>
         </p:txBody>
       </p:sp>
     </p:spTree>
     <p:extLst>
       <p:ext uri="{BB962C8B-B14F-4D97-AF65-F5344CB8AC3E}">
-        <p14:creationId xmlns:p14="http://schemas.microsoft.com/office/powerpoint/2010/main" val="104215905"/>
+        <p14:creationId xmlns:p14="http://schemas.microsoft.com/office/powerpoint/2010/main" val="3424737229"/>
       </p:ext>
     </p:extLst>
   </p:cSld>
@@ -23721,12 +24222,6 @@
           <a:bodyPr/>
           <a:lstStyle/>
           <a:p>
-            <a:r>
-              <a:rPr lang="ru-RU" dirty="0"/>
-              <a:t>Прислушивайся к себе. Чего ты хочешь? Какую проблему ты пытаешься решить?</a:t>
-            </a:r>
-          </a:p>
-          <a:p>
             <a:endParaRPr lang="ru-RU" dirty="0"/>
           </a:p>
         </p:txBody>
@@ -23734,7 +24229,7 @@
     </p:spTree>
     <p:extLst>
       <p:ext uri="{BB962C8B-B14F-4D97-AF65-F5344CB8AC3E}">
-        <p14:creationId xmlns:p14="http://schemas.microsoft.com/office/powerpoint/2010/main" val="4079798762"/>
+        <p14:creationId xmlns:p14="http://schemas.microsoft.com/office/powerpoint/2010/main" val="104215905"/>
       </p:ext>
     </p:extLst>
   </p:cSld>
@@ -23808,8 +24303,8 @@
         </p:nvSpPr>
         <p:spPr>
           <a:xfrm>
-            <a:off x="1154954" y="2603500"/>
-            <a:ext cx="10279239" cy="3416300"/>
+            <a:off x="1154955" y="2603500"/>
+            <a:ext cx="10077904" cy="3416300"/>
           </a:xfrm>
         </p:spPr>
         <p:txBody>
@@ -23819,15 +24314,6 @@
             <a:r>
               <a:rPr lang="ru-RU" dirty="0"/>
               <a:t>Прислушивайся к себе. Чего ты хочешь? Какую проблему ты пытаешься решить?</a:t>
-            </a:r>
-          </a:p>
-          <a:p>
-            <a:endParaRPr lang="ru-RU" dirty="0"/>
-          </a:p>
-          <a:p>
-            <a:r>
-              <a:rPr lang="ru-RU" dirty="0"/>
-              <a:t>Задавай вопросы сам себе. И пытайся найти ответы.</a:t>
             </a:r>
           </a:p>
           <a:p>
@@ -23838,7 +24324,7 @@
     </p:spTree>
     <p:extLst>
       <p:ext uri="{BB962C8B-B14F-4D97-AF65-F5344CB8AC3E}">
-        <p14:creationId xmlns:p14="http://schemas.microsoft.com/office/powerpoint/2010/main" val="4171558127"/>
+        <p14:creationId xmlns:p14="http://schemas.microsoft.com/office/powerpoint/2010/main" val="4079798762"/>
       </p:ext>
     </p:extLst>
   </p:cSld>
@@ -23913,7 +24399,7 @@
         <p:spPr>
           <a:xfrm>
             <a:off x="1154954" y="2603500"/>
-            <a:ext cx="10430241" cy="3416300"/>
+            <a:ext cx="10279239" cy="3416300"/>
           </a:xfrm>
         </p:spPr>
         <p:txBody>
@@ -23932,15 +24418,6 @@
             <a:r>
               <a:rPr lang="ru-RU" dirty="0"/>
               <a:t>Задавай вопросы сам себе. И пытайся найти ответы.</a:t>
-            </a:r>
-          </a:p>
-          <a:p>
-            <a:endParaRPr lang="ru-RU" dirty="0"/>
-          </a:p>
-          <a:p>
-            <a:r>
-              <a:rPr lang="ru-RU" dirty="0"/>
-              <a:t>Найди баланс.</a:t>
             </a:r>
           </a:p>
           <a:p>
@@ -23951,7 +24428,7 @@
     </p:spTree>
     <p:extLst>
       <p:ext uri="{BB962C8B-B14F-4D97-AF65-F5344CB8AC3E}">
-        <p14:creationId xmlns:p14="http://schemas.microsoft.com/office/powerpoint/2010/main" val="1501391458"/>
+        <p14:creationId xmlns:p14="http://schemas.microsoft.com/office/powerpoint/2010/main" val="4171558127"/>
       </p:ext>
     </p:extLst>
   </p:cSld>
@@ -24147,7 +24624,7 @@
         <p:spPr>
           <a:xfrm>
             <a:off x="1154954" y="2603500"/>
-            <a:ext cx="10312795" cy="3416300"/>
+            <a:ext cx="10430241" cy="3416300"/>
           </a:xfrm>
         </p:spPr>
         <p:txBody>
@@ -24175,27 +24652,6 @@
             <a:r>
               <a:rPr lang="ru-RU" dirty="0"/>
               <a:t>Найди баланс.</a:t>
-            </a:r>
-          </a:p>
-          <a:p>
-            <a:endParaRPr lang="ru-RU" dirty="0"/>
-          </a:p>
-          <a:p>
-            <a:r>
-              <a:rPr lang="ru-RU" dirty="0"/>
-              <a:t>Найди ту конфигурацию которая будет работать именно для тебя. Пойми что нету той </a:t>
-            </a:r>
-            <a:r>
-              <a:rPr lang="en-US" i="1" dirty="0"/>
-              <a:t>silver bullet</a:t>
-            </a:r>
-            <a:r>
-              <a:rPr lang="en-US" dirty="0"/>
-              <a:t> </a:t>
-            </a:r>
-            <a:r>
-              <a:rPr lang="ru-RU" dirty="0"/>
-              <a:t>которую все пытаются найти.</a:t>
             </a:r>
           </a:p>
           <a:p>
@@ -24206,7 +24662,7 @@
     </p:spTree>
     <p:extLst>
       <p:ext uri="{BB962C8B-B14F-4D97-AF65-F5344CB8AC3E}">
-        <p14:creationId xmlns:p14="http://schemas.microsoft.com/office/powerpoint/2010/main" val="2916773178"/>
+        <p14:creationId xmlns:p14="http://schemas.microsoft.com/office/powerpoint/2010/main" val="1501391458"/>
       </p:ext>
     </p:extLst>
   </p:cSld>
@@ -24249,27 +24705,14 @@
             <p:ph type="title"/>
           </p:nvPr>
         </p:nvSpPr>
-        <p:spPr>
-          <a:xfrm>
-            <a:off x="1154953" y="973668"/>
-            <a:ext cx="9457120" cy="706964"/>
-          </a:xfrm>
-        </p:spPr>
+        <p:spPr/>
         <p:txBody>
           <a:bodyPr/>
           <a:lstStyle/>
           <a:p>
             <a:r>
               <a:rPr lang="ru-RU" dirty="0"/>
-              <a:t>А</a:t>
-            </a:r>
-            <a:r>
-              <a:rPr lang="en-US" dirty="0"/>
-              <a:t> </a:t>
-            </a:r>
-            <a:r>
-              <a:rPr lang="ru-RU" dirty="0"/>
-              <a:t>зачем нам всё это?</a:t>
+              <a:t>И что мне делать?</a:t>
             </a:r>
             <a:endParaRPr lang="en-US" dirty="0"/>
           </a:p>
@@ -24291,22 +24734,69 @@
             <p:ph idx="1"/>
           </p:nvPr>
         </p:nvSpPr>
-        <p:spPr/>
+        <p:spPr>
+          <a:xfrm>
+            <a:off x="1154954" y="2603500"/>
+            <a:ext cx="10312795" cy="3416300"/>
+          </a:xfrm>
+        </p:spPr>
         <p:txBody>
           <a:bodyPr/>
           <a:lstStyle/>
           <a:p>
             <a:r>
               <a:rPr lang="ru-RU" dirty="0"/>
-              <a:t>Какую проблему мы вообще пытаемся решить?</a:t>
-            </a:r>
+              <a:t>Прислушивайся к себе. Чего ты хочешь? Какую проблему ты пытаешься решить?</a:t>
+            </a:r>
+          </a:p>
+          <a:p>
+            <a:endParaRPr lang="ru-RU" dirty="0"/>
+          </a:p>
+          <a:p>
+            <a:r>
+              <a:rPr lang="ru-RU" dirty="0"/>
+              <a:t>Задавай вопросы сам себе. И пытайся найти ответы.</a:t>
+            </a:r>
+          </a:p>
+          <a:p>
+            <a:endParaRPr lang="ru-RU" dirty="0"/>
+          </a:p>
+          <a:p>
+            <a:r>
+              <a:rPr lang="ru-RU" dirty="0"/>
+              <a:t>Найди баланс.</a:t>
+            </a:r>
+          </a:p>
+          <a:p>
+            <a:endParaRPr lang="ru-RU" dirty="0"/>
+          </a:p>
+          <a:p>
+            <a:r>
+              <a:rPr lang="ru-RU" dirty="0"/>
+              <a:t>Найди ту конфигурацию которая будет работать именно для тебя. Пойми что нету той </a:t>
+            </a:r>
+            <a:r>
+              <a:rPr lang="en-US" i="1" dirty="0"/>
+              <a:t>silver bullet</a:t>
+            </a:r>
+            <a:r>
+              <a:rPr lang="en-US" dirty="0"/>
+              <a:t> </a:t>
+            </a:r>
+            <a:r>
+              <a:rPr lang="ru-RU" dirty="0"/>
+              <a:t>которую все пытаются найти.</a:t>
+            </a:r>
+          </a:p>
+          <a:p>
+            <a:endParaRPr lang="ru-RU" dirty="0"/>
           </a:p>
         </p:txBody>
       </p:sp>
     </p:spTree>
     <p:extLst>
       <p:ext uri="{BB962C8B-B14F-4D97-AF65-F5344CB8AC3E}">
-        <p14:creationId xmlns:p14="http://schemas.microsoft.com/office/powerpoint/2010/main" val="337745344"/>
+        <p14:creationId xmlns:p14="http://schemas.microsoft.com/office/powerpoint/2010/main" val="2916773178"/>
       </p:ext>
     </p:extLst>
   </p:cSld>
@@ -24361,7 +24851,15 @@
           <a:p>
             <a:r>
               <a:rPr lang="ru-RU" dirty="0"/>
-              <a:t>Цель</a:t>
+              <a:t>А</a:t>
+            </a:r>
+            <a:r>
+              <a:rPr lang="en-US" dirty="0"/>
+              <a:t> </a:t>
+            </a:r>
+            <a:r>
+              <a:rPr lang="ru-RU" dirty="0"/>
+              <a:t>зачем нам всё это?</a:t>
             </a:r>
             <a:endParaRPr lang="en-US" dirty="0"/>
           </a:p>
@@ -24390,24 +24888,15 @@
           <a:p>
             <a:r>
               <a:rPr lang="ru-RU" dirty="0"/>
-              <a:t>Нету важного.</a:t>
-            </a:r>
-          </a:p>
-          <a:p>
-            <a:r>
-              <a:rPr lang="ru-RU" dirty="0"/>
-              <a:t>Нету потребного будущего.</a:t>
-            </a:r>
-          </a:p>
-          <a:p>
-            <a:endParaRPr lang="ru-RU" dirty="0"/>
+              <a:t>Какую проблему мы вообще пытаемся решить?</a:t>
+            </a:r>
           </a:p>
         </p:txBody>
       </p:sp>
     </p:spTree>
     <p:extLst>
       <p:ext uri="{BB962C8B-B14F-4D97-AF65-F5344CB8AC3E}">
-        <p14:creationId xmlns:p14="http://schemas.microsoft.com/office/powerpoint/2010/main" val="3636438701"/>
+        <p14:creationId xmlns:p14="http://schemas.microsoft.com/office/powerpoint/2010/main" val="337745344"/>
       </p:ext>
     </p:extLst>
   </p:cSld>
@@ -24450,14 +24939,19 @@
             <p:ph type="title"/>
           </p:nvPr>
         </p:nvSpPr>
-        <p:spPr/>
+        <p:spPr>
+          <a:xfrm>
+            <a:off x="1154953" y="973668"/>
+            <a:ext cx="9457120" cy="706964"/>
+          </a:xfrm>
+        </p:spPr>
         <p:txBody>
           <a:bodyPr/>
           <a:lstStyle/>
           <a:p>
             <a:r>
               <a:rPr lang="ru-RU" dirty="0"/>
-              <a:t>Советы</a:t>
+              <a:t>Цель</a:t>
             </a:r>
             <a:endParaRPr lang="en-US" dirty="0"/>
           </a:p>
@@ -24484,6 +24978,18 @@
           <a:bodyPr/>
           <a:lstStyle/>
           <a:p>
+            <a:r>
+              <a:rPr lang="ru-RU" dirty="0"/>
+              <a:t>Нету важного.</a:t>
+            </a:r>
+          </a:p>
+          <a:p>
+            <a:r>
+              <a:rPr lang="ru-RU" dirty="0"/>
+              <a:t>Нету потребного будущего.</a:t>
+            </a:r>
+          </a:p>
+          <a:p>
             <a:endParaRPr lang="ru-RU" dirty="0"/>
           </a:p>
         </p:txBody>
@@ -24491,7 +24997,7 @@
     </p:spTree>
     <p:extLst>
       <p:ext uri="{BB962C8B-B14F-4D97-AF65-F5344CB8AC3E}">
-        <p14:creationId xmlns:p14="http://schemas.microsoft.com/office/powerpoint/2010/main" val="2746810043"/>
+        <p14:creationId xmlns:p14="http://schemas.microsoft.com/office/powerpoint/2010/main" val="3636438701"/>
       </p:ext>
     </p:extLst>
   </p:cSld>
@@ -24568,12 +25074,6 @@
           <a:bodyPr/>
           <a:lstStyle/>
           <a:p>
-            <a:r>
-              <a:rPr lang="ru-RU" dirty="0"/>
-              <a:t>Спите.</a:t>
-            </a:r>
-          </a:p>
-          <a:p>
             <a:endParaRPr lang="ru-RU" dirty="0"/>
           </a:p>
         </p:txBody>
@@ -24581,7 +25081,7 @@
     </p:spTree>
     <p:extLst>
       <p:ext uri="{BB962C8B-B14F-4D97-AF65-F5344CB8AC3E}">
-        <p14:creationId xmlns:p14="http://schemas.microsoft.com/office/powerpoint/2010/main" val="1528982406"/>
+        <p14:creationId xmlns:p14="http://schemas.microsoft.com/office/powerpoint/2010/main" val="2746810043"/>
       </p:ext>
     </p:extLst>
   </p:cSld>
@@ -24664,12 +25164,6 @@
             </a:r>
           </a:p>
           <a:p>
-            <a:r>
-              <a:rPr lang="ru-RU" dirty="0"/>
-              <a:t>Практикуйте осознанность.</a:t>
-            </a:r>
-          </a:p>
-          <a:p>
             <a:endParaRPr lang="ru-RU" dirty="0"/>
           </a:p>
         </p:txBody>
@@ -24677,7 +25171,7 @@
     </p:spTree>
     <p:extLst>
       <p:ext uri="{BB962C8B-B14F-4D97-AF65-F5344CB8AC3E}">
-        <p14:creationId xmlns:p14="http://schemas.microsoft.com/office/powerpoint/2010/main" val="2212550543"/>
+        <p14:creationId xmlns:p14="http://schemas.microsoft.com/office/powerpoint/2010/main" val="1528982406"/>
       </p:ext>
     </p:extLst>
   </p:cSld>
@@ -24766,12 +25260,6 @@
             </a:r>
           </a:p>
           <a:p>
-            <a:r>
-              <a:rPr lang="ru-RU" dirty="0"/>
-              <a:t>Дневник и рефлексия.</a:t>
-            </a:r>
-          </a:p>
-          <a:p>
             <a:endParaRPr lang="ru-RU" dirty="0"/>
           </a:p>
         </p:txBody>
@@ -24779,7 +25267,7 @@
     </p:spTree>
     <p:extLst>
       <p:ext uri="{BB962C8B-B14F-4D97-AF65-F5344CB8AC3E}">
-        <p14:creationId xmlns:p14="http://schemas.microsoft.com/office/powerpoint/2010/main" val="1994819522"/>
+        <p14:creationId xmlns:p14="http://schemas.microsoft.com/office/powerpoint/2010/main" val="2212550543"/>
       </p:ext>
     </p:extLst>
   </p:cSld>
@@ -24874,12 +25362,6 @@
             </a:r>
           </a:p>
           <a:p>
-            <a:r>
-              <a:rPr lang="ru-RU" dirty="0"/>
-              <a:t>Занимайтесь медитацией.</a:t>
-            </a:r>
-          </a:p>
-          <a:p>
             <a:endParaRPr lang="ru-RU" dirty="0"/>
           </a:p>
         </p:txBody>
@@ -24887,7 +25369,7 @@
     </p:spTree>
     <p:extLst>
       <p:ext uri="{BB962C8B-B14F-4D97-AF65-F5344CB8AC3E}">
-        <p14:creationId xmlns:p14="http://schemas.microsoft.com/office/powerpoint/2010/main" val="4166029998"/>
+        <p14:creationId xmlns:p14="http://schemas.microsoft.com/office/powerpoint/2010/main" val="1994819522"/>
       </p:ext>
     </p:extLst>
   </p:cSld>
@@ -24988,12 +25470,6 @@
             </a:r>
           </a:p>
           <a:p>
-            <a:r>
-              <a:rPr lang="ru-RU" dirty="0"/>
-              <a:t>Научитесь правильно Отдыхать.</a:t>
-            </a:r>
-          </a:p>
-          <a:p>
             <a:endParaRPr lang="ru-RU" dirty="0"/>
           </a:p>
         </p:txBody>
@@ -25001,7 +25477,7 @@
     </p:spTree>
     <p:extLst>
       <p:ext uri="{BB962C8B-B14F-4D97-AF65-F5344CB8AC3E}">
-        <p14:creationId xmlns:p14="http://schemas.microsoft.com/office/powerpoint/2010/main" val="3581029079"/>
+        <p14:creationId xmlns:p14="http://schemas.microsoft.com/office/powerpoint/2010/main" val="4166029998"/>
       </p:ext>
     </p:extLst>
   </p:cSld>
@@ -25108,12 +25584,6 @@
             </a:r>
           </a:p>
           <a:p>
-            <a:r>
-              <a:rPr lang="ru-RU" dirty="0"/>
-              <a:t>Заведите ритуалы и привычки.</a:t>
-            </a:r>
-          </a:p>
-          <a:p>
             <a:endParaRPr lang="ru-RU" dirty="0"/>
           </a:p>
         </p:txBody>
@@ -25121,7 +25591,7 @@
     </p:spTree>
     <p:extLst>
       <p:ext uri="{BB962C8B-B14F-4D97-AF65-F5344CB8AC3E}">
-        <p14:creationId xmlns:p14="http://schemas.microsoft.com/office/powerpoint/2010/main" val="914086317"/>
+        <p14:creationId xmlns:p14="http://schemas.microsoft.com/office/powerpoint/2010/main" val="3581029079"/>
       </p:ext>
     </p:extLst>
   </p:cSld>
@@ -25364,12 +25834,6 @@
             </a:r>
           </a:p>
           <a:p>
-            <a:r>
-              <a:rPr lang="ru-RU" dirty="0"/>
-              <a:t>Будьте позитивны.</a:t>
-            </a:r>
-          </a:p>
-          <a:p>
             <a:endParaRPr lang="ru-RU" dirty="0"/>
           </a:p>
         </p:txBody>
@@ -25377,7 +25841,7 @@
     </p:spTree>
     <p:extLst>
       <p:ext uri="{BB962C8B-B14F-4D97-AF65-F5344CB8AC3E}">
-        <p14:creationId xmlns:p14="http://schemas.microsoft.com/office/powerpoint/2010/main" val="591118877"/>
+        <p14:creationId xmlns:p14="http://schemas.microsoft.com/office/powerpoint/2010/main" val="914086317"/>
       </p:ext>
     </p:extLst>
   </p:cSld>
@@ -25494,6 +25958,132 @@
               <a:rPr lang="ru-RU" dirty="0"/>
               <a:t>Будьте позитивны.</a:t>
             </a:r>
+          </a:p>
+          <a:p>
+            <a:endParaRPr lang="ru-RU" dirty="0"/>
+          </a:p>
+        </p:txBody>
+      </p:sp>
+    </p:spTree>
+    <p:extLst>
+      <p:ext uri="{BB962C8B-B14F-4D97-AF65-F5344CB8AC3E}">
+        <p14:creationId xmlns:p14="http://schemas.microsoft.com/office/powerpoint/2010/main" val="591118877"/>
+      </p:ext>
+    </p:extLst>
+  </p:cSld>
+  <p:clrMapOvr>
+    <a:masterClrMapping/>
+  </p:clrMapOvr>
+</p:sld>
+</file>
+
+<file path=ppt/slides/slide62.xml><?xml version="1.0" encoding="utf-8"?>
+<p:sld xmlns:a="http://schemas.openxmlformats.org/drawingml/2006/main" xmlns:r="http://schemas.openxmlformats.org/officeDocument/2006/relationships" xmlns:p="http://schemas.openxmlformats.org/presentationml/2006/main">
+  <p:cSld>
+    <p:spTree>
+      <p:nvGrpSpPr>
+        <p:cNvPr id="1" name=""/>
+        <p:cNvGrpSpPr/>
+        <p:nvPr/>
+      </p:nvGrpSpPr>
+      <p:grpSpPr>
+        <a:xfrm>
+          <a:off x="0" y="0"/>
+          <a:ext cx="0" cy="0"/>
+          <a:chOff x="0" y="0"/>
+          <a:chExt cx="0" cy="0"/>
+        </a:xfrm>
+      </p:grpSpPr>
+      <p:sp>
+        <p:nvSpPr>
+          <p:cNvPr id="2" name="Title 1">
+            <a:extLst>
+              <a:ext uri="{FF2B5EF4-FFF2-40B4-BE49-F238E27FC236}">
+                <a16:creationId xmlns:a16="http://schemas.microsoft.com/office/drawing/2014/main" id="{8502BE21-50A6-4F8E-83CA-2BE2172D726F}"/>
+              </a:ext>
+            </a:extLst>
+          </p:cNvPr>
+          <p:cNvSpPr>
+            <a:spLocks noGrp="1"/>
+          </p:cNvSpPr>
+          <p:nvPr>
+            <p:ph type="title"/>
+          </p:nvPr>
+        </p:nvSpPr>
+        <p:spPr/>
+        <p:txBody>
+          <a:bodyPr/>
+          <a:lstStyle/>
+          <a:p>
+            <a:r>
+              <a:rPr lang="ru-RU" dirty="0"/>
+              <a:t>Советы</a:t>
+            </a:r>
+            <a:endParaRPr lang="en-US" dirty="0"/>
+          </a:p>
+        </p:txBody>
+      </p:sp>
+      <p:sp>
+        <p:nvSpPr>
+          <p:cNvPr id="3" name="Content Placeholder 2">
+            <a:extLst>
+              <a:ext uri="{FF2B5EF4-FFF2-40B4-BE49-F238E27FC236}">
+                <a16:creationId xmlns:a16="http://schemas.microsoft.com/office/drawing/2014/main" id="{F7D9122A-547D-4498-81E3-940AF608A4E2}"/>
+              </a:ext>
+            </a:extLst>
+          </p:cNvPr>
+          <p:cNvSpPr>
+            <a:spLocks noGrp="1"/>
+          </p:cNvSpPr>
+          <p:nvPr>
+            <p:ph idx="1"/>
+          </p:nvPr>
+        </p:nvSpPr>
+        <p:spPr/>
+        <p:txBody>
+          <a:bodyPr/>
+          <a:lstStyle/>
+          <a:p>
+            <a:r>
+              <a:rPr lang="ru-RU" dirty="0"/>
+              <a:t>Спите.</a:t>
+            </a:r>
+          </a:p>
+          <a:p>
+            <a:r>
+              <a:rPr lang="ru-RU" dirty="0"/>
+              <a:t>Практикуйте осознанность.</a:t>
+            </a:r>
+          </a:p>
+          <a:p>
+            <a:r>
+              <a:rPr lang="ru-RU" dirty="0"/>
+              <a:t>Дневник и рефлексия.</a:t>
+            </a:r>
+          </a:p>
+          <a:p>
+            <a:r>
+              <a:rPr lang="ru-RU" dirty="0"/>
+              <a:t>Занимайтесь медитацией.</a:t>
+            </a:r>
+          </a:p>
+          <a:p>
+            <a:r>
+              <a:rPr lang="ru-RU" dirty="0"/>
+              <a:t>Научитесь правильно Отдыхать.</a:t>
+            </a:r>
+          </a:p>
+          <a:p>
+            <a:r>
+              <a:rPr lang="ru-RU" dirty="0"/>
+              <a:t>Заведите ритуалы и привычки.</a:t>
+            </a:r>
+          </a:p>
+          <a:p>
+            <a:r>
+              <a:rPr lang="ru-RU" dirty="0"/>
+              <a:t>Будьте позитивны.</a:t>
+            </a:r>
             <a:endParaRPr lang="en-US" dirty="0"/>
           </a:p>
           <a:p>
@@ -25520,7 +26110,7 @@
 </p:sld>
 </file>
 
-<file path=ppt/slides/slide62.xml><?xml version="1.0" encoding="utf-8"?>
+<file path=ppt/slides/slide63.xml><?xml version="1.0" encoding="utf-8"?>
 <p:sld xmlns:a="http://schemas.openxmlformats.org/drawingml/2006/main" xmlns:r="http://schemas.openxmlformats.org/officeDocument/2006/relationships" xmlns:p="http://schemas.openxmlformats.org/presentationml/2006/main">
   <p:cSld>
     <p:spTree>

--- a/softskills/willpower/willpower.pptx
+++ b/softskills/willpower/willpower.pptx
@@ -5,7 +5,7 @@
     <p:sldMasterId id="2147483648" r:id="rId1"/>
   </p:sldMasterIdLst>
   <p:notesMasterIdLst>
-    <p:notesMasterId r:id="rId65"/>
+    <p:notesMasterId r:id="rId67"/>
   </p:notesMasterIdLst>
   <p:sldIdLst>
     <p:sldId id="256" r:id="rId2"/>
@@ -41,36 +41,38 @@
     <p:sldId id="340" r:id="rId32"/>
     <p:sldId id="341" r:id="rId33"/>
     <p:sldId id="342" r:id="rId34"/>
-    <p:sldId id="343" r:id="rId35"/>
-    <p:sldId id="349" r:id="rId36"/>
-    <p:sldId id="345" r:id="rId37"/>
-    <p:sldId id="350" r:id="rId38"/>
-    <p:sldId id="346" r:id="rId39"/>
-    <p:sldId id="317" r:id="rId40"/>
-    <p:sldId id="321" r:id="rId41"/>
-    <p:sldId id="266" r:id="rId42"/>
-    <p:sldId id="267" r:id="rId43"/>
-    <p:sldId id="318" r:id="rId44"/>
-    <p:sldId id="287" r:id="rId45"/>
-    <p:sldId id="288" r:id="rId46"/>
-    <p:sldId id="289" r:id="rId47"/>
-    <p:sldId id="294" r:id="rId48"/>
-    <p:sldId id="348" r:id="rId49"/>
-    <p:sldId id="291" r:id="rId50"/>
-    <p:sldId id="292" r:id="rId51"/>
-    <p:sldId id="293" r:id="rId52"/>
-    <p:sldId id="277" r:id="rId53"/>
-    <p:sldId id="306" r:id="rId54"/>
-    <p:sldId id="305" r:id="rId55"/>
-    <p:sldId id="284" r:id="rId56"/>
-    <p:sldId id="278" r:id="rId57"/>
-    <p:sldId id="279" r:id="rId58"/>
-    <p:sldId id="280" r:id="rId59"/>
-    <p:sldId id="281" r:id="rId60"/>
-    <p:sldId id="282" r:id="rId61"/>
-    <p:sldId id="283" r:id="rId62"/>
-    <p:sldId id="347" r:id="rId63"/>
-    <p:sldId id="285" r:id="rId64"/>
+    <p:sldId id="351" r:id="rId35"/>
+    <p:sldId id="343" r:id="rId36"/>
+    <p:sldId id="349" r:id="rId37"/>
+    <p:sldId id="345" r:id="rId38"/>
+    <p:sldId id="350" r:id="rId39"/>
+    <p:sldId id="346" r:id="rId40"/>
+    <p:sldId id="317" r:id="rId41"/>
+    <p:sldId id="352" r:id="rId42"/>
+    <p:sldId id="321" r:id="rId43"/>
+    <p:sldId id="266" r:id="rId44"/>
+    <p:sldId id="267" r:id="rId45"/>
+    <p:sldId id="318" r:id="rId46"/>
+    <p:sldId id="287" r:id="rId47"/>
+    <p:sldId id="288" r:id="rId48"/>
+    <p:sldId id="289" r:id="rId49"/>
+    <p:sldId id="294" r:id="rId50"/>
+    <p:sldId id="348" r:id="rId51"/>
+    <p:sldId id="291" r:id="rId52"/>
+    <p:sldId id="292" r:id="rId53"/>
+    <p:sldId id="293" r:id="rId54"/>
+    <p:sldId id="277" r:id="rId55"/>
+    <p:sldId id="306" r:id="rId56"/>
+    <p:sldId id="305" r:id="rId57"/>
+    <p:sldId id="284" r:id="rId58"/>
+    <p:sldId id="278" r:id="rId59"/>
+    <p:sldId id="279" r:id="rId60"/>
+    <p:sldId id="280" r:id="rId61"/>
+    <p:sldId id="281" r:id="rId62"/>
+    <p:sldId id="282" r:id="rId63"/>
+    <p:sldId id="283" r:id="rId64"/>
+    <p:sldId id="347" r:id="rId65"/>
+    <p:sldId id="285" r:id="rId66"/>
   </p:sldIdLst>
   <p:sldSz cx="12192000" cy="6858000"/>
   <p:notesSz cx="6858000" cy="9144000"/>
@@ -259,7 +261,7 @@
           <a:p>
             <a:fld id="{F1E91201-0078-4A3F-BC02-68DABEF5C8BB}" type="datetimeFigureOut">
               <a:rPr lang="en-US" smtClean="0"/>
-              <a:t>2/4/2021</a:t>
+              <a:t>2/5/2021</a:t>
             </a:fld>
             <a:endParaRPr lang="en-US"/>
           </a:p>
@@ -4527,7 +4529,23 @@
           <a:p>
             <a:r>
               <a:rPr lang="ru-RU" dirty="0"/>
-              <a:t>Стресс.</a:t>
+              <a:t>в</a:t>
+            </a:r>
+            <a:r>
+              <a:rPr lang="en-US" dirty="0"/>
+              <a:t> 1953 </a:t>
+            </a:r>
+            <a:r>
+              <a:rPr lang="ru-RU" dirty="0"/>
+              <a:t>году Джеймс Олдс и Питер Милнер</a:t>
+            </a:r>
+            <a:r>
+              <a:rPr lang="en-US" dirty="0"/>
+              <a:t> </a:t>
+            </a:r>
+            <a:r>
+              <a:rPr lang="ru-RU" dirty="0"/>
+              <a:t>эксперимент на крысах</a:t>
             </a:r>
           </a:p>
           <a:p>
@@ -4536,7 +4554,7 @@
           <a:p>
             <a:r>
               <a:rPr lang="ru-RU" dirty="0"/>
-              <a:t>Бей или беги.</a:t>
+              <a:t>Роберт Хит и эксперемент на человеке</a:t>
             </a:r>
           </a:p>
           <a:p>
@@ -4545,7 +4563,13 @@
           <a:p>
             <a:r>
               <a:rPr lang="ru-RU" dirty="0"/>
-              <a:t>Обещание награды в купе с обещаением утешения.</a:t>
+              <a:t>Нейромаркетинг. </a:t>
+            </a:r>
+          </a:p>
+          <a:p>
+            <a:r>
+              <a:rPr lang="ru-RU" dirty="0"/>
+              <a:t>Реклама.</a:t>
             </a:r>
           </a:p>
           <a:p>
@@ -4554,7 +4578,7 @@
           <a:p>
             <a:r>
               <a:rPr lang="ru-RU" dirty="0"/>
-              <a:t>Страшные картинки на пачке с сигаретами.</a:t>
+              <a:t>Вот почему когда вы приходите домой после покупок, и некоторые покупки не радуют так как они радовали в магазине.</a:t>
             </a:r>
           </a:p>
           <a:p>
@@ -4563,7 +4587,7 @@
           <a:p>
             <a:r>
               <a:rPr lang="ru-RU" dirty="0"/>
-              <a:t>Эффект какого черта.</a:t>
+              <a:t>Главная функция Дофамина – заставить нас гнаться за счастьем а не сделать счастливыми.</a:t>
             </a:r>
           </a:p>
           <a:p>
@@ -4572,7 +4596,7 @@
           <a:p>
             <a:r>
               <a:rPr lang="ru-RU" dirty="0"/>
-              <a:t>Вина, стыд, безнадежность, потеря контроля и тп.</a:t>
+              <a:t>Но что если подавить этот нейромедиатор, будет ли лучше?</a:t>
             </a:r>
           </a:p>
           <a:p>
@@ -4581,49 +4605,10 @@
           <a:p>
             <a:r>
               <a:rPr lang="ru-RU" dirty="0"/>
-              <a:t>Когда мы проигрываем в волевых испытаниях, мы часто виним себя: мы слабые, безвольные тюфяки. </a:t>
-            </a:r>
-            <a:r>
-              <a:rPr lang="ru-RU"/>
-              <a:t>Но зачастую проблема в том что наш мозг и тело пребывают в неподходящем для самоконтроля состоянии.</a:t>
-            </a:r>
-            <a:endParaRPr lang="ru-RU" dirty="0"/>
-          </a:p>
-          <a:p>
-            <a:endParaRPr lang="ru-RU" dirty="0"/>
-          </a:p>
-          <a:p>
-            <a:r>
-              <a:rPr lang="ru-RU" dirty="0"/>
-              <a:t>Решение: прощение и не корить себя за ошибки, а признать что ты всего лишь человек и не идеален.</a:t>
-            </a:r>
-          </a:p>
-          <a:p>
-            <a:endParaRPr lang="ru-RU" dirty="0"/>
-          </a:p>
-          <a:p>
-            <a:r>
-              <a:rPr lang="ru-RU" dirty="0"/>
-              <a:t>Но мы часто думаем что мы сорвались потому что не сильно строги к себе, жестки. Занимаемся самоедством.</a:t>
-            </a:r>
-          </a:p>
-          <a:p>
-            <a:endParaRPr lang="ru-RU" dirty="0"/>
-          </a:p>
-          <a:p>
-            <a:r>
-              <a:rPr lang="ru-RU" dirty="0"/>
-              <a:t>Прощай себя когда ошибаешся.</a:t>
-            </a:r>
-          </a:p>
-          <a:p>
-            <a:endParaRPr lang="ru-RU" dirty="0"/>
-          </a:p>
-          <a:p>
-            <a:r>
-              <a:rPr lang="ru-RU" dirty="0"/>
-              <a:t> </a:t>
-            </a:r>
+              <a:t>Осознанность. И учиться находить это.</a:t>
+            </a:r>
+          </a:p>
+          <a:p>
             <a:endParaRPr lang="en-US" dirty="0"/>
           </a:p>
         </p:txBody>
@@ -4654,7 +4639,7 @@
     </p:spTree>
     <p:extLst>
       <p:ext uri="{BB962C8B-B14F-4D97-AF65-F5344CB8AC3E}">
-        <p14:creationId xmlns:p14="http://schemas.microsoft.com/office/powerpoint/2010/main" val="2603442122"/>
+        <p14:creationId xmlns:p14="http://schemas.microsoft.com/office/powerpoint/2010/main" val="296543143"/>
       </p:ext>
     </p:extLst>
   </p:cSld>
@@ -4710,13 +4695,16 @@
           <a:p>
             <a:r>
               <a:rPr lang="ru-RU" dirty="0"/>
-              <a:t>19 шимпанзе или 40 студентов Гарворда.</a:t>
-            </a:r>
+              <a:t>Стресс.</a:t>
+            </a:r>
+          </a:p>
+          <a:p>
+            <a:endParaRPr lang="ru-RU" dirty="0"/>
           </a:p>
           <a:p>
             <a:r>
               <a:rPr lang="ru-RU" dirty="0"/>
-              <a:t>2 сейчас или 6 потом. Теория и Реальность.</a:t>
+              <a:t>Бей или беги.</a:t>
             </a:r>
           </a:p>
           <a:p>
@@ -4725,7 +4713,7 @@
           <a:p>
             <a:r>
               <a:rPr lang="ru-RU" dirty="0"/>
-              <a:t>Проблема рациональности.</a:t>
+              <a:t>Обещание награды в купе с обещаением утешения. </a:t>
             </a:r>
           </a:p>
           <a:p>
@@ -4734,7 +4722,7 @@
           <a:p>
             <a:r>
               <a:rPr lang="ru-RU" dirty="0"/>
-              <a:t>Экономисты. Обесценивание при задержке.</a:t>
+              <a:t>Страшные картинки на пачке с сигаретами.</a:t>
             </a:r>
           </a:p>
           <a:p>
@@ -4743,7 +4731,7 @@
           <a:p>
             <a:r>
               <a:rPr lang="ru-RU" dirty="0"/>
-              <a:t>Наша система подкрепления не умеет реагировать на будущие блага.</a:t>
+              <a:t>Эффект какого черта.</a:t>
             </a:r>
           </a:p>
           <a:p>
@@ -4751,8 +4739,302 @@
           </a:p>
           <a:p>
             <a:r>
+              <a:rPr lang="en-US" sz="1800" b="1" dirty="0" err="1">
+                <a:effectLst/>
+                <a:latin typeface="Calibri" panose="020F0502020204030204" pitchFamily="34" charset="0"/>
+              </a:rPr>
+              <a:t>Эффект</a:t>
+            </a:r>
+            <a:r>
+              <a:rPr lang="en-US" sz="1800" b="1" dirty="0">
+                <a:effectLst/>
+                <a:latin typeface="Calibri" panose="020F0502020204030204" pitchFamily="34" charset="0"/>
+              </a:rPr>
+              <a:t> «</a:t>
+            </a:r>
+            <a:r>
+              <a:rPr lang="en-US" sz="1800" b="1" dirty="0" err="1">
+                <a:effectLst/>
+                <a:latin typeface="Calibri" panose="020F0502020204030204" pitchFamily="34" charset="0"/>
+              </a:rPr>
+              <a:t>какого</a:t>
+            </a:r>
+            <a:r>
+              <a:rPr lang="en-US" sz="1800" b="1" dirty="0">
+                <a:effectLst/>
+                <a:latin typeface="Calibri" panose="020F0502020204030204" pitchFamily="34" charset="0"/>
+              </a:rPr>
+              <a:t> </a:t>
+            </a:r>
+            <a:r>
+              <a:rPr lang="en-US" sz="1800" b="1" dirty="0" err="1">
+                <a:effectLst/>
+                <a:latin typeface="Calibri" panose="020F0502020204030204" pitchFamily="34" charset="0"/>
+              </a:rPr>
+              <a:t>черта</a:t>
+            </a:r>
+            <a:r>
+              <a:rPr lang="en-US" sz="1800" b="1" dirty="0">
+                <a:effectLst/>
+                <a:latin typeface="Calibri" panose="020F0502020204030204" pitchFamily="34" charset="0"/>
+              </a:rPr>
+              <a:t>» </a:t>
+            </a:r>
+            <a:r>
+              <a:rPr lang="en-US" sz="1800" b="1" dirty="0" err="1">
+                <a:effectLst/>
+                <a:latin typeface="Calibri" panose="020F0502020204030204" pitchFamily="34" charset="0"/>
+              </a:rPr>
+              <a:t>состоит</a:t>
+            </a:r>
+            <a:r>
+              <a:rPr lang="en-US" sz="1800" b="1" dirty="0">
+                <a:effectLst/>
+                <a:latin typeface="Calibri" panose="020F0502020204030204" pitchFamily="34" charset="0"/>
+              </a:rPr>
+              <a:t> </a:t>
+            </a:r>
+            <a:r>
+              <a:rPr lang="en-US" sz="1800" b="1" dirty="0" err="1">
+                <a:effectLst/>
+                <a:latin typeface="Calibri" panose="020F0502020204030204" pitchFamily="34" charset="0"/>
+              </a:rPr>
+              <a:t>из</a:t>
+            </a:r>
+            <a:r>
+              <a:rPr lang="en-US" sz="1800" b="1" dirty="0">
+                <a:effectLst/>
+                <a:latin typeface="Calibri" panose="020F0502020204030204" pitchFamily="34" charset="0"/>
+              </a:rPr>
+              <a:t> </a:t>
+            </a:r>
+            <a:r>
+              <a:rPr lang="en-US" sz="1800" b="1" dirty="0" err="1">
+                <a:effectLst/>
+                <a:latin typeface="Calibri" panose="020F0502020204030204" pitchFamily="34" charset="0"/>
+              </a:rPr>
+              <a:t>цикла</a:t>
+            </a:r>
+            <a:r>
+              <a:rPr lang="en-US" sz="1800" b="1" dirty="0">
+                <a:effectLst/>
+                <a:latin typeface="Calibri" panose="020F0502020204030204" pitchFamily="34" charset="0"/>
+              </a:rPr>
+              <a:t> </a:t>
+            </a:r>
+            <a:r>
+              <a:rPr lang="en-US" sz="1800" b="1" dirty="0" err="1">
+                <a:effectLst/>
+                <a:latin typeface="Calibri" panose="020F0502020204030204" pitchFamily="34" charset="0"/>
+              </a:rPr>
+              <a:t>поблажек</a:t>
+            </a:r>
+            <a:r>
+              <a:rPr lang="en-US" sz="1800" b="1" dirty="0">
+                <a:effectLst/>
+                <a:latin typeface="Calibri" panose="020F0502020204030204" pitchFamily="34" charset="0"/>
+              </a:rPr>
+              <a:t>, </a:t>
+            </a:r>
+            <a:r>
+              <a:rPr lang="en-US" sz="1800" b="1" dirty="0" err="1">
+                <a:effectLst/>
+                <a:latin typeface="Calibri" panose="020F0502020204030204" pitchFamily="34" charset="0"/>
+              </a:rPr>
+              <a:t>сожаления</a:t>
+            </a:r>
+            <a:r>
+              <a:rPr lang="en-US" sz="1800" b="1" dirty="0">
+                <a:effectLst/>
+                <a:latin typeface="Calibri" panose="020F0502020204030204" pitchFamily="34" charset="0"/>
+              </a:rPr>
+              <a:t> и </a:t>
+            </a:r>
+            <a:r>
+              <a:rPr lang="en-US" sz="1800" b="1" dirty="0" err="1">
+                <a:effectLst/>
+                <a:latin typeface="Calibri" panose="020F0502020204030204" pitchFamily="34" charset="0"/>
+              </a:rPr>
+              <a:t>еще</a:t>
+            </a:r>
+            <a:r>
+              <a:rPr lang="en-US" sz="1800" b="1" dirty="0">
+                <a:effectLst/>
+                <a:latin typeface="Calibri" panose="020F0502020204030204" pitchFamily="34" charset="0"/>
+              </a:rPr>
+              <a:t> </a:t>
+            </a:r>
+            <a:r>
+              <a:rPr lang="en-US" sz="1800" b="1" dirty="0" err="1">
+                <a:effectLst/>
+                <a:latin typeface="Calibri" panose="020F0502020204030204" pitchFamily="34" charset="0"/>
+              </a:rPr>
+              <a:t>больших</a:t>
+            </a:r>
+            <a:r>
+              <a:rPr lang="en-US" sz="1800" b="1" dirty="0">
+                <a:effectLst/>
+                <a:latin typeface="Calibri" panose="020F0502020204030204" pitchFamily="34" charset="0"/>
+              </a:rPr>
+              <a:t> </a:t>
+            </a:r>
+            <a:r>
+              <a:rPr lang="en-US" sz="1800" b="1" dirty="0" err="1">
+                <a:effectLst/>
+                <a:latin typeface="Calibri" panose="020F0502020204030204" pitchFamily="34" charset="0"/>
+              </a:rPr>
+              <a:t>поблаже</a:t>
+            </a:r>
+            <a:r>
+              <a:rPr lang="ru-RU" sz="1800" b="1" dirty="0">
+                <a:effectLst/>
+                <a:latin typeface="Calibri" panose="020F0502020204030204" pitchFamily="34" charset="0"/>
+              </a:rPr>
+              <a:t>к</a:t>
+            </a:r>
+            <a:r>
+              <a:rPr lang="en-US" sz="1800" b="1" dirty="0">
+                <a:effectLst/>
+                <a:latin typeface="Calibri" panose="020F0502020204030204" pitchFamily="34" charset="0"/>
+              </a:rPr>
+              <a:t>. </a:t>
+            </a:r>
+            <a:endParaRPr lang="ru-RU" sz="1800" b="1" dirty="0">
+              <a:effectLst/>
+              <a:latin typeface="Calibri" panose="020F0502020204030204" pitchFamily="34" charset="0"/>
+            </a:endParaRPr>
+          </a:p>
+          <a:p>
+            <a:endParaRPr lang="ru-RU" dirty="0"/>
+          </a:p>
+          <a:p>
+            <a:r>
+              <a:rPr lang="en-US" sz="1800" dirty="0">
+                <a:effectLst/>
+                <a:latin typeface="Calibri" panose="020F0502020204030204" pitchFamily="34" charset="0"/>
+              </a:rPr>
+              <a:t>И </a:t>
+            </a:r>
+            <a:r>
+              <a:rPr lang="en-US" sz="1800" dirty="0" err="1">
+                <a:effectLst/>
+                <a:latin typeface="Calibri" panose="020F0502020204030204" pitchFamily="34" charset="0"/>
+              </a:rPr>
+              <a:t>вместо</a:t>
+            </a:r>
+            <a:r>
+              <a:rPr lang="en-US" sz="1800" dirty="0">
+                <a:effectLst/>
+                <a:latin typeface="Calibri" panose="020F0502020204030204" pitchFamily="34" charset="0"/>
+              </a:rPr>
+              <a:t> </a:t>
+            </a:r>
+            <a:r>
+              <a:rPr lang="en-US" sz="1800" dirty="0" err="1">
+                <a:effectLst/>
+                <a:latin typeface="Calibri" panose="020F0502020204030204" pitchFamily="34" charset="0"/>
+              </a:rPr>
+              <a:t>того</a:t>
+            </a:r>
+            <a:r>
+              <a:rPr lang="en-US" sz="1800" dirty="0">
+                <a:effectLst/>
+                <a:latin typeface="Calibri" panose="020F0502020204030204" pitchFamily="34" charset="0"/>
+              </a:rPr>
+              <a:t> </a:t>
+            </a:r>
+            <a:r>
+              <a:rPr lang="en-US" sz="1800" dirty="0" err="1">
+                <a:effectLst/>
+                <a:latin typeface="Calibri" panose="020F0502020204030204" pitchFamily="34" charset="0"/>
+              </a:rPr>
+              <a:t>чтобы</a:t>
+            </a:r>
+            <a:r>
+              <a:rPr lang="en-US" sz="1800" dirty="0">
+                <a:effectLst/>
+                <a:latin typeface="Calibri" panose="020F0502020204030204" pitchFamily="34" charset="0"/>
+              </a:rPr>
+              <a:t> </a:t>
+            </a:r>
+            <a:r>
+              <a:rPr lang="en-US" sz="1800" dirty="0" err="1">
+                <a:effectLst/>
+                <a:latin typeface="Calibri" panose="020F0502020204030204" pitchFamily="34" charset="0"/>
+              </a:rPr>
+              <a:t>свести</a:t>
+            </a:r>
+            <a:r>
+              <a:rPr lang="en-US" sz="1800" dirty="0">
+                <a:effectLst/>
+                <a:latin typeface="Calibri" panose="020F0502020204030204" pitchFamily="34" charset="0"/>
+              </a:rPr>
+              <a:t> </a:t>
+            </a:r>
+            <a:r>
+              <a:rPr lang="en-US" sz="1800" dirty="0" err="1">
+                <a:effectLst/>
+                <a:latin typeface="Calibri" panose="020F0502020204030204" pitchFamily="34" charset="0"/>
+              </a:rPr>
+              <a:t>ущерб</a:t>
+            </a:r>
+            <a:r>
+              <a:rPr lang="en-US" sz="1800" dirty="0">
+                <a:effectLst/>
+                <a:latin typeface="Calibri" panose="020F0502020204030204" pitchFamily="34" charset="0"/>
+              </a:rPr>
+              <a:t> к </a:t>
+            </a:r>
+            <a:r>
+              <a:rPr lang="en-US" sz="1800" dirty="0" err="1">
+                <a:effectLst/>
+                <a:latin typeface="Calibri" panose="020F0502020204030204" pitchFamily="34" charset="0"/>
+              </a:rPr>
+              <a:t>минимуму</a:t>
+            </a:r>
+            <a:r>
+              <a:rPr lang="en-US" sz="1800" dirty="0">
+                <a:effectLst/>
+                <a:latin typeface="Calibri" panose="020F0502020204030204" pitchFamily="34" charset="0"/>
+              </a:rPr>
+              <a:t> и </a:t>
+            </a:r>
+            <a:r>
+              <a:rPr lang="en-US" sz="1800" dirty="0" err="1">
+                <a:effectLst/>
+                <a:latin typeface="Calibri" panose="020F0502020204030204" pitchFamily="34" charset="0"/>
+              </a:rPr>
+              <a:t>не</a:t>
+            </a:r>
+            <a:r>
+              <a:rPr lang="en-US" sz="1800" dirty="0">
+                <a:effectLst/>
+                <a:latin typeface="Calibri" panose="020F0502020204030204" pitchFamily="34" charset="0"/>
+              </a:rPr>
+              <a:t> </a:t>
+            </a:r>
+            <a:r>
+              <a:rPr lang="en-US" sz="1800" dirty="0" err="1">
+                <a:effectLst/>
+                <a:latin typeface="Calibri" panose="020F0502020204030204" pitchFamily="34" charset="0"/>
+              </a:rPr>
+              <a:t>объедаться</a:t>
+            </a:r>
+            <a:r>
+              <a:rPr lang="ru-RU" sz="1800" dirty="0">
+                <a:effectLst/>
+                <a:latin typeface="Calibri" panose="020F0502020204030204" pitchFamily="34" charset="0"/>
+              </a:rPr>
+              <a:t> они делают все на оборот</a:t>
+            </a:r>
+          </a:p>
+          <a:p>
+            <a:endParaRPr lang="ru-RU" dirty="0"/>
+          </a:p>
+          <a:p>
+            <a:r>
               <a:rPr lang="ru-RU" dirty="0"/>
-              <a:t>Но что если убрать награду с поля видения – подальше.</a:t>
+              <a:t>Вина, стыд, безнадежность, потеря контроля и тп.</a:t>
             </a:r>
           </a:p>
           <a:p>
@@ -4760,8 +5042,21 @@
           </a:p>
           <a:p>
             <a:r>
+              <a:rPr lang="ru-RU" sz="1800" b="1" dirty="0">
+                <a:effectLst/>
+                <a:latin typeface="Calibri" panose="020F0502020204030204" pitchFamily="34" charset="0"/>
+              </a:rPr>
+              <a:t>Поразительно, но именно прощение, а не вина повышает ответственность. </a:t>
+            </a:r>
+            <a:endParaRPr lang="ru-RU" dirty="0"/>
+          </a:p>
+          <a:p>
+            <a:endParaRPr lang="ru-RU" dirty="0"/>
+          </a:p>
+          <a:p>
+            <a:r>
               <a:rPr lang="ru-RU" dirty="0"/>
-              <a:t>Каков у ваш процент скидки? Людям свойственно обесценивать будущие блага.</a:t>
+              <a:t>Когда мы проигрываем в волевых испытаниях, мы часто виним себя: мы слабые, безвольные тюфяки. Но зачастую проблема в том что наш мозг и тело пребывают в неподходящем для самоконтроля состоянии.</a:t>
             </a:r>
           </a:p>
           <a:p>
@@ -4770,16 +5065,35 @@
           <a:p>
             <a:r>
               <a:rPr lang="ru-RU" dirty="0"/>
-              <a:t>Зефирный тест.</a:t>
-            </a:r>
+              <a:t>Решение: прощение и не корить себя за ошибки, а признать что ты всего лишь человек и не идеален.</a:t>
+            </a:r>
+          </a:p>
+          <a:p>
+            <a:endParaRPr lang="ru-RU" dirty="0"/>
+          </a:p>
+          <a:p>
+            <a:r>
+              <a:rPr lang="ru-RU" dirty="0"/>
+              <a:t>Но мы часто думаем что мы сорвались потому что не сильно строги к себе, жестки. Занимаемся самоедством.</a:t>
+            </a:r>
+          </a:p>
+          <a:p>
+            <a:endParaRPr lang="ru-RU" dirty="0"/>
+          </a:p>
+          <a:p>
+            <a:r>
+              <a:rPr lang="ru-RU" dirty="0"/>
+              <a:t>Прощай себя когда ошибаешся.</a:t>
+            </a:r>
+          </a:p>
+          <a:p>
+            <a:endParaRPr lang="ru-RU" dirty="0"/>
           </a:p>
           <a:p>
             <a:r>
               <a:rPr lang="ru-RU" dirty="0"/>
               <a:t> </a:t>
             </a:r>
-          </a:p>
-          <a:p>
             <a:endParaRPr lang="en-US" dirty="0"/>
           </a:p>
         </p:txBody>
@@ -4866,37 +5180,99 @@
           <a:p>
             <a:r>
               <a:rPr lang="ru-RU" dirty="0"/>
-              <a:t>1519 год Эрнан Кортес испанский конкистадор в поисках золота и серебра повел экспедицию с Кубы на полуостров Юкатан в юго-восточной Мексике.</a:t>
+              <a:t>19 шимпанзе или 40 студентов Гарворда.</a:t>
+            </a:r>
+          </a:p>
+          <a:p>
+            <a:r>
+              <a:rPr lang="ru-RU" dirty="0"/>
+              <a:t>2 сейчас или 6 потом. Теория и Реальность.</a:t>
+            </a:r>
+          </a:p>
+          <a:p>
+            <a:endParaRPr lang="ru-RU" dirty="0"/>
+          </a:p>
+          <a:p>
+            <a:r>
+              <a:rPr lang="ru-RU" dirty="0"/>
+              <a:t>Проблема рациональности.</a:t>
+            </a:r>
+          </a:p>
+          <a:p>
+            <a:endParaRPr lang="ru-RU" dirty="0"/>
+          </a:p>
+          <a:p>
+            <a:r>
+              <a:rPr lang="ru-RU" dirty="0"/>
+              <a:t>Экономисты. Обесценивание при задержке.</a:t>
+            </a:r>
+          </a:p>
+          <a:p>
+            <a:endParaRPr lang="ru-RU" dirty="0"/>
+          </a:p>
+          <a:p>
+            <a:r>
+              <a:rPr lang="ru-RU" sz="1800" b="1" dirty="0">
+                <a:effectLst/>
+                <a:latin typeface="Calibri" panose="020F0502020204030204" pitchFamily="34" charset="0"/>
+              </a:rPr>
+              <a:t>Экономисты называют это обесцениванием при задержке — чем дольше приходится ждать награды, тем меньше она ценится.</a:t>
+            </a:r>
+            <a:endParaRPr lang="ru-RU" dirty="0"/>
+          </a:p>
+          <a:p>
+            <a:endParaRPr lang="ru-RU" dirty="0"/>
+          </a:p>
+          <a:p>
+            <a:r>
+              <a:rPr lang="ru-RU" sz="1800" b="1" dirty="0">
+                <a:effectLst/>
+                <a:latin typeface="Calibri" panose="020F0502020204030204" pitchFamily="34" charset="0"/>
+              </a:rPr>
+              <a:t>В поведенческой экономике это называется ограниченной рациональностью: мы рациональны, пока не приходится действовать.</a:t>
+            </a:r>
+            <a:endParaRPr lang="ru-RU" dirty="0"/>
+          </a:p>
+          <a:p>
+            <a:endParaRPr lang="ru-RU" dirty="0"/>
+          </a:p>
+          <a:p>
+            <a:r>
+              <a:rPr lang="ru-RU" dirty="0"/>
+              <a:t>Наша система подкрепления не умеет реагировать на будущие блага.</a:t>
+            </a:r>
+          </a:p>
+          <a:p>
+            <a:endParaRPr lang="ru-RU" dirty="0"/>
+          </a:p>
+          <a:p>
+            <a:r>
+              <a:rPr lang="ru-RU" dirty="0"/>
+              <a:t>Но что если убрать награду с поля видения – подальше.</a:t>
+            </a:r>
+          </a:p>
+          <a:p>
+            <a:endParaRPr lang="ru-RU" dirty="0"/>
+          </a:p>
+          <a:p>
+            <a:r>
+              <a:rPr lang="ru-RU" dirty="0"/>
+              <a:t>Каков у ваш процент скидки? Людям свойственно обесценивать будущие блага.</a:t>
+            </a:r>
+          </a:p>
+          <a:p>
+            <a:endParaRPr lang="ru-RU" dirty="0"/>
+          </a:p>
+          <a:p>
+            <a:r>
+              <a:rPr lang="ru-RU" dirty="0"/>
+              <a:t>Зефирный тест.</a:t>
             </a:r>
           </a:p>
           <a:p>
             <a:r>
               <a:rPr lang="ru-RU" dirty="0"/>
               <a:t> </a:t>
-            </a:r>
-          </a:p>
-          <a:p>
-            <a:r>
-              <a:rPr lang="ru-RU" dirty="0"/>
-              <a:t>Это любимая байка поведенческих экономистов.</a:t>
-            </a:r>
-          </a:p>
-          <a:p>
-            <a:endParaRPr lang="ru-RU" dirty="0"/>
-          </a:p>
-          <a:p>
-            <a:r>
-              <a:rPr lang="ru-RU" dirty="0"/>
-              <a:t>Сайты по блокировке. И даже по оплате если поситишь.</a:t>
-            </a:r>
-          </a:p>
-          <a:p>
-            <a:endParaRPr lang="ru-RU" dirty="0"/>
-          </a:p>
-          <a:p>
-            <a:r>
-              <a:rPr lang="ru-RU" dirty="0"/>
-              <a:t>Будущее я. Будущее я – незнакомец.</a:t>
             </a:r>
           </a:p>
           <a:p>
@@ -4984,27 +5360,69 @@
           <a:bodyPr/>
           <a:lstStyle/>
           <a:p>
+            <a:r>
+              <a:rPr lang="ru-RU" dirty="0"/>
+              <a:t>1519 год Эрнан Кортес испанский конкистадор в поисках золота и серебра повел экспедицию с Кубы на полуостров Юкатан в юго-восточной Мексике.</a:t>
+            </a:r>
+          </a:p>
+          <a:p>
+            <a:r>
+              <a:rPr lang="ru-RU" dirty="0"/>
+              <a:t> </a:t>
+            </a:r>
+          </a:p>
+          <a:p>
+            <a:r>
+              <a:rPr lang="ru-RU" sz="1800" b="1" dirty="0">
+                <a:effectLst/>
+                <a:latin typeface="Calibri" panose="020F0502020204030204" pitchFamily="34" charset="0"/>
+              </a:rPr>
+              <a:t>любимая байка поведенческих экономистов: они считают, что лучшая стратегия самоконтроля — сжигать за собой мосты.</a:t>
+            </a:r>
+          </a:p>
+          <a:p>
             <a:endParaRPr lang="ru-RU" dirty="0"/>
           </a:p>
           <a:p>
+            <a:r>
+              <a:rPr lang="ru-RU" dirty="0"/>
+              <a:t>Сайты по блокировке. И даже по оплате если поситишь.</a:t>
+            </a:r>
+          </a:p>
+          <a:p>
             <a:endParaRPr lang="ru-RU" dirty="0"/>
           </a:p>
           <a:p>
+            <a:r>
+              <a:rPr lang="ru-RU" dirty="0"/>
+              <a:t>Будущее я. Будущее я – незнакомец.</a:t>
+            </a:r>
+          </a:p>
+          <a:p>
             <a:endParaRPr lang="ru-RU" dirty="0"/>
           </a:p>
           <a:p>
             <a:r>
-              <a:rPr lang="ru-RU" dirty="0"/>
-              <a:t>Социальное доказательство.</a:t>
-            </a:r>
-          </a:p>
-          <a:p>
-            <a:endParaRPr lang="ru-RU" dirty="0"/>
-          </a:p>
-          <a:p>
-            <a:r>
-              <a:rPr lang="ru-RU" dirty="0"/>
-              <a:t>Гордость и Стыд.</a:t>
+              <a:rPr lang="ru-RU" sz="1800" dirty="0">
+                <a:effectLst/>
+                <a:latin typeface="Calibri" panose="020F0502020204030204" pitchFamily="34" charset="0"/>
+              </a:rPr>
+              <a:t>Напротив, связь с будущим «я» защищает нас от наших худших порывов.</a:t>
+            </a:r>
+          </a:p>
+          <a:p>
+            <a:endParaRPr lang="ru-RU" sz="1800" dirty="0">
+              <a:effectLst/>
+              <a:latin typeface="Calibri" panose="020F0502020204030204" pitchFamily="34" charset="0"/>
+            </a:endParaRPr>
+          </a:p>
+          <a:p>
+            <a:r>
+              <a:rPr lang="ru-RU" sz="1800" dirty="0">
+                <a:effectLst/>
+                <a:latin typeface="Calibri" panose="020F0502020204030204" pitchFamily="34" charset="0"/>
+              </a:rPr>
+              <a:t>фильм "назад в будущее"</a:t>
             </a:r>
             <a:endParaRPr lang="en-US" dirty="0"/>
           </a:p>
@@ -5090,9 +5508,108 @@
           <a:bodyPr/>
           <a:lstStyle/>
           <a:p>
+            <a:endParaRPr lang="ru-RU" dirty="0"/>
+          </a:p>
+          <a:p>
+            <a:r>
+              <a:rPr lang="ru-RU" sz="1800" b="1" dirty="0">
+                <a:effectLst/>
+                <a:latin typeface="Calibri" panose="020F0502020204030204" pitchFamily="34" charset="0"/>
+              </a:rPr>
+              <a:t>У нас есть особые нейроны — они называются зеркальными, их единственная задача[38] — отслеживать, что думают, чувствуют и делают другие люди.</a:t>
+            </a:r>
+            <a:endParaRPr lang="ru-RU" dirty="0"/>
+          </a:p>
+          <a:p>
+            <a:endParaRPr lang="ru-RU" dirty="0"/>
+          </a:p>
+          <a:p>
+            <a:r>
+              <a:rPr lang="ru-RU" sz="1800" b="1" dirty="0">
+                <a:effectLst/>
+                <a:latin typeface="Calibri" panose="020F0502020204030204" pitchFamily="34" charset="0"/>
+              </a:rPr>
+              <a:t>поэтому продавцов, менеджеров и политиков учат намеренно копировать позы других людей: человек, которому подражают, более внушаем</a:t>
+            </a:r>
+            <a:r>
+              <a:rPr lang="ru-RU" sz="1800" dirty="0">
+                <a:effectLst/>
+                <a:latin typeface="Calibri" panose="020F0502020204030204" pitchFamily="34" charset="0"/>
+              </a:rPr>
+              <a:t>).</a:t>
+            </a:r>
+            <a:endParaRPr lang="ru-RU" dirty="0"/>
+          </a:p>
+          <a:p>
+            <a:endParaRPr lang="ru-RU" dirty="0"/>
+          </a:p>
+          <a:p>
+            <a:r>
+              <a:rPr lang="ru-RU" sz="1800" b="1" dirty="0">
+                <a:effectLst/>
+                <a:latin typeface="Calibri" panose="020F0502020204030204" pitchFamily="34" charset="0"/>
+              </a:rPr>
+              <a:t>закадровый смех</a:t>
+            </a:r>
+            <a:endParaRPr lang="ru-RU" dirty="0"/>
+          </a:p>
+          <a:p>
+            <a:endParaRPr lang="ru-RU" dirty="0"/>
+          </a:p>
+          <a:p>
+            <a:pPr marL="0" marR="0" lvl="0" indent="0" algn="l" defTabSz="914400" rtl="0" eaLnBrk="1" fontAlgn="auto" latinLnBrk="0" hangingPunct="1">
+              <a:lnSpc>
+                <a:spcPct val="100000"/>
+              </a:lnSpc>
+              <a:spcBef>
+                <a:spcPts val="0"/>
+              </a:spcBef>
+              <a:spcAft>
+                <a:spcPts val="0"/>
+              </a:spcAft>
+              <a:buClrTx/>
+              <a:buSzTx/>
+              <a:buFontTx/>
+              <a:buNone/>
+              <a:tabLst/>
+              <a:defRPr/>
+            </a:pPr>
+            <a:r>
+              <a:rPr lang="ru-RU" sz="1800" dirty="0">
+                <a:effectLst/>
+                <a:latin typeface="Calibri" panose="020F0502020204030204" pitchFamily="34" charset="0"/>
+              </a:rPr>
+              <a:t>Поэтому в компании мы едим больше, чем в одиночку, игроки поднимают ставки, когда кто-то срывает куш, и мы тратим больше, когда ходим по магазинам с друзьями.</a:t>
+            </a:r>
+            <a:endParaRPr lang="ru-RU" dirty="0"/>
+          </a:p>
+          <a:p>
+            <a:endParaRPr lang="ru-RU" dirty="0"/>
+          </a:p>
+          <a:p>
+            <a:r>
+              <a:rPr lang="ru-RU" sz="1800" dirty="0">
+                <a:effectLst/>
+                <a:latin typeface="Calibri" panose="020F0502020204030204" pitchFamily="34" charset="0"/>
+              </a:rPr>
+              <a:t>Хорошая новость заключается в том, что </a:t>
+            </a:r>
+            <a:r>
+              <a:rPr lang="ru-RU" sz="1800" b="1" dirty="0">
+                <a:effectLst/>
+                <a:latin typeface="Calibri" panose="020F0502020204030204" pitchFamily="34" charset="0"/>
+              </a:rPr>
+              <a:t>заразиться можно только теми целями, которые вы в некоторой степени разделяете. </a:t>
+            </a:r>
+            <a:endParaRPr lang="ru-RU" dirty="0"/>
+          </a:p>
+          <a:p>
+            <a:endParaRPr lang="ru-RU" dirty="0"/>
+          </a:p>
+          <a:p>
             <a:r>
               <a:rPr lang="ru-RU" dirty="0"/>
-              <a:t>Попытки контролироват мысли и чувства вызывают обратный эффект.</a:t>
+              <a:t>Социальное доказательство.</a:t>
             </a:r>
           </a:p>
           <a:p>
@@ -5100,21 +5617,69 @@
           </a:p>
           <a:p>
             <a:r>
+              <a:rPr lang="ru-RU" sz="1800" dirty="0">
+                <a:effectLst/>
+                <a:latin typeface="Calibri" panose="020F0502020204030204" pitchFamily="34" charset="0"/>
+              </a:rPr>
+              <a:t>Е</a:t>
+            </a:r>
+            <a:r>
+              <a:rPr lang="ru-RU" sz="1800" b="1" dirty="0">
+                <a:effectLst/>
+                <a:latin typeface="Calibri" panose="020F0502020204030204" pitchFamily="34" charset="0"/>
+              </a:rPr>
+              <a:t>сли твои друзья побегут прыгать с моста, ты тоже прыгнешь</a:t>
+            </a:r>
+            <a:r>
+              <a:rPr lang="ru-RU" sz="1800" dirty="0">
+                <a:effectLst/>
+                <a:latin typeface="Calibri" panose="020F0502020204030204" pitchFamily="34" charset="0"/>
+              </a:rPr>
+              <a:t>?</a:t>
+            </a:r>
+            <a:endParaRPr lang="ru-RU" dirty="0"/>
+          </a:p>
+          <a:p>
+            <a:endParaRPr lang="ru-RU" dirty="0"/>
+          </a:p>
+          <a:p>
+            <a:r>
               <a:rPr lang="ru-RU" dirty="0"/>
-              <a:t>Белые медведи.</a:t>
+              <a:t>Гордость и Стыд.</a:t>
             </a:r>
           </a:p>
           <a:p>
             <a:endParaRPr lang="ru-RU" dirty="0"/>
           </a:p>
           <a:p>
-            <a:r>
-              <a:rPr lang="ru-RU" dirty="0"/>
-              <a:t>Проблема с запретами.</a:t>
-            </a:r>
-          </a:p>
-          <a:p>
-            <a:endParaRPr lang="ru-RU" dirty="0"/>
+            <a:pPr marL="0" marR="0" lvl="0" indent="0" algn="l" defTabSz="914400" rtl="0" eaLnBrk="1" fontAlgn="auto" latinLnBrk="0" hangingPunct="1">
+              <a:lnSpc>
+                <a:spcPct val="100000"/>
+              </a:lnSpc>
+              <a:spcBef>
+                <a:spcPts val="0"/>
+              </a:spcBef>
+              <a:spcAft>
+                <a:spcPts val="0"/>
+              </a:spcAft>
+              <a:buClrTx/>
+              <a:buSzTx/>
+              <a:buFontTx/>
+              <a:buNone/>
+              <a:tabLst/>
+              <a:defRPr/>
+            </a:pPr>
+            <a:r>
+              <a:rPr lang="ru-RU" sz="1800" b="1" dirty="0">
+                <a:effectLst/>
+                <a:latin typeface="Calibri" panose="020F0502020204030204" pitchFamily="34" charset="0"/>
+              </a:rPr>
+              <a:t>Дэвид Дестено, психолог из Северо-Восточного университета, утверждает, что такие социальные эмоции, как гордость и стыд, влияют на наши решения быстрее и сильнее рациональных доводов о долгосрочных затратах и выгодах.</a:t>
+            </a:r>
+            <a:endParaRPr lang="ru-RU" sz="1800" dirty="0">
+              <a:effectLst/>
+              <a:latin typeface="Calibri" panose="020F0502020204030204" pitchFamily="34" charset="0"/>
+            </a:endParaRPr>
           </a:p>
           <a:p>
             <a:endParaRPr lang="en-US" dirty="0"/>
@@ -5139,6 +5704,134 @@
             <a:fld id="{EF83ECF8-EBB3-462A-BC97-8AC574C482EA}" type="slidenum">
               <a:rPr lang="en-US" smtClean="0"/>
               <a:t>38</a:t>
+            </a:fld>
+            <a:endParaRPr lang="en-US"/>
+          </a:p>
+        </p:txBody>
+      </p:sp>
+    </p:spTree>
+    <p:extLst>
+      <p:ext uri="{BB962C8B-B14F-4D97-AF65-F5344CB8AC3E}">
+        <p14:creationId xmlns:p14="http://schemas.microsoft.com/office/powerpoint/2010/main" val="2603442122"/>
+      </p:ext>
+    </p:extLst>
+  </p:cSld>
+  <p:clrMapOvr>
+    <a:masterClrMapping/>
+  </p:clrMapOvr>
+</p:notes>
+</file>
+
+<file path=ppt/notesSlides/notesSlide26.xml><?xml version="1.0" encoding="utf-8"?>
+<p:notes xmlns:a="http://schemas.openxmlformats.org/drawingml/2006/main" xmlns:r="http://schemas.openxmlformats.org/officeDocument/2006/relationships" xmlns:p="http://schemas.openxmlformats.org/presentationml/2006/main">
+  <p:cSld>
+    <p:spTree>
+      <p:nvGrpSpPr>
+        <p:cNvPr id="1" name=""/>
+        <p:cNvGrpSpPr/>
+        <p:nvPr/>
+      </p:nvGrpSpPr>
+      <p:grpSpPr>
+        <a:xfrm>
+          <a:off x="0" y="0"/>
+          <a:ext cx="0" cy="0"/>
+          <a:chOff x="0" y="0"/>
+          <a:chExt cx="0" cy="0"/>
+        </a:xfrm>
+      </p:grpSpPr>
+      <p:sp>
+        <p:nvSpPr>
+          <p:cNvPr id="2" name="Slide Image Placeholder 1"/>
+          <p:cNvSpPr>
+            <a:spLocks noGrp="1" noRot="1" noChangeAspect="1"/>
+          </p:cNvSpPr>
+          <p:nvPr>
+            <p:ph type="sldImg"/>
+          </p:nvPr>
+        </p:nvSpPr>
+        <p:spPr/>
+      </p:sp>
+      <p:sp>
+        <p:nvSpPr>
+          <p:cNvPr id="3" name="Notes Placeholder 2"/>
+          <p:cNvSpPr>
+            <a:spLocks noGrp="1"/>
+          </p:cNvSpPr>
+          <p:nvPr>
+            <p:ph type="body" idx="1"/>
+          </p:nvPr>
+        </p:nvSpPr>
+        <p:spPr/>
+        <p:txBody>
+          <a:bodyPr/>
+          <a:lstStyle/>
+          <a:p>
+            <a:r>
+              <a:rPr lang="ru-RU" dirty="0"/>
+              <a:t>Попытки контролироват мысли и чувства вызывают обратный эффект.</a:t>
+            </a:r>
+          </a:p>
+          <a:p>
+            <a:endParaRPr lang="ru-RU" dirty="0"/>
+          </a:p>
+          <a:p>
+            <a:r>
+              <a:rPr lang="ru-RU" dirty="0"/>
+              <a:t>Белые медведи.</a:t>
+            </a:r>
+          </a:p>
+          <a:p>
+            <a:endParaRPr lang="ru-RU" dirty="0"/>
+          </a:p>
+          <a:p>
+            <a:r>
+              <a:rPr lang="ru-RU" dirty="0"/>
+              <a:t>Проблема с запретами.</a:t>
+            </a:r>
+          </a:p>
+          <a:p>
+            <a:endParaRPr lang="ru-RU" dirty="0"/>
+          </a:p>
+          <a:p>
+            <a:r>
+              <a:rPr lang="ru-RU" sz="1800" b="1" dirty="0">
+                <a:effectLst/>
+                <a:latin typeface="Calibri" panose="020F0502020204030204" pitchFamily="34" charset="0"/>
+              </a:rPr>
+              <a:t>Собственно, диеты — даже лучший способ поправиться, чем похудеть. На диетах полнеют сильнее, чем без диет.</a:t>
+            </a:r>
+            <a:endParaRPr lang="ru-RU" dirty="0"/>
+          </a:p>
+          <a:p>
+            <a:r>
+              <a:rPr lang="ru-RU" sz="1800" dirty="0">
+                <a:effectLst/>
+                <a:latin typeface="Calibri" panose="020F0502020204030204" pitchFamily="34" charset="0"/>
+              </a:rPr>
+              <a:t>Чем больше вы избегаете какого-то продукта, тем больше о нем думаете</a:t>
+            </a:r>
+            <a:endParaRPr lang="en-US" dirty="0"/>
+          </a:p>
+        </p:txBody>
+      </p:sp>
+      <p:sp>
+        <p:nvSpPr>
+          <p:cNvPr id="4" name="Slide Number Placeholder 3"/>
+          <p:cNvSpPr>
+            <a:spLocks noGrp="1"/>
+          </p:cNvSpPr>
+          <p:nvPr>
+            <p:ph type="sldNum" sz="quarter" idx="5"/>
+          </p:nvPr>
+        </p:nvSpPr>
+        <p:spPr/>
+        <p:txBody>
+          <a:bodyPr/>
+          <a:lstStyle/>
+          <a:p>
+            <a:fld id="{EF83ECF8-EBB3-462A-BC97-8AC574C482EA}" type="slidenum">
+              <a:rPr lang="en-US" smtClean="0"/>
+              <a:t>39</a:t>
             </a:fld>
             <a:endParaRPr lang="en-US"/>
           </a:p>
@@ -6639,7 +7332,7 @@
             <a:fld id="{1E700B27-DE4C-4B9E-BB11-B9027034A00F}" type="datetimeFigureOut">
               <a:rPr lang="en-US" dirty="0"/>
               <a:pPr/>
-              <a:t>2/4/2021</a:t>
+              <a:t>2/5/2021</a:t>
             </a:fld>
             <a:endParaRPr lang="en-US" dirty="0"/>
           </a:p>
@@ -7755,7 +8448,7 @@
           <a:p>
             <a:fld id="{C40F4739-9812-4A9F-890D-2AD6BA5F6EE8}" type="datetimeFigureOut">
               <a:rPr lang="en-US" dirty="0"/>
-              <a:t>2/4/2021</a:t>
+              <a:t>2/5/2021</a:t>
             </a:fld>
             <a:endParaRPr lang="en-US" dirty="0"/>
           </a:p>
@@ -8762,7 +9455,7 @@
           <a:p>
             <a:fld id="{18845AC5-A3F8-44AA-BA8F-596CDCC976D3}" type="datetimeFigureOut">
               <a:rPr lang="en-US" dirty="0"/>
-              <a:t>2/4/2021</a:t>
+              <a:t>2/5/2021</a:t>
             </a:fld>
             <a:endParaRPr lang="en-US" dirty="0"/>
           </a:p>
@@ -9928,7 +10621,7 @@
           <a:p>
             <a:fld id="{C873B183-A821-4095-A363-9EC968635539}" type="datetimeFigureOut">
               <a:rPr lang="en-US" dirty="0"/>
-              <a:t>2/4/2021</a:t>
+              <a:t>2/5/2021</a:t>
             </a:fld>
             <a:endParaRPr lang="en-US" dirty="0"/>
           </a:p>
@@ -10985,7 +11678,7 @@
           <a:p>
             <a:fld id="{174D01B4-0AA5-45E6-B2E6-5FA4078AEBCF}" type="datetimeFigureOut">
               <a:rPr lang="en-US" dirty="0"/>
-              <a:t>2/4/2021</a:t>
+              <a:t>2/5/2021</a:t>
             </a:fld>
             <a:endParaRPr lang="en-US" dirty="0"/>
           </a:p>
@@ -11627,7 +12320,7 @@
           <a:p>
             <a:fld id="{4147335C-0450-40D7-8612-B3203BED4F28}" type="datetimeFigureOut">
               <a:rPr lang="en-US" dirty="0"/>
-              <a:t>2/4/2021</a:t>
+              <a:t>2/5/2021</a:t>
             </a:fld>
             <a:endParaRPr lang="en-US" dirty="0"/>
           </a:p>
@@ -12470,7 +13163,7 @@
           <a:p>
             <a:fld id="{D246A105-2A1C-4284-B4EA-07CF89B1A393}" type="datetimeFigureOut">
               <a:rPr lang="en-US" dirty="0"/>
-              <a:t>2/4/2021</a:t>
+              <a:t>2/5/2021</a:t>
             </a:fld>
             <a:endParaRPr lang="en-US" dirty="0"/>
           </a:p>
@@ -12641,7 +13334,7 @@
           <a:p>
             <a:fld id="{80DBE609-F3F2-45E6-BD6A-E03A8C86C1AE}" type="datetimeFigureOut">
               <a:rPr lang="en-US" dirty="0"/>
-              <a:t>2/4/2021</a:t>
+              <a:t>2/5/2021</a:t>
             </a:fld>
             <a:endParaRPr lang="en-US" dirty="0"/>
           </a:p>
@@ -13635,7 +14328,7 @@
           <a:p>
             <a:fld id="{7A24AD68-089C-4467-A8F3-EA2BBCA6B44E}" type="datetimeFigureOut">
               <a:rPr lang="en-US" dirty="0"/>
-              <a:t>2/4/2021</a:t>
+              <a:t>2/5/2021</a:t>
             </a:fld>
             <a:endParaRPr lang="en-US" dirty="0"/>
           </a:p>
@@ -13837,7 +14530,7 @@
           <a:p>
             <a:fld id="{75C51FCE-E4BB-4680-8E50-3C0E348D2609}" type="datetimeFigureOut">
               <a:rPr lang="en-US" dirty="0"/>
-              <a:t>2/4/2021</a:t>
+              <a:t>2/5/2021</a:t>
             </a:fld>
             <a:endParaRPr lang="en-US" dirty="0"/>
           </a:p>
@@ -14895,7 +15588,7 @@
           <a:p>
             <a:fld id="{8AAA073D-A903-47F8-8D16-77642FB0DF1F}" type="datetimeFigureOut">
               <a:rPr lang="en-US" dirty="0"/>
-              <a:t>2/4/2021</a:t>
+              <a:t>2/5/2021</a:t>
             </a:fld>
             <a:endParaRPr lang="en-US" dirty="0"/>
           </a:p>
@@ -15163,7 +15856,7 @@
           <a:p>
             <a:fld id="{AB91FA40-626B-4CA1-85D0-7A9016E395BA}" type="datetimeFigureOut">
               <a:rPr lang="en-US" dirty="0"/>
-              <a:t>2/4/2021</a:t>
+              <a:t>2/5/2021</a:t>
             </a:fld>
             <a:endParaRPr lang="en-US" dirty="0"/>
           </a:p>
@@ -15541,7 +16234,7 @@
           <a:p>
             <a:fld id="{C3F425EA-B9DC-48A7-991E-9A82573B1B21}" type="datetimeFigureOut">
               <a:rPr lang="en-US" dirty="0"/>
-              <a:t>2/4/2021</a:t>
+              <a:t>2/5/2021</a:t>
             </a:fld>
             <a:endParaRPr lang="en-US" dirty="0"/>
           </a:p>
@@ -15655,7 +16348,7 @@
           <a:p>
             <a:fld id="{66CB97F8-6CEB-469B-AFCC-889F2A2B1D5A}" type="datetimeFigureOut">
               <a:rPr lang="en-US" dirty="0"/>
-              <a:t>2/4/2021</a:t>
+              <a:t>2/5/2021</a:t>
             </a:fld>
             <a:endParaRPr lang="en-US" dirty="0"/>
           </a:p>
@@ -15746,7 +16439,7 @@
           <a:p>
             <a:fld id="{8FA9179F-009E-4FA5-B091-7EBB82A185BD}" type="datetimeFigureOut">
               <a:rPr lang="en-US" dirty="0"/>
-              <a:t>2/4/2021</a:t>
+              <a:t>2/5/2021</a:t>
             </a:fld>
             <a:endParaRPr lang="en-US" dirty="0"/>
           </a:p>
@@ -16851,7 +17544,7 @@
           <a:p>
             <a:fld id="{8E665CEB-0076-4E37-B880-BCEA9784DE0A}" type="datetimeFigureOut">
               <a:rPr lang="en-US" dirty="0"/>
-              <a:t>2/4/2021</a:t>
+              <a:t>2/5/2021</a:t>
             </a:fld>
             <a:endParaRPr lang="en-US" dirty="0"/>
           </a:p>
@@ -17980,7 +18673,7 @@
           <a:p>
             <a:fld id="{A6149E5E-3896-4118-99A7-7B85668F1C5E}" type="datetimeFigureOut">
               <a:rPr lang="en-US" dirty="0"/>
-              <a:t>2/4/2021</a:t>
+              <a:t>2/5/2021</a:t>
             </a:fld>
             <a:endParaRPr lang="en-US" dirty="0"/>
           </a:p>
@@ -19004,7 +19697,7 @@
           <a:p>
             <a:fld id="{7E0D914D-B099-4142-A885-11F276715148}" type="datetimeFigureOut">
               <a:rPr lang="en-US" dirty="0"/>
-              <a:t>2/4/2021</a:t>
+              <a:t>2/5/2021</a:t>
             </a:fld>
             <a:endParaRPr lang="en-US" dirty="0"/>
           </a:p>
@@ -22466,56 +23159,24 @@
         </p:nvSpPr>
         <p:spPr>
           <a:xfrm>
-            <a:off x="1154953" y="2603500"/>
-            <a:ext cx="8761412" cy="3416300"/>
+            <a:off x="1154953" y="3729518"/>
+            <a:ext cx="8761412" cy="2290281"/>
           </a:xfrm>
         </p:spPr>
         <p:txBody>
-          <a:bodyPr/>
+          <a:bodyPr>
+            <a:normAutofit/>
+          </a:bodyPr>
           <a:lstStyle/>
           <a:p>
-            <a:r>
-              <a:rPr lang="ru-RU" dirty="0"/>
-              <a:t>Сила воли это мышца.</a:t>
-            </a:r>
-          </a:p>
-          <a:p>
-            <a:r>
-              <a:rPr lang="ru-RU" dirty="0"/>
-              <a:t>Восполняйте резерв силы воли.</a:t>
-            </a:r>
-          </a:p>
-          <a:p>
-            <a:r>
-              <a:rPr lang="ru-RU" dirty="0"/>
-              <a:t>Границы самоконтроля.</a:t>
-            </a:r>
-          </a:p>
-          <a:p>
-            <a:r>
-              <a:rPr lang="ru-RU" dirty="0"/>
-              <a:t>Эффект нравственной поблажки.</a:t>
-            </a:r>
-          </a:p>
-          <a:p>
-            <a:r>
-              <a:rPr lang="ru-RU" dirty="0"/>
-              <a:t>Система подкрепления </a:t>
-            </a:r>
-            <a:r>
-              <a:rPr lang="en-US" dirty="0"/>
-              <a:t>&lt;&lt;&lt;</a:t>
-            </a:r>
-            <a:endParaRPr lang="ru-RU" dirty="0"/>
-          </a:p>
-          <a:p>
-            <a:endParaRPr lang="ru-RU" dirty="0"/>
-          </a:p>
-          <a:p>
-            <a:endParaRPr lang="ru-RU" dirty="0"/>
-          </a:p>
-          <a:p>
-            <a:endParaRPr lang="en-US" dirty="0"/>
+            <a:pPr marL="0" indent="0" algn="ctr">
+              <a:buNone/>
+            </a:pPr>
+            <a:r>
+              <a:rPr lang="ru-RU" sz="2000" b="1" dirty="0"/>
+              <a:t>Часть вторая</a:t>
+            </a:r>
+            <a:endParaRPr lang="en-US" sz="2000" b="1" dirty="0"/>
           </a:p>
         </p:txBody>
       </p:sp>
@@ -22624,19 +23285,13 @@
           <a:p>
             <a:r>
               <a:rPr lang="ru-RU" dirty="0"/>
-              <a:t>Эффект нравственной поблажки</a:t>
+              <a:t>Эффект нравственной поблажки.</a:t>
             </a:r>
           </a:p>
           <a:p>
             <a:r>
               <a:rPr lang="ru-RU" dirty="0"/>
-              <a:t>Система подкрепления.</a:t>
-            </a:r>
-          </a:p>
-          <a:p>
-            <a:r>
-              <a:rPr lang="ru-RU" dirty="0"/>
-              <a:t>Эффект «какого черта» </a:t>
+              <a:t>Система подкрепления </a:t>
             </a:r>
             <a:r>
               <a:rPr lang="en-US" dirty="0"/>
@@ -22658,7 +23313,7 @@
     </p:spTree>
     <p:extLst>
       <p:ext uri="{BB962C8B-B14F-4D97-AF65-F5344CB8AC3E}">
-        <p14:creationId xmlns:p14="http://schemas.microsoft.com/office/powerpoint/2010/main" val="2657785371"/>
+        <p14:creationId xmlns:p14="http://schemas.microsoft.com/office/powerpoint/2010/main" val="1775588817"/>
       </p:ext>
     </p:extLst>
   </p:cSld>
@@ -22772,21 +23427,20 @@
           <a:p>
             <a:r>
               <a:rPr lang="ru-RU" dirty="0"/>
-              <a:t>Эффект «какого черта».</a:t>
-            </a:r>
-          </a:p>
-          <a:p>
+              <a:t>Эффект «</a:t>
+            </a:r>
+            <a:r>
+              <a:rPr lang="ru-RU" i="1" dirty="0"/>
+              <a:t>какого черта</a:t>
+            </a:r>
             <a:r>
               <a:rPr lang="ru-RU" dirty="0"/>
-              <a:t>Будущее на продажу </a:t>
+              <a:t>» </a:t>
             </a:r>
             <a:r>
               <a:rPr lang="en-US" dirty="0"/>
               <a:t>&lt;&lt;&lt;</a:t>
             </a:r>
-            <a:endParaRPr lang="ru-RU" dirty="0"/>
-          </a:p>
-          <a:p>
             <a:endParaRPr lang="ru-RU" dirty="0"/>
           </a:p>
           <a:p>
@@ -22803,7 +23457,7 @@
     </p:spTree>
     <p:extLst>
       <p:ext uri="{BB962C8B-B14F-4D97-AF65-F5344CB8AC3E}">
-        <p14:creationId xmlns:p14="http://schemas.microsoft.com/office/powerpoint/2010/main" val="2488269123"/>
+        <p14:creationId xmlns:p14="http://schemas.microsoft.com/office/powerpoint/2010/main" val="2657785371"/>
       </p:ext>
     </p:extLst>
   </p:cSld>
@@ -22882,9 +23536,7 @@
           </a:xfrm>
         </p:spPr>
         <p:txBody>
-          <a:bodyPr>
-            <a:normAutofit/>
-          </a:bodyPr>
+          <a:bodyPr/>
           <a:lstStyle/>
           <a:p>
             <a:r>
@@ -22919,24 +23571,29 @@
           <a:p>
             <a:r>
               <a:rPr lang="ru-RU" dirty="0"/>
-              <a:t>Эффект «какого черта».</a:t>
-            </a:r>
-          </a:p>
-          <a:p>
+              <a:t>Эффект «</a:t>
+            </a:r>
+            <a:r>
+              <a:rPr lang="ru-RU" i="1" dirty="0"/>
+              <a:t>какого черта</a:t>
+            </a:r>
             <a:r>
               <a:rPr lang="ru-RU" dirty="0"/>
-              <a:t>Будущее на продажу.</a:t>
+              <a:t>».</a:t>
             </a:r>
           </a:p>
           <a:p>
             <a:r>
               <a:rPr lang="ru-RU" dirty="0"/>
-              <a:t>Сжигайте мосты </a:t>
+              <a:t>Будущее на продажу </a:t>
             </a:r>
             <a:r>
               <a:rPr lang="en-US" dirty="0"/>
               <a:t>&lt;&lt;&lt;</a:t>
             </a:r>
+            <a:endParaRPr lang="ru-RU" dirty="0"/>
+          </a:p>
+          <a:p>
             <a:endParaRPr lang="ru-RU" dirty="0"/>
           </a:p>
           <a:p>
@@ -22953,7 +23610,7 @@
     </p:spTree>
     <p:extLst>
       <p:ext uri="{BB962C8B-B14F-4D97-AF65-F5344CB8AC3E}">
-        <p14:creationId xmlns:p14="http://schemas.microsoft.com/office/powerpoint/2010/main" val="645881649"/>
+        <p14:creationId xmlns:p14="http://schemas.microsoft.com/office/powerpoint/2010/main" val="2488269123"/>
       </p:ext>
     </p:extLst>
   </p:cSld>
@@ -23028,7 +23685,7 @@
         <p:spPr>
           <a:xfrm>
             <a:off x="1154953" y="2603500"/>
-            <a:ext cx="8761412" cy="4158544"/>
+            <a:ext cx="8761412" cy="3416300"/>
           </a:xfrm>
         </p:spPr>
         <p:txBody>
@@ -23069,7 +23726,15 @@
           <a:p>
             <a:r>
               <a:rPr lang="ru-RU" dirty="0"/>
-              <a:t>Эффект «какого черта».</a:t>
+              <a:t>Эффект «</a:t>
+            </a:r>
+            <a:r>
+              <a:rPr lang="ru-RU" i="1" dirty="0"/>
+              <a:t>какого черта</a:t>
+            </a:r>
+            <a:r>
+              <a:rPr lang="ru-RU" dirty="0"/>
+              <a:t>».</a:t>
             </a:r>
           </a:p>
           <a:p>
@@ -23081,21 +23746,12 @@
           <a:p>
             <a:r>
               <a:rPr lang="ru-RU" dirty="0"/>
-              <a:t>Сжигайте мосты.</a:t>
-            </a:r>
-          </a:p>
-          <a:p>
-            <a:r>
-              <a:rPr lang="ru-RU" dirty="0"/>
-              <a:t>Зеркальные нейроны </a:t>
+              <a:t>Сжигайте мосты </a:t>
             </a:r>
             <a:r>
               <a:rPr lang="en-US" dirty="0"/>
               <a:t>&lt;&lt;&lt;</a:t>
             </a:r>
-            <a:endParaRPr lang="ru-RU" dirty="0"/>
-          </a:p>
-          <a:p>
             <a:endParaRPr lang="ru-RU" dirty="0"/>
           </a:p>
           <a:p>
@@ -23112,7 +23768,7 @@
     </p:spTree>
     <p:extLst>
       <p:ext uri="{BB962C8B-B14F-4D97-AF65-F5344CB8AC3E}">
-        <p14:creationId xmlns:p14="http://schemas.microsoft.com/office/powerpoint/2010/main" val="1698053080"/>
+        <p14:creationId xmlns:p14="http://schemas.microsoft.com/office/powerpoint/2010/main" val="645881649"/>
       </p:ext>
     </p:extLst>
   </p:cSld>
@@ -23186,12 +23842,14 @@
         </p:nvSpPr>
         <p:spPr>
           <a:xfrm>
-            <a:off x="1154953" y="2603499"/>
-            <a:ext cx="8761412" cy="4135967"/>
+            <a:off x="1154953" y="2603500"/>
+            <a:ext cx="8761412" cy="4158544"/>
           </a:xfrm>
         </p:spPr>
         <p:txBody>
-          <a:bodyPr/>
+          <a:bodyPr>
+            <a:normAutofit/>
+          </a:bodyPr>
           <a:lstStyle/>
           <a:p>
             <a:r>
@@ -23252,13 +23910,7 @@
           <a:p>
             <a:r>
               <a:rPr lang="ru-RU" dirty="0"/>
-              <a:t>Зеркальные нейроны.</a:t>
-            </a:r>
-          </a:p>
-          <a:p>
-            <a:r>
-              <a:rPr lang="ru-RU" dirty="0"/>
-              <a:t>Иронический бумеранг </a:t>
+              <a:t>Зеркальные нейроны </a:t>
             </a:r>
             <a:r>
               <a:rPr lang="en-US" dirty="0"/>
@@ -23283,7 +23935,7 @@
     </p:spTree>
     <p:extLst>
       <p:ext uri="{BB962C8B-B14F-4D97-AF65-F5344CB8AC3E}">
-        <p14:creationId xmlns:p14="http://schemas.microsoft.com/office/powerpoint/2010/main" val="1670453226"/>
+        <p14:creationId xmlns:p14="http://schemas.microsoft.com/office/powerpoint/2010/main" val="1698053080"/>
       </p:ext>
     </p:extLst>
   </p:cSld>
@@ -23333,7 +23985,7 @@
           <a:p>
             <a:r>
               <a:rPr lang="ru-RU" dirty="0"/>
-              <a:t>Резюме книги Келли Макгонигал</a:t>
+              <a:t>Келли Макгонигал</a:t>
             </a:r>
             <a:endParaRPr lang="en-US" dirty="0"/>
           </a:p>
@@ -23355,19 +24007,106 @@
             <p:ph idx="1"/>
           </p:nvPr>
         </p:nvSpPr>
-        <p:spPr/>
+        <p:spPr>
+          <a:xfrm>
+            <a:off x="1154953" y="2603499"/>
+            <a:ext cx="8761412" cy="4135967"/>
+          </a:xfrm>
+        </p:spPr>
         <p:txBody>
           <a:bodyPr/>
           <a:lstStyle/>
           <a:p>
+            <a:r>
+              <a:rPr lang="ru-RU" dirty="0"/>
+              <a:t>Сила воли это мышца.</a:t>
+            </a:r>
+          </a:p>
+          <a:p>
+            <a:r>
+              <a:rPr lang="ru-RU" dirty="0"/>
+              <a:t>Восполняйте резерв силы воли.</a:t>
+            </a:r>
+          </a:p>
+          <a:p>
+            <a:r>
+              <a:rPr lang="ru-RU" dirty="0"/>
+              <a:t>Границы самоконтроля.</a:t>
+            </a:r>
+          </a:p>
+          <a:p>
+            <a:r>
+              <a:rPr lang="ru-RU" dirty="0"/>
+              <a:t>Эффект нравственной поблажки</a:t>
+            </a:r>
+          </a:p>
+          <a:p>
+            <a:r>
+              <a:rPr lang="ru-RU" dirty="0"/>
+              <a:t>Система подкрепления.</a:t>
+            </a:r>
+          </a:p>
+          <a:p>
+            <a:r>
+              <a:rPr lang="ru-RU" dirty="0"/>
+              <a:t>Эффект «</a:t>
+            </a:r>
+            <a:r>
+              <a:rPr lang="ru-RU" i="1" dirty="0"/>
+              <a:t>какого черта</a:t>
+            </a:r>
+            <a:r>
+              <a:rPr lang="ru-RU" dirty="0"/>
+              <a:t>».</a:t>
+            </a:r>
+          </a:p>
+          <a:p>
+            <a:r>
+              <a:rPr lang="ru-RU" dirty="0"/>
+              <a:t>Будущее на продажу.</a:t>
+            </a:r>
+          </a:p>
+          <a:p>
+            <a:r>
+              <a:rPr lang="ru-RU" dirty="0"/>
+              <a:t>Сжигайте мосты.</a:t>
+            </a:r>
+          </a:p>
+          <a:p>
+            <a:r>
+              <a:rPr lang="ru-RU" dirty="0"/>
+              <a:t>Зеркальные нейроны.</a:t>
+            </a:r>
+          </a:p>
+          <a:p>
+            <a:r>
+              <a:rPr lang="ru-RU" dirty="0"/>
+              <a:t>Иронический бумеранг </a:t>
+            </a:r>
+            <a:r>
+              <a:rPr lang="en-US" dirty="0"/>
+              <a:t>&lt;&lt;&lt;</a:t>
+            </a:r>
             <a:endParaRPr lang="ru-RU" dirty="0"/>
+          </a:p>
+          <a:p>
+            <a:endParaRPr lang="ru-RU" dirty="0"/>
+          </a:p>
+          <a:p>
+            <a:endParaRPr lang="ru-RU" dirty="0"/>
+          </a:p>
+          <a:p>
+            <a:endParaRPr lang="ru-RU" dirty="0"/>
+          </a:p>
+          <a:p>
+            <a:endParaRPr lang="en-US" dirty="0"/>
           </a:p>
         </p:txBody>
       </p:sp>
     </p:spTree>
     <p:extLst>
       <p:ext uri="{BB962C8B-B14F-4D97-AF65-F5344CB8AC3E}">
-        <p14:creationId xmlns:p14="http://schemas.microsoft.com/office/powerpoint/2010/main" val="1639902987"/>
+        <p14:creationId xmlns:p14="http://schemas.microsoft.com/office/powerpoint/2010/main" val="1670453226"/>
       </p:ext>
     </p:extLst>
   </p:cSld>
@@ -23529,7 +24268,7 @@
           <a:p>
             <a:r>
               <a:rPr lang="ru-RU" dirty="0"/>
-              <a:t>Бенжамин Харди</a:t>
+              <a:t>Резюме книги Келли Макгонигал</a:t>
             </a:r>
             <a:endParaRPr lang="en-US" dirty="0"/>
           </a:p>
@@ -23553,31 +24292,34 @@
         </p:nvSpPr>
         <p:spPr>
           <a:xfrm>
-            <a:off x="1154954" y="3816990"/>
-            <a:ext cx="9549397" cy="2202809"/>
+            <a:off x="1154955" y="3569464"/>
+            <a:ext cx="8761412" cy="2450335"/>
           </a:xfrm>
         </p:spPr>
         <p:txBody>
-          <a:bodyPr>
-            <a:normAutofit/>
-          </a:bodyPr>
+          <a:bodyPr/>
           <a:lstStyle/>
           <a:p>
             <a:pPr marL="0" indent="0" algn="ctr">
               <a:buNone/>
             </a:pPr>
             <a:r>
-              <a:rPr lang="ru-RU" sz="2000" b="1" dirty="0"/>
-              <a:t>Сила воли не работает. Пусть твое окружение работает вместо нее.</a:t>
-            </a:r>
-            <a:endParaRPr lang="en-US" sz="2000" b="1" dirty="0"/>
+              <a:rPr lang="ru-RU" sz="1800" i="1" dirty="0">
+                <a:effectLst/>
+                <a:latin typeface="Century Gothic (Body)"/>
+              </a:rPr>
+              <a:t>Сохраните мировоззрение ученого. Пробуйте новое, собирайте собственные данные, прислушивайтесь к фактам. Будьте открыты неожиданным идеям, учитесь как на собственных ошибках, так и на успехах. Берегите то, что вам помогает, и делитесь знаниями с окружающими.</a:t>
+            </a:r>
+            <a:endParaRPr lang="ru-RU" i="1" dirty="0">
+              <a:latin typeface="Century Gothic (Body)"/>
+            </a:endParaRPr>
           </a:p>
         </p:txBody>
       </p:sp>
     </p:spTree>
     <p:extLst>
       <p:ext uri="{BB962C8B-B14F-4D97-AF65-F5344CB8AC3E}">
-        <p14:creationId xmlns:p14="http://schemas.microsoft.com/office/powerpoint/2010/main" val="3215833638"/>
+        <p14:creationId xmlns:p14="http://schemas.microsoft.com/office/powerpoint/2010/main" val="1639902987"/>
       </p:ext>
     </p:extLst>
   </p:cSld>
@@ -23627,7 +24369,7 @@
           <a:p>
             <a:r>
               <a:rPr lang="ru-RU" dirty="0"/>
-              <a:t>Бенжамин Харди</a:t>
+              <a:t>Резюме книги Келли Макгонигал</a:t>
             </a:r>
             <a:endParaRPr lang="en-US" dirty="0"/>
           </a:p>
@@ -23654,12 +24396,6 @@
           <a:bodyPr/>
           <a:lstStyle/>
           <a:p>
-            <a:r>
-              <a:rPr lang="ru-RU" dirty="0"/>
-              <a:t>Человек – порождение ситуации.</a:t>
-            </a:r>
-          </a:p>
-          <a:p>
             <a:endParaRPr lang="ru-RU" dirty="0"/>
           </a:p>
         </p:txBody>
@@ -23667,7 +24403,7 @@
     </p:spTree>
     <p:extLst>
       <p:ext uri="{BB962C8B-B14F-4D97-AF65-F5344CB8AC3E}">
-        <p14:creationId xmlns:p14="http://schemas.microsoft.com/office/powerpoint/2010/main" val="1059165568"/>
+        <p14:creationId xmlns:p14="http://schemas.microsoft.com/office/powerpoint/2010/main" val="846126053"/>
       </p:ext>
     </p:extLst>
   </p:cSld>
@@ -23739,31 +24475,33 @@
             <p:ph idx="1"/>
           </p:nvPr>
         </p:nvSpPr>
-        <p:spPr/>
-        <p:txBody>
-          <a:bodyPr/>
+        <p:spPr>
+          <a:xfrm>
+            <a:off x="1154954" y="3816990"/>
+            <a:ext cx="9549397" cy="2202809"/>
+          </a:xfrm>
+        </p:spPr>
+        <p:txBody>
+          <a:bodyPr>
+            <a:normAutofit/>
+          </a:bodyPr>
           <a:lstStyle/>
           <a:p>
-            <a:r>
-              <a:rPr lang="ru-RU" dirty="0"/>
-              <a:t>Человек – порождение ситуации.</a:t>
-            </a:r>
-          </a:p>
-          <a:p>
-            <a:r>
-              <a:rPr lang="ru-RU" dirty="0"/>
-              <a:t>Ваша среда формирует вас.</a:t>
-            </a:r>
-          </a:p>
-          <a:p>
-            <a:endParaRPr lang="ru-RU" dirty="0"/>
+            <a:pPr marL="0" indent="0" algn="ctr">
+              <a:buNone/>
+            </a:pPr>
+            <a:r>
+              <a:rPr lang="ru-RU" sz="2000" b="1" dirty="0"/>
+              <a:t>Сила воли не работает. Пусть твое окружение работает вместо нее.</a:t>
+            </a:r>
+            <a:endParaRPr lang="en-US" sz="2000" b="1" dirty="0"/>
           </a:p>
         </p:txBody>
       </p:sp>
     </p:spTree>
     <p:extLst>
       <p:ext uri="{BB962C8B-B14F-4D97-AF65-F5344CB8AC3E}">
-        <p14:creationId xmlns:p14="http://schemas.microsoft.com/office/powerpoint/2010/main" val="2398533860"/>
+        <p14:creationId xmlns:p14="http://schemas.microsoft.com/office/powerpoint/2010/main" val="3215833638"/>
       </p:ext>
     </p:extLst>
   </p:cSld>
@@ -23813,7 +24551,7 @@
           <a:p>
             <a:r>
               <a:rPr lang="ru-RU" dirty="0"/>
-              <a:t>Резюме по книге Бенжамин Харди</a:t>
+              <a:t>Бенжамин Харди</a:t>
             </a:r>
             <a:endParaRPr lang="en-US" dirty="0"/>
           </a:p>
@@ -23840,6 +24578,12 @@
           <a:bodyPr/>
           <a:lstStyle/>
           <a:p>
+            <a:r>
+              <a:rPr lang="ru-RU" dirty="0"/>
+              <a:t>Человек – порождение ситуации.</a:t>
+            </a:r>
+          </a:p>
+          <a:p>
             <a:endParaRPr lang="ru-RU" dirty="0"/>
           </a:p>
         </p:txBody>
@@ -23847,7 +24591,7 @@
     </p:spTree>
     <p:extLst>
       <p:ext uri="{BB962C8B-B14F-4D97-AF65-F5344CB8AC3E}">
-        <p14:creationId xmlns:p14="http://schemas.microsoft.com/office/powerpoint/2010/main" val="1409395795"/>
+        <p14:creationId xmlns:p14="http://schemas.microsoft.com/office/powerpoint/2010/main" val="1059165568"/>
       </p:ext>
     </p:extLst>
   </p:cSld>
@@ -23897,7 +24641,7 @@
           <a:p>
             <a:r>
               <a:rPr lang="ru-RU" dirty="0"/>
-              <a:t>Так есть ли Сила Воли?</a:t>
+              <a:t>Бенжамин Харди</a:t>
             </a:r>
             <a:endParaRPr lang="en-US" dirty="0"/>
           </a:p>
@@ -23924,6 +24668,18 @@
           <a:bodyPr/>
           <a:lstStyle/>
           <a:p>
+            <a:r>
+              <a:rPr lang="ru-RU" dirty="0"/>
+              <a:t>Человек – порождение ситуации.</a:t>
+            </a:r>
+          </a:p>
+          <a:p>
+            <a:r>
+              <a:rPr lang="ru-RU" dirty="0"/>
+              <a:t>Ваша среда формирует вас.</a:t>
+            </a:r>
+          </a:p>
+          <a:p>
             <a:endParaRPr lang="ru-RU" dirty="0"/>
           </a:p>
         </p:txBody>
@@ -23931,7 +24687,7 @@
     </p:spTree>
     <p:extLst>
       <p:ext uri="{BB962C8B-B14F-4D97-AF65-F5344CB8AC3E}">
-        <p14:creationId xmlns:p14="http://schemas.microsoft.com/office/powerpoint/2010/main" val="2164139279"/>
+        <p14:creationId xmlns:p14="http://schemas.microsoft.com/office/powerpoint/2010/main" val="2398533860"/>
       </p:ext>
     </p:extLst>
   </p:cSld>
@@ -23981,7 +24737,7 @@
           <a:p>
             <a:r>
               <a:rPr lang="ru-RU" dirty="0"/>
-              <a:t>Так есть ли Сила Воли?</a:t>
+              <a:t>Резюме по книге Бенжамин Харди</a:t>
             </a:r>
             <a:endParaRPr lang="en-US" dirty="0"/>
           </a:p>
@@ -24008,25 +24764,14 @@
           <a:bodyPr/>
           <a:lstStyle/>
           <a:p>
-            <a:r>
-              <a:rPr lang="ru-RU" dirty="0"/>
-              <a:t>Если мы под силой воли подразумеваем способность управлять самим собой (самоконтроль/дисциплина) и ходом своей жизни таким образом, что бы добиваться всех намеченных целей и реализовывать практически любые свои желания. – Ответ: </a:t>
-            </a:r>
-            <a:r>
-              <a:rPr lang="ru-RU" sz="2000" b="1" dirty="0"/>
-              <a:t>Да</a:t>
-            </a:r>
-            <a:r>
-              <a:rPr lang="ru-RU" dirty="0"/>
-              <a:t>. </a:t>
-            </a:r>
+            <a:endParaRPr lang="ru-RU" dirty="0"/>
           </a:p>
         </p:txBody>
       </p:sp>
     </p:spTree>
     <p:extLst>
       <p:ext uri="{BB962C8B-B14F-4D97-AF65-F5344CB8AC3E}">
-        <p14:creationId xmlns:p14="http://schemas.microsoft.com/office/powerpoint/2010/main" val="1046140786"/>
+        <p14:creationId xmlns:p14="http://schemas.microsoft.com/office/powerpoint/2010/main" val="1409395795"/>
       </p:ext>
     </p:extLst>
   </p:cSld>
@@ -24100,47 +24845,17 @@
         </p:nvSpPr>
         <p:spPr/>
         <p:txBody>
-          <a:bodyPr>
-            <a:normAutofit/>
-          </a:bodyPr>
+          <a:bodyPr/>
           <a:lstStyle/>
           <a:p>
-            <a:r>
-              <a:rPr lang="ru-RU" dirty="0"/>
-              <a:t>Если мы под силой воли подразумеваем способность управлять самим собой (самоконтроль/дисциплина) и ходом своей жизни таким образом, что бы добиваться всех намеченных целей и реализовывать практически любые свои желания. – Ответ: </a:t>
-            </a:r>
-            <a:r>
-              <a:rPr lang="ru-RU" sz="2000" b="1" dirty="0"/>
-              <a:t>Да</a:t>
-            </a:r>
-            <a:r>
-              <a:rPr lang="ru-RU" dirty="0"/>
-              <a:t>. </a:t>
-            </a:r>
-          </a:p>
-          <a:p>
             <a:endParaRPr lang="ru-RU" dirty="0"/>
-          </a:p>
-          <a:p>
-            <a:r>
-              <a:rPr lang="ru-RU" dirty="0"/>
-              <a:t>Поможет ли нам Сила Воли? – ответ: </a:t>
-            </a:r>
-            <a:r>
-              <a:rPr lang="ru-RU" sz="2000" b="1" dirty="0"/>
-              <a:t>Нет</a:t>
-            </a:r>
-            <a:r>
-              <a:rPr lang="ru-RU" b="1" dirty="0"/>
-              <a:t>.</a:t>
-            </a:r>
           </a:p>
         </p:txBody>
       </p:sp>
     </p:spTree>
     <p:extLst>
       <p:ext uri="{BB962C8B-B14F-4D97-AF65-F5344CB8AC3E}">
-        <p14:creationId xmlns:p14="http://schemas.microsoft.com/office/powerpoint/2010/main" val="3424737229"/>
+        <p14:creationId xmlns:p14="http://schemas.microsoft.com/office/powerpoint/2010/main" val="2164139279"/>
       </p:ext>
     </p:extLst>
   </p:cSld>
@@ -24190,7 +24905,7 @@
           <a:p>
             <a:r>
               <a:rPr lang="ru-RU" dirty="0"/>
-              <a:t>И что мне делать?</a:t>
+              <a:t>Так есть ли Сила Воли?</a:t>
             </a:r>
             <a:endParaRPr lang="en-US" dirty="0"/>
           </a:p>
@@ -24212,24 +24927,30 @@
             <p:ph idx="1"/>
           </p:nvPr>
         </p:nvSpPr>
-        <p:spPr>
-          <a:xfrm>
-            <a:off x="1154955" y="2603500"/>
-            <a:ext cx="10077904" cy="3416300"/>
-          </a:xfrm>
-        </p:spPr>
+        <p:spPr/>
         <p:txBody>
           <a:bodyPr/>
           <a:lstStyle/>
           <a:p>
-            <a:endParaRPr lang="ru-RU" dirty="0"/>
+            <a:r>
+              <a:rPr lang="ru-RU" dirty="0"/>
+              <a:t>Если мы под силой воли подразумеваем способность управлять самим собой (самоконтроль/дисциплина) и ходом своей жизни таким образом, что бы добиваться всех намеченных целей и реализовывать практически любые свои желания. – Ответ: </a:t>
+            </a:r>
+            <a:r>
+              <a:rPr lang="ru-RU" sz="2000" b="1" dirty="0"/>
+              <a:t>Да</a:t>
+            </a:r>
+            <a:r>
+              <a:rPr lang="ru-RU" dirty="0"/>
+              <a:t>. </a:t>
+            </a:r>
           </a:p>
         </p:txBody>
       </p:sp>
     </p:spTree>
     <p:extLst>
       <p:ext uri="{BB962C8B-B14F-4D97-AF65-F5344CB8AC3E}">
-        <p14:creationId xmlns:p14="http://schemas.microsoft.com/office/powerpoint/2010/main" val="104215905"/>
+        <p14:creationId xmlns:p14="http://schemas.microsoft.com/office/powerpoint/2010/main" val="1046140786"/>
       </p:ext>
     </p:extLst>
   </p:cSld>
@@ -24279,7 +25000,7 @@
           <a:p>
             <a:r>
               <a:rPr lang="ru-RU" dirty="0"/>
-              <a:t>И что мне делать?</a:t>
+              <a:t>Так есть ли Сила Воли?</a:t>
             </a:r>
             <a:endParaRPr lang="en-US" dirty="0"/>
           </a:p>
@@ -24301,30 +25022,49 @@
             <p:ph idx="1"/>
           </p:nvPr>
         </p:nvSpPr>
-        <p:spPr>
-          <a:xfrm>
-            <a:off x="1154955" y="2603500"/>
-            <a:ext cx="10077904" cy="3416300"/>
-          </a:xfrm>
-        </p:spPr>
-        <p:txBody>
-          <a:bodyPr/>
+        <p:spPr/>
+        <p:txBody>
+          <a:bodyPr>
+            <a:normAutofit/>
+          </a:bodyPr>
           <a:lstStyle/>
           <a:p>
             <a:r>
               <a:rPr lang="ru-RU" dirty="0"/>
-              <a:t>Прислушивайся к себе. Чего ты хочешь? Какую проблему ты пытаешься решить?</a:t>
+              <a:t>Если мы под силой воли подразумеваем способность управлять самим собой (самоконтроль/дисциплина) и ходом своей жизни таким образом, что бы добиваться всех намеченных целей и реализовывать практически любые свои желания. – Ответ: </a:t>
+            </a:r>
+            <a:r>
+              <a:rPr lang="ru-RU" sz="2000" b="1" dirty="0"/>
+              <a:t>Да</a:t>
+            </a:r>
+            <a:r>
+              <a:rPr lang="ru-RU" dirty="0"/>
+              <a:t>. </a:t>
             </a:r>
           </a:p>
           <a:p>
             <a:endParaRPr lang="ru-RU" dirty="0"/>
+          </a:p>
+          <a:p>
+            <a:r>
+              <a:rPr lang="ru-RU" dirty="0"/>
+              <a:t>Поможет ли нам Сила Воли? – ответ: </a:t>
+            </a:r>
+            <a:r>
+              <a:rPr lang="ru-RU" sz="2000" b="1" dirty="0"/>
+              <a:t>Нет</a:t>
+            </a:r>
+            <a:r>
+              <a:rPr lang="ru-RU" b="1" dirty="0"/>
+              <a:t>.</a:t>
+            </a:r>
           </a:p>
         </p:txBody>
       </p:sp>
     </p:spTree>
     <p:extLst>
       <p:ext uri="{BB962C8B-B14F-4D97-AF65-F5344CB8AC3E}">
-        <p14:creationId xmlns:p14="http://schemas.microsoft.com/office/powerpoint/2010/main" val="4079798762"/>
+        <p14:creationId xmlns:p14="http://schemas.microsoft.com/office/powerpoint/2010/main" val="3424737229"/>
       </p:ext>
     </p:extLst>
   </p:cSld>
@@ -24398,28 +25138,13 @@
         </p:nvSpPr>
         <p:spPr>
           <a:xfrm>
-            <a:off x="1154954" y="2603500"/>
-            <a:ext cx="10279239" cy="3416300"/>
+            <a:off x="1154955" y="2603500"/>
+            <a:ext cx="10077904" cy="3416300"/>
           </a:xfrm>
         </p:spPr>
         <p:txBody>
           <a:bodyPr/>
           <a:lstStyle/>
-          <a:p>
-            <a:r>
-              <a:rPr lang="ru-RU" dirty="0"/>
-              <a:t>Прислушивайся к себе. Чего ты хочешь? Какую проблему ты пытаешься решить?</a:t>
-            </a:r>
-          </a:p>
-          <a:p>
-            <a:endParaRPr lang="ru-RU" dirty="0"/>
-          </a:p>
-          <a:p>
-            <a:r>
-              <a:rPr lang="ru-RU" dirty="0"/>
-              <a:t>Задавай вопросы сам себе. И пытайся найти ответы.</a:t>
-            </a:r>
-          </a:p>
           <a:p>
             <a:endParaRPr lang="ru-RU" dirty="0"/>
           </a:p>
@@ -24428,7 +25153,7 @@
     </p:spTree>
     <p:extLst>
       <p:ext uri="{BB962C8B-B14F-4D97-AF65-F5344CB8AC3E}">
-        <p14:creationId xmlns:p14="http://schemas.microsoft.com/office/powerpoint/2010/main" val="4171558127"/>
+        <p14:creationId xmlns:p14="http://schemas.microsoft.com/office/powerpoint/2010/main" val="104215905"/>
       </p:ext>
     </p:extLst>
   </p:cSld>
@@ -24623,8 +25348,8 @@
         </p:nvSpPr>
         <p:spPr>
           <a:xfrm>
-            <a:off x="1154954" y="2603500"/>
-            <a:ext cx="10430241" cy="3416300"/>
+            <a:off x="1154955" y="2603500"/>
+            <a:ext cx="10077904" cy="3416300"/>
           </a:xfrm>
         </p:spPr>
         <p:txBody>
@@ -24634,24 +25359,6 @@
             <a:r>
               <a:rPr lang="ru-RU" dirty="0"/>
               <a:t>Прислушивайся к себе. Чего ты хочешь? Какую проблему ты пытаешься решить?</a:t>
-            </a:r>
-          </a:p>
-          <a:p>
-            <a:endParaRPr lang="ru-RU" dirty="0"/>
-          </a:p>
-          <a:p>
-            <a:r>
-              <a:rPr lang="ru-RU" dirty="0"/>
-              <a:t>Задавай вопросы сам себе. И пытайся найти ответы.</a:t>
-            </a:r>
-          </a:p>
-          <a:p>
-            <a:endParaRPr lang="ru-RU" dirty="0"/>
-          </a:p>
-          <a:p>
-            <a:r>
-              <a:rPr lang="ru-RU" dirty="0"/>
-              <a:t>Найди баланс.</a:t>
             </a:r>
           </a:p>
           <a:p>
@@ -24662,7 +25369,7 @@
     </p:spTree>
     <p:extLst>
       <p:ext uri="{BB962C8B-B14F-4D97-AF65-F5344CB8AC3E}">
-        <p14:creationId xmlns:p14="http://schemas.microsoft.com/office/powerpoint/2010/main" val="1501391458"/>
+        <p14:creationId xmlns:p14="http://schemas.microsoft.com/office/powerpoint/2010/main" val="4079798762"/>
       </p:ext>
     </p:extLst>
   </p:cSld>
@@ -24737,7 +25444,7 @@
         <p:spPr>
           <a:xfrm>
             <a:off x="1154954" y="2603500"/>
-            <a:ext cx="10312795" cy="3416300"/>
+            <a:ext cx="10279239" cy="3416300"/>
           </a:xfrm>
         </p:spPr>
         <p:txBody>
@@ -24756,36 +25463,6 @@
             <a:r>
               <a:rPr lang="ru-RU" dirty="0"/>
               <a:t>Задавай вопросы сам себе. И пытайся найти ответы.</a:t>
-            </a:r>
-          </a:p>
-          <a:p>
-            <a:endParaRPr lang="ru-RU" dirty="0"/>
-          </a:p>
-          <a:p>
-            <a:r>
-              <a:rPr lang="ru-RU" dirty="0"/>
-              <a:t>Найди баланс.</a:t>
-            </a:r>
-          </a:p>
-          <a:p>
-            <a:endParaRPr lang="ru-RU" dirty="0"/>
-          </a:p>
-          <a:p>
-            <a:r>
-              <a:rPr lang="ru-RU" dirty="0"/>
-              <a:t>Найди ту конфигурацию которая будет работать именно для тебя. Пойми что нету той </a:t>
-            </a:r>
-            <a:r>
-              <a:rPr lang="en-US" i="1" dirty="0"/>
-              <a:t>silver bullet</a:t>
-            </a:r>
-            <a:r>
-              <a:rPr lang="en-US" dirty="0"/>
-              <a:t> </a:t>
-            </a:r>
-            <a:r>
-              <a:rPr lang="ru-RU" dirty="0"/>
-              <a:t>которую все пытаются найти.</a:t>
             </a:r>
           </a:p>
           <a:p>
@@ -24796,7 +25473,7 @@
     </p:spTree>
     <p:extLst>
       <p:ext uri="{BB962C8B-B14F-4D97-AF65-F5344CB8AC3E}">
-        <p14:creationId xmlns:p14="http://schemas.microsoft.com/office/powerpoint/2010/main" val="2916773178"/>
+        <p14:creationId xmlns:p14="http://schemas.microsoft.com/office/powerpoint/2010/main" val="4171558127"/>
       </p:ext>
     </p:extLst>
   </p:cSld>
@@ -24839,27 +25516,14 @@
             <p:ph type="title"/>
           </p:nvPr>
         </p:nvSpPr>
-        <p:spPr>
-          <a:xfrm>
-            <a:off x="1154953" y="973668"/>
-            <a:ext cx="9457120" cy="706964"/>
-          </a:xfrm>
-        </p:spPr>
+        <p:spPr/>
         <p:txBody>
           <a:bodyPr/>
           <a:lstStyle/>
           <a:p>
             <a:r>
               <a:rPr lang="ru-RU" dirty="0"/>
-              <a:t>А</a:t>
-            </a:r>
-            <a:r>
-              <a:rPr lang="en-US" dirty="0"/>
-              <a:t> </a:t>
-            </a:r>
-            <a:r>
-              <a:rPr lang="ru-RU" dirty="0"/>
-              <a:t>зачем нам всё это?</a:t>
+              <a:t>И что мне делать?</a:t>
             </a:r>
             <a:endParaRPr lang="en-US" dirty="0"/>
           </a:p>
@@ -24881,22 +25545,48 @@
             <p:ph idx="1"/>
           </p:nvPr>
         </p:nvSpPr>
-        <p:spPr/>
+        <p:spPr>
+          <a:xfrm>
+            <a:off x="1154954" y="2603500"/>
+            <a:ext cx="10430241" cy="3416300"/>
+          </a:xfrm>
+        </p:spPr>
         <p:txBody>
           <a:bodyPr/>
           <a:lstStyle/>
           <a:p>
             <a:r>
               <a:rPr lang="ru-RU" dirty="0"/>
-              <a:t>Какую проблему мы вообще пытаемся решить?</a:t>
-            </a:r>
+              <a:t>Прислушивайся к себе. Чего ты хочешь? Какую проблему ты пытаешься решить?</a:t>
+            </a:r>
+          </a:p>
+          <a:p>
+            <a:endParaRPr lang="ru-RU" dirty="0"/>
+          </a:p>
+          <a:p>
+            <a:r>
+              <a:rPr lang="ru-RU" dirty="0"/>
+              <a:t>Задавай вопросы сам себе. И пытайся найти ответы.</a:t>
+            </a:r>
+          </a:p>
+          <a:p>
+            <a:endParaRPr lang="ru-RU" dirty="0"/>
+          </a:p>
+          <a:p>
+            <a:r>
+              <a:rPr lang="ru-RU" dirty="0"/>
+              <a:t>Найди баланс.</a:t>
+            </a:r>
+          </a:p>
+          <a:p>
+            <a:endParaRPr lang="ru-RU" dirty="0"/>
           </a:p>
         </p:txBody>
       </p:sp>
     </p:spTree>
     <p:extLst>
       <p:ext uri="{BB962C8B-B14F-4D97-AF65-F5344CB8AC3E}">
-        <p14:creationId xmlns:p14="http://schemas.microsoft.com/office/powerpoint/2010/main" val="337745344"/>
+        <p14:creationId xmlns:p14="http://schemas.microsoft.com/office/powerpoint/2010/main" val="1501391458"/>
       </p:ext>
     </p:extLst>
   </p:cSld>
@@ -24939,19 +25629,14 @@
             <p:ph type="title"/>
           </p:nvPr>
         </p:nvSpPr>
-        <p:spPr>
-          <a:xfrm>
-            <a:off x="1154953" y="973668"/>
-            <a:ext cx="9457120" cy="706964"/>
-          </a:xfrm>
-        </p:spPr>
+        <p:spPr/>
         <p:txBody>
           <a:bodyPr/>
           <a:lstStyle/>
           <a:p>
             <a:r>
               <a:rPr lang="ru-RU" dirty="0"/>
-              <a:t>Цель</a:t>
+              <a:t>И что мне делать?</a:t>
             </a:r>
             <a:endParaRPr lang="en-US" dirty="0"/>
           </a:p>
@@ -24973,20 +25658,58 @@
             <p:ph idx="1"/>
           </p:nvPr>
         </p:nvSpPr>
-        <p:spPr/>
+        <p:spPr>
+          <a:xfrm>
+            <a:off x="1154954" y="2603500"/>
+            <a:ext cx="10312795" cy="3416300"/>
+          </a:xfrm>
+        </p:spPr>
         <p:txBody>
           <a:bodyPr/>
           <a:lstStyle/>
           <a:p>
             <a:r>
               <a:rPr lang="ru-RU" dirty="0"/>
-              <a:t>Нету важного.</a:t>
-            </a:r>
+              <a:t>Прислушивайся к себе. Чего ты хочешь? Какую проблему ты пытаешься решить?</a:t>
+            </a:r>
+          </a:p>
+          <a:p>
+            <a:endParaRPr lang="ru-RU" dirty="0"/>
           </a:p>
           <a:p>
             <a:r>
               <a:rPr lang="ru-RU" dirty="0"/>
-              <a:t>Нету потребного будущего.</a:t>
+              <a:t>Задавай вопросы сам себе. И пытайся найти ответы.</a:t>
+            </a:r>
+          </a:p>
+          <a:p>
+            <a:endParaRPr lang="ru-RU" dirty="0"/>
+          </a:p>
+          <a:p>
+            <a:r>
+              <a:rPr lang="ru-RU" dirty="0"/>
+              <a:t>Найди баланс.</a:t>
+            </a:r>
+          </a:p>
+          <a:p>
+            <a:endParaRPr lang="ru-RU" dirty="0"/>
+          </a:p>
+          <a:p>
+            <a:r>
+              <a:rPr lang="ru-RU" dirty="0"/>
+              <a:t>Найди ту конфигурацию которая будет работать именно для тебя. Пойми что нету той </a:t>
+            </a:r>
+            <a:r>
+              <a:rPr lang="en-US" i="1" dirty="0"/>
+              <a:t>silver bullet</a:t>
+            </a:r>
+            <a:r>
+              <a:rPr lang="en-US" dirty="0"/>
+              <a:t> </a:t>
+            </a:r>
+            <a:r>
+              <a:rPr lang="ru-RU" dirty="0"/>
+              <a:t>которую все пытаются найти.</a:t>
             </a:r>
           </a:p>
           <a:p>
@@ -24997,7 +25720,7 @@
     </p:spTree>
     <p:extLst>
       <p:ext uri="{BB962C8B-B14F-4D97-AF65-F5344CB8AC3E}">
-        <p14:creationId xmlns:p14="http://schemas.microsoft.com/office/powerpoint/2010/main" val="3636438701"/>
+        <p14:creationId xmlns:p14="http://schemas.microsoft.com/office/powerpoint/2010/main" val="2916773178"/>
       </p:ext>
     </p:extLst>
   </p:cSld>
@@ -25040,14 +25763,27 @@
             <p:ph type="title"/>
           </p:nvPr>
         </p:nvSpPr>
-        <p:spPr/>
+        <p:spPr>
+          <a:xfrm>
+            <a:off x="1154953" y="973668"/>
+            <a:ext cx="9457120" cy="706964"/>
+          </a:xfrm>
+        </p:spPr>
         <p:txBody>
           <a:bodyPr/>
           <a:lstStyle/>
           <a:p>
             <a:r>
               <a:rPr lang="ru-RU" dirty="0"/>
-              <a:t>Советы</a:t>
+              <a:t>А</a:t>
+            </a:r>
+            <a:r>
+              <a:rPr lang="en-US" dirty="0"/>
+              <a:t> </a:t>
+            </a:r>
+            <a:r>
+              <a:rPr lang="ru-RU" dirty="0"/>
+              <a:t>зачем нам всё это?</a:t>
             </a:r>
             <a:endParaRPr lang="en-US" dirty="0"/>
           </a:p>
@@ -25074,14 +25810,17 @@
           <a:bodyPr/>
           <a:lstStyle/>
           <a:p>
-            <a:endParaRPr lang="ru-RU" dirty="0"/>
+            <a:r>
+              <a:rPr lang="ru-RU" dirty="0"/>
+              <a:t>Какую проблему мы вообще пытаемся решить?</a:t>
+            </a:r>
           </a:p>
         </p:txBody>
       </p:sp>
     </p:spTree>
     <p:extLst>
       <p:ext uri="{BB962C8B-B14F-4D97-AF65-F5344CB8AC3E}">
-        <p14:creationId xmlns:p14="http://schemas.microsoft.com/office/powerpoint/2010/main" val="2746810043"/>
+        <p14:creationId xmlns:p14="http://schemas.microsoft.com/office/powerpoint/2010/main" val="337745344"/>
       </p:ext>
     </p:extLst>
   </p:cSld>
@@ -25124,14 +25863,19 @@
             <p:ph type="title"/>
           </p:nvPr>
         </p:nvSpPr>
-        <p:spPr/>
+        <p:spPr>
+          <a:xfrm>
+            <a:off x="1154953" y="973668"/>
+            <a:ext cx="9457120" cy="706964"/>
+          </a:xfrm>
+        </p:spPr>
         <p:txBody>
           <a:bodyPr/>
           <a:lstStyle/>
           <a:p>
             <a:r>
               <a:rPr lang="ru-RU" dirty="0"/>
-              <a:t>Советы</a:t>
+              <a:t>Цель</a:t>
             </a:r>
             <a:endParaRPr lang="en-US" dirty="0"/>
           </a:p>
@@ -25160,7 +25904,13 @@
           <a:p>
             <a:r>
               <a:rPr lang="ru-RU" dirty="0"/>
-              <a:t>Спите.</a:t>
+              <a:t>Нету важного.</a:t>
+            </a:r>
+          </a:p>
+          <a:p>
+            <a:r>
+              <a:rPr lang="ru-RU" dirty="0"/>
+              <a:t>Нету потребного будущего.</a:t>
             </a:r>
           </a:p>
           <a:p>
@@ -25171,7 +25921,7 @@
     </p:spTree>
     <p:extLst>
       <p:ext uri="{BB962C8B-B14F-4D97-AF65-F5344CB8AC3E}">
-        <p14:creationId xmlns:p14="http://schemas.microsoft.com/office/powerpoint/2010/main" val="1528982406"/>
+        <p14:creationId xmlns:p14="http://schemas.microsoft.com/office/powerpoint/2010/main" val="3636438701"/>
       </p:ext>
     </p:extLst>
   </p:cSld>
@@ -25248,18 +25998,6 @@
           <a:bodyPr/>
           <a:lstStyle/>
           <a:p>
-            <a:r>
-              <a:rPr lang="ru-RU" dirty="0"/>
-              <a:t>Спите.</a:t>
-            </a:r>
-          </a:p>
-          <a:p>
-            <a:r>
-              <a:rPr lang="ru-RU" dirty="0"/>
-              <a:t>Практикуйте осознанность.</a:t>
-            </a:r>
-          </a:p>
-          <a:p>
             <a:endParaRPr lang="ru-RU" dirty="0"/>
           </a:p>
         </p:txBody>
@@ -25267,7 +26005,7 @@
     </p:spTree>
     <p:extLst>
       <p:ext uri="{BB962C8B-B14F-4D97-AF65-F5344CB8AC3E}">
-        <p14:creationId xmlns:p14="http://schemas.microsoft.com/office/powerpoint/2010/main" val="2212550543"/>
+        <p14:creationId xmlns:p14="http://schemas.microsoft.com/office/powerpoint/2010/main" val="2746810043"/>
       </p:ext>
     </p:extLst>
   </p:cSld>
@@ -25350,18 +26088,6 @@
             </a:r>
           </a:p>
           <a:p>
-            <a:r>
-              <a:rPr lang="ru-RU" dirty="0"/>
-              <a:t>Практикуйте осознанность.</a:t>
-            </a:r>
-          </a:p>
-          <a:p>
-            <a:r>
-              <a:rPr lang="ru-RU" dirty="0"/>
-              <a:t>Дневник и рефлексия.</a:t>
-            </a:r>
-          </a:p>
-          <a:p>
             <a:endParaRPr lang="ru-RU" dirty="0"/>
           </a:p>
         </p:txBody>
@@ -25369,7 +26095,7 @@
     </p:spTree>
     <p:extLst>
       <p:ext uri="{BB962C8B-B14F-4D97-AF65-F5344CB8AC3E}">
-        <p14:creationId xmlns:p14="http://schemas.microsoft.com/office/powerpoint/2010/main" val="1994819522"/>
+        <p14:creationId xmlns:p14="http://schemas.microsoft.com/office/powerpoint/2010/main" val="1528982406"/>
       </p:ext>
     </p:extLst>
   </p:cSld>
@@ -25458,18 +26184,6 @@
             </a:r>
           </a:p>
           <a:p>
-            <a:r>
-              <a:rPr lang="ru-RU" dirty="0"/>
-              <a:t>Дневник и рефлексия.</a:t>
-            </a:r>
-          </a:p>
-          <a:p>
-            <a:r>
-              <a:rPr lang="ru-RU" dirty="0"/>
-              <a:t>Занимайтесь медитацией.</a:t>
-            </a:r>
-          </a:p>
-          <a:p>
             <a:endParaRPr lang="ru-RU" dirty="0"/>
           </a:p>
         </p:txBody>
@@ -25477,7 +26191,7 @@
     </p:spTree>
     <p:extLst>
       <p:ext uri="{BB962C8B-B14F-4D97-AF65-F5344CB8AC3E}">
-        <p14:creationId xmlns:p14="http://schemas.microsoft.com/office/powerpoint/2010/main" val="4166029998"/>
+        <p14:creationId xmlns:p14="http://schemas.microsoft.com/office/powerpoint/2010/main" val="2212550543"/>
       </p:ext>
     </p:extLst>
   </p:cSld>
@@ -25572,18 +26286,6 @@
             </a:r>
           </a:p>
           <a:p>
-            <a:r>
-              <a:rPr lang="ru-RU" dirty="0"/>
-              <a:t>Занимайтесь медитацией.</a:t>
-            </a:r>
-          </a:p>
-          <a:p>
-            <a:r>
-              <a:rPr lang="ru-RU" dirty="0"/>
-              <a:t>Научитесь правильно Отдыхать.</a:t>
-            </a:r>
-          </a:p>
-          <a:p>
             <a:endParaRPr lang="ru-RU" dirty="0"/>
           </a:p>
         </p:txBody>
@@ -25591,7 +26293,7 @@
     </p:spTree>
     <p:extLst>
       <p:ext uri="{BB962C8B-B14F-4D97-AF65-F5344CB8AC3E}">
-        <p14:creationId xmlns:p14="http://schemas.microsoft.com/office/powerpoint/2010/main" val="3581029079"/>
+        <p14:creationId xmlns:p14="http://schemas.microsoft.com/office/powerpoint/2010/main" val="1994819522"/>
       </p:ext>
     </p:extLst>
   </p:cSld>
@@ -25822,18 +26524,6 @@
             </a:r>
           </a:p>
           <a:p>
-            <a:r>
-              <a:rPr lang="ru-RU" dirty="0"/>
-              <a:t>Научитесь правильно Отдыхать.</a:t>
-            </a:r>
-          </a:p>
-          <a:p>
-            <a:r>
-              <a:rPr lang="ru-RU" dirty="0"/>
-              <a:t>Заведите ритуалы и привычки.</a:t>
-            </a:r>
-          </a:p>
-          <a:p>
             <a:endParaRPr lang="ru-RU" dirty="0"/>
           </a:p>
         </p:txBody>
@@ -25841,7 +26531,7 @@
     </p:spTree>
     <p:extLst>
       <p:ext uri="{BB962C8B-B14F-4D97-AF65-F5344CB8AC3E}">
-        <p14:creationId xmlns:p14="http://schemas.microsoft.com/office/powerpoint/2010/main" val="914086317"/>
+        <p14:creationId xmlns:p14="http://schemas.microsoft.com/office/powerpoint/2010/main" val="4166029998"/>
       </p:ext>
     </p:extLst>
   </p:cSld>
@@ -25948,18 +26638,6 @@
             </a:r>
           </a:p>
           <a:p>
-            <a:r>
-              <a:rPr lang="ru-RU" dirty="0"/>
-              <a:t>Заведите ритуалы и привычки.</a:t>
-            </a:r>
-          </a:p>
-          <a:p>
-            <a:r>
-              <a:rPr lang="ru-RU" dirty="0"/>
-              <a:t>Будьте позитивны.</a:t>
-            </a:r>
-          </a:p>
-          <a:p>
             <a:endParaRPr lang="ru-RU" dirty="0"/>
           </a:p>
         </p:txBody>
@@ -25967,7 +26645,7 @@
     </p:spTree>
     <p:extLst>
       <p:ext uri="{BB962C8B-B14F-4D97-AF65-F5344CB8AC3E}">
-        <p14:creationId xmlns:p14="http://schemas.microsoft.com/office/powerpoint/2010/main" val="591118877"/>
+        <p14:creationId xmlns:p14="http://schemas.microsoft.com/office/powerpoint/2010/main" val="3581029079"/>
       </p:ext>
     </p:extLst>
   </p:cSld>
@@ -26080,6 +26758,252 @@
             </a:r>
           </a:p>
           <a:p>
+            <a:endParaRPr lang="ru-RU" dirty="0"/>
+          </a:p>
+        </p:txBody>
+      </p:sp>
+    </p:spTree>
+    <p:extLst>
+      <p:ext uri="{BB962C8B-B14F-4D97-AF65-F5344CB8AC3E}">
+        <p14:creationId xmlns:p14="http://schemas.microsoft.com/office/powerpoint/2010/main" val="914086317"/>
+      </p:ext>
+    </p:extLst>
+  </p:cSld>
+  <p:clrMapOvr>
+    <a:masterClrMapping/>
+  </p:clrMapOvr>
+</p:sld>
+</file>
+
+<file path=ppt/slides/slide63.xml><?xml version="1.0" encoding="utf-8"?>
+<p:sld xmlns:a="http://schemas.openxmlformats.org/drawingml/2006/main" xmlns:r="http://schemas.openxmlformats.org/officeDocument/2006/relationships" xmlns:p="http://schemas.openxmlformats.org/presentationml/2006/main">
+  <p:cSld>
+    <p:spTree>
+      <p:nvGrpSpPr>
+        <p:cNvPr id="1" name=""/>
+        <p:cNvGrpSpPr/>
+        <p:nvPr/>
+      </p:nvGrpSpPr>
+      <p:grpSpPr>
+        <a:xfrm>
+          <a:off x="0" y="0"/>
+          <a:ext cx="0" cy="0"/>
+          <a:chOff x="0" y="0"/>
+          <a:chExt cx="0" cy="0"/>
+        </a:xfrm>
+      </p:grpSpPr>
+      <p:sp>
+        <p:nvSpPr>
+          <p:cNvPr id="2" name="Title 1">
+            <a:extLst>
+              <a:ext uri="{FF2B5EF4-FFF2-40B4-BE49-F238E27FC236}">
+                <a16:creationId xmlns:a16="http://schemas.microsoft.com/office/drawing/2014/main" id="{8502BE21-50A6-4F8E-83CA-2BE2172D726F}"/>
+              </a:ext>
+            </a:extLst>
+          </p:cNvPr>
+          <p:cNvSpPr>
+            <a:spLocks noGrp="1"/>
+          </p:cNvSpPr>
+          <p:nvPr>
+            <p:ph type="title"/>
+          </p:nvPr>
+        </p:nvSpPr>
+        <p:spPr/>
+        <p:txBody>
+          <a:bodyPr/>
+          <a:lstStyle/>
+          <a:p>
+            <a:r>
+              <a:rPr lang="ru-RU" dirty="0"/>
+              <a:t>Советы</a:t>
+            </a:r>
+            <a:endParaRPr lang="en-US" dirty="0"/>
+          </a:p>
+        </p:txBody>
+      </p:sp>
+      <p:sp>
+        <p:nvSpPr>
+          <p:cNvPr id="3" name="Content Placeholder 2">
+            <a:extLst>
+              <a:ext uri="{FF2B5EF4-FFF2-40B4-BE49-F238E27FC236}">
+                <a16:creationId xmlns:a16="http://schemas.microsoft.com/office/drawing/2014/main" id="{F7D9122A-547D-4498-81E3-940AF608A4E2}"/>
+              </a:ext>
+            </a:extLst>
+          </p:cNvPr>
+          <p:cNvSpPr>
+            <a:spLocks noGrp="1"/>
+          </p:cNvSpPr>
+          <p:nvPr>
+            <p:ph idx="1"/>
+          </p:nvPr>
+        </p:nvSpPr>
+        <p:spPr/>
+        <p:txBody>
+          <a:bodyPr/>
+          <a:lstStyle/>
+          <a:p>
+            <a:r>
+              <a:rPr lang="ru-RU" dirty="0"/>
+              <a:t>Спите.</a:t>
+            </a:r>
+          </a:p>
+          <a:p>
+            <a:r>
+              <a:rPr lang="ru-RU" dirty="0"/>
+              <a:t>Практикуйте осознанность.</a:t>
+            </a:r>
+          </a:p>
+          <a:p>
+            <a:r>
+              <a:rPr lang="ru-RU" dirty="0"/>
+              <a:t>Дневник и рефлексия.</a:t>
+            </a:r>
+          </a:p>
+          <a:p>
+            <a:r>
+              <a:rPr lang="ru-RU" dirty="0"/>
+              <a:t>Занимайтесь медитацией.</a:t>
+            </a:r>
+          </a:p>
+          <a:p>
+            <a:r>
+              <a:rPr lang="ru-RU" dirty="0"/>
+              <a:t>Научитесь правильно Отдыхать.</a:t>
+            </a:r>
+          </a:p>
+          <a:p>
+            <a:r>
+              <a:rPr lang="ru-RU" dirty="0"/>
+              <a:t>Заведите ритуалы и привычки.</a:t>
+            </a:r>
+          </a:p>
+          <a:p>
+            <a:r>
+              <a:rPr lang="ru-RU" dirty="0"/>
+              <a:t>Будьте позитивны.</a:t>
+            </a:r>
+          </a:p>
+          <a:p>
+            <a:endParaRPr lang="ru-RU" dirty="0"/>
+          </a:p>
+        </p:txBody>
+      </p:sp>
+    </p:spTree>
+    <p:extLst>
+      <p:ext uri="{BB962C8B-B14F-4D97-AF65-F5344CB8AC3E}">
+        <p14:creationId xmlns:p14="http://schemas.microsoft.com/office/powerpoint/2010/main" val="591118877"/>
+      </p:ext>
+    </p:extLst>
+  </p:cSld>
+  <p:clrMapOvr>
+    <a:masterClrMapping/>
+  </p:clrMapOvr>
+</p:sld>
+</file>
+
+<file path=ppt/slides/slide64.xml><?xml version="1.0" encoding="utf-8"?>
+<p:sld xmlns:a="http://schemas.openxmlformats.org/drawingml/2006/main" xmlns:r="http://schemas.openxmlformats.org/officeDocument/2006/relationships" xmlns:p="http://schemas.openxmlformats.org/presentationml/2006/main">
+  <p:cSld>
+    <p:spTree>
+      <p:nvGrpSpPr>
+        <p:cNvPr id="1" name=""/>
+        <p:cNvGrpSpPr/>
+        <p:nvPr/>
+      </p:nvGrpSpPr>
+      <p:grpSpPr>
+        <a:xfrm>
+          <a:off x="0" y="0"/>
+          <a:ext cx="0" cy="0"/>
+          <a:chOff x="0" y="0"/>
+          <a:chExt cx="0" cy="0"/>
+        </a:xfrm>
+      </p:grpSpPr>
+      <p:sp>
+        <p:nvSpPr>
+          <p:cNvPr id="2" name="Title 1">
+            <a:extLst>
+              <a:ext uri="{FF2B5EF4-FFF2-40B4-BE49-F238E27FC236}">
+                <a16:creationId xmlns:a16="http://schemas.microsoft.com/office/drawing/2014/main" id="{8502BE21-50A6-4F8E-83CA-2BE2172D726F}"/>
+              </a:ext>
+            </a:extLst>
+          </p:cNvPr>
+          <p:cNvSpPr>
+            <a:spLocks noGrp="1"/>
+          </p:cNvSpPr>
+          <p:nvPr>
+            <p:ph type="title"/>
+          </p:nvPr>
+        </p:nvSpPr>
+        <p:spPr/>
+        <p:txBody>
+          <a:bodyPr/>
+          <a:lstStyle/>
+          <a:p>
+            <a:r>
+              <a:rPr lang="ru-RU" dirty="0"/>
+              <a:t>Советы</a:t>
+            </a:r>
+            <a:endParaRPr lang="en-US" dirty="0"/>
+          </a:p>
+        </p:txBody>
+      </p:sp>
+      <p:sp>
+        <p:nvSpPr>
+          <p:cNvPr id="3" name="Content Placeholder 2">
+            <a:extLst>
+              <a:ext uri="{FF2B5EF4-FFF2-40B4-BE49-F238E27FC236}">
+                <a16:creationId xmlns:a16="http://schemas.microsoft.com/office/drawing/2014/main" id="{F7D9122A-547D-4498-81E3-940AF608A4E2}"/>
+              </a:ext>
+            </a:extLst>
+          </p:cNvPr>
+          <p:cNvSpPr>
+            <a:spLocks noGrp="1"/>
+          </p:cNvSpPr>
+          <p:nvPr>
+            <p:ph idx="1"/>
+          </p:nvPr>
+        </p:nvSpPr>
+        <p:spPr/>
+        <p:txBody>
+          <a:bodyPr/>
+          <a:lstStyle/>
+          <a:p>
+            <a:r>
+              <a:rPr lang="ru-RU" dirty="0"/>
+              <a:t>Спите.</a:t>
+            </a:r>
+          </a:p>
+          <a:p>
+            <a:r>
+              <a:rPr lang="ru-RU" dirty="0"/>
+              <a:t>Практикуйте осознанность.</a:t>
+            </a:r>
+          </a:p>
+          <a:p>
+            <a:r>
+              <a:rPr lang="ru-RU" dirty="0"/>
+              <a:t>Дневник и рефлексия.</a:t>
+            </a:r>
+          </a:p>
+          <a:p>
+            <a:r>
+              <a:rPr lang="ru-RU" dirty="0"/>
+              <a:t>Занимайтесь медитацией.</a:t>
+            </a:r>
+          </a:p>
+          <a:p>
+            <a:r>
+              <a:rPr lang="ru-RU" dirty="0"/>
+              <a:t>Научитесь правильно Отдыхать.</a:t>
+            </a:r>
+          </a:p>
+          <a:p>
+            <a:r>
+              <a:rPr lang="ru-RU" dirty="0"/>
+              <a:t>Заведите ритуалы и привычки.</a:t>
+            </a:r>
+          </a:p>
+          <a:p>
             <a:r>
               <a:rPr lang="ru-RU" dirty="0"/>
               <a:t>Будьте позитивны.</a:t>
@@ -26110,7 +27034,7 @@
 </p:sld>
 </file>
 
-<file path=ppt/slides/slide63.xml><?xml version="1.0" encoding="utf-8"?>
+<file path=ppt/slides/slide65.xml><?xml version="1.0" encoding="utf-8"?>
 <p:sld xmlns:a="http://schemas.openxmlformats.org/drawingml/2006/main" xmlns:r="http://schemas.openxmlformats.org/officeDocument/2006/relationships" xmlns:p="http://schemas.openxmlformats.org/presentationml/2006/main">
   <p:cSld>
     <p:spTree>

--- a/softskills/willpower/willpower.pptx
+++ b/softskills/willpower/willpower.pptx
@@ -47,31 +47,31 @@
     <p:sldId id="345" r:id="rId38"/>
     <p:sldId id="350" r:id="rId39"/>
     <p:sldId id="346" r:id="rId40"/>
-    <p:sldId id="317" r:id="rId41"/>
-    <p:sldId id="352" r:id="rId42"/>
-    <p:sldId id="321" r:id="rId43"/>
-    <p:sldId id="266" r:id="rId44"/>
-    <p:sldId id="267" r:id="rId45"/>
-    <p:sldId id="318" r:id="rId46"/>
-    <p:sldId id="287" r:id="rId47"/>
-    <p:sldId id="288" r:id="rId48"/>
-    <p:sldId id="289" r:id="rId49"/>
-    <p:sldId id="294" r:id="rId50"/>
-    <p:sldId id="348" r:id="rId51"/>
-    <p:sldId id="291" r:id="rId52"/>
-    <p:sldId id="292" r:id="rId53"/>
-    <p:sldId id="293" r:id="rId54"/>
-    <p:sldId id="277" r:id="rId55"/>
-    <p:sldId id="306" r:id="rId56"/>
-    <p:sldId id="305" r:id="rId57"/>
-    <p:sldId id="284" r:id="rId58"/>
-    <p:sldId id="278" r:id="rId59"/>
-    <p:sldId id="279" r:id="rId60"/>
-    <p:sldId id="280" r:id="rId61"/>
-    <p:sldId id="281" r:id="rId62"/>
-    <p:sldId id="282" r:id="rId63"/>
-    <p:sldId id="283" r:id="rId64"/>
-    <p:sldId id="347" r:id="rId65"/>
+    <p:sldId id="352" r:id="rId41"/>
+    <p:sldId id="321" r:id="rId42"/>
+    <p:sldId id="266" r:id="rId43"/>
+    <p:sldId id="267" r:id="rId44"/>
+    <p:sldId id="318" r:id="rId45"/>
+    <p:sldId id="287" r:id="rId46"/>
+    <p:sldId id="288" r:id="rId47"/>
+    <p:sldId id="289" r:id="rId48"/>
+    <p:sldId id="294" r:id="rId49"/>
+    <p:sldId id="348" r:id="rId50"/>
+    <p:sldId id="291" r:id="rId51"/>
+    <p:sldId id="292" r:id="rId52"/>
+    <p:sldId id="293" r:id="rId53"/>
+    <p:sldId id="277" r:id="rId54"/>
+    <p:sldId id="306" r:id="rId55"/>
+    <p:sldId id="305" r:id="rId56"/>
+    <p:sldId id="284" r:id="rId57"/>
+    <p:sldId id="278" r:id="rId58"/>
+    <p:sldId id="279" r:id="rId59"/>
+    <p:sldId id="280" r:id="rId60"/>
+    <p:sldId id="281" r:id="rId61"/>
+    <p:sldId id="282" r:id="rId62"/>
+    <p:sldId id="283" r:id="rId63"/>
+    <p:sldId id="347" r:id="rId64"/>
+    <p:sldId id="317" r:id="rId65"/>
     <p:sldId id="285" r:id="rId66"/>
   </p:sldIdLst>
   <p:sldSz cx="12192000" cy="6858000"/>
@@ -261,7 +261,7 @@
           <a:p>
             <a:fld id="{F1E91201-0078-4A3F-BC02-68DABEF5C8BB}" type="datetimeFigureOut">
               <a:rPr lang="en-US" smtClean="0"/>
-              <a:t>2/5/2021</a:t>
+              <a:t>2/11/2021</a:t>
             </a:fld>
             <a:endParaRPr lang="en-US"/>
           </a:p>
@@ -7332,7 +7332,7 @@
             <a:fld id="{1E700B27-DE4C-4B9E-BB11-B9027034A00F}" type="datetimeFigureOut">
               <a:rPr lang="en-US" dirty="0"/>
               <a:pPr/>
-              <a:t>2/5/2021</a:t>
+              <a:t>2/11/2021</a:t>
             </a:fld>
             <a:endParaRPr lang="en-US" dirty="0"/>
           </a:p>
@@ -8448,7 +8448,7 @@
           <a:p>
             <a:fld id="{C40F4739-9812-4A9F-890D-2AD6BA5F6EE8}" type="datetimeFigureOut">
               <a:rPr lang="en-US" dirty="0"/>
-              <a:t>2/5/2021</a:t>
+              <a:t>2/11/2021</a:t>
             </a:fld>
             <a:endParaRPr lang="en-US" dirty="0"/>
           </a:p>
@@ -9455,7 +9455,7 @@
           <a:p>
             <a:fld id="{18845AC5-A3F8-44AA-BA8F-596CDCC976D3}" type="datetimeFigureOut">
               <a:rPr lang="en-US" dirty="0"/>
-              <a:t>2/5/2021</a:t>
+              <a:t>2/11/2021</a:t>
             </a:fld>
             <a:endParaRPr lang="en-US" dirty="0"/>
           </a:p>
@@ -10621,7 +10621,7 @@
           <a:p>
             <a:fld id="{C873B183-A821-4095-A363-9EC968635539}" type="datetimeFigureOut">
               <a:rPr lang="en-US" dirty="0"/>
-              <a:t>2/5/2021</a:t>
+              <a:t>2/11/2021</a:t>
             </a:fld>
             <a:endParaRPr lang="en-US" dirty="0"/>
           </a:p>
@@ -11678,7 +11678,7 @@
           <a:p>
             <a:fld id="{174D01B4-0AA5-45E6-B2E6-5FA4078AEBCF}" type="datetimeFigureOut">
               <a:rPr lang="en-US" dirty="0"/>
-              <a:t>2/5/2021</a:t>
+              <a:t>2/11/2021</a:t>
             </a:fld>
             <a:endParaRPr lang="en-US" dirty="0"/>
           </a:p>
@@ -12320,7 +12320,7 @@
           <a:p>
             <a:fld id="{4147335C-0450-40D7-8612-B3203BED4F28}" type="datetimeFigureOut">
               <a:rPr lang="en-US" dirty="0"/>
-              <a:t>2/5/2021</a:t>
+              <a:t>2/11/2021</a:t>
             </a:fld>
             <a:endParaRPr lang="en-US" dirty="0"/>
           </a:p>
@@ -13163,7 +13163,7 @@
           <a:p>
             <a:fld id="{D246A105-2A1C-4284-B4EA-07CF89B1A393}" type="datetimeFigureOut">
               <a:rPr lang="en-US" dirty="0"/>
-              <a:t>2/5/2021</a:t>
+              <a:t>2/11/2021</a:t>
             </a:fld>
             <a:endParaRPr lang="en-US" dirty="0"/>
           </a:p>
@@ -13334,7 +13334,7 @@
           <a:p>
             <a:fld id="{80DBE609-F3F2-45E6-BD6A-E03A8C86C1AE}" type="datetimeFigureOut">
               <a:rPr lang="en-US" dirty="0"/>
-              <a:t>2/5/2021</a:t>
+              <a:t>2/11/2021</a:t>
             </a:fld>
             <a:endParaRPr lang="en-US" dirty="0"/>
           </a:p>
@@ -14328,7 +14328,7 @@
           <a:p>
             <a:fld id="{7A24AD68-089C-4467-A8F3-EA2BBCA6B44E}" type="datetimeFigureOut">
               <a:rPr lang="en-US" dirty="0"/>
-              <a:t>2/5/2021</a:t>
+              <a:t>2/11/2021</a:t>
             </a:fld>
             <a:endParaRPr lang="en-US" dirty="0"/>
           </a:p>
@@ -14530,7 +14530,7 @@
           <a:p>
             <a:fld id="{75C51FCE-E4BB-4680-8E50-3C0E348D2609}" type="datetimeFigureOut">
               <a:rPr lang="en-US" dirty="0"/>
-              <a:t>2/5/2021</a:t>
+              <a:t>2/11/2021</a:t>
             </a:fld>
             <a:endParaRPr lang="en-US" dirty="0"/>
           </a:p>
@@ -15588,7 +15588,7 @@
           <a:p>
             <a:fld id="{8AAA073D-A903-47F8-8D16-77642FB0DF1F}" type="datetimeFigureOut">
               <a:rPr lang="en-US" dirty="0"/>
-              <a:t>2/5/2021</a:t>
+              <a:t>2/11/2021</a:t>
             </a:fld>
             <a:endParaRPr lang="en-US" dirty="0"/>
           </a:p>
@@ -15856,7 +15856,7 @@
           <a:p>
             <a:fld id="{AB91FA40-626B-4CA1-85D0-7A9016E395BA}" type="datetimeFigureOut">
               <a:rPr lang="en-US" dirty="0"/>
-              <a:t>2/5/2021</a:t>
+              <a:t>2/11/2021</a:t>
             </a:fld>
             <a:endParaRPr lang="en-US" dirty="0"/>
           </a:p>
@@ -16234,7 +16234,7 @@
           <a:p>
             <a:fld id="{C3F425EA-B9DC-48A7-991E-9A82573B1B21}" type="datetimeFigureOut">
               <a:rPr lang="en-US" dirty="0"/>
-              <a:t>2/5/2021</a:t>
+              <a:t>2/11/2021</a:t>
             </a:fld>
             <a:endParaRPr lang="en-US" dirty="0"/>
           </a:p>
@@ -16348,7 +16348,7 @@
           <a:p>
             <a:fld id="{66CB97F8-6CEB-469B-AFCC-889F2A2B1D5A}" type="datetimeFigureOut">
               <a:rPr lang="en-US" dirty="0"/>
-              <a:t>2/5/2021</a:t>
+              <a:t>2/11/2021</a:t>
             </a:fld>
             <a:endParaRPr lang="en-US" dirty="0"/>
           </a:p>
@@ -16439,7 +16439,7 @@
           <a:p>
             <a:fld id="{8FA9179F-009E-4FA5-B091-7EBB82A185BD}" type="datetimeFigureOut">
               <a:rPr lang="en-US" dirty="0"/>
-              <a:t>2/5/2021</a:t>
+              <a:t>2/11/2021</a:t>
             </a:fld>
             <a:endParaRPr lang="en-US" dirty="0"/>
           </a:p>
@@ -17544,7 +17544,7 @@
           <a:p>
             <a:fld id="{8E665CEB-0076-4E37-B880-BCEA9784DE0A}" type="datetimeFigureOut">
               <a:rPr lang="en-US" dirty="0"/>
-              <a:t>2/5/2021</a:t>
+              <a:t>2/11/2021</a:t>
             </a:fld>
             <a:endParaRPr lang="en-US" dirty="0"/>
           </a:p>
@@ -18673,7 +18673,7 @@
           <a:p>
             <a:fld id="{A6149E5E-3896-4118-99A7-7B85668F1C5E}" type="datetimeFigureOut">
               <a:rPr lang="en-US" dirty="0"/>
-              <a:t>2/5/2021</a:t>
+              <a:t>2/11/2021</a:t>
             </a:fld>
             <a:endParaRPr lang="en-US" dirty="0"/>
           </a:p>
@@ -19697,7 +19697,7 @@
           <a:p>
             <a:fld id="{7E0D914D-B099-4142-A885-11F276715148}" type="datetimeFigureOut">
               <a:rPr lang="en-US" dirty="0"/>
-              <a:t>2/5/2021</a:t>
+              <a:t>2/11/2021</a:t>
             </a:fld>
             <a:endParaRPr lang="en-US" dirty="0"/>
           </a:p>
@@ -22600,7 +22600,7 @@
 </file>
 
 <file path=ppt/slides/slide29.xml><?xml version="1.0" encoding="utf-8"?>
-<p:sld xmlns:a="http://schemas.openxmlformats.org/drawingml/2006/main" xmlns:r="http://schemas.openxmlformats.org/officeDocument/2006/relationships" xmlns:p="http://schemas.openxmlformats.org/presentationml/2006/main">
+<p:sld xmlns:a="http://schemas.openxmlformats.org/drawingml/2006/main" xmlns:r="http://schemas.openxmlformats.org/officeDocument/2006/relationships" xmlns:p="http://schemas.openxmlformats.org/presentationml/2006/main" show="0">
   <p:cSld>
     <p:spTree>
       <p:nvGrpSpPr>
@@ -22790,7 +22790,7 @@
 </file>
 
 <file path=ppt/slides/slide30.xml><?xml version="1.0" encoding="utf-8"?>
-<p:sld xmlns:a="http://schemas.openxmlformats.org/drawingml/2006/main" xmlns:r="http://schemas.openxmlformats.org/officeDocument/2006/relationships" xmlns:p="http://schemas.openxmlformats.org/presentationml/2006/main">
+<p:sld xmlns:a="http://schemas.openxmlformats.org/drawingml/2006/main" xmlns:r="http://schemas.openxmlformats.org/officeDocument/2006/relationships" xmlns:p="http://schemas.openxmlformats.org/presentationml/2006/main" show="0">
   <p:cSld>
     <p:spTree>
       <p:nvGrpSpPr>
@@ -22886,7 +22886,7 @@
 </file>
 
 <file path=ppt/slides/slide31.xml><?xml version="1.0" encoding="utf-8"?>
-<p:sld xmlns:a="http://schemas.openxmlformats.org/drawingml/2006/main" xmlns:r="http://schemas.openxmlformats.org/officeDocument/2006/relationships" xmlns:p="http://schemas.openxmlformats.org/presentationml/2006/main">
+<p:sld xmlns:a="http://schemas.openxmlformats.org/drawingml/2006/main" xmlns:r="http://schemas.openxmlformats.org/officeDocument/2006/relationships" xmlns:p="http://schemas.openxmlformats.org/presentationml/2006/main" show="0">
   <p:cSld>
     <p:spTree>
       <p:nvGrpSpPr>
@@ -22988,7 +22988,7 @@
 </file>
 
 <file path=ppt/slides/slide32.xml><?xml version="1.0" encoding="utf-8"?>
-<p:sld xmlns:a="http://schemas.openxmlformats.org/drawingml/2006/main" xmlns:r="http://schemas.openxmlformats.org/officeDocument/2006/relationships" xmlns:p="http://schemas.openxmlformats.org/presentationml/2006/main">
+<p:sld xmlns:a="http://schemas.openxmlformats.org/drawingml/2006/main" xmlns:r="http://schemas.openxmlformats.org/officeDocument/2006/relationships" xmlns:p="http://schemas.openxmlformats.org/presentationml/2006/main" show="0">
   <p:cSld>
     <p:spTree>
       <p:nvGrpSpPr>
@@ -24290,36 +24290,19 @@
             <p:ph idx="1"/>
           </p:nvPr>
         </p:nvSpPr>
-        <p:spPr>
-          <a:xfrm>
-            <a:off x="1154955" y="3569464"/>
-            <a:ext cx="8761412" cy="2450335"/>
-          </a:xfrm>
-        </p:spPr>
+        <p:spPr/>
         <p:txBody>
           <a:bodyPr/>
           <a:lstStyle/>
           <a:p>
-            <a:pPr marL="0" indent="0" algn="ctr">
-              <a:buNone/>
-            </a:pPr>
-            <a:r>
-              <a:rPr lang="ru-RU" sz="1800" i="1" dirty="0">
-                <a:effectLst/>
-                <a:latin typeface="Century Gothic (Body)"/>
-              </a:rPr>
-              <a:t>Сохраните мировоззрение ученого. Пробуйте новое, собирайте собственные данные, прислушивайтесь к фактам. Будьте открыты неожиданным идеям, учитесь как на собственных ошибках, так и на успехах. Берегите то, что вам помогает, и делитесь знаниями с окружающими.</a:t>
-            </a:r>
-            <a:endParaRPr lang="ru-RU" i="1" dirty="0">
-              <a:latin typeface="Century Gothic (Body)"/>
-            </a:endParaRPr>
+            <a:endParaRPr lang="ru-RU" dirty="0"/>
           </a:p>
         </p:txBody>
       </p:sp>
     </p:spTree>
     <p:extLst>
       <p:ext uri="{BB962C8B-B14F-4D97-AF65-F5344CB8AC3E}">
-        <p14:creationId xmlns:p14="http://schemas.microsoft.com/office/powerpoint/2010/main" val="1639902987"/>
+        <p14:creationId xmlns:p14="http://schemas.microsoft.com/office/powerpoint/2010/main" val="846126053"/>
       </p:ext>
     </p:extLst>
   </p:cSld>
@@ -24330,7 +24313,7 @@
 </file>
 
 <file path=ppt/slides/slide41.xml><?xml version="1.0" encoding="utf-8"?>
-<p:sld xmlns:a="http://schemas.openxmlformats.org/drawingml/2006/main" xmlns:r="http://schemas.openxmlformats.org/officeDocument/2006/relationships" xmlns:p="http://schemas.openxmlformats.org/presentationml/2006/main">
+<p:sld xmlns:a="http://schemas.openxmlformats.org/drawingml/2006/main" xmlns:r="http://schemas.openxmlformats.org/officeDocument/2006/relationships" xmlns:p="http://schemas.openxmlformats.org/presentationml/2006/main" show="0">
   <p:cSld>
     <p:spTree>
       <p:nvGrpSpPr>
@@ -24369,7 +24352,7 @@
           <a:p>
             <a:r>
               <a:rPr lang="ru-RU" dirty="0"/>
-              <a:t>Резюме книги Келли Макгонигал</a:t>
+              <a:t>Бенжамин Харди</a:t>
             </a:r>
             <a:endParaRPr lang="en-US" dirty="0"/>
           </a:p>
@@ -24391,19 +24374,33 @@
             <p:ph idx="1"/>
           </p:nvPr>
         </p:nvSpPr>
-        <p:spPr/>
-        <p:txBody>
-          <a:bodyPr/>
+        <p:spPr>
+          <a:xfrm>
+            <a:off x="1154954" y="3816990"/>
+            <a:ext cx="9549397" cy="2202809"/>
+          </a:xfrm>
+        </p:spPr>
+        <p:txBody>
+          <a:bodyPr>
+            <a:normAutofit/>
+          </a:bodyPr>
           <a:lstStyle/>
           <a:p>
-            <a:endParaRPr lang="ru-RU" dirty="0"/>
+            <a:pPr marL="0" indent="0" algn="ctr">
+              <a:buNone/>
+            </a:pPr>
+            <a:r>
+              <a:rPr lang="ru-RU" sz="2000" b="1" dirty="0"/>
+              <a:t>Сила воли не работает. Пусть твое окружение работает вместо нее.</a:t>
+            </a:r>
+            <a:endParaRPr lang="en-US" sz="2000" b="1" dirty="0"/>
           </a:p>
         </p:txBody>
       </p:sp>
     </p:spTree>
     <p:extLst>
       <p:ext uri="{BB962C8B-B14F-4D97-AF65-F5344CB8AC3E}">
-        <p14:creationId xmlns:p14="http://schemas.microsoft.com/office/powerpoint/2010/main" val="846126053"/>
+        <p14:creationId xmlns:p14="http://schemas.microsoft.com/office/powerpoint/2010/main" val="3215833638"/>
       </p:ext>
     </p:extLst>
   </p:cSld>
@@ -24414,7 +24411,7 @@
 </file>
 
 <file path=ppt/slides/slide42.xml><?xml version="1.0" encoding="utf-8"?>
-<p:sld xmlns:a="http://schemas.openxmlformats.org/drawingml/2006/main" xmlns:r="http://schemas.openxmlformats.org/officeDocument/2006/relationships" xmlns:p="http://schemas.openxmlformats.org/presentationml/2006/main">
+<p:sld xmlns:a="http://schemas.openxmlformats.org/drawingml/2006/main" xmlns:r="http://schemas.openxmlformats.org/officeDocument/2006/relationships" xmlns:p="http://schemas.openxmlformats.org/presentationml/2006/main" show="0">
   <p:cSld>
     <p:spTree>
       <p:nvGrpSpPr>
@@ -24475,33 +24472,25 @@
             <p:ph idx="1"/>
           </p:nvPr>
         </p:nvSpPr>
-        <p:spPr>
-          <a:xfrm>
-            <a:off x="1154954" y="3816990"/>
-            <a:ext cx="9549397" cy="2202809"/>
-          </a:xfrm>
-        </p:spPr>
-        <p:txBody>
-          <a:bodyPr>
-            <a:normAutofit/>
-          </a:bodyPr>
+        <p:spPr/>
+        <p:txBody>
+          <a:bodyPr/>
           <a:lstStyle/>
           <a:p>
-            <a:pPr marL="0" indent="0" algn="ctr">
-              <a:buNone/>
-            </a:pPr>
-            <a:r>
-              <a:rPr lang="ru-RU" sz="2000" b="1" dirty="0"/>
-              <a:t>Сила воли не работает. Пусть твое окружение работает вместо нее.</a:t>
-            </a:r>
-            <a:endParaRPr lang="en-US" sz="2000" b="1" dirty="0"/>
+            <a:r>
+              <a:rPr lang="ru-RU" dirty="0"/>
+              <a:t>Человек – порождение ситуации.</a:t>
+            </a:r>
+          </a:p>
+          <a:p>
+            <a:endParaRPr lang="ru-RU" dirty="0"/>
           </a:p>
         </p:txBody>
       </p:sp>
     </p:spTree>
     <p:extLst>
       <p:ext uri="{BB962C8B-B14F-4D97-AF65-F5344CB8AC3E}">
-        <p14:creationId xmlns:p14="http://schemas.microsoft.com/office/powerpoint/2010/main" val="3215833638"/>
+        <p14:creationId xmlns:p14="http://schemas.microsoft.com/office/powerpoint/2010/main" val="1059165568"/>
       </p:ext>
     </p:extLst>
   </p:cSld>
@@ -24512,7 +24501,7 @@
 </file>
 
 <file path=ppt/slides/slide43.xml><?xml version="1.0" encoding="utf-8"?>
-<p:sld xmlns:a="http://schemas.openxmlformats.org/drawingml/2006/main" xmlns:r="http://schemas.openxmlformats.org/officeDocument/2006/relationships" xmlns:p="http://schemas.openxmlformats.org/presentationml/2006/main">
+<p:sld xmlns:a="http://schemas.openxmlformats.org/drawingml/2006/main" xmlns:r="http://schemas.openxmlformats.org/officeDocument/2006/relationships" xmlns:p="http://schemas.openxmlformats.org/presentationml/2006/main" show="0">
   <p:cSld>
     <p:spTree>
       <p:nvGrpSpPr>
@@ -24584,6 +24573,12 @@
             </a:r>
           </a:p>
           <a:p>
+            <a:r>
+              <a:rPr lang="ru-RU" dirty="0"/>
+              <a:t>Ваша среда формирует вас.</a:t>
+            </a:r>
+          </a:p>
+          <a:p>
             <a:endParaRPr lang="ru-RU" dirty="0"/>
           </a:p>
         </p:txBody>
@@ -24591,7 +24586,7 @@
     </p:spTree>
     <p:extLst>
       <p:ext uri="{BB962C8B-B14F-4D97-AF65-F5344CB8AC3E}">
-        <p14:creationId xmlns:p14="http://schemas.microsoft.com/office/powerpoint/2010/main" val="1059165568"/>
+        <p14:creationId xmlns:p14="http://schemas.microsoft.com/office/powerpoint/2010/main" val="2398533860"/>
       </p:ext>
     </p:extLst>
   </p:cSld>
@@ -24602,7 +24597,7 @@
 </file>
 
 <file path=ppt/slides/slide44.xml><?xml version="1.0" encoding="utf-8"?>
-<p:sld xmlns:a="http://schemas.openxmlformats.org/drawingml/2006/main" xmlns:r="http://schemas.openxmlformats.org/officeDocument/2006/relationships" xmlns:p="http://schemas.openxmlformats.org/presentationml/2006/main">
+<p:sld xmlns:a="http://schemas.openxmlformats.org/drawingml/2006/main" xmlns:r="http://schemas.openxmlformats.org/officeDocument/2006/relationships" xmlns:p="http://schemas.openxmlformats.org/presentationml/2006/main" show="0">
   <p:cSld>
     <p:spTree>
       <p:nvGrpSpPr>
@@ -24641,7 +24636,7 @@
           <a:p>
             <a:r>
               <a:rPr lang="ru-RU" dirty="0"/>
-              <a:t>Бенжамин Харди</a:t>
+              <a:t>Резюме по книге Бенжамин Харди</a:t>
             </a:r>
             <a:endParaRPr lang="en-US" dirty="0"/>
           </a:p>
@@ -24668,18 +24663,6 @@
           <a:bodyPr/>
           <a:lstStyle/>
           <a:p>
-            <a:r>
-              <a:rPr lang="ru-RU" dirty="0"/>
-              <a:t>Человек – порождение ситуации.</a:t>
-            </a:r>
-          </a:p>
-          <a:p>
-            <a:r>
-              <a:rPr lang="ru-RU" dirty="0"/>
-              <a:t>Ваша среда формирует вас.</a:t>
-            </a:r>
-          </a:p>
-          <a:p>
             <a:endParaRPr lang="ru-RU" dirty="0"/>
           </a:p>
         </p:txBody>
@@ -24687,7 +24670,7 @@
     </p:spTree>
     <p:extLst>
       <p:ext uri="{BB962C8B-B14F-4D97-AF65-F5344CB8AC3E}">
-        <p14:creationId xmlns:p14="http://schemas.microsoft.com/office/powerpoint/2010/main" val="2398533860"/>
+        <p14:creationId xmlns:p14="http://schemas.microsoft.com/office/powerpoint/2010/main" val="1409395795"/>
       </p:ext>
     </p:extLst>
   </p:cSld>
@@ -24737,7 +24720,7 @@
           <a:p>
             <a:r>
               <a:rPr lang="ru-RU" dirty="0"/>
-              <a:t>Резюме по книге Бенжамин Харди</a:t>
+              <a:t>Так есть ли Сила Воли?</a:t>
             </a:r>
             <a:endParaRPr lang="en-US" dirty="0"/>
           </a:p>
@@ -24771,7 +24754,7 @@
     </p:spTree>
     <p:extLst>
       <p:ext uri="{BB962C8B-B14F-4D97-AF65-F5344CB8AC3E}">
-        <p14:creationId xmlns:p14="http://schemas.microsoft.com/office/powerpoint/2010/main" val="1409395795"/>
+        <p14:creationId xmlns:p14="http://schemas.microsoft.com/office/powerpoint/2010/main" val="2164139279"/>
       </p:ext>
     </p:extLst>
   </p:cSld>
@@ -24782,7 +24765,7 @@
 </file>
 
 <file path=ppt/slides/slide46.xml><?xml version="1.0" encoding="utf-8"?>
-<p:sld xmlns:a="http://schemas.openxmlformats.org/drawingml/2006/main" xmlns:r="http://schemas.openxmlformats.org/officeDocument/2006/relationships" xmlns:p="http://schemas.openxmlformats.org/presentationml/2006/main">
+<p:sld xmlns:a="http://schemas.openxmlformats.org/drawingml/2006/main" xmlns:r="http://schemas.openxmlformats.org/officeDocument/2006/relationships" xmlns:p="http://schemas.openxmlformats.org/presentationml/2006/main" show="0">
   <p:cSld>
     <p:spTree>
       <p:nvGrpSpPr>
@@ -24848,14 +24831,25 @@
           <a:bodyPr/>
           <a:lstStyle/>
           <a:p>
-            <a:endParaRPr lang="ru-RU" dirty="0"/>
+            <a:r>
+              <a:rPr lang="ru-RU" dirty="0"/>
+              <a:t>Если мы под силой воли подразумеваем способность управлять самим собой (самоконтроль/дисциплина) и ходом своей жизни таким образом, что бы добиваться всех намеченных целей и реализовывать практически любые свои желания. – Ответ: </a:t>
+            </a:r>
+            <a:r>
+              <a:rPr lang="ru-RU" sz="2000" b="1" dirty="0"/>
+              <a:t>Да</a:t>
+            </a:r>
+            <a:r>
+              <a:rPr lang="ru-RU" dirty="0"/>
+              <a:t>. </a:t>
+            </a:r>
           </a:p>
         </p:txBody>
       </p:sp>
     </p:spTree>
     <p:extLst>
       <p:ext uri="{BB962C8B-B14F-4D97-AF65-F5344CB8AC3E}">
-        <p14:creationId xmlns:p14="http://schemas.microsoft.com/office/powerpoint/2010/main" val="2164139279"/>
+        <p14:creationId xmlns:p14="http://schemas.microsoft.com/office/powerpoint/2010/main" val="1046140786"/>
       </p:ext>
     </p:extLst>
   </p:cSld>
@@ -24866,7 +24860,7 @@
 </file>
 
 <file path=ppt/slides/slide47.xml><?xml version="1.0" encoding="utf-8"?>
-<p:sld xmlns:a="http://schemas.openxmlformats.org/drawingml/2006/main" xmlns:r="http://schemas.openxmlformats.org/officeDocument/2006/relationships" xmlns:p="http://schemas.openxmlformats.org/presentationml/2006/main">
+<p:sld xmlns:a="http://schemas.openxmlformats.org/drawingml/2006/main" xmlns:r="http://schemas.openxmlformats.org/officeDocument/2006/relationships" xmlns:p="http://schemas.openxmlformats.org/presentationml/2006/main" show="0">
   <p:cSld>
     <p:spTree>
       <p:nvGrpSpPr>
@@ -24929,7 +24923,9 @@
         </p:nvSpPr>
         <p:spPr/>
         <p:txBody>
-          <a:bodyPr/>
+          <a:bodyPr>
+            <a:normAutofit/>
+          </a:bodyPr>
           <a:lstStyle/>
           <a:p>
             <a:r>
@@ -24943,6 +24939,23 @@
             <a:r>
               <a:rPr lang="ru-RU" dirty="0"/>
               <a:t>. </a:t>
+            </a:r>
+          </a:p>
+          <a:p>
+            <a:endParaRPr lang="ru-RU" dirty="0"/>
+          </a:p>
+          <a:p>
+            <a:r>
+              <a:rPr lang="ru-RU" dirty="0"/>
+              <a:t>Поможет ли нам Сила Воли? – ответ: </a:t>
+            </a:r>
+            <a:r>
+              <a:rPr lang="ru-RU" sz="2000" b="1" dirty="0"/>
+              <a:t>Нет</a:t>
+            </a:r>
+            <a:r>
+              <a:rPr lang="ru-RU" b="1" dirty="0"/>
+              <a:t>.</a:t>
             </a:r>
           </a:p>
         </p:txBody>
@@ -24950,7 +24963,7 @@
     </p:spTree>
     <p:extLst>
       <p:ext uri="{BB962C8B-B14F-4D97-AF65-F5344CB8AC3E}">
-        <p14:creationId xmlns:p14="http://schemas.microsoft.com/office/powerpoint/2010/main" val="1046140786"/>
+        <p14:creationId xmlns:p14="http://schemas.microsoft.com/office/powerpoint/2010/main" val="3424737229"/>
       </p:ext>
     </p:extLst>
   </p:cSld>
@@ -25000,7 +25013,7 @@
           <a:p>
             <a:r>
               <a:rPr lang="ru-RU" dirty="0"/>
-              <a:t>Так есть ли Сила Воли?</a:t>
+              <a:t>И что мне делать?</a:t>
             </a:r>
             <a:endParaRPr lang="en-US" dirty="0"/>
           </a:p>
@@ -25022,49 +25035,24 @@
             <p:ph idx="1"/>
           </p:nvPr>
         </p:nvSpPr>
-        <p:spPr/>
-        <p:txBody>
-          <a:bodyPr>
-            <a:normAutofit/>
-          </a:bodyPr>
+        <p:spPr>
+          <a:xfrm>
+            <a:off x="1154955" y="2603500"/>
+            <a:ext cx="10077904" cy="3416300"/>
+          </a:xfrm>
+        </p:spPr>
+        <p:txBody>
+          <a:bodyPr/>
           <a:lstStyle/>
           <a:p>
-            <a:r>
-              <a:rPr lang="ru-RU" dirty="0"/>
-              <a:t>Если мы под силой воли подразумеваем способность управлять самим собой (самоконтроль/дисциплина) и ходом своей жизни таким образом, что бы добиваться всех намеченных целей и реализовывать практически любые свои желания. – Ответ: </a:t>
-            </a:r>
-            <a:r>
-              <a:rPr lang="ru-RU" sz="2000" b="1" dirty="0"/>
-              <a:t>Да</a:t>
-            </a:r>
-            <a:r>
-              <a:rPr lang="ru-RU" dirty="0"/>
-              <a:t>. </a:t>
-            </a:r>
-          </a:p>
-          <a:p>
             <a:endParaRPr lang="ru-RU" dirty="0"/>
-          </a:p>
-          <a:p>
-            <a:r>
-              <a:rPr lang="ru-RU" dirty="0"/>
-              <a:t>Поможет ли нам Сила Воли? – ответ: </a:t>
-            </a:r>
-            <a:r>
-              <a:rPr lang="ru-RU" sz="2000" b="1" dirty="0"/>
-              <a:t>Нет</a:t>
-            </a:r>
-            <a:r>
-              <a:rPr lang="ru-RU" b="1" dirty="0"/>
-              <a:t>.</a:t>
-            </a:r>
           </a:p>
         </p:txBody>
       </p:sp>
     </p:spTree>
     <p:extLst>
       <p:ext uri="{BB962C8B-B14F-4D97-AF65-F5344CB8AC3E}">
-        <p14:creationId xmlns:p14="http://schemas.microsoft.com/office/powerpoint/2010/main" val="3424737229"/>
+        <p14:creationId xmlns:p14="http://schemas.microsoft.com/office/powerpoint/2010/main" val="104215905"/>
       </p:ext>
     </p:extLst>
   </p:cSld>
@@ -25146,6 +25134,12 @@
           <a:bodyPr/>
           <a:lstStyle/>
           <a:p>
+            <a:r>
+              <a:rPr lang="ru-RU" dirty="0"/>
+              <a:t>Прислушивайся к себе. Чего ты хочешь? Какую проблему ты пытаешься решить?</a:t>
+            </a:r>
+          </a:p>
+          <a:p>
             <a:endParaRPr lang="ru-RU" dirty="0"/>
           </a:p>
         </p:txBody>
@@ -25153,7 +25147,7 @@
     </p:spTree>
     <p:extLst>
       <p:ext uri="{BB962C8B-B14F-4D97-AF65-F5344CB8AC3E}">
-        <p14:creationId xmlns:p14="http://schemas.microsoft.com/office/powerpoint/2010/main" val="104215905"/>
+        <p14:creationId xmlns:p14="http://schemas.microsoft.com/office/powerpoint/2010/main" val="4079798762"/>
       </p:ext>
     </p:extLst>
   </p:cSld>
@@ -25348,8 +25342,8 @@
         </p:nvSpPr>
         <p:spPr>
           <a:xfrm>
-            <a:off x="1154955" y="2603500"/>
-            <a:ext cx="10077904" cy="3416300"/>
+            <a:off x="1154954" y="2603500"/>
+            <a:ext cx="10279239" cy="3416300"/>
           </a:xfrm>
         </p:spPr>
         <p:txBody>
@@ -25359,6 +25353,15 @@
             <a:r>
               <a:rPr lang="ru-RU" dirty="0"/>
               <a:t>Прислушивайся к себе. Чего ты хочешь? Какую проблему ты пытаешься решить?</a:t>
+            </a:r>
+          </a:p>
+          <a:p>
+            <a:endParaRPr lang="ru-RU" dirty="0"/>
+          </a:p>
+          <a:p>
+            <a:r>
+              <a:rPr lang="ru-RU" dirty="0"/>
+              <a:t>Задавай вопросы сам себе. И пытайся найти ответы.</a:t>
             </a:r>
           </a:p>
           <a:p>
@@ -25369,7 +25372,7 @@
     </p:spTree>
     <p:extLst>
       <p:ext uri="{BB962C8B-B14F-4D97-AF65-F5344CB8AC3E}">
-        <p14:creationId xmlns:p14="http://schemas.microsoft.com/office/powerpoint/2010/main" val="4079798762"/>
+        <p14:creationId xmlns:p14="http://schemas.microsoft.com/office/powerpoint/2010/main" val="4171558127"/>
       </p:ext>
     </p:extLst>
   </p:cSld>
@@ -25444,7 +25447,7 @@
         <p:spPr>
           <a:xfrm>
             <a:off x="1154954" y="2603500"/>
-            <a:ext cx="10279239" cy="3416300"/>
+            <a:ext cx="10430241" cy="3416300"/>
           </a:xfrm>
         </p:spPr>
         <p:txBody>
@@ -25463,6 +25466,15 @@
             <a:r>
               <a:rPr lang="ru-RU" dirty="0"/>
               <a:t>Задавай вопросы сам себе. И пытайся найти ответы.</a:t>
+            </a:r>
+          </a:p>
+          <a:p>
+            <a:endParaRPr lang="ru-RU" dirty="0"/>
+          </a:p>
+          <a:p>
+            <a:r>
+              <a:rPr lang="ru-RU" dirty="0"/>
+              <a:t>Найди баланс.</a:t>
             </a:r>
           </a:p>
           <a:p>
@@ -25473,7 +25485,7 @@
     </p:spTree>
     <p:extLst>
       <p:ext uri="{BB962C8B-B14F-4D97-AF65-F5344CB8AC3E}">
-        <p14:creationId xmlns:p14="http://schemas.microsoft.com/office/powerpoint/2010/main" val="4171558127"/>
+        <p14:creationId xmlns:p14="http://schemas.microsoft.com/office/powerpoint/2010/main" val="1501391458"/>
       </p:ext>
     </p:extLst>
   </p:cSld>
@@ -25548,7 +25560,7 @@
         <p:spPr>
           <a:xfrm>
             <a:off x="1154954" y="2603500"/>
-            <a:ext cx="10430241" cy="3416300"/>
+            <a:ext cx="10312795" cy="3416300"/>
           </a:xfrm>
         </p:spPr>
         <p:txBody>
@@ -25576,6 +25588,27 @@
             <a:r>
               <a:rPr lang="ru-RU" dirty="0"/>
               <a:t>Найди баланс.</a:t>
+            </a:r>
+          </a:p>
+          <a:p>
+            <a:endParaRPr lang="ru-RU" dirty="0"/>
+          </a:p>
+          <a:p>
+            <a:r>
+              <a:rPr lang="ru-RU" dirty="0"/>
+              <a:t>Найди ту конфигурацию которая будет работать именно для тебя. Пойми что нету той </a:t>
+            </a:r>
+            <a:r>
+              <a:rPr lang="en-US" i="1" dirty="0"/>
+              <a:t>silver bullet</a:t>
+            </a:r>
+            <a:r>
+              <a:rPr lang="en-US" dirty="0"/>
+              <a:t> </a:t>
+            </a:r>
+            <a:r>
+              <a:rPr lang="ru-RU" dirty="0"/>
+              <a:t>которую все пытаются найти.</a:t>
             </a:r>
           </a:p>
           <a:p>
@@ -25586,7 +25619,7 @@
     </p:spTree>
     <p:extLst>
       <p:ext uri="{BB962C8B-B14F-4D97-AF65-F5344CB8AC3E}">
-        <p14:creationId xmlns:p14="http://schemas.microsoft.com/office/powerpoint/2010/main" val="1501391458"/>
+        <p14:creationId xmlns:p14="http://schemas.microsoft.com/office/powerpoint/2010/main" val="2916773178"/>
       </p:ext>
     </p:extLst>
   </p:cSld>
@@ -25597,7 +25630,7 @@
 </file>
 
 <file path=ppt/slides/slide53.xml><?xml version="1.0" encoding="utf-8"?>
-<p:sld xmlns:a="http://schemas.openxmlformats.org/drawingml/2006/main" xmlns:r="http://schemas.openxmlformats.org/officeDocument/2006/relationships" xmlns:p="http://schemas.openxmlformats.org/presentationml/2006/main">
+<p:sld xmlns:a="http://schemas.openxmlformats.org/drawingml/2006/main" xmlns:r="http://schemas.openxmlformats.org/officeDocument/2006/relationships" xmlns:p="http://schemas.openxmlformats.org/presentationml/2006/main" show="0">
   <p:cSld>
     <p:spTree>
       <p:nvGrpSpPr>
@@ -25629,14 +25662,27 @@
             <p:ph type="title"/>
           </p:nvPr>
         </p:nvSpPr>
-        <p:spPr/>
+        <p:spPr>
+          <a:xfrm>
+            <a:off x="1154953" y="973668"/>
+            <a:ext cx="9457120" cy="706964"/>
+          </a:xfrm>
+        </p:spPr>
         <p:txBody>
           <a:bodyPr/>
           <a:lstStyle/>
           <a:p>
             <a:r>
               <a:rPr lang="ru-RU" dirty="0"/>
-              <a:t>И что мне делать?</a:t>
+              <a:t>А</a:t>
+            </a:r>
+            <a:r>
+              <a:rPr lang="en-US" dirty="0"/>
+              <a:t> </a:t>
+            </a:r>
+            <a:r>
+              <a:rPr lang="ru-RU" dirty="0"/>
+              <a:t>зачем нам всё это?</a:t>
             </a:r>
             <a:endParaRPr lang="en-US" dirty="0"/>
           </a:p>
@@ -25658,69 +25704,22 @@
             <p:ph idx="1"/>
           </p:nvPr>
         </p:nvSpPr>
-        <p:spPr>
-          <a:xfrm>
-            <a:off x="1154954" y="2603500"/>
-            <a:ext cx="10312795" cy="3416300"/>
-          </a:xfrm>
-        </p:spPr>
+        <p:spPr/>
         <p:txBody>
           <a:bodyPr/>
           <a:lstStyle/>
           <a:p>
             <a:r>
               <a:rPr lang="ru-RU" dirty="0"/>
-              <a:t>Прислушивайся к себе. Чего ты хочешь? Какую проблему ты пытаешься решить?</a:t>
-            </a:r>
-          </a:p>
-          <a:p>
-            <a:endParaRPr lang="ru-RU" dirty="0"/>
-          </a:p>
-          <a:p>
-            <a:r>
-              <a:rPr lang="ru-RU" dirty="0"/>
-              <a:t>Задавай вопросы сам себе. И пытайся найти ответы.</a:t>
-            </a:r>
-          </a:p>
-          <a:p>
-            <a:endParaRPr lang="ru-RU" dirty="0"/>
-          </a:p>
-          <a:p>
-            <a:r>
-              <a:rPr lang="ru-RU" dirty="0"/>
-              <a:t>Найди баланс.</a:t>
-            </a:r>
-          </a:p>
-          <a:p>
-            <a:endParaRPr lang="ru-RU" dirty="0"/>
-          </a:p>
-          <a:p>
-            <a:r>
-              <a:rPr lang="ru-RU" dirty="0"/>
-              <a:t>Найди ту конфигурацию которая будет работать именно для тебя. Пойми что нету той </a:t>
-            </a:r>
-            <a:r>
-              <a:rPr lang="en-US" i="1" dirty="0"/>
-              <a:t>silver bullet</a:t>
-            </a:r>
-            <a:r>
-              <a:rPr lang="en-US" dirty="0"/>
-              <a:t> </a:t>
-            </a:r>
-            <a:r>
-              <a:rPr lang="ru-RU" dirty="0"/>
-              <a:t>которую все пытаются найти.</a:t>
-            </a:r>
-          </a:p>
-          <a:p>
-            <a:endParaRPr lang="ru-RU" dirty="0"/>
+              <a:t>Какую проблему мы вообще пытаемся решить?</a:t>
+            </a:r>
           </a:p>
         </p:txBody>
       </p:sp>
     </p:spTree>
     <p:extLst>
       <p:ext uri="{BB962C8B-B14F-4D97-AF65-F5344CB8AC3E}">
-        <p14:creationId xmlns:p14="http://schemas.microsoft.com/office/powerpoint/2010/main" val="2916773178"/>
+        <p14:creationId xmlns:p14="http://schemas.microsoft.com/office/powerpoint/2010/main" val="337745344"/>
       </p:ext>
     </p:extLst>
   </p:cSld>
@@ -25731,7 +25730,7 @@
 </file>
 
 <file path=ppt/slides/slide54.xml><?xml version="1.0" encoding="utf-8"?>
-<p:sld xmlns:a="http://schemas.openxmlformats.org/drawingml/2006/main" xmlns:r="http://schemas.openxmlformats.org/officeDocument/2006/relationships" xmlns:p="http://schemas.openxmlformats.org/presentationml/2006/main">
+<p:sld xmlns:a="http://schemas.openxmlformats.org/drawingml/2006/main" xmlns:r="http://schemas.openxmlformats.org/officeDocument/2006/relationships" xmlns:p="http://schemas.openxmlformats.org/presentationml/2006/main" show="0">
   <p:cSld>
     <p:spTree>
       <p:nvGrpSpPr>
@@ -25775,15 +25774,7 @@
           <a:p>
             <a:r>
               <a:rPr lang="ru-RU" dirty="0"/>
-              <a:t>А</a:t>
-            </a:r>
-            <a:r>
-              <a:rPr lang="en-US" dirty="0"/>
-              <a:t> </a:t>
-            </a:r>
-            <a:r>
-              <a:rPr lang="ru-RU" dirty="0"/>
-              <a:t>зачем нам всё это?</a:t>
+              <a:t>Цель</a:t>
             </a:r>
             <a:endParaRPr lang="en-US" dirty="0"/>
           </a:p>
@@ -25812,15 +25803,24 @@
           <a:p>
             <a:r>
               <a:rPr lang="ru-RU" dirty="0"/>
-              <a:t>Какую проблему мы вообще пытаемся решить?</a:t>
-            </a:r>
+              <a:t>Нету важного.</a:t>
+            </a:r>
+          </a:p>
+          <a:p>
+            <a:r>
+              <a:rPr lang="ru-RU" dirty="0"/>
+              <a:t>Нету потребного будущего.</a:t>
+            </a:r>
+          </a:p>
+          <a:p>
+            <a:endParaRPr lang="ru-RU" dirty="0"/>
           </a:p>
         </p:txBody>
       </p:sp>
     </p:spTree>
     <p:extLst>
       <p:ext uri="{BB962C8B-B14F-4D97-AF65-F5344CB8AC3E}">
-        <p14:creationId xmlns:p14="http://schemas.microsoft.com/office/powerpoint/2010/main" val="337745344"/>
+        <p14:creationId xmlns:p14="http://schemas.microsoft.com/office/powerpoint/2010/main" val="3636438701"/>
       </p:ext>
     </p:extLst>
   </p:cSld>
@@ -25863,19 +25863,14 @@
             <p:ph type="title"/>
           </p:nvPr>
         </p:nvSpPr>
-        <p:spPr>
-          <a:xfrm>
-            <a:off x="1154953" y="973668"/>
-            <a:ext cx="9457120" cy="706964"/>
-          </a:xfrm>
-        </p:spPr>
+        <p:spPr/>
         <p:txBody>
           <a:bodyPr/>
           <a:lstStyle/>
           <a:p>
             <a:r>
               <a:rPr lang="ru-RU" dirty="0"/>
-              <a:t>Цель</a:t>
+              <a:t>Советы</a:t>
             </a:r>
             <a:endParaRPr lang="en-US" dirty="0"/>
           </a:p>
@@ -25902,18 +25897,6 @@
           <a:bodyPr/>
           <a:lstStyle/>
           <a:p>
-            <a:r>
-              <a:rPr lang="ru-RU" dirty="0"/>
-              <a:t>Нету важного.</a:t>
-            </a:r>
-          </a:p>
-          <a:p>
-            <a:r>
-              <a:rPr lang="ru-RU" dirty="0"/>
-              <a:t>Нету потребного будущего.</a:t>
-            </a:r>
-          </a:p>
-          <a:p>
             <a:endParaRPr lang="ru-RU" dirty="0"/>
           </a:p>
         </p:txBody>
@@ -25921,7 +25904,7 @@
     </p:spTree>
     <p:extLst>
       <p:ext uri="{BB962C8B-B14F-4D97-AF65-F5344CB8AC3E}">
-        <p14:creationId xmlns:p14="http://schemas.microsoft.com/office/powerpoint/2010/main" val="3636438701"/>
+        <p14:creationId xmlns:p14="http://schemas.microsoft.com/office/powerpoint/2010/main" val="2746810043"/>
       </p:ext>
     </p:extLst>
   </p:cSld>
@@ -25998,6 +25981,12 @@
           <a:bodyPr/>
           <a:lstStyle/>
           <a:p>
+            <a:r>
+              <a:rPr lang="ru-RU" dirty="0"/>
+              <a:t>Спите.</a:t>
+            </a:r>
+          </a:p>
+          <a:p>
             <a:endParaRPr lang="ru-RU" dirty="0"/>
           </a:p>
         </p:txBody>
@@ -26005,7 +25994,7 @@
     </p:spTree>
     <p:extLst>
       <p:ext uri="{BB962C8B-B14F-4D97-AF65-F5344CB8AC3E}">
-        <p14:creationId xmlns:p14="http://schemas.microsoft.com/office/powerpoint/2010/main" val="2746810043"/>
+        <p14:creationId xmlns:p14="http://schemas.microsoft.com/office/powerpoint/2010/main" val="1528982406"/>
       </p:ext>
     </p:extLst>
   </p:cSld>
@@ -26088,6 +26077,12 @@
             </a:r>
           </a:p>
           <a:p>
+            <a:r>
+              <a:rPr lang="ru-RU" dirty="0"/>
+              <a:t>Практикуйте осознанность.</a:t>
+            </a:r>
+          </a:p>
+          <a:p>
             <a:endParaRPr lang="ru-RU" dirty="0"/>
           </a:p>
         </p:txBody>
@@ -26095,7 +26090,7 @@
     </p:spTree>
     <p:extLst>
       <p:ext uri="{BB962C8B-B14F-4D97-AF65-F5344CB8AC3E}">
-        <p14:creationId xmlns:p14="http://schemas.microsoft.com/office/powerpoint/2010/main" val="1528982406"/>
+        <p14:creationId xmlns:p14="http://schemas.microsoft.com/office/powerpoint/2010/main" val="2212550543"/>
       </p:ext>
     </p:extLst>
   </p:cSld>
@@ -26184,6 +26179,12 @@
             </a:r>
           </a:p>
           <a:p>
+            <a:r>
+              <a:rPr lang="ru-RU" dirty="0"/>
+              <a:t>Дневник и рефлексия.</a:t>
+            </a:r>
+          </a:p>
+          <a:p>
             <a:endParaRPr lang="ru-RU" dirty="0"/>
           </a:p>
         </p:txBody>
@@ -26191,7 +26192,7 @@
     </p:spTree>
     <p:extLst>
       <p:ext uri="{BB962C8B-B14F-4D97-AF65-F5344CB8AC3E}">
-        <p14:creationId xmlns:p14="http://schemas.microsoft.com/office/powerpoint/2010/main" val="2212550543"/>
+        <p14:creationId xmlns:p14="http://schemas.microsoft.com/office/powerpoint/2010/main" val="1994819522"/>
       </p:ext>
     </p:extLst>
   </p:cSld>
@@ -26286,6 +26287,12 @@
             </a:r>
           </a:p>
           <a:p>
+            <a:r>
+              <a:rPr lang="ru-RU" dirty="0"/>
+              <a:t>Занимайтесь медитацией.</a:t>
+            </a:r>
+          </a:p>
+          <a:p>
             <a:endParaRPr lang="ru-RU" dirty="0"/>
           </a:p>
         </p:txBody>
@@ -26293,7 +26300,7 @@
     </p:spTree>
     <p:extLst>
       <p:ext uri="{BB962C8B-B14F-4D97-AF65-F5344CB8AC3E}">
-        <p14:creationId xmlns:p14="http://schemas.microsoft.com/office/powerpoint/2010/main" val="1994819522"/>
+        <p14:creationId xmlns:p14="http://schemas.microsoft.com/office/powerpoint/2010/main" val="4166029998"/>
       </p:ext>
     </p:extLst>
   </p:cSld>
@@ -26524,6 +26531,12 @@
             </a:r>
           </a:p>
           <a:p>
+            <a:r>
+              <a:rPr lang="ru-RU" dirty="0"/>
+              <a:t>Научитесь правильно Отдыхать.</a:t>
+            </a:r>
+          </a:p>
+          <a:p>
             <a:endParaRPr lang="ru-RU" dirty="0"/>
           </a:p>
         </p:txBody>
@@ -26531,7 +26544,7 @@
     </p:spTree>
     <p:extLst>
       <p:ext uri="{BB962C8B-B14F-4D97-AF65-F5344CB8AC3E}">
-        <p14:creationId xmlns:p14="http://schemas.microsoft.com/office/powerpoint/2010/main" val="4166029998"/>
+        <p14:creationId xmlns:p14="http://schemas.microsoft.com/office/powerpoint/2010/main" val="3581029079"/>
       </p:ext>
     </p:extLst>
   </p:cSld>
@@ -26638,6 +26651,12 @@
             </a:r>
           </a:p>
           <a:p>
+            <a:r>
+              <a:rPr lang="ru-RU" dirty="0"/>
+              <a:t>Заведите ритуалы и привычки.</a:t>
+            </a:r>
+          </a:p>
+          <a:p>
             <a:endParaRPr lang="ru-RU" dirty="0"/>
           </a:p>
         </p:txBody>
@@ -26645,7 +26664,7 @@
     </p:spTree>
     <p:extLst>
       <p:ext uri="{BB962C8B-B14F-4D97-AF65-F5344CB8AC3E}">
-        <p14:creationId xmlns:p14="http://schemas.microsoft.com/office/powerpoint/2010/main" val="3581029079"/>
+        <p14:creationId xmlns:p14="http://schemas.microsoft.com/office/powerpoint/2010/main" val="914086317"/>
       </p:ext>
     </p:extLst>
   </p:cSld>
@@ -26758,6 +26777,12 @@
             </a:r>
           </a:p>
           <a:p>
+            <a:r>
+              <a:rPr lang="ru-RU" dirty="0"/>
+              <a:t>Будьте позитивны.</a:t>
+            </a:r>
+          </a:p>
+          <a:p>
             <a:endParaRPr lang="ru-RU" dirty="0"/>
           </a:p>
         </p:txBody>
@@ -26765,7 +26790,7 @@
     </p:spTree>
     <p:extLst>
       <p:ext uri="{BB962C8B-B14F-4D97-AF65-F5344CB8AC3E}">
-        <p14:creationId xmlns:p14="http://schemas.microsoft.com/office/powerpoint/2010/main" val="914086317"/>
+        <p14:creationId xmlns:p14="http://schemas.microsoft.com/office/powerpoint/2010/main" val="591118877"/>
       </p:ext>
     </p:extLst>
   </p:cSld>
@@ -26882,6 +26907,13 @@
               <a:rPr lang="ru-RU" dirty="0"/>
               <a:t>Будьте позитивны.</a:t>
             </a:r>
+            <a:endParaRPr lang="en-US" dirty="0"/>
+          </a:p>
+          <a:p>
+            <a:r>
+              <a:rPr lang="ru-RU" dirty="0"/>
+              <a:t>Занимайтесь спортом.</a:t>
+            </a:r>
           </a:p>
           <a:p>
             <a:endParaRPr lang="ru-RU" dirty="0"/>
@@ -26891,7 +26923,7 @@
     </p:spTree>
     <p:extLst>
       <p:ext uri="{BB962C8B-B14F-4D97-AF65-F5344CB8AC3E}">
-        <p14:creationId xmlns:p14="http://schemas.microsoft.com/office/powerpoint/2010/main" val="591118877"/>
+        <p14:creationId xmlns:p14="http://schemas.microsoft.com/office/powerpoint/2010/main" val="2420697594"/>
       </p:ext>
     </p:extLst>
   </p:cSld>
@@ -26941,7 +26973,7 @@
           <a:p>
             <a:r>
               <a:rPr lang="ru-RU" dirty="0"/>
-              <a:t>Советы</a:t>
+              <a:t>Резюме</a:t>
             </a:r>
             <a:endParaRPr lang="en-US" dirty="0"/>
           </a:p>
@@ -26963,68 +26995,44 @@
             <p:ph idx="1"/>
           </p:nvPr>
         </p:nvSpPr>
-        <p:spPr/>
+        <p:spPr>
+          <a:xfrm>
+            <a:off x="1154955" y="3569464"/>
+            <a:ext cx="8761412" cy="2450335"/>
+          </a:xfrm>
+        </p:spPr>
         <p:txBody>
           <a:bodyPr/>
           <a:lstStyle/>
           <a:p>
-            <a:r>
-              <a:rPr lang="ru-RU" dirty="0"/>
-              <a:t>Спите.</a:t>
-            </a:r>
-          </a:p>
-          <a:p>
-            <a:r>
-              <a:rPr lang="ru-RU" dirty="0"/>
-              <a:t>Практикуйте осознанность.</a:t>
-            </a:r>
-          </a:p>
-          <a:p>
-            <a:r>
-              <a:rPr lang="ru-RU" dirty="0"/>
-              <a:t>Дневник и рефлексия.</a:t>
-            </a:r>
-          </a:p>
-          <a:p>
-            <a:r>
-              <a:rPr lang="ru-RU" dirty="0"/>
-              <a:t>Занимайтесь медитацией.</a:t>
-            </a:r>
-          </a:p>
-          <a:p>
-            <a:r>
-              <a:rPr lang="ru-RU" dirty="0"/>
-              <a:t>Научитесь правильно Отдыхать.</a:t>
-            </a:r>
-          </a:p>
-          <a:p>
-            <a:r>
-              <a:rPr lang="ru-RU" dirty="0"/>
-              <a:t>Заведите ритуалы и привычки.</a:t>
-            </a:r>
-          </a:p>
-          <a:p>
-            <a:r>
-              <a:rPr lang="ru-RU" dirty="0"/>
-              <a:t>Будьте позитивны.</a:t>
-            </a:r>
-            <a:endParaRPr lang="en-US" dirty="0"/>
-          </a:p>
-          <a:p>
-            <a:r>
-              <a:rPr lang="ru-RU" dirty="0"/>
-              <a:t>Занимайтесь спортом.</a:t>
-            </a:r>
-          </a:p>
-          <a:p>
-            <a:endParaRPr lang="ru-RU" dirty="0"/>
+            <a:pPr marL="0" indent="0" algn="ctr">
+              <a:buNone/>
+            </a:pPr>
+            <a:r>
+              <a:rPr lang="ru-RU" sz="1800" i="1" dirty="0">
+                <a:effectLst/>
+                <a:latin typeface="Century Gothic (Body)"/>
+              </a:rPr>
+              <a:t>Сохраните мировоззрение ученого. Пробуйте новое, собирайте собственные данные, прислушивайтесь к фактам. Будьте открыты неожиданным идеям, учитесь как на собственных ошибках, так и на успехах. Берегите то, что вам помогает, и делитесь знаниями с окружающими.</a:t>
+            </a:r>
+          </a:p>
+          <a:p>
+            <a:pPr marL="0" indent="0" algn="ctr">
+              <a:buNone/>
+            </a:pPr>
+            <a:r>
+              <a:rPr lang="ru-RU" i="1" dirty="0">
+                <a:latin typeface="Century Gothic (Body)"/>
+              </a:rPr>
+              <a:t>Келли Макгонигал (с)</a:t>
+            </a:r>
           </a:p>
         </p:txBody>
       </p:sp>
     </p:spTree>
     <p:extLst>
       <p:ext uri="{BB962C8B-B14F-4D97-AF65-F5344CB8AC3E}">
-        <p14:creationId xmlns:p14="http://schemas.microsoft.com/office/powerpoint/2010/main" val="2420697594"/>
+        <p14:creationId xmlns:p14="http://schemas.microsoft.com/office/powerpoint/2010/main" val="1639902987"/>
       </p:ext>
     </p:extLst>
   </p:cSld>
@@ -27035,7 +27043,7 @@
 </file>
 
 <file path=ppt/slides/slide65.xml><?xml version="1.0" encoding="utf-8"?>
-<p:sld xmlns:a="http://schemas.openxmlformats.org/drawingml/2006/main" xmlns:r="http://schemas.openxmlformats.org/officeDocument/2006/relationships" xmlns:p="http://schemas.openxmlformats.org/presentationml/2006/main">
+<p:sld xmlns:a="http://schemas.openxmlformats.org/drawingml/2006/main" xmlns:r="http://schemas.openxmlformats.org/officeDocument/2006/relationships" xmlns:p="http://schemas.openxmlformats.org/presentationml/2006/main" show="0">
   <p:cSld>
     <p:spTree>
       <p:nvGrpSpPr>

--- a/softskills/willpower/willpower.pptx
+++ b/softskills/willpower/willpower.pptx
@@ -5,7 +5,7 @@
     <p:sldMasterId id="2147483648" r:id="rId1"/>
   </p:sldMasterIdLst>
   <p:notesMasterIdLst>
-    <p:notesMasterId r:id="rId67"/>
+    <p:notesMasterId r:id="rId68"/>
   </p:notesMasterIdLst>
   <p:sldIdLst>
     <p:sldId id="256" r:id="rId2"/>
@@ -40,7 +40,7 @@
     <p:sldId id="339" r:id="rId31"/>
     <p:sldId id="340" r:id="rId32"/>
     <p:sldId id="341" r:id="rId33"/>
-    <p:sldId id="342" r:id="rId34"/>
+    <p:sldId id="353" r:id="rId34"/>
     <p:sldId id="351" r:id="rId35"/>
     <p:sldId id="343" r:id="rId36"/>
     <p:sldId id="349" r:id="rId37"/>
@@ -48,31 +48,32 @@
     <p:sldId id="350" r:id="rId39"/>
     <p:sldId id="346" r:id="rId40"/>
     <p:sldId id="352" r:id="rId41"/>
-    <p:sldId id="321" r:id="rId42"/>
-    <p:sldId id="266" r:id="rId43"/>
-    <p:sldId id="267" r:id="rId44"/>
-    <p:sldId id="318" r:id="rId45"/>
-    <p:sldId id="287" r:id="rId46"/>
-    <p:sldId id="288" r:id="rId47"/>
-    <p:sldId id="289" r:id="rId48"/>
-    <p:sldId id="294" r:id="rId49"/>
-    <p:sldId id="348" r:id="rId50"/>
-    <p:sldId id="291" r:id="rId51"/>
-    <p:sldId id="292" r:id="rId52"/>
-    <p:sldId id="293" r:id="rId53"/>
-    <p:sldId id="277" r:id="rId54"/>
-    <p:sldId id="306" r:id="rId55"/>
-    <p:sldId id="305" r:id="rId56"/>
-    <p:sldId id="284" r:id="rId57"/>
-    <p:sldId id="278" r:id="rId58"/>
-    <p:sldId id="279" r:id="rId59"/>
-    <p:sldId id="280" r:id="rId60"/>
-    <p:sldId id="281" r:id="rId61"/>
-    <p:sldId id="282" r:id="rId62"/>
-    <p:sldId id="283" r:id="rId63"/>
-    <p:sldId id="347" r:id="rId64"/>
-    <p:sldId id="317" r:id="rId65"/>
-    <p:sldId id="285" r:id="rId66"/>
+    <p:sldId id="354" r:id="rId42"/>
+    <p:sldId id="321" r:id="rId43"/>
+    <p:sldId id="266" r:id="rId44"/>
+    <p:sldId id="267" r:id="rId45"/>
+    <p:sldId id="318" r:id="rId46"/>
+    <p:sldId id="287" r:id="rId47"/>
+    <p:sldId id="288" r:id="rId48"/>
+    <p:sldId id="289" r:id="rId49"/>
+    <p:sldId id="294" r:id="rId50"/>
+    <p:sldId id="348" r:id="rId51"/>
+    <p:sldId id="291" r:id="rId52"/>
+    <p:sldId id="292" r:id="rId53"/>
+    <p:sldId id="293" r:id="rId54"/>
+    <p:sldId id="277" r:id="rId55"/>
+    <p:sldId id="306" r:id="rId56"/>
+    <p:sldId id="305" r:id="rId57"/>
+    <p:sldId id="284" r:id="rId58"/>
+    <p:sldId id="278" r:id="rId59"/>
+    <p:sldId id="279" r:id="rId60"/>
+    <p:sldId id="280" r:id="rId61"/>
+    <p:sldId id="281" r:id="rId62"/>
+    <p:sldId id="282" r:id="rId63"/>
+    <p:sldId id="283" r:id="rId64"/>
+    <p:sldId id="347" r:id="rId65"/>
+    <p:sldId id="317" r:id="rId66"/>
+    <p:sldId id="285" r:id="rId67"/>
   </p:sldIdLst>
   <p:sldSz cx="12192000" cy="6858000"/>
   <p:notesSz cx="6858000" cy="9144000"/>
@@ -261,7 +262,7 @@
           <a:p>
             <a:fld id="{F1E91201-0078-4A3F-BC02-68DABEF5C8BB}" type="datetimeFigureOut">
               <a:rPr lang="en-US" smtClean="0"/>
-              <a:t>2/11/2021</a:t>
+              <a:t>2/12/2021</a:t>
             </a:fld>
             <a:endParaRPr lang="en-US"/>
           </a:p>
@@ -593,7 +594,7 @@
           <a:p>
             <a:fld id="{EF83ECF8-EBB3-462A-BC97-8AC574C482EA}" type="slidenum">
               <a:rPr lang="en-US" smtClean="0"/>
-              <a:t>2</a:t>
+              <a:t>1</a:t>
             </a:fld>
             <a:endParaRPr lang="en-US"/>
           </a:p>
@@ -602,7 +603,7 @@
     </p:spTree>
     <p:extLst>
       <p:ext uri="{BB962C8B-B14F-4D97-AF65-F5344CB8AC3E}">
-        <p14:creationId xmlns:p14="http://schemas.microsoft.com/office/powerpoint/2010/main" val="826780190"/>
+        <p14:creationId xmlns:p14="http://schemas.microsoft.com/office/powerpoint/2010/main" val="3461511216"/>
       </p:ext>
     </p:extLst>
   </p:cSld>
@@ -658,7 +659,7 @@
           <a:p>
             <a:r>
               <a:rPr lang="ru-RU" dirty="0"/>
-              <a:t>Мозг рептилии.</a:t>
+              <a:t>Почему я хочу поговорить про Мозг?</a:t>
             </a:r>
             <a:endParaRPr lang="en-US" dirty="0"/>
           </a:p>
@@ -681,7 +682,7 @@
           <a:p>
             <a:fld id="{EF83ECF8-EBB3-462A-BC97-8AC574C482EA}" type="slidenum">
               <a:rPr lang="en-US" smtClean="0"/>
-              <a:t>19</a:t>
+              <a:t>18</a:t>
             </a:fld>
             <a:endParaRPr lang="en-US"/>
           </a:p>
@@ -690,7 +691,7 @@
     </p:spTree>
     <p:extLst>
       <p:ext uri="{BB962C8B-B14F-4D97-AF65-F5344CB8AC3E}">
-        <p14:creationId xmlns:p14="http://schemas.microsoft.com/office/powerpoint/2010/main" val="1617918235"/>
+        <p14:creationId xmlns:p14="http://schemas.microsoft.com/office/powerpoint/2010/main" val="3399977846"/>
       </p:ext>
     </p:extLst>
   </p:cSld>
@@ -746,7 +747,7 @@
           <a:p>
             <a:r>
               <a:rPr lang="ru-RU" dirty="0"/>
-              <a:t>Следующий уровень. Страх, возбуждение, тревога, удовольствие. Базовые потребности.</a:t>
+              <a:t>Мозг рептилии.</a:t>
             </a:r>
             <a:endParaRPr lang="en-US" dirty="0"/>
           </a:p>
@@ -769,7 +770,7 @@
           <a:p>
             <a:fld id="{EF83ECF8-EBB3-462A-BC97-8AC574C482EA}" type="slidenum">
               <a:rPr lang="en-US" smtClean="0"/>
-              <a:t>20</a:t>
+              <a:t>19</a:t>
             </a:fld>
             <a:endParaRPr lang="en-US"/>
           </a:p>
@@ -778,7 +779,7 @@
     </p:spTree>
     <p:extLst>
       <p:ext uri="{BB962C8B-B14F-4D97-AF65-F5344CB8AC3E}">
-        <p14:creationId xmlns:p14="http://schemas.microsoft.com/office/powerpoint/2010/main" val="2274679435"/>
+        <p14:creationId xmlns:p14="http://schemas.microsoft.com/office/powerpoint/2010/main" val="1617918235"/>
       </p:ext>
     </p:extLst>
   </p:cSld>
@@ -834,79 +835,8 @@
           <a:p>
             <a:r>
               <a:rPr lang="ru-RU" dirty="0"/>
-              <a:t>Неокортекс</a:t>
-            </a:r>
-          </a:p>
-          <a:p>
-            <a:endParaRPr lang="ru-RU" dirty="0"/>
-          </a:p>
-          <a:p>
-            <a:r>
-              <a:rPr lang="ru-RU" sz="1800" dirty="0">
-                <a:effectLst/>
-                <a:latin typeface="Calibri" panose="020F0502020204030204" pitchFamily="34" charset="0"/>
-              </a:rPr>
-              <a:t>Система 1. Это такая система быстрого реагирования. Участки мозга, связанные с этой системой, находятся в лимбической системе. Страх, возбуждение, тревога, удовольствие - все это рождается там.</a:t>
-            </a:r>
-          </a:p>
-          <a:p>
-            <a:endParaRPr lang="ru-RU" sz="1800" dirty="0">
-              <a:effectLst/>
-              <a:latin typeface="Calibri" panose="020F0502020204030204" pitchFamily="34" charset="0"/>
-            </a:endParaRPr>
-          </a:p>
-          <a:p>
-            <a:pPr marL="0" marR="0">
-              <a:spcBef>
-                <a:spcPts val="0"/>
-              </a:spcBef>
-              <a:spcAft>
-                <a:spcPts val="0"/>
-              </a:spcAft>
-            </a:pPr>
-            <a:r>
-              <a:rPr lang="ru-RU" sz="1800" dirty="0">
-                <a:effectLst/>
-                <a:latin typeface="Calibri" panose="020F0502020204030204" pitchFamily="34" charset="0"/>
-              </a:rPr>
-              <a:t>Система 2 - неокортекс. К счастью, в ходе эволюции человек обзавелся приятным дополнением - неокортексом. У нашего вида эта часть мозга занимает непропорционально большую его часть.</a:t>
-            </a:r>
-          </a:p>
-          <a:p>
-            <a:pPr marL="0" marR="0">
-              <a:spcBef>
-                <a:spcPts val="0"/>
-              </a:spcBef>
-              <a:spcAft>
-                <a:spcPts val="0"/>
-              </a:spcAft>
-            </a:pPr>
-            <a:r>
-              <a:rPr lang="ru-RU" sz="1800" dirty="0">
-                <a:effectLst/>
-                <a:latin typeface="Calibri" panose="020F0502020204030204" pitchFamily="34" charset="0"/>
-              </a:rPr>
-              <a:t>В неокортексе происходит решение текущих вопросов, отсрочка удовольствия, долговременное планирвоание, регуляция эмоций, сдерживание импульсивных порывов.</a:t>
-            </a:r>
-          </a:p>
-          <a:p>
-            <a:pPr marL="0" marR="0">
-              <a:spcBef>
-                <a:spcPts val="0"/>
-              </a:spcBef>
-              <a:spcAft>
-                <a:spcPts val="0"/>
-              </a:spcAft>
-            </a:pPr>
-            <a:r>
-              <a:rPr lang="ru-RU" sz="1800" dirty="0">
-                <a:effectLst/>
-                <a:latin typeface="Calibri" panose="020F0502020204030204" pitchFamily="34" charset="0"/>
-              </a:rPr>
-              <a:t>Наиболее эволюционно молодая область мозга - передняя часть неокортекса, префронтальная кора. ПФК - это такой распорядитель, который помогает нам делать выбор: взять колу или пепси, сказать все, что думаешь или промолчать, получить сиюминутное или отложенное вознагрождение.</a:t>
-            </a:r>
-          </a:p>
-          <a:p>
+              <a:t>Следующий уровень. Страх, возбуждение, тревога, удовольствие. Базовые потребности.</a:t>
+            </a:r>
             <a:endParaRPr lang="en-US" dirty="0"/>
           </a:p>
         </p:txBody>
@@ -928,7 +858,7 @@
           <a:p>
             <a:fld id="{EF83ECF8-EBB3-462A-BC97-8AC574C482EA}" type="slidenum">
               <a:rPr lang="en-US" smtClean="0"/>
-              <a:t>21</a:t>
+              <a:t>20</a:t>
             </a:fld>
             <a:endParaRPr lang="en-US"/>
           </a:p>
@@ -937,7 +867,7 @@
     </p:spTree>
     <p:extLst>
       <p:ext uri="{BB962C8B-B14F-4D97-AF65-F5344CB8AC3E}">
-        <p14:creationId xmlns:p14="http://schemas.microsoft.com/office/powerpoint/2010/main" val="2244826618"/>
+        <p14:creationId xmlns:p14="http://schemas.microsoft.com/office/powerpoint/2010/main" val="2274679435"/>
       </p:ext>
     </p:extLst>
   </p:cSld>
@@ -992,12 +922,80 @@
           <a:lstStyle/>
           <a:p>
             <a:r>
+              <a:rPr lang="ru-RU" dirty="0"/>
+              <a:t>Неокортекс</a:t>
+            </a:r>
+          </a:p>
+          <a:p>
+            <a:endParaRPr lang="ru-RU" dirty="0"/>
+          </a:p>
+          <a:p>
+            <a:r>
               <a:rPr lang="ru-RU" sz="1800" dirty="0">
                 <a:effectLst/>
                 <a:latin typeface="Calibri" panose="020F0502020204030204" pitchFamily="34" charset="0"/>
               </a:rPr>
-              <a:t>Мозг ленив. И это можно понять. Относительно небольшой размер мозг относительно тела 1.5-2% - потребляет 25-30% энергии.</a:t>
-            </a:r>
+              <a:t>Система 1. Это такая система быстрого реагирования. Участки мозга, связанные с этой системой, находятся в лимбической системе. Страх, возбуждение, тревога, удовольствие - все это рождается там.</a:t>
+            </a:r>
+          </a:p>
+          <a:p>
+            <a:endParaRPr lang="ru-RU" sz="1800" dirty="0">
+              <a:effectLst/>
+              <a:latin typeface="Calibri" panose="020F0502020204030204" pitchFamily="34" charset="0"/>
+            </a:endParaRPr>
+          </a:p>
+          <a:p>
+            <a:pPr marL="0" marR="0">
+              <a:spcBef>
+                <a:spcPts val="0"/>
+              </a:spcBef>
+              <a:spcAft>
+                <a:spcPts val="0"/>
+              </a:spcAft>
+            </a:pPr>
+            <a:r>
+              <a:rPr lang="ru-RU" sz="1800" dirty="0">
+                <a:effectLst/>
+                <a:latin typeface="Calibri" panose="020F0502020204030204" pitchFamily="34" charset="0"/>
+              </a:rPr>
+              <a:t>Система 2 - неокортекс. К счастью, в ходе эволюции человек обзавелся приятным дополнением - неокортексом. У нашего вида эта часть мозга занимает непропорционально большую его часть.</a:t>
+            </a:r>
+          </a:p>
+          <a:p>
+            <a:pPr marL="0" marR="0">
+              <a:spcBef>
+                <a:spcPts val="0"/>
+              </a:spcBef>
+              <a:spcAft>
+                <a:spcPts val="0"/>
+              </a:spcAft>
+            </a:pPr>
+            <a:r>
+              <a:rPr lang="ru-RU" sz="1800" dirty="0">
+                <a:effectLst/>
+                <a:latin typeface="Calibri" panose="020F0502020204030204" pitchFamily="34" charset="0"/>
+              </a:rPr>
+              <a:t>В неокортексе происходит решение текущих вопросов, отсрочка удовольствия, долговременное планирвоание, регуляция эмоций, сдерживание импульсивных порывов.</a:t>
+            </a:r>
+          </a:p>
+          <a:p>
+            <a:pPr marL="0" marR="0">
+              <a:spcBef>
+                <a:spcPts val="0"/>
+              </a:spcBef>
+              <a:spcAft>
+                <a:spcPts val="0"/>
+              </a:spcAft>
+            </a:pPr>
+            <a:r>
+              <a:rPr lang="ru-RU" sz="1800" dirty="0">
+                <a:effectLst/>
+                <a:latin typeface="Calibri" panose="020F0502020204030204" pitchFamily="34" charset="0"/>
+              </a:rPr>
+              <a:t>Наиболее эволюционно молодая область мозга - передняя часть неокортекса, префронтальная кора. ПФК - это такой распорядитель, который помогает нам делать выбор: взять колу или пепси, сказать все, что думаешь или промолчать, получить сиюминутное или отложенное вознагрождение.</a:t>
+            </a:r>
+          </a:p>
+          <a:p>
             <a:endParaRPr lang="en-US" dirty="0"/>
           </a:p>
         </p:txBody>
@@ -1019,7 +1017,7 @@
           <a:p>
             <a:fld id="{EF83ECF8-EBB3-462A-BC97-8AC574C482EA}" type="slidenum">
               <a:rPr lang="en-US" smtClean="0"/>
-              <a:t>22</a:t>
+              <a:t>21</a:t>
             </a:fld>
             <a:endParaRPr lang="en-US"/>
           </a:p>
@@ -1028,7 +1026,7 @@
     </p:spTree>
     <p:extLst>
       <p:ext uri="{BB962C8B-B14F-4D97-AF65-F5344CB8AC3E}">
-        <p14:creationId xmlns:p14="http://schemas.microsoft.com/office/powerpoint/2010/main" val="3694721023"/>
+        <p14:creationId xmlns:p14="http://schemas.microsoft.com/office/powerpoint/2010/main" val="2244826618"/>
       </p:ext>
     </p:extLst>
   </p:cSld>
@@ -1082,85 +1080,13 @@
           <a:bodyPr/>
           <a:lstStyle/>
           <a:p>
-            <a:pPr marL="0" marR="0">
-              <a:spcBef>
-                <a:spcPts val="0"/>
-              </a:spcBef>
-              <a:spcAft>
-                <a:spcPts val="0"/>
-              </a:spcAft>
-            </a:pPr>
             <a:r>
               <a:rPr lang="ru-RU" sz="1800" dirty="0">
                 <a:effectLst/>
                 <a:latin typeface="Calibri" panose="020F0502020204030204" pitchFamily="34" charset="0"/>
               </a:rPr>
-              <a:t>Книга хорошая. Разделить на 2 части. Оптимистическая. Пессимистическая. Почему так? Увидим по ходу рассмотрения книги.</a:t>
-            </a:r>
-          </a:p>
-          <a:p>
-            <a:pPr marL="0" marR="0">
-              <a:spcBef>
-                <a:spcPts val="0"/>
-              </a:spcBef>
-              <a:spcAft>
-                <a:spcPts val="0"/>
-              </a:spcAft>
-            </a:pPr>
-            <a:endParaRPr lang="ru-RU" sz="1800" dirty="0">
-              <a:effectLst/>
-              <a:latin typeface="Calibri" panose="020F0502020204030204" pitchFamily="34" charset="0"/>
-            </a:endParaRPr>
-          </a:p>
-          <a:p>
-            <a:pPr marL="0" marR="0">
-              <a:spcBef>
-                <a:spcPts val="0"/>
-              </a:spcBef>
-              <a:spcAft>
-                <a:spcPts val="0"/>
-              </a:spcAft>
-            </a:pPr>
-            <a:r>
-              <a:rPr lang="ru-RU" sz="1800" dirty="0">
-                <a:effectLst/>
-                <a:latin typeface="Calibri" panose="020F0502020204030204" pitchFamily="34" charset="0"/>
-              </a:rPr>
-              <a:t>Система самоконтроля нахлобучена на старую систему желаний и инстинктов. Эволюция сохранила нам все инстинкты, которые когда либо приносили пользу.</a:t>
-            </a:r>
-          </a:p>
-          <a:p>
-            <a:pPr marL="0" marR="0">
-              <a:spcBef>
-                <a:spcPts val="0"/>
-              </a:spcBef>
-              <a:spcAft>
-                <a:spcPts val="0"/>
-              </a:spcAft>
-            </a:pPr>
-            <a:endParaRPr lang="ru-RU" sz="1800" dirty="0">
-              <a:effectLst/>
-              <a:latin typeface="Calibri" panose="020F0502020204030204" pitchFamily="34" charset="0"/>
-            </a:endParaRPr>
-          </a:p>
-          <a:p>
-            <a:pPr marL="0" marR="0">
-              <a:spcBef>
-                <a:spcPts val="0"/>
-              </a:spcBef>
-              <a:spcAft>
-                <a:spcPts val="0"/>
-              </a:spcAft>
-            </a:pPr>
-            <a:r>
-              <a:rPr lang="ru-RU" sz="1800" dirty="0">
-                <a:effectLst/>
-                <a:latin typeface="Calibri" panose="020F0502020204030204" pitchFamily="34" charset="0"/>
-              </a:rPr>
-              <a:t>Каждое испытание силы воли — это спор между двумя сторонами личности.</a:t>
-            </a:r>
-          </a:p>
-          <a:p>
+              <a:t>Мозг ленив. И это можно понять. Относительно небольшой размер мозг относительно тела 1.5-2% - потребляет 25-30% энергии.</a:t>
+            </a:r>
             <a:endParaRPr lang="en-US" dirty="0"/>
           </a:p>
         </p:txBody>
@@ -1182,7 +1108,7 @@
           <a:p>
             <a:fld id="{EF83ECF8-EBB3-462A-BC97-8AC574C482EA}" type="slidenum">
               <a:rPr lang="en-US" smtClean="0"/>
-              <a:t>23</a:t>
+              <a:t>22</a:t>
             </a:fld>
             <a:endParaRPr lang="en-US"/>
           </a:p>
@@ -1191,7 +1117,7 @@
     </p:spTree>
     <p:extLst>
       <p:ext uri="{BB962C8B-B14F-4D97-AF65-F5344CB8AC3E}">
-        <p14:creationId xmlns:p14="http://schemas.microsoft.com/office/powerpoint/2010/main" val="1267001809"/>
+        <p14:creationId xmlns:p14="http://schemas.microsoft.com/office/powerpoint/2010/main" val="3694721023"/>
       </p:ext>
     </p:extLst>
   </p:cSld>
@@ -1245,85 +1171,87 @@
           <a:bodyPr/>
           <a:lstStyle/>
           <a:p>
-            <a:r>
-              <a:rPr lang="ru-RU" i="1" dirty="0"/>
-              <a:t>Можно прокачать*</a:t>
-            </a:r>
-          </a:p>
-          <a:p>
-            <a:r>
-              <a:rPr lang="ru-RU" i="0" dirty="0"/>
-              <a:t>Батарейка. Утром полный запас, вечером нет. Жаль пауербанка нету ...</a:t>
-            </a:r>
-          </a:p>
-          <a:p>
-            <a:endParaRPr lang="ru-RU" i="0" dirty="0"/>
-          </a:p>
-          <a:p>
+            <a:pPr marL="0" marR="0">
+              <a:spcBef>
+                <a:spcPts val="0"/>
+              </a:spcBef>
+              <a:spcAft>
+                <a:spcPts val="0"/>
+              </a:spcAft>
+            </a:pPr>
             <a:r>
               <a:rPr lang="ru-RU" sz="1800" dirty="0">
                 <a:effectLst/>
                 <a:latin typeface="Calibri" panose="020F0502020204030204" pitchFamily="34" charset="0"/>
               </a:rPr>
-              <a:t>Практики и упражнения для тренировки силы воли. Лайфхаки.</a:t>
-            </a:r>
-            <a:endParaRPr lang="ru-RU" i="0" dirty="0"/>
-          </a:p>
-          <a:p>
-            <a:endParaRPr lang="ru-RU" i="0" dirty="0"/>
-          </a:p>
-          <a:p>
-            <a:r>
-              <a:rPr lang="ru-RU" i="0" dirty="0"/>
-              <a:t>Примитивный мозг кричит, купи это!!! А цена с 5 нулями. И подкорковые структуры сами разбираются, префронтальная кора даже не задействуютеся.</a:t>
-            </a:r>
-          </a:p>
-          <a:p>
-            <a:endParaRPr lang="ru-RU" i="0" dirty="0"/>
-          </a:p>
-          <a:p>
-            <a:r>
-              <a:rPr lang="ru-RU" i="0" dirty="0"/>
-              <a:t>Что мозг выберет между сложным и правильным?</a:t>
-            </a:r>
-          </a:p>
-          <a:p>
-            <a:endParaRPr lang="ru-RU" i="0" dirty="0"/>
-          </a:p>
-          <a:p>
-            <a:r>
-              <a:rPr lang="ru-RU" i="0" dirty="0"/>
-              <a:t>Познай себя. Самосознание. Только у человека есть. </a:t>
-            </a:r>
-          </a:p>
-          <a:p>
-            <a:endParaRPr lang="ru-RU" i="0" dirty="0"/>
-          </a:p>
-          <a:p>
-            <a:r>
-              <a:rPr lang="ru-RU" i="0" dirty="0"/>
-              <a:t>Медитация. </a:t>
-            </a:r>
-            <a:r>
-              <a:rPr lang="ru-RU" sz="1800" dirty="0">
-                <a:effectLst/>
-                <a:latin typeface="Calibri" panose="020F0502020204030204" pitchFamily="34" charset="0"/>
-              </a:rPr>
-              <a:t>Суть медитации — не в том, чтобы избавиться от всех мыслей. Она учит, как не теряться в них и не забывать, в чем состоит ваша цель. Не беспокойтесь, если вы отвлекаетесь во время медитации. Просто возвращайтесь к дыханию снова и снова.</a:t>
-            </a:r>
-          </a:p>
-          <a:p>
-            <a:endParaRPr lang="ru-RU" sz="1800" b="0" i="0" dirty="0">
+              <a:t>Книга хорошая. Разделить на 2 части. Оптимистическая. Пессимистическая. Почему так? Увидим по ходу рассмотрения книги.</a:t>
+            </a:r>
+          </a:p>
+          <a:p>
+            <a:pPr marL="0" marR="0">
+              <a:spcBef>
+                <a:spcPts val="0"/>
+              </a:spcBef>
+              <a:spcAft>
+                <a:spcPts val="0"/>
+              </a:spcAft>
+            </a:pPr>
+            <a:endParaRPr lang="ru-RU" sz="1800" dirty="0">
               <a:effectLst/>
               <a:latin typeface="Calibri" panose="020F0502020204030204" pitchFamily="34" charset="0"/>
             </a:endParaRPr>
           </a:p>
           <a:p>
-            <a:endParaRPr lang="ru-RU" sz="1800" i="0" dirty="0">
+            <a:pPr marL="0" marR="0">
+              <a:spcBef>
+                <a:spcPts val="0"/>
+              </a:spcBef>
+              <a:spcAft>
+                <a:spcPts val="0"/>
+              </a:spcAft>
+            </a:pPr>
+            <a:r>
+              <a:rPr lang="ru-RU" sz="1800" dirty="0">
+                <a:effectLst/>
+                <a:latin typeface="Calibri" panose="020F0502020204030204" pitchFamily="34" charset="0"/>
+              </a:rPr>
+              <a:t>Система самоконтроля нахлобучена на старую систему желаний и инстинктов. Эволюция сохранила нам все инстинкты, которые когда либо приносили пользу.</a:t>
+            </a:r>
+          </a:p>
+          <a:p>
+            <a:pPr marL="0" marR="0">
+              <a:spcBef>
+                <a:spcPts val="0"/>
+              </a:spcBef>
+              <a:spcAft>
+                <a:spcPts val="0"/>
+              </a:spcAft>
+            </a:pPr>
+            <a:endParaRPr lang="ru-RU" sz="1800" dirty="0">
               <a:effectLst/>
               <a:latin typeface="Calibri" panose="020F0502020204030204" pitchFamily="34" charset="0"/>
             </a:endParaRPr>
           </a:p>
+          <a:p>
+            <a:pPr marL="0" marR="0">
+              <a:spcBef>
+                <a:spcPts val="0"/>
+              </a:spcBef>
+              <a:spcAft>
+                <a:spcPts val="0"/>
+              </a:spcAft>
+            </a:pPr>
+            <a:r>
+              <a:rPr lang="ru-RU" sz="1800" dirty="0">
+                <a:effectLst/>
+                <a:latin typeface="Calibri" panose="020F0502020204030204" pitchFamily="34" charset="0"/>
+              </a:rPr>
+              <a:t>Каждое испытание силы воли — это спор между двумя сторонами личности.</a:t>
+            </a:r>
+          </a:p>
+          <a:p>
+            <a:endParaRPr lang="en-US" dirty="0"/>
+          </a:p>
         </p:txBody>
       </p:sp>
       <p:sp>
@@ -1343,7 +1271,7 @@
           <a:p>
             <a:fld id="{EF83ECF8-EBB3-462A-BC97-8AC574C482EA}" type="slidenum">
               <a:rPr lang="en-US" smtClean="0"/>
-              <a:t>24</a:t>
+              <a:t>23</a:t>
             </a:fld>
             <a:endParaRPr lang="en-US"/>
           </a:p>
@@ -1352,7 +1280,7 @@
     </p:spTree>
     <p:extLst>
       <p:ext uri="{BB962C8B-B14F-4D97-AF65-F5344CB8AC3E}">
-        <p14:creationId xmlns:p14="http://schemas.microsoft.com/office/powerpoint/2010/main" val="1740561578"/>
+        <p14:creationId xmlns:p14="http://schemas.microsoft.com/office/powerpoint/2010/main" val="1267001809"/>
       </p:ext>
     </p:extLst>
   </p:cSld>
@@ -1407,199 +1335,84 @@
           <a:lstStyle/>
           <a:p>
             <a:r>
-              <a:rPr lang="ru-RU" sz="1800" b="1" dirty="0">
-                <a:effectLst/>
-                <a:latin typeface="Calibri" panose="020F0502020204030204" pitchFamily="34" charset="0"/>
-              </a:rPr>
-              <a:t>спорт</a:t>
-            </a:r>
-            <a:r>
-              <a:rPr lang="ru-RU" sz="1800" b="0" dirty="0">
-                <a:effectLst/>
-                <a:latin typeface="Calibri" panose="020F0502020204030204" pitchFamily="34" charset="0"/>
-              </a:rPr>
-              <a:t>, </a:t>
-            </a:r>
-            <a:r>
-              <a:rPr lang="ru-RU" sz="1800" b="1" dirty="0">
-                <a:effectLst/>
-                <a:latin typeface="Calibri" panose="020F0502020204030204" pitchFamily="34" charset="0"/>
-              </a:rPr>
-              <a:t>крепкий сон</a:t>
-            </a:r>
-            <a:r>
-              <a:rPr lang="ru-RU" sz="1800" b="0" dirty="0">
-                <a:effectLst/>
-                <a:latin typeface="Calibri" panose="020F0502020204030204" pitchFamily="34" charset="0"/>
-              </a:rPr>
-              <a:t>, </a:t>
-            </a:r>
-            <a:r>
-              <a:rPr lang="ru-RU" sz="1800" b="1" dirty="0">
-                <a:effectLst/>
-                <a:latin typeface="Calibri" panose="020F0502020204030204" pitchFamily="34" charset="0"/>
-              </a:rPr>
-              <a:t>здоровая пища</a:t>
-            </a:r>
-            <a:r>
-              <a:rPr lang="ru-RU" sz="1800" b="0" dirty="0">
-                <a:effectLst/>
-                <a:latin typeface="Calibri" panose="020F0502020204030204" pitchFamily="34" charset="0"/>
-              </a:rPr>
-              <a:t>, </a:t>
-            </a:r>
-            <a:r>
-              <a:rPr lang="ru-RU" sz="1800" b="1" dirty="0">
-                <a:effectLst/>
-                <a:latin typeface="Calibri" panose="020F0502020204030204" pitchFamily="34" charset="0"/>
-              </a:rPr>
-              <a:t>драгоценные минуты</a:t>
-            </a:r>
-            <a:r>
-              <a:rPr lang="ru-RU" sz="1800" b="0" dirty="0">
-                <a:effectLst/>
-                <a:latin typeface="Calibri" panose="020F0502020204030204" pitchFamily="34" charset="0"/>
-              </a:rPr>
-              <a:t>, </a:t>
-            </a:r>
-            <a:r>
-              <a:rPr lang="ru-RU" sz="1800" b="1" dirty="0">
-                <a:effectLst/>
-                <a:latin typeface="Calibri" panose="020F0502020204030204" pitchFamily="34" charset="0"/>
-              </a:rPr>
-              <a:t>проведенные с друзьями и семьей</a:t>
-            </a:r>
-            <a:r>
-              <a:rPr lang="ru-RU" sz="1800" b="0" dirty="0">
-                <a:effectLst/>
-                <a:latin typeface="Calibri" panose="020F0502020204030204" pitchFamily="34" charset="0"/>
-              </a:rPr>
-              <a:t>, </a:t>
-            </a:r>
-            <a:r>
-              <a:rPr lang="ru-RU" sz="1800" b="1" dirty="0">
-                <a:effectLst/>
-                <a:latin typeface="Calibri" panose="020F0502020204030204" pitchFamily="34" charset="0"/>
-              </a:rPr>
-              <a:t>религиозные или духовные практики </a:t>
-            </a:r>
-            <a:r>
-              <a:rPr lang="ru-RU" sz="1800" b="0" dirty="0">
-                <a:effectLst/>
-                <a:latin typeface="Calibri" panose="020F0502020204030204" pitchFamily="34" charset="0"/>
-              </a:rPr>
-              <a:t>— пополняет телесный резерв силы воли.</a:t>
-            </a:r>
-          </a:p>
-          <a:p>
-            <a:endParaRPr lang="ru-RU" sz="1800" b="0" dirty="0">
+              <a:rPr lang="ru-RU" i="1" dirty="0"/>
+              <a:t>Можно прокачать*</a:t>
+            </a:r>
+          </a:p>
+          <a:p>
+            <a:r>
+              <a:rPr lang="ru-RU" i="0" dirty="0"/>
+              <a:t>Батарейка. Утром полный запас, вечером нет. Жаль пауербанка нету ...</a:t>
+            </a:r>
+          </a:p>
+          <a:p>
+            <a:endParaRPr lang="ru-RU" i="0" dirty="0"/>
+          </a:p>
+          <a:p>
+            <a:r>
+              <a:rPr lang="ru-RU" sz="1800" dirty="0">
+                <a:effectLst/>
+                <a:latin typeface="Calibri" panose="020F0502020204030204" pitchFamily="34" charset="0"/>
+              </a:rPr>
+              <a:t>Практики и упражнения для тренировки силы воли. Лайфхаки.</a:t>
+            </a:r>
+            <a:endParaRPr lang="ru-RU" i="0" dirty="0"/>
+          </a:p>
+          <a:p>
+            <a:endParaRPr lang="ru-RU" i="0" dirty="0"/>
+          </a:p>
+          <a:p>
+            <a:r>
+              <a:rPr lang="ru-RU" i="0" dirty="0"/>
+              <a:t>Примитивный мозг кричит, купи это!!! А цена с 5 нулями. И подкорковые структуры сами разбираются, префронтальная кора даже не задействуютеся.</a:t>
+            </a:r>
+          </a:p>
+          <a:p>
+            <a:endParaRPr lang="ru-RU" i="0" dirty="0"/>
+          </a:p>
+          <a:p>
+            <a:r>
+              <a:rPr lang="ru-RU" i="0" dirty="0"/>
+              <a:t>Что мозг выберет между сложным и правильным?</a:t>
+            </a:r>
+          </a:p>
+          <a:p>
+            <a:endParaRPr lang="ru-RU" i="0" dirty="0"/>
+          </a:p>
+          <a:p>
+            <a:r>
+              <a:rPr lang="ru-RU" i="0" dirty="0"/>
+              <a:t>Познай себя. Самосознание. Только у человека есть. </a:t>
+            </a:r>
+          </a:p>
+          <a:p>
+            <a:endParaRPr lang="ru-RU" i="0" dirty="0"/>
+          </a:p>
+          <a:p>
+            <a:r>
+              <a:rPr lang="ru-RU" i="0" dirty="0"/>
+              <a:t>Медитация. </a:t>
+            </a:r>
+            <a:r>
+              <a:rPr lang="ru-RU" sz="1800" dirty="0">
+                <a:effectLst/>
+                <a:latin typeface="Calibri" panose="020F0502020204030204" pitchFamily="34" charset="0"/>
+              </a:rPr>
+              <a:t>Суть медитации — не в том, чтобы избавиться от всех мыслей. Она учит, как не теряться в них и не забывать, в чем состоит ваша цель. Не беспокойтесь, если вы отвлекаетесь во время медитации. Просто возвращайтесь к дыханию снова и снова.</a:t>
+            </a:r>
+          </a:p>
+          <a:p>
+            <a:endParaRPr lang="ru-RU" sz="1800" b="0" i="0" dirty="0">
               <a:effectLst/>
               <a:latin typeface="Calibri" panose="020F0502020204030204" pitchFamily="34" charset="0"/>
             </a:endParaRPr>
           </a:p>
           <a:p>
-            <a:r>
-              <a:rPr lang="ru-RU" sz="1800" dirty="0">
-                <a:effectLst/>
-                <a:latin typeface="Calibri" panose="020F0502020204030204" pitchFamily="34" charset="0"/>
-              </a:rPr>
-              <a:t>Нейробиологи исследовали мозг спортсменов:</a:t>
-            </a:r>
-            <a:endParaRPr lang="ru-RU" sz="1800" b="0" dirty="0">
+            <a:endParaRPr lang="ru-RU" sz="1800" i="0" dirty="0">
               <a:effectLst/>
               <a:latin typeface="Calibri" panose="020F0502020204030204" pitchFamily="34" charset="0"/>
             </a:endParaRPr>
           </a:p>
-          <a:p>
-            <a:r>
-              <a:rPr lang="ru-RU" sz="1800" b="0" dirty="0">
-                <a:effectLst/>
-                <a:latin typeface="Calibri" panose="020F0502020204030204" pitchFamily="34" charset="0"/>
-              </a:rPr>
-              <a:t>Физические упражнения, как и медитация, увеличивают и ускоряют мозг и в первую очередь префронтальную кору.</a:t>
-            </a:r>
-          </a:p>
-          <a:p>
-            <a:endParaRPr lang="ru-RU" sz="1800" b="0" dirty="0">
-              <a:effectLst/>
-              <a:latin typeface="Calibri" panose="020F0502020204030204" pitchFamily="34" charset="0"/>
-            </a:endParaRPr>
-          </a:p>
-          <a:p>
-            <a:r>
-              <a:rPr lang="ru-RU" sz="1800" b="1" dirty="0">
-                <a:effectLst/>
-                <a:latin typeface="Calibri" panose="020F0502020204030204" pitchFamily="34" charset="0"/>
-              </a:rPr>
-              <a:t>Не выспись, и очнешься Финеасом Гейджем — </a:t>
-            </a:r>
-            <a:r>
-              <a:rPr lang="ru-RU" sz="1800" b="0" dirty="0">
-                <a:effectLst/>
-                <a:latin typeface="Calibri" panose="020F0502020204030204" pitchFamily="34" charset="0"/>
-              </a:rPr>
-              <a:t>с похожим, хоть и временным мозговым нарушением.</a:t>
-            </a:r>
-          </a:p>
-          <a:p>
-            <a:endParaRPr lang="ru-RU" sz="1800" b="0" dirty="0">
-              <a:effectLst/>
-              <a:latin typeface="Calibri" panose="020F0502020204030204" pitchFamily="34" charset="0"/>
-            </a:endParaRPr>
-          </a:p>
-          <a:p>
-            <a:r>
-              <a:rPr lang="ru-RU" sz="1800" b="0" dirty="0">
-                <a:effectLst/>
-                <a:latin typeface="Calibri" panose="020F0502020204030204" pitchFamily="34" charset="0"/>
-              </a:rPr>
-              <a:t>Эксперимент - </a:t>
-            </a:r>
-            <a:r>
-              <a:rPr lang="ru-RU" sz="1800" b="1" dirty="0">
-                <a:effectLst/>
-                <a:latin typeface="Calibri" panose="020F0502020204030204" pitchFamily="34" charset="0"/>
-              </a:rPr>
-              <a:t>последствия недосыпа для мозга равны легкому опьянению</a:t>
-            </a:r>
-          </a:p>
-          <a:p>
-            <a:endParaRPr lang="ru-RU" sz="1800" b="1" dirty="0">
-              <a:effectLst/>
-              <a:latin typeface="Calibri" panose="020F0502020204030204" pitchFamily="34" charset="0"/>
-            </a:endParaRPr>
-          </a:p>
-          <a:p>
-            <a:r>
-              <a:rPr lang="ru-RU" sz="1800" b="1" dirty="0">
-                <a:effectLst/>
-                <a:latin typeface="Calibri" panose="020F0502020204030204" pitchFamily="34" charset="0"/>
-              </a:rPr>
-              <a:t>Стресс провоцирует вас сосредоточиться на сиюминутных, краткосрочных целях и результатах, </a:t>
-            </a:r>
-            <a:r>
-              <a:rPr lang="ru-RU" sz="1800" b="0" dirty="0">
-                <a:effectLst/>
-                <a:latin typeface="Calibri" panose="020F0502020204030204" pitchFamily="34" charset="0"/>
-              </a:rPr>
-              <a:t>но самоконтроль требует перспективы. </a:t>
-            </a:r>
-          </a:p>
-          <a:p>
-            <a:r>
-              <a:rPr lang="ru-RU" sz="1800" dirty="0">
-                <a:effectLst/>
-                <a:latin typeface="Calibri" panose="020F0502020204030204" pitchFamily="34" charset="0"/>
-              </a:rPr>
-              <a:t>Научиться лучше справляться со стрессом — одна из наиболее важных задач для укрепления силы воли.</a:t>
-            </a:r>
-          </a:p>
-          <a:p>
-            <a:endParaRPr lang="ru-RU" sz="1800" b="0" dirty="0">
-              <a:effectLst/>
-              <a:latin typeface="Calibri" panose="020F0502020204030204" pitchFamily="34" charset="0"/>
-            </a:endParaRPr>
-          </a:p>
         </p:txBody>
       </p:sp>
       <p:sp>
@@ -1619,7 +1432,7 @@
           <a:p>
             <a:fld id="{EF83ECF8-EBB3-462A-BC97-8AC574C482EA}" type="slidenum">
               <a:rPr lang="en-US" smtClean="0"/>
-              <a:t>25</a:t>
+              <a:t>24</a:t>
             </a:fld>
             <a:endParaRPr lang="en-US"/>
           </a:p>
@@ -1628,7 +1441,7 @@
     </p:spTree>
     <p:extLst>
       <p:ext uri="{BB962C8B-B14F-4D97-AF65-F5344CB8AC3E}">
-        <p14:creationId xmlns:p14="http://schemas.microsoft.com/office/powerpoint/2010/main" val="328403219"/>
+        <p14:creationId xmlns:p14="http://schemas.microsoft.com/office/powerpoint/2010/main" val="1740561578"/>
       </p:ext>
     </p:extLst>
   </p:cSld>
@@ -1683,89 +1496,160 @@
           <a:lstStyle/>
           <a:p>
             <a:r>
-              <a:rPr lang="en-US" sz="1800" dirty="0" err="1">
-                <a:effectLst/>
-                <a:latin typeface="Calibri" panose="020F0502020204030204" pitchFamily="34" charset="0"/>
-              </a:rPr>
-              <a:t>Насколько</a:t>
-            </a:r>
-            <a:r>
-              <a:rPr lang="en-US" sz="1800" dirty="0">
-                <a:effectLst/>
-                <a:latin typeface="Calibri" panose="020F0502020204030204" pitchFamily="34" charset="0"/>
-              </a:rPr>
-              <a:t> </a:t>
-            </a:r>
-            <a:r>
-              <a:rPr lang="en-US" sz="1800" dirty="0" err="1">
-                <a:effectLst/>
-                <a:latin typeface="Calibri" panose="020F0502020204030204" pitchFamily="34" charset="0"/>
-              </a:rPr>
-              <a:t>реальны</a:t>
-            </a:r>
-            <a:r>
-              <a:rPr lang="en-US" sz="1800" dirty="0">
-                <a:effectLst/>
-                <a:latin typeface="Calibri" panose="020F0502020204030204" pitchFamily="34" charset="0"/>
-              </a:rPr>
-              <a:t> «</a:t>
-            </a:r>
-            <a:r>
-              <a:rPr lang="en-US" sz="1800" dirty="0" err="1">
-                <a:effectLst/>
-                <a:latin typeface="Calibri" panose="020F0502020204030204" pitchFamily="34" charset="0"/>
-              </a:rPr>
-              <a:t>границы</a:t>
-            </a:r>
-            <a:r>
-              <a:rPr lang="en-US" sz="1800" dirty="0">
-                <a:effectLst/>
-                <a:latin typeface="Calibri" panose="020F0502020204030204" pitchFamily="34" charset="0"/>
-              </a:rPr>
-              <a:t>» </a:t>
-            </a:r>
-            <a:r>
-              <a:rPr lang="en-US" sz="1800" dirty="0" err="1">
-                <a:effectLst/>
-                <a:latin typeface="Calibri" panose="020F0502020204030204" pitchFamily="34" charset="0"/>
-              </a:rPr>
-              <a:t>самоконтрол</a:t>
-            </a:r>
-            <a:r>
-              <a:rPr lang="ru-RU" sz="1800" dirty="0">
-                <a:effectLst/>
-                <a:latin typeface="Calibri" panose="020F0502020204030204" pitchFamily="34" charset="0"/>
-              </a:rPr>
-              <a:t>я</a:t>
-            </a:r>
-            <a:r>
-              <a:rPr lang="en-US" sz="1800" dirty="0">
-                <a:effectLst/>
-                <a:latin typeface="Calibri" panose="020F0502020204030204" pitchFamily="34" charset="0"/>
-              </a:rPr>
-              <a:t>?</a:t>
-            </a:r>
-            <a:r>
-              <a:rPr lang="ru-RU" sz="1800" dirty="0">
-                <a:effectLst/>
-                <a:latin typeface="Calibri" panose="020F0502020204030204" pitchFamily="34" charset="0"/>
-              </a:rPr>
-              <a:t> Когда мы испытываем усталость?</a:t>
-            </a:r>
-          </a:p>
-          <a:p>
-            <a:endParaRPr lang="ru-RU" sz="1800" dirty="0">
+              <a:rPr lang="ru-RU" sz="1800" b="1" dirty="0">
+                <a:effectLst/>
+                <a:latin typeface="Calibri" panose="020F0502020204030204" pitchFamily="34" charset="0"/>
+              </a:rPr>
+              <a:t>спорт</a:t>
+            </a:r>
+            <a:r>
+              <a:rPr lang="ru-RU" sz="1800" b="0" dirty="0">
+                <a:effectLst/>
+                <a:latin typeface="Calibri" panose="020F0502020204030204" pitchFamily="34" charset="0"/>
+              </a:rPr>
+              <a:t>, </a:t>
+            </a:r>
+            <a:r>
+              <a:rPr lang="ru-RU" sz="1800" b="1" dirty="0">
+                <a:effectLst/>
+                <a:latin typeface="Calibri" panose="020F0502020204030204" pitchFamily="34" charset="0"/>
+              </a:rPr>
+              <a:t>крепкий сон</a:t>
+            </a:r>
+            <a:r>
+              <a:rPr lang="ru-RU" sz="1800" b="0" dirty="0">
+                <a:effectLst/>
+                <a:latin typeface="Calibri" panose="020F0502020204030204" pitchFamily="34" charset="0"/>
+              </a:rPr>
+              <a:t>, </a:t>
+            </a:r>
+            <a:r>
+              <a:rPr lang="ru-RU" sz="1800" b="1" dirty="0">
+                <a:effectLst/>
+                <a:latin typeface="Calibri" panose="020F0502020204030204" pitchFamily="34" charset="0"/>
+              </a:rPr>
+              <a:t>здоровая пища</a:t>
+            </a:r>
+            <a:r>
+              <a:rPr lang="ru-RU" sz="1800" b="0" dirty="0">
+                <a:effectLst/>
+                <a:latin typeface="Calibri" panose="020F0502020204030204" pitchFamily="34" charset="0"/>
+              </a:rPr>
+              <a:t>, </a:t>
+            </a:r>
+            <a:r>
+              <a:rPr lang="ru-RU" sz="1800" b="1" dirty="0">
+                <a:effectLst/>
+                <a:latin typeface="Calibri" panose="020F0502020204030204" pitchFamily="34" charset="0"/>
+              </a:rPr>
+              <a:t>драгоценные минуты</a:t>
+            </a:r>
+            <a:r>
+              <a:rPr lang="ru-RU" sz="1800" b="0" dirty="0">
+                <a:effectLst/>
+                <a:latin typeface="Calibri" panose="020F0502020204030204" pitchFamily="34" charset="0"/>
+              </a:rPr>
+              <a:t>, </a:t>
+            </a:r>
+            <a:r>
+              <a:rPr lang="ru-RU" sz="1800" b="1" dirty="0">
+                <a:effectLst/>
+                <a:latin typeface="Calibri" panose="020F0502020204030204" pitchFamily="34" charset="0"/>
+              </a:rPr>
+              <a:t>проведенные с друзьями и семьей</a:t>
+            </a:r>
+            <a:r>
+              <a:rPr lang="ru-RU" sz="1800" b="0" dirty="0">
+                <a:effectLst/>
+                <a:latin typeface="Calibri" panose="020F0502020204030204" pitchFamily="34" charset="0"/>
+              </a:rPr>
+              <a:t>, </a:t>
+            </a:r>
+            <a:r>
+              <a:rPr lang="ru-RU" sz="1800" b="1" dirty="0">
+                <a:effectLst/>
+                <a:latin typeface="Calibri" panose="020F0502020204030204" pitchFamily="34" charset="0"/>
+              </a:rPr>
+              <a:t>религиозные или духовные практики </a:t>
+            </a:r>
+            <a:r>
+              <a:rPr lang="ru-RU" sz="1800" b="0" dirty="0">
+                <a:effectLst/>
+                <a:latin typeface="Calibri" panose="020F0502020204030204" pitchFamily="34" charset="0"/>
+              </a:rPr>
+              <a:t>— пополняет телесный резерв силы воли.</a:t>
+            </a:r>
+          </a:p>
+          <a:p>
+            <a:endParaRPr lang="ru-RU" sz="1800" b="0" dirty="0">
               <a:effectLst/>
               <a:latin typeface="Calibri" panose="020F0502020204030204" pitchFamily="34" charset="0"/>
             </a:endParaRPr>
           </a:p>
           <a:p>
             <a:r>
+              <a:rPr lang="ru-RU" sz="1800" dirty="0">
+                <a:effectLst/>
+                <a:latin typeface="Calibri" panose="020F0502020204030204" pitchFamily="34" charset="0"/>
+              </a:rPr>
+              <a:t>Нейробиологи исследовали мозг спортсменов:</a:t>
+            </a:r>
+            <a:endParaRPr lang="ru-RU" sz="1800" b="0" dirty="0">
+              <a:effectLst/>
+              <a:latin typeface="Calibri" panose="020F0502020204030204" pitchFamily="34" charset="0"/>
+            </a:endParaRPr>
+          </a:p>
+          <a:p>
+            <a:r>
+              <a:rPr lang="ru-RU" sz="1800" b="0" dirty="0">
+                <a:effectLst/>
+                <a:latin typeface="Calibri" panose="020F0502020204030204" pitchFamily="34" charset="0"/>
+              </a:rPr>
+              <a:t>Физические упражнения, как и медитация, увеличивают и ускоряют мозг и в первую очередь префронтальную кору.</a:t>
+            </a:r>
+          </a:p>
+          <a:p>
+            <a:endParaRPr lang="ru-RU" sz="1800" b="0" dirty="0">
+              <a:effectLst/>
+              <a:latin typeface="Calibri" panose="020F0502020204030204" pitchFamily="34" charset="0"/>
+            </a:endParaRPr>
+          </a:p>
+          <a:p>
+            <a:r>
               <a:rPr lang="ru-RU" sz="1800" b="1" dirty="0">
                 <a:effectLst/>
                 <a:latin typeface="Calibri" panose="020F0502020204030204" pitchFamily="34" charset="0"/>
               </a:rPr>
-              <a:t>И если вы попытаетесь контролировать или менять слишком многое в своей жизни одновременно, вы совершенно себя изнурите.</a:t>
+              <a:t>Не выспись, и очнешься Финеасом Гейджем — </a:t>
+            </a:r>
+            <a:r>
+              <a:rPr lang="ru-RU" sz="1800" b="0" dirty="0">
+                <a:effectLst/>
+                <a:latin typeface="Calibri" panose="020F0502020204030204" pitchFamily="34" charset="0"/>
+              </a:rPr>
+              <a:t>с похожим, хоть и временным мозговым нарушением.</a:t>
+            </a:r>
+          </a:p>
+          <a:p>
+            <a:endParaRPr lang="ru-RU" sz="1800" b="0" dirty="0">
+              <a:effectLst/>
+              <a:latin typeface="Calibri" panose="020F0502020204030204" pitchFamily="34" charset="0"/>
+            </a:endParaRPr>
+          </a:p>
+          <a:p>
+            <a:r>
+              <a:rPr lang="ru-RU" sz="1800" b="0" dirty="0">
+                <a:effectLst/>
+                <a:latin typeface="Calibri" panose="020F0502020204030204" pitchFamily="34" charset="0"/>
+              </a:rPr>
+              <a:t>Эксперимент - </a:t>
+            </a:r>
+            <a:r>
+              <a:rPr lang="ru-RU" sz="1800" b="1" dirty="0">
+                <a:effectLst/>
+                <a:latin typeface="Calibri" panose="020F0502020204030204" pitchFamily="34" charset="0"/>
+              </a:rPr>
+              <a:t>последствия недосыпа для мозга равны легкому опьянению</a:t>
             </a:r>
           </a:p>
           <a:p>
@@ -1776,639 +1660,27 @@
           </a:p>
           <a:p>
             <a:r>
+              <a:rPr lang="ru-RU" sz="1800" b="1" dirty="0">
+                <a:effectLst/>
+                <a:latin typeface="Calibri" panose="020F0502020204030204" pitchFamily="34" charset="0"/>
+              </a:rPr>
+              <a:t>Стресс провоцирует вас сосредоточиться на сиюминутных, краткосрочных целях и результатах, </a:t>
+            </a:r>
+            <a:r>
+              <a:rPr lang="ru-RU" sz="1800" b="0" dirty="0">
+                <a:effectLst/>
+                <a:latin typeface="Calibri" panose="020F0502020204030204" pitchFamily="34" charset="0"/>
+              </a:rPr>
+              <a:t>но самоконтроль требует перспективы. </a:t>
+            </a:r>
+          </a:p>
+          <a:p>
+            <a:r>
               <a:rPr lang="ru-RU" sz="1800" dirty="0">
                 <a:effectLst/>
                 <a:latin typeface="Calibri" panose="020F0502020204030204" pitchFamily="34" charset="0"/>
               </a:rPr>
-              <a:t>Если </a:t>
-            </a:r>
-            <a:r>
-              <a:rPr lang="ru-RU" sz="1800" b="1" dirty="0">
-                <a:effectLst/>
-                <a:latin typeface="Calibri" panose="020F0502020204030204" pitchFamily="34" charset="0"/>
-              </a:rPr>
-              <a:t>постоянно контролировать себя в чем-то малом</a:t>
-            </a:r>
-            <a:r>
-              <a:rPr lang="ru-RU" sz="1800" dirty="0">
-                <a:effectLst/>
-                <a:latin typeface="Calibri" panose="020F0502020204030204" pitchFamily="34" charset="0"/>
-              </a:rPr>
-              <a:t>: следить за осанкой, каждый день выжимать кистевой тренажер, урезать сладкое, следить за тратами —</a:t>
-            </a:r>
-            <a:r>
-              <a:rPr lang="ru-RU" sz="1800" b="1" dirty="0">
-                <a:effectLst/>
-                <a:latin typeface="Calibri" panose="020F0502020204030204" pitchFamily="34" charset="0"/>
-              </a:rPr>
-              <a:t> можно укрепить силу воли в целом.</a:t>
-            </a:r>
-            <a:endParaRPr lang="ru-RU" sz="1800" dirty="0">
-              <a:effectLst/>
-              <a:latin typeface="Calibri" panose="020F0502020204030204" pitchFamily="34" charset="0"/>
-            </a:endParaRPr>
-          </a:p>
-          <a:p>
-            <a:endParaRPr lang="ru-RU" sz="1800" dirty="0">
-              <a:effectLst/>
-              <a:latin typeface="Calibri" panose="020F0502020204030204" pitchFamily="34" charset="0"/>
-            </a:endParaRPr>
-          </a:p>
-          <a:p>
-            <a:r>
-              <a:rPr lang="ru-RU" sz="1800" dirty="0">
-                <a:effectLst/>
-                <a:latin typeface="Calibri" panose="020F0502020204030204" pitchFamily="34" charset="0"/>
-              </a:rPr>
-              <a:t>«Второе дыхание»</a:t>
-            </a:r>
-          </a:p>
-          <a:p>
-            <a:endParaRPr lang="ru-RU" sz="1800" dirty="0">
-              <a:effectLst/>
-              <a:latin typeface="Calibri" panose="020F0502020204030204" pitchFamily="34" charset="0"/>
-            </a:endParaRPr>
-          </a:p>
-          <a:p>
-            <a:r>
-              <a:rPr lang="en-US" sz="1800" dirty="0">
-                <a:effectLst/>
-                <a:latin typeface="Calibri" panose="020F0502020204030204" pitchFamily="34" charset="0"/>
-              </a:rPr>
-              <a:t>В </a:t>
-            </a:r>
-            <a:r>
-              <a:rPr lang="en-US" sz="1800" dirty="0" err="1">
-                <a:effectLst/>
-                <a:latin typeface="Calibri" panose="020F0502020204030204" pitchFamily="34" charset="0"/>
-              </a:rPr>
-              <a:t>соответстви</a:t>
-            </a:r>
-            <a:r>
-              <a:rPr lang="ru-RU" sz="1800" dirty="0">
-                <a:effectLst/>
-                <a:latin typeface="Calibri" panose="020F0502020204030204" pitchFamily="34" charset="0"/>
-              </a:rPr>
-              <a:t>и</a:t>
-            </a:r>
-            <a:r>
-              <a:rPr lang="en-US" sz="1800" dirty="0">
-                <a:effectLst/>
-                <a:latin typeface="Calibri" panose="020F0502020204030204" pitchFamily="34" charset="0"/>
-              </a:rPr>
-              <a:t> с </a:t>
-            </a:r>
-            <a:r>
-              <a:rPr lang="en-US" sz="1800" dirty="0" err="1">
-                <a:effectLst/>
-                <a:latin typeface="Calibri" panose="020F0502020204030204" pitchFamily="34" charset="0"/>
-              </a:rPr>
-              <a:t>теорией</a:t>
-            </a:r>
-            <a:r>
-              <a:rPr lang="en-US" sz="1800" dirty="0">
-                <a:effectLst/>
-                <a:latin typeface="Calibri" panose="020F0502020204030204" pitchFamily="34" charset="0"/>
-              </a:rPr>
-              <a:t> </a:t>
-            </a:r>
-            <a:r>
-              <a:rPr lang="en-US" sz="1800" dirty="0" err="1">
-                <a:effectLst/>
-                <a:latin typeface="Calibri" panose="020F0502020204030204" pitchFamily="34" charset="0"/>
-              </a:rPr>
-              <a:t>Ноакс</a:t>
-            </a:r>
-            <a:r>
-              <a:rPr lang="ru-RU" sz="1800" dirty="0">
-                <a:effectLst/>
-                <a:latin typeface="Calibri" panose="020F0502020204030204" pitchFamily="34" charset="0"/>
-              </a:rPr>
-              <a:t>а </a:t>
-            </a:r>
-            <a:r>
-              <a:rPr lang="ru-RU" sz="1800" b="1" dirty="0">
-                <a:effectLst/>
-                <a:latin typeface="Calibri" panose="020F0502020204030204" pitchFamily="34" charset="0"/>
-              </a:rPr>
-              <a:t>«Усталость больше нельзя считать физическим событием, скорее, это ощущение или эмоция».</a:t>
-            </a:r>
-            <a:endParaRPr lang="ru-RU" sz="1800" dirty="0">
-              <a:effectLst/>
-              <a:latin typeface="Calibri" panose="020F0502020204030204" pitchFamily="34" charset="0"/>
-            </a:endParaRPr>
-          </a:p>
-          <a:p>
-            <a:r>
-              <a:rPr lang="en-US" sz="1800" b="1" dirty="0" err="1">
-                <a:effectLst/>
-                <a:latin typeface="Calibri" panose="020F0502020204030204" pitchFamily="34" charset="0"/>
-              </a:rPr>
-              <a:t>усталость</a:t>
-            </a:r>
-            <a:r>
-              <a:rPr lang="en-US" sz="1800" b="1" dirty="0">
-                <a:effectLst/>
-                <a:latin typeface="Calibri" panose="020F0502020204030204" pitchFamily="34" charset="0"/>
-              </a:rPr>
-              <a:t> — </a:t>
-            </a:r>
-            <a:r>
-              <a:rPr lang="en-US" sz="1800" b="1" dirty="0" err="1">
-                <a:effectLst/>
-                <a:latin typeface="Calibri" panose="020F0502020204030204" pitchFamily="34" charset="0"/>
-              </a:rPr>
-              <a:t>система</a:t>
-            </a:r>
-            <a:r>
-              <a:rPr lang="en-US" sz="1800" b="1" dirty="0">
-                <a:effectLst/>
-                <a:latin typeface="Calibri" panose="020F0502020204030204" pitchFamily="34" charset="0"/>
-              </a:rPr>
-              <a:t> </a:t>
-            </a:r>
-            <a:r>
-              <a:rPr lang="en-US" sz="1800" b="1" dirty="0" err="1">
-                <a:effectLst/>
-                <a:latin typeface="Calibri" panose="020F0502020204030204" pitchFamily="34" charset="0"/>
-              </a:rPr>
-              <a:t>раннего</a:t>
-            </a:r>
-            <a:r>
-              <a:rPr lang="en-US" sz="1800" b="1" dirty="0">
-                <a:effectLst/>
-                <a:latin typeface="Calibri" panose="020F0502020204030204" pitchFamily="34" charset="0"/>
-              </a:rPr>
-              <a:t> </a:t>
-            </a:r>
-            <a:r>
-              <a:rPr lang="en-US" sz="1800" b="1" dirty="0" err="1">
-                <a:effectLst/>
-                <a:latin typeface="Calibri" panose="020F0502020204030204" pitchFamily="34" charset="0"/>
-              </a:rPr>
-              <a:t>оповещения</a:t>
-            </a:r>
-            <a:r>
-              <a:rPr lang="ru-RU" sz="1800" b="1" dirty="0">
-                <a:effectLst/>
-                <a:latin typeface="Calibri" panose="020F0502020204030204" pitchFamily="34" charset="0"/>
-              </a:rPr>
-              <a:t>.</a:t>
-            </a:r>
-          </a:p>
-          <a:p>
-            <a:endParaRPr lang="ru-RU" sz="1800" dirty="0">
-              <a:effectLst/>
-              <a:latin typeface="Calibri" panose="020F0502020204030204" pitchFamily="34" charset="0"/>
-            </a:endParaRPr>
-          </a:p>
-          <a:p>
-            <a:r>
-              <a:rPr lang="ru-RU" sz="1800" b="1" dirty="0">
-                <a:effectLst/>
-                <a:latin typeface="Calibri" panose="020F0502020204030204" pitchFamily="34" charset="0"/>
-              </a:rPr>
-              <a:t>П</a:t>
-            </a:r>
-            <a:r>
-              <a:rPr lang="en-US" sz="1800" b="1" dirty="0" err="1">
-                <a:effectLst/>
-                <a:latin typeface="Calibri" panose="020F0502020204030204" pitchFamily="34" charset="0"/>
-              </a:rPr>
-              <a:t>ервая</a:t>
-            </a:r>
-            <a:r>
-              <a:rPr lang="en-US" sz="1800" b="1" dirty="0">
-                <a:effectLst/>
-                <a:latin typeface="Calibri" panose="020F0502020204030204" pitchFamily="34" charset="0"/>
-              </a:rPr>
-              <a:t> </a:t>
-            </a:r>
-            <a:r>
-              <a:rPr lang="en-US" sz="1800" b="1" dirty="0" err="1">
-                <a:effectLst/>
-                <a:latin typeface="Calibri" panose="020F0502020204030204" pitchFamily="34" charset="0"/>
-              </a:rPr>
-              <a:t>волна</a:t>
-            </a:r>
-            <a:r>
-              <a:rPr lang="en-US" sz="1800" b="1" dirty="0">
-                <a:effectLst/>
-                <a:latin typeface="Calibri" panose="020F0502020204030204" pitchFamily="34" charset="0"/>
-              </a:rPr>
-              <a:t> </a:t>
-            </a:r>
-            <a:r>
-              <a:rPr lang="en-US" sz="1800" b="1" dirty="0" err="1">
-                <a:effectLst/>
-                <a:latin typeface="Calibri" panose="020F0502020204030204" pitchFamily="34" charset="0"/>
-              </a:rPr>
-              <a:t>усталости</a:t>
-            </a:r>
-            <a:r>
-              <a:rPr lang="en-US" sz="1800" b="1" dirty="0">
-                <a:effectLst/>
-                <a:latin typeface="Calibri" panose="020F0502020204030204" pitchFamily="34" charset="0"/>
-              </a:rPr>
-              <a:t> — </a:t>
-            </a:r>
-            <a:r>
-              <a:rPr lang="en-US" sz="1800" b="1" dirty="0" err="1">
-                <a:effectLst/>
-                <a:latin typeface="Calibri" panose="020F0502020204030204" pitchFamily="34" charset="0"/>
-              </a:rPr>
-              <a:t>это</a:t>
-            </a:r>
-            <a:r>
-              <a:rPr lang="en-US" sz="1800" b="1" dirty="0">
-                <a:effectLst/>
-                <a:latin typeface="Calibri" panose="020F0502020204030204" pitchFamily="34" charset="0"/>
-              </a:rPr>
-              <a:t> </a:t>
-            </a:r>
-            <a:r>
-              <a:rPr lang="en-US" sz="1800" b="1" dirty="0" err="1">
-                <a:effectLst/>
-                <a:latin typeface="Calibri" panose="020F0502020204030204" pitchFamily="34" charset="0"/>
-              </a:rPr>
-              <a:t>еще</a:t>
-            </a:r>
-            <a:r>
-              <a:rPr lang="en-US" sz="1800" b="1" dirty="0">
-                <a:effectLst/>
-                <a:latin typeface="Calibri" panose="020F0502020204030204" pitchFamily="34" charset="0"/>
-              </a:rPr>
-              <a:t> </a:t>
-            </a:r>
-            <a:r>
-              <a:rPr lang="en-US" sz="1800" b="1" dirty="0" err="1">
-                <a:effectLst/>
-                <a:latin typeface="Calibri" panose="020F0502020204030204" pitchFamily="34" charset="0"/>
-              </a:rPr>
-              <a:t>далеко</a:t>
-            </a:r>
-            <a:r>
-              <a:rPr lang="en-US" sz="1800" b="1" dirty="0">
-                <a:effectLst/>
-                <a:latin typeface="Calibri" panose="020F0502020204030204" pitchFamily="34" charset="0"/>
-              </a:rPr>
-              <a:t> </a:t>
-            </a:r>
-            <a:r>
-              <a:rPr lang="en-US" sz="1800" b="1" dirty="0" err="1">
-                <a:effectLst/>
-                <a:latin typeface="Calibri" panose="020F0502020204030204" pitchFamily="34" charset="0"/>
-              </a:rPr>
-              <a:t>не</a:t>
-            </a:r>
-            <a:r>
-              <a:rPr lang="en-US" sz="1800" b="1" dirty="0">
-                <a:effectLst/>
-                <a:latin typeface="Calibri" panose="020F0502020204030204" pitchFamily="34" charset="0"/>
-              </a:rPr>
-              <a:t> </a:t>
-            </a:r>
-            <a:r>
-              <a:rPr lang="en-US" sz="1800" b="1" dirty="0" err="1">
-                <a:effectLst/>
-                <a:latin typeface="Calibri" panose="020F0502020204030204" pitchFamily="34" charset="0"/>
-              </a:rPr>
-              <a:t>конец</a:t>
-            </a:r>
-            <a:r>
-              <a:rPr lang="en-US" sz="1800" b="1" dirty="0">
-                <a:effectLst/>
-                <a:latin typeface="Calibri" panose="020F0502020204030204" pitchFamily="34" charset="0"/>
-              </a:rPr>
-              <a:t>, и </a:t>
-            </a:r>
-            <a:r>
-              <a:rPr lang="en-US" sz="1800" b="1" dirty="0" err="1">
-                <a:effectLst/>
-                <a:latin typeface="Calibri" panose="020F0502020204030204" pitchFamily="34" charset="0"/>
-              </a:rPr>
-              <a:t>при</a:t>
-            </a:r>
-            <a:r>
-              <a:rPr lang="en-US" sz="1800" b="1" dirty="0">
-                <a:effectLst/>
-                <a:latin typeface="Calibri" panose="020F0502020204030204" pitchFamily="34" charset="0"/>
-              </a:rPr>
-              <a:t> </a:t>
-            </a:r>
-            <a:r>
-              <a:rPr lang="en-US" sz="1800" b="1" dirty="0" err="1">
-                <a:effectLst/>
-                <a:latin typeface="Calibri" panose="020F0502020204030204" pitchFamily="34" charset="0"/>
-              </a:rPr>
-              <a:t>желании</a:t>
-            </a:r>
-            <a:r>
-              <a:rPr lang="en-US" sz="1800" b="1" dirty="0">
-                <a:effectLst/>
-                <a:latin typeface="Calibri" panose="020F0502020204030204" pitchFamily="34" charset="0"/>
-              </a:rPr>
-              <a:t> </a:t>
-            </a:r>
-            <a:r>
-              <a:rPr lang="en-US" sz="1800" b="1" dirty="0" err="1">
-                <a:effectLst/>
-                <a:latin typeface="Calibri" panose="020F0502020204030204" pitchFamily="34" charset="0"/>
-              </a:rPr>
-              <a:t>ее</a:t>
-            </a:r>
-            <a:r>
-              <a:rPr lang="en-US" sz="1800" b="1" dirty="0">
-                <a:effectLst/>
-                <a:latin typeface="Calibri" panose="020F0502020204030204" pitchFamily="34" charset="0"/>
-              </a:rPr>
-              <a:t> </a:t>
-            </a:r>
-            <a:r>
-              <a:rPr lang="en-US" sz="1800" b="1" dirty="0" err="1">
-                <a:effectLst/>
-                <a:latin typeface="Calibri" panose="020F0502020204030204" pitchFamily="34" charset="0"/>
-              </a:rPr>
-              <a:t>удается</a:t>
-            </a:r>
-            <a:r>
-              <a:rPr lang="en-US" sz="1800" b="1" dirty="0">
-                <a:effectLst/>
-                <a:latin typeface="Calibri" panose="020F0502020204030204" pitchFamily="34" charset="0"/>
-              </a:rPr>
-              <a:t> </a:t>
-            </a:r>
-            <a:r>
-              <a:rPr lang="en-US" sz="1800" b="1" dirty="0" err="1">
-                <a:effectLst/>
-                <a:latin typeface="Calibri" panose="020F0502020204030204" pitchFamily="34" charset="0"/>
-              </a:rPr>
-              <a:t>превозмоч</a:t>
-            </a:r>
-            <a:r>
-              <a:rPr lang="ru-RU" sz="1800" b="1" dirty="0">
-                <a:effectLst/>
-                <a:latin typeface="Calibri" panose="020F0502020204030204" pitchFamily="34" charset="0"/>
-              </a:rPr>
-              <a:t>ь</a:t>
-            </a:r>
-            <a:r>
-              <a:rPr lang="en-US" sz="1800" b="1" dirty="0">
-                <a:effectLst/>
-                <a:latin typeface="Calibri" panose="020F0502020204030204" pitchFamily="34" charset="0"/>
-              </a:rPr>
-              <a:t>.</a:t>
-            </a:r>
-            <a:endParaRPr lang="ru-RU" sz="1800" dirty="0">
-              <a:effectLst/>
-              <a:latin typeface="Calibri" panose="020F0502020204030204" pitchFamily="34" charset="0"/>
-            </a:endParaRPr>
-          </a:p>
-          <a:p>
-            <a:endParaRPr lang="ru-RU" sz="1800" dirty="0">
-              <a:effectLst/>
-              <a:latin typeface="Calibri" panose="020F0502020204030204" pitchFamily="34" charset="0"/>
-            </a:endParaRPr>
-          </a:p>
-          <a:p>
-            <a:r>
-              <a:rPr lang="ru-RU" sz="1200" dirty="0">
-                <a:effectLst/>
-                <a:latin typeface="Calibri" panose="020F0502020204030204" pitchFamily="34" charset="0"/>
-              </a:rPr>
-              <a:t>Остановись и спланируй. На 10 минут отвлечься, или меньше. Просто что бы собраться с мыслями и подумать.</a:t>
-            </a:r>
-          </a:p>
-          <a:p>
-            <a:endParaRPr lang="ru-RU" sz="1200" dirty="0">
-              <a:effectLst/>
-              <a:latin typeface="Calibri" panose="020F0502020204030204" pitchFamily="34" charset="0"/>
-            </a:endParaRPr>
-          </a:p>
-          <a:p>
-            <a:r>
-              <a:rPr lang="en-US" sz="1800" b="0" dirty="0" err="1">
-                <a:effectLst/>
-                <a:latin typeface="Calibri" panose="020F0502020204030204" pitchFamily="34" charset="0"/>
-              </a:rPr>
-              <a:t>Стэнфордские</a:t>
-            </a:r>
-            <a:r>
-              <a:rPr lang="en-US" sz="1800" b="0" dirty="0">
-                <a:effectLst/>
-                <a:latin typeface="Calibri" panose="020F0502020204030204" pitchFamily="34" charset="0"/>
-              </a:rPr>
-              <a:t> </a:t>
-            </a:r>
-            <a:r>
-              <a:rPr lang="en-US" sz="1800" b="0" dirty="0" err="1">
-                <a:effectLst/>
-                <a:latin typeface="Calibri" panose="020F0502020204030204" pitchFamily="34" charset="0"/>
-              </a:rPr>
-              <a:t>психологи</a:t>
-            </a:r>
-            <a:r>
-              <a:rPr lang="en-US" sz="1800" b="0" dirty="0">
-                <a:effectLst/>
-                <a:latin typeface="Calibri" panose="020F0502020204030204" pitchFamily="34" charset="0"/>
-              </a:rPr>
-              <a:t> </a:t>
-            </a:r>
-            <a:r>
-              <a:rPr lang="en-US" sz="1800" b="0" dirty="0" err="1">
-                <a:effectLst/>
-                <a:latin typeface="Calibri" panose="020F0502020204030204" pitchFamily="34" charset="0"/>
-              </a:rPr>
-              <a:t>обнаружили</a:t>
-            </a:r>
-            <a:r>
-              <a:rPr lang="en-US" sz="1800" b="1" dirty="0">
-                <a:effectLst/>
-                <a:latin typeface="Calibri" panose="020F0502020204030204" pitchFamily="34" charset="0"/>
-              </a:rPr>
-              <a:t>, </a:t>
-            </a:r>
-            <a:r>
-              <a:rPr lang="en-US" sz="1800" b="1" dirty="0" err="1">
-                <a:effectLst/>
-                <a:latin typeface="Calibri" panose="020F0502020204030204" pitchFamily="34" charset="0"/>
-              </a:rPr>
-              <a:t>что</a:t>
-            </a:r>
-            <a:r>
-              <a:rPr lang="en-US" sz="1800" b="1" dirty="0">
-                <a:effectLst/>
-                <a:latin typeface="Calibri" panose="020F0502020204030204" pitchFamily="34" charset="0"/>
-              </a:rPr>
-              <a:t> </a:t>
-            </a:r>
-            <a:r>
-              <a:rPr lang="en-US" sz="1800" b="1" dirty="0" err="1">
-                <a:effectLst/>
-                <a:latin typeface="Calibri" panose="020F0502020204030204" pitchFamily="34" charset="0"/>
-              </a:rPr>
-              <a:t>некоторые</a:t>
-            </a:r>
-            <a:r>
-              <a:rPr lang="en-US" sz="1800" b="1" dirty="0">
-                <a:effectLst/>
-                <a:latin typeface="Calibri" panose="020F0502020204030204" pitchFamily="34" charset="0"/>
-              </a:rPr>
-              <a:t> </a:t>
-            </a:r>
-            <a:r>
-              <a:rPr lang="en-US" sz="1800" b="1" dirty="0" err="1">
-                <a:effectLst/>
-                <a:latin typeface="Calibri" panose="020F0502020204030204" pitchFamily="34" charset="0"/>
-              </a:rPr>
-              <a:t>люди</a:t>
-            </a:r>
-            <a:r>
-              <a:rPr lang="en-US" sz="1800" b="1" dirty="0">
-                <a:effectLst/>
-                <a:latin typeface="Calibri" panose="020F0502020204030204" pitchFamily="34" charset="0"/>
-              </a:rPr>
-              <a:t> </a:t>
-            </a:r>
-            <a:r>
-              <a:rPr lang="en-US" sz="1800" b="1" dirty="0" err="1">
-                <a:effectLst/>
-                <a:latin typeface="Calibri" panose="020F0502020204030204" pitchFamily="34" charset="0"/>
-              </a:rPr>
-              <a:t>не</a:t>
-            </a:r>
-            <a:r>
-              <a:rPr lang="en-US" sz="1800" b="1" dirty="0">
-                <a:effectLst/>
-                <a:latin typeface="Calibri" panose="020F0502020204030204" pitchFamily="34" charset="0"/>
-              </a:rPr>
-              <a:t> </a:t>
-            </a:r>
-            <a:r>
-              <a:rPr lang="en-US" sz="1800" b="1" dirty="0" err="1">
-                <a:effectLst/>
-                <a:latin typeface="Calibri" panose="020F0502020204030204" pitchFamily="34" charset="0"/>
-              </a:rPr>
-              <a:t>верят</a:t>
-            </a:r>
-            <a:r>
-              <a:rPr lang="en-US" sz="1800" b="1" dirty="0">
-                <a:effectLst/>
-                <a:latin typeface="Calibri" panose="020F0502020204030204" pitchFamily="34" charset="0"/>
-              </a:rPr>
-              <a:t> </a:t>
-            </a:r>
-            <a:r>
-              <a:rPr lang="en-US" sz="1800" b="1" dirty="0" err="1">
-                <a:effectLst/>
-                <a:latin typeface="Calibri" panose="020F0502020204030204" pitchFamily="34" charset="0"/>
-              </a:rPr>
-              <a:t>чувству</a:t>
-            </a:r>
-            <a:r>
-              <a:rPr lang="en-US" sz="1800" b="1" dirty="0">
-                <a:effectLst/>
-                <a:latin typeface="Calibri" panose="020F0502020204030204" pitchFamily="34" charset="0"/>
-              </a:rPr>
-              <a:t> </a:t>
-            </a:r>
-            <a:r>
-              <a:rPr lang="en-US" sz="1800" b="1" dirty="0" err="1">
-                <a:effectLst/>
-                <a:latin typeface="Calibri" panose="020F0502020204030204" pitchFamily="34" charset="0"/>
-              </a:rPr>
-              <a:t>умственной</a:t>
-            </a:r>
-            <a:r>
-              <a:rPr lang="en-US" sz="1800" b="1" dirty="0">
-                <a:effectLst/>
-                <a:latin typeface="Calibri" panose="020F0502020204030204" pitchFamily="34" charset="0"/>
-              </a:rPr>
-              <a:t> </a:t>
-            </a:r>
-            <a:r>
-              <a:rPr lang="en-US" sz="1800" b="1" dirty="0" err="1">
-                <a:effectLst/>
-                <a:latin typeface="Calibri" panose="020F0502020204030204" pitchFamily="34" charset="0"/>
-              </a:rPr>
-              <a:t>усталости</a:t>
-            </a:r>
-            <a:r>
-              <a:rPr lang="en-US" sz="1800" b="1" dirty="0">
-                <a:effectLst/>
-                <a:latin typeface="Calibri" panose="020F0502020204030204" pitchFamily="34" charset="0"/>
-              </a:rPr>
-              <a:t>, </a:t>
-            </a:r>
-            <a:r>
-              <a:rPr lang="en-US" sz="1800" b="0" dirty="0" err="1">
-                <a:effectLst/>
-                <a:latin typeface="Calibri" panose="020F0502020204030204" pitchFamily="34" charset="0"/>
-              </a:rPr>
-              <a:t>возникающему</a:t>
-            </a:r>
-            <a:r>
-              <a:rPr lang="en-US" sz="1800" b="0" dirty="0">
-                <a:effectLst/>
-                <a:latin typeface="Calibri" panose="020F0502020204030204" pitchFamily="34" charset="0"/>
-              </a:rPr>
-              <a:t> </a:t>
-            </a:r>
-            <a:r>
-              <a:rPr lang="en-US" sz="1800" b="0" dirty="0" err="1">
-                <a:effectLst/>
-                <a:latin typeface="Calibri" panose="020F0502020204030204" pitchFamily="34" charset="0"/>
-              </a:rPr>
-              <a:t>после</a:t>
-            </a:r>
-            <a:r>
-              <a:rPr lang="en-US" sz="1800" b="0" dirty="0">
-                <a:effectLst/>
-                <a:latin typeface="Calibri" panose="020F0502020204030204" pitchFamily="34" charset="0"/>
-              </a:rPr>
-              <a:t> </a:t>
-            </a:r>
-            <a:r>
-              <a:rPr lang="en-US" sz="1800" b="0" dirty="0" err="1">
-                <a:effectLst/>
-                <a:latin typeface="Calibri" panose="020F0502020204030204" pitchFamily="34" charset="0"/>
-              </a:rPr>
-              <a:t>трудного</a:t>
-            </a:r>
-            <a:r>
-              <a:rPr lang="en-US" sz="1800" b="0" dirty="0">
-                <a:effectLst/>
-                <a:latin typeface="Calibri" panose="020F0502020204030204" pitchFamily="34" charset="0"/>
-              </a:rPr>
-              <a:t> </a:t>
-            </a:r>
-            <a:r>
-              <a:rPr lang="en-US" sz="1800" b="0" dirty="0" err="1">
-                <a:effectLst/>
-                <a:latin typeface="Calibri" panose="020F0502020204030204" pitchFamily="34" charset="0"/>
-              </a:rPr>
-              <a:t>волевого</a:t>
-            </a:r>
-            <a:r>
-              <a:rPr lang="en-US" sz="1800" b="0" dirty="0">
-                <a:effectLst/>
-                <a:latin typeface="Calibri" panose="020F0502020204030204" pitchFamily="34" charset="0"/>
-              </a:rPr>
-              <a:t> </a:t>
-            </a:r>
-            <a:r>
-              <a:rPr lang="en-US" sz="1800" b="0" dirty="0" err="1">
-                <a:effectLst/>
-                <a:latin typeface="Calibri" panose="020F0502020204030204" pitchFamily="34" charset="0"/>
-              </a:rPr>
-              <a:t>акт</a:t>
-            </a:r>
-            <a:r>
-              <a:rPr lang="ru-RU" sz="1800" b="0" dirty="0">
-                <a:effectLst/>
-                <a:latin typeface="Calibri" panose="020F0502020204030204" pitchFamily="34" charset="0"/>
-              </a:rPr>
-              <a:t>а.</a:t>
+              <a:t>Научиться лучше справляться со стрессом — одна из наиболее важных задач для укрепления силы воли.</a:t>
             </a:r>
           </a:p>
           <a:p>
@@ -2417,15 +1689,6 @@
               <a:latin typeface="Calibri" panose="020F0502020204030204" pitchFamily="34" charset="0"/>
             </a:endParaRPr>
           </a:p>
-          <a:p>
-            <a:endParaRPr lang="ru-RU" sz="1200" b="0" dirty="0">
-              <a:effectLst/>
-              <a:latin typeface="Calibri" panose="020F0502020204030204" pitchFamily="34" charset="0"/>
-            </a:endParaRPr>
-          </a:p>
-          <a:p>
-            <a:endParaRPr lang="en-US" dirty="0"/>
-          </a:p>
         </p:txBody>
       </p:sp>
       <p:sp>
@@ -2445,7 +1708,7 @@
           <a:p>
             <a:fld id="{EF83ECF8-EBB3-462A-BC97-8AC574C482EA}" type="slidenum">
               <a:rPr lang="en-US" smtClean="0"/>
-              <a:t>26</a:t>
+              <a:t>25</a:t>
             </a:fld>
             <a:endParaRPr lang="en-US"/>
           </a:p>
@@ -2454,7 +1717,7 @@
     </p:spTree>
     <p:extLst>
       <p:ext uri="{BB962C8B-B14F-4D97-AF65-F5344CB8AC3E}">
-        <p14:creationId xmlns:p14="http://schemas.microsoft.com/office/powerpoint/2010/main" val="2973766690"/>
+        <p14:creationId xmlns:p14="http://schemas.microsoft.com/office/powerpoint/2010/main" val="328403219"/>
       </p:ext>
     </p:extLst>
   </p:cSld>
@@ -2509,12 +1772,220 @@
           <a:lstStyle/>
           <a:p>
             <a:r>
-              <a:rPr lang="ru-RU" dirty="0"/>
-              <a:t>Почему мы верим что в будущем мы будем другими?</a:t>
-            </a:r>
-          </a:p>
-          <a:p>
-            <a:endParaRPr lang="ru-RU" dirty="0"/>
+              <a:rPr lang="en-US" sz="1800" dirty="0" err="1">
+                <a:effectLst/>
+                <a:latin typeface="Calibri" panose="020F0502020204030204" pitchFamily="34" charset="0"/>
+              </a:rPr>
+              <a:t>Насколько</a:t>
+            </a:r>
+            <a:r>
+              <a:rPr lang="en-US" sz="1800" dirty="0">
+                <a:effectLst/>
+                <a:latin typeface="Calibri" panose="020F0502020204030204" pitchFamily="34" charset="0"/>
+              </a:rPr>
+              <a:t> </a:t>
+            </a:r>
+            <a:r>
+              <a:rPr lang="en-US" sz="1800" dirty="0" err="1">
+                <a:effectLst/>
+                <a:latin typeface="Calibri" panose="020F0502020204030204" pitchFamily="34" charset="0"/>
+              </a:rPr>
+              <a:t>реальны</a:t>
+            </a:r>
+            <a:r>
+              <a:rPr lang="en-US" sz="1800" dirty="0">
+                <a:effectLst/>
+                <a:latin typeface="Calibri" panose="020F0502020204030204" pitchFamily="34" charset="0"/>
+              </a:rPr>
+              <a:t> «</a:t>
+            </a:r>
+            <a:r>
+              <a:rPr lang="en-US" sz="1800" dirty="0" err="1">
+                <a:effectLst/>
+                <a:latin typeface="Calibri" panose="020F0502020204030204" pitchFamily="34" charset="0"/>
+              </a:rPr>
+              <a:t>границы</a:t>
+            </a:r>
+            <a:r>
+              <a:rPr lang="en-US" sz="1800" dirty="0">
+                <a:effectLst/>
+                <a:latin typeface="Calibri" panose="020F0502020204030204" pitchFamily="34" charset="0"/>
+              </a:rPr>
+              <a:t>» </a:t>
+            </a:r>
+            <a:r>
+              <a:rPr lang="en-US" sz="1800" dirty="0" err="1">
+                <a:effectLst/>
+                <a:latin typeface="Calibri" panose="020F0502020204030204" pitchFamily="34" charset="0"/>
+              </a:rPr>
+              <a:t>самоконтрол</a:t>
+            </a:r>
+            <a:r>
+              <a:rPr lang="ru-RU" sz="1800" dirty="0">
+                <a:effectLst/>
+                <a:latin typeface="Calibri" panose="020F0502020204030204" pitchFamily="34" charset="0"/>
+              </a:rPr>
+              <a:t>я</a:t>
+            </a:r>
+            <a:r>
+              <a:rPr lang="en-US" sz="1800" dirty="0">
+                <a:effectLst/>
+                <a:latin typeface="Calibri" panose="020F0502020204030204" pitchFamily="34" charset="0"/>
+              </a:rPr>
+              <a:t>?</a:t>
+            </a:r>
+            <a:r>
+              <a:rPr lang="ru-RU" sz="1800" dirty="0">
+                <a:effectLst/>
+                <a:latin typeface="Calibri" panose="020F0502020204030204" pitchFamily="34" charset="0"/>
+              </a:rPr>
+              <a:t> Когда мы испытываем усталость?</a:t>
+            </a:r>
+          </a:p>
+          <a:p>
+            <a:endParaRPr lang="ru-RU" sz="1800" dirty="0">
+              <a:effectLst/>
+              <a:latin typeface="Calibri" panose="020F0502020204030204" pitchFamily="34" charset="0"/>
+            </a:endParaRPr>
+          </a:p>
+          <a:p>
+            <a:r>
+              <a:rPr lang="ru-RU" sz="1800" b="1" dirty="0">
+                <a:effectLst/>
+                <a:latin typeface="Calibri" panose="020F0502020204030204" pitchFamily="34" charset="0"/>
+              </a:rPr>
+              <a:t>И если вы попытаетесь контролировать или менять слишком многое в своей жизни одновременно, вы совершенно себя изнурите.</a:t>
+            </a:r>
+          </a:p>
+          <a:p>
+            <a:endParaRPr lang="ru-RU" sz="1800" b="1" dirty="0">
+              <a:effectLst/>
+              <a:latin typeface="Calibri" panose="020F0502020204030204" pitchFamily="34" charset="0"/>
+            </a:endParaRPr>
+          </a:p>
+          <a:p>
+            <a:r>
+              <a:rPr lang="ru-RU" sz="1800" dirty="0">
+                <a:effectLst/>
+                <a:latin typeface="Calibri" panose="020F0502020204030204" pitchFamily="34" charset="0"/>
+              </a:rPr>
+              <a:t>Если </a:t>
+            </a:r>
+            <a:r>
+              <a:rPr lang="ru-RU" sz="1800" b="1" dirty="0">
+                <a:effectLst/>
+                <a:latin typeface="Calibri" panose="020F0502020204030204" pitchFamily="34" charset="0"/>
+              </a:rPr>
+              <a:t>постоянно контролировать себя в чем-то малом</a:t>
+            </a:r>
+            <a:r>
+              <a:rPr lang="ru-RU" sz="1800" dirty="0">
+                <a:effectLst/>
+                <a:latin typeface="Calibri" panose="020F0502020204030204" pitchFamily="34" charset="0"/>
+              </a:rPr>
+              <a:t>: следить за осанкой, каждый день выжимать кистевой тренажер, урезать сладкое, следить за тратами —</a:t>
+            </a:r>
+            <a:r>
+              <a:rPr lang="ru-RU" sz="1800" b="1" dirty="0">
+                <a:effectLst/>
+                <a:latin typeface="Calibri" panose="020F0502020204030204" pitchFamily="34" charset="0"/>
+              </a:rPr>
+              <a:t> можно укрепить силу воли в целом.</a:t>
+            </a:r>
+            <a:endParaRPr lang="ru-RU" sz="1800" dirty="0">
+              <a:effectLst/>
+              <a:latin typeface="Calibri" panose="020F0502020204030204" pitchFamily="34" charset="0"/>
+            </a:endParaRPr>
+          </a:p>
+          <a:p>
+            <a:endParaRPr lang="ru-RU" sz="1800" dirty="0">
+              <a:effectLst/>
+              <a:latin typeface="Calibri" panose="020F0502020204030204" pitchFamily="34" charset="0"/>
+            </a:endParaRPr>
+          </a:p>
+          <a:p>
+            <a:r>
+              <a:rPr lang="ru-RU" sz="1800" dirty="0">
+                <a:effectLst/>
+                <a:latin typeface="Calibri" panose="020F0502020204030204" pitchFamily="34" charset="0"/>
+              </a:rPr>
+              <a:t>«Второе дыхание»</a:t>
+            </a:r>
+          </a:p>
+          <a:p>
+            <a:endParaRPr lang="ru-RU" sz="1800" dirty="0">
+              <a:effectLst/>
+              <a:latin typeface="Calibri" panose="020F0502020204030204" pitchFamily="34" charset="0"/>
+            </a:endParaRPr>
+          </a:p>
+          <a:p>
+            <a:r>
+              <a:rPr lang="en-US" sz="1800" dirty="0">
+                <a:effectLst/>
+                <a:latin typeface="Calibri" panose="020F0502020204030204" pitchFamily="34" charset="0"/>
+              </a:rPr>
+              <a:t>В </a:t>
+            </a:r>
+            <a:r>
+              <a:rPr lang="en-US" sz="1800" dirty="0" err="1">
+                <a:effectLst/>
+                <a:latin typeface="Calibri" panose="020F0502020204030204" pitchFamily="34" charset="0"/>
+              </a:rPr>
+              <a:t>соответстви</a:t>
+            </a:r>
+            <a:r>
+              <a:rPr lang="ru-RU" sz="1800" dirty="0">
+                <a:effectLst/>
+                <a:latin typeface="Calibri" panose="020F0502020204030204" pitchFamily="34" charset="0"/>
+              </a:rPr>
+              <a:t>и</a:t>
+            </a:r>
+            <a:r>
+              <a:rPr lang="en-US" sz="1800" dirty="0">
+                <a:effectLst/>
+                <a:latin typeface="Calibri" panose="020F0502020204030204" pitchFamily="34" charset="0"/>
+              </a:rPr>
+              <a:t> с </a:t>
+            </a:r>
+            <a:r>
+              <a:rPr lang="en-US" sz="1800" dirty="0" err="1">
+                <a:effectLst/>
+                <a:latin typeface="Calibri" panose="020F0502020204030204" pitchFamily="34" charset="0"/>
+              </a:rPr>
+              <a:t>теорией</a:t>
+            </a:r>
+            <a:r>
+              <a:rPr lang="en-US" sz="1800" dirty="0">
+                <a:effectLst/>
+                <a:latin typeface="Calibri" panose="020F0502020204030204" pitchFamily="34" charset="0"/>
+              </a:rPr>
+              <a:t> </a:t>
+            </a:r>
+            <a:r>
+              <a:rPr lang="en-US" sz="1800" dirty="0" err="1">
+                <a:effectLst/>
+                <a:latin typeface="Calibri" panose="020F0502020204030204" pitchFamily="34" charset="0"/>
+              </a:rPr>
+              <a:t>Ноакс</a:t>
+            </a:r>
+            <a:r>
+              <a:rPr lang="ru-RU" sz="1800" dirty="0">
+                <a:effectLst/>
+                <a:latin typeface="Calibri" panose="020F0502020204030204" pitchFamily="34" charset="0"/>
+              </a:rPr>
+              <a:t>а </a:t>
+            </a:r>
+            <a:r>
+              <a:rPr lang="ru-RU" sz="1800" b="1" dirty="0">
+                <a:effectLst/>
+                <a:latin typeface="Calibri" panose="020F0502020204030204" pitchFamily="34" charset="0"/>
+              </a:rPr>
+              <a:t>«Усталость больше нельзя считать физическим событием, скорее, это ощущение или эмоция».</a:t>
+            </a:r>
+            <a:endParaRPr lang="ru-RU" sz="1800" dirty="0">
+              <a:effectLst/>
+              <a:latin typeface="Calibri" panose="020F0502020204030204" pitchFamily="34" charset="0"/>
+            </a:endParaRPr>
           </a:p>
           <a:p>
             <a:r>
@@ -2522,13 +1993,27 @@
                 <a:effectLst/>
                 <a:latin typeface="Calibri" panose="020F0502020204030204" pitchFamily="34" charset="0"/>
               </a:rPr>
-              <a:t>Мы</a:t>
+              <a:t>усталость</a:t>
             </a:r>
             <a:r>
               <a:rPr lang="en-US" sz="1800" b="1" dirty="0">
                 <a:effectLst/>
                 <a:latin typeface="Calibri" panose="020F0502020204030204" pitchFamily="34" charset="0"/>
               </a:rPr>
+              <a:t> — </a:t>
+            </a:r>
+            <a:r>
+              <a:rPr lang="en-US" sz="1800" b="1" dirty="0" err="1">
+                <a:effectLst/>
+                <a:latin typeface="Calibri" panose="020F0502020204030204" pitchFamily="34" charset="0"/>
+              </a:rPr>
+              <a:t>система</a:t>
+            </a:r>
+            <a:r>
+              <a:rPr lang="en-US" sz="1800" b="1" dirty="0">
+                <a:effectLst/>
+                <a:latin typeface="Calibri" panose="020F0502020204030204" pitchFamily="34" charset="0"/>
+              </a:rPr>
               <a:t> </a:t>
             </a:r>
             <a:r>
@@ -2536,7 +2021,7 @@
                 <a:effectLst/>
                 <a:latin typeface="Calibri" panose="020F0502020204030204" pitchFamily="34" charset="0"/>
               </a:rPr>
-              <a:t>щедро</a:t>
+              <a:t>раннего</a:t>
             </a:r>
             <a:r>
               <a:rPr lang="en-US" sz="1800" b="1" dirty="0">
@@ -2550,7 +2035,36 @@
                 <a:effectLst/>
                 <a:latin typeface="Calibri" panose="020F0502020204030204" pitchFamily="34" charset="0"/>
               </a:rPr>
-              <a:t>выдаем</a:t>
+              <a:t>оповещения</a:t>
+            </a:r>
+            <a:r>
+              <a:rPr lang="ru-RU" sz="1800" b="1" dirty="0">
+                <a:effectLst/>
+                <a:latin typeface="Calibri" panose="020F0502020204030204" pitchFamily="34" charset="0"/>
+              </a:rPr>
+              <a:t>.</a:t>
+            </a:r>
+          </a:p>
+          <a:p>
+            <a:endParaRPr lang="ru-RU" sz="1800" dirty="0">
+              <a:effectLst/>
+              <a:latin typeface="Calibri" panose="020F0502020204030204" pitchFamily="34" charset="0"/>
+            </a:endParaRPr>
+          </a:p>
+          <a:p>
+            <a:r>
+              <a:rPr lang="ru-RU" sz="1800" b="1" dirty="0">
+                <a:effectLst/>
+                <a:latin typeface="Calibri" panose="020F0502020204030204" pitchFamily="34" charset="0"/>
+              </a:rPr>
+              <a:t>П</a:t>
+            </a:r>
+            <a:r>
+              <a:rPr lang="en-US" sz="1800" b="1" dirty="0" err="1">
+                <a:effectLst/>
+                <a:latin typeface="Calibri" panose="020F0502020204030204" pitchFamily="34" charset="0"/>
+              </a:rPr>
+              <a:t>ервая</a:t>
             </a:r>
             <a:r>
               <a:rPr lang="en-US" sz="1800" b="1" dirty="0">
@@ -2564,7 +2078,7 @@
                 <a:effectLst/>
                 <a:latin typeface="Calibri" panose="020F0502020204030204" pitchFamily="34" charset="0"/>
               </a:rPr>
-              <a:t>себе</a:t>
+              <a:t>волна</a:t>
             </a:r>
             <a:r>
               <a:rPr lang="en-US" sz="1800" b="1" dirty="0">
@@ -2578,13 +2092,27 @@
                 <a:effectLst/>
                 <a:latin typeface="Calibri" panose="020F0502020204030204" pitchFamily="34" charset="0"/>
               </a:rPr>
-              <a:t>кредиты</a:t>
+              <a:t>усталости</a:t>
             </a:r>
             <a:r>
               <a:rPr lang="en-US" sz="1800" b="1" dirty="0">
                 <a:effectLst/>
                 <a:latin typeface="Calibri" panose="020F0502020204030204" pitchFamily="34" charset="0"/>
               </a:rPr>
+              <a:t> — </a:t>
+            </a:r>
+            <a:r>
+              <a:rPr lang="en-US" sz="1800" b="1" dirty="0" err="1">
+                <a:effectLst/>
+                <a:latin typeface="Calibri" panose="020F0502020204030204" pitchFamily="34" charset="0"/>
+              </a:rPr>
+              <a:t>это</a:t>
+            </a:r>
+            <a:r>
+              <a:rPr lang="en-US" sz="1800" b="1" dirty="0">
+                <a:effectLst/>
+                <a:latin typeface="Calibri" panose="020F0502020204030204" pitchFamily="34" charset="0"/>
+              </a:rPr>
               <a:t> </a:t>
             </a:r>
             <a:r>
@@ -2592,7 +2120,7 @@
                 <a:effectLst/>
                 <a:latin typeface="Calibri" panose="020F0502020204030204" pitchFamily="34" charset="0"/>
               </a:rPr>
-              <a:t>за</a:t>
+              <a:t>еще</a:t>
             </a:r>
             <a:r>
               <a:rPr lang="en-US" sz="1800" b="1" dirty="0">
@@ -2606,13 +2134,187 @@
                 <a:effectLst/>
                 <a:latin typeface="Calibri" panose="020F0502020204030204" pitchFamily="34" charset="0"/>
               </a:rPr>
-              <a:t>то</a:t>
+              <a:t>далеко</a:t>
             </a:r>
             <a:r>
               <a:rPr lang="en-US" sz="1800" b="1" dirty="0">
                 <a:effectLst/>
                 <a:latin typeface="Calibri" panose="020F0502020204030204" pitchFamily="34" charset="0"/>
               </a:rPr>
+              <a:t> </a:t>
+            </a:r>
+            <a:r>
+              <a:rPr lang="en-US" sz="1800" b="1" dirty="0" err="1">
+                <a:effectLst/>
+                <a:latin typeface="Calibri" panose="020F0502020204030204" pitchFamily="34" charset="0"/>
+              </a:rPr>
+              <a:t>не</a:t>
+            </a:r>
+            <a:r>
+              <a:rPr lang="en-US" sz="1800" b="1" dirty="0">
+                <a:effectLst/>
+                <a:latin typeface="Calibri" panose="020F0502020204030204" pitchFamily="34" charset="0"/>
+              </a:rPr>
+              <a:t> </a:t>
+            </a:r>
+            <a:r>
+              <a:rPr lang="en-US" sz="1800" b="1" dirty="0" err="1">
+                <a:effectLst/>
+                <a:latin typeface="Calibri" panose="020F0502020204030204" pitchFamily="34" charset="0"/>
+              </a:rPr>
+              <a:t>конец</a:t>
+            </a:r>
+            <a:r>
+              <a:rPr lang="en-US" sz="1800" b="1" dirty="0">
+                <a:effectLst/>
+                <a:latin typeface="Calibri" panose="020F0502020204030204" pitchFamily="34" charset="0"/>
+              </a:rPr>
+              <a:t>, и </a:t>
+            </a:r>
+            <a:r>
+              <a:rPr lang="en-US" sz="1800" b="1" dirty="0" err="1">
+                <a:effectLst/>
+                <a:latin typeface="Calibri" panose="020F0502020204030204" pitchFamily="34" charset="0"/>
+              </a:rPr>
+              <a:t>при</a:t>
+            </a:r>
+            <a:r>
+              <a:rPr lang="en-US" sz="1800" b="1" dirty="0">
+                <a:effectLst/>
+                <a:latin typeface="Calibri" panose="020F0502020204030204" pitchFamily="34" charset="0"/>
+              </a:rPr>
+              <a:t> </a:t>
+            </a:r>
+            <a:r>
+              <a:rPr lang="en-US" sz="1800" b="1" dirty="0" err="1">
+                <a:effectLst/>
+                <a:latin typeface="Calibri" panose="020F0502020204030204" pitchFamily="34" charset="0"/>
+              </a:rPr>
+              <a:t>желании</a:t>
+            </a:r>
+            <a:r>
+              <a:rPr lang="en-US" sz="1800" b="1" dirty="0">
+                <a:effectLst/>
+                <a:latin typeface="Calibri" panose="020F0502020204030204" pitchFamily="34" charset="0"/>
+              </a:rPr>
+              <a:t> </a:t>
+            </a:r>
+            <a:r>
+              <a:rPr lang="en-US" sz="1800" b="1" dirty="0" err="1">
+                <a:effectLst/>
+                <a:latin typeface="Calibri" panose="020F0502020204030204" pitchFamily="34" charset="0"/>
+              </a:rPr>
+              <a:t>ее</a:t>
+            </a:r>
+            <a:r>
+              <a:rPr lang="en-US" sz="1800" b="1" dirty="0">
+                <a:effectLst/>
+                <a:latin typeface="Calibri" panose="020F0502020204030204" pitchFamily="34" charset="0"/>
+              </a:rPr>
+              <a:t> </a:t>
+            </a:r>
+            <a:r>
+              <a:rPr lang="en-US" sz="1800" b="1" dirty="0" err="1">
+                <a:effectLst/>
+                <a:latin typeface="Calibri" panose="020F0502020204030204" pitchFamily="34" charset="0"/>
+              </a:rPr>
+              <a:t>удается</a:t>
+            </a:r>
+            <a:r>
+              <a:rPr lang="en-US" sz="1800" b="1" dirty="0">
+                <a:effectLst/>
+                <a:latin typeface="Calibri" panose="020F0502020204030204" pitchFamily="34" charset="0"/>
+              </a:rPr>
+              <a:t> </a:t>
+            </a:r>
+            <a:r>
+              <a:rPr lang="en-US" sz="1800" b="1" dirty="0" err="1">
+                <a:effectLst/>
+                <a:latin typeface="Calibri" panose="020F0502020204030204" pitchFamily="34" charset="0"/>
+              </a:rPr>
+              <a:t>превозмоч</a:t>
+            </a:r>
+            <a:r>
+              <a:rPr lang="ru-RU" sz="1800" b="1" dirty="0">
+                <a:effectLst/>
+                <a:latin typeface="Calibri" panose="020F0502020204030204" pitchFamily="34" charset="0"/>
+              </a:rPr>
+              <a:t>ь</a:t>
+            </a:r>
+            <a:r>
+              <a:rPr lang="en-US" sz="1800" b="1" dirty="0">
+                <a:effectLst/>
+                <a:latin typeface="Calibri" panose="020F0502020204030204" pitchFamily="34" charset="0"/>
+              </a:rPr>
+              <a:t>.</a:t>
+            </a:r>
+            <a:endParaRPr lang="ru-RU" sz="1800" dirty="0">
+              <a:effectLst/>
+              <a:latin typeface="Calibri" panose="020F0502020204030204" pitchFamily="34" charset="0"/>
+            </a:endParaRPr>
+          </a:p>
+          <a:p>
+            <a:endParaRPr lang="ru-RU" sz="1800" dirty="0">
+              <a:effectLst/>
+              <a:latin typeface="Calibri" panose="020F0502020204030204" pitchFamily="34" charset="0"/>
+            </a:endParaRPr>
+          </a:p>
+          <a:p>
+            <a:r>
+              <a:rPr lang="ru-RU" sz="1200" dirty="0">
+                <a:effectLst/>
+                <a:latin typeface="Calibri" panose="020F0502020204030204" pitchFamily="34" charset="0"/>
+              </a:rPr>
+              <a:t>Остановись и спланируй. На 10 минут отвлечься, или меньше. Просто что бы собраться с мыслями и подумать.</a:t>
+            </a:r>
+          </a:p>
+          <a:p>
+            <a:endParaRPr lang="ru-RU" sz="1200" dirty="0">
+              <a:effectLst/>
+              <a:latin typeface="Calibri" panose="020F0502020204030204" pitchFamily="34" charset="0"/>
+            </a:endParaRPr>
+          </a:p>
+          <a:p>
+            <a:r>
+              <a:rPr lang="en-US" sz="1800" b="0" dirty="0" err="1">
+                <a:effectLst/>
+                <a:latin typeface="Calibri" panose="020F0502020204030204" pitchFamily="34" charset="0"/>
+              </a:rPr>
+              <a:t>Стэнфордские</a:t>
+            </a:r>
+            <a:r>
+              <a:rPr lang="en-US" sz="1800" b="0" dirty="0">
+                <a:effectLst/>
+                <a:latin typeface="Calibri" panose="020F0502020204030204" pitchFamily="34" charset="0"/>
+              </a:rPr>
+              <a:t> </a:t>
+            </a:r>
+            <a:r>
+              <a:rPr lang="en-US" sz="1800" b="0" dirty="0" err="1">
+                <a:effectLst/>
+                <a:latin typeface="Calibri" panose="020F0502020204030204" pitchFamily="34" charset="0"/>
+              </a:rPr>
+              <a:t>психологи</a:t>
+            </a:r>
+            <a:r>
+              <a:rPr lang="en-US" sz="1800" b="0" dirty="0">
+                <a:effectLst/>
+                <a:latin typeface="Calibri" panose="020F0502020204030204" pitchFamily="34" charset="0"/>
+              </a:rPr>
+              <a:t> </a:t>
+            </a:r>
+            <a:r>
+              <a:rPr lang="en-US" sz="1800" b="0" dirty="0" err="1">
+                <a:effectLst/>
+                <a:latin typeface="Calibri" panose="020F0502020204030204" pitchFamily="34" charset="0"/>
+              </a:rPr>
+              <a:t>обнаружили</a:t>
+            </a:r>
+            <a:r>
+              <a:rPr lang="en-US" sz="1800" b="1" dirty="0">
+                <a:effectLst/>
+                <a:latin typeface="Calibri" panose="020F0502020204030204" pitchFamily="34" charset="0"/>
+              </a:rPr>
               <a:t>, </a:t>
             </a:r>
             <a:r>
@@ -2634,7 +2336,7 @@
                 <a:effectLst/>
                 <a:latin typeface="Calibri" panose="020F0502020204030204" pitchFamily="34" charset="0"/>
               </a:rPr>
-              <a:t>могли</a:t>
+              <a:t>некоторые</a:t>
             </a:r>
             <a:r>
               <a:rPr lang="en-US" sz="1800" b="1" dirty="0">
@@ -2648,7 +2350,7 @@
                 <a:effectLst/>
                 <a:latin typeface="Calibri" panose="020F0502020204030204" pitchFamily="34" charset="0"/>
               </a:rPr>
-              <a:t>бы</a:t>
+              <a:t>люди</a:t>
             </a:r>
             <a:r>
               <a:rPr lang="en-US" sz="1800" b="1" dirty="0">
@@ -2662,70 +2364,140 @@
                 <a:effectLst/>
                 <a:latin typeface="Calibri" panose="020F0502020204030204" pitchFamily="34" charset="0"/>
               </a:rPr>
-              <a:t>сделать</a:t>
+              <a:t>не</a:t>
             </a:r>
             <a:r>
               <a:rPr lang="en-US" sz="1800" b="1" dirty="0">
                 <a:effectLst/>
                 <a:latin typeface="Calibri" panose="020F0502020204030204" pitchFamily="34" charset="0"/>
               </a:rPr>
+              <a:t> </a:t>
+            </a:r>
+            <a:r>
+              <a:rPr lang="en-US" sz="1800" b="1" dirty="0" err="1">
+                <a:effectLst/>
+                <a:latin typeface="Calibri" panose="020F0502020204030204" pitchFamily="34" charset="0"/>
+              </a:rPr>
+              <a:t>верят</a:t>
+            </a:r>
+            <a:r>
+              <a:rPr lang="en-US" sz="1800" b="1" dirty="0">
+                <a:effectLst/>
+                <a:latin typeface="Calibri" panose="020F0502020204030204" pitchFamily="34" charset="0"/>
+              </a:rPr>
+              <a:t> </a:t>
+            </a:r>
+            <a:r>
+              <a:rPr lang="en-US" sz="1800" b="1" dirty="0" err="1">
+                <a:effectLst/>
+                <a:latin typeface="Calibri" panose="020F0502020204030204" pitchFamily="34" charset="0"/>
+              </a:rPr>
+              <a:t>чувству</a:t>
+            </a:r>
+            <a:r>
+              <a:rPr lang="en-US" sz="1800" b="1" dirty="0">
+                <a:effectLst/>
+                <a:latin typeface="Calibri" panose="020F0502020204030204" pitchFamily="34" charset="0"/>
+              </a:rPr>
+              <a:t> </a:t>
+            </a:r>
+            <a:r>
+              <a:rPr lang="en-US" sz="1800" b="1" dirty="0" err="1">
+                <a:effectLst/>
+                <a:latin typeface="Calibri" panose="020F0502020204030204" pitchFamily="34" charset="0"/>
+              </a:rPr>
+              <a:t>умственной</a:t>
+            </a:r>
+            <a:r>
+              <a:rPr lang="en-US" sz="1800" b="1" dirty="0">
+                <a:effectLst/>
+                <a:latin typeface="Calibri" panose="020F0502020204030204" pitchFamily="34" charset="0"/>
+              </a:rPr>
+              <a:t> </a:t>
+            </a:r>
+            <a:r>
+              <a:rPr lang="en-US" sz="1800" b="1" dirty="0" err="1">
+                <a:effectLst/>
+                <a:latin typeface="Calibri" panose="020F0502020204030204" pitchFamily="34" charset="0"/>
+              </a:rPr>
+              <a:t>усталости</a:t>
+            </a:r>
+            <a:r>
+              <a:rPr lang="en-US" sz="1800" b="1" dirty="0">
+                <a:effectLst/>
+                <a:latin typeface="Calibri" panose="020F0502020204030204" pitchFamily="34" charset="0"/>
+              </a:rPr>
               <a:t>, </a:t>
             </a:r>
             <a:r>
-              <a:rPr lang="en-US" sz="1800" b="1" dirty="0" err="1">
-                <a:effectLst/>
-                <a:latin typeface="Calibri" panose="020F0502020204030204" pitchFamily="34" charset="0"/>
-              </a:rPr>
-              <a:t>но</a:t>
-            </a:r>
-            <a:r>
-              <a:rPr lang="en-US" sz="1800" b="1" dirty="0">
+              <a:rPr lang="en-US" sz="1800" b="0" dirty="0" err="1">
+                <a:effectLst/>
+                <a:latin typeface="Calibri" panose="020F0502020204030204" pitchFamily="34" charset="0"/>
+              </a:rPr>
+              <a:t>возникающему</a:t>
+            </a:r>
+            <a:r>
+              <a:rPr lang="en-US" sz="1800" b="0" dirty="0">
                 <a:effectLst/>
                 <a:latin typeface="Calibri" panose="020F0502020204030204" pitchFamily="34" charset="0"/>
               </a:rPr>
               <a:t> </a:t>
             </a:r>
             <a:r>
-              <a:rPr lang="en-US" sz="1800" b="1" dirty="0" err="1">
-                <a:effectLst/>
-                <a:latin typeface="Calibri" panose="020F0502020204030204" pitchFamily="34" charset="0"/>
-              </a:rPr>
-              <a:t>не</a:t>
-            </a:r>
-            <a:r>
-              <a:rPr lang="en-US" sz="1800" b="1" dirty="0">
+              <a:rPr lang="en-US" sz="1800" b="0" dirty="0" err="1">
+                <a:effectLst/>
+                <a:latin typeface="Calibri" panose="020F0502020204030204" pitchFamily="34" charset="0"/>
+              </a:rPr>
+              <a:t>после</a:t>
+            </a:r>
+            <a:r>
+              <a:rPr lang="en-US" sz="1800" b="0" dirty="0">
                 <a:effectLst/>
                 <a:latin typeface="Calibri" panose="020F0502020204030204" pitchFamily="34" charset="0"/>
               </a:rPr>
               <a:t> </a:t>
             </a:r>
             <a:r>
-              <a:rPr lang="en-US" sz="1800" b="1" dirty="0" err="1">
-                <a:effectLst/>
-                <a:latin typeface="Calibri" panose="020F0502020204030204" pitchFamily="34" charset="0"/>
-              </a:rPr>
-              <a:t>сделал</a:t>
-            </a:r>
-            <a:r>
-              <a:rPr lang="ru-RU" sz="1800" b="1" dirty="0">
-                <a:effectLst/>
-                <a:latin typeface="Calibri" panose="020F0502020204030204" pitchFamily="34" charset="0"/>
-              </a:rPr>
-              <a:t>и</a:t>
-            </a:r>
-            <a:r>
-              <a:rPr lang="en-US" sz="1800" b="1" dirty="0">
-                <a:effectLst/>
-                <a:latin typeface="Calibri" panose="020F0502020204030204" pitchFamily="34" charset="0"/>
-              </a:rPr>
-              <a:t>. </a:t>
+              <a:rPr lang="en-US" sz="1800" b="0" dirty="0" err="1">
+                <a:effectLst/>
+                <a:latin typeface="Calibri" panose="020F0502020204030204" pitchFamily="34" charset="0"/>
+              </a:rPr>
+              <a:t>трудного</a:t>
+            </a:r>
+            <a:r>
+              <a:rPr lang="en-US" sz="1800" b="0" dirty="0">
+                <a:effectLst/>
+                <a:latin typeface="Calibri" panose="020F0502020204030204" pitchFamily="34" charset="0"/>
+              </a:rPr>
+              <a:t> </a:t>
+            </a:r>
+            <a:r>
+              <a:rPr lang="en-US" sz="1800" b="0" dirty="0" err="1">
+                <a:effectLst/>
+                <a:latin typeface="Calibri" panose="020F0502020204030204" pitchFamily="34" charset="0"/>
+              </a:rPr>
+              <a:t>волевого</a:t>
+            </a:r>
+            <a:r>
+              <a:rPr lang="en-US" sz="1800" b="0" dirty="0">
+                <a:effectLst/>
+                <a:latin typeface="Calibri" panose="020F0502020204030204" pitchFamily="34" charset="0"/>
+              </a:rPr>
+              <a:t> </a:t>
+            </a:r>
+            <a:r>
+              <a:rPr lang="en-US" sz="1800" b="0" dirty="0" err="1">
+                <a:effectLst/>
+                <a:latin typeface="Calibri" panose="020F0502020204030204" pitchFamily="34" charset="0"/>
+              </a:rPr>
+              <a:t>акт</a:t>
             </a:r>
             <a:r>
               <a:rPr lang="ru-RU" sz="1800" b="0" dirty="0">
                 <a:effectLst/>
                 <a:latin typeface="Calibri" panose="020F0502020204030204" pitchFamily="34" charset="0"/>
               </a:rPr>
-              <a:t>Мы могли бы ... , но мы не сделали ... .</a:t>
+              <a:t>а.</a:t>
             </a:r>
           </a:p>
           <a:p>
@@ -2735,1381 +2507,13 @@
             </a:endParaRPr>
           </a:p>
           <a:p>
-            <a:r>
-              <a:rPr lang="en-US" sz="1800" b="1" dirty="0" err="1">
-                <a:effectLst/>
-                <a:latin typeface="Calibri" panose="020F0502020204030204" pitchFamily="34" charset="0"/>
-              </a:rPr>
-              <a:t>На</a:t>
-            </a:r>
-            <a:r>
-              <a:rPr lang="en-US" sz="1800" b="1" dirty="0">
-                <a:effectLst/>
-                <a:latin typeface="Calibri" panose="020F0502020204030204" pitchFamily="34" charset="0"/>
-              </a:rPr>
-              <a:t> </a:t>
-            </a:r>
-            <a:r>
-              <a:rPr lang="en-US" sz="1800" b="1" dirty="0" err="1">
-                <a:effectLst/>
-                <a:latin typeface="Calibri" panose="020F0502020204030204" pitchFamily="34" charset="0"/>
-              </a:rPr>
-              <a:t>практике</a:t>
-            </a:r>
-            <a:r>
-              <a:rPr lang="en-US" sz="1800" b="1" dirty="0">
-                <a:effectLst/>
-                <a:latin typeface="Calibri" panose="020F0502020204030204" pitchFamily="34" charset="0"/>
-              </a:rPr>
-              <a:t> </a:t>
-            </a:r>
-            <a:r>
-              <a:rPr lang="en-US" sz="1800" b="1" dirty="0" err="1">
-                <a:effectLst/>
-                <a:latin typeface="Calibri" panose="020F0502020204030204" pitchFamily="34" charset="0"/>
-              </a:rPr>
-              <a:t>это</a:t>
-            </a:r>
-            <a:r>
-              <a:rPr lang="en-US" sz="1800" b="1" dirty="0">
-                <a:effectLst/>
-                <a:latin typeface="Calibri" panose="020F0502020204030204" pitchFamily="34" charset="0"/>
-              </a:rPr>
-              <a:t> </a:t>
-            </a:r>
-            <a:r>
-              <a:rPr lang="en-US" sz="1800" b="1" dirty="0" err="1">
-                <a:effectLst/>
-                <a:latin typeface="Calibri" panose="020F0502020204030204" pitchFamily="34" charset="0"/>
-              </a:rPr>
-              <a:t>означает</a:t>
-            </a:r>
-            <a:r>
-              <a:rPr lang="en-US" sz="1800" b="1" dirty="0">
-                <a:effectLst/>
-                <a:latin typeface="Calibri" panose="020F0502020204030204" pitchFamily="34" charset="0"/>
-              </a:rPr>
-              <a:t>, </a:t>
-            </a:r>
-            <a:r>
-              <a:rPr lang="en-US" sz="1800" b="1" dirty="0" err="1">
-                <a:effectLst/>
-                <a:latin typeface="Calibri" panose="020F0502020204030204" pitchFamily="34" charset="0"/>
-              </a:rPr>
-              <a:t>что</a:t>
-            </a:r>
-            <a:r>
-              <a:rPr lang="en-US" sz="1800" b="1" dirty="0">
-                <a:effectLst/>
-                <a:latin typeface="Calibri" panose="020F0502020204030204" pitchFamily="34" charset="0"/>
-              </a:rPr>
-              <a:t> </a:t>
-            </a:r>
-            <a:r>
-              <a:rPr lang="en-US" sz="1800" b="1" dirty="0" err="1">
-                <a:effectLst/>
-                <a:latin typeface="Calibri" panose="020F0502020204030204" pitchFamily="34" charset="0"/>
-              </a:rPr>
-              <a:t>один</a:t>
-            </a:r>
-            <a:r>
-              <a:rPr lang="en-US" sz="1800" b="1" dirty="0">
-                <a:effectLst/>
-                <a:latin typeface="Calibri" panose="020F0502020204030204" pitchFamily="34" charset="0"/>
-              </a:rPr>
-              <a:t> </a:t>
-            </a:r>
-            <a:r>
-              <a:rPr lang="en-US" sz="1800" b="1" dirty="0" err="1">
-                <a:effectLst/>
-                <a:latin typeface="Calibri" panose="020F0502020204030204" pitchFamily="34" charset="0"/>
-              </a:rPr>
-              <a:t>шаг</a:t>
-            </a:r>
-            <a:r>
-              <a:rPr lang="en-US" sz="1800" b="1" dirty="0">
-                <a:effectLst/>
-                <a:latin typeface="Calibri" panose="020F0502020204030204" pitchFamily="34" charset="0"/>
-              </a:rPr>
-              <a:t> </a:t>
-            </a:r>
-            <a:r>
-              <a:rPr lang="en-US" sz="1800" b="1" dirty="0" err="1">
-                <a:effectLst/>
-                <a:latin typeface="Calibri" panose="020F0502020204030204" pitchFamily="34" charset="0"/>
-              </a:rPr>
-              <a:t>вперед</a:t>
-            </a:r>
-            <a:r>
-              <a:rPr lang="en-US" sz="1800" b="1" dirty="0">
-                <a:effectLst/>
-                <a:latin typeface="Calibri" panose="020F0502020204030204" pitchFamily="34" charset="0"/>
-              </a:rPr>
-              <a:t> </a:t>
-            </a:r>
-            <a:r>
-              <a:rPr lang="en-US" sz="1800" b="1" dirty="0" err="1">
-                <a:effectLst/>
-                <a:latin typeface="Calibri" panose="020F0502020204030204" pitchFamily="34" charset="0"/>
-              </a:rPr>
-              <a:t>разрешает</a:t>
-            </a:r>
-            <a:r>
-              <a:rPr lang="en-US" sz="1800" b="1" dirty="0">
-                <a:effectLst/>
-                <a:latin typeface="Calibri" panose="020F0502020204030204" pitchFamily="34" charset="0"/>
-              </a:rPr>
-              <a:t> </a:t>
-            </a:r>
-            <a:r>
-              <a:rPr lang="en-US" sz="1800" b="1" dirty="0" err="1">
-                <a:effectLst/>
-                <a:latin typeface="Calibri" panose="020F0502020204030204" pitchFamily="34" charset="0"/>
-              </a:rPr>
-              <a:t>два</a:t>
-            </a:r>
-            <a:r>
-              <a:rPr lang="en-US" sz="1800" b="1" dirty="0">
-                <a:effectLst/>
-                <a:latin typeface="Calibri" panose="020F0502020204030204" pitchFamily="34" charset="0"/>
-              </a:rPr>
-              <a:t> </a:t>
-            </a:r>
-            <a:r>
-              <a:rPr lang="en-US" sz="1800" b="1" dirty="0" err="1">
-                <a:effectLst/>
-                <a:latin typeface="Calibri" panose="020F0502020204030204" pitchFamily="34" charset="0"/>
-              </a:rPr>
-              <a:t>шага</a:t>
-            </a:r>
-            <a:r>
-              <a:rPr lang="en-US" sz="1800" b="1" dirty="0">
-                <a:effectLst/>
-                <a:latin typeface="Calibri" panose="020F0502020204030204" pitchFamily="34" charset="0"/>
-              </a:rPr>
-              <a:t> </a:t>
-            </a:r>
-            <a:r>
-              <a:rPr lang="en-US" sz="1800" b="1" dirty="0" err="1">
-                <a:effectLst/>
-                <a:latin typeface="Calibri" panose="020F0502020204030204" pitchFamily="34" charset="0"/>
-              </a:rPr>
-              <a:t>наза</a:t>
-            </a:r>
-            <a:r>
-              <a:rPr lang="ru-RU" sz="1800" b="1" dirty="0">
-                <a:effectLst/>
-                <a:latin typeface="Calibri" panose="020F0502020204030204" pitchFamily="34" charset="0"/>
-              </a:rPr>
-              <a:t>д</a:t>
-            </a:r>
-            <a:r>
-              <a:rPr lang="en-US" sz="1800" b="1" dirty="0">
-                <a:effectLst/>
-                <a:latin typeface="Calibri" panose="020F0502020204030204" pitchFamily="34" charset="0"/>
-              </a:rPr>
-              <a:t>.</a:t>
-            </a:r>
-            <a:endParaRPr lang="ru-RU" sz="1800" b="1" dirty="0">
+            <a:endParaRPr lang="ru-RU" sz="1200" b="0" dirty="0">
               <a:effectLst/>
               <a:latin typeface="Calibri" panose="020F0502020204030204" pitchFamily="34" charset="0"/>
             </a:endParaRPr>
           </a:p>
           <a:p>
-            <a:endParaRPr lang="ru-RU" dirty="0"/>
-          </a:p>
-          <a:p>
-            <a:r>
-              <a:rPr lang="en-US" sz="1800" dirty="0" err="1">
-                <a:effectLst/>
-                <a:latin typeface="Calibri" panose="020F0502020204030204" pitchFamily="34" charset="0"/>
-              </a:rPr>
-              <a:t>Мы</a:t>
-            </a:r>
-            <a:r>
-              <a:rPr lang="en-US" sz="1800" dirty="0">
-                <a:effectLst/>
-                <a:latin typeface="Calibri" panose="020F0502020204030204" pitchFamily="34" charset="0"/>
-              </a:rPr>
-              <a:t> </a:t>
-            </a:r>
-            <a:r>
-              <a:rPr lang="en-US" sz="1800" dirty="0" err="1">
-                <a:effectLst/>
-                <a:latin typeface="Calibri" panose="020F0502020204030204" pitchFamily="34" charset="0"/>
-              </a:rPr>
-              <a:t>ошибочно</a:t>
-            </a:r>
-            <a:r>
-              <a:rPr lang="en-US" sz="1800" dirty="0">
-                <a:effectLst/>
-                <a:latin typeface="Calibri" panose="020F0502020204030204" pitchFamily="34" charset="0"/>
-              </a:rPr>
-              <a:t>, </a:t>
-            </a:r>
-            <a:r>
-              <a:rPr lang="en-US" sz="1800" dirty="0" err="1">
-                <a:effectLst/>
-                <a:latin typeface="Calibri" panose="020F0502020204030204" pitchFamily="34" charset="0"/>
-              </a:rPr>
-              <a:t>но</a:t>
-            </a:r>
-            <a:r>
-              <a:rPr lang="en-US" sz="1800" dirty="0">
-                <a:effectLst/>
-                <a:latin typeface="Calibri" panose="020F0502020204030204" pitchFamily="34" charset="0"/>
-              </a:rPr>
-              <a:t> </a:t>
-            </a:r>
-            <a:r>
-              <a:rPr lang="en-US" sz="1800" dirty="0" err="1">
-                <a:effectLst/>
-                <a:latin typeface="Calibri" panose="020F0502020204030204" pitchFamily="34" charset="0"/>
-              </a:rPr>
-              <a:t>упрямо</a:t>
-            </a:r>
-            <a:r>
-              <a:rPr lang="en-US" sz="1800" dirty="0">
-                <a:effectLst/>
-                <a:latin typeface="Calibri" panose="020F0502020204030204" pitchFamily="34" charset="0"/>
-              </a:rPr>
-              <a:t> </a:t>
-            </a:r>
-            <a:r>
-              <a:rPr lang="en-US" sz="1800" dirty="0" err="1">
-                <a:effectLst/>
-                <a:latin typeface="Calibri" panose="020F0502020204030204" pitchFamily="34" charset="0"/>
-              </a:rPr>
-              <a:t>верим</a:t>
-            </a:r>
-            <a:r>
-              <a:rPr lang="en-US" sz="1800" dirty="0">
-                <a:effectLst/>
-                <a:latin typeface="Calibri" panose="020F0502020204030204" pitchFamily="34" charset="0"/>
-              </a:rPr>
-              <a:t>, </a:t>
-            </a:r>
-            <a:r>
-              <a:rPr lang="en-US" sz="1800" dirty="0" err="1">
-                <a:effectLst/>
-                <a:latin typeface="Calibri" panose="020F0502020204030204" pitchFamily="34" charset="0"/>
-              </a:rPr>
-              <a:t>что</a:t>
-            </a:r>
-            <a:r>
-              <a:rPr lang="en-US" sz="1800" dirty="0">
-                <a:effectLst/>
-                <a:latin typeface="Calibri" panose="020F0502020204030204" pitchFamily="34" charset="0"/>
-              </a:rPr>
-              <a:t> </a:t>
-            </a:r>
-            <a:r>
-              <a:rPr lang="en-US" sz="1800" dirty="0" err="1">
-                <a:effectLst/>
-                <a:latin typeface="Calibri" panose="020F0502020204030204" pitchFamily="34" charset="0"/>
-              </a:rPr>
-              <a:t>завтра</a:t>
-            </a:r>
-            <a:r>
-              <a:rPr lang="en-US" sz="1800" dirty="0">
-                <a:effectLst/>
-                <a:latin typeface="Calibri" panose="020F0502020204030204" pitchFamily="34" charset="0"/>
-              </a:rPr>
-              <a:t> </a:t>
-            </a:r>
-            <a:r>
-              <a:rPr lang="en-US" sz="1800" dirty="0" err="1">
-                <a:effectLst/>
-                <a:latin typeface="Calibri" panose="020F0502020204030204" pitchFamily="34" charset="0"/>
-              </a:rPr>
-              <a:t>поступим</a:t>
-            </a:r>
-            <a:r>
-              <a:rPr lang="en-US" sz="1800" dirty="0">
-                <a:effectLst/>
-                <a:latin typeface="Calibri" panose="020F0502020204030204" pitchFamily="34" charset="0"/>
-              </a:rPr>
-              <a:t> </a:t>
-            </a:r>
-            <a:r>
-              <a:rPr lang="en-US" sz="1800" dirty="0" err="1">
-                <a:effectLst/>
-                <a:latin typeface="Calibri" panose="020F0502020204030204" pitchFamily="34" charset="0"/>
-              </a:rPr>
-              <a:t>не</a:t>
-            </a:r>
-            <a:r>
-              <a:rPr lang="en-US" sz="1800" dirty="0">
-                <a:effectLst/>
-                <a:latin typeface="Calibri" panose="020F0502020204030204" pitchFamily="34" charset="0"/>
-              </a:rPr>
-              <a:t> </a:t>
-            </a:r>
-            <a:r>
-              <a:rPr lang="en-US" sz="1800" dirty="0" err="1">
-                <a:effectLst/>
-                <a:latin typeface="Calibri" panose="020F0502020204030204" pitchFamily="34" charset="0"/>
-              </a:rPr>
-              <a:t>так</a:t>
-            </a:r>
-            <a:r>
-              <a:rPr lang="en-US" sz="1800" dirty="0">
-                <a:effectLst/>
-                <a:latin typeface="Calibri" panose="020F0502020204030204" pitchFamily="34" charset="0"/>
-              </a:rPr>
-              <a:t>, </a:t>
-            </a:r>
-            <a:r>
-              <a:rPr lang="en-US" sz="1800" dirty="0" err="1">
-                <a:effectLst/>
-                <a:latin typeface="Calibri" panose="020F0502020204030204" pitchFamily="34" charset="0"/>
-              </a:rPr>
-              <a:t>как</a:t>
-            </a:r>
-            <a:r>
-              <a:rPr lang="en-US" sz="1800" dirty="0">
-                <a:effectLst/>
-                <a:latin typeface="Calibri" panose="020F0502020204030204" pitchFamily="34" charset="0"/>
-              </a:rPr>
-              <a:t> </a:t>
-            </a:r>
-            <a:r>
-              <a:rPr lang="en-US" sz="1800" dirty="0" err="1">
-                <a:effectLst/>
-                <a:latin typeface="Calibri" panose="020F0502020204030204" pitchFamily="34" charset="0"/>
-              </a:rPr>
-              <a:t>сегодня</a:t>
-            </a:r>
-            <a:r>
-              <a:rPr lang="en-US" sz="1800" dirty="0">
-                <a:effectLst/>
-                <a:latin typeface="Calibri" panose="020F0502020204030204" pitchFamily="34" charset="0"/>
-              </a:rPr>
-              <a:t>. Я </a:t>
-            </a:r>
-            <a:r>
-              <a:rPr lang="en-US" sz="1800" dirty="0" err="1">
-                <a:effectLst/>
-                <a:latin typeface="Calibri" panose="020F0502020204030204" pitchFamily="34" charset="0"/>
-              </a:rPr>
-              <a:t>выкурю</a:t>
-            </a:r>
-            <a:r>
-              <a:rPr lang="en-US" sz="1800" dirty="0">
-                <a:effectLst/>
-                <a:latin typeface="Calibri" panose="020F0502020204030204" pitchFamily="34" charset="0"/>
-              </a:rPr>
-              <a:t> </a:t>
-            </a:r>
-            <a:r>
-              <a:rPr lang="en-US" sz="1800" dirty="0" err="1">
-                <a:effectLst/>
-                <a:latin typeface="Calibri" panose="020F0502020204030204" pitchFamily="34" charset="0"/>
-              </a:rPr>
-              <a:t>эту</a:t>
-            </a:r>
-            <a:r>
-              <a:rPr lang="en-US" sz="1800" dirty="0">
-                <a:effectLst/>
-                <a:latin typeface="Calibri" panose="020F0502020204030204" pitchFamily="34" charset="0"/>
-              </a:rPr>
-              <a:t> </a:t>
-            </a:r>
-            <a:r>
-              <a:rPr lang="en-US" sz="1800" dirty="0" err="1">
-                <a:effectLst/>
-                <a:latin typeface="Calibri" panose="020F0502020204030204" pitchFamily="34" charset="0"/>
-              </a:rPr>
-              <a:t>сигарету</a:t>
-            </a:r>
-            <a:r>
-              <a:rPr lang="en-US" sz="1800" dirty="0">
-                <a:effectLst/>
-                <a:latin typeface="Calibri" panose="020F0502020204030204" pitchFamily="34" charset="0"/>
-              </a:rPr>
-              <a:t>, </a:t>
-            </a:r>
-            <a:r>
-              <a:rPr lang="en-US" sz="1800" dirty="0" err="1">
-                <a:effectLst/>
-                <a:latin typeface="Calibri" panose="020F0502020204030204" pitchFamily="34" charset="0"/>
-              </a:rPr>
-              <a:t>но</a:t>
-            </a:r>
-            <a:r>
-              <a:rPr lang="en-US" sz="1800" dirty="0">
-                <a:effectLst/>
-                <a:latin typeface="Calibri" panose="020F0502020204030204" pitchFamily="34" charset="0"/>
-              </a:rPr>
-              <a:t> </a:t>
-            </a:r>
-            <a:r>
-              <a:rPr lang="en-US" sz="1800" dirty="0" err="1">
-                <a:effectLst/>
-                <a:latin typeface="Calibri" panose="020F0502020204030204" pitchFamily="34" charset="0"/>
-              </a:rPr>
-              <a:t>завтра</a:t>
-            </a:r>
-            <a:r>
-              <a:rPr lang="en-US" sz="1800" dirty="0">
-                <a:effectLst/>
-                <a:latin typeface="Calibri" panose="020F0502020204030204" pitchFamily="34" charset="0"/>
-              </a:rPr>
-              <a:t> я </a:t>
-            </a:r>
-            <a:r>
-              <a:rPr lang="en-US" sz="1800" dirty="0" err="1">
-                <a:effectLst/>
-                <a:latin typeface="Calibri" panose="020F0502020204030204" pitchFamily="34" charset="0"/>
-              </a:rPr>
-              <a:t>завяжу</a:t>
-            </a:r>
-            <a:r>
-              <a:rPr lang="en-US" sz="1800" dirty="0">
-                <a:effectLst/>
-                <a:latin typeface="Calibri" panose="020F0502020204030204" pitchFamily="34" charset="0"/>
-              </a:rPr>
-              <a:t>. </a:t>
-            </a:r>
-            <a:r>
-              <a:rPr lang="en-US" sz="1800" dirty="0" err="1">
-                <a:effectLst/>
-                <a:latin typeface="Calibri" panose="020F0502020204030204" pitchFamily="34" charset="0"/>
-              </a:rPr>
-              <a:t>Сегодня</a:t>
-            </a:r>
-            <a:r>
-              <a:rPr lang="en-US" sz="1800" dirty="0">
-                <a:effectLst/>
-                <a:latin typeface="Calibri" panose="020F0502020204030204" pitchFamily="34" charset="0"/>
-              </a:rPr>
-              <a:t> я </a:t>
-            </a:r>
-            <a:r>
-              <a:rPr lang="en-US" sz="1800" dirty="0" err="1">
-                <a:effectLst/>
-                <a:latin typeface="Calibri" panose="020F0502020204030204" pitchFamily="34" charset="0"/>
-              </a:rPr>
-              <a:t>пропущу</a:t>
-            </a:r>
-            <a:r>
-              <a:rPr lang="en-US" sz="1800" dirty="0">
-                <a:effectLst/>
-                <a:latin typeface="Calibri" panose="020F0502020204030204" pitchFamily="34" charset="0"/>
-              </a:rPr>
-              <a:t> </a:t>
-            </a:r>
-            <a:r>
-              <a:rPr lang="en-US" sz="1800" dirty="0" err="1">
-                <a:effectLst/>
-                <a:latin typeface="Calibri" panose="020F0502020204030204" pitchFamily="34" charset="0"/>
-              </a:rPr>
-              <a:t>спортзал</a:t>
-            </a:r>
-            <a:r>
-              <a:rPr lang="en-US" sz="1800" dirty="0">
-                <a:effectLst/>
-                <a:latin typeface="Calibri" panose="020F0502020204030204" pitchFamily="34" charset="0"/>
-              </a:rPr>
-              <a:t>, </a:t>
-            </a:r>
-            <a:r>
-              <a:rPr lang="en-US" sz="1800" dirty="0" err="1">
-                <a:effectLst/>
-                <a:latin typeface="Calibri" panose="020F0502020204030204" pitchFamily="34" charset="0"/>
-              </a:rPr>
-              <a:t>но</a:t>
-            </a:r>
-            <a:r>
-              <a:rPr lang="en-US" sz="1800" dirty="0">
-                <a:effectLst/>
-                <a:latin typeface="Calibri" panose="020F0502020204030204" pitchFamily="34" charset="0"/>
-              </a:rPr>
-              <a:t> </a:t>
-            </a:r>
-            <a:r>
-              <a:rPr lang="en-US" sz="1800" dirty="0" err="1">
-                <a:effectLst/>
-                <a:latin typeface="Calibri" panose="020F0502020204030204" pitchFamily="34" charset="0"/>
-              </a:rPr>
-              <a:t>точно</a:t>
-            </a:r>
-            <a:r>
-              <a:rPr lang="en-US" sz="1800" dirty="0">
-                <a:effectLst/>
-                <a:latin typeface="Calibri" panose="020F0502020204030204" pitchFamily="34" charset="0"/>
-              </a:rPr>
-              <a:t> </a:t>
-            </a:r>
-            <a:r>
-              <a:rPr lang="en-US" sz="1800" dirty="0" err="1">
-                <a:effectLst/>
-                <a:latin typeface="Calibri" panose="020F0502020204030204" pitchFamily="34" charset="0"/>
-              </a:rPr>
-              <a:t>пойду</a:t>
-            </a:r>
-            <a:r>
-              <a:rPr lang="en-US" sz="1800" dirty="0">
-                <a:effectLst/>
-                <a:latin typeface="Calibri" panose="020F0502020204030204" pitchFamily="34" charset="0"/>
-              </a:rPr>
-              <a:t> </a:t>
-            </a:r>
-            <a:r>
-              <a:rPr lang="en-US" sz="1800" dirty="0" err="1">
-                <a:effectLst/>
-                <a:latin typeface="Calibri" panose="020F0502020204030204" pitchFamily="34" charset="0"/>
-              </a:rPr>
-              <a:t>завтра</a:t>
-            </a:r>
-            <a:r>
-              <a:rPr lang="en-US" sz="1800" dirty="0">
-                <a:effectLst/>
-                <a:latin typeface="Calibri" panose="020F0502020204030204" pitchFamily="34" charset="0"/>
-              </a:rPr>
-              <a:t>.</a:t>
-            </a:r>
-            <a:endParaRPr lang="ru-RU" sz="1800" dirty="0">
-              <a:effectLst/>
-              <a:latin typeface="Calibri" panose="020F0502020204030204" pitchFamily="34" charset="0"/>
-            </a:endParaRPr>
-          </a:p>
-          <a:p>
-            <a:endParaRPr lang="ru-RU" sz="1800" dirty="0">
-              <a:effectLst/>
-              <a:latin typeface="Calibri" panose="020F0502020204030204" pitchFamily="34" charset="0"/>
-            </a:endParaRPr>
-          </a:p>
-          <a:p>
-            <a:r>
-              <a:rPr lang="en-US" sz="1800" b="1" dirty="0" err="1">
-                <a:effectLst/>
-                <a:latin typeface="Calibri" panose="020F0502020204030204" pitchFamily="34" charset="0"/>
-              </a:rPr>
-              <a:t>Люди</a:t>
-            </a:r>
-            <a:r>
-              <a:rPr lang="en-US" sz="1800" b="1" dirty="0">
-                <a:effectLst/>
-                <a:latin typeface="Calibri" panose="020F0502020204030204" pitchFamily="34" charset="0"/>
-              </a:rPr>
-              <a:t> </a:t>
-            </a:r>
-            <a:r>
-              <a:rPr lang="en-US" sz="1800" b="1" dirty="0" err="1">
-                <a:effectLst/>
-                <a:latin typeface="Calibri" panose="020F0502020204030204" pitchFamily="34" charset="0"/>
-              </a:rPr>
-              <a:t>делали</a:t>
-            </a:r>
-            <a:r>
-              <a:rPr lang="en-US" sz="1800" b="1" dirty="0">
-                <a:effectLst/>
-                <a:latin typeface="Calibri" panose="020F0502020204030204" pitchFamily="34" charset="0"/>
-              </a:rPr>
-              <a:t> </a:t>
-            </a:r>
-            <a:r>
-              <a:rPr lang="en-US" sz="1800" b="1" dirty="0" err="1">
-                <a:effectLst/>
-                <a:latin typeface="Calibri" panose="020F0502020204030204" pitchFamily="34" charset="0"/>
-              </a:rPr>
-              <a:t>прогнозы</a:t>
-            </a:r>
-            <a:r>
-              <a:rPr lang="en-US" sz="1800" b="1" dirty="0">
-                <a:effectLst/>
-                <a:latin typeface="Calibri" panose="020F0502020204030204" pitchFamily="34" charset="0"/>
-              </a:rPr>
-              <a:t> </a:t>
-            </a:r>
-            <a:r>
-              <a:rPr lang="en-US" sz="1800" b="1" dirty="0" err="1">
-                <a:effectLst/>
-                <a:latin typeface="Calibri" panose="020F0502020204030204" pitchFamily="34" charset="0"/>
-              </a:rPr>
-              <a:t>для</a:t>
-            </a:r>
-            <a:r>
-              <a:rPr lang="en-US" sz="1800" b="1" dirty="0">
-                <a:effectLst/>
-                <a:latin typeface="Calibri" panose="020F0502020204030204" pitchFamily="34" charset="0"/>
-              </a:rPr>
-              <a:t> </a:t>
-            </a:r>
-            <a:r>
-              <a:rPr lang="en-US" sz="1800" b="1" dirty="0" err="1">
-                <a:effectLst/>
-                <a:latin typeface="Calibri" panose="020F0502020204030204" pitchFamily="34" charset="0"/>
-              </a:rPr>
-              <a:t>идеального</a:t>
-            </a:r>
-            <a:r>
-              <a:rPr lang="en-US" sz="1800" b="1" dirty="0">
-                <a:effectLst/>
-                <a:latin typeface="Calibri" panose="020F0502020204030204" pitchFamily="34" charset="0"/>
-              </a:rPr>
-              <a:t> </a:t>
-            </a:r>
-            <a:r>
-              <a:rPr lang="en-US" sz="1800" b="1" dirty="0" err="1">
-                <a:effectLst/>
-                <a:latin typeface="Calibri" panose="020F0502020204030204" pitchFamily="34" charset="0"/>
-              </a:rPr>
-              <a:t>мира</a:t>
-            </a:r>
-            <a:r>
-              <a:rPr lang="en-US" sz="1800" b="1" dirty="0">
-                <a:effectLst/>
-                <a:latin typeface="Calibri" panose="020F0502020204030204" pitchFamily="34" charset="0"/>
-              </a:rPr>
-              <a:t>, </a:t>
-            </a:r>
-            <a:r>
-              <a:rPr lang="en-US" sz="1800" b="1" dirty="0" err="1">
-                <a:effectLst/>
-                <a:latin typeface="Calibri" panose="020F0502020204030204" pitchFamily="34" charset="0"/>
-              </a:rPr>
-              <a:t>но</a:t>
-            </a:r>
-            <a:r>
-              <a:rPr lang="en-US" sz="1800" b="1" dirty="0">
-                <a:effectLst/>
-                <a:latin typeface="Calibri" panose="020F0502020204030204" pitchFamily="34" charset="0"/>
-              </a:rPr>
-              <a:t> </a:t>
-            </a:r>
-            <a:r>
-              <a:rPr lang="en-US" sz="1800" b="1" dirty="0" err="1">
-                <a:effectLst/>
-                <a:latin typeface="Calibri" panose="020F0502020204030204" pitchFamily="34" charset="0"/>
-              </a:rPr>
-              <a:t>прожили</a:t>
-            </a:r>
-            <a:r>
-              <a:rPr lang="en-US" sz="1800" b="1" dirty="0">
-                <a:effectLst/>
-                <a:latin typeface="Calibri" panose="020F0502020204030204" pitchFamily="34" charset="0"/>
-              </a:rPr>
-              <a:t> </a:t>
-            </a:r>
-            <a:r>
-              <a:rPr lang="en-US" sz="1800" b="1" dirty="0" err="1">
-                <a:effectLst/>
-                <a:latin typeface="Calibri" panose="020F0502020204030204" pitchFamily="34" charset="0"/>
-              </a:rPr>
-              <a:t>две</a:t>
-            </a:r>
-            <a:r>
-              <a:rPr lang="en-US" sz="1800" b="1" dirty="0">
-                <a:effectLst/>
-                <a:latin typeface="Calibri" panose="020F0502020204030204" pitchFamily="34" charset="0"/>
-              </a:rPr>
-              <a:t> </a:t>
-            </a:r>
-            <a:r>
-              <a:rPr lang="en-US" sz="1800" b="1" dirty="0" err="1">
-                <a:effectLst/>
-                <a:latin typeface="Calibri" panose="020F0502020204030204" pitchFamily="34" charset="0"/>
-              </a:rPr>
-              <a:t>недели</a:t>
-            </a:r>
-            <a:r>
-              <a:rPr lang="en-US" sz="1800" b="1" dirty="0">
-                <a:effectLst/>
-                <a:latin typeface="Calibri" panose="020F0502020204030204" pitchFamily="34" charset="0"/>
-              </a:rPr>
-              <a:t> в </a:t>
-            </a:r>
-            <a:r>
-              <a:rPr lang="en-US" sz="1800" b="1" dirty="0" err="1">
-                <a:effectLst/>
-                <a:latin typeface="Calibri" panose="020F0502020204030204" pitchFamily="34" charset="0"/>
-              </a:rPr>
-              <a:t>реально</a:t>
-            </a:r>
-            <a:r>
-              <a:rPr lang="ru-RU" sz="1800" b="1" dirty="0">
-                <a:effectLst/>
-                <a:latin typeface="Calibri" panose="020F0502020204030204" pitchFamily="34" charset="0"/>
-              </a:rPr>
-              <a:t>м.</a:t>
-            </a:r>
-          </a:p>
-          <a:p>
-            <a:r>
-              <a:rPr lang="en-US" sz="1800" b="0" dirty="0" err="1">
-                <a:effectLst/>
-                <a:latin typeface="Calibri" panose="020F0502020204030204" pitchFamily="34" charset="0"/>
-              </a:rPr>
-              <a:t>Вечные</a:t>
-            </a:r>
-            <a:r>
-              <a:rPr lang="en-US" sz="1800" b="0" dirty="0">
-                <a:effectLst/>
-                <a:latin typeface="Calibri" panose="020F0502020204030204" pitchFamily="34" charset="0"/>
-              </a:rPr>
-              <a:t> </a:t>
-            </a:r>
-            <a:r>
-              <a:rPr lang="en-US" sz="1800" b="0" dirty="0" err="1">
-                <a:effectLst/>
-                <a:latin typeface="Calibri" panose="020F0502020204030204" pitchFamily="34" charset="0"/>
-              </a:rPr>
-              <a:t>оптимисты</a:t>
-            </a:r>
-            <a:r>
-              <a:rPr lang="en-US" sz="1800" b="0" dirty="0">
-                <a:effectLst/>
-                <a:latin typeface="Calibri" panose="020F0502020204030204" pitchFamily="34" charset="0"/>
-              </a:rPr>
-              <a:t>, </a:t>
-            </a:r>
-            <a:r>
-              <a:rPr lang="en-US" sz="1800" b="0" dirty="0" err="1">
-                <a:effectLst/>
-                <a:latin typeface="Calibri" panose="020F0502020204030204" pitchFamily="34" charset="0"/>
-              </a:rPr>
-              <a:t>те</a:t>
-            </a:r>
-            <a:r>
-              <a:rPr lang="en-US" sz="1800" b="0" dirty="0">
-                <a:effectLst/>
-                <a:latin typeface="Calibri" panose="020F0502020204030204" pitchFamily="34" charset="0"/>
-              </a:rPr>
-              <a:t> </a:t>
-            </a:r>
-            <a:r>
-              <a:rPr lang="en-US" sz="1800" b="0" dirty="0" err="1">
-                <a:effectLst/>
-                <a:latin typeface="Calibri" panose="020F0502020204030204" pitchFamily="34" charset="0"/>
-              </a:rPr>
-              <a:t>обещали</a:t>
-            </a:r>
-            <a:r>
-              <a:rPr lang="en-US" sz="1800" b="0" dirty="0">
-                <a:effectLst/>
-                <a:latin typeface="Calibri" panose="020F0502020204030204" pitchFamily="34" charset="0"/>
-              </a:rPr>
-              <a:t> </a:t>
-            </a:r>
-            <a:r>
-              <a:rPr lang="en-US" sz="1800" b="0" dirty="0" err="1">
-                <a:effectLst/>
-                <a:latin typeface="Calibri" panose="020F0502020204030204" pitchFamily="34" charset="0"/>
-              </a:rPr>
-              <a:t>заниматься</a:t>
-            </a:r>
-            <a:r>
-              <a:rPr lang="en-US" sz="1800" b="0" dirty="0">
-                <a:effectLst/>
-                <a:latin typeface="Calibri" panose="020F0502020204030204" pitchFamily="34" charset="0"/>
-              </a:rPr>
-              <a:t> </a:t>
-            </a:r>
-            <a:r>
-              <a:rPr lang="en-US" sz="1800" b="0" dirty="0" err="1">
-                <a:effectLst/>
-                <a:latin typeface="Calibri" panose="020F0502020204030204" pitchFamily="34" charset="0"/>
-              </a:rPr>
-              <a:t>спортом</a:t>
-            </a:r>
-            <a:r>
-              <a:rPr lang="en-US" sz="1800" b="0" dirty="0">
-                <a:effectLst/>
-                <a:latin typeface="Calibri" panose="020F0502020204030204" pitchFamily="34" charset="0"/>
-              </a:rPr>
-              <a:t> </a:t>
-            </a:r>
-            <a:r>
-              <a:rPr lang="en-US" sz="1800" b="0" dirty="0" err="1">
-                <a:effectLst/>
-                <a:latin typeface="Calibri" panose="020F0502020204030204" pitchFamily="34" charset="0"/>
-              </a:rPr>
-              <a:t>даже</a:t>
-            </a:r>
-            <a:r>
-              <a:rPr lang="en-US" sz="1800" b="0" dirty="0">
-                <a:effectLst/>
-                <a:latin typeface="Calibri" panose="020F0502020204030204" pitchFamily="34" charset="0"/>
-              </a:rPr>
-              <a:t> </a:t>
-            </a:r>
-            <a:r>
-              <a:rPr lang="en-US" sz="1800" b="0" dirty="0" err="1">
-                <a:effectLst/>
-                <a:latin typeface="Calibri" panose="020F0502020204030204" pitchFamily="34" charset="0"/>
-              </a:rPr>
-              <a:t>больше</a:t>
-            </a:r>
-            <a:r>
-              <a:rPr lang="en-US" sz="1800" b="0" dirty="0">
-                <a:effectLst/>
-                <a:latin typeface="Calibri" panose="020F0502020204030204" pitchFamily="34" charset="0"/>
-              </a:rPr>
-              <a:t>, </a:t>
-            </a:r>
-            <a:r>
-              <a:rPr lang="en-US" sz="1800" b="0" dirty="0" err="1">
-                <a:effectLst/>
-                <a:latin typeface="Calibri" panose="020F0502020204030204" pitchFamily="34" charset="0"/>
-              </a:rPr>
-              <a:t>чем</a:t>
-            </a:r>
-            <a:r>
-              <a:rPr lang="en-US" sz="1800" b="0" dirty="0">
-                <a:effectLst/>
-                <a:latin typeface="Calibri" panose="020F0502020204030204" pitchFamily="34" charset="0"/>
-              </a:rPr>
-              <a:t> в </a:t>
-            </a:r>
-            <a:r>
-              <a:rPr lang="en-US" sz="1800" b="0" dirty="0" err="1">
-                <a:effectLst/>
-                <a:latin typeface="Calibri" panose="020F0502020204030204" pitchFamily="34" charset="0"/>
-              </a:rPr>
-              <a:t>первом</a:t>
-            </a:r>
-            <a:r>
-              <a:rPr lang="en-US" sz="1800" b="0" dirty="0">
-                <a:effectLst/>
-                <a:latin typeface="Calibri" panose="020F0502020204030204" pitchFamily="34" charset="0"/>
-              </a:rPr>
-              <a:t> </a:t>
-            </a:r>
-            <a:r>
-              <a:rPr lang="en-US" sz="1800" b="0" dirty="0" err="1">
-                <a:effectLst/>
-                <a:latin typeface="Calibri" panose="020F0502020204030204" pitchFamily="34" charset="0"/>
-              </a:rPr>
-              <a:t>прогнозе</a:t>
-            </a:r>
-            <a:r>
-              <a:rPr lang="en-US" sz="1800" b="0" dirty="0">
-                <a:effectLst/>
-                <a:latin typeface="Calibri" panose="020F0502020204030204" pitchFamily="34" charset="0"/>
-              </a:rPr>
-              <a:t>, и </a:t>
-            </a:r>
-            <a:r>
-              <a:rPr lang="en-US" sz="1800" b="0" dirty="0" err="1">
-                <a:effectLst/>
-                <a:latin typeface="Calibri" panose="020F0502020204030204" pitchFamily="34" charset="0"/>
-              </a:rPr>
-              <a:t>значительно</a:t>
-            </a:r>
-            <a:r>
-              <a:rPr lang="en-US" sz="1800" b="0" dirty="0">
-                <a:effectLst/>
-                <a:latin typeface="Calibri" panose="020F0502020204030204" pitchFamily="34" charset="0"/>
-              </a:rPr>
-              <a:t> </a:t>
-            </a:r>
-            <a:r>
-              <a:rPr lang="en-US" sz="1800" b="0" dirty="0" err="1">
-                <a:effectLst/>
-                <a:latin typeface="Calibri" panose="020F0502020204030204" pitchFamily="34" charset="0"/>
-              </a:rPr>
-              <a:t>больше</a:t>
-            </a:r>
-            <a:r>
-              <a:rPr lang="en-US" sz="1800" b="0" dirty="0">
-                <a:effectLst/>
-                <a:latin typeface="Calibri" panose="020F0502020204030204" pitchFamily="34" charset="0"/>
-              </a:rPr>
-              <a:t>, </a:t>
-            </a:r>
-            <a:r>
-              <a:rPr lang="en-US" sz="1800" b="0" dirty="0" err="1">
-                <a:effectLst/>
-                <a:latin typeface="Calibri" panose="020F0502020204030204" pitchFamily="34" charset="0"/>
-              </a:rPr>
-              <a:t>чем</a:t>
-            </a:r>
-            <a:r>
-              <a:rPr lang="en-US" sz="1800" b="0" dirty="0">
-                <a:effectLst/>
-                <a:latin typeface="Calibri" panose="020F0502020204030204" pitchFamily="34" charset="0"/>
-              </a:rPr>
-              <a:t> </a:t>
-            </a:r>
-            <a:r>
-              <a:rPr lang="en-US" sz="1800" b="0" dirty="0" err="1">
-                <a:effectLst/>
-                <a:latin typeface="Calibri" panose="020F0502020204030204" pitchFamily="34" charset="0"/>
-              </a:rPr>
-              <a:t>занимались</a:t>
-            </a:r>
-            <a:r>
-              <a:rPr lang="en-US" sz="1800" b="0" dirty="0">
-                <a:effectLst/>
-                <a:latin typeface="Calibri" panose="020F0502020204030204" pitchFamily="34" charset="0"/>
-              </a:rPr>
-              <a:t> в </a:t>
-            </a:r>
-            <a:r>
-              <a:rPr lang="en-US" sz="1800" b="0" dirty="0" err="1">
-                <a:effectLst/>
-                <a:latin typeface="Calibri" panose="020F0502020204030204" pitchFamily="34" charset="0"/>
-              </a:rPr>
-              <a:t>прошедшие</a:t>
-            </a:r>
-            <a:r>
-              <a:rPr lang="en-US" sz="1800" b="0" dirty="0">
-                <a:effectLst/>
-                <a:latin typeface="Calibri" panose="020F0502020204030204" pitchFamily="34" charset="0"/>
-              </a:rPr>
-              <a:t> </a:t>
-            </a:r>
-            <a:r>
-              <a:rPr lang="en-US" sz="1800" b="0" dirty="0" err="1">
-                <a:effectLst/>
-                <a:latin typeface="Calibri" panose="020F0502020204030204" pitchFamily="34" charset="0"/>
-              </a:rPr>
-              <a:t>две</a:t>
-            </a:r>
-            <a:r>
-              <a:rPr lang="en-US" sz="1800" b="0" dirty="0">
-                <a:effectLst/>
-                <a:latin typeface="Calibri" panose="020F0502020204030204" pitchFamily="34" charset="0"/>
-              </a:rPr>
-              <a:t> </a:t>
-            </a:r>
-            <a:r>
-              <a:rPr lang="en-US" sz="1800" b="0" dirty="0" err="1">
-                <a:effectLst/>
-                <a:latin typeface="Calibri" panose="020F0502020204030204" pitchFamily="34" charset="0"/>
-              </a:rPr>
-              <a:t>недел</a:t>
-            </a:r>
-            <a:r>
-              <a:rPr lang="ru-RU" sz="1800" b="0" dirty="0">
-                <a:effectLst/>
-                <a:latin typeface="Calibri" panose="020F0502020204030204" pitchFamily="34" charset="0"/>
-              </a:rPr>
-              <a:t>и</a:t>
-            </a:r>
-            <a:r>
-              <a:rPr lang="en-US" sz="1800" b="0" dirty="0">
-                <a:effectLst/>
-                <a:latin typeface="Calibri" panose="020F0502020204030204" pitchFamily="34" charset="0"/>
-              </a:rPr>
-              <a:t>.</a:t>
-            </a:r>
-            <a:endParaRPr lang="ru-RU" sz="1800" b="0" dirty="0">
-              <a:effectLst/>
-              <a:latin typeface="Calibri" panose="020F0502020204030204" pitchFamily="34" charset="0"/>
-            </a:endParaRPr>
-          </a:p>
-          <a:p>
-            <a:r>
-              <a:rPr lang="en-US" sz="1800" b="0" dirty="0" err="1">
-                <a:effectLst/>
-                <a:latin typeface="Calibri" panose="020F0502020204030204" pitchFamily="34" charset="0"/>
-              </a:rPr>
-              <a:t>Вместо</a:t>
-            </a:r>
-            <a:r>
-              <a:rPr lang="en-US" sz="1800" b="0" dirty="0">
-                <a:effectLst/>
-                <a:latin typeface="Calibri" panose="020F0502020204030204" pitchFamily="34" charset="0"/>
-              </a:rPr>
-              <a:t> </a:t>
-            </a:r>
-            <a:r>
-              <a:rPr lang="en-US" sz="1800" b="0" dirty="0" err="1">
-                <a:effectLst/>
-                <a:latin typeface="Calibri" panose="020F0502020204030204" pitchFamily="34" charset="0"/>
-              </a:rPr>
-              <a:t>того</a:t>
-            </a:r>
-            <a:r>
-              <a:rPr lang="en-US" sz="1800" b="0" dirty="0">
-                <a:effectLst/>
-                <a:latin typeface="Calibri" panose="020F0502020204030204" pitchFamily="34" charset="0"/>
-              </a:rPr>
-              <a:t> </a:t>
-            </a:r>
-            <a:r>
-              <a:rPr lang="en-US" sz="1800" b="0" dirty="0" err="1">
-                <a:effectLst/>
-                <a:latin typeface="Calibri" panose="020F0502020204030204" pitchFamily="34" charset="0"/>
-              </a:rPr>
-              <a:t>чтобы</a:t>
-            </a:r>
-            <a:r>
-              <a:rPr lang="en-US" sz="1800" b="0" dirty="0">
-                <a:effectLst/>
-                <a:latin typeface="Calibri" panose="020F0502020204030204" pitchFamily="34" charset="0"/>
-              </a:rPr>
-              <a:t> </a:t>
-            </a:r>
-            <a:r>
-              <a:rPr lang="en-US" sz="1800" b="0" dirty="0" err="1">
-                <a:effectLst/>
-                <a:latin typeface="Calibri" panose="020F0502020204030204" pitchFamily="34" charset="0"/>
-              </a:rPr>
-              <a:t>рассматривать</a:t>
-            </a:r>
-            <a:r>
-              <a:rPr lang="en-US" sz="1800" b="0" dirty="0">
-                <a:effectLst/>
-                <a:latin typeface="Calibri" panose="020F0502020204030204" pitchFamily="34" charset="0"/>
-              </a:rPr>
-              <a:t> </a:t>
-            </a:r>
-            <a:r>
-              <a:rPr lang="en-US" sz="1800" b="0" dirty="0" err="1">
-                <a:effectLst/>
-                <a:latin typeface="Calibri" panose="020F0502020204030204" pitchFamily="34" charset="0"/>
-              </a:rPr>
-              <a:t>прошлые</a:t>
-            </a:r>
-            <a:r>
-              <a:rPr lang="en-US" sz="1800" b="0" dirty="0">
-                <a:effectLst/>
-                <a:latin typeface="Calibri" panose="020F0502020204030204" pitchFamily="34" charset="0"/>
-              </a:rPr>
-              <a:t> </a:t>
-            </a:r>
-            <a:r>
-              <a:rPr lang="en-US" sz="1800" b="0" dirty="0" err="1">
-                <a:effectLst/>
-                <a:latin typeface="Calibri" panose="020F0502020204030204" pitchFamily="34" charset="0"/>
-              </a:rPr>
-              <a:t>две</a:t>
-            </a:r>
-            <a:r>
-              <a:rPr lang="en-US" sz="1800" b="0" dirty="0">
-                <a:effectLst/>
-                <a:latin typeface="Calibri" panose="020F0502020204030204" pitchFamily="34" charset="0"/>
-              </a:rPr>
-              <a:t> </a:t>
-            </a:r>
-            <a:r>
-              <a:rPr lang="en-US" sz="1800" b="0" dirty="0" err="1">
-                <a:effectLst/>
-                <a:latin typeface="Calibri" panose="020F0502020204030204" pitchFamily="34" charset="0"/>
-              </a:rPr>
-              <a:t>недели</a:t>
-            </a:r>
-            <a:r>
-              <a:rPr lang="en-US" sz="1800" b="0" dirty="0">
-                <a:effectLst/>
-                <a:latin typeface="Calibri" panose="020F0502020204030204" pitchFamily="34" charset="0"/>
-              </a:rPr>
-              <a:t> </a:t>
-            </a:r>
-            <a:r>
-              <a:rPr lang="en-US" sz="1800" b="0" dirty="0" err="1">
-                <a:effectLst/>
-                <a:latin typeface="Calibri" panose="020F0502020204030204" pitchFamily="34" charset="0"/>
-              </a:rPr>
-              <a:t>как</a:t>
-            </a:r>
-            <a:r>
-              <a:rPr lang="en-US" sz="1800" b="0" dirty="0">
-                <a:effectLst/>
-                <a:latin typeface="Calibri" panose="020F0502020204030204" pitchFamily="34" charset="0"/>
-              </a:rPr>
-              <a:t> </a:t>
-            </a:r>
-            <a:r>
-              <a:rPr lang="en-US" sz="1800" b="0" dirty="0" err="1">
-                <a:effectLst/>
-                <a:latin typeface="Calibri" panose="020F0502020204030204" pitchFamily="34" charset="0"/>
-              </a:rPr>
-              <a:t>данность</a:t>
-            </a:r>
-            <a:r>
-              <a:rPr lang="en-US" sz="1800" b="0" dirty="0">
-                <a:effectLst/>
-                <a:latin typeface="Calibri" panose="020F0502020204030204" pitchFamily="34" charset="0"/>
-              </a:rPr>
-              <a:t>, а </a:t>
-            </a:r>
-            <a:r>
-              <a:rPr lang="en-US" sz="1800" b="0" dirty="0" err="1">
-                <a:effectLst/>
-                <a:latin typeface="Calibri" panose="020F0502020204030204" pitchFamily="34" charset="0"/>
-              </a:rPr>
-              <a:t>изначальные</a:t>
-            </a:r>
-            <a:r>
-              <a:rPr lang="en-US" sz="1800" b="0" dirty="0">
-                <a:effectLst/>
-                <a:latin typeface="Calibri" panose="020F0502020204030204" pitchFamily="34" charset="0"/>
-              </a:rPr>
-              <a:t> </a:t>
-            </a:r>
-            <a:r>
-              <a:rPr lang="en-US" sz="1800" b="0" dirty="0" err="1">
-                <a:effectLst/>
-                <a:latin typeface="Calibri" panose="020F0502020204030204" pitchFamily="34" charset="0"/>
-              </a:rPr>
-              <a:t>оценки</a:t>
-            </a:r>
-            <a:r>
-              <a:rPr lang="en-US" sz="1800" b="0" dirty="0">
-                <a:effectLst/>
-                <a:latin typeface="Calibri" panose="020F0502020204030204" pitchFamily="34" charset="0"/>
-              </a:rPr>
-              <a:t> — </a:t>
-            </a:r>
-            <a:r>
-              <a:rPr lang="en-US" sz="1800" b="0" dirty="0" err="1">
-                <a:effectLst/>
-                <a:latin typeface="Calibri" panose="020F0502020204030204" pitchFamily="34" charset="0"/>
-              </a:rPr>
-              <a:t>как</a:t>
-            </a:r>
-            <a:r>
-              <a:rPr lang="en-US" sz="1800" b="0" dirty="0">
-                <a:effectLst/>
-                <a:latin typeface="Calibri" panose="020F0502020204030204" pitchFamily="34" charset="0"/>
-              </a:rPr>
-              <a:t> </a:t>
-            </a:r>
-            <a:r>
-              <a:rPr lang="en-US" sz="1800" b="0" dirty="0" err="1">
-                <a:effectLst/>
-                <a:latin typeface="Calibri" panose="020F0502020204030204" pitchFamily="34" charset="0"/>
-              </a:rPr>
-              <a:t>далекий</a:t>
-            </a:r>
-            <a:r>
-              <a:rPr lang="en-US" sz="1800" b="0" dirty="0">
-                <a:effectLst/>
-                <a:latin typeface="Calibri" panose="020F0502020204030204" pitchFamily="34" charset="0"/>
-              </a:rPr>
-              <a:t> </a:t>
-            </a:r>
-            <a:r>
-              <a:rPr lang="en-US" sz="1800" b="0" dirty="0" err="1">
-                <a:effectLst/>
-                <a:latin typeface="Calibri" panose="020F0502020204030204" pitchFamily="34" charset="0"/>
-              </a:rPr>
-              <a:t>от</a:t>
-            </a:r>
-            <a:r>
-              <a:rPr lang="en-US" sz="1800" b="0" dirty="0">
-                <a:effectLst/>
-                <a:latin typeface="Calibri" panose="020F0502020204030204" pitchFamily="34" charset="0"/>
-              </a:rPr>
-              <a:t> </a:t>
-            </a:r>
-            <a:r>
-              <a:rPr lang="en-US" sz="1800" b="0" dirty="0" err="1">
-                <a:effectLst/>
-                <a:latin typeface="Calibri" panose="020F0502020204030204" pitchFamily="34" charset="0"/>
-              </a:rPr>
-              <a:t>реальности</a:t>
-            </a:r>
-            <a:r>
-              <a:rPr lang="en-US" sz="1800" b="0" dirty="0">
-                <a:effectLst/>
-                <a:latin typeface="Calibri" panose="020F0502020204030204" pitchFamily="34" charset="0"/>
-              </a:rPr>
-              <a:t> </a:t>
-            </a:r>
-            <a:r>
-              <a:rPr lang="en-US" sz="1800" b="0" dirty="0" err="1">
-                <a:effectLst/>
-                <a:latin typeface="Calibri" panose="020F0502020204030204" pitchFamily="34" charset="0"/>
-              </a:rPr>
-              <a:t>идеал</a:t>
-            </a:r>
-            <a:r>
-              <a:rPr lang="en-US" sz="1800" b="0" dirty="0">
-                <a:effectLst/>
-                <a:latin typeface="Calibri" panose="020F0502020204030204" pitchFamily="34" charset="0"/>
-              </a:rPr>
-              <a:t>, </a:t>
-            </a:r>
-            <a:r>
-              <a:rPr lang="en-US" sz="1800" b="0" dirty="0" err="1">
-                <a:effectLst/>
-                <a:latin typeface="Calibri" panose="020F0502020204030204" pitchFamily="34" charset="0"/>
-              </a:rPr>
-              <a:t>они</a:t>
-            </a:r>
-            <a:r>
-              <a:rPr lang="en-US" sz="1800" b="0" dirty="0">
-                <a:effectLst/>
-                <a:latin typeface="Calibri" panose="020F0502020204030204" pitchFamily="34" charset="0"/>
-              </a:rPr>
-              <a:t> </a:t>
-            </a:r>
-            <a:r>
-              <a:rPr lang="en-US" sz="1800" b="0" dirty="0" err="1">
-                <a:effectLst/>
-                <a:latin typeface="Calibri" panose="020F0502020204030204" pitchFamily="34" charset="0"/>
-              </a:rPr>
-              <a:t>считали</a:t>
-            </a:r>
-            <a:r>
-              <a:rPr lang="en-US" sz="1800" b="0" dirty="0">
-                <a:effectLst/>
-                <a:latin typeface="Calibri" panose="020F0502020204030204" pitchFamily="34" charset="0"/>
-              </a:rPr>
-              <a:t> </a:t>
-            </a:r>
-            <a:r>
-              <a:rPr lang="en-US" sz="1800" b="0" dirty="0" err="1">
-                <a:effectLst/>
-                <a:latin typeface="Calibri" panose="020F0502020204030204" pitchFamily="34" charset="0"/>
-              </a:rPr>
-              <a:t>прошлые</a:t>
-            </a:r>
-            <a:r>
-              <a:rPr lang="en-US" sz="1800" b="0" dirty="0">
-                <a:effectLst/>
-                <a:latin typeface="Calibri" panose="020F0502020204030204" pitchFamily="34" charset="0"/>
-              </a:rPr>
-              <a:t> </a:t>
-            </a:r>
-            <a:r>
-              <a:rPr lang="en-US" sz="1800" b="0" dirty="0" err="1">
-                <a:effectLst/>
-                <a:latin typeface="Calibri" panose="020F0502020204030204" pitchFamily="34" charset="0"/>
-              </a:rPr>
-              <a:t>две</a:t>
-            </a:r>
-            <a:r>
-              <a:rPr lang="en-US" sz="1800" b="0" dirty="0">
-                <a:effectLst/>
-                <a:latin typeface="Calibri" panose="020F0502020204030204" pitchFamily="34" charset="0"/>
-              </a:rPr>
-              <a:t> </a:t>
-            </a:r>
-            <a:r>
-              <a:rPr lang="en-US" sz="1800" b="0" dirty="0" err="1">
-                <a:effectLst/>
-                <a:latin typeface="Calibri" panose="020F0502020204030204" pitchFamily="34" charset="0"/>
-              </a:rPr>
-              <a:t>недели</a:t>
-            </a:r>
-            <a:r>
-              <a:rPr lang="en-US" sz="1800" b="0" dirty="0">
-                <a:effectLst/>
-                <a:latin typeface="Calibri" panose="020F0502020204030204" pitchFamily="34" charset="0"/>
-              </a:rPr>
-              <a:t> </a:t>
-            </a:r>
-            <a:r>
-              <a:rPr lang="en-US" sz="1800" b="0" dirty="0" err="1">
-                <a:effectLst/>
-                <a:latin typeface="Calibri" panose="020F0502020204030204" pitchFamily="34" charset="0"/>
-              </a:rPr>
-              <a:t>аномалие</a:t>
-            </a:r>
-            <a:r>
-              <a:rPr lang="ru-RU" sz="1800" b="0" dirty="0">
-                <a:effectLst/>
-                <a:latin typeface="Calibri" panose="020F0502020204030204" pitchFamily="34" charset="0"/>
-              </a:rPr>
-              <a:t>й</a:t>
-            </a:r>
-            <a:r>
-              <a:rPr lang="en-US" sz="1800" b="0" dirty="0">
-                <a:effectLst/>
-                <a:latin typeface="Calibri" panose="020F0502020204030204" pitchFamily="34" charset="0"/>
-              </a:rPr>
-              <a:t>.</a:t>
-            </a:r>
-            <a:endParaRPr lang="ru-RU" sz="1800" b="0" dirty="0">
-              <a:effectLst/>
-              <a:latin typeface="Calibri" panose="020F0502020204030204" pitchFamily="34" charset="0"/>
-            </a:endParaRPr>
-          </a:p>
-          <a:p>
-            <a:endParaRPr lang="ru-RU" dirty="0"/>
-          </a:p>
-          <a:p>
-            <a:r>
-              <a:rPr lang="ru-RU" sz="1800" b="0" dirty="0">
-                <a:effectLst/>
-                <a:latin typeface="Calibri" panose="020F0502020204030204" pitchFamily="34" charset="0"/>
-              </a:rPr>
-              <a:t>Заказ в ресторане. </a:t>
-            </a:r>
-            <a:r>
-              <a:rPr lang="en-US" sz="1800" b="1" dirty="0" err="1">
-                <a:effectLst/>
-                <a:latin typeface="Calibri" panose="020F0502020204030204" pitchFamily="34" charset="0"/>
-              </a:rPr>
-              <a:t>Когда</a:t>
-            </a:r>
-            <a:r>
-              <a:rPr lang="en-US" sz="1800" b="1" dirty="0">
-                <a:effectLst/>
-                <a:latin typeface="Calibri" panose="020F0502020204030204" pitchFamily="34" charset="0"/>
-              </a:rPr>
-              <a:t> </a:t>
-            </a:r>
-            <a:r>
-              <a:rPr lang="en-US" sz="1800" b="1" dirty="0" err="1">
-                <a:effectLst/>
-                <a:latin typeface="Calibri" panose="020F0502020204030204" pitchFamily="34" charset="0"/>
-              </a:rPr>
-              <a:t>порок</a:t>
-            </a:r>
-            <a:r>
-              <a:rPr lang="en-US" sz="1800" b="1" dirty="0">
-                <a:effectLst/>
-                <a:latin typeface="Calibri" panose="020F0502020204030204" pitchFamily="34" charset="0"/>
-              </a:rPr>
-              <a:t> </a:t>
-            </a:r>
-            <a:r>
-              <a:rPr lang="en-US" sz="1800" b="1" dirty="0" err="1">
-                <a:effectLst/>
-                <a:latin typeface="Calibri" panose="020F0502020204030204" pitchFamily="34" charset="0"/>
-              </a:rPr>
-              <a:t>похож</a:t>
-            </a:r>
-            <a:r>
-              <a:rPr lang="en-US" sz="1800" b="1" dirty="0">
-                <a:effectLst/>
-                <a:latin typeface="Calibri" panose="020F0502020204030204" pitchFamily="34" charset="0"/>
-              </a:rPr>
-              <a:t> </a:t>
-            </a:r>
-            <a:r>
-              <a:rPr lang="en-US" sz="1800" b="1" dirty="0" err="1">
-                <a:effectLst/>
-                <a:latin typeface="Calibri" panose="020F0502020204030204" pitchFamily="34" charset="0"/>
-              </a:rPr>
-              <a:t>на</a:t>
-            </a:r>
-            <a:r>
-              <a:rPr lang="en-US" sz="1800" b="1" dirty="0">
-                <a:effectLst/>
-                <a:latin typeface="Calibri" panose="020F0502020204030204" pitchFamily="34" charset="0"/>
-              </a:rPr>
-              <a:t> </a:t>
-            </a:r>
-            <a:r>
-              <a:rPr lang="en-US" sz="1800" b="1" dirty="0" err="1">
-                <a:effectLst/>
-                <a:latin typeface="Calibri" panose="020F0502020204030204" pitchFamily="34" charset="0"/>
-              </a:rPr>
-              <a:t>добродетел</a:t>
-            </a:r>
-            <a:r>
-              <a:rPr lang="ru-RU" sz="1800" b="1" dirty="0">
-                <a:effectLst/>
-                <a:latin typeface="Calibri" panose="020F0502020204030204" pitchFamily="34" charset="0"/>
-              </a:rPr>
-              <a:t>ь. </a:t>
-            </a:r>
-            <a:endParaRPr lang="ru-RU" sz="1800" b="0" dirty="0">
-              <a:effectLst/>
-              <a:latin typeface="Calibri" panose="020F0502020204030204" pitchFamily="34" charset="0"/>
-            </a:endParaRPr>
-          </a:p>
-          <a:p>
-            <a:endParaRPr lang="en-US" b="0" dirty="0"/>
+            <a:endParaRPr lang="en-US" dirty="0"/>
           </a:p>
         </p:txBody>
       </p:sp>
@@ -4130,7 +2534,7 @@
           <a:p>
             <a:fld id="{EF83ECF8-EBB3-462A-BC97-8AC574C482EA}" type="slidenum">
               <a:rPr lang="en-US" smtClean="0"/>
-              <a:t>27</a:t>
+              <a:t>26</a:t>
             </a:fld>
             <a:endParaRPr lang="en-US"/>
           </a:p>
@@ -4139,7 +2543,7 @@
     </p:spTree>
     <p:extLst>
       <p:ext uri="{BB962C8B-B14F-4D97-AF65-F5344CB8AC3E}">
-        <p14:creationId xmlns:p14="http://schemas.microsoft.com/office/powerpoint/2010/main" val="3649720612"/>
+        <p14:creationId xmlns:p14="http://schemas.microsoft.com/office/powerpoint/2010/main" val="2973766690"/>
       </p:ext>
     </p:extLst>
   </p:cSld>
@@ -4193,7 +2597,1608 @@
           <a:bodyPr/>
           <a:lstStyle/>
           <a:p>
-            <a:endParaRPr lang="en-US" dirty="0"/>
+            <a:r>
+              <a:rPr lang="ru-RU" dirty="0"/>
+              <a:t>Почему мы верим что в будущем мы будем другими?</a:t>
+            </a:r>
+          </a:p>
+          <a:p>
+            <a:endParaRPr lang="ru-RU" dirty="0"/>
+          </a:p>
+          <a:p>
+            <a:r>
+              <a:rPr lang="en-US" sz="1800" b="1" dirty="0" err="1">
+                <a:effectLst/>
+                <a:latin typeface="Calibri" panose="020F0502020204030204" pitchFamily="34" charset="0"/>
+              </a:rPr>
+              <a:t>Мы</a:t>
+            </a:r>
+            <a:r>
+              <a:rPr lang="en-US" sz="1800" b="1" dirty="0">
+                <a:effectLst/>
+                <a:latin typeface="Calibri" panose="020F0502020204030204" pitchFamily="34" charset="0"/>
+              </a:rPr>
+              <a:t> </a:t>
+            </a:r>
+            <a:r>
+              <a:rPr lang="en-US" sz="1800" b="1" dirty="0" err="1">
+                <a:effectLst/>
+                <a:latin typeface="Calibri" panose="020F0502020204030204" pitchFamily="34" charset="0"/>
+              </a:rPr>
+              <a:t>щедро</a:t>
+            </a:r>
+            <a:r>
+              <a:rPr lang="en-US" sz="1800" b="1" dirty="0">
+                <a:effectLst/>
+                <a:latin typeface="Calibri" panose="020F0502020204030204" pitchFamily="34" charset="0"/>
+              </a:rPr>
+              <a:t> </a:t>
+            </a:r>
+            <a:r>
+              <a:rPr lang="en-US" sz="1800" b="1" dirty="0" err="1">
+                <a:effectLst/>
+                <a:latin typeface="Calibri" panose="020F0502020204030204" pitchFamily="34" charset="0"/>
+              </a:rPr>
+              <a:t>выдаем</a:t>
+            </a:r>
+            <a:r>
+              <a:rPr lang="en-US" sz="1800" b="1" dirty="0">
+                <a:effectLst/>
+                <a:latin typeface="Calibri" panose="020F0502020204030204" pitchFamily="34" charset="0"/>
+              </a:rPr>
+              <a:t> </a:t>
+            </a:r>
+            <a:r>
+              <a:rPr lang="en-US" sz="1800" b="1" dirty="0" err="1">
+                <a:effectLst/>
+                <a:latin typeface="Calibri" panose="020F0502020204030204" pitchFamily="34" charset="0"/>
+              </a:rPr>
+              <a:t>себе</a:t>
+            </a:r>
+            <a:r>
+              <a:rPr lang="en-US" sz="1800" b="1" dirty="0">
+                <a:effectLst/>
+                <a:latin typeface="Calibri" panose="020F0502020204030204" pitchFamily="34" charset="0"/>
+              </a:rPr>
+              <a:t> </a:t>
+            </a:r>
+            <a:r>
+              <a:rPr lang="en-US" sz="1800" b="1" dirty="0" err="1">
+                <a:effectLst/>
+                <a:latin typeface="Calibri" panose="020F0502020204030204" pitchFamily="34" charset="0"/>
+              </a:rPr>
+              <a:t>кредиты</a:t>
+            </a:r>
+            <a:r>
+              <a:rPr lang="en-US" sz="1800" b="1" dirty="0">
+                <a:effectLst/>
+                <a:latin typeface="Calibri" panose="020F0502020204030204" pitchFamily="34" charset="0"/>
+              </a:rPr>
+              <a:t> </a:t>
+            </a:r>
+            <a:r>
+              <a:rPr lang="en-US" sz="1800" b="1" dirty="0" err="1">
+                <a:effectLst/>
+                <a:latin typeface="Calibri" panose="020F0502020204030204" pitchFamily="34" charset="0"/>
+              </a:rPr>
+              <a:t>за</a:t>
+            </a:r>
+            <a:r>
+              <a:rPr lang="en-US" sz="1800" b="1" dirty="0">
+                <a:effectLst/>
+                <a:latin typeface="Calibri" panose="020F0502020204030204" pitchFamily="34" charset="0"/>
+              </a:rPr>
+              <a:t> </a:t>
+            </a:r>
+            <a:r>
+              <a:rPr lang="en-US" sz="1800" b="1" dirty="0" err="1">
+                <a:effectLst/>
+                <a:latin typeface="Calibri" panose="020F0502020204030204" pitchFamily="34" charset="0"/>
+              </a:rPr>
+              <a:t>то</a:t>
+            </a:r>
+            <a:r>
+              <a:rPr lang="en-US" sz="1800" b="1" dirty="0">
+                <a:effectLst/>
+                <a:latin typeface="Calibri" panose="020F0502020204030204" pitchFamily="34" charset="0"/>
+              </a:rPr>
+              <a:t>, </a:t>
+            </a:r>
+            <a:r>
+              <a:rPr lang="en-US" sz="1800" b="1" dirty="0" err="1">
+                <a:effectLst/>
+                <a:latin typeface="Calibri" panose="020F0502020204030204" pitchFamily="34" charset="0"/>
+              </a:rPr>
+              <a:t>что</a:t>
+            </a:r>
+            <a:r>
+              <a:rPr lang="en-US" sz="1800" b="1" dirty="0">
+                <a:effectLst/>
+                <a:latin typeface="Calibri" panose="020F0502020204030204" pitchFamily="34" charset="0"/>
+              </a:rPr>
+              <a:t> </a:t>
+            </a:r>
+            <a:r>
+              <a:rPr lang="en-US" sz="1800" b="1" dirty="0" err="1">
+                <a:effectLst/>
+                <a:latin typeface="Calibri" panose="020F0502020204030204" pitchFamily="34" charset="0"/>
+              </a:rPr>
+              <a:t>могли</a:t>
+            </a:r>
+            <a:r>
+              <a:rPr lang="en-US" sz="1800" b="1" dirty="0">
+                <a:effectLst/>
+                <a:latin typeface="Calibri" panose="020F0502020204030204" pitchFamily="34" charset="0"/>
+              </a:rPr>
+              <a:t> </a:t>
+            </a:r>
+            <a:r>
+              <a:rPr lang="en-US" sz="1800" b="1" dirty="0" err="1">
+                <a:effectLst/>
+                <a:latin typeface="Calibri" panose="020F0502020204030204" pitchFamily="34" charset="0"/>
+              </a:rPr>
+              <a:t>бы</a:t>
+            </a:r>
+            <a:r>
+              <a:rPr lang="en-US" sz="1800" b="1" dirty="0">
+                <a:effectLst/>
+                <a:latin typeface="Calibri" panose="020F0502020204030204" pitchFamily="34" charset="0"/>
+              </a:rPr>
+              <a:t> </a:t>
+            </a:r>
+            <a:r>
+              <a:rPr lang="en-US" sz="1800" b="1" dirty="0" err="1">
+                <a:effectLst/>
+                <a:latin typeface="Calibri" panose="020F0502020204030204" pitchFamily="34" charset="0"/>
+              </a:rPr>
+              <a:t>сделать</a:t>
+            </a:r>
+            <a:r>
+              <a:rPr lang="en-US" sz="1800" b="1" dirty="0">
+                <a:effectLst/>
+                <a:latin typeface="Calibri" panose="020F0502020204030204" pitchFamily="34" charset="0"/>
+              </a:rPr>
+              <a:t>, </a:t>
+            </a:r>
+            <a:r>
+              <a:rPr lang="en-US" sz="1800" b="1" dirty="0" err="1">
+                <a:effectLst/>
+                <a:latin typeface="Calibri" panose="020F0502020204030204" pitchFamily="34" charset="0"/>
+              </a:rPr>
+              <a:t>но</a:t>
+            </a:r>
+            <a:r>
+              <a:rPr lang="en-US" sz="1800" b="1" dirty="0">
+                <a:effectLst/>
+                <a:latin typeface="Calibri" panose="020F0502020204030204" pitchFamily="34" charset="0"/>
+              </a:rPr>
+              <a:t> </a:t>
+            </a:r>
+            <a:r>
+              <a:rPr lang="en-US" sz="1800" b="1" dirty="0" err="1">
+                <a:effectLst/>
+                <a:latin typeface="Calibri" panose="020F0502020204030204" pitchFamily="34" charset="0"/>
+              </a:rPr>
+              <a:t>не</a:t>
+            </a:r>
+            <a:r>
+              <a:rPr lang="en-US" sz="1800" b="1" dirty="0">
+                <a:effectLst/>
+                <a:latin typeface="Calibri" panose="020F0502020204030204" pitchFamily="34" charset="0"/>
+              </a:rPr>
+              <a:t> </a:t>
+            </a:r>
+            <a:r>
+              <a:rPr lang="en-US" sz="1800" b="1" dirty="0" err="1">
+                <a:effectLst/>
+                <a:latin typeface="Calibri" panose="020F0502020204030204" pitchFamily="34" charset="0"/>
+              </a:rPr>
+              <a:t>сделал</a:t>
+            </a:r>
+            <a:r>
+              <a:rPr lang="ru-RU" sz="1800" b="1" dirty="0">
+                <a:effectLst/>
+                <a:latin typeface="Calibri" panose="020F0502020204030204" pitchFamily="34" charset="0"/>
+              </a:rPr>
+              <a:t>и</a:t>
+            </a:r>
+            <a:r>
+              <a:rPr lang="en-US" sz="1800" b="1" dirty="0">
+                <a:effectLst/>
+                <a:latin typeface="Calibri" panose="020F0502020204030204" pitchFamily="34" charset="0"/>
+              </a:rPr>
+              <a:t>. </a:t>
+            </a:r>
+            <a:r>
+              <a:rPr lang="ru-RU" sz="1800" b="0" dirty="0">
+                <a:effectLst/>
+                <a:latin typeface="Calibri" panose="020F0502020204030204" pitchFamily="34" charset="0"/>
+              </a:rPr>
+              <a:t>Мы могли бы ... , но мы не сделали ... .</a:t>
+            </a:r>
+          </a:p>
+          <a:p>
+            <a:endParaRPr lang="ru-RU" sz="1800" b="0" dirty="0">
+              <a:effectLst/>
+              <a:latin typeface="Calibri" panose="020F0502020204030204" pitchFamily="34" charset="0"/>
+            </a:endParaRPr>
+          </a:p>
+          <a:p>
+            <a:r>
+              <a:rPr lang="en-US" sz="1800" b="1" dirty="0" err="1">
+                <a:effectLst/>
+                <a:latin typeface="Calibri" panose="020F0502020204030204" pitchFamily="34" charset="0"/>
+              </a:rPr>
+              <a:t>На</a:t>
+            </a:r>
+            <a:r>
+              <a:rPr lang="en-US" sz="1800" b="1" dirty="0">
+                <a:effectLst/>
+                <a:latin typeface="Calibri" panose="020F0502020204030204" pitchFamily="34" charset="0"/>
+              </a:rPr>
+              <a:t> </a:t>
+            </a:r>
+            <a:r>
+              <a:rPr lang="en-US" sz="1800" b="1" dirty="0" err="1">
+                <a:effectLst/>
+                <a:latin typeface="Calibri" panose="020F0502020204030204" pitchFamily="34" charset="0"/>
+              </a:rPr>
+              <a:t>практике</a:t>
+            </a:r>
+            <a:r>
+              <a:rPr lang="en-US" sz="1800" b="1" dirty="0">
+                <a:effectLst/>
+                <a:latin typeface="Calibri" panose="020F0502020204030204" pitchFamily="34" charset="0"/>
+              </a:rPr>
+              <a:t> </a:t>
+            </a:r>
+            <a:r>
+              <a:rPr lang="en-US" sz="1800" b="1" dirty="0" err="1">
+                <a:effectLst/>
+                <a:latin typeface="Calibri" panose="020F0502020204030204" pitchFamily="34" charset="0"/>
+              </a:rPr>
+              <a:t>это</a:t>
+            </a:r>
+            <a:r>
+              <a:rPr lang="en-US" sz="1800" b="1" dirty="0">
+                <a:effectLst/>
+                <a:latin typeface="Calibri" panose="020F0502020204030204" pitchFamily="34" charset="0"/>
+              </a:rPr>
+              <a:t> </a:t>
+            </a:r>
+            <a:r>
+              <a:rPr lang="en-US" sz="1800" b="1" dirty="0" err="1">
+                <a:effectLst/>
+                <a:latin typeface="Calibri" panose="020F0502020204030204" pitchFamily="34" charset="0"/>
+              </a:rPr>
+              <a:t>означает</a:t>
+            </a:r>
+            <a:r>
+              <a:rPr lang="en-US" sz="1800" b="1" dirty="0">
+                <a:effectLst/>
+                <a:latin typeface="Calibri" panose="020F0502020204030204" pitchFamily="34" charset="0"/>
+              </a:rPr>
+              <a:t>, </a:t>
+            </a:r>
+            <a:r>
+              <a:rPr lang="en-US" sz="1800" b="1" dirty="0" err="1">
+                <a:effectLst/>
+                <a:latin typeface="Calibri" panose="020F0502020204030204" pitchFamily="34" charset="0"/>
+              </a:rPr>
+              <a:t>что</a:t>
+            </a:r>
+            <a:r>
+              <a:rPr lang="en-US" sz="1800" b="1" dirty="0">
+                <a:effectLst/>
+                <a:latin typeface="Calibri" panose="020F0502020204030204" pitchFamily="34" charset="0"/>
+              </a:rPr>
+              <a:t> </a:t>
+            </a:r>
+            <a:r>
+              <a:rPr lang="en-US" sz="1800" b="1" dirty="0" err="1">
+                <a:effectLst/>
+                <a:latin typeface="Calibri" panose="020F0502020204030204" pitchFamily="34" charset="0"/>
+              </a:rPr>
+              <a:t>один</a:t>
+            </a:r>
+            <a:r>
+              <a:rPr lang="en-US" sz="1800" b="1" dirty="0">
+                <a:effectLst/>
+                <a:latin typeface="Calibri" panose="020F0502020204030204" pitchFamily="34" charset="0"/>
+              </a:rPr>
+              <a:t> </a:t>
+            </a:r>
+            <a:r>
+              <a:rPr lang="en-US" sz="1800" b="1" dirty="0" err="1">
+                <a:effectLst/>
+                <a:latin typeface="Calibri" panose="020F0502020204030204" pitchFamily="34" charset="0"/>
+              </a:rPr>
+              <a:t>шаг</a:t>
+            </a:r>
+            <a:r>
+              <a:rPr lang="en-US" sz="1800" b="1" dirty="0">
+                <a:effectLst/>
+                <a:latin typeface="Calibri" panose="020F0502020204030204" pitchFamily="34" charset="0"/>
+              </a:rPr>
+              <a:t> </a:t>
+            </a:r>
+            <a:r>
+              <a:rPr lang="en-US" sz="1800" b="1" dirty="0" err="1">
+                <a:effectLst/>
+                <a:latin typeface="Calibri" panose="020F0502020204030204" pitchFamily="34" charset="0"/>
+              </a:rPr>
+              <a:t>вперед</a:t>
+            </a:r>
+            <a:r>
+              <a:rPr lang="en-US" sz="1800" b="1" dirty="0">
+                <a:effectLst/>
+                <a:latin typeface="Calibri" panose="020F0502020204030204" pitchFamily="34" charset="0"/>
+              </a:rPr>
+              <a:t> </a:t>
+            </a:r>
+            <a:r>
+              <a:rPr lang="en-US" sz="1800" b="1" dirty="0" err="1">
+                <a:effectLst/>
+                <a:latin typeface="Calibri" panose="020F0502020204030204" pitchFamily="34" charset="0"/>
+              </a:rPr>
+              <a:t>разрешает</a:t>
+            </a:r>
+            <a:r>
+              <a:rPr lang="en-US" sz="1800" b="1" dirty="0">
+                <a:effectLst/>
+                <a:latin typeface="Calibri" panose="020F0502020204030204" pitchFamily="34" charset="0"/>
+              </a:rPr>
+              <a:t> </a:t>
+            </a:r>
+            <a:r>
+              <a:rPr lang="en-US" sz="1800" b="1" dirty="0" err="1">
+                <a:effectLst/>
+                <a:latin typeface="Calibri" panose="020F0502020204030204" pitchFamily="34" charset="0"/>
+              </a:rPr>
+              <a:t>два</a:t>
+            </a:r>
+            <a:r>
+              <a:rPr lang="en-US" sz="1800" b="1" dirty="0">
+                <a:effectLst/>
+                <a:latin typeface="Calibri" panose="020F0502020204030204" pitchFamily="34" charset="0"/>
+              </a:rPr>
+              <a:t> </a:t>
+            </a:r>
+            <a:r>
+              <a:rPr lang="en-US" sz="1800" b="1" dirty="0" err="1">
+                <a:effectLst/>
+                <a:latin typeface="Calibri" panose="020F0502020204030204" pitchFamily="34" charset="0"/>
+              </a:rPr>
+              <a:t>шага</a:t>
+            </a:r>
+            <a:r>
+              <a:rPr lang="en-US" sz="1800" b="1" dirty="0">
+                <a:effectLst/>
+                <a:latin typeface="Calibri" panose="020F0502020204030204" pitchFamily="34" charset="0"/>
+              </a:rPr>
+              <a:t> </a:t>
+            </a:r>
+            <a:r>
+              <a:rPr lang="en-US" sz="1800" b="1" dirty="0" err="1">
+                <a:effectLst/>
+                <a:latin typeface="Calibri" panose="020F0502020204030204" pitchFamily="34" charset="0"/>
+              </a:rPr>
+              <a:t>наза</a:t>
+            </a:r>
+            <a:r>
+              <a:rPr lang="ru-RU" sz="1800" b="1" dirty="0">
+                <a:effectLst/>
+                <a:latin typeface="Calibri" panose="020F0502020204030204" pitchFamily="34" charset="0"/>
+              </a:rPr>
+              <a:t>д</a:t>
+            </a:r>
+            <a:r>
+              <a:rPr lang="en-US" sz="1800" b="1" dirty="0">
+                <a:effectLst/>
+                <a:latin typeface="Calibri" panose="020F0502020204030204" pitchFamily="34" charset="0"/>
+              </a:rPr>
+              <a:t>.</a:t>
+            </a:r>
+            <a:endParaRPr lang="ru-RU" sz="1800" b="1" dirty="0">
+              <a:effectLst/>
+              <a:latin typeface="Calibri" panose="020F0502020204030204" pitchFamily="34" charset="0"/>
+            </a:endParaRPr>
+          </a:p>
+          <a:p>
+            <a:endParaRPr lang="ru-RU" dirty="0"/>
+          </a:p>
+          <a:p>
+            <a:r>
+              <a:rPr lang="en-US" sz="1800" dirty="0" err="1">
+                <a:effectLst/>
+                <a:latin typeface="Calibri" panose="020F0502020204030204" pitchFamily="34" charset="0"/>
+              </a:rPr>
+              <a:t>Мы</a:t>
+            </a:r>
+            <a:r>
+              <a:rPr lang="en-US" sz="1800" dirty="0">
+                <a:effectLst/>
+                <a:latin typeface="Calibri" panose="020F0502020204030204" pitchFamily="34" charset="0"/>
+              </a:rPr>
+              <a:t> </a:t>
+            </a:r>
+            <a:r>
+              <a:rPr lang="en-US" sz="1800" dirty="0" err="1">
+                <a:effectLst/>
+                <a:latin typeface="Calibri" panose="020F0502020204030204" pitchFamily="34" charset="0"/>
+              </a:rPr>
+              <a:t>ошибочно</a:t>
+            </a:r>
+            <a:r>
+              <a:rPr lang="en-US" sz="1800" dirty="0">
+                <a:effectLst/>
+                <a:latin typeface="Calibri" panose="020F0502020204030204" pitchFamily="34" charset="0"/>
+              </a:rPr>
+              <a:t>, </a:t>
+            </a:r>
+            <a:r>
+              <a:rPr lang="en-US" sz="1800" dirty="0" err="1">
+                <a:effectLst/>
+                <a:latin typeface="Calibri" panose="020F0502020204030204" pitchFamily="34" charset="0"/>
+              </a:rPr>
+              <a:t>но</a:t>
+            </a:r>
+            <a:r>
+              <a:rPr lang="en-US" sz="1800" dirty="0">
+                <a:effectLst/>
+                <a:latin typeface="Calibri" panose="020F0502020204030204" pitchFamily="34" charset="0"/>
+              </a:rPr>
+              <a:t> </a:t>
+            </a:r>
+            <a:r>
+              <a:rPr lang="en-US" sz="1800" dirty="0" err="1">
+                <a:effectLst/>
+                <a:latin typeface="Calibri" panose="020F0502020204030204" pitchFamily="34" charset="0"/>
+              </a:rPr>
+              <a:t>упрямо</a:t>
+            </a:r>
+            <a:r>
+              <a:rPr lang="en-US" sz="1800" dirty="0">
+                <a:effectLst/>
+                <a:latin typeface="Calibri" panose="020F0502020204030204" pitchFamily="34" charset="0"/>
+              </a:rPr>
+              <a:t> </a:t>
+            </a:r>
+            <a:r>
+              <a:rPr lang="en-US" sz="1800" dirty="0" err="1">
+                <a:effectLst/>
+                <a:latin typeface="Calibri" panose="020F0502020204030204" pitchFamily="34" charset="0"/>
+              </a:rPr>
+              <a:t>верим</a:t>
+            </a:r>
+            <a:r>
+              <a:rPr lang="en-US" sz="1800" dirty="0">
+                <a:effectLst/>
+                <a:latin typeface="Calibri" panose="020F0502020204030204" pitchFamily="34" charset="0"/>
+              </a:rPr>
+              <a:t>, </a:t>
+            </a:r>
+            <a:r>
+              <a:rPr lang="en-US" sz="1800" dirty="0" err="1">
+                <a:effectLst/>
+                <a:latin typeface="Calibri" panose="020F0502020204030204" pitchFamily="34" charset="0"/>
+              </a:rPr>
+              <a:t>что</a:t>
+            </a:r>
+            <a:r>
+              <a:rPr lang="en-US" sz="1800" dirty="0">
+                <a:effectLst/>
+                <a:latin typeface="Calibri" panose="020F0502020204030204" pitchFamily="34" charset="0"/>
+              </a:rPr>
+              <a:t> </a:t>
+            </a:r>
+            <a:r>
+              <a:rPr lang="en-US" sz="1800" dirty="0" err="1">
+                <a:effectLst/>
+                <a:latin typeface="Calibri" panose="020F0502020204030204" pitchFamily="34" charset="0"/>
+              </a:rPr>
+              <a:t>завтра</a:t>
+            </a:r>
+            <a:r>
+              <a:rPr lang="en-US" sz="1800" dirty="0">
+                <a:effectLst/>
+                <a:latin typeface="Calibri" panose="020F0502020204030204" pitchFamily="34" charset="0"/>
+              </a:rPr>
+              <a:t> </a:t>
+            </a:r>
+            <a:r>
+              <a:rPr lang="en-US" sz="1800" dirty="0" err="1">
+                <a:effectLst/>
+                <a:latin typeface="Calibri" panose="020F0502020204030204" pitchFamily="34" charset="0"/>
+              </a:rPr>
+              <a:t>поступим</a:t>
+            </a:r>
+            <a:r>
+              <a:rPr lang="en-US" sz="1800" dirty="0">
+                <a:effectLst/>
+                <a:latin typeface="Calibri" panose="020F0502020204030204" pitchFamily="34" charset="0"/>
+              </a:rPr>
+              <a:t> </a:t>
+            </a:r>
+            <a:r>
+              <a:rPr lang="en-US" sz="1800" dirty="0" err="1">
+                <a:effectLst/>
+                <a:latin typeface="Calibri" panose="020F0502020204030204" pitchFamily="34" charset="0"/>
+              </a:rPr>
+              <a:t>не</a:t>
+            </a:r>
+            <a:r>
+              <a:rPr lang="en-US" sz="1800" dirty="0">
+                <a:effectLst/>
+                <a:latin typeface="Calibri" panose="020F0502020204030204" pitchFamily="34" charset="0"/>
+              </a:rPr>
+              <a:t> </a:t>
+            </a:r>
+            <a:r>
+              <a:rPr lang="en-US" sz="1800" dirty="0" err="1">
+                <a:effectLst/>
+                <a:latin typeface="Calibri" panose="020F0502020204030204" pitchFamily="34" charset="0"/>
+              </a:rPr>
+              <a:t>так</a:t>
+            </a:r>
+            <a:r>
+              <a:rPr lang="en-US" sz="1800" dirty="0">
+                <a:effectLst/>
+                <a:latin typeface="Calibri" panose="020F0502020204030204" pitchFamily="34" charset="0"/>
+              </a:rPr>
+              <a:t>, </a:t>
+            </a:r>
+            <a:r>
+              <a:rPr lang="en-US" sz="1800" dirty="0" err="1">
+                <a:effectLst/>
+                <a:latin typeface="Calibri" panose="020F0502020204030204" pitchFamily="34" charset="0"/>
+              </a:rPr>
+              <a:t>как</a:t>
+            </a:r>
+            <a:r>
+              <a:rPr lang="en-US" sz="1800" dirty="0">
+                <a:effectLst/>
+                <a:latin typeface="Calibri" panose="020F0502020204030204" pitchFamily="34" charset="0"/>
+              </a:rPr>
+              <a:t> </a:t>
+            </a:r>
+            <a:r>
+              <a:rPr lang="en-US" sz="1800" dirty="0" err="1">
+                <a:effectLst/>
+                <a:latin typeface="Calibri" panose="020F0502020204030204" pitchFamily="34" charset="0"/>
+              </a:rPr>
+              <a:t>сегодня</a:t>
+            </a:r>
+            <a:r>
+              <a:rPr lang="en-US" sz="1800" dirty="0">
+                <a:effectLst/>
+                <a:latin typeface="Calibri" panose="020F0502020204030204" pitchFamily="34" charset="0"/>
+              </a:rPr>
+              <a:t>. Я </a:t>
+            </a:r>
+            <a:r>
+              <a:rPr lang="en-US" sz="1800" dirty="0" err="1">
+                <a:effectLst/>
+                <a:latin typeface="Calibri" panose="020F0502020204030204" pitchFamily="34" charset="0"/>
+              </a:rPr>
+              <a:t>выкурю</a:t>
+            </a:r>
+            <a:r>
+              <a:rPr lang="en-US" sz="1800" dirty="0">
+                <a:effectLst/>
+                <a:latin typeface="Calibri" panose="020F0502020204030204" pitchFamily="34" charset="0"/>
+              </a:rPr>
+              <a:t> </a:t>
+            </a:r>
+            <a:r>
+              <a:rPr lang="en-US" sz="1800" dirty="0" err="1">
+                <a:effectLst/>
+                <a:latin typeface="Calibri" panose="020F0502020204030204" pitchFamily="34" charset="0"/>
+              </a:rPr>
+              <a:t>эту</a:t>
+            </a:r>
+            <a:r>
+              <a:rPr lang="en-US" sz="1800" dirty="0">
+                <a:effectLst/>
+                <a:latin typeface="Calibri" panose="020F0502020204030204" pitchFamily="34" charset="0"/>
+              </a:rPr>
+              <a:t> </a:t>
+            </a:r>
+            <a:r>
+              <a:rPr lang="en-US" sz="1800" dirty="0" err="1">
+                <a:effectLst/>
+                <a:latin typeface="Calibri" panose="020F0502020204030204" pitchFamily="34" charset="0"/>
+              </a:rPr>
+              <a:t>сигарету</a:t>
+            </a:r>
+            <a:r>
+              <a:rPr lang="en-US" sz="1800" dirty="0">
+                <a:effectLst/>
+                <a:latin typeface="Calibri" panose="020F0502020204030204" pitchFamily="34" charset="0"/>
+              </a:rPr>
+              <a:t>, </a:t>
+            </a:r>
+            <a:r>
+              <a:rPr lang="en-US" sz="1800" dirty="0" err="1">
+                <a:effectLst/>
+                <a:latin typeface="Calibri" panose="020F0502020204030204" pitchFamily="34" charset="0"/>
+              </a:rPr>
+              <a:t>но</a:t>
+            </a:r>
+            <a:r>
+              <a:rPr lang="en-US" sz="1800" dirty="0">
+                <a:effectLst/>
+                <a:latin typeface="Calibri" panose="020F0502020204030204" pitchFamily="34" charset="0"/>
+              </a:rPr>
+              <a:t> </a:t>
+            </a:r>
+            <a:r>
+              <a:rPr lang="en-US" sz="1800" dirty="0" err="1">
+                <a:effectLst/>
+                <a:latin typeface="Calibri" panose="020F0502020204030204" pitchFamily="34" charset="0"/>
+              </a:rPr>
+              <a:t>завтра</a:t>
+            </a:r>
+            <a:r>
+              <a:rPr lang="en-US" sz="1800" dirty="0">
+                <a:effectLst/>
+                <a:latin typeface="Calibri" panose="020F0502020204030204" pitchFamily="34" charset="0"/>
+              </a:rPr>
+              <a:t> я </a:t>
+            </a:r>
+            <a:r>
+              <a:rPr lang="en-US" sz="1800" dirty="0" err="1">
+                <a:effectLst/>
+                <a:latin typeface="Calibri" panose="020F0502020204030204" pitchFamily="34" charset="0"/>
+              </a:rPr>
+              <a:t>завяжу</a:t>
+            </a:r>
+            <a:r>
+              <a:rPr lang="en-US" sz="1800" dirty="0">
+                <a:effectLst/>
+                <a:latin typeface="Calibri" panose="020F0502020204030204" pitchFamily="34" charset="0"/>
+              </a:rPr>
+              <a:t>. </a:t>
+            </a:r>
+            <a:r>
+              <a:rPr lang="en-US" sz="1800" dirty="0" err="1">
+                <a:effectLst/>
+                <a:latin typeface="Calibri" panose="020F0502020204030204" pitchFamily="34" charset="0"/>
+              </a:rPr>
+              <a:t>Сегодня</a:t>
+            </a:r>
+            <a:r>
+              <a:rPr lang="en-US" sz="1800" dirty="0">
+                <a:effectLst/>
+                <a:latin typeface="Calibri" panose="020F0502020204030204" pitchFamily="34" charset="0"/>
+              </a:rPr>
+              <a:t> я </a:t>
+            </a:r>
+            <a:r>
+              <a:rPr lang="en-US" sz="1800" dirty="0" err="1">
+                <a:effectLst/>
+                <a:latin typeface="Calibri" panose="020F0502020204030204" pitchFamily="34" charset="0"/>
+              </a:rPr>
+              <a:t>пропущу</a:t>
+            </a:r>
+            <a:r>
+              <a:rPr lang="en-US" sz="1800" dirty="0">
+                <a:effectLst/>
+                <a:latin typeface="Calibri" panose="020F0502020204030204" pitchFamily="34" charset="0"/>
+              </a:rPr>
+              <a:t> </a:t>
+            </a:r>
+            <a:r>
+              <a:rPr lang="en-US" sz="1800" dirty="0" err="1">
+                <a:effectLst/>
+                <a:latin typeface="Calibri" panose="020F0502020204030204" pitchFamily="34" charset="0"/>
+              </a:rPr>
+              <a:t>спортзал</a:t>
+            </a:r>
+            <a:r>
+              <a:rPr lang="en-US" sz="1800" dirty="0">
+                <a:effectLst/>
+                <a:latin typeface="Calibri" panose="020F0502020204030204" pitchFamily="34" charset="0"/>
+              </a:rPr>
+              <a:t>, </a:t>
+            </a:r>
+            <a:r>
+              <a:rPr lang="en-US" sz="1800" dirty="0" err="1">
+                <a:effectLst/>
+                <a:latin typeface="Calibri" panose="020F0502020204030204" pitchFamily="34" charset="0"/>
+              </a:rPr>
+              <a:t>но</a:t>
+            </a:r>
+            <a:r>
+              <a:rPr lang="en-US" sz="1800" dirty="0">
+                <a:effectLst/>
+                <a:latin typeface="Calibri" panose="020F0502020204030204" pitchFamily="34" charset="0"/>
+              </a:rPr>
+              <a:t> </a:t>
+            </a:r>
+            <a:r>
+              <a:rPr lang="en-US" sz="1800" dirty="0" err="1">
+                <a:effectLst/>
+                <a:latin typeface="Calibri" panose="020F0502020204030204" pitchFamily="34" charset="0"/>
+              </a:rPr>
+              <a:t>точно</a:t>
+            </a:r>
+            <a:r>
+              <a:rPr lang="en-US" sz="1800" dirty="0">
+                <a:effectLst/>
+                <a:latin typeface="Calibri" panose="020F0502020204030204" pitchFamily="34" charset="0"/>
+              </a:rPr>
+              <a:t> </a:t>
+            </a:r>
+            <a:r>
+              <a:rPr lang="en-US" sz="1800" dirty="0" err="1">
+                <a:effectLst/>
+                <a:latin typeface="Calibri" panose="020F0502020204030204" pitchFamily="34" charset="0"/>
+              </a:rPr>
+              <a:t>пойду</a:t>
+            </a:r>
+            <a:r>
+              <a:rPr lang="en-US" sz="1800" dirty="0">
+                <a:effectLst/>
+                <a:latin typeface="Calibri" panose="020F0502020204030204" pitchFamily="34" charset="0"/>
+              </a:rPr>
+              <a:t> </a:t>
+            </a:r>
+            <a:r>
+              <a:rPr lang="en-US" sz="1800" dirty="0" err="1">
+                <a:effectLst/>
+                <a:latin typeface="Calibri" panose="020F0502020204030204" pitchFamily="34" charset="0"/>
+              </a:rPr>
+              <a:t>завтра</a:t>
+            </a:r>
+            <a:r>
+              <a:rPr lang="en-US" sz="1800" dirty="0">
+                <a:effectLst/>
+                <a:latin typeface="Calibri" panose="020F0502020204030204" pitchFamily="34" charset="0"/>
+              </a:rPr>
+              <a:t>.</a:t>
+            </a:r>
+            <a:endParaRPr lang="ru-RU" sz="1800" dirty="0">
+              <a:effectLst/>
+              <a:latin typeface="Calibri" panose="020F0502020204030204" pitchFamily="34" charset="0"/>
+            </a:endParaRPr>
+          </a:p>
+          <a:p>
+            <a:endParaRPr lang="ru-RU" sz="1800" dirty="0">
+              <a:effectLst/>
+              <a:latin typeface="Calibri" panose="020F0502020204030204" pitchFamily="34" charset="0"/>
+            </a:endParaRPr>
+          </a:p>
+          <a:p>
+            <a:r>
+              <a:rPr lang="en-US" sz="1800" b="1" dirty="0" err="1">
+                <a:effectLst/>
+                <a:latin typeface="Calibri" panose="020F0502020204030204" pitchFamily="34" charset="0"/>
+              </a:rPr>
+              <a:t>Люди</a:t>
+            </a:r>
+            <a:r>
+              <a:rPr lang="en-US" sz="1800" b="1" dirty="0">
+                <a:effectLst/>
+                <a:latin typeface="Calibri" panose="020F0502020204030204" pitchFamily="34" charset="0"/>
+              </a:rPr>
+              <a:t> </a:t>
+            </a:r>
+            <a:r>
+              <a:rPr lang="en-US" sz="1800" b="1" dirty="0" err="1">
+                <a:effectLst/>
+                <a:latin typeface="Calibri" panose="020F0502020204030204" pitchFamily="34" charset="0"/>
+              </a:rPr>
+              <a:t>делали</a:t>
+            </a:r>
+            <a:r>
+              <a:rPr lang="en-US" sz="1800" b="1" dirty="0">
+                <a:effectLst/>
+                <a:latin typeface="Calibri" panose="020F0502020204030204" pitchFamily="34" charset="0"/>
+              </a:rPr>
+              <a:t> </a:t>
+            </a:r>
+            <a:r>
+              <a:rPr lang="en-US" sz="1800" b="1" dirty="0" err="1">
+                <a:effectLst/>
+                <a:latin typeface="Calibri" panose="020F0502020204030204" pitchFamily="34" charset="0"/>
+              </a:rPr>
+              <a:t>прогнозы</a:t>
+            </a:r>
+            <a:r>
+              <a:rPr lang="en-US" sz="1800" b="1" dirty="0">
+                <a:effectLst/>
+                <a:latin typeface="Calibri" panose="020F0502020204030204" pitchFamily="34" charset="0"/>
+              </a:rPr>
+              <a:t> </a:t>
+            </a:r>
+            <a:r>
+              <a:rPr lang="en-US" sz="1800" b="1" dirty="0" err="1">
+                <a:effectLst/>
+                <a:latin typeface="Calibri" panose="020F0502020204030204" pitchFamily="34" charset="0"/>
+              </a:rPr>
+              <a:t>для</a:t>
+            </a:r>
+            <a:r>
+              <a:rPr lang="en-US" sz="1800" b="1" dirty="0">
+                <a:effectLst/>
+                <a:latin typeface="Calibri" panose="020F0502020204030204" pitchFamily="34" charset="0"/>
+              </a:rPr>
+              <a:t> </a:t>
+            </a:r>
+            <a:r>
+              <a:rPr lang="en-US" sz="1800" b="1" dirty="0" err="1">
+                <a:effectLst/>
+                <a:latin typeface="Calibri" panose="020F0502020204030204" pitchFamily="34" charset="0"/>
+              </a:rPr>
+              <a:t>идеального</a:t>
+            </a:r>
+            <a:r>
+              <a:rPr lang="en-US" sz="1800" b="1" dirty="0">
+                <a:effectLst/>
+                <a:latin typeface="Calibri" panose="020F0502020204030204" pitchFamily="34" charset="0"/>
+              </a:rPr>
+              <a:t> </a:t>
+            </a:r>
+            <a:r>
+              <a:rPr lang="en-US" sz="1800" b="1" dirty="0" err="1">
+                <a:effectLst/>
+                <a:latin typeface="Calibri" panose="020F0502020204030204" pitchFamily="34" charset="0"/>
+              </a:rPr>
+              <a:t>мира</a:t>
+            </a:r>
+            <a:r>
+              <a:rPr lang="en-US" sz="1800" b="1" dirty="0">
+                <a:effectLst/>
+                <a:latin typeface="Calibri" panose="020F0502020204030204" pitchFamily="34" charset="0"/>
+              </a:rPr>
+              <a:t>, </a:t>
+            </a:r>
+            <a:r>
+              <a:rPr lang="en-US" sz="1800" b="1" dirty="0" err="1">
+                <a:effectLst/>
+                <a:latin typeface="Calibri" panose="020F0502020204030204" pitchFamily="34" charset="0"/>
+              </a:rPr>
+              <a:t>но</a:t>
+            </a:r>
+            <a:r>
+              <a:rPr lang="en-US" sz="1800" b="1" dirty="0">
+                <a:effectLst/>
+                <a:latin typeface="Calibri" panose="020F0502020204030204" pitchFamily="34" charset="0"/>
+              </a:rPr>
+              <a:t> </a:t>
+            </a:r>
+            <a:r>
+              <a:rPr lang="en-US" sz="1800" b="1" dirty="0" err="1">
+                <a:effectLst/>
+                <a:latin typeface="Calibri" panose="020F0502020204030204" pitchFamily="34" charset="0"/>
+              </a:rPr>
+              <a:t>прожили</a:t>
+            </a:r>
+            <a:r>
+              <a:rPr lang="en-US" sz="1800" b="1" dirty="0">
+                <a:effectLst/>
+                <a:latin typeface="Calibri" panose="020F0502020204030204" pitchFamily="34" charset="0"/>
+              </a:rPr>
+              <a:t> </a:t>
+            </a:r>
+            <a:r>
+              <a:rPr lang="en-US" sz="1800" b="1" dirty="0" err="1">
+                <a:effectLst/>
+                <a:latin typeface="Calibri" panose="020F0502020204030204" pitchFamily="34" charset="0"/>
+              </a:rPr>
+              <a:t>две</a:t>
+            </a:r>
+            <a:r>
+              <a:rPr lang="en-US" sz="1800" b="1" dirty="0">
+                <a:effectLst/>
+                <a:latin typeface="Calibri" panose="020F0502020204030204" pitchFamily="34" charset="0"/>
+              </a:rPr>
+              <a:t> </a:t>
+            </a:r>
+            <a:r>
+              <a:rPr lang="en-US" sz="1800" b="1" dirty="0" err="1">
+                <a:effectLst/>
+                <a:latin typeface="Calibri" panose="020F0502020204030204" pitchFamily="34" charset="0"/>
+              </a:rPr>
+              <a:t>недели</a:t>
+            </a:r>
+            <a:r>
+              <a:rPr lang="en-US" sz="1800" b="1" dirty="0">
+                <a:effectLst/>
+                <a:latin typeface="Calibri" panose="020F0502020204030204" pitchFamily="34" charset="0"/>
+              </a:rPr>
+              <a:t> в </a:t>
+            </a:r>
+            <a:r>
+              <a:rPr lang="en-US" sz="1800" b="1" dirty="0" err="1">
+                <a:effectLst/>
+                <a:latin typeface="Calibri" panose="020F0502020204030204" pitchFamily="34" charset="0"/>
+              </a:rPr>
+              <a:t>реально</a:t>
+            </a:r>
+            <a:r>
+              <a:rPr lang="ru-RU" sz="1800" b="1" dirty="0">
+                <a:effectLst/>
+                <a:latin typeface="Calibri" panose="020F0502020204030204" pitchFamily="34" charset="0"/>
+              </a:rPr>
+              <a:t>м.</a:t>
+            </a:r>
+          </a:p>
+          <a:p>
+            <a:r>
+              <a:rPr lang="en-US" sz="1800" b="0" dirty="0" err="1">
+                <a:effectLst/>
+                <a:latin typeface="Calibri" panose="020F0502020204030204" pitchFamily="34" charset="0"/>
+              </a:rPr>
+              <a:t>Вечные</a:t>
+            </a:r>
+            <a:r>
+              <a:rPr lang="en-US" sz="1800" b="0" dirty="0">
+                <a:effectLst/>
+                <a:latin typeface="Calibri" panose="020F0502020204030204" pitchFamily="34" charset="0"/>
+              </a:rPr>
+              <a:t> </a:t>
+            </a:r>
+            <a:r>
+              <a:rPr lang="en-US" sz="1800" b="0" dirty="0" err="1">
+                <a:effectLst/>
+                <a:latin typeface="Calibri" panose="020F0502020204030204" pitchFamily="34" charset="0"/>
+              </a:rPr>
+              <a:t>оптимисты</a:t>
+            </a:r>
+            <a:r>
+              <a:rPr lang="en-US" sz="1800" b="0" dirty="0">
+                <a:effectLst/>
+                <a:latin typeface="Calibri" panose="020F0502020204030204" pitchFamily="34" charset="0"/>
+              </a:rPr>
+              <a:t>, </a:t>
+            </a:r>
+            <a:r>
+              <a:rPr lang="en-US" sz="1800" b="0" dirty="0" err="1">
+                <a:effectLst/>
+                <a:latin typeface="Calibri" panose="020F0502020204030204" pitchFamily="34" charset="0"/>
+              </a:rPr>
+              <a:t>те</a:t>
+            </a:r>
+            <a:r>
+              <a:rPr lang="en-US" sz="1800" b="0" dirty="0">
+                <a:effectLst/>
+                <a:latin typeface="Calibri" panose="020F0502020204030204" pitchFamily="34" charset="0"/>
+              </a:rPr>
+              <a:t> </a:t>
+            </a:r>
+            <a:r>
+              <a:rPr lang="en-US" sz="1800" b="0" dirty="0" err="1">
+                <a:effectLst/>
+                <a:latin typeface="Calibri" panose="020F0502020204030204" pitchFamily="34" charset="0"/>
+              </a:rPr>
+              <a:t>обещали</a:t>
+            </a:r>
+            <a:r>
+              <a:rPr lang="en-US" sz="1800" b="0" dirty="0">
+                <a:effectLst/>
+                <a:latin typeface="Calibri" panose="020F0502020204030204" pitchFamily="34" charset="0"/>
+              </a:rPr>
+              <a:t> </a:t>
+            </a:r>
+            <a:r>
+              <a:rPr lang="en-US" sz="1800" b="0" dirty="0" err="1">
+                <a:effectLst/>
+                <a:latin typeface="Calibri" panose="020F0502020204030204" pitchFamily="34" charset="0"/>
+              </a:rPr>
+              <a:t>заниматься</a:t>
+            </a:r>
+            <a:r>
+              <a:rPr lang="en-US" sz="1800" b="0" dirty="0">
+                <a:effectLst/>
+                <a:latin typeface="Calibri" panose="020F0502020204030204" pitchFamily="34" charset="0"/>
+              </a:rPr>
+              <a:t> </a:t>
+            </a:r>
+            <a:r>
+              <a:rPr lang="en-US" sz="1800" b="0" dirty="0" err="1">
+                <a:effectLst/>
+                <a:latin typeface="Calibri" panose="020F0502020204030204" pitchFamily="34" charset="0"/>
+              </a:rPr>
+              <a:t>спортом</a:t>
+            </a:r>
+            <a:r>
+              <a:rPr lang="en-US" sz="1800" b="0" dirty="0">
+                <a:effectLst/>
+                <a:latin typeface="Calibri" panose="020F0502020204030204" pitchFamily="34" charset="0"/>
+              </a:rPr>
+              <a:t> </a:t>
+            </a:r>
+            <a:r>
+              <a:rPr lang="en-US" sz="1800" b="0" dirty="0" err="1">
+                <a:effectLst/>
+                <a:latin typeface="Calibri" panose="020F0502020204030204" pitchFamily="34" charset="0"/>
+              </a:rPr>
+              <a:t>даже</a:t>
+            </a:r>
+            <a:r>
+              <a:rPr lang="en-US" sz="1800" b="0" dirty="0">
+                <a:effectLst/>
+                <a:latin typeface="Calibri" panose="020F0502020204030204" pitchFamily="34" charset="0"/>
+              </a:rPr>
+              <a:t> </a:t>
+            </a:r>
+            <a:r>
+              <a:rPr lang="en-US" sz="1800" b="0" dirty="0" err="1">
+                <a:effectLst/>
+                <a:latin typeface="Calibri" panose="020F0502020204030204" pitchFamily="34" charset="0"/>
+              </a:rPr>
+              <a:t>больше</a:t>
+            </a:r>
+            <a:r>
+              <a:rPr lang="en-US" sz="1800" b="0" dirty="0">
+                <a:effectLst/>
+                <a:latin typeface="Calibri" panose="020F0502020204030204" pitchFamily="34" charset="0"/>
+              </a:rPr>
+              <a:t>, </a:t>
+            </a:r>
+            <a:r>
+              <a:rPr lang="en-US" sz="1800" b="0" dirty="0" err="1">
+                <a:effectLst/>
+                <a:latin typeface="Calibri" panose="020F0502020204030204" pitchFamily="34" charset="0"/>
+              </a:rPr>
+              <a:t>чем</a:t>
+            </a:r>
+            <a:r>
+              <a:rPr lang="en-US" sz="1800" b="0" dirty="0">
+                <a:effectLst/>
+                <a:latin typeface="Calibri" panose="020F0502020204030204" pitchFamily="34" charset="0"/>
+              </a:rPr>
+              <a:t> в </a:t>
+            </a:r>
+            <a:r>
+              <a:rPr lang="en-US" sz="1800" b="0" dirty="0" err="1">
+                <a:effectLst/>
+                <a:latin typeface="Calibri" panose="020F0502020204030204" pitchFamily="34" charset="0"/>
+              </a:rPr>
+              <a:t>первом</a:t>
+            </a:r>
+            <a:r>
+              <a:rPr lang="en-US" sz="1800" b="0" dirty="0">
+                <a:effectLst/>
+                <a:latin typeface="Calibri" panose="020F0502020204030204" pitchFamily="34" charset="0"/>
+              </a:rPr>
+              <a:t> </a:t>
+            </a:r>
+            <a:r>
+              <a:rPr lang="en-US" sz="1800" b="0" dirty="0" err="1">
+                <a:effectLst/>
+                <a:latin typeface="Calibri" panose="020F0502020204030204" pitchFamily="34" charset="0"/>
+              </a:rPr>
+              <a:t>прогнозе</a:t>
+            </a:r>
+            <a:r>
+              <a:rPr lang="en-US" sz="1800" b="0" dirty="0">
+                <a:effectLst/>
+                <a:latin typeface="Calibri" panose="020F0502020204030204" pitchFamily="34" charset="0"/>
+              </a:rPr>
+              <a:t>, и </a:t>
+            </a:r>
+            <a:r>
+              <a:rPr lang="en-US" sz="1800" b="0" dirty="0" err="1">
+                <a:effectLst/>
+                <a:latin typeface="Calibri" panose="020F0502020204030204" pitchFamily="34" charset="0"/>
+              </a:rPr>
+              <a:t>значительно</a:t>
+            </a:r>
+            <a:r>
+              <a:rPr lang="en-US" sz="1800" b="0" dirty="0">
+                <a:effectLst/>
+                <a:latin typeface="Calibri" panose="020F0502020204030204" pitchFamily="34" charset="0"/>
+              </a:rPr>
+              <a:t> </a:t>
+            </a:r>
+            <a:r>
+              <a:rPr lang="en-US" sz="1800" b="0" dirty="0" err="1">
+                <a:effectLst/>
+                <a:latin typeface="Calibri" panose="020F0502020204030204" pitchFamily="34" charset="0"/>
+              </a:rPr>
+              <a:t>больше</a:t>
+            </a:r>
+            <a:r>
+              <a:rPr lang="en-US" sz="1800" b="0" dirty="0">
+                <a:effectLst/>
+                <a:latin typeface="Calibri" panose="020F0502020204030204" pitchFamily="34" charset="0"/>
+              </a:rPr>
+              <a:t>, </a:t>
+            </a:r>
+            <a:r>
+              <a:rPr lang="en-US" sz="1800" b="0" dirty="0" err="1">
+                <a:effectLst/>
+                <a:latin typeface="Calibri" panose="020F0502020204030204" pitchFamily="34" charset="0"/>
+              </a:rPr>
+              <a:t>чем</a:t>
+            </a:r>
+            <a:r>
+              <a:rPr lang="en-US" sz="1800" b="0" dirty="0">
+                <a:effectLst/>
+                <a:latin typeface="Calibri" panose="020F0502020204030204" pitchFamily="34" charset="0"/>
+              </a:rPr>
+              <a:t> </a:t>
+            </a:r>
+            <a:r>
+              <a:rPr lang="en-US" sz="1800" b="0" dirty="0" err="1">
+                <a:effectLst/>
+                <a:latin typeface="Calibri" panose="020F0502020204030204" pitchFamily="34" charset="0"/>
+              </a:rPr>
+              <a:t>занимались</a:t>
+            </a:r>
+            <a:r>
+              <a:rPr lang="en-US" sz="1800" b="0" dirty="0">
+                <a:effectLst/>
+                <a:latin typeface="Calibri" panose="020F0502020204030204" pitchFamily="34" charset="0"/>
+              </a:rPr>
+              <a:t> в </a:t>
+            </a:r>
+            <a:r>
+              <a:rPr lang="en-US" sz="1800" b="0" dirty="0" err="1">
+                <a:effectLst/>
+                <a:latin typeface="Calibri" panose="020F0502020204030204" pitchFamily="34" charset="0"/>
+              </a:rPr>
+              <a:t>прошедшие</a:t>
+            </a:r>
+            <a:r>
+              <a:rPr lang="en-US" sz="1800" b="0" dirty="0">
+                <a:effectLst/>
+                <a:latin typeface="Calibri" panose="020F0502020204030204" pitchFamily="34" charset="0"/>
+              </a:rPr>
+              <a:t> </a:t>
+            </a:r>
+            <a:r>
+              <a:rPr lang="en-US" sz="1800" b="0" dirty="0" err="1">
+                <a:effectLst/>
+                <a:latin typeface="Calibri" panose="020F0502020204030204" pitchFamily="34" charset="0"/>
+              </a:rPr>
+              <a:t>две</a:t>
+            </a:r>
+            <a:r>
+              <a:rPr lang="en-US" sz="1800" b="0" dirty="0">
+                <a:effectLst/>
+                <a:latin typeface="Calibri" panose="020F0502020204030204" pitchFamily="34" charset="0"/>
+              </a:rPr>
+              <a:t> </a:t>
+            </a:r>
+            <a:r>
+              <a:rPr lang="en-US" sz="1800" b="0" dirty="0" err="1">
+                <a:effectLst/>
+                <a:latin typeface="Calibri" panose="020F0502020204030204" pitchFamily="34" charset="0"/>
+              </a:rPr>
+              <a:t>недел</a:t>
+            </a:r>
+            <a:r>
+              <a:rPr lang="ru-RU" sz="1800" b="0" dirty="0">
+                <a:effectLst/>
+                <a:latin typeface="Calibri" panose="020F0502020204030204" pitchFamily="34" charset="0"/>
+              </a:rPr>
+              <a:t>и</a:t>
+            </a:r>
+            <a:r>
+              <a:rPr lang="en-US" sz="1800" b="0" dirty="0">
+                <a:effectLst/>
+                <a:latin typeface="Calibri" panose="020F0502020204030204" pitchFamily="34" charset="0"/>
+              </a:rPr>
+              <a:t>.</a:t>
+            </a:r>
+            <a:endParaRPr lang="ru-RU" sz="1800" b="0" dirty="0">
+              <a:effectLst/>
+              <a:latin typeface="Calibri" panose="020F0502020204030204" pitchFamily="34" charset="0"/>
+            </a:endParaRPr>
+          </a:p>
+          <a:p>
+            <a:r>
+              <a:rPr lang="en-US" sz="1800" b="0" dirty="0" err="1">
+                <a:effectLst/>
+                <a:latin typeface="Calibri" panose="020F0502020204030204" pitchFamily="34" charset="0"/>
+              </a:rPr>
+              <a:t>Вместо</a:t>
+            </a:r>
+            <a:r>
+              <a:rPr lang="en-US" sz="1800" b="0" dirty="0">
+                <a:effectLst/>
+                <a:latin typeface="Calibri" panose="020F0502020204030204" pitchFamily="34" charset="0"/>
+              </a:rPr>
+              <a:t> </a:t>
+            </a:r>
+            <a:r>
+              <a:rPr lang="en-US" sz="1800" b="0" dirty="0" err="1">
+                <a:effectLst/>
+                <a:latin typeface="Calibri" panose="020F0502020204030204" pitchFamily="34" charset="0"/>
+              </a:rPr>
+              <a:t>того</a:t>
+            </a:r>
+            <a:r>
+              <a:rPr lang="en-US" sz="1800" b="0" dirty="0">
+                <a:effectLst/>
+                <a:latin typeface="Calibri" panose="020F0502020204030204" pitchFamily="34" charset="0"/>
+              </a:rPr>
+              <a:t> </a:t>
+            </a:r>
+            <a:r>
+              <a:rPr lang="en-US" sz="1800" b="0" dirty="0" err="1">
+                <a:effectLst/>
+                <a:latin typeface="Calibri" panose="020F0502020204030204" pitchFamily="34" charset="0"/>
+              </a:rPr>
+              <a:t>чтобы</a:t>
+            </a:r>
+            <a:r>
+              <a:rPr lang="en-US" sz="1800" b="0" dirty="0">
+                <a:effectLst/>
+                <a:latin typeface="Calibri" panose="020F0502020204030204" pitchFamily="34" charset="0"/>
+              </a:rPr>
+              <a:t> </a:t>
+            </a:r>
+            <a:r>
+              <a:rPr lang="en-US" sz="1800" b="0" dirty="0" err="1">
+                <a:effectLst/>
+                <a:latin typeface="Calibri" panose="020F0502020204030204" pitchFamily="34" charset="0"/>
+              </a:rPr>
+              <a:t>рассматривать</a:t>
+            </a:r>
+            <a:r>
+              <a:rPr lang="en-US" sz="1800" b="0" dirty="0">
+                <a:effectLst/>
+                <a:latin typeface="Calibri" panose="020F0502020204030204" pitchFamily="34" charset="0"/>
+              </a:rPr>
+              <a:t> </a:t>
+            </a:r>
+            <a:r>
+              <a:rPr lang="en-US" sz="1800" b="0" dirty="0" err="1">
+                <a:effectLst/>
+                <a:latin typeface="Calibri" panose="020F0502020204030204" pitchFamily="34" charset="0"/>
+              </a:rPr>
+              <a:t>прошлые</a:t>
+            </a:r>
+            <a:r>
+              <a:rPr lang="en-US" sz="1800" b="0" dirty="0">
+                <a:effectLst/>
+                <a:latin typeface="Calibri" panose="020F0502020204030204" pitchFamily="34" charset="0"/>
+              </a:rPr>
+              <a:t> </a:t>
+            </a:r>
+            <a:r>
+              <a:rPr lang="en-US" sz="1800" b="0" dirty="0" err="1">
+                <a:effectLst/>
+                <a:latin typeface="Calibri" panose="020F0502020204030204" pitchFamily="34" charset="0"/>
+              </a:rPr>
+              <a:t>две</a:t>
+            </a:r>
+            <a:r>
+              <a:rPr lang="en-US" sz="1800" b="0" dirty="0">
+                <a:effectLst/>
+                <a:latin typeface="Calibri" panose="020F0502020204030204" pitchFamily="34" charset="0"/>
+              </a:rPr>
+              <a:t> </a:t>
+            </a:r>
+            <a:r>
+              <a:rPr lang="en-US" sz="1800" b="0" dirty="0" err="1">
+                <a:effectLst/>
+                <a:latin typeface="Calibri" panose="020F0502020204030204" pitchFamily="34" charset="0"/>
+              </a:rPr>
+              <a:t>недели</a:t>
+            </a:r>
+            <a:r>
+              <a:rPr lang="en-US" sz="1800" b="0" dirty="0">
+                <a:effectLst/>
+                <a:latin typeface="Calibri" panose="020F0502020204030204" pitchFamily="34" charset="0"/>
+              </a:rPr>
+              <a:t> </a:t>
+            </a:r>
+            <a:r>
+              <a:rPr lang="en-US" sz="1800" b="0" dirty="0" err="1">
+                <a:effectLst/>
+                <a:latin typeface="Calibri" panose="020F0502020204030204" pitchFamily="34" charset="0"/>
+              </a:rPr>
+              <a:t>как</a:t>
+            </a:r>
+            <a:r>
+              <a:rPr lang="en-US" sz="1800" b="0" dirty="0">
+                <a:effectLst/>
+                <a:latin typeface="Calibri" panose="020F0502020204030204" pitchFamily="34" charset="0"/>
+              </a:rPr>
+              <a:t> </a:t>
+            </a:r>
+            <a:r>
+              <a:rPr lang="en-US" sz="1800" b="0" dirty="0" err="1">
+                <a:effectLst/>
+                <a:latin typeface="Calibri" panose="020F0502020204030204" pitchFamily="34" charset="0"/>
+              </a:rPr>
+              <a:t>данность</a:t>
+            </a:r>
+            <a:r>
+              <a:rPr lang="en-US" sz="1800" b="0" dirty="0">
+                <a:effectLst/>
+                <a:latin typeface="Calibri" panose="020F0502020204030204" pitchFamily="34" charset="0"/>
+              </a:rPr>
+              <a:t>, а </a:t>
+            </a:r>
+            <a:r>
+              <a:rPr lang="en-US" sz="1800" b="0" dirty="0" err="1">
+                <a:effectLst/>
+                <a:latin typeface="Calibri" panose="020F0502020204030204" pitchFamily="34" charset="0"/>
+              </a:rPr>
+              <a:t>изначальные</a:t>
+            </a:r>
+            <a:r>
+              <a:rPr lang="en-US" sz="1800" b="0" dirty="0">
+                <a:effectLst/>
+                <a:latin typeface="Calibri" panose="020F0502020204030204" pitchFamily="34" charset="0"/>
+              </a:rPr>
+              <a:t> </a:t>
+            </a:r>
+            <a:r>
+              <a:rPr lang="en-US" sz="1800" b="0" dirty="0" err="1">
+                <a:effectLst/>
+                <a:latin typeface="Calibri" panose="020F0502020204030204" pitchFamily="34" charset="0"/>
+              </a:rPr>
+              <a:t>оценки</a:t>
+            </a:r>
+            <a:r>
+              <a:rPr lang="en-US" sz="1800" b="0" dirty="0">
+                <a:effectLst/>
+                <a:latin typeface="Calibri" panose="020F0502020204030204" pitchFamily="34" charset="0"/>
+              </a:rPr>
+              <a:t> — </a:t>
+            </a:r>
+            <a:r>
+              <a:rPr lang="en-US" sz="1800" b="0" dirty="0" err="1">
+                <a:effectLst/>
+                <a:latin typeface="Calibri" panose="020F0502020204030204" pitchFamily="34" charset="0"/>
+              </a:rPr>
+              <a:t>как</a:t>
+            </a:r>
+            <a:r>
+              <a:rPr lang="en-US" sz="1800" b="0" dirty="0">
+                <a:effectLst/>
+                <a:latin typeface="Calibri" panose="020F0502020204030204" pitchFamily="34" charset="0"/>
+              </a:rPr>
+              <a:t> </a:t>
+            </a:r>
+            <a:r>
+              <a:rPr lang="en-US" sz="1800" b="0" dirty="0" err="1">
+                <a:effectLst/>
+                <a:latin typeface="Calibri" panose="020F0502020204030204" pitchFamily="34" charset="0"/>
+              </a:rPr>
+              <a:t>далекий</a:t>
+            </a:r>
+            <a:r>
+              <a:rPr lang="en-US" sz="1800" b="0" dirty="0">
+                <a:effectLst/>
+                <a:latin typeface="Calibri" panose="020F0502020204030204" pitchFamily="34" charset="0"/>
+              </a:rPr>
+              <a:t> </a:t>
+            </a:r>
+            <a:r>
+              <a:rPr lang="en-US" sz="1800" b="0" dirty="0" err="1">
+                <a:effectLst/>
+                <a:latin typeface="Calibri" panose="020F0502020204030204" pitchFamily="34" charset="0"/>
+              </a:rPr>
+              <a:t>от</a:t>
+            </a:r>
+            <a:r>
+              <a:rPr lang="en-US" sz="1800" b="0" dirty="0">
+                <a:effectLst/>
+                <a:latin typeface="Calibri" panose="020F0502020204030204" pitchFamily="34" charset="0"/>
+              </a:rPr>
+              <a:t> </a:t>
+            </a:r>
+            <a:r>
+              <a:rPr lang="en-US" sz="1800" b="0" dirty="0" err="1">
+                <a:effectLst/>
+                <a:latin typeface="Calibri" panose="020F0502020204030204" pitchFamily="34" charset="0"/>
+              </a:rPr>
+              <a:t>реальности</a:t>
+            </a:r>
+            <a:r>
+              <a:rPr lang="en-US" sz="1800" b="0" dirty="0">
+                <a:effectLst/>
+                <a:latin typeface="Calibri" panose="020F0502020204030204" pitchFamily="34" charset="0"/>
+              </a:rPr>
+              <a:t> </a:t>
+            </a:r>
+            <a:r>
+              <a:rPr lang="en-US" sz="1800" b="0" dirty="0" err="1">
+                <a:effectLst/>
+                <a:latin typeface="Calibri" panose="020F0502020204030204" pitchFamily="34" charset="0"/>
+              </a:rPr>
+              <a:t>идеал</a:t>
+            </a:r>
+            <a:r>
+              <a:rPr lang="en-US" sz="1800" b="0" dirty="0">
+                <a:effectLst/>
+                <a:latin typeface="Calibri" panose="020F0502020204030204" pitchFamily="34" charset="0"/>
+              </a:rPr>
+              <a:t>, </a:t>
+            </a:r>
+            <a:r>
+              <a:rPr lang="en-US" sz="1800" b="0" dirty="0" err="1">
+                <a:effectLst/>
+                <a:latin typeface="Calibri" panose="020F0502020204030204" pitchFamily="34" charset="0"/>
+              </a:rPr>
+              <a:t>они</a:t>
+            </a:r>
+            <a:r>
+              <a:rPr lang="en-US" sz="1800" b="0" dirty="0">
+                <a:effectLst/>
+                <a:latin typeface="Calibri" panose="020F0502020204030204" pitchFamily="34" charset="0"/>
+              </a:rPr>
+              <a:t> </a:t>
+            </a:r>
+            <a:r>
+              <a:rPr lang="en-US" sz="1800" b="0" dirty="0" err="1">
+                <a:effectLst/>
+                <a:latin typeface="Calibri" panose="020F0502020204030204" pitchFamily="34" charset="0"/>
+              </a:rPr>
+              <a:t>считали</a:t>
+            </a:r>
+            <a:r>
+              <a:rPr lang="en-US" sz="1800" b="0" dirty="0">
+                <a:effectLst/>
+                <a:latin typeface="Calibri" panose="020F0502020204030204" pitchFamily="34" charset="0"/>
+              </a:rPr>
+              <a:t> </a:t>
+            </a:r>
+            <a:r>
+              <a:rPr lang="en-US" sz="1800" b="0" dirty="0" err="1">
+                <a:effectLst/>
+                <a:latin typeface="Calibri" panose="020F0502020204030204" pitchFamily="34" charset="0"/>
+              </a:rPr>
+              <a:t>прошлые</a:t>
+            </a:r>
+            <a:r>
+              <a:rPr lang="en-US" sz="1800" b="0" dirty="0">
+                <a:effectLst/>
+                <a:latin typeface="Calibri" panose="020F0502020204030204" pitchFamily="34" charset="0"/>
+              </a:rPr>
+              <a:t> </a:t>
+            </a:r>
+            <a:r>
+              <a:rPr lang="en-US" sz="1800" b="0" dirty="0" err="1">
+                <a:effectLst/>
+                <a:latin typeface="Calibri" panose="020F0502020204030204" pitchFamily="34" charset="0"/>
+              </a:rPr>
+              <a:t>две</a:t>
+            </a:r>
+            <a:r>
+              <a:rPr lang="en-US" sz="1800" b="0" dirty="0">
+                <a:effectLst/>
+                <a:latin typeface="Calibri" panose="020F0502020204030204" pitchFamily="34" charset="0"/>
+              </a:rPr>
+              <a:t> </a:t>
+            </a:r>
+            <a:r>
+              <a:rPr lang="en-US" sz="1800" b="0" dirty="0" err="1">
+                <a:effectLst/>
+                <a:latin typeface="Calibri" panose="020F0502020204030204" pitchFamily="34" charset="0"/>
+              </a:rPr>
+              <a:t>недели</a:t>
+            </a:r>
+            <a:r>
+              <a:rPr lang="en-US" sz="1800" b="0" dirty="0">
+                <a:effectLst/>
+                <a:latin typeface="Calibri" panose="020F0502020204030204" pitchFamily="34" charset="0"/>
+              </a:rPr>
+              <a:t> </a:t>
+            </a:r>
+            <a:r>
+              <a:rPr lang="en-US" sz="1800" b="0" dirty="0" err="1">
+                <a:effectLst/>
+                <a:latin typeface="Calibri" panose="020F0502020204030204" pitchFamily="34" charset="0"/>
+              </a:rPr>
+              <a:t>аномалие</a:t>
+            </a:r>
+            <a:r>
+              <a:rPr lang="ru-RU" sz="1800" b="0" dirty="0">
+                <a:effectLst/>
+                <a:latin typeface="Calibri" panose="020F0502020204030204" pitchFamily="34" charset="0"/>
+              </a:rPr>
+              <a:t>й</a:t>
+            </a:r>
+            <a:r>
+              <a:rPr lang="en-US" sz="1800" b="0" dirty="0">
+                <a:effectLst/>
+                <a:latin typeface="Calibri" panose="020F0502020204030204" pitchFamily="34" charset="0"/>
+              </a:rPr>
+              <a:t>.</a:t>
+            </a:r>
+            <a:endParaRPr lang="ru-RU" sz="1800" b="0" dirty="0">
+              <a:effectLst/>
+              <a:latin typeface="Calibri" panose="020F0502020204030204" pitchFamily="34" charset="0"/>
+            </a:endParaRPr>
+          </a:p>
+          <a:p>
+            <a:endParaRPr lang="ru-RU" dirty="0"/>
+          </a:p>
+          <a:p>
+            <a:r>
+              <a:rPr lang="ru-RU" sz="1800" b="0" dirty="0">
+                <a:effectLst/>
+                <a:latin typeface="Calibri" panose="020F0502020204030204" pitchFamily="34" charset="0"/>
+              </a:rPr>
+              <a:t>Заказ в ресторане. </a:t>
+            </a:r>
+            <a:r>
+              <a:rPr lang="en-US" sz="1800" b="1" dirty="0" err="1">
+                <a:effectLst/>
+                <a:latin typeface="Calibri" panose="020F0502020204030204" pitchFamily="34" charset="0"/>
+              </a:rPr>
+              <a:t>Когда</a:t>
+            </a:r>
+            <a:r>
+              <a:rPr lang="en-US" sz="1800" b="1" dirty="0">
+                <a:effectLst/>
+                <a:latin typeface="Calibri" panose="020F0502020204030204" pitchFamily="34" charset="0"/>
+              </a:rPr>
+              <a:t> </a:t>
+            </a:r>
+            <a:r>
+              <a:rPr lang="en-US" sz="1800" b="1" dirty="0" err="1">
+                <a:effectLst/>
+                <a:latin typeface="Calibri" panose="020F0502020204030204" pitchFamily="34" charset="0"/>
+              </a:rPr>
+              <a:t>порок</a:t>
+            </a:r>
+            <a:r>
+              <a:rPr lang="en-US" sz="1800" b="1" dirty="0">
+                <a:effectLst/>
+                <a:latin typeface="Calibri" panose="020F0502020204030204" pitchFamily="34" charset="0"/>
+              </a:rPr>
+              <a:t> </a:t>
+            </a:r>
+            <a:r>
+              <a:rPr lang="en-US" sz="1800" b="1" dirty="0" err="1">
+                <a:effectLst/>
+                <a:latin typeface="Calibri" panose="020F0502020204030204" pitchFamily="34" charset="0"/>
+              </a:rPr>
+              <a:t>похож</a:t>
+            </a:r>
+            <a:r>
+              <a:rPr lang="en-US" sz="1800" b="1" dirty="0">
+                <a:effectLst/>
+                <a:latin typeface="Calibri" panose="020F0502020204030204" pitchFamily="34" charset="0"/>
+              </a:rPr>
+              <a:t> </a:t>
+            </a:r>
+            <a:r>
+              <a:rPr lang="en-US" sz="1800" b="1" dirty="0" err="1">
+                <a:effectLst/>
+                <a:latin typeface="Calibri" panose="020F0502020204030204" pitchFamily="34" charset="0"/>
+              </a:rPr>
+              <a:t>на</a:t>
+            </a:r>
+            <a:r>
+              <a:rPr lang="en-US" sz="1800" b="1" dirty="0">
+                <a:effectLst/>
+                <a:latin typeface="Calibri" panose="020F0502020204030204" pitchFamily="34" charset="0"/>
+              </a:rPr>
+              <a:t> </a:t>
+            </a:r>
+            <a:r>
+              <a:rPr lang="en-US" sz="1800" b="1" dirty="0" err="1">
+                <a:effectLst/>
+                <a:latin typeface="Calibri" panose="020F0502020204030204" pitchFamily="34" charset="0"/>
+              </a:rPr>
+              <a:t>добродетел</a:t>
+            </a:r>
+            <a:r>
+              <a:rPr lang="ru-RU" sz="1800" b="1" dirty="0">
+                <a:effectLst/>
+                <a:latin typeface="Calibri" panose="020F0502020204030204" pitchFamily="34" charset="0"/>
+              </a:rPr>
+              <a:t>ь. </a:t>
+            </a:r>
+            <a:endParaRPr lang="ru-RU" sz="1800" b="0" dirty="0">
+              <a:effectLst/>
+              <a:latin typeface="Calibri" panose="020F0502020204030204" pitchFamily="34" charset="0"/>
+            </a:endParaRPr>
+          </a:p>
+          <a:p>
+            <a:endParaRPr lang="en-US" b="0" dirty="0"/>
           </a:p>
         </p:txBody>
       </p:sp>
@@ -4214,7 +4219,7 @@
           <a:p>
             <a:fld id="{EF83ECF8-EBB3-462A-BC97-8AC574C482EA}" type="slidenum">
               <a:rPr lang="en-US" smtClean="0"/>
-              <a:t>28</a:t>
+              <a:t>27</a:t>
             </a:fld>
             <a:endParaRPr lang="en-US"/>
           </a:p>
@@ -4223,7 +4228,7 @@
     </p:spTree>
     <p:extLst>
       <p:ext uri="{BB962C8B-B14F-4D97-AF65-F5344CB8AC3E}">
-        <p14:creationId xmlns:p14="http://schemas.microsoft.com/office/powerpoint/2010/main" val="2603442122"/>
+        <p14:creationId xmlns:p14="http://schemas.microsoft.com/office/powerpoint/2010/main" val="3649720612"/>
       </p:ext>
     </p:extLst>
   </p:cSld>
@@ -4298,7 +4303,7 @@
           <a:p>
             <a:fld id="{EF83ECF8-EBB3-462A-BC97-8AC574C482EA}" type="slidenum">
               <a:rPr lang="en-US" smtClean="0"/>
-              <a:t>3</a:t>
+              <a:t>2</a:t>
             </a:fld>
             <a:endParaRPr lang="en-US"/>
           </a:p>
@@ -4307,7 +4312,7 @@
     </p:spTree>
     <p:extLst>
       <p:ext uri="{BB962C8B-B14F-4D97-AF65-F5344CB8AC3E}">
-        <p14:creationId xmlns:p14="http://schemas.microsoft.com/office/powerpoint/2010/main" val="3554396205"/>
+        <p14:creationId xmlns:p14="http://schemas.microsoft.com/office/powerpoint/2010/main" val="826780190"/>
       </p:ext>
     </p:extLst>
   </p:cSld>
@@ -4361,88 +4366,6 @@
           <a:bodyPr/>
           <a:lstStyle/>
           <a:p>
-            <a:r>
-              <a:rPr lang="ru-RU" dirty="0"/>
-              <a:t>в</a:t>
-            </a:r>
-            <a:r>
-              <a:rPr lang="en-US" dirty="0"/>
-              <a:t> 1953 </a:t>
-            </a:r>
-            <a:r>
-              <a:rPr lang="ru-RU" dirty="0"/>
-              <a:t>году Джеймс Олдс и Питер Милнер</a:t>
-            </a:r>
-            <a:r>
-              <a:rPr lang="en-US" dirty="0"/>
-              <a:t> </a:t>
-            </a:r>
-            <a:r>
-              <a:rPr lang="ru-RU" dirty="0"/>
-              <a:t>эксперимент на крысах</a:t>
-            </a:r>
-          </a:p>
-          <a:p>
-            <a:endParaRPr lang="ru-RU" dirty="0"/>
-          </a:p>
-          <a:p>
-            <a:r>
-              <a:rPr lang="ru-RU" dirty="0"/>
-              <a:t>Роберт Хит и эксперемент на человеке</a:t>
-            </a:r>
-          </a:p>
-          <a:p>
-            <a:endParaRPr lang="ru-RU" dirty="0"/>
-          </a:p>
-          <a:p>
-            <a:r>
-              <a:rPr lang="ru-RU" dirty="0"/>
-              <a:t>Нейромаркетинг. </a:t>
-            </a:r>
-          </a:p>
-          <a:p>
-            <a:r>
-              <a:rPr lang="ru-RU" dirty="0"/>
-              <a:t>Реклама.</a:t>
-            </a:r>
-          </a:p>
-          <a:p>
-            <a:endParaRPr lang="ru-RU" dirty="0"/>
-          </a:p>
-          <a:p>
-            <a:r>
-              <a:rPr lang="ru-RU" dirty="0"/>
-              <a:t>Вот почему когда вы приходите домой после покупок, и некоторые покупки не радуют так как они радовали в магазине.</a:t>
-            </a:r>
-          </a:p>
-          <a:p>
-            <a:endParaRPr lang="ru-RU" dirty="0"/>
-          </a:p>
-          <a:p>
-            <a:r>
-              <a:rPr lang="ru-RU" dirty="0"/>
-              <a:t>Главная функция Дофамина – заставить нас гнаться за счастьем а не сделать счастливыми.</a:t>
-            </a:r>
-          </a:p>
-          <a:p>
-            <a:endParaRPr lang="ru-RU" dirty="0"/>
-          </a:p>
-          <a:p>
-            <a:r>
-              <a:rPr lang="ru-RU" dirty="0"/>
-              <a:t>Но что если подавить этот нейромедиатор, будет ли лучше?</a:t>
-            </a:r>
-          </a:p>
-          <a:p>
-            <a:endParaRPr lang="ru-RU" dirty="0"/>
-          </a:p>
-          <a:p>
-            <a:r>
-              <a:rPr lang="ru-RU" dirty="0"/>
-              <a:t>Осознанность. И учиться находить это.</a:t>
-            </a:r>
-          </a:p>
-          <a:p>
             <a:endParaRPr lang="en-US" dirty="0"/>
           </a:p>
         </p:txBody>
@@ -4464,7 +4387,7 @@
           <a:p>
             <a:fld id="{EF83ECF8-EBB3-462A-BC97-8AC574C482EA}" type="slidenum">
               <a:rPr lang="en-US" smtClean="0"/>
-              <a:t>33</a:t>
+              <a:t>28</a:t>
             </a:fld>
             <a:endParaRPr lang="en-US"/>
           </a:p>
@@ -4473,7 +4396,7 @@
     </p:spTree>
     <p:extLst>
       <p:ext uri="{BB962C8B-B14F-4D97-AF65-F5344CB8AC3E}">
-        <p14:creationId xmlns:p14="http://schemas.microsoft.com/office/powerpoint/2010/main" val="445883935"/>
+        <p14:creationId xmlns:p14="http://schemas.microsoft.com/office/powerpoint/2010/main" val="2603442122"/>
       </p:ext>
     </p:extLst>
   </p:cSld>
@@ -4527,88 +4450,6 @@
           <a:bodyPr/>
           <a:lstStyle/>
           <a:p>
-            <a:r>
-              <a:rPr lang="ru-RU" dirty="0"/>
-              <a:t>в</a:t>
-            </a:r>
-            <a:r>
-              <a:rPr lang="en-US" dirty="0"/>
-              <a:t> 1953 </a:t>
-            </a:r>
-            <a:r>
-              <a:rPr lang="ru-RU" dirty="0"/>
-              <a:t>году Джеймс Олдс и Питер Милнер</a:t>
-            </a:r>
-            <a:r>
-              <a:rPr lang="en-US" dirty="0"/>
-              <a:t> </a:t>
-            </a:r>
-            <a:r>
-              <a:rPr lang="ru-RU" dirty="0"/>
-              <a:t>эксперимент на крысах</a:t>
-            </a:r>
-          </a:p>
-          <a:p>
-            <a:endParaRPr lang="ru-RU" dirty="0"/>
-          </a:p>
-          <a:p>
-            <a:r>
-              <a:rPr lang="ru-RU" dirty="0"/>
-              <a:t>Роберт Хит и эксперемент на человеке</a:t>
-            </a:r>
-          </a:p>
-          <a:p>
-            <a:endParaRPr lang="ru-RU" dirty="0"/>
-          </a:p>
-          <a:p>
-            <a:r>
-              <a:rPr lang="ru-RU" dirty="0"/>
-              <a:t>Нейромаркетинг. </a:t>
-            </a:r>
-          </a:p>
-          <a:p>
-            <a:r>
-              <a:rPr lang="ru-RU" dirty="0"/>
-              <a:t>Реклама.</a:t>
-            </a:r>
-          </a:p>
-          <a:p>
-            <a:endParaRPr lang="ru-RU" dirty="0"/>
-          </a:p>
-          <a:p>
-            <a:r>
-              <a:rPr lang="ru-RU" dirty="0"/>
-              <a:t>Вот почему когда вы приходите домой после покупок, и некоторые покупки не радуют так как они радовали в магазине.</a:t>
-            </a:r>
-          </a:p>
-          <a:p>
-            <a:endParaRPr lang="ru-RU" dirty="0"/>
-          </a:p>
-          <a:p>
-            <a:r>
-              <a:rPr lang="ru-RU" dirty="0"/>
-              <a:t>Главная функция Дофамина – заставить нас гнаться за счастьем а не сделать счастливыми.</a:t>
-            </a:r>
-          </a:p>
-          <a:p>
-            <a:endParaRPr lang="ru-RU" dirty="0"/>
-          </a:p>
-          <a:p>
-            <a:r>
-              <a:rPr lang="ru-RU" dirty="0"/>
-              <a:t>Но что если подавить этот нейромедиатор, будет ли лучше?</a:t>
-            </a:r>
-          </a:p>
-          <a:p>
-            <a:endParaRPr lang="ru-RU" dirty="0"/>
-          </a:p>
-          <a:p>
-            <a:r>
-              <a:rPr lang="ru-RU" dirty="0"/>
-              <a:t>Осознанность. И учиться находить это.</a:t>
-            </a:r>
-          </a:p>
-          <a:p>
             <a:endParaRPr lang="en-US" dirty="0"/>
           </a:p>
         </p:txBody>
@@ -4630,7 +4471,7 @@
           <a:p>
             <a:fld id="{EF83ECF8-EBB3-462A-BC97-8AC574C482EA}" type="slidenum">
               <a:rPr lang="en-US" smtClean="0"/>
-              <a:t>34</a:t>
+              <a:t>33</a:t>
             </a:fld>
             <a:endParaRPr lang="en-US"/>
           </a:p>
@@ -4639,7 +4480,7 @@
     </p:spTree>
     <p:extLst>
       <p:ext uri="{BB962C8B-B14F-4D97-AF65-F5344CB8AC3E}">
-        <p14:creationId xmlns:p14="http://schemas.microsoft.com/office/powerpoint/2010/main" val="296543143"/>
+        <p14:creationId xmlns:p14="http://schemas.microsoft.com/office/powerpoint/2010/main" val="1289574286"/>
       </p:ext>
     </p:extLst>
   </p:cSld>
@@ -4695,7 +4536,23 @@
           <a:p>
             <a:r>
               <a:rPr lang="ru-RU" dirty="0"/>
-              <a:t>Стресс.</a:t>
+              <a:t>в</a:t>
+            </a:r>
+            <a:r>
+              <a:rPr lang="en-US" dirty="0"/>
+              <a:t> 1953 </a:t>
+            </a:r>
+            <a:r>
+              <a:rPr lang="ru-RU" dirty="0"/>
+              <a:t>году Джеймс Олдс и Питер Милнер</a:t>
+            </a:r>
+            <a:r>
+              <a:rPr lang="en-US" dirty="0"/>
+              <a:t> </a:t>
+            </a:r>
+            <a:r>
+              <a:rPr lang="ru-RU" dirty="0"/>
+              <a:t>эксперимент на крысах</a:t>
             </a:r>
           </a:p>
           <a:p>
@@ -4704,7 +4561,7 @@
           <a:p>
             <a:r>
               <a:rPr lang="ru-RU" dirty="0"/>
-              <a:t>Бей или беги.</a:t>
+              <a:t>Роберт Хит и эксперемент на человеке</a:t>
             </a:r>
           </a:p>
           <a:p>
@@ -4713,7 +4570,13 @@
           <a:p>
             <a:r>
               <a:rPr lang="ru-RU" dirty="0"/>
-              <a:t>Обещание награды в купе с обещаением утешения. </a:t>
+              <a:t>Нейромаркетинг. </a:t>
+            </a:r>
+          </a:p>
+          <a:p>
+            <a:r>
+              <a:rPr lang="ru-RU" dirty="0"/>
+              <a:t>Реклама.</a:t>
             </a:r>
           </a:p>
           <a:p>
@@ -4722,7 +4585,7 @@
           <a:p>
             <a:r>
               <a:rPr lang="ru-RU" dirty="0"/>
-              <a:t>Страшные картинки на пачке с сигаретами.</a:t>
+              <a:t>Вот почему когда вы приходите домой после покупок, и некоторые покупки не радуют так как они радовали в магазине.</a:t>
             </a:r>
           </a:p>
           <a:p>
@@ -4731,7 +4594,7 @@
           <a:p>
             <a:r>
               <a:rPr lang="ru-RU" dirty="0"/>
-              <a:t>Эффект какого черта.</a:t>
+              <a:t>Главная функция Дофамина – заставить нас гнаться за счастьем а не сделать счастливыми.</a:t>
             </a:r>
           </a:p>
           <a:p>
@@ -4739,361 +4602,20 @@
           </a:p>
           <a:p>
             <a:r>
-              <a:rPr lang="en-US" sz="1800" b="1" dirty="0" err="1">
-                <a:effectLst/>
-                <a:latin typeface="Calibri" panose="020F0502020204030204" pitchFamily="34" charset="0"/>
-              </a:rPr>
-              <a:t>Эффект</a:t>
-            </a:r>
-            <a:r>
-              <a:rPr lang="en-US" sz="1800" b="1" dirty="0">
-                <a:effectLst/>
-                <a:latin typeface="Calibri" panose="020F0502020204030204" pitchFamily="34" charset="0"/>
-              </a:rPr>
-              <a:t> «</a:t>
-            </a:r>
-            <a:r>
-              <a:rPr lang="en-US" sz="1800" b="1" dirty="0" err="1">
-                <a:effectLst/>
-                <a:latin typeface="Calibri" panose="020F0502020204030204" pitchFamily="34" charset="0"/>
-              </a:rPr>
-              <a:t>какого</a:t>
-            </a:r>
-            <a:r>
-              <a:rPr lang="en-US" sz="1800" b="1" dirty="0">
-                <a:effectLst/>
-                <a:latin typeface="Calibri" panose="020F0502020204030204" pitchFamily="34" charset="0"/>
-              </a:rPr>
-              <a:t> </a:t>
-            </a:r>
-            <a:r>
-              <a:rPr lang="en-US" sz="1800" b="1" dirty="0" err="1">
-                <a:effectLst/>
-                <a:latin typeface="Calibri" panose="020F0502020204030204" pitchFamily="34" charset="0"/>
-              </a:rPr>
-              <a:t>черта</a:t>
-            </a:r>
-            <a:r>
-              <a:rPr lang="en-US" sz="1800" b="1" dirty="0">
-                <a:effectLst/>
-                <a:latin typeface="Calibri" panose="020F0502020204030204" pitchFamily="34" charset="0"/>
-              </a:rPr>
-              <a:t>» </a:t>
-            </a:r>
-            <a:r>
-              <a:rPr lang="en-US" sz="1800" b="1" dirty="0" err="1">
-                <a:effectLst/>
-                <a:latin typeface="Calibri" panose="020F0502020204030204" pitchFamily="34" charset="0"/>
-              </a:rPr>
-              <a:t>состоит</a:t>
-            </a:r>
-            <a:r>
-              <a:rPr lang="en-US" sz="1800" b="1" dirty="0">
-                <a:effectLst/>
-                <a:latin typeface="Calibri" panose="020F0502020204030204" pitchFamily="34" charset="0"/>
-              </a:rPr>
-              <a:t> </a:t>
-            </a:r>
-            <a:r>
-              <a:rPr lang="en-US" sz="1800" b="1" dirty="0" err="1">
-                <a:effectLst/>
-                <a:latin typeface="Calibri" panose="020F0502020204030204" pitchFamily="34" charset="0"/>
-              </a:rPr>
-              <a:t>из</a:t>
-            </a:r>
-            <a:r>
-              <a:rPr lang="en-US" sz="1800" b="1" dirty="0">
-                <a:effectLst/>
-                <a:latin typeface="Calibri" panose="020F0502020204030204" pitchFamily="34" charset="0"/>
-              </a:rPr>
-              <a:t> </a:t>
-            </a:r>
-            <a:r>
-              <a:rPr lang="en-US" sz="1800" b="1" dirty="0" err="1">
-                <a:effectLst/>
-                <a:latin typeface="Calibri" panose="020F0502020204030204" pitchFamily="34" charset="0"/>
-              </a:rPr>
-              <a:t>цикла</a:t>
-            </a:r>
-            <a:r>
-              <a:rPr lang="en-US" sz="1800" b="1" dirty="0">
-                <a:effectLst/>
-                <a:latin typeface="Calibri" panose="020F0502020204030204" pitchFamily="34" charset="0"/>
-              </a:rPr>
-              <a:t> </a:t>
-            </a:r>
-            <a:r>
-              <a:rPr lang="en-US" sz="1800" b="1" dirty="0" err="1">
-                <a:effectLst/>
-                <a:latin typeface="Calibri" panose="020F0502020204030204" pitchFamily="34" charset="0"/>
-              </a:rPr>
-              <a:t>поблажек</a:t>
-            </a:r>
-            <a:r>
-              <a:rPr lang="en-US" sz="1800" b="1" dirty="0">
-                <a:effectLst/>
-                <a:latin typeface="Calibri" panose="020F0502020204030204" pitchFamily="34" charset="0"/>
-              </a:rPr>
-              <a:t>, </a:t>
-            </a:r>
-            <a:r>
-              <a:rPr lang="en-US" sz="1800" b="1" dirty="0" err="1">
-                <a:effectLst/>
-                <a:latin typeface="Calibri" panose="020F0502020204030204" pitchFamily="34" charset="0"/>
-              </a:rPr>
-              <a:t>сожаления</a:t>
-            </a:r>
-            <a:r>
-              <a:rPr lang="en-US" sz="1800" b="1" dirty="0">
-                <a:effectLst/>
-                <a:latin typeface="Calibri" panose="020F0502020204030204" pitchFamily="34" charset="0"/>
-              </a:rPr>
-              <a:t> и </a:t>
-            </a:r>
-            <a:r>
-              <a:rPr lang="en-US" sz="1800" b="1" dirty="0" err="1">
-                <a:effectLst/>
-                <a:latin typeface="Calibri" panose="020F0502020204030204" pitchFamily="34" charset="0"/>
-              </a:rPr>
-              <a:t>еще</a:t>
-            </a:r>
-            <a:r>
-              <a:rPr lang="en-US" sz="1800" b="1" dirty="0">
-                <a:effectLst/>
-                <a:latin typeface="Calibri" panose="020F0502020204030204" pitchFamily="34" charset="0"/>
-              </a:rPr>
-              <a:t> </a:t>
-            </a:r>
-            <a:r>
-              <a:rPr lang="en-US" sz="1800" b="1" dirty="0" err="1">
-                <a:effectLst/>
-                <a:latin typeface="Calibri" panose="020F0502020204030204" pitchFamily="34" charset="0"/>
-              </a:rPr>
-              <a:t>больших</a:t>
-            </a:r>
-            <a:r>
-              <a:rPr lang="en-US" sz="1800" b="1" dirty="0">
-                <a:effectLst/>
-                <a:latin typeface="Calibri" panose="020F0502020204030204" pitchFamily="34" charset="0"/>
-              </a:rPr>
-              <a:t> </a:t>
-            </a:r>
-            <a:r>
-              <a:rPr lang="en-US" sz="1800" b="1" dirty="0" err="1">
-                <a:effectLst/>
-                <a:latin typeface="Calibri" panose="020F0502020204030204" pitchFamily="34" charset="0"/>
-              </a:rPr>
-              <a:t>поблаже</a:t>
-            </a:r>
-            <a:r>
-              <a:rPr lang="ru-RU" sz="1800" b="1" dirty="0">
-                <a:effectLst/>
-                <a:latin typeface="Calibri" panose="020F0502020204030204" pitchFamily="34" charset="0"/>
-              </a:rPr>
-              <a:t>к</a:t>
-            </a:r>
-            <a:r>
-              <a:rPr lang="en-US" sz="1800" b="1" dirty="0">
-                <a:effectLst/>
-                <a:latin typeface="Calibri" panose="020F0502020204030204" pitchFamily="34" charset="0"/>
-              </a:rPr>
-              <a:t>. </a:t>
-            </a:r>
-            <a:endParaRPr lang="ru-RU" sz="1800" b="1" dirty="0">
-              <a:effectLst/>
-              <a:latin typeface="Calibri" panose="020F0502020204030204" pitchFamily="34" charset="0"/>
-            </a:endParaRPr>
+              <a:rPr lang="ru-RU" dirty="0"/>
+              <a:t>Но что если подавить этот нейромедиатор, будет ли лучше?</a:t>
+            </a:r>
           </a:p>
           <a:p>
             <a:endParaRPr lang="ru-RU" dirty="0"/>
           </a:p>
           <a:p>
             <a:r>
-              <a:rPr lang="en-US" sz="1800" dirty="0">
-                <a:effectLst/>
-                <a:latin typeface="Calibri" panose="020F0502020204030204" pitchFamily="34" charset="0"/>
-              </a:rPr>
-              <a:t>И </a:t>
-            </a:r>
-            <a:r>
-              <a:rPr lang="en-US" sz="1800" dirty="0" err="1">
-                <a:effectLst/>
-                <a:latin typeface="Calibri" panose="020F0502020204030204" pitchFamily="34" charset="0"/>
-              </a:rPr>
-              <a:t>вместо</a:t>
-            </a:r>
-            <a:r>
-              <a:rPr lang="en-US" sz="1800" dirty="0">
-                <a:effectLst/>
-                <a:latin typeface="Calibri" panose="020F0502020204030204" pitchFamily="34" charset="0"/>
-              </a:rPr>
-              <a:t> </a:t>
-            </a:r>
-            <a:r>
-              <a:rPr lang="en-US" sz="1800" dirty="0" err="1">
-                <a:effectLst/>
-                <a:latin typeface="Calibri" panose="020F0502020204030204" pitchFamily="34" charset="0"/>
-              </a:rPr>
-              <a:t>того</a:t>
-            </a:r>
-            <a:r>
-              <a:rPr lang="en-US" sz="1800" dirty="0">
-                <a:effectLst/>
-                <a:latin typeface="Calibri" panose="020F0502020204030204" pitchFamily="34" charset="0"/>
-              </a:rPr>
-              <a:t> </a:t>
-            </a:r>
-            <a:r>
-              <a:rPr lang="en-US" sz="1800" dirty="0" err="1">
-                <a:effectLst/>
-                <a:latin typeface="Calibri" panose="020F0502020204030204" pitchFamily="34" charset="0"/>
-              </a:rPr>
-              <a:t>чтобы</a:t>
-            </a:r>
-            <a:r>
-              <a:rPr lang="en-US" sz="1800" dirty="0">
-                <a:effectLst/>
-                <a:latin typeface="Calibri" panose="020F0502020204030204" pitchFamily="34" charset="0"/>
-              </a:rPr>
-              <a:t> </a:t>
-            </a:r>
-            <a:r>
-              <a:rPr lang="en-US" sz="1800" dirty="0" err="1">
-                <a:effectLst/>
-                <a:latin typeface="Calibri" panose="020F0502020204030204" pitchFamily="34" charset="0"/>
-              </a:rPr>
-              <a:t>свести</a:t>
-            </a:r>
-            <a:r>
-              <a:rPr lang="en-US" sz="1800" dirty="0">
-                <a:effectLst/>
-                <a:latin typeface="Calibri" panose="020F0502020204030204" pitchFamily="34" charset="0"/>
-              </a:rPr>
-              <a:t> </a:t>
-            </a:r>
-            <a:r>
-              <a:rPr lang="en-US" sz="1800" dirty="0" err="1">
-                <a:effectLst/>
-                <a:latin typeface="Calibri" panose="020F0502020204030204" pitchFamily="34" charset="0"/>
-              </a:rPr>
-              <a:t>ущерб</a:t>
-            </a:r>
-            <a:r>
-              <a:rPr lang="en-US" sz="1800" dirty="0">
-                <a:effectLst/>
-                <a:latin typeface="Calibri" panose="020F0502020204030204" pitchFamily="34" charset="0"/>
-              </a:rPr>
-              <a:t> к </a:t>
-            </a:r>
-            <a:r>
-              <a:rPr lang="en-US" sz="1800" dirty="0" err="1">
-                <a:effectLst/>
-                <a:latin typeface="Calibri" panose="020F0502020204030204" pitchFamily="34" charset="0"/>
-              </a:rPr>
-              <a:t>минимуму</a:t>
-            </a:r>
-            <a:r>
-              <a:rPr lang="en-US" sz="1800" dirty="0">
-                <a:effectLst/>
-                <a:latin typeface="Calibri" panose="020F0502020204030204" pitchFamily="34" charset="0"/>
-              </a:rPr>
-              <a:t> и </a:t>
-            </a:r>
-            <a:r>
-              <a:rPr lang="en-US" sz="1800" dirty="0" err="1">
-                <a:effectLst/>
-                <a:latin typeface="Calibri" panose="020F0502020204030204" pitchFamily="34" charset="0"/>
-              </a:rPr>
-              <a:t>не</a:t>
-            </a:r>
-            <a:r>
-              <a:rPr lang="en-US" sz="1800" dirty="0">
-                <a:effectLst/>
-                <a:latin typeface="Calibri" panose="020F0502020204030204" pitchFamily="34" charset="0"/>
-              </a:rPr>
-              <a:t> </a:t>
-            </a:r>
-            <a:r>
-              <a:rPr lang="en-US" sz="1800" dirty="0" err="1">
-                <a:effectLst/>
-                <a:latin typeface="Calibri" panose="020F0502020204030204" pitchFamily="34" charset="0"/>
-              </a:rPr>
-              <a:t>объедаться</a:t>
-            </a:r>
-            <a:r>
-              <a:rPr lang="ru-RU" sz="1800" dirty="0">
-                <a:effectLst/>
-                <a:latin typeface="Calibri" panose="020F0502020204030204" pitchFamily="34" charset="0"/>
-              </a:rPr>
-              <a:t> они делают все на оборот</a:t>
-            </a:r>
-          </a:p>
-          <a:p>
-            <a:endParaRPr lang="ru-RU" dirty="0"/>
-          </a:p>
-          <a:p>
-            <a:r>
               <a:rPr lang="ru-RU" dirty="0"/>
-              <a:t>Вина, стыд, безнадежность, потеря контроля и тп.</a:t>
-            </a:r>
-          </a:p>
-          <a:p>
-            <a:endParaRPr lang="ru-RU" dirty="0"/>
-          </a:p>
-          <a:p>
-            <a:r>
-              <a:rPr lang="ru-RU" sz="1800" b="1" dirty="0">
-                <a:effectLst/>
-                <a:latin typeface="Calibri" panose="020F0502020204030204" pitchFamily="34" charset="0"/>
-              </a:rPr>
-              <a:t>Поразительно, но именно прощение, а не вина повышает ответственность. </a:t>
-            </a:r>
-            <a:endParaRPr lang="ru-RU" dirty="0"/>
-          </a:p>
-          <a:p>
-            <a:endParaRPr lang="ru-RU" dirty="0"/>
-          </a:p>
-          <a:p>
-            <a:r>
-              <a:rPr lang="ru-RU" dirty="0"/>
-              <a:t>Когда мы проигрываем в волевых испытаниях, мы часто виним себя: мы слабые, безвольные тюфяки. Но зачастую проблема в том что наш мозг и тело пребывают в неподходящем для самоконтроля состоянии.</a:t>
-            </a:r>
-          </a:p>
-          <a:p>
-            <a:endParaRPr lang="ru-RU" dirty="0"/>
-          </a:p>
-          <a:p>
-            <a:r>
-              <a:rPr lang="ru-RU" dirty="0"/>
-              <a:t>Решение: прощение и не корить себя за ошибки, а признать что ты всего лишь человек и не идеален.</a:t>
-            </a:r>
-          </a:p>
-          <a:p>
-            <a:endParaRPr lang="ru-RU" dirty="0"/>
-          </a:p>
-          <a:p>
-            <a:r>
-              <a:rPr lang="ru-RU" dirty="0"/>
-              <a:t>Но мы часто думаем что мы сорвались потому что не сильно строги к себе, жестки. Занимаемся самоедством.</a:t>
-            </a:r>
-          </a:p>
-          <a:p>
-            <a:endParaRPr lang="ru-RU" dirty="0"/>
-          </a:p>
-          <a:p>
-            <a:r>
-              <a:rPr lang="ru-RU" dirty="0"/>
-              <a:t>Прощай себя когда ошибаешся.</a:t>
-            </a:r>
-          </a:p>
-          <a:p>
-            <a:endParaRPr lang="ru-RU" dirty="0"/>
-          </a:p>
-          <a:p>
-            <a:r>
-              <a:rPr lang="ru-RU" dirty="0"/>
-              <a:t> </a:t>
-            </a:r>
+              <a:t>Осознанность. И учиться находить это.</a:t>
+            </a:r>
+          </a:p>
+          <a:p>
             <a:endParaRPr lang="en-US" dirty="0"/>
           </a:p>
         </p:txBody>
@@ -5115,7 +4637,7 @@
           <a:p>
             <a:fld id="{EF83ECF8-EBB3-462A-BC97-8AC574C482EA}" type="slidenum">
               <a:rPr lang="en-US" smtClean="0"/>
-              <a:t>35</a:t>
+              <a:t>34</a:t>
             </a:fld>
             <a:endParaRPr lang="en-US"/>
           </a:p>
@@ -5124,7 +4646,7 @@
     </p:spTree>
     <p:extLst>
       <p:ext uri="{BB962C8B-B14F-4D97-AF65-F5344CB8AC3E}">
-        <p14:creationId xmlns:p14="http://schemas.microsoft.com/office/powerpoint/2010/main" val="2603442122"/>
+        <p14:creationId xmlns:p14="http://schemas.microsoft.com/office/powerpoint/2010/main" val="296543143"/>
       </p:ext>
     </p:extLst>
   </p:cSld>
@@ -5180,13 +4702,16 @@
           <a:p>
             <a:r>
               <a:rPr lang="ru-RU" dirty="0"/>
-              <a:t>19 шимпанзе или 40 студентов Гарворда.</a:t>
-            </a:r>
+              <a:t>Стресс.</a:t>
+            </a:r>
+          </a:p>
+          <a:p>
+            <a:endParaRPr lang="ru-RU" dirty="0"/>
           </a:p>
           <a:p>
             <a:r>
               <a:rPr lang="ru-RU" dirty="0"/>
-              <a:t>2 сейчас или 6 потом. Теория и Реальность.</a:t>
+              <a:t>Бей или беги.</a:t>
             </a:r>
           </a:p>
           <a:p>
@@ -5195,7 +4720,7 @@
           <a:p>
             <a:r>
               <a:rPr lang="ru-RU" dirty="0"/>
-              <a:t>Проблема рациональности.</a:t>
+              <a:t>Обещание награды в купе с обещаением утешения. </a:t>
             </a:r>
           </a:p>
           <a:p>
@@ -5204,7 +4729,7 @@
           <a:p>
             <a:r>
               <a:rPr lang="ru-RU" dirty="0"/>
-              <a:t>Экономисты. Обесценивание при задержке.</a:t>
+              <a:t>Страшные картинки на пачке с сигаретами.</a:t>
             </a:r>
           </a:p>
           <a:p>
@@ -5212,24 +4737,323 @@
           </a:p>
           <a:p>
             <a:r>
+              <a:rPr lang="ru-RU" dirty="0"/>
+              <a:t>Эффект какого черта.</a:t>
+            </a:r>
+          </a:p>
+          <a:p>
+            <a:endParaRPr lang="ru-RU" dirty="0"/>
+          </a:p>
+          <a:p>
+            <a:r>
+              <a:rPr lang="en-US" sz="1800" b="1" dirty="0" err="1">
+                <a:effectLst/>
+                <a:latin typeface="Calibri" panose="020F0502020204030204" pitchFamily="34" charset="0"/>
+              </a:rPr>
+              <a:t>Эффект</a:t>
+            </a:r>
+            <a:r>
+              <a:rPr lang="en-US" sz="1800" b="1" dirty="0">
+                <a:effectLst/>
+                <a:latin typeface="Calibri" panose="020F0502020204030204" pitchFamily="34" charset="0"/>
+              </a:rPr>
+              <a:t> «</a:t>
+            </a:r>
+            <a:r>
+              <a:rPr lang="en-US" sz="1800" b="1" dirty="0" err="1">
+                <a:effectLst/>
+                <a:latin typeface="Calibri" panose="020F0502020204030204" pitchFamily="34" charset="0"/>
+              </a:rPr>
+              <a:t>какого</a:t>
+            </a:r>
+            <a:r>
+              <a:rPr lang="en-US" sz="1800" b="1" dirty="0">
+                <a:effectLst/>
+                <a:latin typeface="Calibri" panose="020F0502020204030204" pitchFamily="34" charset="0"/>
+              </a:rPr>
+              <a:t> </a:t>
+            </a:r>
+            <a:r>
+              <a:rPr lang="en-US" sz="1800" b="1" dirty="0" err="1">
+                <a:effectLst/>
+                <a:latin typeface="Calibri" panose="020F0502020204030204" pitchFamily="34" charset="0"/>
+              </a:rPr>
+              <a:t>черта</a:t>
+            </a:r>
+            <a:r>
+              <a:rPr lang="en-US" sz="1800" b="1" dirty="0">
+                <a:effectLst/>
+                <a:latin typeface="Calibri" panose="020F0502020204030204" pitchFamily="34" charset="0"/>
+              </a:rPr>
+              <a:t>» </a:t>
+            </a:r>
+            <a:r>
+              <a:rPr lang="en-US" sz="1800" b="1" dirty="0" err="1">
+                <a:effectLst/>
+                <a:latin typeface="Calibri" panose="020F0502020204030204" pitchFamily="34" charset="0"/>
+              </a:rPr>
+              <a:t>состоит</a:t>
+            </a:r>
+            <a:r>
+              <a:rPr lang="en-US" sz="1800" b="1" dirty="0">
+                <a:effectLst/>
+                <a:latin typeface="Calibri" panose="020F0502020204030204" pitchFamily="34" charset="0"/>
+              </a:rPr>
+              <a:t> </a:t>
+            </a:r>
+            <a:r>
+              <a:rPr lang="en-US" sz="1800" b="1" dirty="0" err="1">
+                <a:effectLst/>
+                <a:latin typeface="Calibri" panose="020F0502020204030204" pitchFamily="34" charset="0"/>
+              </a:rPr>
+              <a:t>из</a:t>
+            </a:r>
+            <a:r>
+              <a:rPr lang="en-US" sz="1800" b="1" dirty="0">
+                <a:effectLst/>
+                <a:latin typeface="Calibri" panose="020F0502020204030204" pitchFamily="34" charset="0"/>
+              </a:rPr>
+              <a:t> </a:t>
+            </a:r>
+            <a:r>
+              <a:rPr lang="en-US" sz="1800" b="1" dirty="0" err="1">
+                <a:effectLst/>
+                <a:latin typeface="Calibri" panose="020F0502020204030204" pitchFamily="34" charset="0"/>
+              </a:rPr>
+              <a:t>цикла</a:t>
+            </a:r>
+            <a:r>
+              <a:rPr lang="en-US" sz="1800" b="1" dirty="0">
+                <a:effectLst/>
+                <a:latin typeface="Calibri" panose="020F0502020204030204" pitchFamily="34" charset="0"/>
+              </a:rPr>
+              <a:t> </a:t>
+            </a:r>
+            <a:r>
+              <a:rPr lang="en-US" sz="1800" b="1" dirty="0" err="1">
+                <a:effectLst/>
+                <a:latin typeface="Calibri" panose="020F0502020204030204" pitchFamily="34" charset="0"/>
+              </a:rPr>
+              <a:t>поблажек</a:t>
+            </a:r>
+            <a:r>
+              <a:rPr lang="en-US" sz="1800" b="1" dirty="0">
+                <a:effectLst/>
+                <a:latin typeface="Calibri" panose="020F0502020204030204" pitchFamily="34" charset="0"/>
+              </a:rPr>
+              <a:t>, </a:t>
+            </a:r>
+            <a:r>
+              <a:rPr lang="en-US" sz="1800" b="1" dirty="0" err="1">
+                <a:effectLst/>
+                <a:latin typeface="Calibri" panose="020F0502020204030204" pitchFamily="34" charset="0"/>
+              </a:rPr>
+              <a:t>сожаления</a:t>
+            </a:r>
+            <a:r>
+              <a:rPr lang="en-US" sz="1800" b="1" dirty="0">
+                <a:effectLst/>
+                <a:latin typeface="Calibri" panose="020F0502020204030204" pitchFamily="34" charset="0"/>
+              </a:rPr>
+              <a:t> и </a:t>
+            </a:r>
+            <a:r>
+              <a:rPr lang="en-US" sz="1800" b="1" dirty="0" err="1">
+                <a:effectLst/>
+                <a:latin typeface="Calibri" panose="020F0502020204030204" pitchFamily="34" charset="0"/>
+              </a:rPr>
+              <a:t>еще</a:t>
+            </a:r>
+            <a:r>
+              <a:rPr lang="en-US" sz="1800" b="1" dirty="0">
+                <a:effectLst/>
+                <a:latin typeface="Calibri" panose="020F0502020204030204" pitchFamily="34" charset="0"/>
+              </a:rPr>
+              <a:t> </a:t>
+            </a:r>
+            <a:r>
+              <a:rPr lang="en-US" sz="1800" b="1" dirty="0" err="1">
+                <a:effectLst/>
+                <a:latin typeface="Calibri" panose="020F0502020204030204" pitchFamily="34" charset="0"/>
+              </a:rPr>
+              <a:t>больших</a:t>
+            </a:r>
+            <a:r>
+              <a:rPr lang="en-US" sz="1800" b="1" dirty="0">
+                <a:effectLst/>
+                <a:latin typeface="Calibri" panose="020F0502020204030204" pitchFamily="34" charset="0"/>
+              </a:rPr>
+              <a:t> </a:t>
+            </a:r>
+            <a:r>
+              <a:rPr lang="en-US" sz="1800" b="1" dirty="0" err="1">
+                <a:effectLst/>
+                <a:latin typeface="Calibri" panose="020F0502020204030204" pitchFamily="34" charset="0"/>
+              </a:rPr>
+              <a:t>поблаже</a:t>
+            </a:r>
+            <a:r>
               <a:rPr lang="ru-RU" sz="1800" b="1" dirty="0">
                 <a:effectLst/>
                 <a:latin typeface="Calibri" panose="020F0502020204030204" pitchFamily="34" charset="0"/>
               </a:rPr>
-              <a:t>Экономисты называют это обесцениванием при задержке — чем дольше приходится ждать награды, тем меньше она ценится.</a:t>
-            </a:r>
+              <a:t>к</a:t>
+            </a:r>
+            <a:r>
+              <a:rPr lang="en-US" sz="1800" b="1" dirty="0">
+                <a:effectLst/>
+                <a:latin typeface="Calibri" panose="020F0502020204030204" pitchFamily="34" charset="0"/>
+              </a:rPr>
+              <a:t>. </a:t>
+            </a:r>
+            <a:endParaRPr lang="ru-RU" sz="1800" b="1" dirty="0">
+              <a:effectLst/>
+              <a:latin typeface="Calibri" panose="020F0502020204030204" pitchFamily="34" charset="0"/>
+            </a:endParaRPr>
+          </a:p>
+          <a:p>
             <a:endParaRPr lang="ru-RU" dirty="0"/>
           </a:p>
           <a:p>
+            <a:r>
+              <a:rPr lang="en-US" sz="1800" dirty="0">
+                <a:effectLst/>
+                <a:latin typeface="Calibri" panose="020F0502020204030204" pitchFamily="34" charset="0"/>
+              </a:rPr>
+              <a:t>И </a:t>
+            </a:r>
+            <a:r>
+              <a:rPr lang="en-US" sz="1800" dirty="0" err="1">
+                <a:effectLst/>
+                <a:latin typeface="Calibri" panose="020F0502020204030204" pitchFamily="34" charset="0"/>
+              </a:rPr>
+              <a:t>вместо</a:t>
+            </a:r>
+            <a:r>
+              <a:rPr lang="en-US" sz="1800" dirty="0">
+                <a:effectLst/>
+                <a:latin typeface="Calibri" panose="020F0502020204030204" pitchFamily="34" charset="0"/>
+              </a:rPr>
+              <a:t> </a:t>
+            </a:r>
+            <a:r>
+              <a:rPr lang="en-US" sz="1800" dirty="0" err="1">
+                <a:effectLst/>
+                <a:latin typeface="Calibri" panose="020F0502020204030204" pitchFamily="34" charset="0"/>
+              </a:rPr>
+              <a:t>того</a:t>
+            </a:r>
+            <a:r>
+              <a:rPr lang="en-US" sz="1800" dirty="0">
+                <a:effectLst/>
+                <a:latin typeface="Calibri" panose="020F0502020204030204" pitchFamily="34" charset="0"/>
+              </a:rPr>
+              <a:t> </a:t>
+            </a:r>
+            <a:r>
+              <a:rPr lang="en-US" sz="1800" dirty="0" err="1">
+                <a:effectLst/>
+                <a:latin typeface="Calibri" panose="020F0502020204030204" pitchFamily="34" charset="0"/>
+              </a:rPr>
+              <a:t>чтобы</a:t>
+            </a:r>
+            <a:r>
+              <a:rPr lang="en-US" sz="1800" dirty="0">
+                <a:effectLst/>
+                <a:latin typeface="Calibri" panose="020F0502020204030204" pitchFamily="34" charset="0"/>
+              </a:rPr>
+              <a:t> </a:t>
+            </a:r>
+            <a:r>
+              <a:rPr lang="en-US" sz="1800" dirty="0" err="1">
+                <a:effectLst/>
+                <a:latin typeface="Calibri" panose="020F0502020204030204" pitchFamily="34" charset="0"/>
+              </a:rPr>
+              <a:t>свести</a:t>
+            </a:r>
+            <a:r>
+              <a:rPr lang="en-US" sz="1800" dirty="0">
+                <a:effectLst/>
+                <a:latin typeface="Calibri" panose="020F0502020204030204" pitchFamily="34" charset="0"/>
+              </a:rPr>
+              <a:t> </a:t>
+            </a:r>
+            <a:r>
+              <a:rPr lang="en-US" sz="1800" dirty="0" err="1">
+                <a:effectLst/>
+                <a:latin typeface="Calibri" panose="020F0502020204030204" pitchFamily="34" charset="0"/>
+              </a:rPr>
+              <a:t>ущерб</a:t>
+            </a:r>
+            <a:r>
+              <a:rPr lang="en-US" sz="1800" dirty="0">
+                <a:effectLst/>
+                <a:latin typeface="Calibri" panose="020F0502020204030204" pitchFamily="34" charset="0"/>
+              </a:rPr>
+              <a:t> к </a:t>
+            </a:r>
+            <a:r>
+              <a:rPr lang="en-US" sz="1800" dirty="0" err="1">
+                <a:effectLst/>
+                <a:latin typeface="Calibri" panose="020F0502020204030204" pitchFamily="34" charset="0"/>
+              </a:rPr>
+              <a:t>минимуму</a:t>
+            </a:r>
+            <a:r>
+              <a:rPr lang="en-US" sz="1800" dirty="0">
+                <a:effectLst/>
+                <a:latin typeface="Calibri" panose="020F0502020204030204" pitchFamily="34" charset="0"/>
+              </a:rPr>
+              <a:t> и </a:t>
+            </a:r>
+            <a:r>
+              <a:rPr lang="en-US" sz="1800" dirty="0" err="1">
+                <a:effectLst/>
+                <a:latin typeface="Calibri" panose="020F0502020204030204" pitchFamily="34" charset="0"/>
+              </a:rPr>
+              <a:t>не</a:t>
+            </a:r>
+            <a:r>
+              <a:rPr lang="en-US" sz="1800" dirty="0">
+                <a:effectLst/>
+                <a:latin typeface="Calibri" panose="020F0502020204030204" pitchFamily="34" charset="0"/>
+              </a:rPr>
+              <a:t> </a:t>
+            </a:r>
+            <a:r>
+              <a:rPr lang="en-US" sz="1800" dirty="0" err="1">
+                <a:effectLst/>
+                <a:latin typeface="Calibri" panose="020F0502020204030204" pitchFamily="34" charset="0"/>
+              </a:rPr>
+              <a:t>объедаться</a:t>
+            </a:r>
+            <a:r>
+              <a:rPr lang="ru-RU" sz="1800" dirty="0">
+                <a:effectLst/>
+                <a:latin typeface="Calibri" panose="020F0502020204030204" pitchFamily="34" charset="0"/>
+              </a:rPr>
+              <a:t> они делают все на оборот</a:t>
+            </a:r>
+          </a:p>
+          <a:p>
             <a:endParaRPr lang="ru-RU" dirty="0"/>
           </a:p>
           <a:p>
             <a:r>
+              <a:rPr lang="ru-RU" dirty="0"/>
+              <a:t>Вина, стыд, безнадежность, потеря контроля и тп.</a:t>
+            </a:r>
+          </a:p>
+          <a:p>
+            <a:endParaRPr lang="ru-RU" dirty="0"/>
+          </a:p>
+          <a:p>
+            <a:r>
               <a:rPr lang="ru-RU" sz="1800" b="1" dirty="0">
                 <a:effectLst/>
                 <a:latin typeface="Calibri" panose="020F0502020204030204" pitchFamily="34" charset="0"/>
               </a:rPr>
-              <a:t>В поведенческой экономике это называется ограниченной рациональностью: мы рациональны, пока не приходится действовать.</a:t>
+              <a:t>Поразительно, но именно прощение, а не вина повышает ответственность. </a:t>
             </a:r>
             <a:endParaRPr lang="ru-RU" dirty="0"/>
           </a:p>
@@ -5239,7 +5063,7 @@
           <a:p>
             <a:r>
               <a:rPr lang="ru-RU" dirty="0"/>
-              <a:t>Наша система подкрепления не умеет реагировать на будущие блага.</a:t>
+              <a:t>Когда мы проигрываем в волевых испытаниях, мы часто виним себя: мы слабые, безвольные тюфяки. Но зачастую проблема в том что наш мозг и тело пребывают в неподходящем для самоконтроля состоянии.</a:t>
             </a:r>
           </a:p>
           <a:p>
@@ -5248,7 +5072,7 @@
           <a:p>
             <a:r>
               <a:rPr lang="ru-RU" dirty="0"/>
-              <a:t>Но что если убрать награду с поля видения – подальше.</a:t>
+              <a:t>Решение: прощение и не корить себя за ошибки, а признать что ты всего лишь человек и не идеален.</a:t>
             </a:r>
           </a:p>
           <a:p>
@@ -5257,7 +5081,7 @@
           <a:p>
             <a:r>
               <a:rPr lang="ru-RU" dirty="0"/>
-              <a:t>Каков у ваш процент скидки? Людям свойственно обесценивать будущие блага.</a:t>
+              <a:t>Но мы часто думаем что мы сорвались потому что не сильно строги к себе, жестки. Занимаемся самоедством.</a:t>
             </a:r>
           </a:p>
           <a:p>
@@ -5266,16 +5090,17 @@
           <a:p>
             <a:r>
               <a:rPr lang="ru-RU" dirty="0"/>
-              <a:t>Зефирный тест.</a:t>
-            </a:r>
+              <a:t>Прощай себя когда ошибаешся.</a:t>
+            </a:r>
+          </a:p>
+          <a:p>
+            <a:endParaRPr lang="ru-RU" dirty="0"/>
           </a:p>
           <a:p>
             <a:r>
               <a:rPr lang="ru-RU" dirty="0"/>
               <a:t> </a:t>
             </a:r>
-          </a:p>
-          <a:p>
             <a:endParaRPr lang="en-US" dirty="0"/>
           </a:p>
         </p:txBody>
@@ -5297,7 +5122,7 @@
           <a:p>
             <a:fld id="{EF83ECF8-EBB3-462A-BC97-8AC574C482EA}" type="slidenum">
               <a:rPr lang="en-US" smtClean="0"/>
-              <a:t>36</a:t>
+              <a:t>35</a:t>
             </a:fld>
             <a:endParaRPr lang="en-US"/>
           </a:p>
@@ -5362,7 +5187,93 @@
           <a:p>
             <a:r>
               <a:rPr lang="ru-RU" dirty="0"/>
-              <a:t>1519 год Эрнан Кортес испанский конкистадор в поисках золота и серебра повел экспедицию с Кубы на полуостров Юкатан в юго-восточной Мексике.</a:t>
+              <a:t>19 шимпанзе или 40 студентов Гарворда.</a:t>
+            </a:r>
+          </a:p>
+          <a:p>
+            <a:r>
+              <a:rPr lang="ru-RU" dirty="0"/>
+              <a:t>2 сейчас или 6 потом. Теория и Реальность.</a:t>
+            </a:r>
+          </a:p>
+          <a:p>
+            <a:endParaRPr lang="ru-RU" dirty="0"/>
+          </a:p>
+          <a:p>
+            <a:r>
+              <a:rPr lang="ru-RU" dirty="0"/>
+              <a:t>Проблема рациональности.</a:t>
+            </a:r>
+          </a:p>
+          <a:p>
+            <a:endParaRPr lang="ru-RU" dirty="0"/>
+          </a:p>
+          <a:p>
+            <a:r>
+              <a:rPr lang="ru-RU" dirty="0"/>
+              <a:t>Экономисты. Обесценивание при задержке.</a:t>
+            </a:r>
+          </a:p>
+          <a:p>
+            <a:endParaRPr lang="ru-RU" dirty="0"/>
+          </a:p>
+          <a:p>
+            <a:r>
+              <a:rPr lang="ru-RU" sz="1800" b="1" dirty="0">
+                <a:effectLst/>
+                <a:latin typeface="Calibri" panose="020F0502020204030204" pitchFamily="34" charset="0"/>
+              </a:rPr>
+              <a:t>Экономисты называют это обесцениванием при задержке — чем дольше приходится ждать награды, тем меньше она ценится.</a:t>
+            </a:r>
+            <a:endParaRPr lang="ru-RU" dirty="0"/>
+          </a:p>
+          <a:p>
+            <a:endParaRPr lang="ru-RU" dirty="0"/>
+          </a:p>
+          <a:p>
+            <a:r>
+              <a:rPr lang="ru-RU" sz="1800" b="1" dirty="0">
+                <a:effectLst/>
+                <a:latin typeface="Calibri" panose="020F0502020204030204" pitchFamily="34" charset="0"/>
+              </a:rPr>
+              <a:t>В поведенческой экономике это называется ограниченной рациональностью: мы рациональны, пока не приходится действовать.</a:t>
+            </a:r>
+            <a:endParaRPr lang="ru-RU" dirty="0"/>
+          </a:p>
+          <a:p>
+            <a:endParaRPr lang="ru-RU" dirty="0"/>
+          </a:p>
+          <a:p>
+            <a:r>
+              <a:rPr lang="ru-RU" dirty="0"/>
+              <a:t>Наша система подкрепления не умеет реагировать на будущие блага.</a:t>
+            </a:r>
+          </a:p>
+          <a:p>
+            <a:endParaRPr lang="ru-RU" dirty="0"/>
+          </a:p>
+          <a:p>
+            <a:r>
+              <a:rPr lang="ru-RU" dirty="0"/>
+              <a:t>Но что если убрать награду с поля видения – подальше.</a:t>
+            </a:r>
+          </a:p>
+          <a:p>
+            <a:endParaRPr lang="ru-RU" dirty="0"/>
+          </a:p>
+          <a:p>
+            <a:r>
+              <a:rPr lang="ru-RU" dirty="0"/>
+              <a:t>Каков у ваш процент скидки? Людям свойственно обесценивать будущие блага.</a:t>
+            </a:r>
+          </a:p>
+          <a:p>
+            <a:endParaRPr lang="ru-RU" dirty="0"/>
+          </a:p>
+          <a:p>
+            <a:r>
+              <a:rPr lang="ru-RU" dirty="0"/>
+              <a:t>Зефирный тест.</a:t>
             </a:r>
           </a:p>
           <a:p>
@@ -5372,58 +5283,6 @@
             </a:r>
           </a:p>
           <a:p>
-            <a:r>
-              <a:rPr lang="ru-RU" sz="1800" b="1" dirty="0">
-                <a:effectLst/>
-                <a:latin typeface="Calibri" panose="020F0502020204030204" pitchFamily="34" charset="0"/>
-              </a:rPr>
-              <a:t>любимая байка поведенческих экономистов: они считают, что лучшая стратегия самоконтроля — сжигать за собой мосты.</a:t>
-            </a:r>
-          </a:p>
-          <a:p>
-            <a:endParaRPr lang="ru-RU" dirty="0"/>
-          </a:p>
-          <a:p>
-            <a:r>
-              <a:rPr lang="ru-RU" dirty="0"/>
-              <a:t>Сайты по блокировке. И даже по оплате если поситишь.</a:t>
-            </a:r>
-          </a:p>
-          <a:p>
-            <a:endParaRPr lang="ru-RU" dirty="0"/>
-          </a:p>
-          <a:p>
-            <a:r>
-              <a:rPr lang="ru-RU" dirty="0"/>
-              <a:t>Будущее я. Будущее я – незнакомец.</a:t>
-            </a:r>
-          </a:p>
-          <a:p>
-            <a:endParaRPr lang="ru-RU" dirty="0"/>
-          </a:p>
-          <a:p>
-            <a:r>
-              <a:rPr lang="ru-RU" sz="1800" dirty="0">
-                <a:effectLst/>
-                <a:latin typeface="Calibri" panose="020F0502020204030204" pitchFamily="34" charset="0"/>
-              </a:rPr>
-              <a:t>Напротив, связь с будущим «я» защищает нас от наших худших порывов.</a:t>
-            </a:r>
-          </a:p>
-          <a:p>
-            <a:endParaRPr lang="ru-RU" sz="1800" dirty="0">
-              <a:effectLst/>
-              <a:latin typeface="Calibri" panose="020F0502020204030204" pitchFamily="34" charset="0"/>
-            </a:endParaRPr>
-          </a:p>
-          <a:p>
-            <a:r>
-              <a:rPr lang="ru-RU" sz="1800" dirty="0">
-                <a:effectLst/>
-                <a:latin typeface="Calibri" panose="020F0502020204030204" pitchFamily="34" charset="0"/>
-              </a:rPr>
-              <a:t>фильм "назад в будущее"</a:t>
-            </a:r>
             <a:endParaRPr lang="en-US" dirty="0"/>
           </a:p>
         </p:txBody>
@@ -5445,7 +5304,7 @@
           <a:p>
             <a:fld id="{EF83ECF8-EBB3-462A-BC97-8AC574C482EA}" type="slidenum">
               <a:rPr lang="en-US" smtClean="0"/>
-              <a:t>37</a:t>
+              <a:t>36</a:t>
             </a:fld>
             <a:endParaRPr lang="en-US"/>
           </a:p>
@@ -5508,180 +5367,70 @@
           <a:bodyPr/>
           <a:lstStyle/>
           <a:p>
+            <a:r>
+              <a:rPr lang="ru-RU" dirty="0"/>
+              <a:t>1519 год Эрнан Кортес испанский конкистадор в поисках золота и серебра повел экспедицию с Кубы на полуостров Юкатан в юго-восточной Мексике.</a:t>
+            </a:r>
+          </a:p>
+          <a:p>
+            <a:r>
+              <a:rPr lang="ru-RU" dirty="0"/>
+              <a:t> </a:t>
+            </a:r>
+          </a:p>
+          <a:p>
+            <a:r>
+              <a:rPr lang="ru-RU" sz="1800" b="1" dirty="0">
+                <a:effectLst/>
+                <a:latin typeface="Calibri" panose="020F0502020204030204" pitchFamily="34" charset="0"/>
+              </a:rPr>
+              <a:t>любимая байка поведенческих экономистов: они считают, что лучшая стратегия самоконтроля — сжигать за собой мосты.</a:t>
+            </a:r>
+          </a:p>
+          <a:p>
             <a:endParaRPr lang="ru-RU" dirty="0"/>
           </a:p>
           <a:p>
             <a:r>
-              <a:rPr lang="ru-RU" sz="1800" b="1" dirty="0">
-                <a:effectLst/>
-                <a:latin typeface="Calibri" panose="020F0502020204030204" pitchFamily="34" charset="0"/>
-              </a:rPr>
-              <a:t>У нас есть особые нейроны — они называются зеркальными, их единственная задача[38] — отслеживать, что думают, чувствуют и делают другие люди.</a:t>
-            </a:r>
+              <a:rPr lang="ru-RU" dirty="0"/>
+              <a:t>Сайты по блокировке. И даже по оплате если поситишь.</a:t>
+            </a:r>
+          </a:p>
+          <a:p>
             <a:endParaRPr lang="ru-RU" dirty="0"/>
           </a:p>
           <a:p>
+            <a:r>
+              <a:rPr lang="ru-RU" dirty="0"/>
+              <a:t>Будущее я. Будущее я – незнакомец.</a:t>
+            </a:r>
+          </a:p>
+          <a:p>
             <a:endParaRPr lang="ru-RU" dirty="0"/>
           </a:p>
           <a:p>
             <a:r>
-              <a:rPr lang="ru-RU" sz="1800" b="1" dirty="0">
-                <a:effectLst/>
-                <a:latin typeface="Calibri" panose="020F0502020204030204" pitchFamily="34" charset="0"/>
-              </a:rPr>
-              <a:t>поэтому продавцов, менеджеров и политиков учат намеренно копировать позы других людей: человек, которому подражают, более внушаем</a:t>
-            </a:r>
-            <a:r>
               <a:rPr lang="ru-RU" sz="1800" dirty="0">
                 <a:effectLst/>
                 <a:latin typeface="Calibri" panose="020F0502020204030204" pitchFamily="34" charset="0"/>
               </a:rPr>
-              <a:t>).</a:t>
-            </a:r>
-            <a:endParaRPr lang="ru-RU" dirty="0"/>
-          </a:p>
-          <a:p>
-            <a:endParaRPr lang="ru-RU" dirty="0"/>
-          </a:p>
-          <a:p>
-            <a:r>
-              <a:rPr lang="ru-RU" sz="1800" b="1" dirty="0">
-                <a:effectLst/>
-                <a:latin typeface="Calibri" panose="020F0502020204030204" pitchFamily="34" charset="0"/>
-              </a:rPr>
-              <a:t>закадровый смех</a:t>
-            </a:r>
-            <a:endParaRPr lang="ru-RU" dirty="0"/>
-          </a:p>
-          <a:p>
-            <a:endParaRPr lang="ru-RU" dirty="0"/>
-          </a:p>
-          <a:p>
-            <a:pPr marL="0" marR="0" lvl="0" indent="0" algn="l" defTabSz="914400" rtl="0" eaLnBrk="1" fontAlgn="auto" latinLnBrk="0" hangingPunct="1">
-              <a:lnSpc>
-                <a:spcPct val="100000"/>
-              </a:lnSpc>
-              <a:spcBef>
-                <a:spcPts val="0"/>
-              </a:spcBef>
-              <a:spcAft>
-                <a:spcPts val="0"/>
-              </a:spcAft>
-              <a:buClrTx/>
-              <a:buSzTx/>
-              <a:buFontTx/>
-              <a:buNone/>
-              <a:tabLst/>
-              <a:defRPr/>
-            </a:pPr>
-            <a:r>
-              <a:rPr lang="ru-RU" sz="1800" dirty="0">
-                <a:effectLst/>
-                <a:latin typeface="Calibri" panose="020F0502020204030204" pitchFamily="34" charset="0"/>
-              </a:rPr>
-              <a:t>Поэтому в компании мы едим больше, чем в одиночку, игроки поднимают ставки, когда кто-то срывает куш, и мы тратим больше, когда ходим по магазинам с друзьями.</a:t>
-            </a:r>
-            <a:endParaRPr lang="ru-RU" dirty="0"/>
-          </a:p>
-          <a:p>
-            <a:endParaRPr lang="ru-RU" dirty="0"/>
-          </a:p>
-          <a:p>
-            <a:r>
-              <a:rPr lang="ru-RU" sz="1800" dirty="0">
-                <a:effectLst/>
-                <a:latin typeface="Calibri" panose="020F0502020204030204" pitchFamily="34" charset="0"/>
-              </a:rPr>
-              <a:t>Хорошая новость заключается в том, что </a:t>
-            </a:r>
-            <a:r>
-              <a:rPr lang="ru-RU" sz="1800" b="1" dirty="0">
-                <a:effectLst/>
-                <a:latin typeface="Calibri" panose="020F0502020204030204" pitchFamily="34" charset="0"/>
-              </a:rPr>
-              <a:t>заразиться можно только теми целями, которые вы в некоторой степени разделяете. </a:t>
-            </a:r>
-            <a:endParaRPr lang="ru-RU" dirty="0"/>
-          </a:p>
-          <a:p>
-            <a:endParaRPr lang="ru-RU" dirty="0"/>
-          </a:p>
-          <a:p>
-            <a:r>
-              <a:rPr lang="ru-RU" dirty="0"/>
-              <a:t>Социальное доказательство.</a:t>
-            </a:r>
-          </a:p>
-          <a:p>
-            <a:endParaRPr lang="ru-RU" dirty="0"/>
-          </a:p>
-          <a:p>
-            <a:r>
-              <a:rPr lang="ru-RU" sz="1800" dirty="0">
-                <a:effectLst/>
-                <a:latin typeface="Calibri" panose="020F0502020204030204" pitchFamily="34" charset="0"/>
-              </a:rPr>
-              <a:t>Е</a:t>
-            </a:r>
-            <a:r>
-              <a:rPr lang="ru-RU" sz="1800" b="1" dirty="0">
-                <a:effectLst/>
-                <a:latin typeface="Calibri" panose="020F0502020204030204" pitchFamily="34" charset="0"/>
-              </a:rPr>
-              <a:t>сли твои друзья побегут прыгать с моста, ты тоже прыгнешь</a:t>
-            </a:r>
-            <a:r>
-              <a:rPr lang="ru-RU" sz="1800" dirty="0">
-                <a:effectLst/>
-                <a:latin typeface="Calibri" panose="020F0502020204030204" pitchFamily="34" charset="0"/>
-              </a:rPr>
-              <a:t>?</a:t>
-            </a:r>
-            <a:endParaRPr lang="ru-RU" dirty="0"/>
-          </a:p>
-          <a:p>
-            <a:endParaRPr lang="ru-RU" dirty="0"/>
-          </a:p>
-          <a:p>
-            <a:r>
-              <a:rPr lang="ru-RU" dirty="0"/>
-              <a:t>Гордость и Стыд.</a:t>
-            </a:r>
-          </a:p>
-          <a:p>
-            <a:endParaRPr lang="ru-RU" dirty="0"/>
-          </a:p>
-          <a:p>
-            <a:pPr marL="0" marR="0" lvl="0" indent="0" algn="l" defTabSz="914400" rtl="0" eaLnBrk="1" fontAlgn="auto" latinLnBrk="0" hangingPunct="1">
-              <a:lnSpc>
-                <a:spcPct val="100000"/>
-              </a:lnSpc>
-              <a:spcBef>
-                <a:spcPts val="0"/>
-              </a:spcBef>
-              <a:spcAft>
-                <a:spcPts val="0"/>
-              </a:spcAft>
-              <a:buClrTx/>
-              <a:buSzTx/>
-              <a:buFontTx/>
-              <a:buNone/>
-              <a:tabLst/>
-              <a:defRPr/>
-            </a:pPr>
-            <a:r>
-              <a:rPr lang="ru-RU" sz="1800" b="1" dirty="0">
-                <a:effectLst/>
-                <a:latin typeface="Calibri" panose="020F0502020204030204" pitchFamily="34" charset="0"/>
-              </a:rPr>
-              <a:t>Дэвид Дестено, психолог из Северо-Восточного университета, утверждает, что такие социальные эмоции, как гордость и стыд, влияют на наши решения быстрее и сильнее рациональных доводов о долгосрочных затратах и выгодах.</a:t>
-            </a:r>
+              <a:t>Напротив, связь с будущим «я» защищает нас от наших худших порывов.</a:t>
+            </a:r>
+          </a:p>
+          <a:p>
             <a:endParaRPr lang="ru-RU" sz="1800" dirty="0">
               <a:effectLst/>
               <a:latin typeface="Calibri" panose="020F0502020204030204" pitchFamily="34" charset="0"/>
             </a:endParaRPr>
           </a:p>
           <a:p>
+            <a:r>
+              <a:rPr lang="ru-RU" sz="1800" dirty="0">
+                <a:effectLst/>
+                <a:latin typeface="Calibri" panose="020F0502020204030204" pitchFamily="34" charset="0"/>
+              </a:rPr>
+              <a:t>фильм "назад в будущее"</a:t>
+            </a:r>
             <a:endParaRPr lang="en-US" dirty="0"/>
           </a:p>
         </p:txBody>
@@ -5703,7 +5452,7 @@
           <a:p>
             <a:fld id="{EF83ECF8-EBB3-462A-BC97-8AC574C482EA}" type="slidenum">
               <a:rPr lang="en-US" smtClean="0"/>
-              <a:t>38</a:t>
+              <a:t>37</a:t>
             </a:fld>
             <a:endParaRPr lang="en-US"/>
           </a:p>
@@ -5766,6 +5515,264 @@
           <a:bodyPr/>
           <a:lstStyle/>
           <a:p>
+            <a:endParaRPr lang="ru-RU" dirty="0"/>
+          </a:p>
+          <a:p>
+            <a:r>
+              <a:rPr lang="ru-RU" sz="1800" b="1" dirty="0">
+                <a:effectLst/>
+                <a:latin typeface="Calibri" panose="020F0502020204030204" pitchFamily="34" charset="0"/>
+              </a:rPr>
+              <a:t>У нас есть особые нейроны — они называются зеркальными, их единственная задача[38] — отслеживать, что думают, чувствуют и делают другие люди.</a:t>
+            </a:r>
+            <a:endParaRPr lang="ru-RU" dirty="0"/>
+          </a:p>
+          <a:p>
+            <a:endParaRPr lang="ru-RU" dirty="0"/>
+          </a:p>
+          <a:p>
+            <a:r>
+              <a:rPr lang="ru-RU" sz="1800" b="1" dirty="0">
+                <a:effectLst/>
+                <a:latin typeface="Calibri" panose="020F0502020204030204" pitchFamily="34" charset="0"/>
+              </a:rPr>
+              <a:t>поэтому продавцов, менеджеров и политиков учат намеренно копировать позы других людей: человек, которому подражают, более внушаем</a:t>
+            </a:r>
+            <a:r>
+              <a:rPr lang="ru-RU" sz="1800" dirty="0">
+                <a:effectLst/>
+                <a:latin typeface="Calibri" panose="020F0502020204030204" pitchFamily="34" charset="0"/>
+              </a:rPr>
+              <a:t>).</a:t>
+            </a:r>
+            <a:endParaRPr lang="ru-RU" dirty="0"/>
+          </a:p>
+          <a:p>
+            <a:endParaRPr lang="ru-RU" dirty="0"/>
+          </a:p>
+          <a:p>
+            <a:r>
+              <a:rPr lang="ru-RU" sz="1800" b="1" dirty="0">
+                <a:effectLst/>
+                <a:latin typeface="Calibri" panose="020F0502020204030204" pitchFamily="34" charset="0"/>
+              </a:rPr>
+              <a:t>закадровый смех</a:t>
+            </a:r>
+            <a:endParaRPr lang="ru-RU" dirty="0"/>
+          </a:p>
+          <a:p>
+            <a:endParaRPr lang="ru-RU" dirty="0"/>
+          </a:p>
+          <a:p>
+            <a:pPr marL="0" marR="0" lvl="0" indent="0" algn="l" defTabSz="914400" rtl="0" eaLnBrk="1" fontAlgn="auto" latinLnBrk="0" hangingPunct="1">
+              <a:lnSpc>
+                <a:spcPct val="100000"/>
+              </a:lnSpc>
+              <a:spcBef>
+                <a:spcPts val="0"/>
+              </a:spcBef>
+              <a:spcAft>
+                <a:spcPts val="0"/>
+              </a:spcAft>
+              <a:buClrTx/>
+              <a:buSzTx/>
+              <a:buFontTx/>
+              <a:buNone/>
+              <a:tabLst/>
+              <a:defRPr/>
+            </a:pPr>
+            <a:r>
+              <a:rPr lang="ru-RU" sz="1800" dirty="0">
+                <a:effectLst/>
+                <a:latin typeface="Calibri" panose="020F0502020204030204" pitchFamily="34" charset="0"/>
+              </a:rPr>
+              <a:t>Поэтому в компании мы едим больше, чем в одиночку, игроки поднимают ставки, когда кто-то срывает куш, и мы тратим больше, когда ходим по магазинам с друзьями.</a:t>
+            </a:r>
+            <a:endParaRPr lang="ru-RU" dirty="0"/>
+          </a:p>
+          <a:p>
+            <a:endParaRPr lang="ru-RU" dirty="0"/>
+          </a:p>
+          <a:p>
+            <a:r>
+              <a:rPr lang="ru-RU" sz="1800" dirty="0">
+                <a:effectLst/>
+                <a:latin typeface="Calibri" panose="020F0502020204030204" pitchFamily="34" charset="0"/>
+              </a:rPr>
+              <a:t>Хорошая новость заключается в том, что </a:t>
+            </a:r>
+            <a:r>
+              <a:rPr lang="ru-RU" sz="1800" b="1" dirty="0">
+                <a:effectLst/>
+                <a:latin typeface="Calibri" panose="020F0502020204030204" pitchFamily="34" charset="0"/>
+              </a:rPr>
+              <a:t>заразиться можно только теми целями, которые вы в некоторой степени разделяете. </a:t>
+            </a:r>
+            <a:endParaRPr lang="ru-RU" dirty="0"/>
+          </a:p>
+          <a:p>
+            <a:endParaRPr lang="ru-RU" dirty="0"/>
+          </a:p>
+          <a:p>
+            <a:r>
+              <a:rPr lang="ru-RU" dirty="0"/>
+              <a:t>Социальное доказательство.</a:t>
+            </a:r>
+          </a:p>
+          <a:p>
+            <a:endParaRPr lang="ru-RU" dirty="0"/>
+          </a:p>
+          <a:p>
+            <a:r>
+              <a:rPr lang="ru-RU" sz="1800" dirty="0">
+                <a:effectLst/>
+                <a:latin typeface="Calibri" panose="020F0502020204030204" pitchFamily="34" charset="0"/>
+              </a:rPr>
+              <a:t>Е</a:t>
+            </a:r>
+            <a:r>
+              <a:rPr lang="ru-RU" sz="1800" b="1" dirty="0">
+                <a:effectLst/>
+                <a:latin typeface="Calibri" panose="020F0502020204030204" pitchFamily="34" charset="0"/>
+              </a:rPr>
+              <a:t>сли твои друзья побегут прыгать с моста, ты тоже прыгнешь</a:t>
+            </a:r>
+            <a:r>
+              <a:rPr lang="ru-RU" sz="1800" dirty="0">
+                <a:effectLst/>
+                <a:latin typeface="Calibri" panose="020F0502020204030204" pitchFamily="34" charset="0"/>
+              </a:rPr>
+              <a:t>?</a:t>
+            </a:r>
+            <a:endParaRPr lang="ru-RU" dirty="0"/>
+          </a:p>
+          <a:p>
+            <a:endParaRPr lang="ru-RU" dirty="0"/>
+          </a:p>
+          <a:p>
+            <a:r>
+              <a:rPr lang="ru-RU" dirty="0"/>
+              <a:t>Гордость и Стыд.</a:t>
+            </a:r>
+          </a:p>
+          <a:p>
+            <a:endParaRPr lang="ru-RU" dirty="0"/>
+          </a:p>
+          <a:p>
+            <a:pPr marL="0" marR="0" lvl="0" indent="0" algn="l" defTabSz="914400" rtl="0" eaLnBrk="1" fontAlgn="auto" latinLnBrk="0" hangingPunct="1">
+              <a:lnSpc>
+                <a:spcPct val="100000"/>
+              </a:lnSpc>
+              <a:spcBef>
+                <a:spcPts val="0"/>
+              </a:spcBef>
+              <a:spcAft>
+                <a:spcPts val="0"/>
+              </a:spcAft>
+              <a:buClrTx/>
+              <a:buSzTx/>
+              <a:buFontTx/>
+              <a:buNone/>
+              <a:tabLst/>
+              <a:defRPr/>
+            </a:pPr>
+            <a:r>
+              <a:rPr lang="ru-RU" sz="1800" b="1" dirty="0">
+                <a:effectLst/>
+                <a:latin typeface="Calibri" panose="020F0502020204030204" pitchFamily="34" charset="0"/>
+              </a:rPr>
+              <a:t>Дэвид Дестено, психолог из Северо-Восточного университета, утверждает, что такие социальные эмоции, как гордость и стыд, влияют на наши решения быстрее и сильнее рациональных доводов о долгосрочных затратах и выгодах.</a:t>
+            </a:r>
+            <a:endParaRPr lang="ru-RU" sz="1800" dirty="0">
+              <a:effectLst/>
+              <a:latin typeface="Calibri" panose="020F0502020204030204" pitchFamily="34" charset="0"/>
+            </a:endParaRPr>
+          </a:p>
+          <a:p>
+            <a:endParaRPr lang="en-US" dirty="0"/>
+          </a:p>
+        </p:txBody>
+      </p:sp>
+      <p:sp>
+        <p:nvSpPr>
+          <p:cNvPr id="4" name="Slide Number Placeholder 3"/>
+          <p:cNvSpPr>
+            <a:spLocks noGrp="1"/>
+          </p:cNvSpPr>
+          <p:nvPr>
+            <p:ph type="sldNum" sz="quarter" idx="5"/>
+          </p:nvPr>
+        </p:nvSpPr>
+        <p:spPr/>
+        <p:txBody>
+          <a:bodyPr/>
+          <a:lstStyle/>
+          <a:p>
+            <a:fld id="{EF83ECF8-EBB3-462A-BC97-8AC574C482EA}" type="slidenum">
+              <a:rPr lang="en-US" smtClean="0"/>
+              <a:t>38</a:t>
+            </a:fld>
+            <a:endParaRPr lang="en-US"/>
+          </a:p>
+        </p:txBody>
+      </p:sp>
+    </p:spTree>
+    <p:extLst>
+      <p:ext uri="{BB962C8B-B14F-4D97-AF65-F5344CB8AC3E}">
+        <p14:creationId xmlns:p14="http://schemas.microsoft.com/office/powerpoint/2010/main" val="2603442122"/>
+      </p:ext>
+    </p:extLst>
+  </p:cSld>
+  <p:clrMapOvr>
+    <a:masterClrMapping/>
+  </p:clrMapOvr>
+</p:notes>
+</file>
+
+<file path=ppt/notesSlides/notesSlide27.xml><?xml version="1.0" encoding="utf-8"?>
+<p:notes xmlns:a="http://schemas.openxmlformats.org/drawingml/2006/main" xmlns:r="http://schemas.openxmlformats.org/officeDocument/2006/relationships" xmlns:p="http://schemas.openxmlformats.org/presentationml/2006/main">
+  <p:cSld>
+    <p:spTree>
+      <p:nvGrpSpPr>
+        <p:cNvPr id="1" name=""/>
+        <p:cNvGrpSpPr/>
+        <p:nvPr/>
+      </p:nvGrpSpPr>
+      <p:grpSpPr>
+        <a:xfrm>
+          <a:off x="0" y="0"/>
+          <a:ext cx="0" cy="0"/>
+          <a:chOff x="0" y="0"/>
+          <a:chExt cx="0" cy="0"/>
+        </a:xfrm>
+      </p:grpSpPr>
+      <p:sp>
+        <p:nvSpPr>
+          <p:cNvPr id="2" name="Slide Image Placeholder 1"/>
+          <p:cNvSpPr>
+            <a:spLocks noGrp="1" noRot="1" noChangeAspect="1"/>
+          </p:cNvSpPr>
+          <p:nvPr>
+            <p:ph type="sldImg"/>
+          </p:nvPr>
+        </p:nvSpPr>
+        <p:spPr/>
+      </p:sp>
+      <p:sp>
+        <p:nvSpPr>
+          <p:cNvPr id="3" name="Notes Placeholder 2"/>
+          <p:cNvSpPr>
+            <a:spLocks noGrp="1"/>
+          </p:cNvSpPr>
+          <p:nvPr>
+            <p:ph type="body" idx="1"/>
+          </p:nvPr>
+        </p:nvSpPr>
+        <p:spPr/>
+        <p:txBody>
+          <a:bodyPr/>
+          <a:lstStyle/>
+          <a:p>
             <a:r>
               <a:rPr lang="ru-RU" dirty="0"/>
               <a:t>Попытки контролироват мысли и чувства вызывают обратный эффект.</a:t>
@@ -5841,6 +5848,90 @@
     <p:extLst>
       <p:ext uri="{BB962C8B-B14F-4D97-AF65-F5344CB8AC3E}">
         <p14:creationId xmlns:p14="http://schemas.microsoft.com/office/powerpoint/2010/main" val="2603442122"/>
+      </p:ext>
+    </p:extLst>
+  </p:cSld>
+  <p:clrMapOvr>
+    <a:masterClrMapping/>
+  </p:clrMapOvr>
+</p:notes>
+</file>
+
+<file path=ppt/notesSlides/notesSlide28.xml><?xml version="1.0" encoding="utf-8"?>
+<p:notes xmlns:a="http://schemas.openxmlformats.org/drawingml/2006/main" xmlns:r="http://schemas.openxmlformats.org/officeDocument/2006/relationships" xmlns:p="http://schemas.openxmlformats.org/presentationml/2006/main">
+  <p:cSld>
+    <p:spTree>
+      <p:nvGrpSpPr>
+        <p:cNvPr id="1" name=""/>
+        <p:cNvGrpSpPr/>
+        <p:nvPr/>
+      </p:nvGrpSpPr>
+      <p:grpSpPr>
+        <a:xfrm>
+          <a:off x="0" y="0"/>
+          <a:ext cx="0" cy="0"/>
+          <a:chOff x="0" y="0"/>
+          <a:chExt cx="0" cy="0"/>
+        </a:xfrm>
+      </p:grpSpPr>
+      <p:sp>
+        <p:nvSpPr>
+          <p:cNvPr id="2" name="Slide Image Placeholder 1"/>
+          <p:cNvSpPr>
+            <a:spLocks noGrp="1" noRot="1" noChangeAspect="1"/>
+          </p:cNvSpPr>
+          <p:nvPr>
+            <p:ph type="sldImg"/>
+          </p:nvPr>
+        </p:nvSpPr>
+        <p:spPr/>
+      </p:sp>
+      <p:sp>
+        <p:nvSpPr>
+          <p:cNvPr id="3" name="Notes Placeholder 2"/>
+          <p:cNvSpPr>
+            <a:spLocks noGrp="1"/>
+          </p:cNvSpPr>
+          <p:nvPr>
+            <p:ph type="body" idx="1"/>
+          </p:nvPr>
+        </p:nvSpPr>
+        <p:spPr/>
+        <p:txBody>
+          <a:bodyPr/>
+          <a:lstStyle/>
+          <a:p>
+            <a:endParaRPr lang="en-US" dirty="0"/>
+          </a:p>
+        </p:txBody>
+      </p:sp>
+      <p:sp>
+        <p:nvSpPr>
+          <p:cNvPr id="4" name="Slide Number Placeholder 3"/>
+          <p:cNvSpPr>
+            <a:spLocks noGrp="1"/>
+          </p:cNvSpPr>
+          <p:nvPr>
+            <p:ph type="sldNum" sz="quarter" idx="5"/>
+          </p:nvPr>
+        </p:nvSpPr>
+        <p:spPr/>
+        <p:txBody>
+          <a:bodyPr/>
+          <a:lstStyle/>
+          <a:p>
+            <a:fld id="{EF83ECF8-EBB3-462A-BC97-8AC574C482EA}" type="slidenum">
+              <a:rPr lang="en-US" smtClean="0"/>
+              <a:t>41</a:t>
+            </a:fld>
+            <a:endParaRPr lang="en-US"/>
+          </a:p>
+        </p:txBody>
+      </p:sp>
+    </p:spTree>
+    <p:extLst>
+      <p:ext uri="{BB962C8B-B14F-4D97-AF65-F5344CB8AC3E}">
+        <p14:creationId xmlns:p14="http://schemas.microsoft.com/office/powerpoint/2010/main" val="62504862"/>
       </p:ext>
     </p:extLst>
   </p:cSld>
@@ -5894,10 +5985,6 @@
           <a:bodyPr/>
           <a:lstStyle/>
           <a:p>
-            <a:r>
-              <a:rPr lang="ru-RU" dirty="0"/>
-              <a:t>Американский страитель. Работал бригадиром взрывников на прокладке железной дороги. Получивший тяжелое ранение головного мозга при прокладке железной дороги. </a:t>
-            </a:r>
             <a:endParaRPr lang="en-US" dirty="0"/>
           </a:p>
         </p:txBody>
@@ -5919,7 +6006,7 @@
           <a:p>
             <a:fld id="{EF83ECF8-EBB3-462A-BC97-8AC574C482EA}" type="slidenum">
               <a:rPr lang="en-US" smtClean="0"/>
-              <a:t>12</a:t>
+              <a:t>3</a:t>
             </a:fld>
             <a:endParaRPr lang="en-US"/>
           </a:p>
@@ -5928,7 +6015,7 @@
     </p:spTree>
     <p:extLst>
       <p:ext uri="{BB962C8B-B14F-4D97-AF65-F5344CB8AC3E}">
-        <p14:creationId xmlns:p14="http://schemas.microsoft.com/office/powerpoint/2010/main" val="3706007809"/>
+        <p14:creationId xmlns:p14="http://schemas.microsoft.com/office/powerpoint/2010/main" val="3554396205"/>
       </p:ext>
     </p:extLst>
   </p:cSld>
@@ -5982,32 +6069,12 @@
           <a:bodyPr/>
           <a:lstStyle/>
           <a:p>
-            <a:pPr marL="0" marR="0" lvl="0" indent="0" algn="l" defTabSz="914400" rtl="0" eaLnBrk="1" fontAlgn="auto" latinLnBrk="0" hangingPunct="1">
-              <a:lnSpc>
-                <a:spcPct val="100000"/>
-              </a:lnSpc>
-              <a:spcBef>
-                <a:spcPts val="0"/>
-              </a:spcBef>
-              <a:spcAft>
-                <a:spcPts val="0"/>
-              </a:spcAft>
-              <a:buClrTx/>
-              <a:buSzTx/>
-              <a:buFontTx/>
-              <a:buNone/>
-              <a:tabLst/>
-              <a:defRPr/>
-            </a:pPr>
             <a:r>
               <a:rPr lang="ru-RU" dirty="0"/>
               <a:t>Американский страитель. Работал бригадиром взрывников на прокладке железной дороги. Получивший тяжелое ранение головного мозга при прокладке железной дороги. </a:t>
             </a:r>
             <a:endParaRPr lang="en-US" dirty="0"/>
           </a:p>
-          <a:p>
-            <a:endParaRPr lang="en-US" dirty="0"/>
-          </a:p>
         </p:txBody>
       </p:sp>
       <p:sp>
@@ -6027,7 +6094,7 @@
           <a:p>
             <a:fld id="{EF83ECF8-EBB3-462A-BC97-8AC574C482EA}" type="slidenum">
               <a:rPr lang="en-US" smtClean="0"/>
-              <a:t>13</a:t>
+              <a:t>12</a:t>
             </a:fld>
             <a:endParaRPr lang="en-US"/>
           </a:p>
@@ -6036,7 +6103,7 @@
     </p:spTree>
     <p:extLst>
       <p:ext uri="{BB962C8B-B14F-4D97-AF65-F5344CB8AC3E}">
-        <p14:creationId xmlns:p14="http://schemas.microsoft.com/office/powerpoint/2010/main" val="2110202258"/>
+        <p14:creationId xmlns:p14="http://schemas.microsoft.com/office/powerpoint/2010/main" val="3706007809"/>
       </p:ext>
     </p:extLst>
   </p:cSld>
@@ -6135,7 +6202,7 @@
           <a:p>
             <a:fld id="{EF83ECF8-EBB3-462A-BC97-8AC574C482EA}" type="slidenum">
               <a:rPr lang="en-US" smtClean="0"/>
-              <a:t>14</a:t>
+              <a:t>13</a:t>
             </a:fld>
             <a:endParaRPr lang="en-US"/>
           </a:p>
@@ -6144,7 +6211,7 @@
     </p:spTree>
     <p:extLst>
       <p:ext uri="{BB962C8B-B14F-4D97-AF65-F5344CB8AC3E}">
-        <p14:creationId xmlns:p14="http://schemas.microsoft.com/office/powerpoint/2010/main" val="3450701639"/>
+        <p14:creationId xmlns:p14="http://schemas.microsoft.com/office/powerpoint/2010/main" val="2110202258"/>
       </p:ext>
     </p:extLst>
   </p:cSld>
@@ -6216,15 +6283,12 @@
               <a:defRPr/>
             </a:pPr>
             <a:r>
-              <a:rPr lang="ru-RU" b="0" i="0" dirty="0">
-                <a:solidFill>
-                  <a:srgbClr val="202122"/>
-                </a:solidFill>
-                <a:effectLst/>
-                <a:latin typeface="Arial" panose="020B0604020202020204" pitchFamily="34" charset="0"/>
-              </a:rPr>
-              <a:t>Друзья заявляли о том, что «это больше не Гейдж»</a:t>
-            </a:r>
+              <a:rPr lang="ru-RU" dirty="0"/>
+              <a:t>Американский страитель. Работал бригадиром взрывников на прокладке железной дороги. Получивший тяжелое ранение головного мозга при прокладке железной дороги. </a:t>
+            </a:r>
+            <a:endParaRPr lang="en-US" dirty="0"/>
+          </a:p>
+          <a:p>
             <a:endParaRPr lang="en-US" dirty="0"/>
           </a:p>
         </p:txBody>
@@ -6246,7 +6310,7 @@
           <a:p>
             <a:fld id="{EF83ECF8-EBB3-462A-BC97-8AC574C482EA}" type="slidenum">
               <a:rPr lang="en-US" smtClean="0"/>
-              <a:t>15</a:t>
+              <a:t>14</a:t>
             </a:fld>
             <a:endParaRPr lang="en-US"/>
           </a:p>
@@ -6255,7 +6319,7 @@
     </p:spTree>
     <p:extLst>
       <p:ext uri="{BB962C8B-B14F-4D97-AF65-F5344CB8AC3E}">
-        <p14:creationId xmlns:p14="http://schemas.microsoft.com/office/powerpoint/2010/main" val="2985115373"/>
+        <p14:creationId xmlns:p14="http://schemas.microsoft.com/office/powerpoint/2010/main" val="3450701639"/>
       </p:ext>
     </p:extLst>
   </p:cSld>
@@ -6357,7 +6421,7 @@
           <a:p>
             <a:fld id="{EF83ECF8-EBB3-462A-BC97-8AC574C482EA}" type="slidenum">
               <a:rPr lang="en-US" smtClean="0"/>
-              <a:t>16</a:t>
+              <a:t>15</a:t>
             </a:fld>
             <a:endParaRPr lang="en-US"/>
           </a:p>
@@ -6366,7 +6430,7 @@
     </p:spTree>
     <p:extLst>
       <p:ext uri="{BB962C8B-B14F-4D97-AF65-F5344CB8AC3E}">
-        <p14:creationId xmlns:p14="http://schemas.microsoft.com/office/powerpoint/2010/main" val="905809542"/>
+        <p14:creationId xmlns:p14="http://schemas.microsoft.com/office/powerpoint/2010/main" val="2985115373"/>
       </p:ext>
     </p:extLst>
   </p:cSld>
@@ -6447,116 +6511,6 @@
               </a:rPr>
               <a:t>Друзья заявляли о том, что «это больше не Гейдж»</a:t>
             </a:r>
-          </a:p>
-          <a:p>
-            <a:pPr marL="0" marR="0" lvl="0" indent="0" algn="l" defTabSz="914400" rtl="0" eaLnBrk="1" fontAlgn="auto" latinLnBrk="0" hangingPunct="1">
-              <a:lnSpc>
-                <a:spcPct val="100000"/>
-              </a:lnSpc>
-              <a:spcBef>
-                <a:spcPts val="0"/>
-              </a:spcBef>
-              <a:spcAft>
-                <a:spcPts val="0"/>
-              </a:spcAft>
-              <a:buClrTx/>
-              <a:buSzTx/>
-              <a:buFontTx/>
-              <a:buNone/>
-              <a:tabLst/>
-              <a:defRPr/>
-            </a:pPr>
-            <a:endParaRPr lang="ru-RU" b="0" i="0" dirty="0">
-              <a:solidFill>
-                <a:srgbClr val="202122"/>
-              </a:solidFill>
-              <a:effectLst/>
-              <a:latin typeface="Arial" panose="020B0604020202020204" pitchFamily="34" charset="0"/>
-            </a:endParaRPr>
-          </a:p>
-          <a:p>
-            <a:pPr marL="0" marR="0" lvl="0" indent="0" algn="l" defTabSz="914400" rtl="0" eaLnBrk="1" fontAlgn="auto" latinLnBrk="0" hangingPunct="1">
-              <a:lnSpc>
-                <a:spcPct val="100000"/>
-              </a:lnSpc>
-              <a:spcBef>
-                <a:spcPts val="0"/>
-              </a:spcBef>
-              <a:spcAft>
-                <a:spcPts val="0"/>
-              </a:spcAft>
-              <a:buClrTx/>
-              <a:buSzTx/>
-              <a:buFontTx/>
-              <a:buNone/>
-              <a:tabLst/>
-              <a:defRPr/>
-            </a:pPr>
-            <a:r>
-              <a:rPr lang="ru-RU" b="0" i="0" dirty="0">
-                <a:solidFill>
-                  <a:srgbClr val="202122"/>
-                </a:solidFill>
-                <a:effectLst/>
-                <a:latin typeface="Arial" panose="020B0604020202020204" pitchFamily="34" charset="0"/>
-              </a:rPr>
-              <a:t>Он порывист, непочтителен, ругается матом – одним словом, сломался тормоз.</a:t>
-            </a:r>
-          </a:p>
-          <a:p>
-            <a:pPr marL="0" marR="0" lvl="0" indent="0" algn="l" defTabSz="914400" rtl="0" eaLnBrk="1" fontAlgn="auto" latinLnBrk="0" hangingPunct="1">
-              <a:lnSpc>
-                <a:spcPct val="100000"/>
-              </a:lnSpc>
-              <a:spcBef>
-                <a:spcPts val="0"/>
-              </a:spcBef>
-              <a:spcAft>
-                <a:spcPts val="0"/>
-              </a:spcAft>
-              <a:buClrTx/>
-              <a:buSzTx/>
-              <a:buFontTx/>
-              <a:buNone/>
-              <a:tabLst/>
-              <a:defRPr/>
-            </a:pPr>
-            <a:endParaRPr lang="ru-RU" b="0" i="0" dirty="0">
-              <a:solidFill>
-                <a:srgbClr val="202122"/>
-              </a:solidFill>
-              <a:effectLst/>
-              <a:latin typeface="Arial" panose="020B0604020202020204" pitchFamily="34" charset="0"/>
-            </a:endParaRPr>
-          </a:p>
-          <a:p>
-            <a:pPr marL="0" marR="0" lvl="0" indent="0" algn="l" defTabSz="914400" rtl="0" eaLnBrk="1" fontAlgn="auto" latinLnBrk="0" hangingPunct="1">
-              <a:lnSpc>
-                <a:spcPct val="100000"/>
-              </a:lnSpc>
-              <a:spcBef>
-                <a:spcPts val="0"/>
-              </a:spcBef>
-              <a:spcAft>
-                <a:spcPts val="0"/>
-              </a:spcAft>
-              <a:buClrTx/>
-              <a:buSzTx/>
-              <a:buFontTx/>
-              <a:buNone/>
-              <a:tabLst/>
-              <a:defRPr/>
-            </a:pPr>
-            <a:r>
-              <a:rPr lang="ru-RU" b="0" i="0" dirty="0">
-                <a:solidFill>
-                  <a:srgbClr val="202122"/>
-                </a:solidFill>
-                <a:effectLst/>
-                <a:latin typeface="Arial" panose="020B0604020202020204" pitchFamily="34" charset="0"/>
-              </a:rPr>
-              <a:t>Прожил еще 12 лет после этого.</a:t>
-            </a:r>
             <a:endParaRPr lang="en-US" dirty="0"/>
           </a:p>
         </p:txBody>
@@ -6578,7 +6532,7 @@
           <a:p>
             <a:fld id="{EF83ECF8-EBB3-462A-BC97-8AC574C482EA}" type="slidenum">
               <a:rPr lang="en-US" smtClean="0"/>
-              <a:t>17</a:t>
+              <a:t>16</a:t>
             </a:fld>
             <a:endParaRPr lang="en-US"/>
           </a:p>
@@ -6587,7 +6541,7 @@
     </p:spTree>
     <p:extLst>
       <p:ext uri="{BB962C8B-B14F-4D97-AF65-F5344CB8AC3E}">
-        <p14:creationId xmlns:p14="http://schemas.microsoft.com/office/powerpoint/2010/main" val="3766052677"/>
+        <p14:creationId xmlns:p14="http://schemas.microsoft.com/office/powerpoint/2010/main" val="905809542"/>
       </p:ext>
     </p:extLst>
   </p:cSld>
@@ -6641,9 +6595,142 @@
           <a:bodyPr/>
           <a:lstStyle/>
           <a:p>
-            <a:r>
-              <a:rPr lang="ru-RU" dirty="0"/>
-              <a:t>Почему я хочу поговорить про Мозг?</a:t>
+            <a:pPr marL="0" marR="0" lvl="0" indent="0" algn="l" defTabSz="914400" rtl="0" eaLnBrk="1" fontAlgn="auto" latinLnBrk="0" hangingPunct="1">
+              <a:lnSpc>
+                <a:spcPct val="100000"/>
+              </a:lnSpc>
+              <a:spcBef>
+                <a:spcPts val="0"/>
+              </a:spcBef>
+              <a:spcAft>
+                <a:spcPts val="0"/>
+              </a:spcAft>
+              <a:buClrTx/>
+              <a:buSzTx/>
+              <a:buFontTx/>
+              <a:buNone/>
+              <a:tabLst/>
+              <a:defRPr/>
+            </a:pPr>
+            <a:r>
+              <a:rPr lang="ru-RU" b="0" i="0" dirty="0">
+                <a:solidFill>
+                  <a:srgbClr val="202122"/>
+                </a:solidFill>
+                <a:effectLst/>
+                <a:latin typeface="Arial" panose="020B0604020202020204" pitchFamily="34" charset="0"/>
+              </a:rPr>
+              <a:t>Друзья заявляли о том, что «это больше не Гейдж»</a:t>
+            </a:r>
+          </a:p>
+          <a:p>
+            <a:pPr marL="0" marR="0" lvl="0" indent="0" algn="l" defTabSz="914400" rtl="0" eaLnBrk="1" fontAlgn="auto" latinLnBrk="0" hangingPunct="1">
+              <a:lnSpc>
+                <a:spcPct val="100000"/>
+              </a:lnSpc>
+              <a:spcBef>
+                <a:spcPts val="0"/>
+              </a:spcBef>
+              <a:spcAft>
+                <a:spcPts val="0"/>
+              </a:spcAft>
+              <a:buClrTx/>
+              <a:buSzTx/>
+              <a:buFontTx/>
+              <a:buNone/>
+              <a:tabLst/>
+              <a:defRPr/>
+            </a:pPr>
+            <a:endParaRPr lang="ru-RU" b="0" i="0" dirty="0">
+              <a:solidFill>
+                <a:srgbClr val="202122"/>
+              </a:solidFill>
+              <a:effectLst/>
+              <a:latin typeface="Arial" panose="020B0604020202020204" pitchFamily="34" charset="0"/>
+            </a:endParaRPr>
+          </a:p>
+          <a:p>
+            <a:pPr marL="0" marR="0" lvl="0" indent="0" algn="l" defTabSz="914400" rtl="0" eaLnBrk="1" fontAlgn="auto" latinLnBrk="0" hangingPunct="1">
+              <a:lnSpc>
+                <a:spcPct val="100000"/>
+              </a:lnSpc>
+              <a:spcBef>
+                <a:spcPts val="0"/>
+              </a:spcBef>
+              <a:spcAft>
+                <a:spcPts val="0"/>
+              </a:spcAft>
+              <a:buClrTx/>
+              <a:buSzTx/>
+              <a:buFontTx/>
+              <a:buNone/>
+              <a:tabLst/>
+              <a:defRPr/>
+            </a:pPr>
+            <a:r>
+              <a:rPr lang="ru-RU" b="0" i="0" dirty="0">
+                <a:solidFill>
+                  <a:srgbClr val="202122"/>
+                </a:solidFill>
+                <a:effectLst/>
+                <a:latin typeface="Arial" panose="020B0604020202020204" pitchFamily="34" charset="0"/>
+              </a:rPr>
+              <a:t>Он порывист, непочтителен, ругается матом – одним словом, сломался тормоз.</a:t>
+            </a:r>
+          </a:p>
+          <a:p>
+            <a:pPr marL="0" marR="0" lvl="0" indent="0" algn="l" defTabSz="914400" rtl="0" eaLnBrk="1" fontAlgn="auto" latinLnBrk="0" hangingPunct="1">
+              <a:lnSpc>
+                <a:spcPct val="100000"/>
+              </a:lnSpc>
+              <a:spcBef>
+                <a:spcPts val="0"/>
+              </a:spcBef>
+              <a:spcAft>
+                <a:spcPts val="0"/>
+              </a:spcAft>
+              <a:buClrTx/>
+              <a:buSzTx/>
+              <a:buFontTx/>
+              <a:buNone/>
+              <a:tabLst/>
+              <a:defRPr/>
+            </a:pPr>
+            <a:endParaRPr lang="ru-RU" b="0" i="0" dirty="0">
+              <a:solidFill>
+                <a:srgbClr val="202122"/>
+              </a:solidFill>
+              <a:effectLst/>
+              <a:latin typeface="Arial" panose="020B0604020202020204" pitchFamily="34" charset="0"/>
+            </a:endParaRPr>
+          </a:p>
+          <a:p>
+            <a:pPr marL="0" marR="0" lvl="0" indent="0" algn="l" defTabSz="914400" rtl="0" eaLnBrk="1" fontAlgn="auto" latinLnBrk="0" hangingPunct="1">
+              <a:lnSpc>
+                <a:spcPct val="100000"/>
+              </a:lnSpc>
+              <a:spcBef>
+                <a:spcPts val="0"/>
+              </a:spcBef>
+              <a:spcAft>
+                <a:spcPts val="0"/>
+              </a:spcAft>
+              <a:buClrTx/>
+              <a:buSzTx/>
+              <a:buFontTx/>
+              <a:buNone/>
+              <a:tabLst/>
+              <a:defRPr/>
+            </a:pPr>
+            <a:r>
+              <a:rPr lang="ru-RU" b="0" i="0" dirty="0">
+                <a:solidFill>
+                  <a:srgbClr val="202122"/>
+                </a:solidFill>
+                <a:effectLst/>
+                <a:latin typeface="Arial" panose="020B0604020202020204" pitchFamily="34" charset="0"/>
+              </a:rPr>
+              <a:t>Прожил еще 12 лет после этого.</a:t>
             </a:r>
             <a:endParaRPr lang="en-US" dirty="0"/>
           </a:p>
@@ -6666,7 +6753,7 @@
           <a:p>
             <a:fld id="{EF83ECF8-EBB3-462A-BC97-8AC574C482EA}" type="slidenum">
               <a:rPr lang="en-US" smtClean="0"/>
-              <a:t>18</a:t>
+              <a:t>17</a:t>
             </a:fld>
             <a:endParaRPr lang="en-US"/>
           </a:p>
@@ -6675,7 +6762,7 @@
     </p:spTree>
     <p:extLst>
       <p:ext uri="{BB962C8B-B14F-4D97-AF65-F5344CB8AC3E}">
-        <p14:creationId xmlns:p14="http://schemas.microsoft.com/office/powerpoint/2010/main" val="3399977846"/>
+        <p14:creationId xmlns:p14="http://schemas.microsoft.com/office/powerpoint/2010/main" val="3766052677"/>
       </p:ext>
     </p:extLst>
   </p:cSld>
@@ -7332,7 +7419,7 @@
             <a:fld id="{1E700B27-DE4C-4B9E-BB11-B9027034A00F}" type="datetimeFigureOut">
               <a:rPr lang="en-US" dirty="0"/>
               <a:pPr/>
-              <a:t>2/11/2021</a:t>
+              <a:t>2/12/2021</a:t>
             </a:fld>
             <a:endParaRPr lang="en-US" dirty="0"/>
           </a:p>
@@ -8448,7 +8535,7 @@
           <a:p>
             <a:fld id="{C40F4739-9812-4A9F-890D-2AD6BA5F6EE8}" type="datetimeFigureOut">
               <a:rPr lang="en-US" dirty="0"/>
-              <a:t>2/11/2021</a:t>
+              <a:t>2/12/2021</a:t>
             </a:fld>
             <a:endParaRPr lang="en-US" dirty="0"/>
           </a:p>
@@ -9455,7 +9542,7 @@
           <a:p>
             <a:fld id="{18845AC5-A3F8-44AA-BA8F-596CDCC976D3}" type="datetimeFigureOut">
               <a:rPr lang="en-US" dirty="0"/>
-              <a:t>2/11/2021</a:t>
+              <a:t>2/12/2021</a:t>
             </a:fld>
             <a:endParaRPr lang="en-US" dirty="0"/>
           </a:p>
@@ -10621,7 +10708,7 @@
           <a:p>
             <a:fld id="{C873B183-A821-4095-A363-9EC968635539}" type="datetimeFigureOut">
               <a:rPr lang="en-US" dirty="0"/>
-              <a:t>2/11/2021</a:t>
+              <a:t>2/12/2021</a:t>
             </a:fld>
             <a:endParaRPr lang="en-US" dirty="0"/>
           </a:p>
@@ -11678,7 +11765,7 @@
           <a:p>
             <a:fld id="{174D01B4-0AA5-45E6-B2E6-5FA4078AEBCF}" type="datetimeFigureOut">
               <a:rPr lang="en-US" dirty="0"/>
-              <a:t>2/11/2021</a:t>
+              <a:t>2/12/2021</a:t>
             </a:fld>
             <a:endParaRPr lang="en-US" dirty="0"/>
           </a:p>
@@ -12320,7 +12407,7 @@
           <a:p>
             <a:fld id="{4147335C-0450-40D7-8612-B3203BED4F28}" type="datetimeFigureOut">
               <a:rPr lang="en-US" dirty="0"/>
-              <a:t>2/11/2021</a:t>
+              <a:t>2/12/2021</a:t>
             </a:fld>
             <a:endParaRPr lang="en-US" dirty="0"/>
           </a:p>
@@ -13163,7 +13250,7 @@
           <a:p>
             <a:fld id="{D246A105-2A1C-4284-B4EA-07CF89B1A393}" type="datetimeFigureOut">
               <a:rPr lang="en-US" dirty="0"/>
-              <a:t>2/11/2021</a:t>
+              <a:t>2/12/2021</a:t>
             </a:fld>
             <a:endParaRPr lang="en-US" dirty="0"/>
           </a:p>
@@ -13334,7 +13421,7 @@
           <a:p>
             <a:fld id="{80DBE609-F3F2-45E6-BD6A-E03A8C86C1AE}" type="datetimeFigureOut">
               <a:rPr lang="en-US" dirty="0"/>
-              <a:t>2/11/2021</a:t>
+              <a:t>2/12/2021</a:t>
             </a:fld>
             <a:endParaRPr lang="en-US" dirty="0"/>
           </a:p>
@@ -14328,7 +14415,7 @@
           <a:p>
             <a:fld id="{7A24AD68-089C-4467-A8F3-EA2BBCA6B44E}" type="datetimeFigureOut">
               <a:rPr lang="en-US" dirty="0"/>
-              <a:t>2/11/2021</a:t>
+              <a:t>2/12/2021</a:t>
             </a:fld>
             <a:endParaRPr lang="en-US" dirty="0"/>
           </a:p>
@@ -14530,7 +14617,7 @@
           <a:p>
             <a:fld id="{75C51FCE-E4BB-4680-8E50-3C0E348D2609}" type="datetimeFigureOut">
               <a:rPr lang="en-US" dirty="0"/>
-              <a:t>2/11/2021</a:t>
+              <a:t>2/12/2021</a:t>
             </a:fld>
             <a:endParaRPr lang="en-US" dirty="0"/>
           </a:p>
@@ -15588,7 +15675,7 @@
           <a:p>
             <a:fld id="{8AAA073D-A903-47F8-8D16-77642FB0DF1F}" type="datetimeFigureOut">
               <a:rPr lang="en-US" dirty="0"/>
-              <a:t>2/11/2021</a:t>
+              <a:t>2/12/2021</a:t>
             </a:fld>
             <a:endParaRPr lang="en-US" dirty="0"/>
           </a:p>
@@ -15856,7 +15943,7 @@
           <a:p>
             <a:fld id="{AB91FA40-626B-4CA1-85D0-7A9016E395BA}" type="datetimeFigureOut">
               <a:rPr lang="en-US" dirty="0"/>
-              <a:t>2/11/2021</a:t>
+              <a:t>2/12/2021</a:t>
             </a:fld>
             <a:endParaRPr lang="en-US" dirty="0"/>
           </a:p>
@@ -16234,7 +16321,7 @@
           <a:p>
             <a:fld id="{C3F425EA-B9DC-48A7-991E-9A82573B1B21}" type="datetimeFigureOut">
               <a:rPr lang="en-US" dirty="0"/>
-              <a:t>2/11/2021</a:t>
+              <a:t>2/12/2021</a:t>
             </a:fld>
             <a:endParaRPr lang="en-US" dirty="0"/>
           </a:p>
@@ -16348,7 +16435,7 @@
           <a:p>
             <a:fld id="{66CB97F8-6CEB-469B-AFCC-889F2A2B1D5A}" type="datetimeFigureOut">
               <a:rPr lang="en-US" dirty="0"/>
-              <a:t>2/11/2021</a:t>
+              <a:t>2/12/2021</a:t>
             </a:fld>
             <a:endParaRPr lang="en-US" dirty="0"/>
           </a:p>
@@ -16439,7 +16526,7 @@
           <a:p>
             <a:fld id="{8FA9179F-009E-4FA5-B091-7EBB82A185BD}" type="datetimeFigureOut">
               <a:rPr lang="en-US" dirty="0"/>
-              <a:t>2/11/2021</a:t>
+              <a:t>2/12/2021</a:t>
             </a:fld>
             <a:endParaRPr lang="en-US" dirty="0"/>
           </a:p>
@@ -17544,7 +17631,7 @@
           <a:p>
             <a:fld id="{8E665CEB-0076-4E37-B880-BCEA9784DE0A}" type="datetimeFigureOut">
               <a:rPr lang="en-US" dirty="0"/>
-              <a:t>2/11/2021</a:t>
+              <a:t>2/12/2021</a:t>
             </a:fld>
             <a:endParaRPr lang="en-US" dirty="0"/>
           </a:p>
@@ -18673,7 +18760,7 @@
           <a:p>
             <a:fld id="{A6149E5E-3896-4118-99A7-7B85668F1C5E}" type="datetimeFigureOut">
               <a:rPr lang="en-US" dirty="0"/>
-              <a:t>2/11/2021</a:t>
+              <a:t>2/12/2021</a:t>
             </a:fld>
             <a:endParaRPr lang="en-US" dirty="0"/>
           </a:p>
@@ -19697,7 +19784,7 @@
           <a:p>
             <a:fld id="{7E0D914D-B099-4142-A885-11F276715148}" type="datetimeFigureOut">
               <a:rPr lang="en-US" dirty="0"/>
-              <a:t>2/11/2021</a:t>
+              <a:t>2/12/2021</a:t>
             </a:fld>
             <a:endParaRPr lang="en-US" dirty="0"/>
           </a:p>
@@ -20302,10 +20389,19 @@
         </p:nvSpPr>
         <p:spPr/>
         <p:txBody>
-          <a:bodyPr/>
+          <a:bodyPr>
+            <a:normAutofit/>
+          </a:bodyPr>
           <a:lstStyle/>
           <a:p>
-            <a:endParaRPr lang="en-US" dirty="0"/>
+            <a:r>
+              <a:rPr lang="ru-RU" sz="3600" dirty="0"/>
+              <a:t>Часть</a:t>
+            </a:r>
+            <a:r>
+              <a:rPr lang="en-US" sz="3600" dirty="0"/>
+              <a:t> 1</a:t>
+            </a:r>
           </a:p>
         </p:txBody>
       </p:sp>
@@ -23117,7 +23213,7 @@
           <p:cNvPr id="2" name="Title 1">
             <a:extLst>
               <a:ext uri="{FF2B5EF4-FFF2-40B4-BE49-F238E27FC236}">
-                <a16:creationId xmlns:a16="http://schemas.microsoft.com/office/drawing/2014/main" id="{8502BE21-50A6-4F8E-83CA-2BE2172D726F}"/>
+                <a16:creationId xmlns:a16="http://schemas.microsoft.com/office/drawing/2014/main" id="{9550BF9A-9843-427C-A0E1-F17C2FCE7F33}"/>
               </a:ext>
             </a:extLst>
           </p:cNvPr>
@@ -23125,7 +23221,7 @@
             <a:spLocks noGrp="1"/>
           </p:cNvSpPr>
           <p:nvPr>
-            <p:ph type="title"/>
+            <p:ph type="ctrTitle"/>
           </p:nvPr>
         </p:nvSpPr>
         <p:spPr/>
@@ -23135,7 +23231,7 @@
           <a:p>
             <a:r>
               <a:rPr lang="ru-RU" dirty="0"/>
-              <a:t>Келли Макгонигал</a:t>
+              <a:t>Сила Воли</a:t>
             </a:r>
             <a:endParaRPr lang="en-US" dirty="0"/>
           </a:p>
@@ -23143,10 +23239,10 @@
       </p:sp>
       <p:sp>
         <p:nvSpPr>
-          <p:cNvPr id="3" name="Content Placeholder 2">
+          <p:cNvPr id="3" name="Subtitle 2">
             <a:extLst>
               <a:ext uri="{FF2B5EF4-FFF2-40B4-BE49-F238E27FC236}">
-                <a16:creationId xmlns:a16="http://schemas.microsoft.com/office/drawing/2014/main" id="{F7D9122A-547D-4498-81E3-940AF608A4E2}"/>
+                <a16:creationId xmlns:a16="http://schemas.microsoft.com/office/drawing/2014/main" id="{F2194475-14B8-49FB-9EAE-33902D2B3E74}"/>
               </a:ext>
             </a:extLst>
           </p:cNvPr>
@@ -23154,36 +23250,31 @@
             <a:spLocks noGrp="1"/>
           </p:cNvSpPr>
           <p:nvPr>
-            <p:ph idx="1"/>
-          </p:nvPr>
-        </p:nvSpPr>
-        <p:spPr>
-          <a:xfrm>
-            <a:off x="1154953" y="3729518"/>
-            <a:ext cx="8761412" cy="2290281"/>
-          </a:xfrm>
-        </p:spPr>
+            <p:ph type="subTitle" idx="1"/>
+          </p:nvPr>
+        </p:nvSpPr>
+        <p:spPr/>
         <p:txBody>
           <a:bodyPr>
             <a:normAutofit/>
           </a:bodyPr>
           <a:lstStyle/>
           <a:p>
-            <a:pPr marL="0" indent="0" algn="ctr">
-              <a:buNone/>
-            </a:pPr>
-            <a:r>
-              <a:rPr lang="ru-RU" sz="2000" b="1" dirty="0"/>
-              <a:t>Часть вторая</a:t>
-            </a:r>
-            <a:endParaRPr lang="en-US" sz="2000" b="1" dirty="0"/>
+            <a:r>
+              <a:rPr lang="ru-RU" sz="3600" dirty="0"/>
+              <a:t>Часть</a:t>
+            </a:r>
+            <a:r>
+              <a:rPr lang="en-US" sz="3600" dirty="0"/>
+              <a:t> 2</a:t>
+            </a:r>
           </a:p>
         </p:txBody>
       </p:sp>
     </p:spTree>
     <p:extLst>
       <p:ext uri="{BB962C8B-B14F-4D97-AF65-F5344CB8AC3E}">
-        <p14:creationId xmlns:p14="http://schemas.microsoft.com/office/powerpoint/2010/main" val="3973760173"/>
+        <p14:creationId xmlns:p14="http://schemas.microsoft.com/office/powerpoint/2010/main" val="3434143979"/>
       </p:ext>
     </p:extLst>
   </p:cSld>
@@ -24313,7 +24404,7 @@
 </file>
 
 <file path=ppt/slides/slide41.xml><?xml version="1.0" encoding="utf-8"?>
-<p:sld xmlns:a="http://schemas.openxmlformats.org/drawingml/2006/main" xmlns:r="http://schemas.openxmlformats.org/officeDocument/2006/relationships" xmlns:p="http://schemas.openxmlformats.org/presentationml/2006/main" show="0">
+<p:sld xmlns:a="http://schemas.openxmlformats.org/drawingml/2006/main" xmlns:r="http://schemas.openxmlformats.org/officeDocument/2006/relationships" xmlns:p="http://schemas.openxmlformats.org/presentationml/2006/main">
   <p:cSld>
     <p:spTree>
       <p:nvGrpSpPr>
@@ -24334,7 +24425,7 @@
           <p:cNvPr id="2" name="Title 1">
             <a:extLst>
               <a:ext uri="{FF2B5EF4-FFF2-40B4-BE49-F238E27FC236}">
-                <a16:creationId xmlns:a16="http://schemas.microsoft.com/office/drawing/2014/main" id="{8502BE21-50A6-4F8E-83CA-2BE2172D726F}"/>
+                <a16:creationId xmlns:a16="http://schemas.microsoft.com/office/drawing/2014/main" id="{9550BF9A-9843-427C-A0E1-F17C2FCE7F33}"/>
               </a:ext>
             </a:extLst>
           </p:cNvPr>
@@ -24342,7 +24433,7 @@
             <a:spLocks noGrp="1"/>
           </p:cNvSpPr>
           <p:nvPr>
-            <p:ph type="title"/>
+            <p:ph type="ctrTitle"/>
           </p:nvPr>
         </p:nvSpPr>
         <p:spPr/>
@@ -24352,7 +24443,7 @@
           <a:p>
             <a:r>
               <a:rPr lang="ru-RU" dirty="0"/>
-              <a:t>Бенжамин Харди</a:t>
+              <a:t>Сила Воли</a:t>
             </a:r>
             <a:endParaRPr lang="en-US" dirty="0"/>
           </a:p>
@@ -24360,10 +24451,10 @@
       </p:sp>
       <p:sp>
         <p:nvSpPr>
-          <p:cNvPr id="3" name="Content Placeholder 2">
+          <p:cNvPr id="3" name="Subtitle 2">
             <a:extLst>
               <a:ext uri="{FF2B5EF4-FFF2-40B4-BE49-F238E27FC236}">
-                <a16:creationId xmlns:a16="http://schemas.microsoft.com/office/drawing/2014/main" id="{F7D9122A-547D-4498-81E3-940AF608A4E2}"/>
+                <a16:creationId xmlns:a16="http://schemas.microsoft.com/office/drawing/2014/main" id="{F2194475-14B8-49FB-9EAE-33902D2B3E74}"/>
               </a:ext>
             </a:extLst>
           </p:cNvPr>
@@ -24371,36 +24462,31 @@
             <a:spLocks noGrp="1"/>
           </p:cNvSpPr>
           <p:nvPr>
-            <p:ph idx="1"/>
-          </p:nvPr>
-        </p:nvSpPr>
-        <p:spPr>
-          <a:xfrm>
-            <a:off x="1154954" y="3816990"/>
-            <a:ext cx="9549397" cy="2202809"/>
-          </a:xfrm>
-        </p:spPr>
+            <p:ph type="subTitle" idx="1"/>
+          </p:nvPr>
+        </p:nvSpPr>
+        <p:spPr/>
         <p:txBody>
           <a:bodyPr>
             <a:normAutofit/>
           </a:bodyPr>
           <a:lstStyle/>
           <a:p>
-            <a:pPr marL="0" indent="0" algn="ctr">
-              <a:buNone/>
-            </a:pPr>
-            <a:r>
-              <a:rPr lang="ru-RU" sz="2000" b="1" dirty="0"/>
-              <a:t>Сила воли не работает. Пусть твое окружение работает вместо нее.</a:t>
-            </a:r>
-            <a:endParaRPr lang="en-US" sz="2000" b="1" dirty="0"/>
+            <a:r>
+              <a:rPr lang="ru-RU" sz="3600" dirty="0"/>
+              <a:t>Часть</a:t>
+            </a:r>
+            <a:r>
+              <a:rPr lang="en-US" sz="3600" dirty="0"/>
+              <a:t> 3</a:t>
+            </a:r>
           </a:p>
         </p:txBody>
       </p:sp>
     </p:spTree>
     <p:extLst>
       <p:ext uri="{BB962C8B-B14F-4D97-AF65-F5344CB8AC3E}">
-        <p14:creationId xmlns:p14="http://schemas.microsoft.com/office/powerpoint/2010/main" val="3215833638"/>
+        <p14:creationId xmlns:p14="http://schemas.microsoft.com/office/powerpoint/2010/main" val="2192626258"/>
       </p:ext>
     </p:extLst>
   </p:cSld>
@@ -24472,25 +24558,33 @@
             <p:ph idx="1"/>
           </p:nvPr>
         </p:nvSpPr>
-        <p:spPr/>
-        <p:txBody>
-          <a:bodyPr/>
+        <p:spPr>
+          <a:xfrm>
+            <a:off x="1154954" y="3816990"/>
+            <a:ext cx="9549397" cy="2202809"/>
+          </a:xfrm>
+        </p:spPr>
+        <p:txBody>
+          <a:bodyPr>
+            <a:normAutofit/>
+          </a:bodyPr>
           <a:lstStyle/>
           <a:p>
-            <a:r>
-              <a:rPr lang="ru-RU" dirty="0"/>
-              <a:t>Человек – порождение ситуации.</a:t>
-            </a:r>
-          </a:p>
-          <a:p>
-            <a:endParaRPr lang="ru-RU" dirty="0"/>
+            <a:pPr marL="0" indent="0" algn="ctr">
+              <a:buNone/>
+            </a:pPr>
+            <a:r>
+              <a:rPr lang="ru-RU" sz="2000" b="1" dirty="0"/>
+              <a:t>Сила воли не работает. Пусть твое окружение работает вместо нее.</a:t>
+            </a:r>
+            <a:endParaRPr lang="en-US" sz="2000" b="1" dirty="0"/>
           </a:p>
         </p:txBody>
       </p:sp>
     </p:spTree>
     <p:extLst>
       <p:ext uri="{BB962C8B-B14F-4D97-AF65-F5344CB8AC3E}">
-        <p14:creationId xmlns:p14="http://schemas.microsoft.com/office/powerpoint/2010/main" val="1059165568"/>
+        <p14:creationId xmlns:p14="http://schemas.microsoft.com/office/powerpoint/2010/main" val="3215833638"/>
       </p:ext>
     </p:extLst>
   </p:cSld>
@@ -24573,12 +24667,6 @@
             </a:r>
           </a:p>
           <a:p>
-            <a:r>
-              <a:rPr lang="ru-RU" dirty="0"/>
-              <a:t>Ваша среда формирует вас.</a:t>
-            </a:r>
-          </a:p>
-          <a:p>
             <a:endParaRPr lang="ru-RU" dirty="0"/>
           </a:p>
         </p:txBody>
@@ -24586,7 +24674,7 @@
     </p:spTree>
     <p:extLst>
       <p:ext uri="{BB962C8B-B14F-4D97-AF65-F5344CB8AC3E}">
-        <p14:creationId xmlns:p14="http://schemas.microsoft.com/office/powerpoint/2010/main" val="2398533860"/>
+        <p14:creationId xmlns:p14="http://schemas.microsoft.com/office/powerpoint/2010/main" val="1059165568"/>
       </p:ext>
     </p:extLst>
   </p:cSld>
@@ -24636,6 +24724,102 @@
           <a:p>
             <a:r>
               <a:rPr lang="ru-RU" dirty="0"/>
+              <a:t>Бенжамин Харди</a:t>
+            </a:r>
+            <a:endParaRPr lang="en-US" dirty="0"/>
+          </a:p>
+        </p:txBody>
+      </p:sp>
+      <p:sp>
+        <p:nvSpPr>
+          <p:cNvPr id="3" name="Content Placeholder 2">
+            <a:extLst>
+              <a:ext uri="{FF2B5EF4-FFF2-40B4-BE49-F238E27FC236}">
+                <a16:creationId xmlns:a16="http://schemas.microsoft.com/office/drawing/2014/main" id="{F7D9122A-547D-4498-81E3-940AF608A4E2}"/>
+              </a:ext>
+            </a:extLst>
+          </p:cNvPr>
+          <p:cNvSpPr>
+            <a:spLocks noGrp="1"/>
+          </p:cNvSpPr>
+          <p:nvPr>
+            <p:ph idx="1"/>
+          </p:nvPr>
+        </p:nvSpPr>
+        <p:spPr/>
+        <p:txBody>
+          <a:bodyPr/>
+          <a:lstStyle/>
+          <a:p>
+            <a:r>
+              <a:rPr lang="ru-RU" dirty="0"/>
+              <a:t>Человек – порождение ситуации.</a:t>
+            </a:r>
+          </a:p>
+          <a:p>
+            <a:r>
+              <a:rPr lang="ru-RU" dirty="0"/>
+              <a:t>Ваша среда формирует вас.</a:t>
+            </a:r>
+          </a:p>
+          <a:p>
+            <a:endParaRPr lang="ru-RU" dirty="0"/>
+          </a:p>
+        </p:txBody>
+      </p:sp>
+    </p:spTree>
+    <p:extLst>
+      <p:ext uri="{BB962C8B-B14F-4D97-AF65-F5344CB8AC3E}">
+        <p14:creationId xmlns:p14="http://schemas.microsoft.com/office/powerpoint/2010/main" val="2398533860"/>
+      </p:ext>
+    </p:extLst>
+  </p:cSld>
+  <p:clrMapOvr>
+    <a:masterClrMapping/>
+  </p:clrMapOvr>
+</p:sld>
+</file>
+
+<file path=ppt/slides/slide45.xml><?xml version="1.0" encoding="utf-8"?>
+<p:sld xmlns:a="http://schemas.openxmlformats.org/drawingml/2006/main" xmlns:r="http://schemas.openxmlformats.org/officeDocument/2006/relationships" xmlns:p="http://schemas.openxmlformats.org/presentationml/2006/main" show="0">
+  <p:cSld>
+    <p:spTree>
+      <p:nvGrpSpPr>
+        <p:cNvPr id="1" name=""/>
+        <p:cNvGrpSpPr/>
+        <p:nvPr/>
+      </p:nvGrpSpPr>
+      <p:grpSpPr>
+        <a:xfrm>
+          <a:off x="0" y="0"/>
+          <a:ext cx="0" cy="0"/>
+          <a:chOff x="0" y="0"/>
+          <a:chExt cx="0" cy="0"/>
+        </a:xfrm>
+      </p:grpSpPr>
+      <p:sp>
+        <p:nvSpPr>
+          <p:cNvPr id="2" name="Title 1">
+            <a:extLst>
+              <a:ext uri="{FF2B5EF4-FFF2-40B4-BE49-F238E27FC236}">
+                <a16:creationId xmlns:a16="http://schemas.microsoft.com/office/drawing/2014/main" id="{8502BE21-50A6-4F8E-83CA-2BE2172D726F}"/>
+              </a:ext>
+            </a:extLst>
+          </p:cNvPr>
+          <p:cNvSpPr>
+            <a:spLocks noGrp="1"/>
+          </p:cNvSpPr>
+          <p:nvPr>
+            <p:ph type="title"/>
+          </p:nvPr>
+        </p:nvSpPr>
+        <p:spPr/>
+        <p:txBody>
+          <a:bodyPr/>
+          <a:lstStyle/>
+          <a:p>
+            <a:r>
+              <a:rPr lang="ru-RU" dirty="0"/>
               <a:t>Резюме по книге Бенжамин Харди</a:t>
             </a:r>
             <a:endParaRPr lang="en-US" dirty="0"/>
@@ -24680,7 +24864,7 @@
 </p:sld>
 </file>
 
-<file path=ppt/slides/slide45.xml><?xml version="1.0" encoding="utf-8"?>
+<file path=ppt/slides/slide46.xml><?xml version="1.0" encoding="utf-8"?>
 <p:sld xmlns:a="http://schemas.openxmlformats.org/drawingml/2006/main" xmlns:r="http://schemas.openxmlformats.org/officeDocument/2006/relationships" xmlns:p="http://schemas.openxmlformats.org/presentationml/2006/main">
   <p:cSld>
     <p:spTree>
@@ -24755,101 +24939,6 @@
     <p:extLst>
       <p:ext uri="{BB962C8B-B14F-4D97-AF65-F5344CB8AC3E}">
         <p14:creationId xmlns:p14="http://schemas.microsoft.com/office/powerpoint/2010/main" val="2164139279"/>
-      </p:ext>
-    </p:extLst>
-  </p:cSld>
-  <p:clrMapOvr>
-    <a:masterClrMapping/>
-  </p:clrMapOvr>
-</p:sld>
-</file>
-
-<file path=ppt/slides/slide46.xml><?xml version="1.0" encoding="utf-8"?>
-<p:sld xmlns:a="http://schemas.openxmlformats.org/drawingml/2006/main" xmlns:r="http://schemas.openxmlformats.org/officeDocument/2006/relationships" xmlns:p="http://schemas.openxmlformats.org/presentationml/2006/main" show="0">
-  <p:cSld>
-    <p:spTree>
-      <p:nvGrpSpPr>
-        <p:cNvPr id="1" name=""/>
-        <p:cNvGrpSpPr/>
-        <p:nvPr/>
-      </p:nvGrpSpPr>
-      <p:grpSpPr>
-        <a:xfrm>
-          <a:off x="0" y="0"/>
-          <a:ext cx="0" cy="0"/>
-          <a:chOff x="0" y="0"/>
-          <a:chExt cx="0" cy="0"/>
-        </a:xfrm>
-      </p:grpSpPr>
-      <p:sp>
-        <p:nvSpPr>
-          <p:cNvPr id="2" name="Title 1">
-            <a:extLst>
-              <a:ext uri="{FF2B5EF4-FFF2-40B4-BE49-F238E27FC236}">
-                <a16:creationId xmlns:a16="http://schemas.microsoft.com/office/drawing/2014/main" id="{8502BE21-50A6-4F8E-83CA-2BE2172D726F}"/>
-              </a:ext>
-            </a:extLst>
-          </p:cNvPr>
-          <p:cNvSpPr>
-            <a:spLocks noGrp="1"/>
-          </p:cNvSpPr>
-          <p:nvPr>
-            <p:ph type="title"/>
-          </p:nvPr>
-        </p:nvSpPr>
-        <p:spPr/>
-        <p:txBody>
-          <a:bodyPr/>
-          <a:lstStyle/>
-          <a:p>
-            <a:r>
-              <a:rPr lang="ru-RU" dirty="0"/>
-              <a:t>Так есть ли Сила Воли?</a:t>
-            </a:r>
-            <a:endParaRPr lang="en-US" dirty="0"/>
-          </a:p>
-        </p:txBody>
-      </p:sp>
-      <p:sp>
-        <p:nvSpPr>
-          <p:cNvPr id="3" name="Content Placeholder 2">
-            <a:extLst>
-              <a:ext uri="{FF2B5EF4-FFF2-40B4-BE49-F238E27FC236}">
-                <a16:creationId xmlns:a16="http://schemas.microsoft.com/office/drawing/2014/main" id="{F7D9122A-547D-4498-81E3-940AF608A4E2}"/>
-              </a:ext>
-            </a:extLst>
-          </p:cNvPr>
-          <p:cNvSpPr>
-            <a:spLocks noGrp="1"/>
-          </p:cNvSpPr>
-          <p:nvPr>
-            <p:ph idx="1"/>
-          </p:nvPr>
-        </p:nvSpPr>
-        <p:spPr/>
-        <p:txBody>
-          <a:bodyPr/>
-          <a:lstStyle/>
-          <a:p>
-            <a:r>
-              <a:rPr lang="ru-RU" dirty="0"/>
-              <a:t>Если мы под силой воли подразумеваем способность управлять самим собой (самоконтроль/дисциплина) и ходом своей жизни таким образом, что бы добиваться всех намеченных целей и реализовывать практически любые свои желания. – Ответ: </a:t>
-            </a:r>
-            <a:r>
-              <a:rPr lang="ru-RU" sz="2000" b="1" dirty="0"/>
-              <a:t>Да</a:t>
-            </a:r>
-            <a:r>
-              <a:rPr lang="ru-RU" dirty="0"/>
-              <a:t>. </a:t>
-            </a:r>
-          </a:p>
-        </p:txBody>
-      </p:sp>
-    </p:spTree>
-    <p:extLst>
-      <p:ext uri="{BB962C8B-B14F-4D97-AF65-F5344CB8AC3E}">
-        <p14:creationId xmlns:p14="http://schemas.microsoft.com/office/powerpoint/2010/main" val="1046140786"/>
       </p:ext>
     </p:extLst>
   </p:cSld>
@@ -24923,9 +25012,7 @@
         </p:nvSpPr>
         <p:spPr/>
         <p:txBody>
-          <a:bodyPr>
-            <a:normAutofit/>
-          </a:bodyPr>
+          <a:bodyPr/>
           <a:lstStyle/>
           <a:p>
             <a:r>
@@ -24939,23 +25026,6 @@
             <a:r>
               <a:rPr lang="ru-RU" dirty="0"/>
               <a:t>. </a:t>
-            </a:r>
-          </a:p>
-          <a:p>
-            <a:endParaRPr lang="ru-RU" dirty="0"/>
-          </a:p>
-          <a:p>
-            <a:r>
-              <a:rPr lang="ru-RU" dirty="0"/>
-              <a:t>Поможет ли нам Сила Воли? – ответ: </a:t>
-            </a:r>
-            <a:r>
-              <a:rPr lang="ru-RU" sz="2000" b="1" dirty="0"/>
-              <a:t>Нет</a:t>
-            </a:r>
-            <a:r>
-              <a:rPr lang="ru-RU" b="1" dirty="0"/>
-              <a:t>.</a:t>
             </a:r>
           </a:p>
         </p:txBody>
@@ -24963,7 +25033,7 @@
     </p:spTree>
     <p:extLst>
       <p:ext uri="{BB962C8B-B14F-4D97-AF65-F5344CB8AC3E}">
-        <p14:creationId xmlns:p14="http://schemas.microsoft.com/office/powerpoint/2010/main" val="3424737229"/>
+        <p14:creationId xmlns:p14="http://schemas.microsoft.com/office/powerpoint/2010/main" val="1046140786"/>
       </p:ext>
     </p:extLst>
   </p:cSld>
@@ -24974,7 +25044,7 @@
 </file>
 
 <file path=ppt/slides/slide48.xml><?xml version="1.0" encoding="utf-8"?>
-<p:sld xmlns:a="http://schemas.openxmlformats.org/drawingml/2006/main" xmlns:r="http://schemas.openxmlformats.org/officeDocument/2006/relationships" xmlns:p="http://schemas.openxmlformats.org/presentationml/2006/main">
+<p:sld xmlns:a="http://schemas.openxmlformats.org/drawingml/2006/main" xmlns:r="http://schemas.openxmlformats.org/officeDocument/2006/relationships" xmlns:p="http://schemas.openxmlformats.org/presentationml/2006/main" show="0">
   <p:cSld>
     <p:spTree>
       <p:nvGrpSpPr>
@@ -25013,7 +25083,7 @@
           <a:p>
             <a:r>
               <a:rPr lang="ru-RU" dirty="0"/>
-              <a:t>И что мне делать?</a:t>
+              <a:t>Так есть ли Сила Воли?</a:t>
             </a:r>
             <a:endParaRPr lang="en-US" dirty="0"/>
           </a:p>
@@ -25035,24 +25105,49 @@
             <p:ph idx="1"/>
           </p:nvPr>
         </p:nvSpPr>
-        <p:spPr>
-          <a:xfrm>
-            <a:off x="1154955" y="2603500"/>
-            <a:ext cx="10077904" cy="3416300"/>
-          </a:xfrm>
-        </p:spPr>
-        <p:txBody>
-          <a:bodyPr/>
+        <p:spPr/>
+        <p:txBody>
+          <a:bodyPr>
+            <a:normAutofit/>
+          </a:bodyPr>
           <a:lstStyle/>
           <a:p>
+            <a:r>
+              <a:rPr lang="ru-RU" dirty="0"/>
+              <a:t>Если мы под силой воли подразумеваем способность управлять самим собой (самоконтроль/дисциплина) и ходом своей жизни таким образом, что бы добиваться всех намеченных целей и реализовывать практически любые свои желания. – Ответ: </a:t>
+            </a:r>
+            <a:r>
+              <a:rPr lang="ru-RU" sz="2000" b="1" dirty="0"/>
+              <a:t>Да</a:t>
+            </a:r>
+            <a:r>
+              <a:rPr lang="ru-RU" dirty="0"/>
+              <a:t>. </a:t>
+            </a:r>
+          </a:p>
+          <a:p>
             <a:endParaRPr lang="ru-RU" dirty="0"/>
+          </a:p>
+          <a:p>
+            <a:r>
+              <a:rPr lang="ru-RU" dirty="0"/>
+              <a:t>Поможет ли нам Сила Воли? – ответ: </a:t>
+            </a:r>
+            <a:r>
+              <a:rPr lang="ru-RU" sz="2000" b="1" dirty="0"/>
+              <a:t>Нет</a:t>
+            </a:r>
+            <a:r>
+              <a:rPr lang="ru-RU" b="1" dirty="0"/>
+              <a:t>.</a:t>
+            </a:r>
           </a:p>
         </p:txBody>
       </p:sp>
     </p:spTree>
     <p:extLst>
       <p:ext uri="{BB962C8B-B14F-4D97-AF65-F5344CB8AC3E}">
-        <p14:creationId xmlns:p14="http://schemas.microsoft.com/office/powerpoint/2010/main" val="104215905"/>
+        <p14:creationId xmlns:p14="http://schemas.microsoft.com/office/powerpoint/2010/main" val="3424737229"/>
       </p:ext>
     </p:extLst>
   </p:cSld>
@@ -25134,12 +25229,6 @@
           <a:bodyPr/>
           <a:lstStyle/>
           <a:p>
-            <a:r>
-              <a:rPr lang="ru-RU" dirty="0"/>
-              <a:t>Прислушивайся к себе. Чего ты хочешь? Какую проблему ты пытаешься решить?</a:t>
-            </a:r>
-          </a:p>
-          <a:p>
             <a:endParaRPr lang="ru-RU" dirty="0"/>
           </a:p>
         </p:txBody>
@@ -25147,7 +25236,7 @@
     </p:spTree>
     <p:extLst>
       <p:ext uri="{BB962C8B-B14F-4D97-AF65-F5344CB8AC3E}">
-        <p14:creationId xmlns:p14="http://schemas.microsoft.com/office/powerpoint/2010/main" val="4079798762"/>
+        <p14:creationId xmlns:p14="http://schemas.microsoft.com/office/powerpoint/2010/main" val="104215905"/>
       </p:ext>
     </p:extLst>
   </p:cSld>
@@ -25342,8 +25431,8 @@
         </p:nvSpPr>
         <p:spPr>
           <a:xfrm>
-            <a:off x="1154954" y="2603500"/>
-            <a:ext cx="10279239" cy="3416300"/>
+            <a:off x="1154955" y="2603500"/>
+            <a:ext cx="10077904" cy="3416300"/>
           </a:xfrm>
         </p:spPr>
         <p:txBody>
@@ -25353,15 +25442,6 @@
             <a:r>
               <a:rPr lang="ru-RU" dirty="0"/>
               <a:t>Прислушивайся к себе. Чего ты хочешь? Какую проблему ты пытаешься решить?</a:t>
-            </a:r>
-          </a:p>
-          <a:p>
-            <a:endParaRPr lang="ru-RU" dirty="0"/>
-          </a:p>
-          <a:p>
-            <a:r>
-              <a:rPr lang="ru-RU" dirty="0"/>
-              <a:t>Задавай вопросы сам себе. И пытайся найти ответы.</a:t>
             </a:r>
           </a:p>
           <a:p>
@@ -25372,7 +25452,7 @@
     </p:spTree>
     <p:extLst>
       <p:ext uri="{BB962C8B-B14F-4D97-AF65-F5344CB8AC3E}">
-        <p14:creationId xmlns:p14="http://schemas.microsoft.com/office/powerpoint/2010/main" val="4171558127"/>
+        <p14:creationId xmlns:p14="http://schemas.microsoft.com/office/powerpoint/2010/main" val="4079798762"/>
       </p:ext>
     </p:extLst>
   </p:cSld>
@@ -25447,7 +25527,7 @@
         <p:spPr>
           <a:xfrm>
             <a:off x="1154954" y="2603500"/>
-            <a:ext cx="10430241" cy="3416300"/>
+            <a:ext cx="10279239" cy="3416300"/>
           </a:xfrm>
         </p:spPr>
         <p:txBody>
@@ -25466,15 +25546,6 @@
             <a:r>
               <a:rPr lang="ru-RU" dirty="0"/>
               <a:t>Задавай вопросы сам себе. И пытайся найти ответы.</a:t>
-            </a:r>
-          </a:p>
-          <a:p>
-            <a:endParaRPr lang="ru-RU" dirty="0"/>
-          </a:p>
-          <a:p>
-            <a:r>
-              <a:rPr lang="ru-RU" dirty="0"/>
-              <a:t>Найди баланс.</a:t>
             </a:r>
           </a:p>
           <a:p>
@@ -25485,7 +25556,7 @@
     </p:spTree>
     <p:extLst>
       <p:ext uri="{BB962C8B-B14F-4D97-AF65-F5344CB8AC3E}">
-        <p14:creationId xmlns:p14="http://schemas.microsoft.com/office/powerpoint/2010/main" val="1501391458"/>
+        <p14:creationId xmlns:p14="http://schemas.microsoft.com/office/powerpoint/2010/main" val="4171558127"/>
       </p:ext>
     </p:extLst>
   </p:cSld>
@@ -25560,7 +25631,7 @@
         <p:spPr>
           <a:xfrm>
             <a:off x="1154954" y="2603500"/>
-            <a:ext cx="10312795" cy="3416300"/>
+            <a:ext cx="10430241" cy="3416300"/>
           </a:xfrm>
         </p:spPr>
         <p:txBody>
@@ -25588,27 +25659,6 @@
             <a:r>
               <a:rPr lang="ru-RU" dirty="0"/>
               <a:t>Найди баланс.</a:t>
-            </a:r>
-          </a:p>
-          <a:p>
-            <a:endParaRPr lang="ru-RU" dirty="0"/>
-          </a:p>
-          <a:p>
-            <a:r>
-              <a:rPr lang="ru-RU" dirty="0"/>
-              <a:t>Найди ту конфигурацию которая будет работать именно для тебя. Пойми что нету той </a:t>
-            </a:r>
-            <a:r>
-              <a:rPr lang="en-US" i="1" dirty="0"/>
-              <a:t>silver bullet</a:t>
-            </a:r>
-            <a:r>
-              <a:rPr lang="en-US" dirty="0"/>
-              <a:t> </a:t>
-            </a:r>
-            <a:r>
-              <a:rPr lang="ru-RU" dirty="0"/>
-              <a:t>которую все пытаются найти.</a:t>
             </a:r>
           </a:p>
           <a:p>
@@ -25619,7 +25669,7 @@
     </p:spTree>
     <p:extLst>
       <p:ext uri="{BB962C8B-B14F-4D97-AF65-F5344CB8AC3E}">
-        <p14:creationId xmlns:p14="http://schemas.microsoft.com/office/powerpoint/2010/main" val="2916773178"/>
+        <p14:creationId xmlns:p14="http://schemas.microsoft.com/office/powerpoint/2010/main" val="1501391458"/>
       </p:ext>
     </p:extLst>
   </p:cSld>
@@ -25630,7 +25680,7 @@
 </file>
 
 <file path=ppt/slides/slide53.xml><?xml version="1.0" encoding="utf-8"?>
-<p:sld xmlns:a="http://schemas.openxmlformats.org/drawingml/2006/main" xmlns:r="http://schemas.openxmlformats.org/officeDocument/2006/relationships" xmlns:p="http://schemas.openxmlformats.org/presentationml/2006/main" show="0">
+<p:sld xmlns:a="http://schemas.openxmlformats.org/drawingml/2006/main" xmlns:r="http://schemas.openxmlformats.org/officeDocument/2006/relationships" xmlns:p="http://schemas.openxmlformats.org/presentationml/2006/main">
   <p:cSld>
     <p:spTree>
       <p:nvGrpSpPr>
@@ -25662,27 +25712,14 @@
             <p:ph type="title"/>
           </p:nvPr>
         </p:nvSpPr>
-        <p:spPr>
-          <a:xfrm>
-            <a:off x="1154953" y="973668"/>
-            <a:ext cx="9457120" cy="706964"/>
-          </a:xfrm>
-        </p:spPr>
+        <p:spPr/>
         <p:txBody>
           <a:bodyPr/>
           <a:lstStyle/>
           <a:p>
             <a:r>
               <a:rPr lang="ru-RU" dirty="0"/>
-              <a:t>А</a:t>
-            </a:r>
-            <a:r>
-              <a:rPr lang="en-US" dirty="0"/>
-              <a:t> </a:t>
-            </a:r>
-            <a:r>
-              <a:rPr lang="ru-RU" dirty="0"/>
-              <a:t>зачем нам всё это?</a:t>
+              <a:t>И что мне делать?</a:t>
             </a:r>
             <a:endParaRPr lang="en-US" dirty="0"/>
           </a:p>
@@ -25704,22 +25741,69 @@
             <p:ph idx="1"/>
           </p:nvPr>
         </p:nvSpPr>
-        <p:spPr/>
+        <p:spPr>
+          <a:xfrm>
+            <a:off x="1154954" y="2603500"/>
+            <a:ext cx="10312795" cy="3416300"/>
+          </a:xfrm>
+        </p:spPr>
         <p:txBody>
           <a:bodyPr/>
           <a:lstStyle/>
           <a:p>
             <a:r>
               <a:rPr lang="ru-RU" dirty="0"/>
-              <a:t>Какую проблему мы вообще пытаемся решить?</a:t>
-            </a:r>
+              <a:t>Прислушивайся к себе. Чего ты хочешь? Какую проблему ты пытаешься решить?</a:t>
+            </a:r>
+          </a:p>
+          <a:p>
+            <a:endParaRPr lang="ru-RU" dirty="0"/>
+          </a:p>
+          <a:p>
+            <a:r>
+              <a:rPr lang="ru-RU" dirty="0"/>
+              <a:t>Задавай вопросы сам себе. И пытайся найти ответы.</a:t>
+            </a:r>
+          </a:p>
+          <a:p>
+            <a:endParaRPr lang="ru-RU" dirty="0"/>
+          </a:p>
+          <a:p>
+            <a:r>
+              <a:rPr lang="ru-RU" dirty="0"/>
+              <a:t>Найди баланс.</a:t>
+            </a:r>
+          </a:p>
+          <a:p>
+            <a:endParaRPr lang="ru-RU" dirty="0"/>
+          </a:p>
+          <a:p>
+            <a:r>
+              <a:rPr lang="ru-RU" dirty="0"/>
+              <a:t>Найди ту конфигурацию которая будет работать именно для тебя. Пойми что нету той </a:t>
+            </a:r>
+            <a:r>
+              <a:rPr lang="en-US" i="1" dirty="0"/>
+              <a:t>silver bullet</a:t>
+            </a:r>
+            <a:r>
+              <a:rPr lang="en-US" dirty="0"/>
+              <a:t> </a:t>
+            </a:r>
+            <a:r>
+              <a:rPr lang="ru-RU" dirty="0"/>
+              <a:t>которую все пытаются найти.</a:t>
+            </a:r>
+          </a:p>
+          <a:p>
+            <a:endParaRPr lang="ru-RU" dirty="0"/>
           </a:p>
         </p:txBody>
       </p:sp>
     </p:spTree>
     <p:extLst>
       <p:ext uri="{BB962C8B-B14F-4D97-AF65-F5344CB8AC3E}">
-        <p14:creationId xmlns:p14="http://schemas.microsoft.com/office/powerpoint/2010/main" val="337745344"/>
+        <p14:creationId xmlns:p14="http://schemas.microsoft.com/office/powerpoint/2010/main" val="2916773178"/>
       </p:ext>
     </p:extLst>
   </p:cSld>
@@ -25774,7 +25858,15 @@
           <a:p>
             <a:r>
               <a:rPr lang="ru-RU" dirty="0"/>
-              <a:t>Цель</a:t>
+              <a:t>А</a:t>
+            </a:r>
+            <a:r>
+              <a:rPr lang="en-US" dirty="0"/>
+              <a:t> </a:t>
+            </a:r>
+            <a:r>
+              <a:rPr lang="ru-RU" dirty="0"/>
+              <a:t>зачем нам всё это?</a:t>
             </a:r>
             <a:endParaRPr lang="en-US" dirty="0"/>
           </a:p>
@@ -25803,24 +25895,15 @@
           <a:p>
             <a:r>
               <a:rPr lang="ru-RU" dirty="0"/>
-              <a:t>Нету важного.</a:t>
-            </a:r>
-          </a:p>
-          <a:p>
-            <a:r>
-              <a:rPr lang="ru-RU" dirty="0"/>
-              <a:t>Нету потребного будущего.</a:t>
-            </a:r>
-          </a:p>
-          <a:p>
-            <a:endParaRPr lang="ru-RU" dirty="0"/>
+              <a:t>Какую проблему мы вообще пытаемся решить?</a:t>
+            </a:r>
           </a:p>
         </p:txBody>
       </p:sp>
     </p:spTree>
     <p:extLst>
       <p:ext uri="{BB962C8B-B14F-4D97-AF65-F5344CB8AC3E}">
-        <p14:creationId xmlns:p14="http://schemas.microsoft.com/office/powerpoint/2010/main" val="3636438701"/>
+        <p14:creationId xmlns:p14="http://schemas.microsoft.com/office/powerpoint/2010/main" val="337745344"/>
       </p:ext>
     </p:extLst>
   </p:cSld>
@@ -25831,7 +25914,7 @@
 </file>
 
 <file path=ppt/slides/slide55.xml><?xml version="1.0" encoding="utf-8"?>
-<p:sld xmlns:a="http://schemas.openxmlformats.org/drawingml/2006/main" xmlns:r="http://schemas.openxmlformats.org/officeDocument/2006/relationships" xmlns:p="http://schemas.openxmlformats.org/presentationml/2006/main">
+<p:sld xmlns:a="http://schemas.openxmlformats.org/drawingml/2006/main" xmlns:r="http://schemas.openxmlformats.org/officeDocument/2006/relationships" xmlns:p="http://schemas.openxmlformats.org/presentationml/2006/main" show="0">
   <p:cSld>
     <p:spTree>
       <p:nvGrpSpPr>
@@ -25863,14 +25946,19 @@
             <p:ph type="title"/>
           </p:nvPr>
         </p:nvSpPr>
-        <p:spPr/>
+        <p:spPr>
+          <a:xfrm>
+            <a:off x="1154953" y="973668"/>
+            <a:ext cx="9457120" cy="706964"/>
+          </a:xfrm>
+        </p:spPr>
         <p:txBody>
           <a:bodyPr/>
           <a:lstStyle/>
           <a:p>
             <a:r>
               <a:rPr lang="ru-RU" dirty="0"/>
-              <a:t>Советы</a:t>
+              <a:t>Цель</a:t>
             </a:r>
             <a:endParaRPr lang="en-US" dirty="0"/>
           </a:p>
@@ -25897,6 +25985,18 @@
           <a:bodyPr/>
           <a:lstStyle/>
           <a:p>
+            <a:r>
+              <a:rPr lang="ru-RU" dirty="0"/>
+              <a:t>Нету важного.</a:t>
+            </a:r>
+          </a:p>
+          <a:p>
+            <a:r>
+              <a:rPr lang="ru-RU" dirty="0"/>
+              <a:t>Нету потребного будущего.</a:t>
+            </a:r>
+          </a:p>
+          <a:p>
             <a:endParaRPr lang="ru-RU" dirty="0"/>
           </a:p>
         </p:txBody>
@@ -25904,7 +26004,7 @@
     </p:spTree>
     <p:extLst>
       <p:ext uri="{BB962C8B-B14F-4D97-AF65-F5344CB8AC3E}">
-        <p14:creationId xmlns:p14="http://schemas.microsoft.com/office/powerpoint/2010/main" val="2746810043"/>
+        <p14:creationId xmlns:p14="http://schemas.microsoft.com/office/powerpoint/2010/main" val="3636438701"/>
       </p:ext>
     </p:extLst>
   </p:cSld>
@@ -25981,12 +26081,6 @@
           <a:bodyPr/>
           <a:lstStyle/>
           <a:p>
-            <a:r>
-              <a:rPr lang="ru-RU" dirty="0"/>
-              <a:t>Спите.</a:t>
-            </a:r>
-          </a:p>
-          <a:p>
             <a:endParaRPr lang="ru-RU" dirty="0"/>
           </a:p>
         </p:txBody>
@@ -25994,7 +26088,7 @@
     </p:spTree>
     <p:extLst>
       <p:ext uri="{BB962C8B-B14F-4D97-AF65-F5344CB8AC3E}">
-        <p14:creationId xmlns:p14="http://schemas.microsoft.com/office/powerpoint/2010/main" val="1528982406"/>
+        <p14:creationId xmlns:p14="http://schemas.microsoft.com/office/powerpoint/2010/main" val="2746810043"/>
       </p:ext>
     </p:extLst>
   </p:cSld>
@@ -26077,12 +26171,6 @@
             </a:r>
           </a:p>
           <a:p>
-            <a:r>
-              <a:rPr lang="ru-RU" dirty="0"/>
-              <a:t>Практикуйте осознанность.</a:t>
-            </a:r>
-          </a:p>
-          <a:p>
             <a:endParaRPr lang="ru-RU" dirty="0"/>
           </a:p>
         </p:txBody>
@@ -26090,7 +26178,7 @@
     </p:spTree>
     <p:extLst>
       <p:ext uri="{BB962C8B-B14F-4D97-AF65-F5344CB8AC3E}">
-        <p14:creationId xmlns:p14="http://schemas.microsoft.com/office/powerpoint/2010/main" val="2212550543"/>
+        <p14:creationId xmlns:p14="http://schemas.microsoft.com/office/powerpoint/2010/main" val="1528982406"/>
       </p:ext>
     </p:extLst>
   </p:cSld>
@@ -26179,12 +26267,6 @@
             </a:r>
           </a:p>
           <a:p>
-            <a:r>
-              <a:rPr lang="ru-RU" dirty="0"/>
-              <a:t>Дневник и рефлексия.</a:t>
-            </a:r>
-          </a:p>
-          <a:p>
             <a:endParaRPr lang="ru-RU" dirty="0"/>
           </a:p>
         </p:txBody>
@@ -26192,7 +26274,7 @@
     </p:spTree>
     <p:extLst>
       <p:ext uri="{BB962C8B-B14F-4D97-AF65-F5344CB8AC3E}">
-        <p14:creationId xmlns:p14="http://schemas.microsoft.com/office/powerpoint/2010/main" val="1994819522"/>
+        <p14:creationId xmlns:p14="http://schemas.microsoft.com/office/powerpoint/2010/main" val="2212550543"/>
       </p:ext>
     </p:extLst>
   </p:cSld>
@@ -26287,12 +26369,6 @@
             </a:r>
           </a:p>
           <a:p>
-            <a:r>
-              <a:rPr lang="ru-RU" dirty="0"/>
-              <a:t>Занимайтесь медитацией.</a:t>
-            </a:r>
-          </a:p>
-          <a:p>
             <a:endParaRPr lang="ru-RU" dirty="0"/>
           </a:p>
         </p:txBody>
@@ -26300,7 +26376,7 @@
     </p:spTree>
     <p:extLst>
       <p:ext uri="{BB962C8B-B14F-4D97-AF65-F5344CB8AC3E}">
-        <p14:creationId xmlns:p14="http://schemas.microsoft.com/office/powerpoint/2010/main" val="4166029998"/>
+        <p14:creationId xmlns:p14="http://schemas.microsoft.com/office/powerpoint/2010/main" val="1994819522"/>
       </p:ext>
     </p:extLst>
   </p:cSld>
@@ -26531,12 +26607,6 @@
             </a:r>
           </a:p>
           <a:p>
-            <a:r>
-              <a:rPr lang="ru-RU" dirty="0"/>
-              <a:t>Научитесь правильно Отдыхать.</a:t>
-            </a:r>
-          </a:p>
-          <a:p>
             <a:endParaRPr lang="ru-RU" dirty="0"/>
           </a:p>
         </p:txBody>
@@ -26544,7 +26614,7 @@
     </p:spTree>
     <p:extLst>
       <p:ext uri="{BB962C8B-B14F-4D97-AF65-F5344CB8AC3E}">
-        <p14:creationId xmlns:p14="http://schemas.microsoft.com/office/powerpoint/2010/main" val="3581029079"/>
+        <p14:creationId xmlns:p14="http://schemas.microsoft.com/office/powerpoint/2010/main" val="4166029998"/>
       </p:ext>
     </p:extLst>
   </p:cSld>
@@ -26651,12 +26721,6 @@
             </a:r>
           </a:p>
           <a:p>
-            <a:r>
-              <a:rPr lang="ru-RU" dirty="0"/>
-              <a:t>Заведите ритуалы и привычки.</a:t>
-            </a:r>
-          </a:p>
-          <a:p>
             <a:endParaRPr lang="ru-RU" dirty="0"/>
           </a:p>
         </p:txBody>
@@ -26664,7 +26728,7 @@
     </p:spTree>
     <p:extLst>
       <p:ext uri="{BB962C8B-B14F-4D97-AF65-F5344CB8AC3E}">
-        <p14:creationId xmlns:p14="http://schemas.microsoft.com/office/powerpoint/2010/main" val="914086317"/>
+        <p14:creationId xmlns:p14="http://schemas.microsoft.com/office/powerpoint/2010/main" val="3581029079"/>
       </p:ext>
     </p:extLst>
   </p:cSld>
@@ -26777,12 +26841,6 @@
             </a:r>
           </a:p>
           <a:p>
-            <a:r>
-              <a:rPr lang="ru-RU" dirty="0"/>
-              <a:t>Будьте позитивны.</a:t>
-            </a:r>
-          </a:p>
-          <a:p>
             <a:endParaRPr lang="ru-RU" dirty="0"/>
           </a:p>
         </p:txBody>
@@ -26790,7 +26848,7 @@
     </p:spTree>
     <p:extLst>
       <p:ext uri="{BB962C8B-B14F-4D97-AF65-F5344CB8AC3E}">
-        <p14:creationId xmlns:p14="http://schemas.microsoft.com/office/powerpoint/2010/main" val="591118877"/>
+        <p14:creationId xmlns:p14="http://schemas.microsoft.com/office/powerpoint/2010/main" val="914086317"/>
       </p:ext>
     </p:extLst>
   </p:cSld>
@@ -26907,13 +26965,6 @@
               <a:rPr lang="ru-RU" dirty="0"/>
               <a:t>Будьте позитивны.</a:t>
             </a:r>
-            <a:endParaRPr lang="en-US" dirty="0"/>
-          </a:p>
-          <a:p>
-            <a:r>
-              <a:rPr lang="ru-RU" dirty="0"/>
-              <a:t>Занимайтесь спортом.</a:t>
-            </a:r>
           </a:p>
           <a:p>
             <a:endParaRPr lang="ru-RU" dirty="0"/>
@@ -26923,7 +26974,7 @@
     </p:spTree>
     <p:extLst>
       <p:ext uri="{BB962C8B-B14F-4D97-AF65-F5344CB8AC3E}">
-        <p14:creationId xmlns:p14="http://schemas.microsoft.com/office/powerpoint/2010/main" val="2420697594"/>
+        <p14:creationId xmlns:p14="http://schemas.microsoft.com/office/powerpoint/2010/main" val="591118877"/>
       </p:ext>
     </p:extLst>
   </p:cSld>
@@ -26973,6 +27024,139 @@
           <a:p>
             <a:r>
               <a:rPr lang="ru-RU" dirty="0"/>
+              <a:t>Советы</a:t>
+            </a:r>
+            <a:endParaRPr lang="en-US" dirty="0"/>
+          </a:p>
+        </p:txBody>
+      </p:sp>
+      <p:sp>
+        <p:nvSpPr>
+          <p:cNvPr id="3" name="Content Placeholder 2">
+            <a:extLst>
+              <a:ext uri="{FF2B5EF4-FFF2-40B4-BE49-F238E27FC236}">
+                <a16:creationId xmlns:a16="http://schemas.microsoft.com/office/drawing/2014/main" id="{F7D9122A-547D-4498-81E3-940AF608A4E2}"/>
+              </a:ext>
+            </a:extLst>
+          </p:cNvPr>
+          <p:cNvSpPr>
+            <a:spLocks noGrp="1"/>
+          </p:cNvSpPr>
+          <p:nvPr>
+            <p:ph idx="1"/>
+          </p:nvPr>
+        </p:nvSpPr>
+        <p:spPr/>
+        <p:txBody>
+          <a:bodyPr/>
+          <a:lstStyle/>
+          <a:p>
+            <a:r>
+              <a:rPr lang="ru-RU" dirty="0"/>
+              <a:t>Спите.</a:t>
+            </a:r>
+          </a:p>
+          <a:p>
+            <a:r>
+              <a:rPr lang="ru-RU" dirty="0"/>
+              <a:t>Практикуйте осознанность.</a:t>
+            </a:r>
+          </a:p>
+          <a:p>
+            <a:r>
+              <a:rPr lang="ru-RU" dirty="0"/>
+              <a:t>Дневник и рефлексия.</a:t>
+            </a:r>
+          </a:p>
+          <a:p>
+            <a:r>
+              <a:rPr lang="ru-RU" dirty="0"/>
+              <a:t>Занимайтесь медитацией.</a:t>
+            </a:r>
+          </a:p>
+          <a:p>
+            <a:r>
+              <a:rPr lang="ru-RU" dirty="0"/>
+              <a:t>Научитесь правильно Отдыхать.</a:t>
+            </a:r>
+          </a:p>
+          <a:p>
+            <a:r>
+              <a:rPr lang="ru-RU" dirty="0"/>
+              <a:t>Заведите ритуалы и привычки.</a:t>
+            </a:r>
+          </a:p>
+          <a:p>
+            <a:r>
+              <a:rPr lang="ru-RU" dirty="0"/>
+              <a:t>Будьте позитивны.</a:t>
+            </a:r>
+            <a:endParaRPr lang="en-US" dirty="0"/>
+          </a:p>
+          <a:p>
+            <a:r>
+              <a:rPr lang="ru-RU" dirty="0"/>
+              <a:t>Занимайтесь спортом.</a:t>
+            </a:r>
+          </a:p>
+          <a:p>
+            <a:endParaRPr lang="ru-RU" dirty="0"/>
+          </a:p>
+        </p:txBody>
+      </p:sp>
+    </p:spTree>
+    <p:extLst>
+      <p:ext uri="{BB962C8B-B14F-4D97-AF65-F5344CB8AC3E}">
+        <p14:creationId xmlns:p14="http://schemas.microsoft.com/office/powerpoint/2010/main" val="2420697594"/>
+      </p:ext>
+    </p:extLst>
+  </p:cSld>
+  <p:clrMapOvr>
+    <a:masterClrMapping/>
+  </p:clrMapOvr>
+</p:sld>
+</file>
+
+<file path=ppt/slides/slide65.xml><?xml version="1.0" encoding="utf-8"?>
+<p:sld xmlns:a="http://schemas.openxmlformats.org/drawingml/2006/main" xmlns:r="http://schemas.openxmlformats.org/officeDocument/2006/relationships" xmlns:p="http://schemas.openxmlformats.org/presentationml/2006/main">
+  <p:cSld>
+    <p:spTree>
+      <p:nvGrpSpPr>
+        <p:cNvPr id="1" name=""/>
+        <p:cNvGrpSpPr/>
+        <p:nvPr/>
+      </p:nvGrpSpPr>
+      <p:grpSpPr>
+        <a:xfrm>
+          <a:off x="0" y="0"/>
+          <a:ext cx="0" cy="0"/>
+          <a:chOff x="0" y="0"/>
+          <a:chExt cx="0" cy="0"/>
+        </a:xfrm>
+      </p:grpSpPr>
+      <p:sp>
+        <p:nvSpPr>
+          <p:cNvPr id="2" name="Title 1">
+            <a:extLst>
+              <a:ext uri="{FF2B5EF4-FFF2-40B4-BE49-F238E27FC236}">
+                <a16:creationId xmlns:a16="http://schemas.microsoft.com/office/drawing/2014/main" id="{8502BE21-50A6-4F8E-83CA-2BE2172D726F}"/>
+              </a:ext>
+            </a:extLst>
+          </p:cNvPr>
+          <p:cNvSpPr>
+            <a:spLocks noGrp="1"/>
+          </p:cNvSpPr>
+          <p:nvPr>
+            <p:ph type="title"/>
+          </p:nvPr>
+        </p:nvSpPr>
+        <p:spPr/>
+        <p:txBody>
+          <a:bodyPr/>
+          <a:lstStyle/>
+          <a:p>
+            <a:r>
+              <a:rPr lang="ru-RU" dirty="0"/>
               <a:t>Резюме</a:t>
             </a:r>
             <a:endParaRPr lang="en-US" dirty="0"/>
@@ -27042,7 +27226,7 @@
 </p:sld>
 </file>
 
-<file path=ppt/slides/slide65.xml><?xml version="1.0" encoding="utf-8"?>
+<file path=ppt/slides/slide66.xml><?xml version="1.0" encoding="utf-8"?>
 <p:sld xmlns:a="http://schemas.openxmlformats.org/drawingml/2006/main" xmlns:r="http://schemas.openxmlformats.org/officeDocument/2006/relationships" xmlns:p="http://schemas.openxmlformats.org/presentationml/2006/main" show="0">
   <p:cSld>
     <p:spTree>
